--- a/Präsentation/Teilpräsentationen/EMF und Generator.pptx
+++ b/Präsentation/Teilpräsentationen/EMF und Generator.pptx
@@ -5,14 +5,19 @@
     <p:sldMasterId id="2147483648" r:id="rId4"/>
   </p:sldMasterIdLst>
   <p:notesMasterIdLst>
-    <p:notesMasterId r:id="rId7"/>
+    <p:notesMasterId r:id="rId12"/>
   </p:notesMasterIdLst>
   <p:handoutMasterIdLst>
-    <p:handoutMasterId r:id="rId8"/>
+    <p:handoutMasterId r:id="rId13"/>
   </p:handoutMasterIdLst>
   <p:sldIdLst>
     <p:sldId id="258" r:id="rId5"/>
     <p:sldId id="259" r:id="rId6"/>
+    <p:sldId id="260" r:id="rId7"/>
+    <p:sldId id="264" r:id="rId8"/>
+    <p:sldId id="265" r:id="rId9"/>
+    <p:sldId id="262" r:id="rId10"/>
+    <p:sldId id="263" r:id="rId11"/>
   </p:sldIdLst>
   <p:sldSz cx="6858000" cy="5143500"/>
   <p:notesSz cx="6858000" cy="9144000"/>
@@ -154,6 +159,7365 @@
 </p:presentation>
 </file>
 
+<file path=ppt/revisionInfo.xml><?xml version="1.0" encoding="utf-8"?>
+<p1510:revInfo xmlns:a="http://schemas.openxmlformats.org/drawingml/2006/main" xmlns:r="http://schemas.openxmlformats.org/officeDocument/2006/relationships" xmlns:p1510="http://schemas.microsoft.com/office/powerpoint/2015/10/main"/>
+</file>
+
+<file path=ppt/diagrams/colors1.xml><?xml version="1.0" encoding="utf-8"?>
+<dgm:colorsDef xmlns:dgm="http://schemas.openxmlformats.org/drawingml/2006/diagram" xmlns:a="http://schemas.openxmlformats.org/drawingml/2006/main" uniqueId="urn:microsoft.com/office/officeart/2005/8/colors/accent0_1">
+  <dgm:title val=""/>
+  <dgm:desc val=""/>
+  <dgm:catLst>
+    <dgm:cat type="mainScheme" pri="10100"/>
+  </dgm:catLst>
+  <dgm:styleLbl name="node0">
+    <dgm:fillClrLst meth="repeat">
+      <a:schemeClr val="lt1"/>
+    </dgm:fillClrLst>
+    <dgm:linClrLst meth="repeat">
+      <a:schemeClr val="dk1">
+        <a:shade val="80000"/>
+      </a:schemeClr>
+    </dgm:linClrLst>
+    <dgm:effectClrLst/>
+    <dgm:txLinClrLst/>
+    <dgm:txFillClrLst meth="repeat">
+      <a:schemeClr val="dk1"/>
+    </dgm:txFillClrLst>
+    <dgm:txEffectClrLst/>
+  </dgm:styleLbl>
+  <dgm:styleLbl name="node1">
+    <dgm:fillClrLst meth="repeat">
+      <a:schemeClr val="lt1"/>
+    </dgm:fillClrLst>
+    <dgm:linClrLst meth="repeat">
+      <a:schemeClr val="dk1">
+        <a:shade val="80000"/>
+      </a:schemeClr>
+    </dgm:linClrLst>
+    <dgm:effectClrLst/>
+    <dgm:txLinClrLst/>
+    <dgm:txFillClrLst meth="repeat">
+      <a:schemeClr val="dk1"/>
+    </dgm:txFillClrLst>
+    <dgm:txEffectClrLst/>
+  </dgm:styleLbl>
+  <dgm:styleLbl name="alignNode1">
+    <dgm:fillClrLst meth="repeat">
+      <a:schemeClr val="lt1"/>
+    </dgm:fillClrLst>
+    <dgm:linClrLst meth="repeat">
+      <a:schemeClr val="dk1">
+        <a:shade val="80000"/>
+      </a:schemeClr>
+    </dgm:linClrLst>
+    <dgm:effectClrLst/>
+    <dgm:txLinClrLst/>
+    <dgm:txFillClrLst meth="repeat">
+      <a:schemeClr val="dk1"/>
+    </dgm:txFillClrLst>
+    <dgm:txEffectClrLst/>
+  </dgm:styleLbl>
+  <dgm:styleLbl name="lnNode1">
+    <dgm:fillClrLst meth="repeat">
+      <a:schemeClr val="lt1"/>
+    </dgm:fillClrLst>
+    <dgm:linClrLst meth="repeat">
+      <a:schemeClr val="dk1">
+        <a:shade val="80000"/>
+      </a:schemeClr>
+    </dgm:linClrLst>
+    <dgm:effectClrLst/>
+    <dgm:txLinClrLst/>
+    <dgm:txFillClrLst meth="repeat">
+      <a:schemeClr val="dk1"/>
+    </dgm:txFillClrLst>
+    <dgm:txEffectClrLst/>
+  </dgm:styleLbl>
+  <dgm:styleLbl name="vennNode1">
+    <dgm:fillClrLst meth="repeat">
+      <a:schemeClr val="lt1">
+        <a:alpha val="50000"/>
+      </a:schemeClr>
+    </dgm:fillClrLst>
+    <dgm:linClrLst meth="repeat">
+      <a:schemeClr val="dk1">
+        <a:shade val="80000"/>
+      </a:schemeClr>
+    </dgm:linClrLst>
+    <dgm:effectClrLst/>
+    <dgm:txLinClrLst/>
+    <dgm:txFillClrLst/>
+    <dgm:txEffectClrLst/>
+  </dgm:styleLbl>
+  <dgm:styleLbl name="node2">
+    <dgm:fillClrLst meth="repeat">
+      <a:schemeClr val="lt1"/>
+    </dgm:fillClrLst>
+    <dgm:linClrLst meth="repeat">
+      <a:schemeClr val="dk1">
+        <a:shade val="80000"/>
+      </a:schemeClr>
+    </dgm:linClrLst>
+    <dgm:effectClrLst/>
+    <dgm:txLinClrLst/>
+    <dgm:txFillClrLst meth="repeat">
+      <a:schemeClr val="dk1"/>
+    </dgm:txFillClrLst>
+    <dgm:txEffectClrLst/>
+  </dgm:styleLbl>
+  <dgm:styleLbl name="node3">
+    <dgm:fillClrLst meth="repeat">
+      <a:schemeClr val="lt1"/>
+    </dgm:fillClrLst>
+    <dgm:linClrLst meth="repeat">
+      <a:schemeClr val="dk1">
+        <a:shade val="80000"/>
+      </a:schemeClr>
+    </dgm:linClrLst>
+    <dgm:effectClrLst/>
+    <dgm:txLinClrLst/>
+    <dgm:txFillClrLst meth="repeat">
+      <a:schemeClr val="dk1"/>
+    </dgm:txFillClrLst>
+    <dgm:txEffectClrLst/>
+  </dgm:styleLbl>
+  <dgm:styleLbl name="node4">
+    <dgm:fillClrLst meth="repeat">
+      <a:schemeClr val="lt1"/>
+    </dgm:fillClrLst>
+    <dgm:linClrLst meth="repeat">
+      <a:schemeClr val="dk1">
+        <a:shade val="80000"/>
+      </a:schemeClr>
+    </dgm:linClrLst>
+    <dgm:effectClrLst/>
+    <dgm:txLinClrLst/>
+    <dgm:txFillClrLst meth="repeat">
+      <a:schemeClr val="dk1"/>
+    </dgm:txFillClrLst>
+    <dgm:txEffectClrLst/>
+  </dgm:styleLbl>
+  <dgm:styleLbl name="fgImgPlace1">
+    <dgm:fillClrLst meth="repeat">
+      <a:schemeClr val="dk1">
+        <a:tint val="40000"/>
+      </a:schemeClr>
+    </dgm:fillClrLst>
+    <dgm:linClrLst meth="repeat">
+      <a:schemeClr val="dk1">
+        <a:shade val="80000"/>
+      </a:schemeClr>
+    </dgm:linClrLst>
+    <dgm:effectClrLst/>
+    <dgm:txLinClrLst/>
+    <dgm:txFillClrLst meth="repeat">
+      <a:schemeClr val="lt1"/>
+    </dgm:txFillClrLst>
+    <dgm:txEffectClrLst/>
+  </dgm:styleLbl>
+  <dgm:styleLbl name="alignImgPlace1">
+    <dgm:fillClrLst meth="repeat">
+      <a:schemeClr val="dk1">
+        <a:tint val="40000"/>
+      </a:schemeClr>
+    </dgm:fillClrLst>
+    <dgm:linClrLst meth="repeat">
+      <a:schemeClr val="dk1">
+        <a:shade val="80000"/>
+      </a:schemeClr>
+    </dgm:linClrLst>
+    <dgm:effectClrLst/>
+    <dgm:txLinClrLst/>
+    <dgm:txFillClrLst meth="repeat">
+      <a:schemeClr val="lt1"/>
+    </dgm:txFillClrLst>
+    <dgm:txEffectClrLst/>
+  </dgm:styleLbl>
+  <dgm:styleLbl name="bgImgPlace1">
+    <dgm:fillClrLst meth="repeat">
+      <a:schemeClr val="dk1">
+        <a:tint val="40000"/>
+      </a:schemeClr>
+    </dgm:fillClrLst>
+    <dgm:linClrLst meth="repeat">
+      <a:schemeClr val="dk1">
+        <a:shade val="80000"/>
+      </a:schemeClr>
+    </dgm:linClrLst>
+    <dgm:effectClrLst/>
+    <dgm:txLinClrLst/>
+    <dgm:txFillClrLst meth="repeat">
+      <a:schemeClr val="lt1"/>
+    </dgm:txFillClrLst>
+    <dgm:txEffectClrLst/>
+  </dgm:styleLbl>
+  <dgm:styleLbl name="sibTrans2D1">
+    <dgm:fillClrLst meth="repeat">
+      <a:schemeClr val="dk1">
+        <a:tint val="60000"/>
+      </a:schemeClr>
+    </dgm:fillClrLst>
+    <dgm:linClrLst meth="repeat">
+      <a:schemeClr val="dk1">
+        <a:tint val="60000"/>
+      </a:schemeClr>
+    </dgm:linClrLst>
+    <dgm:effectClrLst/>
+    <dgm:txLinClrLst/>
+    <dgm:txFillClrLst meth="repeat">
+      <a:schemeClr val="dk1"/>
+    </dgm:txFillClrLst>
+    <dgm:txEffectClrLst/>
+  </dgm:styleLbl>
+  <dgm:styleLbl name="fgSibTrans2D1">
+    <dgm:fillClrLst meth="repeat">
+      <a:schemeClr val="dk1">
+        <a:tint val="60000"/>
+      </a:schemeClr>
+    </dgm:fillClrLst>
+    <dgm:linClrLst meth="repeat">
+      <a:schemeClr val="dk1">
+        <a:tint val="60000"/>
+      </a:schemeClr>
+    </dgm:linClrLst>
+    <dgm:effectClrLst/>
+    <dgm:txLinClrLst/>
+    <dgm:txFillClrLst meth="repeat">
+      <a:schemeClr val="dk1"/>
+    </dgm:txFillClrLst>
+    <dgm:txEffectClrLst/>
+  </dgm:styleLbl>
+  <dgm:styleLbl name="bgSibTrans2D1">
+    <dgm:fillClrLst meth="repeat">
+      <a:schemeClr val="dk1">
+        <a:tint val="60000"/>
+      </a:schemeClr>
+    </dgm:fillClrLst>
+    <dgm:linClrLst meth="repeat">
+      <a:schemeClr val="dk1">
+        <a:tint val="60000"/>
+      </a:schemeClr>
+    </dgm:linClrLst>
+    <dgm:effectClrLst/>
+    <dgm:txLinClrLst/>
+    <dgm:txFillClrLst meth="repeat">
+      <a:schemeClr val="dk1"/>
+    </dgm:txFillClrLst>
+    <dgm:txEffectClrLst/>
+  </dgm:styleLbl>
+  <dgm:styleLbl name="sibTrans1D1">
+    <dgm:fillClrLst meth="repeat">
+      <a:schemeClr val="dk1"/>
+    </dgm:fillClrLst>
+    <dgm:linClrLst meth="repeat">
+      <a:schemeClr val="dk1"/>
+    </dgm:linClrLst>
+    <dgm:effectClrLst/>
+    <dgm:txLinClrLst/>
+    <dgm:txFillClrLst meth="repeat">
+      <a:schemeClr val="tx1"/>
+    </dgm:txFillClrLst>
+    <dgm:txEffectClrLst/>
+  </dgm:styleLbl>
+  <dgm:styleLbl name="callout">
+    <dgm:fillClrLst meth="repeat">
+      <a:schemeClr val="dk1"/>
+    </dgm:fillClrLst>
+    <dgm:linClrLst meth="repeat">
+      <a:schemeClr val="dk1"/>
+    </dgm:linClrLst>
+    <dgm:effectClrLst/>
+    <dgm:txLinClrLst/>
+    <dgm:txFillClrLst meth="repeat">
+      <a:schemeClr val="tx1"/>
+    </dgm:txFillClrLst>
+    <dgm:txEffectClrLst/>
+  </dgm:styleLbl>
+  <dgm:styleLbl name="asst0">
+    <dgm:fillClrLst meth="repeat">
+      <a:schemeClr val="lt1"/>
+    </dgm:fillClrLst>
+    <dgm:linClrLst meth="repeat">
+      <a:schemeClr val="dk1">
+        <a:shade val="80000"/>
+      </a:schemeClr>
+    </dgm:linClrLst>
+    <dgm:effectClrLst/>
+    <dgm:txLinClrLst/>
+    <dgm:txFillClrLst meth="repeat">
+      <a:schemeClr val="dk1"/>
+    </dgm:txFillClrLst>
+    <dgm:txEffectClrLst/>
+  </dgm:styleLbl>
+  <dgm:styleLbl name="asst1">
+    <dgm:fillClrLst meth="repeat">
+      <a:schemeClr val="lt1"/>
+    </dgm:fillClrLst>
+    <dgm:linClrLst meth="repeat">
+      <a:schemeClr val="dk1">
+        <a:shade val="80000"/>
+      </a:schemeClr>
+    </dgm:linClrLst>
+    <dgm:effectClrLst/>
+    <dgm:txLinClrLst/>
+    <dgm:txFillClrLst meth="repeat">
+      <a:schemeClr val="dk1"/>
+    </dgm:txFillClrLst>
+    <dgm:txEffectClrLst/>
+  </dgm:styleLbl>
+  <dgm:styleLbl name="asst2">
+    <dgm:fillClrLst meth="repeat">
+      <a:schemeClr val="lt1"/>
+    </dgm:fillClrLst>
+    <dgm:linClrLst meth="repeat">
+      <a:schemeClr val="dk1">
+        <a:shade val="80000"/>
+      </a:schemeClr>
+    </dgm:linClrLst>
+    <dgm:effectClrLst/>
+    <dgm:txLinClrLst/>
+    <dgm:txFillClrLst meth="repeat">
+      <a:schemeClr val="dk1"/>
+    </dgm:txFillClrLst>
+    <dgm:txEffectClrLst/>
+  </dgm:styleLbl>
+  <dgm:styleLbl name="asst3">
+    <dgm:fillClrLst meth="repeat">
+      <a:schemeClr val="lt1"/>
+    </dgm:fillClrLst>
+    <dgm:linClrLst meth="repeat">
+      <a:schemeClr val="dk1">
+        <a:shade val="80000"/>
+      </a:schemeClr>
+    </dgm:linClrLst>
+    <dgm:effectClrLst/>
+    <dgm:txLinClrLst/>
+    <dgm:txFillClrLst meth="repeat">
+      <a:schemeClr val="dk1"/>
+    </dgm:txFillClrLst>
+    <dgm:txEffectClrLst/>
+  </dgm:styleLbl>
+  <dgm:styleLbl name="asst4">
+    <dgm:fillClrLst meth="repeat">
+      <a:schemeClr val="lt1"/>
+    </dgm:fillClrLst>
+    <dgm:linClrLst meth="repeat">
+      <a:schemeClr val="dk1">
+        <a:shade val="80000"/>
+      </a:schemeClr>
+    </dgm:linClrLst>
+    <dgm:effectClrLst/>
+    <dgm:txLinClrLst/>
+    <dgm:txFillClrLst meth="repeat">
+      <a:schemeClr val="dk1"/>
+    </dgm:txFillClrLst>
+    <dgm:txEffectClrLst/>
+  </dgm:styleLbl>
+  <dgm:styleLbl name="parChTrans2D1">
+    <dgm:fillClrLst meth="repeat">
+      <a:schemeClr val="dk1">
+        <a:tint val="60000"/>
+      </a:schemeClr>
+    </dgm:fillClrLst>
+    <dgm:linClrLst meth="repeat">
+      <a:schemeClr val="dk1">
+        <a:tint val="60000"/>
+      </a:schemeClr>
+    </dgm:linClrLst>
+    <dgm:effectClrLst/>
+    <dgm:txLinClrLst/>
+    <dgm:txFillClrLst/>
+    <dgm:txEffectClrLst/>
+  </dgm:styleLbl>
+  <dgm:styleLbl name="parChTrans2D2">
+    <dgm:fillClrLst meth="repeat">
+      <a:schemeClr val="dk1"/>
+    </dgm:fillClrLst>
+    <dgm:linClrLst meth="repeat">
+      <a:schemeClr val="dk1"/>
+    </dgm:linClrLst>
+    <dgm:effectClrLst/>
+    <dgm:txLinClrLst/>
+    <dgm:txFillClrLst/>
+    <dgm:txEffectClrLst/>
+  </dgm:styleLbl>
+  <dgm:styleLbl name="parChTrans2D3">
+    <dgm:fillClrLst meth="repeat">
+      <a:schemeClr val="dk1"/>
+    </dgm:fillClrLst>
+    <dgm:linClrLst meth="repeat">
+      <a:schemeClr val="dk1"/>
+    </dgm:linClrLst>
+    <dgm:effectClrLst/>
+    <dgm:txLinClrLst/>
+    <dgm:txFillClrLst/>
+    <dgm:txEffectClrLst/>
+  </dgm:styleLbl>
+  <dgm:styleLbl name="parChTrans2D4">
+    <dgm:fillClrLst meth="repeat">
+      <a:schemeClr val="dk1"/>
+    </dgm:fillClrLst>
+    <dgm:linClrLst meth="repeat">
+      <a:schemeClr val="dk1"/>
+    </dgm:linClrLst>
+    <dgm:effectClrLst/>
+    <dgm:txLinClrLst/>
+    <dgm:txFillClrLst meth="repeat">
+      <a:schemeClr val="lt1"/>
+    </dgm:txFillClrLst>
+    <dgm:txEffectClrLst/>
+  </dgm:styleLbl>
+  <dgm:styleLbl name="parChTrans1D1">
+    <dgm:fillClrLst meth="repeat">
+      <a:schemeClr val="dk1"/>
+    </dgm:fillClrLst>
+    <dgm:linClrLst meth="repeat">
+      <a:schemeClr val="dk1">
+        <a:shade val="60000"/>
+      </a:schemeClr>
+    </dgm:linClrLst>
+    <dgm:effectClrLst/>
+    <dgm:txLinClrLst/>
+    <dgm:txFillClrLst meth="repeat">
+      <a:schemeClr val="tx1"/>
+    </dgm:txFillClrLst>
+    <dgm:txEffectClrLst/>
+  </dgm:styleLbl>
+  <dgm:styleLbl name="parChTrans1D2">
+    <dgm:fillClrLst meth="repeat">
+      <a:schemeClr val="dk1"/>
+    </dgm:fillClrLst>
+    <dgm:linClrLst meth="repeat">
+      <a:schemeClr val="dk1">
+        <a:shade val="60000"/>
+      </a:schemeClr>
+    </dgm:linClrLst>
+    <dgm:effectClrLst/>
+    <dgm:txLinClrLst/>
+    <dgm:txFillClrLst meth="repeat">
+      <a:schemeClr val="tx1"/>
+    </dgm:txFillClrLst>
+    <dgm:txEffectClrLst/>
+  </dgm:styleLbl>
+  <dgm:styleLbl name="parChTrans1D3">
+    <dgm:fillClrLst meth="repeat">
+      <a:schemeClr val="dk1"/>
+    </dgm:fillClrLst>
+    <dgm:linClrLst meth="repeat">
+      <a:schemeClr val="dk1">
+        <a:shade val="80000"/>
+      </a:schemeClr>
+    </dgm:linClrLst>
+    <dgm:effectClrLst/>
+    <dgm:txLinClrLst/>
+    <dgm:txFillClrLst meth="repeat">
+      <a:schemeClr val="tx1"/>
+    </dgm:txFillClrLst>
+    <dgm:txEffectClrLst/>
+  </dgm:styleLbl>
+  <dgm:styleLbl name="parChTrans1D4">
+    <dgm:fillClrLst meth="repeat">
+      <a:schemeClr val="dk1"/>
+    </dgm:fillClrLst>
+    <dgm:linClrLst meth="repeat">
+      <a:schemeClr val="dk1">
+        <a:shade val="80000"/>
+      </a:schemeClr>
+    </dgm:linClrLst>
+    <dgm:effectClrLst/>
+    <dgm:txLinClrLst/>
+    <dgm:txFillClrLst meth="repeat">
+      <a:schemeClr val="tx1"/>
+    </dgm:txFillClrLst>
+    <dgm:txEffectClrLst/>
+  </dgm:styleLbl>
+  <dgm:styleLbl name="fgAcc1">
+    <dgm:fillClrLst meth="repeat">
+      <a:schemeClr val="dk1">
+        <a:alpha val="90000"/>
+        <a:tint val="40000"/>
+      </a:schemeClr>
+    </dgm:fillClrLst>
+    <dgm:linClrLst meth="repeat">
+      <a:schemeClr val="dk1"/>
+    </dgm:linClrLst>
+    <dgm:effectClrLst/>
+    <dgm:txLinClrLst/>
+    <dgm:txFillClrLst meth="repeat">
+      <a:schemeClr val="dk1"/>
+    </dgm:txFillClrLst>
+    <dgm:txEffectClrLst/>
+  </dgm:styleLbl>
+  <dgm:styleLbl name="conFgAcc1">
+    <dgm:fillClrLst meth="repeat">
+      <a:schemeClr val="dk1">
+        <a:alpha val="90000"/>
+        <a:tint val="40000"/>
+      </a:schemeClr>
+    </dgm:fillClrLst>
+    <dgm:linClrLst meth="repeat">
+      <a:schemeClr val="dk1"/>
+    </dgm:linClrLst>
+    <dgm:effectClrLst/>
+    <dgm:txLinClrLst/>
+    <dgm:txFillClrLst meth="repeat">
+      <a:schemeClr val="dk1"/>
+    </dgm:txFillClrLst>
+    <dgm:txEffectClrLst/>
+  </dgm:styleLbl>
+  <dgm:styleLbl name="alignAcc1">
+    <dgm:fillClrLst meth="repeat">
+      <a:schemeClr val="dk1">
+        <a:alpha val="90000"/>
+        <a:tint val="40000"/>
+      </a:schemeClr>
+    </dgm:fillClrLst>
+    <dgm:linClrLst meth="repeat">
+      <a:schemeClr val="dk1"/>
+    </dgm:linClrLst>
+    <dgm:effectClrLst/>
+    <dgm:txLinClrLst/>
+    <dgm:txFillClrLst meth="repeat">
+      <a:schemeClr val="dk1"/>
+    </dgm:txFillClrLst>
+    <dgm:txEffectClrLst/>
+  </dgm:styleLbl>
+  <dgm:styleLbl name="trAlignAcc1">
+    <dgm:fillClrLst meth="repeat">
+      <a:schemeClr val="dk1">
+        <a:alpha val="40000"/>
+        <a:tint val="40000"/>
+      </a:schemeClr>
+    </dgm:fillClrLst>
+    <dgm:linClrLst meth="repeat">
+      <a:schemeClr val="dk1"/>
+    </dgm:linClrLst>
+    <dgm:effectClrLst/>
+    <dgm:txLinClrLst/>
+    <dgm:txFillClrLst meth="repeat">
+      <a:schemeClr val="dk1"/>
+    </dgm:txFillClrLst>
+    <dgm:txEffectClrLst/>
+  </dgm:styleLbl>
+  <dgm:styleLbl name="bgAcc1">
+    <dgm:fillClrLst meth="repeat">
+      <a:schemeClr val="dk1">
+        <a:alpha val="90000"/>
+        <a:tint val="40000"/>
+      </a:schemeClr>
+    </dgm:fillClrLst>
+    <dgm:linClrLst meth="repeat">
+      <a:schemeClr val="dk1"/>
+    </dgm:linClrLst>
+    <dgm:effectClrLst/>
+    <dgm:txLinClrLst/>
+    <dgm:txFillClrLst meth="repeat">
+      <a:schemeClr val="dk1"/>
+    </dgm:txFillClrLst>
+    <dgm:txEffectClrLst/>
+  </dgm:styleLbl>
+  <dgm:styleLbl name="solidFgAcc1">
+    <dgm:fillClrLst meth="repeat">
+      <a:schemeClr val="lt1"/>
+    </dgm:fillClrLst>
+    <dgm:linClrLst meth="repeat">
+      <a:schemeClr val="dk1"/>
+    </dgm:linClrLst>
+    <dgm:effectClrLst/>
+    <dgm:txLinClrLst/>
+    <dgm:txFillClrLst meth="repeat">
+      <a:schemeClr val="dk1"/>
+    </dgm:txFillClrLst>
+    <dgm:txEffectClrLst/>
+  </dgm:styleLbl>
+  <dgm:styleLbl name="solidAlignAcc1">
+    <dgm:fillClrLst meth="repeat">
+      <a:schemeClr val="lt1"/>
+    </dgm:fillClrLst>
+    <dgm:linClrLst meth="repeat">
+      <a:schemeClr val="dk1"/>
+    </dgm:linClrLst>
+    <dgm:effectClrLst/>
+    <dgm:txLinClrLst/>
+    <dgm:txFillClrLst meth="repeat">
+      <a:schemeClr val="dk1"/>
+    </dgm:txFillClrLst>
+    <dgm:txEffectClrLst/>
+  </dgm:styleLbl>
+  <dgm:styleLbl name="solidBgAcc1">
+    <dgm:fillClrLst meth="repeat">
+      <a:schemeClr val="lt1"/>
+    </dgm:fillClrLst>
+    <dgm:linClrLst meth="repeat">
+      <a:schemeClr val="dk1"/>
+    </dgm:linClrLst>
+    <dgm:effectClrLst/>
+    <dgm:txLinClrLst/>
+    <dgm:txFillClrLst meth="repeat">
+      <a:schemeClr val="dk1"/>
+    </dgm:txFillClrLst>
+    <dgm:txEffectClrLst/>
+  </dgm:styleLbl>
+  <dgm:styleLbl name="fgAccFollowNode1">
+    <dgm:fillClrLst meth="repeat">
+      <a:schemeClr val="lt1">
+        <a:alpha val="90000"/>
+        <a:tint val="40000"/>
+      </a:schemeClr>
+    </dgm:fillClrLst>
+    <dgm:linClrLst meth="repeat">
+      <a:schemeClr val="dk1">
+        <a:alpha val="90000"/>
+      </a:schemeClr>
+    </dgm:linClrLst>
+    <dgm:effectClrLst/>
+    <dgm:txLinClrLst/>
+    <dgm:txFillClrLst meth="repeat">
+      <a:schemeClr val="dk1"/>
+    </dgm:txFillClrLst>
+    <dgm:txEffectClrLst/>
+  </dgm:styleLbl>
+  <dgm:styleLbl name="alignAccFollowNode1">
+    <dgm:fillClrLst meth="repeat">
+      <a:schemeClr val="lt1">
+        <a:alpha val="90000"/>
+        <a:tint val="40000"/>
+      </a:schemeClr>
+    </dgm:fillClrLst>
+    <dgm:linClrLst meth="repeat">
+      <a:schemeClr val="dk1">
+        <a:alpha val="90000"/>
+      </a:schemeClr>
+    </dgm:linClrLst>
+    <dgm:effectClrLst/>
+    <dgm:txLinClrLst/>
+    <dgm:txFillClrLst meth="repeat">
+      <a:schemeClr val="dk1"/>
+    </dgm:txFillClrLst>
+    <dgm:txEffectClrLst/>
+  </dgm:styleLbl>
+  <dgm:styleLbl name="bgAccFollowNode1">
+    <dgm:fillClrLst meth="repeat">
+      <a:schemeClr val="lt1">
+        <a:alpha val="90000"/>
+        <a:tint val="40000"/>
+      </a:schemeClr>
+    </dgm:fillClrLst>
+    <dgm:linClrLst meth="repeat">
+      <a:schemeClr val="dk1">
+        <a:alpha val="90000"/>
+      </a:schemeClr>
+    </dgm:linClrLst>
+    <dgm:effectClrLst/>
+    <dgm:txLinClrLst/>
+    <dgm:txFillClrLst meth="repeat">
+      <a:schemeClr val="dk1"/>
+    </dgm:txFillClrLst>
+    <dgm:txEffectClrLst/>
+  </dgm:styleLbl>
+  <dgm:styleLbl name="fgAcc0">
+    <dgm:fillClrLst meth="repeat">
+      <a:schemeClr val="dk1">
+        <a:alpha val="90000"/>
+        <a:tint val="40000"/>
+      </a:schemeClr>
+    </dgm:fillClrLst>
+    <dgm:linClrLst meth="repeat">
+      <a:schemeClr val="dk1"/>
+    </dgm:linClrLst>
+    <dgm:effectClrLst/>
+    <dgm:txLinClrLst/>
+    <dgm:txFillClrLst meth="repeat">
+      <a:schemeClr val="dk1"/>
+    </dgm:txFillClrLst>
+    <dgm:txEffectClrLst/>
+  </dgm:styleLbl>
+  <dgm:styleLbl name="fgAcc2">
+    <dgm:fillClrLst meth="repeat">
+      <a:schemeClr val="dk1">
+        <a:alpha val="90000"/>
+        <a:tint val="40000"/>
+      </a:schemeClr>
+    </dgm:fillClrLst>
+    <dgm:linClrLst meth="repeat">
+      <a:schemeClr val="dk1"/>
+    </dgm:linClrLst>
+    <dgm:effectClrLst/>
+    <dgm:txLinClrLst/>
+    <dgm:txFillClrLst meth="repeat">
+      <a:schemeClr val="dk1"/>
+    </dgm:txFillClrLst>
+    <dgm:txEffectClrLst/>
+  </dgm:styleLbl>
+  <dgm:styleLbl name="fgAcc3">
+    <dgm:fillClrLst meth="repeat">
+      <a:schemeClr val="dk1">
+        <a:alpha val="90000"/>
+        <a:tint val="40000"/>
+      </a:schemeClr>
+    </dgm:fillClrLst>
+    <dgm:linClrLst meth="repeat">
+      <a:schemeClr val="dk1"/>
+    </dgm:linClrLst>
+    <dgm:effectClrLst/>
+    <dgm:txLinClrLst/>
+    <dgm:txFillClrLst meth="repeat">
+      <a:schemeClr val="dk1"/>
+    </dgm:txFillClrLst>
+    <dgm:txEffectClrLst/>
+  </dgm:styleLbl>
+  <dgm:styleLbl name="fgAcc4">
+    <dgm:fillClrLst meth="repeat">
+      <a:schemeClr val="dk1">
+        <a:alpha val="90000"/>
+        <a:tint val="40000"/>
+      </a:schemeClr>
+    </dgm:fillClrLst>
+    <dgm:linClrLst meth="repeat">
+      <a:schemeClr val="dk1"/>
+    </dgm:linClrLst>
+    <dgm:effectClrLst/>
+    <dgm:txLinClrLst/>
+    <dgm:txFillClrLst meth="repeat">
+      <a:schemeClr val="dk1"/>
+    </dgm:txFillClrLst>
+    <dgm:txEffectClrLst/>
+  </dgm:styleLbl>
+  <dgm:styleLbl name="bgShp">
+    <dgm:fillClrLst meth="repeat">
+      <a:schemeClr val="dk1">
+        <a:tint val="40000"/>
+      </a:schemeClr>
+    </dgm:fillClrLst>
+    <dgm:linClrLst meth="repeat">
+      <a:schemeClr val="dk1"/>
+    </dgm:linClrLst>
+    <dgm:effectClrLst/>
+    <dgm:txLinClrLst/>
+    <dgm:txFillClrLst meth="repeat">
+      <a:schemeClr val="dk1"/>
+    </dgm:txFillClrLst>
+    <dgm:txEffectClrLst/>
+  </dgm:styleLbl>
+  <dgm:styleLbl name="dkBgShp">
+    <dgm:fillClrLst meth="repeat">
+      <a:schemeClr val="dk1">
+        <a:shade val="80000"/>
+      </a:schemeClr>
+    </dgm:fillClrLst>
+    <dgm:linClrLst meth="repeat">
+      <a:schemeClr val="dk1"/>
+    </dgm:linClrLst>
+    <dgm:effectClrLst/>
+    <dgm:txLinClrLst/>
+    <dgm:txFillClrLst meth="repeat">
+      <a:schemeClr val="lt1"/>
+    </dgm:txFillClrLst>
+    <dgm:txEffectClrLst/>
+  </dgm:styleLbl>
+  <dgm:styleLbl name="trBgShp">
+    <dgm:fillClrLst meth="repeat">
+      <a:schemeClr val="dk1">
+        <a:tint val="50000"/>
+        <a:alpha val="40000"/>
+      </a:schemeClr>
+    </dgm:fillClrLst>
+    <dgm:linClrLst meth="repeat">
+      <a:schemeClr val="dk1"/>
+    </dgm:linClrLst>
+    <dgm:effectClrLst/>
+    <dgm:txLinClrLst/>
+    <dgm:txFillClrLst meth="repeat">
+      <a:schemeClr val="lt1"/>
+    </dgm:txFillClrLst>
+    <dgm:txEffectClrLst/>
+  </dgm:styleLbl>
+  <dgm:styleLbl name="fgShp">
+    <dgm:fillClrLst meth="repeat">
+      <a:schemeClr val="dk1">
+        <a:tint val="60000"/>
+      </a:schemeClr>
+    </dgm:fillClrLst>
+    <dgm:linClrLst meth="repeat">
+      <a:schemeClr val="lt1"/>
+    </dgm:linClrLst>
+    <dgm:effectClrLst/>
+    <dgm:txLinClrLst/>
+    <dgm:txFillClrLst meth="repeat">
+      <a:schemeClr val="dk1"/>
+    </dgm:txFillClrLst>
+    <dgm:txEffectClrLst/>
+  </dgm:styleLbl>
+  <dgm:styleLbl name="revTx">
+    <dgm:fillClrLst meth="repeat">
+      <a:schemeClr val="lt1">
+        <a:alpha val="0"/>
+      </a:schemeClr>
+    </dgm:fillClrLst>
+    <dgm:linClrLst meth="repeat">
+      <a:schemeClr val="dk1">
+        <a:alpha val="0"/>
+      </a:schemeClr>
+    </dgm:linClrLst>
+    <dgm:effectClrLst/>
+    <dgm:txLinClrLst/>
+    <dgm:txFillClrLst meth="repeat">
+      <a:schemeClr val="tx1"/>
+    </dgm:txFillClrLst>
+    <dgm:txEffectClrLst/>
+  </dgm:styleLbl>
+</dgm:colorsDef>
+</file>
+
+<file path=ppt/diagrams/colors2.xml><?xml version="1.0" encoding="utf-8"?>
+<dgm:colorsDef xmlns:dgm="http://schemas.openxmlformats.org/drawingml/2006/diagram" xmlns:a="http://schemas.openxmlformats.org/drawingml/2006/main" uniqueId="urn:microsoft.com/office/officeart/2005/8/colors/accent0_1">
+  <dgm:title val=""/>
+  <dgm:desc val=""/>
+  <dgm:catLst>
+    <dgm:cat type="mainScheme" pri="10100"/>
+  </dgm:catLst>
+  <dgm:styleLbl name="node0">
+    <dgm:fillClrLst meth="repeat">
+      <a:schemeClr val="lt1"/>
+    </dgm:fillClrLst>
+    <dgm:linClrLst meth="repeat">
+      <a:schemeClr val="dk1">
+        <a:shade val="80000"/>
+      </a:schemeClr>
+    </dgm:linClrLst>
+    <dgm:effectClrLst/>
+    <dgm:txLinClrLst/>
+    <dgm:txFillClrLst meth="repeat">
+      <a:schemeClr val="dk1"/>
+    </dgm:txFillClrLst>
+    <dgm:txEffectClrLst/>
+  </dgm:styleLbl>
+  <dgm:styleLbl name="node1">
+    <dgm:fillClrLst meth="repeat">
+      <a:schemeClr val="lt1"/>
+    </dgm:fillClrLst>
+    <dgm:linClrLst meth="repeat">
+      <a:schemeClr val="dk1">
+        <a:shade val="80000"/>
+      </a:schemeClr>
+    </dgm:linClrLst>
+    <dgm:effectClrLst/>
+    <dgm:txLinClrLst/>
+    <dgm:txFillClrLst meth="repeat">
+      <a:schemeClr val="dk1"/>
+    </dgm:txFillClrLst>
+    <dgm:txEffectClrLst/>
+  </dgm:styleLbl>
+  <dgm:styleLbl name="alignNode1">
+    <dgm:fillClrLst meth="repeat">
+      <a:schemeClr val="lt1"/>
+    </dgm:fillClrLst>
+    <dgm:linClrLst meth="repeat">
+      <a:schemeClr val="dk1">
+        <a:shade val="80000"/>
+      </a:schemeClr>
+    </dgm:linClrLst>
+    <dgm:effectClrLst/>
+    <dgm:txLinClrLst/>
+    <dgm:txFillClrLst meth="repeat">
+      <a:schemeClr val="dk1"/>
+    </dgm:txFillClrLst>
+    <dgm:txEffectClrLst/>
+  </dgm:styleLbl>
+  <dgm:styleLbl name="lnNode1">
+    <dgm:fillClrLst meth="repeat">
+      <a:schemeClr val="lt1"/>
+    </dgm:fillClrLst>
+    <dgm:linClrLst meth="repeat">
+      <a:schemeClr val="dk1">
+        <a:shade val="80000"/>
+      </a:schemeClr>
+    </dgm:linClrLst>
+    <dgm:effectClrLst/>
+    <dgm:txLinClrLst/>
+    <dgm:txFillClrLst meth="repeat">
+      <a:schemeClr val="dk1"/>
+    </dgm:txFillClrLst>
+    <dgm:txEffectClrLst/>
+  </dgm:styleLbl>
+  <dgm:styleLbl name="vennNode1">
+    <dgm:fillClrLst meth="repeat">
+      <a:schemeClr val="lt1">
+        <a:alpha val="50000"/>
+      </a:schemeClr>
+    </dgm:fillClrLst>
+    <dgm:linClrLst meth="repeat">
+      <a:schemeClr val="dk1">
+        <a:shade val="80000"/>
+      </a:schemeClr>
+    </dgm:linClrLst>
+    <dgm:effectClrLst/>
+    <dgm:txLinClrLst/>
+    <dgm:txFillClrLst/>
+    <dgm:txEffectClrLst/>
+  </dgm:styleLbl>
+  <dgm:styleLbl name="node2">
+    <dgm:fillClrLst meth="repeat">
+      <a:schemeClr val="lt1"/>
+    </dgm:fillClrLst>
+    <dgm:linClrLst meth="repeat">
+      <a:schemeClr val="dk1">
+        <a:shade val="80000"/>
+      </a:schemeClr>
+    </dgm:linClrLst>
+    <dgm:effectClrLst/>
+    <dgm:txLinClrLst/>
+    <dgm:txFillClrLst meth="repeat">
+      <a:schemeClr val="dk1"/>
+    </dgm:txFillClrLst>
+    <dgm:txEffectClrLst/>
+  </dgm:styleLbl>
+  <dgm:styleLbl name="node3">
+    <dgm:fillClrLst meth="repeat">
+      <a:schemeClr val="lt1"/>
+    </dgm:fillClrLst>
+    <dgm:linClrLst meth="repeat">
+      <a:schemeClr val="dk1">
+        <a:shade val="80000"/>
+      </a:schemeClr>
+    </dgm:linClrLst>
+    <dgm:effectClrLst/>
+    <dgm:txLinClrLst/>
+    <dgm:txFillClrLst meth="repeat">
+      <a:schemeClr val="dk1"/>
+    </dgm:txFillClrLst>
+    <dgm:txEffectClrLst/>
+  </dgm:styleLbl>
+  <dgm:styleLbl name="node4">
+    <dgm:fillClrLst meth="repeat">
+      <a:schemeClr val="lt1"/>
+    </dgm:fillClrLst>
+    <dgm:linClrLst meth="repeat">
+      <a:schemeClr val="dk1">
+        <a:shade val="80000"/>
+      </a:schemeClr>
+    </dgm:linClrLst>
+    <dgm:effectClrLst/>
+    <dgm:txLinClrLst/>
+    <dgm:txFillClrLst meth="repeat">
+      <a:schemeClr val="dk1"/>
+    </dgm:txFillClrLst>
+    <dgm:txEffectClrLst/>
+  </dgm:styleLbl>
+  <dgm:styleLbl name="fgImgPlace1">
+    <dgm:fillClrLst meth="repeat">
+      <a:schemeClr val="dk1">
+        <a:tint val="40000"/>
+      </a:schemeClr>
+    </dgm:fillClrLst>
+    <dgm:linClrLst meth="repeat">
+      <a:schemeClr val="dk1">
+        <a:shade val="80000"/>
+      </a:schemeClr>
+    </dgm:linClrLst>
+    <dgm:effectClrLst/>
+    <dgm:txLinClrLst/>
+    <dgm:txFillClrLst meth="repeat">
+      <a:schemeClr val="lt1"/>
+    </dgm:txFillClrLst>
+    <dgm:txEffectClrLst/>
+  </dgm:styleLbl>
+  <dgm:styleLbl name="alignImgPlace1">
+    <dgm:fillClrLst meth="repeat">
+      <a:schemeClr val="dk1">
+        <a:tint val="40000"/>
+      </a:schemeClr>
+    </dgm:fillClrLst>
+    <dgm:linClrLst meth="repeat">
+      <a:schemeClr val="dk1">
+        <a:shade val="80000"/>
+      </a:schemeClr>
+    </dgm:linClrLst>
+    <dgm:effectClrLst/>
+    <dgm:txLinClrLst/>
+    <dgm:txFillClrLst meth="repeat">
+      <a:schemeClr val="lt1"/>
+    </dgm:txFillClrLst>
+    <dgm:txEffectClrLst/>
+  </dgm:styleLbl>
+  <dgm:styleLbl name="bgImgPlace1">
+    <dgm:fillClrLst meth="repeat">
+      <a:schemeClr val="dk1">
+        <a:tint val="40000"/>
+      </a:schemeClr>
+    </dgm:fillClrLst>
+    <dgm:linClrLst meth="repeat">
+      <a:schemeClr val="dk1">
+        <a:shade val="80000"/>
+      </a:schemeClr>
+    </dgm:linClrLst>
+    <dgm:effectClrLst/>
+    <dgm:txLinClrLst/>
+    <dgm:txFillClrLst meth="repeat">
+      <a:schemeClr val="lt1"/>
+    </dgm:txFillClrLst>
+    <dgm:txEffectClrLst/>
+  </dgm:styleLbl>
+  <dgm:styleLbl name="sibTrans2D1">
+    <dgm:fillClrLst meth="repeat">
+      <a:schemeClr val="dk1">
+        <a:tint val="60000"/>
+      </a:schemeClr>
+    </dgm:fillClrLst>
+    <dgm:linClrLst meth="repeat">
+      <a:schemeClr val="dk1">
+        <a:tint val="60000"/>
+      </a:schemeClr>
+    </dgm:linClrLst>
+    <dgm:effectClrLst/>
+    <dgm:txLinClrLst/>
+    <dgm:txFillClrLst meth="repeat">
+      <a:schemeClr val="dk1"/>
+    </dgm:txFillClrLst>
+    <dgm:txEffectClrLst/>
+  </dgm:styleLbl>
+  <dgm:styleLbl name="fgSibTrans2D1">
+    <dgm:fillClrLst meth="repeat">
+      <a:schemeClr val="dk1">
+        <a:tint val="60000"/>
+      </a:schemeClr>
+    </dgm:fillClrLst>
+    <dgm:linClrLst meth="repeat">
+      <a:schemeClr val="dk1">
+        <a:tint val="60000"/>
+      </a:schemeClr>
+    </dgm:linClrLst>
+    <dgm:effectClrLst/>
+    <dgm:txLinClrLst/>
+    <dgm:txFillClrLst meth="repeat">
+      <a:schemeClr val="dk1"/>
+    </dgm:txFillClrLst>
+    <dgm:txEffectClrLst/>
+  </dgm:styleLbl>
+  <dgm:styleLbl name="bgSibTrans2D1">
+    <dgm:fillClrLst meth="repeat">
+      <a:schemeClr val="dk1">
+        <a:tint val="60000"/>
+      </a:schemeClr>
+    </dgm:fillClrLst>
+    <dgm:linClrLst meth="repeat">
+      <a:schemeClr val="dk1">
+        <a:tint val="60000"/>
+      </a:schemeClr>
+    </dgm:linClrLst>
+    <dgm:effectClrLst/>
+    <dgm:txLinClrLst/>
+    <dgm:txFillClrLst meth="repeat">
+      <a:schemeClr val="dk1"/>
+    </dgm:txFillClrLst>
+    <dgm:txEffectClrLst/>
+  </dgm:styleLbl>
+  <dgm:styleLbl name="sibTrans1D1">
+    <dgm:fillClrLst meth="repeat">
+      <a:schemeClr val="dk1"/>
+    </dgm:fillClrLst>
+    <dgm:linClrLst meth="repeat">
+      <a:schemeClr val="dk1"/>
+    </dgm:linClrLst>
+    <dgm:effectClrLst/>
+    <dgm:txLinClrLst/>
+    <dgm:txFillClrLst meth="repeat">
+      <a:schemeClr val="tx1"/>
+    </dgm:txFillClrLst>
+    <dgm:txEffectClrLst/>
+  </dgm:styleLbl>
+  <dgm:styleLbl name="callout">
+    <dgm:fillClrLst meth="repeat">
+      <a:schemeClr val="dk1"/>
+    </dgm:fillClrLst>
+    <dgm:linClrLst meth="repeat">
+      <a:schemeClr val="dk1"/>
+    </dgm:linClrLst>
+    <dgm:effectClrLst/>
+    <dgm:txLinClrLst/>
+    <dgm:txFillClrLst meth="repeat">
+      <a:schemeClr val="tx1"/>
+    </dgm:txFillClrLst>
+    <dgm:txEffectClrLst/>
+  </dgm:styleLbl>
+  <dgm:styleLbl name="asst0">
+    <dgm:fillClrLst meth="repeat">
+      <a:schemeClr val="lt1"/>
+    </dgm:fillClrLst>
+    <dgm:linClrLst meth="repeat">
+      <a:schemeClr val="dk1">
+        <a:shade val="80000"/>
+      </a:schemeClr>
+    </dgm:linClrLst>
+    <dgm:effectClrLst/>
+    <dgm:txLinClrLst/>
+    <dgm:txFillClrLst meth="repeat">
+      <a:schemeClr val="dk1"/>
+    </dgm:txFillClrLst>
+    <dgm:txEffectClrLst/>
+  </dgm:styleLbl>
+  <dgm:styleLbl name="asst1">
+    <dgm:fillClrLst meth="repeat">
+      <a:schemeClr val="lt1"/>
+    </dgm:fillClrLst>
+    <dgm:linClrLst meth="repeat">
+      <a:schemeClr val="dk1">
+        <a:shade val="80000"/>
+      </a:schemeClr>
+    </dgm:linClrLst>
+    <dgm:effectClrLst/>
+    <dgm:txLinClrLst/>
+    <dgm:txFillClrLst meth="repeat">
+      <a:schemeClr val="dk1"/>
+    </dgm:txFillClrLst>
+    <dgm:txEffectClrLst/>
+  </dgm:styleLbl>
+  <dgm:styleLbl name="asst2">
+    <dgm:fillClrLst meth="repeat">
+      <a:schemeClr val="lt1"/>
+    </dgm:fillClrLst>
+    <dgm:linClrLst meth="repeat">
+      <a:schemeClr val="dk1">
+        <a:shade val="80000"/>
+      </a:schemeClr>
+    </dgm:linClrLst>
+    <dgm:effectClrLst/>
+    <dgm:txLinClrLst/>
+    <dgm:txFillClrLst meth="repeat">
+      <a:schemeClr val="dk1"/>
+    </dgm:txFillClrLst>
+    <dgm:txEffectClrLst/>
+  </dgm:styleLbl>
+  <dgm:styleLbl name="asst3">
+    <dgm:fillClrLst meth="repeat">
+      <a:schemeClr val="lt1"/>
+    </dgm:fillClrLst>
+    <dgm:linClrLst meth="repeat">
+      <a:schemeClr val="dk1">
+        <a:shade val="80000"/>
+      </a:schemeClr>
+    </dgm:linClrLst>
+    <dgm:effectClrLst/>
+    <dgm:txLinClrLst/>
+    <dgm:txFillClrLst meth="repeat">
+      <a:schemeClr val="dk1"/>
+    </dgm:txFillClrLst>
+    <dgm:txEffectClrLst/>
+  </dgm:styleLbl>
+  <dgm:styleLbl name="asst4">
+    <dgm:fillClrLst meth="repeat">
+      <a:schemeClr val="lt1"/>
+    </dgm:fillClrLst>
+    <dgm:linClrLst meth="repeat">
+      <a:schemeClr val="dk1">
+        <a:shade val="80000"/>
+      </a:schemeClr>
+    </dgm:linClrLst>
+    <dgm:effectClrLst/>
+    <dgm:txLinClrLst/>
+    <dgm:txFillClrLst meth="repeat">
+      <a:schemeClr val="dk1"/>
+    </dgm:txFillClrLst>
+    <dgm:txEffectClrLst/>
+  </dgm:styleLbl>
+  <dgm:styleLbl name="parChTrans2D1">
+    <dgm:fillClrLst meth="repeat">
+      <a:schemeClr val="dk1">
+        <a:tint val="60000"/>
+      </a:schemeClr>
+    </dgm:fillClrLst>
+    <dgm:linClrLst meth="repeat">
+      <a:schemeClr val="dk1">
+        <a:tint val="60000"/>
+      </a:schemeClr>
+    </dgm:linClrLst>
+    <dgm:effectClrLst/>
+    <dgm:txLinClrLst/>
+    <dgm:txFillClrLst/>
+    <dgm:txEffectClrLst/>
+  </dgm:styleLbl>
+  <dgm:styleLbl name="parChTrans2D2">
+    <dgm:fillClrLst meth="repeat">
+      <a:schemeClr val="dk1"/>
+    </dgm:fillClrLst>
+    <dgm:linClrLst meth="repeat">
+      <a:schemeClr val="dk1"/>
+    </dgm:linClrLst>
+    <dgm:effectClrLst/>
+    <dgm:txLinClrLst/>
+    <dgm:txFillClrLst/>
+    <dgm:txEffectClrLst/>
+  </dgm:styleLbl>
+  <dgm:styleLbl name="parChTrans2D3">
+    <dgm:fillClrLst meth="repeat">
+      <a:schemeClr val="dk1"/>
+    </dgm:fillClrLst>
+    <dgm:linClrLst meth="repeat">
+      <a:schemeClr val="dk1"/>
+    </dgm:linClrLst>
+    <dgm:effectClrLst/>
+    <dgm:txLinClrLst/>
+    <dgm:txFillClrLst/>
+    <dgm:txEffectClrLst/>
+  </dgm:styleLbl>
+  <dgm:styleLbl name="parChTrans2D4">
+    <dgm:fillClrLst meth="repeat">
+      <a:schemeClr val="dk1"/>
+    </dgm:fillClrLst>
+    <dgm:linClrLst meth="repeat">
+      <a:schemeClr val="dk1"/>
+    </dgm:linClrLst>
+    <dgm:effectClrLst/>
+    <dgm:txLinClrLst/>
+    <dgm:txFillClrLst meth="repeat">
+      <a:schemeClr val="lt1"/>
+    </dgm:txFillClrLst>
+    <dgm:txEffectClrLst/>
+  </dgm:styleLbl>
+  <dgm:styleLbl name="parChTrans1D1">
+    <dgm:fillClrLst meth="repeat">
+      <a:schemeClr val="dk1"/>
+    </dgm:fillClrLst>
+    <dgm:linClrLst meth="repeat">
+      <a:schemeClr val="dk1">
+        <a:shade val="60000"/>
+      </a:schemeClr>
+    </dgm:linClrLst>
+    <dgm:effectClrLst/>
+    <dgm:txLinClrLst/>
+    <dgm:txFillClrLst meth="repeat">
+      <a:schemeClr val="tx1"/>
+    </dgm:txFillClrLst>
+    <dgm:txEffectClrLst/>
+  </dgm:styleLbl>
+  <dgm:styleLbl name="parChTrans1D2">
+    <dgm:fillClrLst meth="repeat">
+      <a:schemeClr val="dk1"/>
+    </dgm:fillClrLst>
+    <dgm:linClrLst meth="repeat">
+      <a:schemeClr val="dk1">
+        <a:shade val="60000"/>
+      </a:schemeClr>
+    </dgm:linClrLst>
+    <dgm:effectClrLst/>
+    <dgm:txLinClrLst/>
+    <dgm:txFillClrLst meth="repeat">
+      <a:schemeClr val="tx1"/>
+    </dgm:txFillClrLst>
+    <dgm:txEffectClrLst/>
+  </dgm:styleLbl>
+  <dgm:styleLbl name="parChTrans1D3">
+    <dgm:fillClrLst meth="repeat">
+      <a:schemeClr val="dk1"/>
+    </dgm:fillClrLst>
+    <dgm:linClrLst meth="repeat">
+      <a:schemeClr val="dk1">
+        <a:shade val="80000"/>
+      </a:schemeClr>
+    </dgm:linClrLst>
+    <dgm:effectClrLst/>
+    <dgm:txLinClrLst/>
+    <dgm:txFillClrLst meth="repeat">
+      <a:schemeClr val="tx1"/>
+    </dgm:txFillClrLst>
+    <dgm:txEffectClrLst/>
+  </dgm:styleLbl>
+  <dgm:styleLbl name="parChTrans1D4">
+    <dgm:fillClrLst meth="repeat">
+      <a:schemeClr val="dk1"/>
+    </dgm:fillClrLst>
+    <dgm:linClrLst meth="repeat">
+      <a:schemeClr val="dk1">
+        <a:shade val="80000"/>
+      </a:schemeClr>
+    </dgm:linClrLst>
+    <dgm:effectClrLst/>
+    <dgm:txLinClrLst/>
+    <dgm:txFillClrLst meth="repeat">
+      <a:schemeClr val="tx1"/>
+    </dgm:txFillClrLst>
+    <dgm:txEffectClrLst/>
+  </dgm:styleLbl>
+  <dgm:styleLbl name="fgAcc1">
+    <dgm:fillClrLst meth="repeat">
+      <a:schemeClr val="dk1">
+        <a:alpha val="90000"/>
+        <a:tint val="40000"/>
+      </a:schemeClr>
+    </dgm:fillClrLst>
+    <dgm:linClrLst meth="repeat">
+      <a:schemeClr val="dk1"/>
+    </dgm:linClrLst>
+    <dgm:effectClrLst/>
+    <dgm:txLinClrLst/>
+    <dgm:txFillClrLst meth="repeat">
+      <a:schemeClr val="dk1"/>
+    </dgm:txFillClrLst>
+    <dgm:txEffectClrLst/>
+  </dgm:styleLbl>
+  <dgm:styleLbl name="conFgAcc1">
+    <dgm:fillClrLst meth="repeat">
+      <a:schemeClr val="dk1">
+        <a:alpha val="90000"/>
+        <a:tint val="40000"/>
+      </a:schemeClr>
+    </dgm:fillClrLst>
+    <dgm:linClrLst meth="repeat">
+      <a:schemeClr val="dk1"/>
+    </dgm:linClrLst>
+    <dgm:effectClrLst/>
+    <dgm:txLinClrLst/>
+    <dgm:txFillClrLst meth="repeat">
+      <a:schemeClr val="dk1"/>
+    </dgm:txFillClrLst>
+    <dgm:txEffectClrLst/>
+  </dgm:styleLbl>
+  <dgm:styleLbl name="alignAcc1">
+    <dgm:fillClrLst meth="repeat">
+      <a:schemeClr val="dk1">
+        <a:alpha val="90000"/>
+        <a:tint val="40000"/>
+      </a:schemeClr>
+    </dgm:fillClrLst>
+    <dgm:linClrLst meth="repeat">
+      <a:schemeClr val="dk1"/>
+    </dgm:linClrLst>
+    <dgm:effectClrLst/>
+    <dgm:txLinClrLst/>
+    <dgm:txFillClrLst meth="repeat">
+      <a:schemeClr val="dk1"/>
+    </dgm:txFillClrLst>
+    <dgm:txEffectClrLst/>
+  </dgm:styleLbl>
+  <dgm:styleLbl name="trAlignAcc1">
+    <dgm:fillClrLst meth="repeat">
+      <a:schemeClr val="dk1">
+        <a:alpha val="40000"/>
+        <a:tint val="40000"/>
+      </a:schemeClr>
+    </dgm:fillClrLst>
+    <dgm:linClrLst meth="repeat">
+      <a:schemeClr val="dk1"/>
+    </dgm:linClrLst>
+    <dgm:effectClrLst/>
+    <dgm:txLinClrLst/>
+    <dgm:txFillClrLst meth="repeat">
+      <a:schemeClr val="dk1"/>
+    </dgm:txFillClrLst>
+    <dgm:txEffectClrLst/>
+  </dgm:styleLbl>
+  <dgm:styleLbl name="bgAcc1">
+    <dgm:fillClrLst meth="repeat">
+      <a:schemeClr val="dk1">
+        <a:alpha val="90000"/>
+        <a:tint val="40000"/>
+      </a:schemeClr>
+    </dgm:fillClrLst>
+    <dgm:linClrLst meth="repeat">
+      <a:schemeClr val="dk1"/>
+    </dgm:linClrLst>
+    <dgm:effectClrLst/>
+    <dgm:txLinClrLst/>
+    <dgm:txFillClrLst meth="repeat">
+      <a:schemeClr val="dk1"/>
+    </dgm:txFillClrLst>
+    <dgm:txEffectClrLst/>
+  </dgm:styleLbl>
+  <dgm:styleLbl name="solidFgAcc1">
+    <dgm:fillClrLst meth="repeat">
+      <a:schemeClr val="lt1"/>
+    </dgm:fillClrLst>
+    <dgm:linClrLst meth="repeat">
+      <a:schemeClr val="dk1"/>
+    </dgm:linClrLst>
+    <dgm:effectClrLst/>
+    <dgm:txLinClrLst/>
+    <dgm:txFillClrLst meth="repeat">
+      <a:schemeClr val="dk1"/>
+    </dgm:txFillClrLst>
+    <dgm:txEffectClrLst/>
+  </dgm:styleLbl>
+  <dgm:styleLbl name="solidAlignAcc1">
+    <dgm:fillClrLst meth="repeat">
+      <a:schemeClr val="lt1"/>
+    </dgm:fillClrLst>
+    <dgm:linClrLst meth="repeat">
+      <a:schemeClr val="dk1"/>
+    </dgm:linClrLst>
+    <dgm:effectClrLst/>
+    <dgm:txLinClrLst/>
+    <dgm:txFillClrLst meth="repeat">
+      <a:schemeClr val="dk1"/>
+    </dgm:txFillClrLst>
+    <dgm:txEffectClrLst/>
+  </dgm:styleLbl>
+  <dgm:styleLbl name="solidBgAcc1">
+    <dgm:fillClrLst meth="repeat">
+      <a:schemeClr val="lt1"/>
+    </dgm:fillClrLst>
+    <dgm:linClrLst meth="repeat">
+      <a:schemeClr val="dk1"/>
+    </dgm:linClrLst>
+    <dgm:effectClrLst/>
+    <dgm:txLinClrLst/>
+    <dgm:txFillClrLst meth="repeat">
+      <a:schemeClr val="dk1"/>
+    </dgm:txFillClrLst>
+    <dgm:txEffectClrLst/>
+  </dgm:styleLbl>
+  <dgm:styleLbl name="fgAccFollowNode1">
+    <dgm:fillClrLst meth="repeat">
+      <a:schemeClr val="lt1">
+        <a:alpha val="90000"/>
+        <a:tint val="40000"/>
+      </a:schemeClr>
+    </dgm:fillClrLst>
+    <dgm:linClrLst meth="repeat">
+      <a:schemeClr val="dk1">
+        <a:alpha val="90000"/>
+      </a:schemeClr>
+    </dgm:linClrLst>
+    <dgm:effectClrLst/>
+    <dgm:txLinClrLst/>
+    <dgm:txFillClrLst meth="repeat">
+      <a:schemeClr val="dk1"/>
+    </dgm:txFillClrLst>
+    <dgm:txEffectClrLst/>
+  </dgm:styleLbl>
+  <dgm:styleLbl name="alignAccFollowNode1">
+    <dgm:fillClrLst meth="repeat">
+      <a:schemeClr val="lt1">
+        <a:alpha val="90000"/>
+        <a:tint val="40000"/>
+      </a:schemeClr>
+    </dgm:fillClrLst>
+    <dgm:linClrLst meth="repeat">
+      <a:schemeClr val="dk1">
+        <a:alpha val="90000"/>
+      </a:schemeClr>
+    </dgm:linClrLst>
+    <dgm:effectClrLst/>
+    <dgm:txLinClrLst/>
+    <dgm:txFillClrLst meth="repeat">
+      <a:schemeClr val="dk1"/>
+    </dgm:txFillClrLst>
+    <dgm:txEffectClrLst/>
+  </dgm:styleLbl>
+  <dgm:styleLbl name="bgAccFollowNode1">
+    <dgm:fillClrLst meth="repeat">
+      <a:schemeClr val="lt1">
+        <a:alpha val="90000"/>
+        <a:tint val="40000"/>
+      </a:schemeClr>
+    </dgm:fillClrLst>
+    <dgm:linClrLst meth="repeat">
+      <a:schemeClr val="dk1">
+        <a:alpha val="90000"/>
+      </a:schemeClr>
+    </dgm:linClrLst>
+    <dgm:effectClrLst/>
+    <dgm:txLinClrLst/>
+    <dgm:txFillClrLst meth="repeat">
+      <a:schemeClr val="dk1"/>
+    </dgm:txFillClrLst>
+    <dgm:txEffectClrLst/>
+  </dgm:styleLbl>
+  <dgm:styleLbl name="fgAcc0">
+    <dgm:fillClrLst meth="repeat">
+      <a:schemeClr val="dk1">
+        <a:alpha val="90000"/>
+        <a:tint val="40000"/>
+      </a:schemeClr>
+    </dgm:fillClrLst>
+    <dgm:linClrLst meth="repeat">
+      <a:schemeClr val="dk1"/>
+    </dgm:linClrLst>
+    <dgm:effectClrLst/>
+    <dgm:txLinClrLst/>
+    <dgm:txFillClrLst meth="repeat">
+      <a:schemeClr val="dk1"/>
+    </dgm:txFillClrLst>
+    <dgm:txEffectClrLst/>
+  </dgm:styleLbl>
+  <dgm:styleLbl name="fgAcc2">
+    <dgm:fillClrLst meth="repeat">
+      <a:schemeClr val="dk1">
+        <a:alpha val="90000"/>
+        <a:tint val="40000"/>
+      </a:schemeClr>
+    </dgm:fillClrLst>
+    <dgm:linClrLst meth="repeat">
+      <a:schemeClr val="dk1"/>
+    </dgm:linClrLst>
+    <dgm:effectClrLst/>
+    <dgm:txLinClrLst/>
+    <dgm:txFillClrLst meth="repeat">
+      <a:schemeClr val="dk1"/>
+    </dgm:txFillClrLst>
+    <dgm:txEffectClrLst/>
+  </dgm:styleLbl>
+  <dgm:styleLbl name="fgAcc3">
+    <dgm:fillClrLst meth="repeat">
+      <a:schemeClr val="dk1">
+        <a:alpha val="90000"/>
+        <a:tint val="40000"/>
+      </a:schemeClr>
+    </dgm:fillClrLst>
+    <dgm:linClrLst meth="repeat">
+      <a:schemeClr val="dk1"/>
+    </dgm:linClrLst>
+    <dgm:effectClrLst/>
+    <dgm:txLinClrLst/>
+    <dgm:txFillClrLst meth="repeat">
+      <a:schemeClr val="dk1"/>
+    </dgm:txFillClrLst>
+    <dgm:txEffectClrLst/>
+  </dgm:styleLbl>
+  <dgm:styleLbl name="fgAcc4">
+    <dgm:fillClrLst meth="repeat">
+      <a:schemeClr val="dk1">
+        <a:alpha val="90000"/>
+        <a:tint val="40000"/>
+      </a:schemeClr>
+    </dgm:fillClrLst>
+    <dgm:linClrLst meth="repeat">
+      <a:schemeClr val="dk1"/>
+    </dgm:linClrLst>
+    <dgm:effectClrLst/>
+    <dgm:txLinClrLst/>
+    <dgm:txFillClrLst meth="repeat">
+      <a:schemeClr val="dk1"/>
+    </dgm:txFillClrLst>
+    <dgm:txEffectClrLst/>
+  </dgm:styleLbl>
+  <dgm:styleLbl name="bgShp">
+    <dgm:fillClrLst meth="repeat">
+      <a:schemeClr val="dk1">
+        <a:tint val="40000"/>
+      </a:schemeClr>
+    </dgm:fillClrLst>
+    <dgm:linClrLst meth="repeat">
+      <a:schemeClr val="dk1"/>
+    </dgm:linClrLst>
+    <dgm:effectClrLst/>
+    <dgm:txLinClrLst/>
+    <dgm:txFillClrLst meth="repeat">
+      <a:schemeClr val="dk1"/>
+    </dgm:txFillClrLst>
+    <dgm:txEffectClrLst/>
+  </dgm:styleLbl>
+  <dgm:styleLbl name="dkBgShp">
+    <dgm:fillClrLst meth="repeat">
+      <a:schemeClr val="dk1">
+        <a:shade val="80000"/>
+      </a:schemeClr>
+    </dgm:fillClrLst>
+    <dgm:linClrLst meth="repeat">
+      <a:schemeClr val="dk1"/>
+    </dgm:linClrLst>
+    <dgm:effectClrLst/>
+    <dgm:txLinClrLst/>
+    <dgm:txFillClrLst meth="repeat">
+      <a:schemeClr val="lt1"/>
+    </dgm:txFillClrLst>
+    <dgm:txEffectClrLst/>
+  </dgm:styleLbl>
+  <dgm:styleLbl name="trBgShp">
+    <dgm:fillClrLst meth="repeat">
+      <a:schemeClr val="dk1">
+        <a:tint val="50000"/>
+        <a:alpha val="40000"/>
+      </a:schemeClr>
+    </dgm:fillClrLst>
+    <dgm:linClrLst meth="repeat">
+      <a:schemeClr val="dk1"/>
+    </dgm:linClrLst>
+    <dgm:effectClrLst/>
+    <dgm:txLinClrLst/>
+    <dgm:txFillClrLst meth="repeat">
+      <a:schemeClr val="lt1"/>
+    </dgm:txFillClrLst>
+    <dgm:txEffectClrLst/>
+  </dgm:styleLbl>
+  <dgm:styleLbl name="fgShp">
+    <dgm:fillClrLst meth="repeat">
+      <a:schemeClr val="dk1">
+        <a:tint val="60000"/>
+      </a:schemeClr>
+    </dgm:fillClrLst>
+    <dgm:linClrLst meth="repeat">
+      <a:schemeClr val="lt1"/>
+    </dgm:linClrLst>
+    <dgm:effectClrLst/>
+    <dgm:txLinClrLst/>
+    <dgm:txFillClrLst meth="repeat">
+      <a:schemeClr val="dk1"/>
+    </dgm:txFillClrLst>
+    <dgm:txEffectClrLst/>
+  </dgm:styleLbl>
+  <dgm:styleLbl name="revTx">
+    <dgm:fillClrLst meth="repeat">
+      <a:schemeClr val="lt1">
+        <a:alpha val="0"/>
+      </a:schemeClr>
+    </dgm:fillClrLst>
+    <dgm:linClrLst meth="repeat">
+      <a:schemeClr val="dk1">
+        <a:alpha val="0"/>
+      </a:schemeClr>
+    </dgm:linClrLst>
+    <dgm:effectClrLst/>
+    <dgm:txLinClrLst/>
+    <dgm:txFillClrLst meth="repeat">
+      <a:schemeClr val="tx1"/>
+    </dgm:txFillClrLst>
+    <dgm:txEffectClrLst/>
+  </dgm:styleLbl>
+</dgm:colorsDef>
+</file>
+
+<file path=ppt/diagrams/data1.xml><?xml version="1.0" encoding="utf-8"?>
+<dgm:dataModel xmlns:dgm="http://schemas.openxmlformats.org/drawingml/2006/diagram" xmlns:a="http://schemas.openxmlformats.org/drawingml/2006/main">
+  <dgm:ptLst>
+    <dgm:pt modelId="{9B572FD9-4724-42DA-B8D4-08C635C0917F}" type="doc">
+      <dgm:prSet loTypeId="urn:microsoft.com/office/officeart/2009/3/layout/HorizontalOrganizationChart" loCatId="hierarchy" qsTypeId="urn:microsoft.com/office/officeart/2005/8/quickstyle/simple1" qsCatId="simple" csTypeId="urn:microsoft.com/office/officeart/2005/8/colors/accent0_1" csCatId="mainScheme" phldr="1"/>
+      <dgm:spPr/>
+      <dgm:t>
+        <a:bodyPr/>
+        <a:lstStyle/>
+        <a:p>
+          <a:endParaRPr lang="de-DE"/>
+        </a:p>
+      </dgm:t>
+    </dgm:pt>
+    <dgm:pt modelId="{FE51A229-1D1C-4A6F-AB90-E177D9FF5638}">
+      <dgm:prSet phldrT="[Text]"/>
+      <dgm:spPr/>
+      <dgm:t>
+        <a:bodyPr/>
+        <a:lstStyle/>
+        <a:p>
+          <a:r>
+            <a:rPr lang="de-DE" dirty="0"/>
+            <a:t>System</a:t>
+          </a:r>
+        </a:p>
+      </dgm:t>
+    </dgm:pt>
+    <dgm:pt modelId="{A504EDBC-EB02-4406-B3C2-FF847ACFAB41}" type="parTrans" cxnId="{273062C8-E9B1-4CFB-B54C-9CF1BE5E1D73}">
+      <dgm:prSet/>
+      <dgm:spPr/>
+      <dgm:t>
+        <a:bodyPr/>
+        <a:lstStyle/>
+        <a:p>
+          <a:endParaRPr lang="de-DE"/>
+        </a:p>
+      </dgm:t>
+    </dgm:pt>
+    <dgm:pt modelId="{E8FE0C9C-68D4-4441-A46A-89AEE9E09116}" type="sibTrans" cxnId="{273062C8-E9B1-4CFB-B54C-9CF1BE5E1D73}">
+      <dgm:prSet/>
+      <dgm:spPr/>
+      <dgm:t>
+        <a:bodyPr/>
+        <a:lstStyle/>
+        <a:p>
+          <a:endParaRPr lang="de-DE"/>
+        </a:p>
+      </dgm:t>
+    </dgm:pt>
+    <dgm:pt modelId="{458EA245-C2FB-44D5-8605-4CCDDB40A6CC}">
+      <dgm:prSet phldrT="[Text]"/>
+      <dgm:spPr/>
+      <dgm:t>
+        <a:bodyPr/>
+        <a:lstStyle/>
+        <a:p>
+          <a:r>
+            <a:rPr lang="de-DE" dirty="0"/>
+            <a:t>Brick 1</a:t>
+          </a:r>
+        </a:p>
+      </dgm:t>
+    </dgm:pt>
+    <dgm:pt modelId="{2513C4D0-6C86-45C4-8BBD-2DB38E3AC370}" type="parTrans" cxnId="{E4FCFA04-BFA1-4D6C-8545-4660A06C0858}">
+      <dgm:prSet/>
+      <dgm:spPr/>
+      <dgm:t>
+        <a:bodyPr/>
+        <a:lstStyle/>
+        <a:p>
+          <a:endParaRPr lang="de-DE"/>
+        </a:p>
+      </dgm:t>
+    </dgm:pt>
+    <dgm:pt modelId="{53A9072A-69A3-4427-B613-32082B7B7647}" type="sibTrans" cxnId="{E4FCFA04-BFA1-4D6C-8545-4660A06C0858}">
+      <dgm:prSet/>
+      <dgm:spPr/>
+      <dgm:t>
+        <a:bodyPr/>
+        <a:lstStyle/>
+        <a:p>
+          <a:endParaRPr lang="de-DE"/>
+        </a:p>
+      </dgm:t>
+    </dgm:pt>
+    <dgm:pt modelId="{A00B03C0-8B6F-4A38-8304-EE63638E39F0}">
+      <dgm:prSet phldrT="[Text]"/>
+      <dgm:spPr/>
+      <dgm:t>
+        <a:bodyPr/>
+        <a:lstStyle/>
+        <a:p>
+          <a:r>
+            <a:rPr lang="de-DE" dirty="0"/>
+            <a:t>Brick 2</a:t>
+          </a:r>
+        </a:p>
+      </dgm:t>
+    </dgm:pt>
+    <dgm:pt modelId="{1D0C1A18-525A-4402-A32B-7193F2A8471B}" type="parTrans" cxnId="{8139BDDC-86AE-4421-BFDD-19D790AC7882}">
+      <dgm:prSet/>
+      <dgm:spPr/>
+      <dgm:t>
+        <a:bodyPr/>
+        <a:lstStyle/>
+        <a:p>
+          <a:endParaRPr lang="de-DE"/>
+        </a:p>
+      </dgm:t>
+    </dgm:pt>
+    <dgm:pt modelId="{FFFC4A27-D24C-411F-899C-7C296EF4B286}" type="sibTrans" cxnId="{8139BDDC-86AE-4421-BFDD-19D790AC7882}">
+      <dgm:prSet/>
+      <dgm:spPr/>
+      <dgm:t>
+        <a:bodyPr/>
+        <a:lstStyle/>
+        <a:p>
+          <a:endParaRPr lang="de-DE"/>
+        </a:p>
+      </dgm:t>
+    </dgm:pt>
+    <dgm:pt modelId="{A2264A7C-99C0-4C2E-8D57-36176C349B9D}">
+      <dgm:prSet phldrT="[Text]"/>
+      <dgm:spPr/>
+      <dgm:t>
+        <a:bodyPr/>
+        <a:lstStyle/>
+        <a:p>
+          <a:r>
+            <a:rPr lang="de-DE" dirty="0"/>
+            <a:t>Port A</a:t>
+          </a:r>
+        </a:p>
+      </dgm:t>
+    </dgm:pt>
+    <dgm:pt modelId="{B92FE964-20D3-4760-9A5D-FC70065444B3}" type="parTrans" cxnId="{4912AE85-D5C0-4B19-BAB1-4F20B08FA78B}">
+      <dgm:prSet/>
+      <dgm:spPr/>
+      <dgm:t>
+        <a:bodyPr/>
+        <a:lstStyle/>
+        <a:p>
+          <a:endParaRPr lang="de-DE"/>
+        </a:p>
+      </dgm:t>
+    </dgm:pt>
+    <dgm:pt modelId="{ADD6F146-40E5-4B9C-A5B7-E7CD38D2C492}" type="sibTrans" cxnId="{4912AE85-D5C0-4B19-BAB1-4F20B08FA78B}">
+      <dgm:prSet/>
+      <dgm:spPr/>
+      <dgm:t>
+        <a:bodyPr/>
+        <a:lstStyle/>
+        <a:p>
+          <a:endParaRPr lang="de-DE"/>
+        </a:p>
+      </dgm:t>
+    </dgm:pt>
+    <dgm:pt modelId="{DDCFA4CF-CB34-4461-BF68-A6E109616A0E}">
+      <dgm:prSet phldrT="[Text]"/>
+      <dgm:spPr/>
+      <dgm:t>
+        <a:bodyPr/>
+        <a:lstStyle/>
+        <a:p>
+          <a:r>
+            <a:rPr lang="de-DE" dirty="0" err="1"/>
+            <a:t>PortB</a:t>
+          </a:r>
+          <a:endParaRPr lang="de-DE" dirty="0"/>
+        </a:p>
+      </dgm:t>
+    </dgm:pt>
+    <dgm:pt modelId="{B7BB566D-4912-41B1-B776-F30DE0B49829}" type="parTrans" cxnId="{521BE7C8-04C5-42EF-9A09-686B5C5E16A6}">
+      <dgm:prSet/>
+      <dgm:spPr/>
+      <dgm:t>
+        <a:bodyPr/>
+        <a:lstStyle/>
+        <a:p>
+          <a:endParaRPr lang="de-DE"/>
+        </a:p>
+      </dgm:t>
+    </dgm:pt>
+    <dgm:pt modelId="{B73FC9E7-A443-418A-9BAB-4CB6E5444EE0}" type="sibTrans" cxnId="{521BE7C8-04C5-42EF-9A09-686B5C5E16A6}">
+      <dgm:prSet/>
+      <dgm:spPr/>
+      <dgm:t>
+        <a:bodyPr/>
+        <a:lstStyle/>
+        <a:p>
+          <a:endParaRPr lang="de-DE"/>
+        </a:p>
+      </dgm:t>
+    </dgm:pt>
+    <dgm:pt modelId="{3DDA16D2-21F8-47F5-A677-027B09A0DCAA}">
+      <dgm:prSet phldrT="[Text]"/>
+      <dgm:spPr/>
+      <dgm:t>
+        <a:bodyPr/>
+        <a:lstStyle/>
+        <a:p>
+          <a:r>
+            <a:rPr lang="de-DE" dirty="0" err="1"/>
+            <a:t>Runnable</a:t>
+          </a:r>
+          <a:r>
+            <a:rPr lang="de-DE" dirty="0"/>
+            <a:t> A</a:t>
+          </a:r>
+        </a:p>
+      </dgm:t>
+    </dgm:pt>
+    <dgm:pt modelId="{C013AF15-BE5E-4351-9FCC-BC353D4E1563}" type="parTrans" cxnId="{86B87D8A-7618-4A6E-8215-9F9E410FEB3C}">
+      <dgm:prSet/>
+      <dgm:spPr/>
+      <dgm:t>
+        <a:bodyPr/>
+        <a:lstStyle/>
+        <a:p>
+          <a:endParaRPr lang="de-DE"/>
+        </a:p>
+      </dgm:t>
+    </dgm:pt>
+    <dgm:pt modelId="{14774648-2FE7-4094-8DBC-B9DC23148B58}" type="sibTrans" cxnId="{86B87D8A-7618-4A6E-8215-9F9E410FEB3C}">
+      <dgm:prSet/>
+      <dgm:spPr/>
+      <dgm:t>
+        <a:bodyPr/>
+        <a:lstStyle/>
+        <a:p>
+          <a:endParaRPr lang="de-DE"/>
+        </a:p>
+      </dgm:t>
+    </dgm:pt>
+    <dgm:pt modelId="{194B450F-9E85-4BFF-B53A-025ECE8CA2B3}">
+      <dgm:prSet phldrT="[Text]"/>
+      <dgm:spPr/>
+      <dgm:t>
+        <a:bodyPr/>
+        <a:lstStyle/>
+        <a:p>
+          <a:r>
+            <a:rPr lang="de-DE" dirty="0"/>
+            <a:t>SWC 1</a:t>
+          </a:r>
+        </a:p>
+      </dgm:t>
+    </dgm:pt>
+    <dgm:pt modelId="{BB1B051C-FE5E-4A16-9C54-818D19E23760}" type="parTrans" cxnId="{11ABE458-95FA-4F0E-9571-16BEFF9318B5}">
+      <dgm:prSet/>
+      <dgm:spPr/>
+      <dgm:t>
+        <a:bodyPr/>
+        <a:lstStyle/>
+        <a:p>
+          <a:endParaRPr lang="de-DE"/>
+        </a:p>
+      </dgm:t>
+    </dgm:pt>
+    <dgm:pt modelId="{35B704BA-272C-4FD3-8DC8-BBCDFF621B17}" type="sibTrans" cxnId="{11ABE458-95FA-4F0E-9571-16BEFF9318B5}">
+      <dgm:prSet/>
+      <dgm:spPr/>
+      <dgm:t>
+        <a:bodyPr/>
+        <a:lstStyle/>
+        <a:p>
+          <a:endParaRPr lang="de-DE"/>
+        </a:p>
+      </dgm:t>
+    </dgm:pt>
+    <dgm:pt modelId="{0EFBF9FB-A605-419D-A862-7FB5461FA12B}">
+      <dgm:prSet phldrT="[Text]"/>
+      <dgm:spPr/>
+      <dgm:t>
+        <a:bodyPr/>
+        <a:lstStyle/>
+        <a:p>
+          <a:r>
+            <a:rPr lang="de-DE" dirty="0"/>
+            <a:t>SWC 2</a:t>
+          </a:r>
+        </a:p>
+      </dgm:t>
+    </dgm:pt>
+    <dgm:pt modelId="{33BB61BD-C7B2-4EEF-9DA6-9C6B5266D100}" type="parTrans" cxnId="{484D5007-0040-4011-8282-AF8E2CF63BDE}">
+      <dgm:prSet/>
+      <dgm:spPr/>
+      <dgm:t>
+        <a:bodyPr/>
+        <a:lstStyle/>
+        <a:p>
+          <a:endParaRPr lang="de-DE"/>
+        </a:p>
+      </dgm:t>
+    </dgm:pt>
+    <dgm:pt modelId="{44FF41D8-740A-4FAB-82C8-EDE7E9B15E38}" type="sibTrans" cxnId="{484D5007-0040-4011-8282-AF8E2CF63BDE}">
+      <dgm:prSet/>
+      <dgm:spPr/>
+      <dgm:t>
+        <a:bodyPr/>
+        <a:lstStyle/>
+        <a:p>
+          <a:endParaRPr lang="de-DE"/>
+        </a:p>
+      </dgm:t>
+    </dgm:pt>
+    <dgm:pt modelId="{1F642486-6A25-4C23-92A3-61A7126A890E}" type="pres">
+      <dgm:prSet presAssocID="{9B572FD9-4724-42DA-B8D4-08C635C0917F}" presName="hierChild1" presStyleCnt="0">
+        <dgm:presLayoutVars>
+          <dgm:orgChart val="1"/>
+          <dgm:chPref val="1"/>
+          <dgm:dir/>
+          <dgm:animOne val="branch"/>
+          <dgm:animLvl val="lvl"/>
+          <dgm:resizeHandles/>
+        </dgm:presLayoutVars>
+      </dgm:prSet>
+      <dgm:spPr/>
+    </dgm:pt>
+    <dgm:pt modelId="{93AEEB7A-FD22-4C7D-9EEE-0928D9CB0647}" type="pres">
+      <dgm:prSet presAssocID="{FE51A229-1D1C-4A6F-AB90-E177D9FF5638}" presName="hierRoot1" presStyleCnt="0">
+        <dgm:presLayoutVars>
+          <dgm:hierBranch val="init"/>
+        </dgm:presLayoutVars>
+      </dgm:prSet>
+      <dgm:spPr/>
+    </dgm:pt>
+    <dgm:pt modelId="{8349182F-161D-44CA-8ED3-315E2CD2C015}" type="pres">
+      <dgm:prSet presAssocID="{FE51A229-1D1C-4A6F-AB90-E177D9FF5638}" presName="rootComposite1" presStyleCnt="0"/>
+      <dgm:spPr/>
+    </dgm:pt>
+    <dgm:pt modelId="{AF082B63-47A3-42A2-A216-33822EEB62AD}" type="pres">
+      <dgm:prSet presAssocID="{FE51A229-1D1C-4A6F-AB90-E177D9FF5638}" presName="rootText1" presStyleLbl="node0" presStyleIdx="0" presStyleCnt="1">
+        <dgm:presLayoutVars>
+          <dgm:chPref val="3"/>
+        </dgm:presLayoutVars>
+      </dgm:prSet>
+      <dgm:spPr/>
+    </dgm:pt>
+    <dgm:pt modelId="{4B6F4223-3E1E-4AC9-ABD4-0609EA935B7D}" type="pres">
+      <dgm:prSet presAssocID="{FE51A229-1D1C-4A6F-AB90-E177D9FF5638}" presName="rootConnector1" presStyleLbl="node1" presStyleIdx="0" presStyleCnt="0"/>
+      <dgm:spPr/>
+    </dgm:pt>
+    <dgm:pt modelId="{E2312D51-A2CD-4B22-A9A0-105CD811DE30}" type="pres">
+      <dgm:prSet presAssocID="{FE51A229-1D1C-4A6F-AB90-E177D9FF5638}" presName="hierChild2" presStyleCnt="0"/>
+      <dgm:spPr/>
+    </dgm:pt>
+    <dgm:pt modelId="{63227DB9-CCD9-47FC-87C1-48A8A593DD3D}" type="pres">
+      <dgm:prSet presAssocID="{2513C4D0-6C86-45C4-8BBD-2DB38E3AC370}" presName="Name64" presStyleLbl="parChTrans1D2" presStyleIdx="0" presStyleCnt="2"/>
+      <dgm:spPr/>
+    </dgm:pt>
+    <dgm:pt modelId="{ED867374-C2F4-4A03-9BAB-0A9DB67539CF}" type="pres">
+      <dgm:prSet presAssocID="{458EA245-C2FB-44D5-8605-4CCDDB40A6CC}" presName="hierRoot2" presStyleCnt="0">
+        <dgm:presLayoutVars>
+          <dgm:hierBranch val="init"/>
+        </dgm:presLayoutVars>
+      </dgm:prSet>
+      <dgm:spPr/>
+    </dgm:pt>
+    <dgm:pt modelId="{EA54FC98-C321-4855-960D-1AFA519BF22F}" type="pres">
+      <dgm:prSet presAssocID="{458EA245-C2FB-44D5-8605-4CCDDB40A6CC}" presName="rootComposite" presStyleCnt="0"/>
+      <dgm:spPr/>
+    </dgm:pt>
+    <dgm:pt modelId="{58CCBD63-0DC1-42B7-986A-6D903EE0CAE9}" type="pres">
+      <dgm:prSet presAssocID="{458EA245-C2FB-44D5-8605-4CCDDB40A6CC}" presName="rootText" presStyleLbl="node2" presStyleIdx="0" presStyleCnt="2">
+        <dgm:presLayoutVars>
+          <dgm:chPref val="3"/>
+        </dgm:presLayoutVars>
+      </dgm:prSet>
+      <dgm:spPr/>
+    </dgm:pt>
+    <dgm:pt modelId="{236E74BF-DAB1-48C0-8EBC-B0423E7C1D61}" type="pres">
+      <dgm:prSet presAssocID="{458EA245-C2FB-44D5-8605-4CCDDB40A6CC}" presName="rootConnector" presStyleLbl="node2" presStyleIdx="0" presStyleCnt="2"/>
+      <dgm:spPr/>
+    </dgm:pt>
+    <dgm:pt modelId="{AB56F150-B395-4ECC-BA1D-868815977097}" type="pres">
+      <dgm:prSet presAssocID="{458EA245-C2FB-44D5-8605-4CCDDB40A6CC}" presName="hierChild4" presStyleCnt="0"/>
+      <dgm:spPr/>
+    </dgm:pt>
+    <dgm:pt modelId="{A813DACE-B381-4BD1-B87A-8914CC3126C9}" type="pres">
+      <dgm:prSet presAssocID="{BB1B051C-FE5E-4A16-9C54-818D19E23760}" presName="Name64" presStyleLbl="parChTrans1D3" presStyleIdx="0" presStyleCnt="2"/>
+      <dgm:spPr/>
+    </dgm:pt>
+    <dgm:pt modelId="{F5ABF7A5-F5F4-4F68-8DA0-DA2CA59A0C71}" type="pres">
+      <dgm:prSet presAssocID="{194B450F-9E85-4BFF-B53A-025ECE8CA2B3}" presName="hierRoot2" presStyleCnt="0">
+        <dgm:presLayoutVars>
+          <dgm:hierBranch val="init"/>
+        </dgm:presLayoutVars>
+      </dgm:prSet>
+      <dgm:spPr/>
+    </dgm:pt>
+    <dgm:pt modelId="{F54F1BF1-EB54-496D-A040-1A433710DFD9}" type="pres">
+      <dgm:prSet presAssocID="{194B450F-9E85-4BFF-B53A-025ECE8CA2B3}" presName="rootComposite" presStyleCnt="0"/>
+      <dgm:spPr/>
+    </dgm:pt>
+    <dgm:pt modelId="{49B445EE-0A39-4EBB-9212-3FB7911CC92D}" type="pres">
+      <dgm:prSet presAssocID="{194B450F-9E85-4BFF-B53A-025ECE8CA2B3}" presName="rootText" presStyleLbl="node3" presStyleIdx="0" presStyleCnt="2">
+        <dgm:presLayoutVars>
+          <dgm:chPref val="3"/>
+        </dgm:presLayoutVars>
+      </dgm:prSet>
+      <dgm:spPr/>
+    </dgm:pt>
+    <dgm:pt modelId="{5A548C04-9E6C-4592-B715-0EB482C91130}" type="pres">
+      <dgm:prSet presAssocID="{194B450F-9E85-4BFF-B53A-025ECE8CA2B3}" presName="rootConnector" presStyleLbl="node3" presStyleIdx="0" presStyleCnt="2"/>
+      <dgm:spPr/>
+    </dgm:pt>
+    <dgm:pt modelId="{335D26C1-FA49-453D-B8F7-F14D3ED40119}" type="pres">
+      <dgm:prSet presAssocID="{194B450F-9E85-4BFF-B53A-025ECE8CA2B3}" presName="hierChild4" presStyleCnt="0"/>
+      <dgm:spPr/>
+    </dgm:pt>
+    <dgm:pt modelId="{3B5520CA-5F04-4318-B8CF-392D127E0565}" type="pres">
+      <dgm:prSet presAssocID="{B92FE964-20D3-4760-9A5D-FC70065444B3}" presName="Name64" presStyleLbl="parChTrans1D4" presStyleIdx="0" presStyleCnt="3"/>
+      <dgm:spPr/>
+    </dgm:pt>
+    <dgm:pt modelId="{BC983705-C229-4A07-8FE0-730317BFA2F7}" type="pres">
+      <dgm:prSet presAssocID="{A2264A7C-99C0-4C2E-8D57-36176C349B9D}" presName="hierRoot2" presStyleCnt="0">
+        <dgm:presLayoutVars>
+          <dgm:hierBranch val="init"/>
+        </dgm:presLayoutVars>
+      </dgm:prSet>
+      <dgm:spPr/>
+    </dgm:pt>
+    <dgm:pt modelId="{B59EB8DA-7CAF-4F6F-B8BE-97391AFDD548}" type="pres">
+      <dgm:prSet presAssocID="{A2264A7C-99C0-4C2E-8D57-36176C349B9D}" presName="rootComposite" presStyleCnt="0"/>
+      <dgm:spPr/>
+    </dgm:pt>
+    <dgm:pt modelId="{9F8FC8AB-0C10-4A80-8AC1-8F557DFAC6ED}" type="pres">
+      <dgm:prSet presAssocID="{A2264A7C-99C0-4C2E-8D57-36176C349B9D}" presName="rootText" presStyleLbl="node4" presStyleIdx="0" presStyleCnt="3">
+        <dgm:presLayoutVars>
+          <dgm:chPref val="3"/>
+        </dgm:presLayoutVars>
+      </dgm:prSet>
+      <dgm:spPr/>
+    </dgm:pt>
+    <dgm:pt modelId="{A8DB0F5F-E32E-4576-9815-E8340FCEF884}" type="pres">
+      <dgm:prSet presAssocID="{A2264A7C-99C0-4C2E-8D57-36176C349B9D}" presName="rootConnector" presStyleLbl="node4" presStyleIdx="0" presStyleCnt="3"/>
+      <dgm:spPr/>
+    </dgm:pt>
+    <dgm:pt modelId="{057F7E45-500A-4B01-ACAD-7C6379607DB2}" type="pres">
+      <dgm:prSet presAssocID="{A2264A7C-99C0-4C2E-8D57-36176C349B9D}" presName="hierChild4" presStyleCnt="0"/>
+      <dgm:spPr/>
+    </dgm:pt>
+    <dgm:pt modelId="{870D6419-7891-4A50-BD2A-DECF511976CF}" type="pres">
+      <dgm:prSet presAssocID="{A2264A7C-99C0-4C2E-8D57-36176C349B9D}" presName="hierChild5" presStyleCnt="0"/>
+      <dgm:spPr/>
+    </dgm:pt>
+    <dgm:pt modelId="{5E2A4BF6-1C17-4440-8F1D-9DDBE8FD40EB}" type="pres">
+      <dgm:prSet presAssocID="{B7BB566D-4912-41B1-B776-F30DE0B49829}" presName="Name64" presStyleLbl="parChTrans1D4" presStyleIdx="1" presStyleCnt="3"/>
+      <dgm:spPr/>
+    </dgm:pt>
+    <dgm:pt modelId="{B3CAACBC-C0C4-4E6D-A6AF-47CFA7B5F949}" type="pres">
+      <dgm:prSet presAssocID="{DDCFA4CF-CB34-4461-BF68-A6E109616A0E}" presName="hierRoot2" presStyleCnt="0">
+        <dgm:presLayoutVars>
+          <dgm:hierBranch val="init"/>
+        </dgm:presLayoutVars>
+      </dgm:prSet>
+      <dgm:spPr/>
+    </dgm:pt>
+    <dgm:pt modelId="{E237444B-63B9-42A5-95B2-CE6FA0B0658D}" type="pres">
+      <dgm:prSet presAssocID="{DDCFA4CF-CB34-4461-BF68-A6E109616A0E}" presName="rootComposite" presStyleCnt="0"/>
+      <dgm:spPr/>
+    </dgm:pt>
+    <dgm:pt modelId="{3D3D0051-3F10-445E-9BBB-7EAF92EDA706}" type="pres">
+      <dgm:prSet presAssocID="{DDCFA4CF-CB34-4461-BF68-A6E109616A0E}" presName="rootText" presStyleLbl="node4" presStyleIdx="1" presStyleCnt="3">
+        <dgm:presLayoutVars>
+          <dgm:chPref val="3"/>
+        </dgm:presLayoutVars>
+      </dgm:prSet>
+      <dgm:spPr/>
+    </dgm:pt>
+    <dgm:pt modelId="{87F8F010-9276-41CD-A9FE-B1F4A0595D48}" type="pres">
+      <dgm:prSet presAssocID="{DDCFA4CF-CB34-4461-BF68-A6E109616A0E}" presName="rootConnector" presStyleLbl="node4" presStyleIdx="1" presStyleCnt="3"/>
+      <dgm:spPr/>
+    </dgm:pt>
+    <dgm:pt modelId="{E19C4DBC-7534-4B62-A8E5-3D08593FF966}" type="pres">
+      <dgm:prSet presAssocID="{DDCFA4CF-CB34-4461-BF68-A6E109616A0E}" presName="hierChild4" presStyleCnt="0"/>
+      <dgm:spPr/>
+    </dgm:pt>
+    <dgm:pt modelId="{DC6A520F-9F11-415D-897E-13E689328A76}" type="pres">
+      <dgm:prSet presAssocID="{DDCFA4CF-CB34-4461-BF68-A6E109616A0E}" presName="hierChild5" presStyleCnt="0"/>
+      <dgm:spPr/>
+    </dgm:pt>
+    <dgm:pt modelId="{FE3655A2-A77C-4FEA-A8D0-8272D776720E}" type="pres">
+      <dgm:prSet presAssocID="{C013AF15-BE5E-4351-9FCC-BC353D4E1563}" presName="Name64" presStyleLbl="parChTrans1D4" presStyleIdx="2" presStyleCnt="3"/>
+      <dgm:spPr/>
+    </dgm:pt>
+    <dgm:pt modelId="{2175940A-A575-4707-BE76-92E4F498635D}" type="pres">
+      <dgm:prSet presAssocID="{3DDA16D2-21F8-47F5-A677-027B09A0DCAA}" presName="hierRoot2" presStyleCnt="0">
+        <dgm:presLayoutVars>
+          <dgm:hierBranch val="init"/>
+        </dgm:presLayoutVars>
+      </dgm:prSet>
+      <dgm:spPr/>
+    </dgm:pt>
+    <dgm:pt modelId="{4CE64004-915B-4001-9C2E-E59BD9A722D9}" type="pres">
+      <dgm:prSet presAssocID="{3DDA16D2-21F8-47F5-A677-027B09A0DCAA}" presName="rootComposite" presStyleCnt="0"/>
+      <dgm:spPr/>
+    </dgm:pt>
+    <dgm:pt modelId="{02D8AA49-D842-4B3F-B647-E1ACEC927ACC}" type="pres">
+      <dgm:prSet presAssocID="{3DDA16D2-21F8-47F5-A677-027B09A0DCAA}" presName="rootText" presStyleLbl="node4" presStyleIdx="2" presStyleCnt="3">
+        <dgm:presLayoutVars>
+          <dgm:chPref val="3"/>
+        </dgm:presLayoutVars>
+      </dgm:prSet>
+      <dgm:spPr/>
+    </dgm:pt>
+    <dgm:pt modelId="{CBE0C06E-4963-4904-BBE9-F9D45A28B254}" type="pres">
+      <dgm:prSet presAssocID="{3DDA16D2-21F8-47F5-A677-027B09A0DCAA}" presName="rootConnector" presStyleLbl="node4" presStyleIdx="2" presStyleCnt="3"/>
+      <dgm:spPr/>
+    </dgm:pt>
+    <dgm:pt modelId="{C001A9CD-0961-44EE-B1EE-E02106C7FFFA}" type="pres">
+      <dgm:prSet presAssocID="{3DDA16D2-21F8-47F5-A677-027B09A0DCAA}" presName="hierChild4" presStyleCnt="0"/>
+      <dgm:spPr/>
+    </dgm:pt>
+    <dgm:pt modelId="{8C515325-661E-4667-B9D8-A75E93DA76B1}" type="pres">
+      <dgm:prSet presAssocID="{3DDA16D2-21F8-47F5-A677-027B09A0DCAA}" presName="hierChild5" presStyleCnt="0"/>
+      <dgm:spPr/>
+    </dgm:pt>
+    <dgm:pt modelId="{81A0C111-5E29-4C6D-B8D1-8979A1D2F758}" type="pres">
+      <dgm:prSet presAssocID="{194B450F-9E85-4BFF-B53A-025ECE8CA2B3}" presName="hierChild5" presStyleCnt="0"/>
+      <dgm:spPr/>
+    </dgm:pt>
+    <dgm:pt modelId="{2AE50859-A0F3-4D34-A36E-1D1B57AD5833}" type="pres">
+      <dgm:prSet presAssocID="{33BB61BD-C7B2-4EEF-9DA6-9C6B5266D100}" presName="Name64" presStyleLbl="parChTrans1D3" presStyleIdx="1" presStyleCnt="2"/>
+      <dgm:spPr/>
+    </dgm:pt>
+    <dgm:pt modelId="{BA520FEB-C5A1-42D8-89F8-6E4274B8DCCB}" type="pres">
+      <dgm:prSet presAssocID="{0EFBF9FB-A605-419D-A862-7FB5461FA12B}" presName="hierRoot2" presStyleCnt="0">
+        <dgm:presLayoutVars>
+          <dgm:hierBranch val="init"/>
+        </dgm:presLayoutVars>
+      </dgm:prSet>
+      <dgm:spPr/>
+    </dgm:pt>
+    <dgm:pt modelId="{DB2C8941-A675-4817-9B88-2AA40075E014}" type="pres">
+      <dgm:prSet presAssocID="{0EFBF9FB-A605-419D-A862-7FB5461FA12B}" presName="rootComposite" presStyleCnt="0"/>
+      <dgm:spPr/>
+    </dgm:pt>
+    <dgm:pt modelId="{8B15E07E-99B4-4AA7-88F9-F8F2D3601D93}" type="pres">
+      <dgm:prSet presAssocID="{0EFBF9FB-A605-419D-A862-7FB5461FA12B}" presName="rootText" presStyleLbl="node3" presStyleIdx="1" presStyleCnt="2">
+        <dgm:presLayoutVars>
+          <dgm:chPref val="3"/>
+        </dgm:presLayoutVars>
+      </dgm:prSet>
+      <dgm:spPr/>
+    </dgm:pt>
+    <dgm:pt modelId="{00C9DA18-5528-47F7-A939-211C1C9A212F}" type="pres">
+      <dgm:prSet presAssocID="{0EFBF9FB-A605-419D-A862-7FB5461FA12B}" presName="rootConnector" presStyleLbl="node3" presStyleIdx="1" presStyleCnt="2"/>
+      <dgm:spPr/>
+    </dgm:pt>
+    <dgm:pt modelId="{1E9DF34E-300F-44BF-AA09-24FE45A1C366}" type="pres">
+      <dgm:prSet presAssocID="{0EFBF9FB-A605-419D-A862-7FB5461FA12B}" presName="hierChild4" presStyleCnt="0"/>
+      <dgm:spPr/>
+    </dgm:pt>
+    <dgm:pt modelId="{05E45EC2-33D0-4445-B648-4F96D7A734A5}" type="pres">
+      <dgm:prSet presAssocID="{0EFBF9FB-A605-419D-A862-7FB5461FA12B}" presName="hierChild5" presStyleCnt="0"/>
+      <dgm:spPr/>
+    </dgm:pt>
+    <dgm:pt modelId="{090E0A64-F29B-491C-A357-41F55F7C9FD3}" type="pres">
+      <dgm:prSet presAssocID="{458EA245-C2FB-44D5-8605-4CCDDB40A6CC}" presName="hierChild5" presStyleCnt="0"/>
+      <dgm:spPr/>
+    </dgm:pt>
+    <dgm:pt modelId="{567FCC46-C3DF-4251-BE5E-39C5F62A348C}" type="pres">
+      <dgm:prSet presAssocID="{1D0C1A18-525A-4402-A32B-7193F2A8471B}" presName="Name64" presStyleLbl="parChTrans1D2" presStyleIdx="1" presStyleCnt="2"/>
+      <dgm:spPr/>
+    </dgm:pt>
+    <dgm:pt modelId="{32BD507D-9A62-4BD2-9B58-25D9373F026A}" type="pres">
+      <dgm:prSet presAssocID="{A00B03C0-8B6F-4A38-8304-EE63638E39F0}" presName="hierRoot2" presStyleCnt="0">
+        <dgm:presLayoutVars>
+          <dgm:hierBranch val="init"/>
+        </dgm:presLayoutVars>
+      </dgm:prSet>
+      <dgm:spPr/>
+    </dgm:pt>
+    <dgm:pt modelId="{E770B5D3-2F5E-4D06-B311-B8E2869882F0}" type="pres">
+      <dgm:prSet presAssocID="{A00B03C0-8B6F-4A38-8304-EE63638E39F0}" presName="rootComposite" presStyleCnt="0"/>
+      <dgm:spPr/>
+    </dgm:pt>
+    <dgm:pt modelId="{50C6C9DE-2467-43DA-B215-3254E4507CAA}" type="pres">
+      <dgm:prSet presAssocID="{A00B03C0-8B6F-4A38-8304-EE63638E39F0}" presName="rootText" presStyleLbl="node2" presStyleIdx="1" presStyleCnt="2">
+        <dgm:presLayoutVars>
+          <dgm:chPref val="3"/>
+        </dgm:presLayoutVars>
+      </dgm:prSet>
+      <dgm:spPr/>
+    </dgm:pt>
+    <dgm:pt modelId="{52D8D829-C8D7-4555-B67B-1A38F3A988B0}" type="pres">
+      <dgm:prSet presAssocID="{A00B03C0-8B6F-4A38-8304-EE63638E39F0}" presName="rootConnector" presStyleLbl="node2" presStyleIdx="1" presStyleCnt="2"/>
+      <dgm:spPr/>
+    </dgm:pt>
+    <dgm:pt modelId="{483FF510-A742-40AC-8588-F0F8D5C6554C}" type="pres">
+      <dgm:prSet presAssocID="{A00B03C0-8B6F-4A38-8304-EE63638E39F0}" presName="hierChild4" presStyleCnt="0"/>
+      <dgm:spPr/>
+    </dgm:pt>
+    <dgm:pt modelId="{C91F439F-2E45-4C7C-AFED-F66049C6806B}" type="pres">
+      <dgm:prSet presAssocID="{A00B03C0-8B6F-4A38-8304-EE63638E39F0}" presName="hierChild5" presStyleCnt="0"/>
+      <dgm:spPr/>
+    </dgm:pt>
+    <dgm:pt modelId="{3472758A-34A3-4AA5-909B-A711B33B8B0C}" type="pres">
+      <dgm:prSet presAssocID="{FE51A229-1D1C-4A6F-AB90-E177D9FF5638}" presName="hierChild3" presStyleCnt="0"/>
+      <dgm:spPr/>
+    </dgm:pt>
+  </dgm:ptLst>
+  <dgm:cxnLst>
+    <dgm:cxn modelId="{E4FCFA04-BFA1-4D6C-8545-4660A06C0858}" srcId="{FE51A229-1D1C-4A6F-AB90-E177D9FF5638}" destId="{458EA245-C2FB-44D5-8605-4CCDDB40A6CC}" srcOrd="0" destOrd="0" parTransId="{2513C4D0-6C86-45C4-8BBD-2DB38E3AC370}" sibTransId="{53A9072A-69A3-4427-B613-32082B7B7647}"/>
+    <dgm:cxn modelId="{6AEA9406-01E6-454D-B689-07879572C0DC}" type="presOf" srcId="{A2264A7C-99C0-4C2E-8D57-36176C349B9D}" destId="{9F8FC8AB-0C10-4A80-8AC1-8F557DFAC6ED}" srcOrd="0" destOrd="0" presId="urn:microsoft.com/office/officeart/2009/3/layout/HorizontalOrganizationChart"/>
+    <dgm:cxn modelId="{484D5007-0040-4011-8282-AF8E2CF63BDE}" srcId="{458EA245-C2FB-44D5-8605-4CCDDB40A6CC}" destId="{0EFBF9FB-A605-419D-A862-7FB5461FA12B}" srcOrd="1" destOrd="0" parTransId="{33BB61BD-C7B2-4EEF-9DA6-9C6B5266D100}" sibTransId="{44FF41D8-740A-4FAB-82C8-EDE7E9B15E38}"/>
+    <dgm:cxn modelId="{F7156508-A877-42EE-B019-05A4690C64F4}" type="presOf" srcId="{DDCFA4CF-CB34-4461-BF68-A6E109616A0E}" destId="{87F8F010-9276-41CD-A9FE-B1F4A0595D48}" srcOrd="1" destOrd="0" presId="urn:microsoft.com/office/officeart/2009/3/layout/HorizontalOrganizationChart"/>
+    <dgm:cxn modelId="{71605211-8CF0-4CC0-902E-54D2DC1C86C4}" type="presOf" srcId="{194B450F-9E85-4BFF-B53A-025ECE8CA2B3}" destId="{49B445EE-0A39-4EBB-9212-3FB7911CC92D}" srcOrd="0" destOrd="0" presId="urn:microsoft.com/office/officeart/2009/3/layout/HorizontalOrganizationChart"/>
+    <dgm:cxn modelId="{1CB5A317-0F65-4F77-95BD-53601243D158}" type="presOf" srcId="{3DDA16D2-21F8-47F5-A677-027B09A0DCAA}" destId="{02D8AA49-D842-4B3F-B647-E1ACEC927ACC}" srcOrd="0" destOrd="0" presId="urn:microsoft.com/office/officeart/2009/3/layout/HorizontalOrganizationChart"/>
+    <dgm:cxn modelId="{7FF7C417-39C3-4FF5-AFB8-49610E291783}" type="presOf" srcId="{A2264A7C-99C0-4C2E-8D57-36176C349B9D}" destId="{A8DB0F5F-E32E-4576-9815-E8340FCEF884}" srcOrd="1" destOrd="0" presId="urn:microsoft.com/office/officeart/2009/3/layout/HorizontalOrganizationChart"/>
+    <dgm:cxn modelId="{44152723-EBEB-4656-BF1B-7087F2C99C12}" type="presOf" srcId="{1D0C1A18-525A-4402-A32B-7193F2A8471B}" destId="{567FCC46-C3DF-4251-BE5E-39C5F62A348C}" srcOrd="0" destOrd="0" presId="urn:microsoft.com/office/officeart/2009/3/layout/HorizontalOrganizationChart"/>
+    <dgm:cxn modelId="{CAD44E2B-0438-4B15-91D6-9BB16FC8FD21}" type="presOf" srcId="{BB1B051C-FE5E-4A16-9C54-818D19E23760}" destId="{A813DACE-B381-4BD1-B87A-8914CC3126C9}" srcOrd="0" destOrd="0" presId="urn:microsoft.com/office/officeart/2009/3/layout/HorizontalOrganizationChart"/>
+    <dgm:cxn modelId="{578ED840-C2B4-4153-933F-437817DB9121}" type="presOf" srcId="{0EFBF9FB-A605-419D-A862-7FB5461FA12B}" destId="{8B15E07E-99B4-4AA7-88F9-F8F2D3601D93}" srcOrd="0" destOrd="0" presId="urn:microsoft.com/office/officeart/2009/3/layout/HorizontalOrganizationChart"/>
+    <dgm:cxn modelId="{82B87C42-A868-4813-92EA-6E47F92236AE}" type="presOf" srcId="{194B450F-9E85-4BFF-B53A-025ECE8CA2B3}" destId="{5A548C04-9E6C-4592-B715-0EB482C91130}" srcOrd="1" destOrd="0" presId="urn:microsoft.com/office/officeart/2009/3/layout/HorizontalOrganizationChart"/>
+    <dgm:cxn modelId="{26084E46-5324-443F-9AA1-9C51CC2E84C6}" type="presOf" srcId="{3DDA16D2-21F8-47F5-A677-027B09A0DCAA}" destId="{CBE0C06E-4963-4904-BBE9-F9D45A28B254}" srcOrd="1" destOrd="0" presId="urn:microsoft.com/office/officeart/2009/3/layout/HorizontalOrganizationChart"/>
+    <dgm:cxn modelId="{C224066D-8E7A-4DBF-B0CA-AD1CD42C0934}" type="presOf" srcId="{FE51A229-1D1C-4A6F-AB90-E177D9FF5638}" destId="{AF082B63-47A3-42A2-A216-33822EEB62AD}" srcOrd="0" destOrd="0" presId="urn:microsoft.com/office/officeart/2009/3/layout/HorizontalOrganizationChart"/>
+    <dgm:cxn modelId="{21C5914E-B084-4E1A-8286-FA3BFDD11525}" type="presOf" srcId="{B92FE964-20D3-4760-9A5D-FC70065444B3}" destId="{3B5520CA-5F04-4318-B8CF-392D127E0565}" srcOrd="0" destOrd="0" presId="urn:microsoft.com/office/officeart/2009/3/layout/HorizontalOrganizationChart"/>
+    <dgm:cxn modelId="{C130B86E-7832-4044-85F5-0AAAED6A05DC}" type="presOf" srcId="{2513C4D0-6C86-45C4-8BBD-2DB38E3AC370}" destId="{63227DB9-CCD9-47FC-87C1-48A8A593DD3D}" srcOrd="0" destOrd="0" presId="urn:microsoft.com/office/officeart/2009/3/layout/HorizontalOrganizationChart"/>
+    <dgm:cxn modelId="{2AE5AF70-17DF-4B57-B688-4DC303E92A34}" type="presOf" srcId="{A00B03C0-8B6F-4A38-8304-EE63638E39F0}" destId="{52D8D829-C8D7-4555-B67B-1A38F3A988B0}" srcOrd="1" destOrd="0" presId="urn:microsoft.com/office/officeart/2009/3/layout/HorizontalOrganizationChart"/>
+    <dgm:cxn modelId="{F33F0453-D6F7-4126-A22A-C5F0A08FD289}" type="presOf" srcId="{B7BB566D-4912-41B1-B776-F30DE0B49829}" destId="{5E2A4BF6-1C17-4440-8F1D-9DDBE8FD40EB}" srcOrd="0" destOrd="0" presId="urn:microsoft.com/office/officeart/2009/3/layout/HorizontalOrganizationChart"/>
+    <dgm:cxn modelId="{32550876-B728-410B-AB28-F6847898BBA9}" type="presOf" srcId="{458EA245-C2FB-44D5-8605-4CCDDB40A6CC}" destId="{58CCBD63-0DC1-42B7-986A-6D903EE0CAE9}" srcOrd="0" destOrd="0" presId="urn:microsoft.com/office/officeart/2009/3/layout/HorizontalOrganizationChart"/>
+    <dgm:cxn modelId="{11ABE458-95FA-4F0E-9571-16BEFF9318B5}" srcId="{458EA245-C2FB-44D5-8605-4CCDDB40A6CC}" destId="{194B450F-9E85-4BFF-B53A-025ECE8CA2B3}" srcOrd="0" destOrd="0" parTransId="{BB1B051C-FE5E-4A16-9C54-818D19E23760}" sibTransId="{35B704BA-272C-4FD3-8DC8-BBCDFF621B17}"/>
+    <dgm:cxn modelId="{4912AE85-D5C0-4B19-BAB1-4F20B08FA78B}" srcId="{194B450F-9E85-4BFF-B53A-025ECE8CA2B3}" destId="{A2264A7C-99C0-4C2E-8D57-36176C349B9D}" srcOrd="0" destOrd="0" parTransId="{B92FE964-20D3-4760-9A5D-FC70065444B3}" sibTransId="{ADD6F146-40E5-4B9C-A5B7-E7CD38D2C492}"/>
+    <dgm:cxn modelId="{86B87D8A-7618-4A6E-8215-9F9E410FEB3C}" srcId="{194B450F-9E85-4BFF-B53A-025ECE8CA2B3}" destId="{3DDA16D2-21F8-47F5-A677-027B09A0DCAA}" srcOrd="2" destOrd="0" parTransId="{C013AF15-BE5E-4351-9FCC-BC353D4E1563}" sibTransId="{14774648-2FE7-4094-8DBC-B9DC23148B58}"/>
+    <dgm:cxn modelId="{926A30C3-E26E-46CC-A662-E403FD474CEE}" type="presOf" srcId="{9B572FD9-4724-42DA-B8D4-08C635C0917F}" destId="{1F642486-6A25-4C23-92A3-61A7126A890E}" srcOrd="0" destOrd="0" presId="urn:microsoft.com/office/officeart/2009/3/layout/HorizontalOrganizationChart"/>
+    <dgm:cxn modelId="{273062C8-E9B1-4CFB-B54C-9CF1BE5E1D73}" srcId="{9B572FD9-4724-42DA-B8D4-08C635C0917F}" destId="{FE51A229-1D1C-4A6F-AB90-E177D9FF5638}" srcOrd="0" destOrd="0" parTransId="{A504EDBC-EB02-4406-B3C2-FF847ACFAB41}" sibTransId="{E8FE0C9C-68D4-4441-A46A-89AEE9E09116}"/>
+    <dgm:cxn modelId="{521BE7C8-04C5-42EF-9A09-686B5C5E16A6}" srcId="{194B450F-9E85-4BFF-B53A-025ECE8CA2B3}" destId="{DDCFA4CF-CB34-4461-BF68-A6E109616A0E}" srcOrd="1" destOrd="0" parTransId="{B7BB566D-4912-41B1-B776-F30DE0B49829}" sibTransId="{B73FC9E7-A443-418A-9BAB-4CB6E5444EE0}"/>
+    <dgm:cxn modelId="{469BD5D0-E7CC-46AF-A309-EEEFB2947DA4}" type="presOf" srcId="{FE51A229-1D1C-4A6F-AB90-E177D9FF5638}" destId="{4B6F4223-3E1E-4AC9-ABD4-0609EA935B7D}" srcOrd="1" destOrd="0" presId="urn:microsoft.com/office/officeart/2009/3/layout/HorizontalOrganizationChart"/>
+    <dgm:cxn modelId="{8139BDDC-86AE-4421-BFDD-19D790AC7882}" srcId="{FE51A229-1D1C-4A6F-AB90-E177D9FF5638}" destId="{A00B03C0-8B6F-4A38-8304-EE63638E39F0}" srcOrd="1" destOrd="0" parTransId="{1D0C1A18-525A-4402-A32B-7193F2A8471B}" sibTransId="{FFFC4A27-D24C-411F-899C-7C296EF4B286}"/>
+    <dgm:cxn modelId="{2353BEDD-9DFA-47AF-9301-09410A26A23A}" type="presOf" srcId="{0EFBF9FB-A605-419D-A862-7FB5461FA12B}" destId="{00C9DA18-5528-47F7-A939-211C1C9A212F}" srcOrd="1" destOrd="0" presId="urn:microsoft.com/office/officeart/2009/3/layout/HorizontalOrganizationChart"/>
+    <dgm:cxn modelId="{A2378DE5-8398-4977-BB44-026FFB612B10}" type="presOf" srcId="{C013AF15-BE5E-4351-9FCC-BC353D4E1563}" destId="{FE3655A2-A77C-4FEA-A8D0-8272D776720E}" srcOrd="0" destOrd="0" presId="urn:microsoft.com/office/officeart/2009/3/layout/HorizontalOrganizationChart"/>
+    <dgm:cxn modelId="{EE2B81EF-E21C-4355-8EBB-31E68916AD6D}" type="presOf" srcId="{33BB61BD-C7B2-4EEF-9DA6-9C6B5266D100}" destId="{2AE50859-A0F3-4D34-A36E-1D1B57AD5833}" srcOrd="0" destOrd="0" presId="urn:microsoft.com/office/officeart/2009/3/layout/HorizontalOrganizationChart"/>
+    <dgm:cxn modelId="{3EA1BDF9-196B-4338-959A-1771D4FA7F51}" type="presOf" srcId="{DDCFA4CF-CB34-4461-BF68-A6E109616A0E}" destId="{3D3D0051-3F10-445E-9BBB-7EAF92EDA706}" srcOrd="0" destOrd="0" presId="urn:microsoft.com/office/officeart/2009/3/layout/HorizontalOrganizationChart"/>
+    <dgm:cxn modelId="{0CC669FE-97A7-4BF5-865E-0478346F01D1}" type="presOf" srcId="{A00B03C0-8B6F-4A38-8304-EE63638E39F0}" destId="{50C6C9DE-2467-43DA-B215-3254E4507CAA}" srcOrd="0" destOrd="0" presId="urn:microsoft.com/office/officeart/2009/3/layout/HorizontalOrganizationChart"/>
+    <dgm:cxn modelId="{6B377BFF-21F7-4E69-9760-16B227F85F05}" type="presOf" srcId="{458EA245-C2FB-44D5-8605-4CCDDB40A6CC}" destId="{236E74BF-DAB1-48C0-8EBC-B0423E7C1D61}" srcOrd="1" destOrd="0" presId="urn:microsoft.com/office/officeart/2009/3/layout/HorizontalOrganizationChart"/>
+    <dgm:cxn modelId="{E19F6ACC-E717-4063-A3F8-D1EC869C1E5B}" type="presParOf" srcId="{1F642486-6A25-4C23-92A3-61A7126A890E}" destId="{93AEEB7A-FD22-4C7D-9EEE-0928D9CB0647}" srcOrd="0" destOrd="0" presId="urn:microsoft.com/office/officeart/2009/3/layout/HorizontalOrganizationChart"/>
+    <dgm:cxn modelId="{6F0CDF8C-0C82-4A3E-9F2F-61A6F3047D2F}" type="presParOf" srcId="{93AEEB7A-FD22-4C7D-9EEE-0928D9CB0647}" destId="{8349182F-161D-44CA-8ED3-315E2CD2C015}" srcOrd="0" destOrd="0" presId="urn:microsoft.com/office/officeart/2009/3/layout/HorizontalOrganizationChart"/>
+    <dgm:cxn modelId="{E69C996A-46C8-444D-B429-23C64B28B592}" type="presParOf" srcId="{8349182F-161D-44CA-8ED3-315E2CD2C015}" destId="{AF082B63-47A3-42A2-A216-33822EEB62AD}" srcOrd="0" destOrd="0" presId="urn:microsoft.com/office/officeart/2009/3/layout/HorizontalOrganizationChart"/>
+    <dgm:cxn modelId="{D9922E4B-C95D-48DB-910D-A38D518E2393}" type="presParOf" srcId="{8349182F-161D-44CA-8ED3-315E2CD2C015}" destId="{4B6F4223-3E1E-4AC9-ABD4-0609EA935B7D}" srcOrd="1" destOrd="0" presId="urn:microsoft.com/office/officeart/2009/3/layout/HorizontalOrganizationChart"/>
+    <dgm:cxn modelId="{1694DE1B-36F2-41CF-86D5-F267A1B0AF2E}" type="presParOf" srcId="{93AEEB7A-FD22-4C7D-9EEE-0928D9CB0647}" destId="{E2312D51-A2CD-4B22-A9A0-105CD811DE30}" srcOrd="1" destOrd="0" presId="urn:microsoft.com/office/officeart/2009/3/layout/HorizontalOrganizationChart"/>
+    <dgm:cxn modelId="{17B0E782-B8E2-44C2-96C5-E0A2E8735DCC}" type="presParOf" srcId="{E2312D51-A2CD-4B22-A9A0-105CD811DE30}" destId="{63227DB9-CCD9-47FC-87C1-48A8A593DD3D}" srcOrd="0" destOrd="0" presId="urn:microsoft.com/office/officeart/2009/3/layout/HorizontalOrganizationChart"/>
+    <dgm:cxn modelId="{C81BCF96-1DFF-4650-A177-CEFE9415C963}" type="presParOf" srcId="{E2312D51-A2CD-4B22-A9A0-105CD811DE30}" destId="{ED867374-C2F4-4A03-9BAB-0A9DB67539CF}" srcOrd="1" destOrd="0" presId="urn:microsoft.com/office/officeart/2009/3/layout/HorizontalOrganizationChart"/>
+    <dgm:cxn modelId="{AE509719-83D0-4152-82DA-70310C66EDAF}" type="presParOf" srcId="{ED867374-C2F4-4A03-9BAB-0A9DB67539CF}" destId="{EA54FC98-C321-4855-960D-1AFA519BF22F}" srcOrd="0" destOrd="0" presId="urn:microsoft.com/office/officeart/2009/3/layout/HorizontalOrganizationChart"/>
+    <dgm:cxn modelId="{5E85EDFE-E4C5-4884-9679-24E069C8F9EA}" type="presParOf" srcId="{EA54FC98-C321-4855-960D-1AFA519BF22F}" destId="{58CCBD63-0DC1-42B7-986A-6D903EE0CAE9}" srcOrd="0" destOrd="0" presId="urn:microsoft.com/office/officeart/2009/3/layout/HorizontalOrganizationChart"/>
+    <dgm:cxn modelId="{689E1A01-6F2A-443E-BC6B-BC0BEDDFBC72}" type="presParOf" srcId="{EA54FC98-C321-4855-960D-1AFA519BF22F}" destId="{236E74BF-DAB1-48C0-8EBC-B0423E7C1D61}" srcOrd="1" destOrd="0" presId="urn:microsoft.com/office/officeart/2009/3/layout/HorizontalOrganizationChart"/>
+    <dgm:cxn modelId="{9522D71E-E5F9-40EA-A31F-7011C359C115}" type="presParOf" srcId="{ED867374-C2F4-4A03-9BAB-0A9DB67539CF}" destId="{AB56F150-B395-4ECC-BA1D-868815977097}" srcOrd="1" destOrd="0" presId="urn:microsoft.com/office/officeart/2009/3/layout/HorizontalOrganizationChart"/>
+    <dgm:cxn modelId="{16980205-0E10-418F-9B4B-8D44F6DAD9A4}" type="presParOf" srcId="{AB56F150-B395-4ECC-BA1D-868815977097}" destId="{A813DACE-B381-4BD1-B87A-8914CC3126C9}" srcOrd="0" destOrd="0" presId="urn:microsoft.com/office/officeart/2009/3/layout/HorizontalOrganizationChart"/>
+    <dgm:cxn modelId="{5C9A342B-CB5C-431A-A840-AD47497E3F67}" type="presParOf" srcId="{AB56F150-B395-4ECC-BA1D-868815977097}" destId="{F5ABF7A5-F5F4-4F68-8DA0-DA2CA59A0C71}" srcOrd="1" destOrd="0" presId="urn:microsoft.com/office/officeart/2009/3/layout/HorizontalOrganizationChart"/>
+    <dgm:cxn modelId="{0BB6C40A-3F33-41B1-BFAB-163E28E562B8}" type="presParOf" srcId="{F5ABF7A5-F5F4-4F68-8DA0-DA2CA59A0C71}" destId="{F54F1BF1-EB54-496D-A040-1A433710DFD9}" srcOrd="0" destOrd="0" presId="urn:microsoft.com/office/officeart/2009/3/layout/HorizontalOrganizationChart"/>
+    <dgm:cxn modelId="{5181F54A-277A-406E-8355-64A214C56E0D}" type="presParOf" srcId="{F54F1BF1-EB54-496D-A040-1A433710DFD9}" destId="{49B445EE-0A39-4EBB-9212-3FB7911CC92D}" srcOrd="0" destOrd="0" presId="urn:microsoft.com/office/officeart/2009/3/layout/HorizontalOrganizationChart"/>
+    <dgm:cxn modelId="{746A9455-DEB7-4F82-97B8-220F40B40C01}" type="presParOf" srcId="{F54F1BF1-EB54-496D-A040-1A433710DFD9}" destId="{5A548C04-9E6C-4592-B715-0EB482C91130}" srcOrd="1" destOrd="0" presId="urn:microsoft.com/office/officeart/2009/3/layout/HorizontalOrganizationChart"/>
+    <dgm:cxn modelId="{F2D5A6FA-D22B-48C5-B4C9-A8201F58B53A}" type="presParOf" srcId="{F5ABF7A5-F5F4-4F68-8DA0-DA2CA59A0C71}" destId="{335D26C1-FA49-453D-B8F7-F14D3ED40119}" srcOrd="1" destOrd="0" presId="urn:microsoft.com/office/officeart/2009/3/layout/HorizontalOrganizationChart"/>
+    <dgm:cxn modelId="{189BC6DE-1983-473D-94F4-B544807D6BB3}" type="presParOf" srcId="{335D26C1-FA49-453D-B8F7-F14D3ED40119}" destId="{3B5520CA-5F04-4318-B8CF-392D127E0565}" srcOrd="0" destOrd="0" presId="urn:microsoft.com/office/officeart/2009/3/layout/HorizontalOrganizationChart"/>
+    <dgm:cxn modelId="{17AD3313-A4CA-4C1D-BBE4-2BEA79F7BC4B}" type="presParOf" srcId="{335D26C1-FA49-453D-B8F7-F14D3ED40119}" destId="{BC983705-C229-4A07-8FE0-730317BFA2F7}" srcOrd="1" destOrd="0" presId="urn:microsoft.com/office/officeart/2009/3/layout/HorizontalOrganizationChart"/>
+    <dgm:cxn modelId="{2A9213D2-7B48-4192-BD32-7A81812DED28}" type="presParOf" srcId="{BC983705-C229-4A07-8FE0-730317BFA2F7}" destId="{B59EB8DA-7CAF-4F6F-B8BE-97391AFDD548}" srcOrd="0" destOrd="0" presId="urn:microsoft.com/office/officeart/2009/3/layout/HorizontalOrganizationChart"/>
+    <dgm:cxn modelId="{963ABD50-7D45-48B9-979E-EC11809C042F}" type="presParOf" srcId="{B59EB8DA-7CAF-4F6F-B8BE-97391AFDD548}" destId="{9F8FC8AB-0C10-4A80-8AC1-8F557DFAC6ED}" srcOrd="0" destOrd="0" presId="urn:microsoft.com/office/officeart/2009/3/layout/HorizontalOrganizationChart"/>
+    <dgm:cxn modelId="{98423BE6-ABB4-4AD3-ACD8-B96632CC2C25}" type="presParOf" srcId="{B59EB8DA-7CAF-4F6F-B8BE-97391AFDD548}" destId="{A8DB0F5F-E32E-4576-9815-E8340FCEF884}" srcOrd="1" destOrd="0" presId="urn:microsoft.com/office/officeart/2009/3/layout/HorizontalOrganizationChart"/>
+    <dgm:cxn modelId="{577A731B-5520-48BB-B34E-098B9ED2809D}" type="presParOf" srcId="{BC983705-C229-4A07-8FE0-730317BFA2F7}" destId="{057F7E45-500A-4B01-ACAD-7C6379607DB2}" srcOrd="1" destOrd="0" presId="urn:microsoft.com/office/officeart/2009/3/layout/HorizontalOrganizationChart"/>
+    <dgm:cxn modelId="{44C69985-C77E-4EAE-98E3-373C73A16393}" type="presParOf" srcId="{BC983705-C229-4A07-8FE0-730317BFA2F7}" destId="{870D6419-7891-4A50-BD2A-DECF511976CF}" srcOrd="2" destOrd="0" presId="urn:microsoft.com/office/officeart/2009/3/layout/HorizontalOrganizationChart"/>
+    <dgm:cxn modelId="{A5726D00-4CBF-4BA1-AE68-AC85B5894E7A}" type="presParOf" srcId="{335D26C1-FA49-453D-B8F7-F14D3ED40119}" destId="{5E2A4BF6-1C17-4440-8F1D-9DDBE8FD40EB}" srcOrd="2" destOrd="0" presId="urn:microsoft.com/office/officeart/2009/3/layout/HorizontalOrganizationChart"/>
+    <dgm:cxn modelId="{0702EBD5-6326-436F-9D45-108BF3FB4090}" type="presParOf" srcId="{335D26C1-FA49-453D-B8F7-F14D3ED40119}" destId="{B3CAACBC-C0C4-4E6D-A6AF-47CFA7B5F949}" srcOrd="3" destOrd="0" presId="urn:microsoft.com/office/officeart/2009/3/layout/HorizontalOrganizationChart"/>
+    <dgm:cxn modelId="{5824F374-668E-4A9C-BEB4-38F931102FE4}" type="presParOf" srcId="{B3CAACBC-C0C4-4E6D-A6AF-47CFA7B5F949}" destId="{E237444B-63B9-42A5-95B2-CE6FA0B0658D}" srcOrd="0" destOrd="0" presId="urn:microsoft.com/office/officeart/2009/3/layout/HorizontalOrganizationChart"/>
+    <dgm:cxn modelId="{A2E18177-6593-4357-8393-340DE4473206}" type="presParOf" srcId="{E237444B-63B9-42A5-95B2-CE6FA0B0658D}" destId="{3D3D0051-3F10-445E-9BBB-7EAF92EDA706}" srcOrd="0" destOrd="0" presId="urn:microsoft.com/office/officeart/2009/3/layout/HorizontalOrganizationChart"/>
+    <dgm:cxn modelId="{62C77C0C-3D44-4AA5-9796-8BC61210517D}" type="presParOf" srcId="{E237444B-63B9-42A5-95B2-CE6FA0B0658D}" destId="{87F8F010-9276-41CD-A9FE-B1F4A0595D48}" srcOrd="1" destOrd="0" presId="urn:microsoft.com/office/officeart/2009/3/layout/HorizontalOrganizationChart"/>
+    <dgm:cxn modelId="{AD1D65CF-A5FF-400D-8459-18F5A30A713E}" type="presParOf" srcId="{B3CAACBC-C0C4-4E6D-A6AF-47CFA7B5F949}" destId="{E19C4DBC-7534-4B62-A8E5-3D08593FF966}" srcOrd="1" destOrd="0" presId="urn:microsoft.com/office/officeart/2009/3/layout/HorizontalOrganizationChart"/>
+    <dgm:cxn modelId="{95F048A7-4D25-4FBC-9B4F-2AFB24E1C454}" type="presParOf" srcId="{B3CAACBC-C0C4-4E6D-A6AF-47CFA7B5F949}" destId="{DC6A520F-9F11-415D-897E-13E689328A76}" srcOrd="2" destOrd="0" presId="urn:microsoft.com/office/officeart/2009/3/layout/HorizontalOrganizationChart"/>
+    <dgm:cxn modelId="{7AC18775-AED6-48C7-AA8F-082390C97813}" type="presParOf" srcId="{335D26C1-FA49-453D-B8F7-F14D3ED40119}" destId="{FE3655A2-A77C-4FEA-A8D0-8272D776720E}" srcOrd="4" destOrd="0" presId="urn:microsoft.com/office/officeart/2009/3/layout/HorizontalOrganizationChart"/>
+    <dgm:cxn modelId="{7A436317-598B-4378-B3C4-9DBA544BF322}" type="presParOf" srcId="{335D26C1-FA49-453D-B8F7-F14D3ED40119}" destId="{2175940A-A575-4707-BE76-92E4F498635D}" srcOrd="5" destOrd="0" presId="urn:microsoft.com/office/officeart/2009/3/layout/HorizontalOrganizationChart"/>
+    <dgm:cxn modelId="{B654B01B-674A-4A43-90D8-11323A407C74}" type="presParOf" srcId="{2175940A-A575-4707-BE76-92E4F498635D}" destId="{4CE64004-915B-4001-9C2E-E59BD9A722D9}" srcOrd="0" destOrd="0" presId="urn:microsoft.com/office/officeart/2009/3/layout/HorizontalOrganizationChart"/>
+    <dgm:cxn modelId="{2C45C3A5-86C3-4693-AEC8-CA9A6634B586}" type="presParOf" srcId="{4CE64004-915B-4001-9C2E-E59BD9A722D9}" destId="{02D8AA49-D842-4B3F-B647-E1ACEC927ACC}" srcOrd="0" destOrd="0" presId="urn:microsoft.com/office/officeart/2009/3/layout/HorizontalOrganizationChart"/>
+    <dgm:cxn modelId="{44D67F97-DF2F-4305-895C-8B381EF33CFE}" type="presParOf" srcId="{4CE64004-915B-4001-9C2E-E59BD9A722D9}" destId="{CBE0C06E-4963-4904-BBE9-F9D45A28B254}" srcOrd="1" destOrd="0" presId="urn:microsoft.com/office/officeart/2009/3/layout/HorizontalOrganizationChart"/>
+    <dgm:cxn modelId="{F7E8F37A-E051-4D92-B991-5585F5B63DF7}" type="presParOf" srcId="{2175940A-A575-4707-BE76-92E4F498635D}" destId="{C001A9CD-0961-44EE-B1EE-E02106C7FFFA}" srcOrd="1" destOrd="0" presId="urn:microsoft.com/office/officeart/2009/3/layout/HorizontalOrganizationChart"/>
+    <dgm:cxn modelId="{EB8DCB45-F229-456C-B605-5E077B26C40B}" type="presParOf" srcId="{2175940A-A575-4707-BE76-92E4F498635D}" destId="{8C515325-661E-4667-B9D8-A75E93DA76B1}" srcOrd="2" destOrd="0" presId="urn:microsoft.com/office/officeart/2009/3/layout/HorizontalOrganizationChart"/>
+    <dgm:cxn modelId="{70CA20C2-F4F1-460B-AC6D-AB600879AC6F}" type="presParOf" srcId="{F5ABF7A5-F5F4-4F68-8DA0-DA2CA59A0C71}" destId="{81A0C111-5E29-4C6D-B8D1-8979A1D2F758}" srcOrd="2" destOrd="0" presId="urn:microsoft.com/office/officeart/2009/3/layout/HorizontalOrganizationChart"/>
+    <dgm:cxn modelId="{C888C64A-2B7B-4300-9D3A-6B8D88F4F758}" type="presParOf" srcId="{AB56F150-B395-4ECC-BA1D-868815977097}" destId="{2AE50859-A0F3-4D34-A36E-1D1B57AD5833}" srcOrd="2" destOrd="0" presId="urn:microsoft.com/office/officeart/2009/3/layout/HorizontalOrganizationChart"/>
+    <dgm:cxn modelId="{211E41A0-2236-41A5-81F5-FACA9271E738}" type="presParOf" srcId="{AB56F150-B395-4ECC-BA1D-868815977097}" destId="{BA520FEB-C5A1-42D8-89F8-6E4274B8DCCB}" srcOrd="3" destOrd="0" presId="urn:microsoft.com/office/officeart/2009/3/layout/HorizontalOrganizationChart"/>
+    <dgm:cxn modelId="{2181B44C-439F-4172-83C4-60C3170D9647}" type="presParOf" srcId="{BA520FEB-C5A1-42D8-89F8-6E4274B8DCCB}" destId="{DB2C8941-A675-4817-9B88-2AA40075E014}" srcOrd="0" destOrd="0" presId="urn:microsoft.com/office/officeart/2009/3/layout/HorizontalOrganizationChart"/>
+    <dgm:cxn modelId="{34E589C8-1867-46B9-A994-68160C784A5A}" type="presParOf" srcId="{DB2C8941-A675-4817-9B88-2AA40075E014}" destId="{8B15E07E-99B4-4AA7-88F9-F8F2D3601D93}" srcOrd="0" destOrd="0" presId="urn:microsoft.com/office/officeart/2009/3/layout/HorizontalOrganizationChart"/>
+    <dgm:cxn modelId="{E678F197-C0CD-4B69-B22E-A224CEA899D4}" type="presParOf" srcId="{DB2C8941-A675-4817-9B88-2AA40075E014}" destId="{00C9DA18-5528-47F7-A939-211C1C9A212F}" srcOrd="1" destOrd="0" presId="urn:microsoft.com/office/officeart/2009/3/layout/HorizontalOrganizationChart"/>
+    <dgm:cxn modelId="{95E6C307-27FE-4F80-A3C4-3643A311BF20}" type="presParOf" srcId="{BA520FEB-C5A1-42D8-89F8-6E4274B8DCCB}" destId="{1E9DF34E-300F-44BF-AA09-24FE45A1C366}" srcOrd="1" destOrd="0" presId="urn:microsoft.com/office/officeart/2009/3/layout/HorizontalOrganizationChart"/>
+    <dgm:cxn modelId="{3CFCD6D8-7414-4F8F-86EC-8AEDB657564A}" type="presParOf" srcId="{BA520FEB-C5A1-42D8-89F8-6E4274B8DCCB}" destId="{05E45EC2-33D0-4445-B648-4F96D7A734A5}" srcOrd="2" destOrd="0" presId="urn:microsoft.com/office/officeart/2009/3/layout/HorizontalOrganizationChart"/>
+    <dgm:cxn modelId="{2A1DA052-102E-4A8F-B4E4-A4996F6A312E}" type="presParOf" srcId="{ED867374-C2F4-4A03-9BAB-0A9DB67539CF}" destId="{090E0A64-F29B-491C-A357-41F55F7C9FD3}" srcOrd="2" destOrd="0" presId="urn:microsoft.com/office/officeart/2009/3/layout/HorizontalOrganizationChart"/>
+    <dgm:cxn modelId="{C4C33828-5272-4D55-B1BB-4B0FC177B795}" type="presParOf" srcId="{E2312D51-A2CD-4B22-A9A0-105CD811DE30}" destId="{567FCC46-C3DF-4251-BE5E-39C5F62A348C}" srcOrd="2" destOrd="0" presId="urn:microsoft.com/office/officeart/2009/3/layout/HorizontalOrganizationChart"/>
+    <dgm:cxn modelId="{3E19F43A-1CE4-4DA3-AEA3-5619CF40ECAB}" type="presParOf" srcId="{E2312D51-A2CD-4B22-A9A0-105CD811DE30}" destId="{32BD507D-9A62-4BD2-9B58-25D9373F026A}" srcOrd="3" destOrd="0" presId="urn:microsoft.com/office/officeart/2009/3/layout/HorizontalOrganizationChart"/>
+    <dgm:cxn modelId="{EDABB34D-0C18-4ACD-916A-919BDBD72978}" type="presParOf" srcId="{32BD507D-9A62-4BD2-9B58-25D9373F026A}" destId="{E770B5D3-2F5E-4D06-B311-B8E2869882F0}" srcOrd="0" destOrd="0" presId="urn:microsoft.com/office/officeart/2009/3/layout/HorizontalOrganizationChart"/>
+    <dgm:cxn modelId="{031A637F-428E-4B6D-807A-B1FDBE73B355}" type="presParOf" srcId="{E770B5D3-2F5E-4D06-B311-B8E2869882F0}" destId="{50C6C9DE-2467-43DA-B215-3254E4507CAA}" srcOrd="0" destOrd="0" presId="urn:microsoft.com/office/officeart/2009/3/layout/HorizontalOrganizationChart"/>
+    <dgm:cxn modelId="{FB9998B7-1695-43FA-96DE-D03308D25401}" type="presParOf" srcId="{E770B5D3-2F5E-4D06-B311-B8E2869882F0}" destId="{52D8D829-C8D7-4555-B67B-1A38F3A988B0}" srcOrd="1" destOrd="0" presId="urn:microsoft.com/office/officeart/2009/3/layout/HorizontalOrganizationChart"/>
+    <dgm:cxn modelId="{5A17D6BF-65DD-4296-A2DC-E031CC5D4978}" type="presParOf" srcId="{32BD507D-9A62-4BD2-9B58-25D9373F026A}" destId="{483FF510-A742-40AC-8588-F0F8D5C6554C}" srcOrd="1" destOrd="0" presId="urn:microsoft.com/office/officeart/2009/3/layout/HorizontalOrganizationChart"/>
+    <dgm:cxn modelId="{D2072E02-A112-4417-A729-8EE5A7A65067}" type="presParOf" srcId="{32BD507D-9A62-4BD2-9B58-25D9373F026A}" destId="{C91F439F-2E45-4C7C-AFED-F66049C6806B}" srcOrd="2" destOrd="0" presId="urn:microsoft.com/office/officeart/2009/3/layout/HorizontalOrganizationChart"/>
+    <dgm:cxn modelId="{14DFDF61-DDD1-4549-9A37-B42B3E3B1B5D}" type="presParOf" srcId="{93AEEB7A-FD22-4C7D-9EEE-0928D9CB0647}" destId="{3472758A-34A3-4AA5-909B-A711B33B8B0C}" srcOrd="2" destOrd="0" presId="urn:microsoft.com/office/officeart/2009/3/layout/HorizontalOrganizationChart"/>
+  </dgm:cxnLst>
+  <dgm:bg/>
+  <dgm:whole/>
+  <dgm:extLst>
+    <a:ext uri="http://schemas.microsoft.com/office/drawing/2008/diagram">
+      <dsp:dataModelExt xmlns:dsp="http://schemas.microsoft.com/office/drawing/2008/diagram" relId="rId6" minVer="http://schemas.openxmlformats.org/drawingml/2006/diagram"/>
+    </a:ext>
+  </dgm:extLst>
+</dgm:dataModel>
+</file>
+
+<file path=ppt/diagrams/data2.xml><?xml version="1.0" encoding="utf-8"?>
+<dgm:dataModel xmlns:dgm="http://schemas.openxmlformats.org/drawingml/2006/diagram" xmlns:a="http://schemas.openxmlformats.org/drawingml/2006/main">
+  <dgm:ptLst>
+    <dgm:pt modelId="{18753D03-873F-4146-AD95-D1CB4B8D071D}" type="doc">
+      <dgm:prSet loTypeId="urn:microsoft.com/office/officeart/2005/8/layout/chevron1" loCatId="process" qsTypeId="urn:microsoft.com/office/officeart/2005/8/quickstyle/simple1" qsCatId="simple" csTypeId="urn:microsoft.com/office/officeart/2005/8/colors/accent0_1" csCatId="mainScheme" phldr="1"/>
+      <dgm:spPr/>
+    </dgm:pt>
+    <dgm:pt modelId="{6CA5FA71-637A-450F-8045-F1F402DC11B0}">
+      <dgm:prSet phldrT="[Text]"/>
+      <dgm:spPr/>
+      <dgm:t>
+        <a:bodyPr/>
+        <a:lstStyle/>
+        <a:p>
+          <a:r>
+            <a:rPr lang="de-DE" dirty="0" err="1"/>
+            <a:t>prepare</a:t>
+          </a:r>
+          <a:endParaRPr lang="de-DE" dirty="0"/>
+        </a:p>
+      </dgm:t>
+    </dgm:pt>
+    <dgm:pt modelId="{CE92C5AD-CB25-4E55-A035-CEEEF44C5A21}" type="parTrans" cxnId="{C004BC63-CBE6-402A-A1CC-BEEA7FD8E89B}">
+      <dgm:prSet/>
+      <dgm:spPr/>
+      <dgm:t>
+        <a:bodyPr/>
+        <a:lstStyle/>
+        <a:p>
+          <a:endParaRPr lang="de-DE"/>
+        </a:p>
+      </dgm:t>
+    </dgm:pt>
+    <dgm:pt modelId="{DACC8F31-BC68-44A1-94EA-6E89C74AE713}" type="sibTrans" cxnId="{C004BC63-CBE6-402A-A1CC-BEEA7FD8E89B}">
+      <dgm:prSet/>
+      <dgm:spPr/>
+      <dgm:t>
+        <a:bodyPr/>
+        <a:lstStyle/>
+        <a:p>
+          <a:endParaRPr lang="de-DE"/>
+        </a:p>
+      </dgm:t>
+    </dgm:pt>
+    <dgm:pt modelId="{EC4681F8-CBDC-4364-AAC9-BB96998ED3D2}">
+      <dgm:prSet phldrT="[Text]"/>
+      <dgm:spPr/>
+      <dgm:t>
+        <a:bodyPr/>
+        <a:lstStyle/>
+        <a:p>
+          <a:r>
+            <a:rPr lang="de-DE" dirty="0" err="1"/>
+            <a:t>process</a:t>
+          </a:r>
+          <a:endParaRPr lang="de-DE" dirty="0"/>
+        </a:p>
+      </dgm:t>
+    </dgm:pt>
+    <dgm:pt modelId="{EFDB3AC7-E7E7-474D-9F15-A56DF2B213FF}" type="parTrans" cxnId="{F9638EE4-3DF1-4284-98E5-9F6BF387D7EC}">
+      <dgm:prSet/>
+      <dgm:spPr/>
+      <dgm:t>
+        <a:bodyPr/>
+        <a:lstStyle/>
+        <a:p>
+          <a:endParaRPr lang="de-DE"/>
+        </a:p>
+      </dgm:t>
+    </dgm:pt>
+    <dgm:pt modelId="{9B82CD64-154C-4D52-AD0C-676622C4FF9A}" type="sibTrans" cxnId="{F9638EE4-3DF1-4284-98E5-9F6BF387D7EC}">
+      <dgm:prSet/>
+      <dgm:spPr/>
+      <dgm:t>
+        <a:bodyPr/>
+        <a:lstStyle/>
+        <a:p>
+          <a:endParaRPr lang="de-DE"/>
+        </a:p>
+      </dgm:t>
+    </dgm:pt>
+    <dgm:pt modelId="{B12D6F0D-EDF0-4ED6-88BC-8C1A39EB909A}">
+      <dgm:prSet phldrT="[Text]"/>
+      <dgm:spPr/>
+      <dgm:t>
+        <a:bodyPr/>
+        <a:lstStyle/>
+        <a:p>
+          <a:r>
+            <a:rPr lang="de-DE" dirty="0" err="1"/>
+            <a:t>persist</a:t>
+          </a:r>
+          <a:endParaRPr lang="de-DE" dirty="0"/>
+        </a:p>
+      </dgm:t>
+    </dgm:pt>
+    <dgm:pt modelId="{2FED6286-2E66-4782-AEB6-78D1936FFC14}" type="parTrans" cxnId="{42C30ACB-A0D9-413A-85DF-A80ADB95C423}">
+      <dgm:prSet/>
+      <dgm:spPr/>
+      <dgm:t>
+        <a:bodyPr/>
+        <a:lstStyle/>
+        <a:p>
+          <a:endParaRPr lang="de-DE"/>
+        </a:p>
+      </dgm:t>
+    </dgm:pt>
+    <dgm:pt modelId="{E39411C9-BAA2-465F-A5A4-0A8CC096E02F}" type="sibTrans" cxnId="{42C30ACB-A0D9-413A-85DF-A80ADB95C423}">
+      <dgm:prSet/>
+      <dgm:spPr/>
+      <dgm:t>
+        <a:bodyPr/>
+        <a:lstStyle/>
+        <a:p>
+          <a:endParaRPr lang="de-DE"/>
+        </a:p>
+      </dgm:t>
+    </dgm:pt>
+    <dgm:pt modelId="{3E6991CC-64FF-4E8B-B9D1-453C465915F8}" type="pres">
+      <dgm:prSet presAssocID="{18753D03-873F-4146-AD95-D1CB4B8D071D}" presName="Name0" presStyleCnt="0">
+        <dgm:presLayoutVars>
+          <dgm:dir/>
+          <dgm:animLvl val="lvl"/>
+          <dgm:resizeHandles val="exact"/>
+        </dgm:presLayoutVars>
+      </dgm:prSet>
+      <dgm:spPr/>
+    </dgm:pt>
+    <dgm:pt modelId="{5C469640-FE55-4F7F-B497-1B74F4E2C0F5}" type="pres">
+      <dgm:prSet presAssocID="{6CA5FA71-637A-450F-8045-F1F402DC11B0}" presName="parTxOnly" presStyleLbl="node1" presStyleIdx="0" presStyleCnt="3">
+        <dgm:presLayoutVars>
+          <dgm:chMax val="0"/>
+          <dgm:chPref val="0"/>
+          <dgm:bulletEnabled val="1"/>
+        </dgm:presLayoutVars>
+      </dgm:prSet>
+      <dgm:spPr/>
+    </dgm:pt>
+    <dgm:pt modelId="{AB39998E-0EF6-427D-AEC8-21396EF5E4F6}" type="pres">
+      <dgm:prSet presAssocID="{DACC8F31-BC68-44A1-94EA-6E89C74AE713}" presName="parTxOnlySpace" presStyleCnt="0"/>
+      <dgm:spPr/>
+    </dgm:pt>
+    <dgm:pt modelId="{11FFF8AB-45E7-45A5-96C5-D063E0015043}" type="pres">
+      <dgm:prSet presAssocID="{EC4681F8-CBDC-4364-AAC9-BB96998ED3D2}" presName="parTxOnly" presStyleLbl="node1" presStyleIdx="1" presStyleCnt="3">
+        <dgm:presLayoutVars>
+          <dgm:chMax val="0"/>
+          <dgm:chPref val="0"/>
+          <dgm:bulletEnabled val="1"/>
+        </dgm:presLayoutVars>
+      </dgm:prSet>
+      <dgm:spPr/>
+    </dgm:pt>
+    <dgm:pt modelId="{5BFF22E0-6CBF-49E6-8EA1-0543140A2AFE}" type="pres">
+      <dgm:prSet presAssocID="{9B82CD64-154C-4D52-AD0C-676622C4FF9A}" presName="parTxOnlySpace" presStyleCnt="0"/>
+      <dgm:spPr/>
+    </dgm:pt>
+    <dgm:pt modelId="{D63463ED-A055-47CD-86CC-42B0566C8334}" type="pres">
+      <dgm:prSet presAssocID="{B12D6F0D-EDF0-4ED6-88BC-8C1A39EB909A}" presName="parTxOnly" presStyleLbl="node1" presStyleIdx="2" presStyleCnt="3">
+        <dgm:presLayoutVars>
+          <dgm:chMax val="0"/>
+          <dgm:chPref val="0"/>
+          <dgm:bulletEnabled val="1"/>
+        </dgm:presLayoutVars>
+      </dgm:prSet>
+      <dgm:spPr/>
+    </dgm:pt>
+  </dgm:ptLst>
+  <dgm:cxnLst>
+    <dgm:cxn modelId="{80D80E0A-B9C1-495A-8E01-420FF8DC81A8}" type="presOf" srcId="{6CA5FA71-637A-450F-8045-F1F402DC11B0}" destId="{5C469640-FE55-4F7F-B497-1B74F4E2C0F5}" srcOrd="0" destOrd="0" presId="urn:microsoft.com/office/officeart/2005/8/layout/chevron1"/>
+    <dgm:cxn modelId="{5D455C36-2A97-4C7D-BDFB-490EB43979FA}" type="presOf" srcId="{B12D6F0D-EDF0-4ED6-88BC-8C1A39EB909A}" destId="{D63463ED-A055-47CD-86CC-42B0566C8334}" srcOrd="0" destOrd="0" presId="urn:microsoft.com/office/officeart/2005/8/layout/chevron1"/>
+    <dgm:cxn modelId="{C004BC63-CBE6-402A-A1CC-BEEA7FD8E89B}" srcId="{18753D03-873F-4146-AD95-D1CB4B8D071D}" destId="{6CA5FA71-637A-450F-8045-F1F402DC11B0}" srcOrd="0" destOrd="0" parTransId="{CE92C5AD-CB25-4E55-A035-CEEEF44C5A21}" sibTransId="{DACC8F31-BC68-44A1-94EA-6E89C74AE713}"/>
+    <dgm:cxn modelId="{15B3D88F-AADF-449E-95E0-9236E08B69F3}" type="presOf" srcId="{18753D03-873F-4146-AD95-D1CB4B8D071D}" destId="{3E6991CC-64FF-4E8B-B9D1-453C465915F8}" srcOrd="0" destOrd="0" presId="urn:microsoft.com/office/officeart/2005/8/layout/chevron1"/>
+    <dgm:cxn modelId="{6B669FC0-5E53-45DB-B40F-5F3DCEE07EBD}" type="presOf" srcId="{EC4681F8-CBDC-4364-AAC9-BB96998ED3D2}" destId="{11FFF8AB-45E7-45A5-96C5-D063E0015043}" srcOrd="0" destOrd="0" presId="urn:microsoft.com/office/officeart/2005/8/layout/chevron1"/>
+    <dgm:cxn modelId="{42C30ACB-A0D9-413A-85DF-A80ADB95C423}" srcId="{18753D03-873F-4146-AD95-D1CB4B8D071D}" destId="{B12D6F0D-EDF0-4ED6-88BC-8C1A39EB909A}" srcOrd="2" destOrd="0" parTransId="{2FED6286-2E66-4782-AEB6-78D1936FFC14}" sibTransId="{E39411C9-BAA2-465F-A5A4-0A8CC096E02F}"/>
+    <dgm:cxn modelId="{F9638EE4-3DF1-4284-98E5-9F6BF387D7EC}" srcId="{18753D03-873F-4146-AD95-D1CB4B8D071D}" destId="{EC4681F8-CBDC-4364-AAC9-BB96998ED3D2}" srcOrd="1" destOrd="0" parTransId="{EFDB3AC7-E7E7-474D-9F15-A56DF2B213FF}" sibTransId="{9B82CD64-154C-4D52-AD0C-676622C4FF9A}"/>
+    <dgm:cxn modelId="{4F7A2E7E-0EB1-43B5-9C89-3F23AC060BC7}" type="presParOf" srcId="{3E6991CC-64FF-4E8B-B9D1-453C465915F8}" destId="{5C469640-FE55-4F7F-B497-1B74F4E2C0F5}" srcOrd="0" destOrd="0" presId="urn:microsoft.com/office/officeart/2005/8/layout/chevron1"/>
+    <dgm:cxn modelId="{64FB1A3D-264B-4225-AC6D-F9876C56A26E}" type="presParOf" srcId="{3E6991CC-64FF-4E8B-B9D1-453C465915F8}" destId="{AB39998E-0EF6-427D-AEC8-21396EF5E4F6}" srcOrd="1" destOrd="0" presId="urn:microsoft.com/office/officeart/2005/8/layout/chevron1"/>
+    <dgm:cxn modelId="{5292A30D-98B0-43F1-A396-E80492F94F9D}" type="presParOf" srcId="{3E6991CC-64FF-4E8B-B9D1-453C465915F8}" destId="{11FFF8AB-45E7-45A5-96C5-D063E0015043}" srcOrd="2" destOrd="0" presId="urn:microsoft.com/office/officeart/2005/8/layout/chevron1"/>
+    <dgm:cxn modelId="{0DCC6923-92C8-4596-9A4D-29ABFC682660}" type="presParOf" srcId="{3E6991CC-64FF-4E8B-B9D1-453C465915F8}" destId="{5BFF22E0-6CBF-49E6-8EA1-0543140A2AFE}" srcOrd="3" destOrd="0" presId="urn:microsoft.com/office/officeart/2005/8/layout/chevron1"/>
+    <dgm:cxn modelId="{AA4E13DB-9C84-42BC-878E-1CBBDC2E1375}" type="presParOf" srcId="{3E6991CC-64FF-4E8B-B9D1-453C465915F8}" destId="{D63463ED-A055-47CD-86CC-42B0566C8334}" srcOrd="4" destOrd="0" presId="urn:microsoft.com/office/officeart/2005/8/layout/chevron1"/>
+  </dgm:cxnLst>
+  <dgm:bg/>
+  <dgm:whole/>
+  <dgm:extLst>
+    <a:ext uri="http://schemas.microsoft.com/office/drawing/2008/diagram">
+      <dsp:dataModelExt xmlns:dsp="http://schemas.microsoft.com/office/drawing/2008/diagram" relId="rId6" minVer="http://schemas.openxmlformats.org/drawingml/2006/diagram"/>
+    </a:ext>
+  </dgm:extLst>
+</dgm:dataModel>
+</file>
+
+<file path=ppt/diagrams/drawing1.xml><?xml version="1.0" encoding="utf-8"?>
+<dsp:drawing xmlns:dgm="http://schemas.openxmlformats.org/drawingml/2006/diagram" xmlns:dsp="http://schemas.microsoft.com/office/drawing/2008/diagram" xmlns:a="http://schemas.openxmlformats.org/drawingml/2006/main">
+  <dsp:spTree>
+    <dsp:nvGrpSpPr>
+      <dsp:cNvPr id="0" name=""/>
+      <dsp:cNvGrpSpPr/>
+    </dsp:nvGrpSpPr>
+    <dsp:grpSpPr/>
+    <dsp:sp modelId="{567FCC46-C3DF-4251-BE5E-39C5F62A348C}">
+      <dsp:nvSpPr>
+        <dsp:cNvPr id="0" name=""/>
+        <dsp:cNvSpPr/>
+      </dsp:nvSpPr>
+      <dsp:spPr>
+        <a:xfrm>
+          <a:off x="1397886" y="2203706"/>
+          <a:ext cx="279263" cy="300208"/>
+        </a:xfrm>
+        <a:custGeom>
+          <a:avLst/>
+          <a:gdLst/>
+          <a:ahLst/>
+          <a:cxnLst/>
+          <a:rect l="0" t="0" r="0" b="0"/>
+          <a:pathLst>
+            <a:path>
+              <a:moveTo>
+                <a:pt x="0" y="0"/>
+              </a:moveTo>
+              <a:lnTo>
+                <a:pt x="139631" y="0"/>
+              </a:lnTo>
+              <a:lnTo>
+                <a:pt x="139631" y="300208"/>
+              </a:lnTo>
+              <a:lnTo>
+                <a:pt x="279263" y="300208"/>
+              </a:lnTo>
+            </a:path>
+          </a:pathLst>
+        </a:custGeom>
+        <a:noFill/>
+        <a:ln w="25400" cap="flat" cmpd="sng" algn="ctr">
+          <a:solidFill>
+            <a:schemeClr val="dk1">
+              <a:shade val="60000"/>
+              <a:hueOff val="0"/>
+              <a:satOff val="0"/>
+              <a:lumOff val="0"/>
+              <a:alphaOff val="0"/>
+            </a:schemeClr>
+          </a:solidFill>
+          <a:prstDash val="solid"/>
+        </a:ln>
+        <a:effectLst/>
+      </dsp:spPr>
+      <dsp:style>
+        <a:lnRef idx="2">
+          <a:scrgbClr r="0" g="0" b="0"/>
+        </a:lnRef>
+        <a:fillRef idx="0">
+          <a:scrgbClr r="0" g="0" b="0"/>
+        </a:fillRef>
+        <a:effectRef idx="0">
+          <a:scrgbClr r="0" g="0" b="0"/>
+        </a:effectRef>
+        <a:fontRef idx="minor"/>
+      </dsp:style>
+    </dsp:sp>
+    <dsp:sp modelId="{2AE50859-A0F3-4D34-A36E-1D1B57AD5833}">
+      <dsp:nvSpPr>
+        <dsp:cNvPr id="0" name=""/>
+        <dsp:cNvSpPr/>
+      </dsp:nvSpPr>
+      <dsp:spPr>
+        <a:xfrm>
+          <a:off x="3073468" y="1903497"/>
+          <a:ext cx="279263" cy="300208"/>
+        </a:xfrm>
+        <a:custGeom>
+          <a:avLst/>
+          <a:gdLst/>
+          <a:ahLst/>
+          <a:cxnLst/>
+          <a:rect l="0" t="0" r="0" b="0"/>
+          <a:pathLst>
+            <a:path>
+              <a:moveTo>
+                <a:pt x="0" y="0"/>
+              </a:moveTo>
+              <a:lnTo>
+                <a:pt x="139631" y="0"/>
+              </a:lnTo>
+              <a:lnTo>
+                <a:pt x="139631" y="300208"/>
+              </a:lnTo>
+              <a:lnTo>
+                <a:pt x="279263" y="300208"/>
+              </a:lnTo>
+            </a:path>
+          </a:pathLst>
+        </a:custGeom>
+        <a:noFill/>
+        <a:ln w="25400" cap="flat" cmpd="sng" algn="ctr">
+          <a:solidFill>
+            <a:schemeClr val="dk1">
+              <a:shade val="80000"/>
+              <a:hueOff val="0"/>
+              <a:satOff val="0"/>
+              <a:lumOff val="0"/>
+              <a:alphaOff val="0"/>
+            </a:schemeClr>
+          </a:solidFill>
+          <a:prstDash val="solid"/>
+        </a:ln>
+        <a:effectLst/>
+      </dsp:spPr>
+      <dsp:style>
+        <a:lnRef idx="2">
+          <a:scrgbClr r="0" g="0" b="0"/>
+        </a:lnRef>
+        <a:fillRef idx="0">
+          <a:scrgbClr r="0" g="0" b="0"/>
+        </a:fillRef>
+        <a:effectRef idx="0">
+          <a:scrgbClr r="0" g="0" b="0"/>
+        </a:effectRef>
+        <a:fontRef idx="minor"/>
+      </dsp:style>
+    </dsp:sp>
+    <dsp:sp modelId="{FE3655A2-A77C-4FEA-A8D0-8272D776720E}">
+      <dsp:nvSpPr>
+        <dsp:cNvPr id="0" name=""/>
+        <dsp:cNvSpPr/>
+      </dsp:nvSpPr>
+      <dsp:spPr>
+        <a:xfrm>
+          <a:off x="4749049" y="1603289"/>
+          <a:ext cx="279263" cy="600416"/>
+        </a:xfrm>
+        <a:custGeom>
+          <a:avLst/>
+          <a:gdLst/>
+          <a:ahLst/>
+          <a:cxnLst/>
+          <a:rect l="0" t="0" r="0" b="0"/>
+          <a:pathLst>
+            <a:path>
+              <a:moveTo>
+                <a:pt x="0" y="0"/>
+              </a:moveTo>
+              <a:lnTo>
+                <a:pt x="139631" y="0"/>
+              </a:lnTo>
+              <a:lnTo>
+                <a:pt x="139631" y="600416"/>
+              </a:lnTo>
+              <a:lnTo>
+                <a:pt x="279263" y="600416"/>
+              </a:lnTo>
+            </a:path>
+          </a:pathLst>
+        </a:custGeom>
+        <a:noFill/>
+        <a:ln w="25400" cap="flat" cmpd="sng" algn="ctr">
+          <a:solidFill>
+            <a:schemeClr val="dk1">
+              <a:shade val="80000"/>
+              <a:hueOff val="0"/>
+              <a:satOff val="0"/>
+              <a:lumOff val="0"/>
+              <a:alphaOff val="0"/>
+            </a:schemeClr>
+          </a:solidFill>
+          <a:prstDash val="solid"/>
+        </a:ln>
+        <a:effectLst/>
+      </dsp:spPr>
+      <dsp:style>
+        <a:lnRef idx="2">
+          <a:scrgbClr r="0" g="0" b="0"/>
+        </a:lnRef>
+        <a:fillRef idx="0">
+          <a:scrgbClr r="0" g="0" b="0"/>
+        </a:fillRef>
+        <a:effectRef idx="0">
+          <a:scrgbClr r="0" g="0" b="0"/>
+        </a:effectRef>
+        <a:fontRef idx="minor"/>
+      </dsp:style>
+    </dsp:sp>
+    <dsp:sp modelId="{5E2A4BF6-1C17-4440-8F1D-9DDBE8FD40EB}">
+      <dsp:nvSpPr>
+        <dsp:cNvPr id="0" name=""/>
+        <dsp:cNvSpPr/>
+      </dsp:nvSpPr>
+      <dsp:spPr>
+        <a:xfrm>
+          <a:off x="4749049" y="1557569"/>
+          <a:ext cx="279263" cy="91440"/>
+        </a:xfrm>
+        <a:custGeom>
+          <a:avLst/>
+          <a:gdLst/>
+          <a:ahLst/>
+          <a:cxnLst/>
+          <a:rect l="0" t="0" r="0" b="0"/>
+          <a:pathLst>
+            <a:path>
+              <a:moveTo>
+                <a:pt x="0" y="45720"/>
+              </a:moveTo>
+              <a:lnTo>
+                <a:pt x="279263" y="45720"/>
+              </a:lnTo>
+            </a:path>
+          </a:pathLst>
+        </a:custGeom>
+        <a:noFill/>
+        <a:ln w="25400" cap="flat" cmpd="sng" algn="ctr">
+          <a:solidFill>
+            <a:schemeClr val="dk1">
+              <a:shade val="80000"/>
+              <a:hueOff val="0"/>
+              <a:satOff val="0"/>
+              <a:lumOff val="0"/>
+              <a:alphaOff val="0"/>
+            </a:schemeClr>
+          </a:solidFill>
+          <a:prstDash val="solid"/>
+        </a:ln>
+        <a:effectLst/>
+      </dsp:spPr>
+      <dsp:style>
+        <a:lnRef idx="2">
+          <a:scrgbClr r="0" g="0" b="0"/>
+        </a:lnRef>
+        <a:fillRef idx="0">
+          <a:scrgbClr r="0" g="0" b="0"/>
+        </a:fillRef>
+        <a:effectRef idx="0">
+          <a:scrgbClr r="0" g="0" b="0"/>
+        </a:effectRef>
+        <a:fontRef idx="minor"/>
+      </dsp:style>
+    </dsp:sp>
+    <dsp:sp modelId="{3B5520CA-5F04-4318-B8CF-392D127E0565}">
+      <dsp:nvSpPr>
+        <dsp:cNvPr id="0" name=""/>
+        <dsp:cNvSpPr/>
+      </dsp:nvSpPr>
+      <dsp:spPr>
+        <a:xfrm>
+          <a:off x="4749049" y="1002872"/>
+          <a:ext cx="279263" cy="600416"/>
+        </a:xfrm>
+        <a:custGeom>
+          <a:avLst/>
+          <a:gdLst/>
+          <a:ahLst/>
+          <a:cxnLst/>
+          <a:rect l="0" t="0" r="0" b="0"/>
+          <a:pathLst>
+            <a:path>
+              <a:moveTo>
+                <a:pt x="0" y="600416"/>
+              </a:moveTo>
+              <a:lnTo>
+                <a:pt x="139631" y="600416"/>
+              </a:lnTo>
+              <a:lnTo>
+                <a:pt x="139631" y="0"/>
+              </a:lnTo>
+              <a:lnTo>
+                <a:pt x="279263" y="0"/>
+              </a:lnTo>
+            </a:path>
+          </a:pathLst>
+        </a:custGeom>
+        <a:noFill/>
+        <a:ln w="25400" cap="flat" cmpd="sng" algn="ctr">
+          <a:solidFill>
+            <a:schemeClr val="dk1">
+              <a:shade val="80000"/>
+              <a:hueOff val="0"/>
+              <a:satOff val="0"/>
+              <a:lumOff val="0"/>
+              <a:alphaOff val="0"/>
+            </a:schemeClr>
+          </a:solidFill>
+          <a:prstDash val="solid"/>
+        </a:ln>
+        <a:effectLst/>
+      </dsp:spPr>
+      <dsp:style>
+        <a:lnRef idx="2">
+          <a:scrgbClr r="0" g="0" b="0"/>
+        </a:lnRef>
+        <a:fillRef idx="0">
+          <a:scrgbClr r="0" g="0" b="0"/>
+        </a:fillRef>
+        <a:effectRef idx="0">
+          <a:scrgbClr r="0" g="0" b="0"/>
+        </a:effectRef>
+        <a:fontRef idx="minor"/>
+      </dsp:style>
+    </dsp:sp>
+    <dsp:sp modelId="{A813DACE-B381-4BD1-B87A-8914CC3126C9}">
+      <dsp:nvSpPr>
+        <dsp:cNvPr id="0" name=""/>
+        <dsp:cNvSpPr/>
+      </dsp:nvSpPr>
+      <dsp:spPr>
+        <a:xfrm>
+          <a:off x="3073468" y="1603289"/>
+          <a:ext cx="279263" cy="300208"/>
+        </a:xfrm>
+        <a:custGeom>
+          <a:avLst/>
+          <a:gdLst/>
+          <a:ahLst/>
+          <a:cxnLst/>
+          <a:rect l="0" t="0" r="0" b="0"/>
+          <a:pathLst>
+            <a:path>
+              <a:moveTo>
+                <a:pt x="0" y="300208"/>
+              </a:moveTo>
+              <a:lnTo>
+                <a:pt x="139631" y="300208"/>
+              </a:lnTo>
+              <a:lnTo>
+                <a:pt x="139631" y="0"/>
+              </a:lnTo>
+              <a:lnTo>
+                <a:pt x="279263" y="0"/>
+              </a:lnTo>
+            </a:path>
+          </a:pathLst>
+        </a:custGeom>
+        <a:noFill/>
+        <a:ln w="25400" cap="flat" cmpd="sng" algn="ctr">
+          <a:solidFill>
+            <a:schemeClr val="dk1">
+              <a:shade val="80000"/>
+              <a:hueOff val="0"/>
+              <a:satOff val="0"/>
+              <a:lumOff val="0"/>
+              <a:alphaOff val="0"/>
+            </a:schemeClr>
+          </a:solidFill>
+          <a:prstDash val="solid"/>
+        </a:ln>
+        <a:effectLst/>
+      </dsp:spPr>
+      <dsp:style>
+        <a:lnRef idx="2">
+          <a:scrgbClr r="0" g="0" b="0"/>
+        </a:lnRef>
+        <a:fillRef idx="0">
+          <a:scrgbClr r="0" g="0" b="0"/>
+        </a:fillRef>
+        <a:effectRef idx="0">
+          <a:scrgbClr r="0" g="0" b="0"/>
+        </a:effectRef>
+        <a:fontRef idx="minor"/>
+      </dsp:style>
+    </dsp:sp>
+    <dsp:sp modelId="{63227DB9-CCD9-47FC-87C1-48A8A593DD3D}">
+      <dsp:nvSpPr>
+        <dsp:cNvPr id="0" name=""/>
+        <dsp:cNvSpPr/>
+      </dsp:nvSpPr>
+      <dsp:spPr>
+        <a:xfrm>
+          <a:off x="1397886" y="1903497"/>
+          <a:ext cx="279263" cy="300208"/>
+        </a:xfrm>
+        <a:custGeom>
+          <a:avLst/>
+          <a:gdLst/>
+          <a:ahLst/>
+          <a:cxnLst/>
+          <a:rect l="0" t="0" r="0" b="0"/>
+          <a:pathLst>
+            <a:path>
+              <a:moveTo>
+                <a:pt x="0" y="300208"/>
+              </a:moveTo>
+              <a:lnTo>
+                <a:pt x="139631" y="300208"/>
+              </a:lnTo>
+              <a:lnTo>
+                <a:pt x="139631" y="0"/>
+              </a:lnTo>
+              <a:lnTo>
+                <a:pt x="279263" y="0"/>
+              </a:lnTo>
+            </a:path>
+          </a:pathLst>
+        </a:custGeom>
+        <a:noFill/>
+        <a:ln w="25400" cap="flat" cmpd="sng" algn="ctr">
+          <a:solidFill>
+            <a:schemeClr val="dk1">
+              <a:shade val="60000"/>
+              <a:hueOff val="0"/>
+              <a:satOff val="0"/>
+              <a:lumOff val="0"/>
+              <a:alphaOff val="0"/>
+            </a:schemeClr>
+          </a:solidFill>
+          <a:prstDash val="solid"/>
+        </a:ln>
+        <a:effectLst/>
+      </dsp:spPr>
+      <dsp:style>
+        <a:lnRef idx="2">
+          <a:scrgbClr r="0" g="0" b="0"/>
+        </a:lnRef>
+        <a:fillRef idx="0">
+          <a:scrgbClr r="0" g="0" b="0"/>
+        </a:fillRef>
+        <a:effectRef idx="0">
+          <a:scrgbClr r="0" g="0" b="0"/>
+        </a:effectRef>
+        <a:fontRef idx="minor"/>
+      </dsp:style>
+    </dsp:sp>
+    <dsp:sp modelId="{AF082B63-47A3-42A2-A216-33822EEB62AD}">
+      <dsp:nvSpPr>
+        <dsp:cNvPr id="0" name=""/>
+        <dsp:cNvSpPr/>
+      </dsp:nvSpPr>
+      <dsp:spPr>
+        <a:xfrm>
+          <a:off x="1568" y="1990767"/>
+          <a:ext cx="1396317" cy="425876"/>
+        </a:xfrm>
+        <a:prstGeom prst="rect">
+          <a:avLst/>
+        </a:prstGeom>
+        <a:solidFill>
+          <a:schemeClr val="lt1">
+            <a:hueOff val="0"/>
+            <a:satOff val="0"/>
+            <a:lumOff val="0"/>
+            <a:alphaOff val="0"/>
+          </a:schemeClr>
+        </a:solidFill>
+        <a:ln w="25400" cap="flat" cmpd="sng" algn="ctr">
+          <a:solidFill>
+            <a:schemeClr val="dk1">
+              <a:shade val="80000"/>
+              <a:hueOff val="0"/>
+              <a:satOff val="0"/>
+              <a:lumOff val="0"/>
+              <a:alphaOff val="0"/>
+            </a:schemeClr>
+          </a:solidFill>
+          <a:prstDash val="solid"/>
+        </a:ln>
+        <a:effectLst/>
+      </dsp:spPr>
+      <dsp:style>
+        <a:lnRef idx="2">
+          <a:scrgbClr r="0" g="0" b="0"/>
+        </a:lnRef>
+        <a:fillRef idx="1">
+          <a:scrgbClr r="0" g="0" b="0"/>
+        </a:fillRef>
+        <a:effectRef idx="0">
+          <a:scrgbClr r="0" g="0" b="0"/>
+        </a:effectRef>
+        <a:fontRef idx="minor">
+          <a:schemeClr val="lt1"/>
+        </a:fontRef>
+      </dsp:style>
+      <dsp:txBody>
+        <a:bodyPr spcFirstLastPara="0" vert="horz" wrap="square" lIns="12065" tIns="12065" rIns="12065" bIns="12065" numCol="1" spcCol="1270" anchor="ctr" anchorCtr="0">
+          <a:noAutofit/>
+        </a:bodyPr>
+        <a:lstStyle/>
+        <a:p>
+          <a:pPr marL="0" lvl="0" indent="0" algn="ctr" defTabSz="844550">
+            <a:lnSpc>
+              <a:spcPct val="90000"/>
+            </a:lnSpc>
+            <a:spcBef>
+              <a:spcPct val="0"/>
+            </a:spcBef>
+            <a:spcAft>
+              <a:spcPct val="35000"/>
+            </a:spcAft>
+            <a:buNone/>
+          </a:pPr>
+          <a:r>
+            <a:rPr lang="de-DE" sz="1900" kern="1200" dirty="0"/>
+            <a:t>System</a:t>
+          </a:r>
+        </a:p>
+      </dsp:txBody>
+      <dsp:txXfrm>
+        <a:off x="1568" y="1990767"/>
+        <a:ext cx="1396317" cy="425876"/>
+      </dsp:txXfrm>
+    </dsp:sp>
+    <dsp:sp modelId="{58CCBD63-0DC1-42B7-986A-6D903EE0CAE9}">
+      <dsp:nvSpPr>
+        <dsp:cNvPr id="0" name=""/>
+        <dsp:cNvSpPr/>
+      </dsp:nvSpPr>
+      <dsp:spPr>
+        <a:xfrm>
+          <a:off x="1677150" y="1690559"/>
+          <a:ext cx="1396317" cy="425876"/>
+        </a:xfrm>
+        <a:prstGeom prst="rect">
+          <a:avLst/>
+        </a:prstGeom>
+        <a:solidFill>
+          <a:schemeClr val="lt1">
+            <a:hueOff val="0"/>
+            <a:satOff val="0"/>
+            <a:lumOff val="0"/>
+            <a:alphaOff val="0"/>
+          </a:schemeClr>
+        </a:solidFill>
+        <a:ln w="25400" cap="flat" cmpd="sng" algn="ctr">
+          <a:solidFill>
+            <a:schemeClr val="dk1">
+              <a:shade val="80000"/>
+              <a:hueOff val="0"/>
+              <a:satOff val="0"/>
+              <a:lumOff val="0"/>
+              <a:alphaOff val="0"/>
+            </a:schemeClr>
+          </a:solidFill>
+          <a:prstDash val="solid"/>
+        </a:ln>
+        <a:effectLst/>
+      </dsp:spPr>
+      <dsp:style>
+        <a:lnRef idx="2">
+          <a:scrgbClr r="0" g="0" b="0"/>
+        </a:lnRef>
+        <a:fillRef idx="1">
+          <a:scrgbClr r="0" g="0" b="0"/>
+        </a:fillRef>
+        <a:effectRef idx="0">
+          <a:scrgbClr r="0" g="0" b="0"/>
+        </a:effectRef>
+        <a:fontRef idx="minor">
+          <a:schemeClr val="lt1"/>
+        </a:fontRef>
+      </dsp:style>
+      <dsp:txBody>
+        <a:bodyPr spcFirstLastPara="0" vert="horz" wrap="square" lIns="12065" tIns="12065" rIns="12065" bIns="12065" numCol="1" spcCol="1270" anchor="ctr" anchorCtr="0">
+          <a:noAutofit/>
+        </a:bodyPr>
+        <a:lstStyle/>
+        <a:p>
+          <a:pPr marL="0" lvl="0" indent="0" algn="ctr" defTabSz="844550">
+            <a:lnSpc>
+              <a:spcPct val="90000"/>
+            </a:lnSpc>
+            <a:spcBef>
+              <a:spcPct val="0"/>
+            </a:spcBef>
+            <a:spcAft>
+              <a:spcPct val="35000"/>
+            </a:spcAft>
+            <a:buNone/>
+          </a:pPr>
+          <a:r>
+            <a:rPr lang="de-DE" sz="1900" kern="1200" dirty="0"/>
+            <a:t>Brick 1</a:t>
+          </a:r>
+        </a:p>
+      </dsp:txBody>
+      <dsp:txXfrm>
+        <a:off x="1677150" y="1690559"/>
+        <a:ext cx="1396317" cy="425876"/>
+      </dsp:txXfrm>
+    </dsp:sp>
+    <dsp:sp modelId="{49B445EE-0A39-4EBB-9212-3FB7911CC92D}">
+      <dsp:nvSpPr>
+        <dsp:cNvPr id="0" name=""/>
+        <dsp:cNvSpPr/>
+      </dsp:nvSpPr>
+      <dsp:spPr>
+        <a:xfrm>
+          <a:off x="3352731" y="1390350"/>
+          <a:ext cx="1396317" cy="425876"/>
+        </a:xfrm>
+        <a:prstGeom prst="rect">
+          <a:avLst/>
+        </a:prstGeom>
+        <a:solidFill>
+          <a:schemeClr val="lt1">
+            <a:hueOff val="0"/>
+            <a:satOff val="0"/>
+            <a:lumOff val="0"/>
+            <a:alphaOff val="0"/>
+          </a:schemeClr>
+        </a:solidFill>
+        <a:ln w="25400" cap="flat" cmpd="sng" algn="ctr">
+          <a:solidFill>
+            <a:schemeClr val="dk1">
+              <a:shade val="80000"/>
+              <a:hueOff val="0"/>
+              <a:satOff val="0"/>
+              <a:lumOff val="0"/>
+              <a:alphaOff val="0"/>
+            </a:schemeClr>
+          </a:solidFill>
+          <a:prstDash val="solid"/>
+        </a:ln>
+        <a:effectLst/>
+      </dsp:spPr>
+      <dsp:style>
+        <a:lnRef idx="2">
+          <a:scrgbClr r="0" g="0" b="0"/>
+        </a:lnRef>
+        <a:fillRef idx="1">
+          <a:scrgbClr r="0" g="0" b="0"/>
+        </a:fillRef>
+        <a:effectRef idx="0">
+          <a:scrgbClr r="0" g="0" b="0"/>
+        </a:effectRef>
+        <a:fontRef idx="minor">
+          <a:schemeClr val="lt1"/>
+        </a:fontRef>
+      </dsp:style>
+      <dsp:txBody>
+        <a:bodyPr spcFirstLastPara="0" vert="horz" wrap="square" lIns="12065" tIns="12065" rIns="12065" bIns="12065" numCol="1" spcCol="1270" anchor="ctr" anchorCtr="0">
+          <a:noAutofit/>
+        </a:bodyPr>
+        <a:lstStyle/>
+        <a:p>
+          <a:pPr marL="0" lvl="0" indent="0" algn="ctr" defTabSz="844550">
+            <a:lnSpc>
+              <a:spcPct val="90000"/>
+            </a:lnSpc>
+            <a:spcBef>
+              <a:spcPct val="0"/>
+            </a:spcBef>
+            <a:spcAft>
+              <a:spcPct val="35000"/>
+            </a:spcAft>
+            <a:buNone/>
+          </a:pPr>
+          <a:r>
+            <a:rPr lang="de-DE" sz="1900" kern="1200" dirty="0"/>
+            <a:t>SWC 1</a:t>
+          </a:r>
+        </a:p>
+      </dsp:txBody>
+      <dsp:txXfrm>
+        <a:off x="3352731" y="1390350"/>
+        <a:ext cx="1396317" cy="425876"/>
+      </dsp:txXfrm>
+    </dsp:sp>
+    <dsp:sp modelId="{9F8FC8AB-0C10-4A80-8AC1-8F557DFAC6ED}">
+      <dsp:nvSpPr>
+        <dsp:cNvPr id="0" name=""/>
+        <dsp:cNvSpPr/>
+      </dsp:nvSpPr>
+      <dsp:spPr>
+        <a:xfrm>
+          <a:off x="5028313" y="789934"/>
+          <a:ext cx="1396317" cy="425876"/>
+        </a:xfrm>
+        <a:prstGeom prst="rect">
+          <a:avLst/>
+        </a:prstGeom>
+        <a:solidFill>
+          <a:schemeClr val="lt1">
+            <a:hueOff val="0"/>
+            <a:satOff val="0"/>
+            <a:lumOff val="0"/>
+            <a:alphaOff val="0"/>
+          </a:schemeClr>
+        </a:solidFill>
+        <a:ln w="25400" cap="flat" cmpd="sng" algn="ctr">
+          <a:solidFill>
+            <a:schemeClr val="dk1">
+              <a:shade val="80000"/>
+              <a:hueOff val="0"/>
+              <a:satOff val="0"/>
+              <a:lumOff val="0"/>
+              <a:alphaOff val="0"/>
+            </a:schemeClr>
+          </a:solidFill>
+          <a:prstDash val="solid"/>
+        </a:ln>
+        <a:effectLst/>
+      </dsp:spPr>
+      <dsp:style>
+        <a:lnRef idx="2">
+          <a:scrgbClr r="0" g="0" b="0"/>
+        </a:lnRef>
+        <a:fillRef idx="1">
+          <a:scrgbClr r="0" g="0" b="0"/>
+        </a:fillRef>
+        <a:effectRef idx="0">
+          <a:scrgbClr r="0" g="0" b="0"/>
+        </a:effectRef>
+        <a:fontRef idx="minor">
+          <a:schemeClr val="lt1"/>
+        </a:fontRef>
+      </dsp:style>
+      <dsp:txBody>
+        <a:bodyPr spcFirstLastPara="0" vert="horz" wrap="square" lIns="12065" tIns="12065" rIns="12065" bIns="12065" numCol="1" spcCol="1270" anchor="ctr" anchorCtr="0">
+          <a:noAutofit/>
+        </a:bodyPr>
+        <a:lstStyle/>
+        <a:p>
+          <a:pPr marL="0" lvl="0" indent="0" algn="ctr" defTabSz="844550">
+            <a:lnSpc>
+              <a:spcPct val="90000"/>
+            </a:lnSpc>
+            <a:spcBef>
+              <a:spcPct val="0"/>
+            </a:spcBef>
+            <a:spcAft>
+              <a:spcPct val="35000"/>
+            </a:spcAft>
+            <a:buNone/>
+          </a:pPr>
+          <a:r>
+            <a:rPr lang="de-DE" sz="1900" kern="1200" dirty="0"/>
+            <a:t>Port A</a:t>
+          </a:r>
+        </a:p>
+      </dsp:txBody>
+      <dsp:txXfrm>
+        <a:off x="5028313" y="789934"/>
+        <a:ext cx="1396317" cy="425876"/>
+      </dsp:txXfrm>
+    </dsp:sp>
+    <dsp:sp modelId="{3D3D0051-3F10-445E-9BBB-7EAF92EDA706}">
+      <dsp:nvSpPr>
+        <dsp:cNvPr id="0" name=""/>
+        <dsp:cNvSpPr/>
+      </dsp:nvSpPr>
+      <dsp:spPr>
+        <a:xfrm>
+          <a:off x="5028313" y="1390350"/>
+          <a:ext cx="1396317" cy="425876"/>
+        </a:xfrm>
+        <a:prstGeom prst="rect">
+          <a:avLst/>
+        </a:prstGeom>
+        <a:solidFill>
+          <a:schemeClr val="lt1">
+            <a:hueOff val="0"/>
+            <a:satOff val="0"/>
+            <a:lumOff val="0"/>
+            <a:alphaOff val="0"/>
+          </a:schemeClr>
+        </a:solidFill>
+        <a:ln w="25400" cap="flat" cmpd="sng" algn="ctr">
+          <a:solidFill>
+            <a:schemeClr val="dk1">
+              <a:shade val="80000"/>
+              <a:hueOff val="0"/>
+              <a:satOff val="0"/>
+              <a:lumOff val="0"/>
+              <a:alphaOff val="0"/>
+            </a:schemeClr>
+          </a:solidFill>
+          <a:prstDash val="solid"/>
+        </a:ln>
+        <a:effectLst/>
+      </dsp:spPr>
+      <dsp:style>
+        <a:lnRef idx="2">
+          <a:scrgbClr r="0" g="0" b="0"/>
+        </a:lnRef>
+        <a:fillRef idx="1">
+          <a:scrgbClr r="0" g="0" b="0"/>
+        </a:fillRef>
+        <a:effectRef idx="0">
+          <a:scrgbClr r="0" g="0" b="0"/>
+        </a:effectRef>
+        <a:fontRef idx="minor">
+          <a:schemeClr val="lt1"/>
+        </a:fontRef>
+      </dsp:style>
+      <dsp:txBody>
+        <a:bodyPr spcFirstLastPara="0" vert="horz" wrap="square" lIns="12065" tIns="12065" rIns="12065" bIns="12065" numCol="1" spcCol="1270" anchor="ctr" anchorCtr="0">
+          <a:noAutofit/>
+        </a:bodyPr>
+        <a:lstStyle/>
+        <a:p>
+          <a:pPr marL="0" lvl="0" indent="0" algn="ctr" defTabSz="844550">
+            <a:lnSpc>
+              <a:spcPct val="90000"/>
+            </a:lnSpc>
+            <a:spcBef>
+              <a:spcPct val="0"/>
+            </a:spcBef>
+            <a:spcAft>
+              <a:spcPct val="35000"/>
+            </a:spcAft>
+            <a:buNone/>
+          </a:pPr>
+          <a:r>
+            <a:rPr lang="de-DE" sz="1900" kern="1200" dirty="0" err="1"/>
+            <a:t>PortB</a:t>
+          </a:r>
+          <a:endParaRPr lang="de-DE" sz="1900" kern="1200" dirty="0"/>
+        </a:p>
+      </dsp:txBody>
+      <dsp:txXfrm>
+        <a:off x="5028313" y="1390350"/>
+        <a:ext cx="1396317" cy="425876"/>
+      </dsp:txXfrm>
+    </dsp:sp>
+    <dsp:sp modelId="{02D8AA49-D842-4B3F-B647-E1ACEC927ACC}">
+      <dsp:nvSpPr>
+        <dsp:cNvPr id="0" name=""/>
+        <dsp:cNvSpPr/>
+      </dsp:nvSpPr>
+      <dsp:spPr>
+        <a:xfrm>
+          <a:off x="5028313" y="1990767"/>
+          <a:ext cx="1396317" cy="425876"/>
+        </a:xfrm>
+        <a:prstGeom prst="rect">
+          <a:avLst/>
+        </a:prstGeom>
+        <a:solidFill>
+          <a:schemeClr val="lt1">
+            <a:hueOff val="0"/>
+            <a:satOff val="0"/>
+            <a:lumOff val="0"/>
+            <a:alphaOff val="0"/>
+          </a:schemeClr>
+        </a:solidFill>
+        <a:ln w="25400" cap="flat" cmpd="sng" algn="ctr">
+          <a:solidFill>
+            <a:schemeClr val="dk1">
+              <a:shade val="80000"/>
+              <a:hueOff val="0"/>
+              <a:satOff val="0"/>
+              <a:lumOff val="0"/>
+              <a:alphaOff val="0"/>
+            </a:schemeClr>
+          </a:solidFill>
+          <a:prstDash val="solid"/>
+        </a:ln>
+        <a:effectLst/>
+      </dsp:spPr>
+      <dsp:style>
+        <a:lnRef idx="2">
+          <a:scrgbClr r="0" g="0" b="0"/>
+        </a:lnRef>
+        <a:fillRef idx="1">
+          <a:scrgbClr r="0" g="0" b="0"/>
+        </a:fillRef>
+        <a:effectRef idx="0">
+          <a:scrgbClr r="0" g="0" b="0"/>
+        </a:effectRef>
+        <a:fontRef idx="minor">
+          <a:schemeClr val="lt1"/>
+        </a:fontRef>
+      </dsp:style>
+      <dsp:txBody>
+        <a:bodyPr spcFirstLastPara="0" vert="horz" wrap="square" lIns="12065" tIns="12065" rIns="12065" bIns="12065" numCol="1" spcCol="1270" anchor="ctr" anchorCtr="0">
+          <a:noAutofit/>
+        </a:bodyPr>
+        <a:lstStyle/>
+        <a:p>
+          <a:pPr marL="0" lvl="0" indent="0" algn="ctr" defTabSz="844550">
+            <a:lnSpc>
+              <a:spcPct val="90000"/>
+            </a:lnSpc>
+            <a:spcBef>
+              <a:spcPct val="0"/>
+            </a:spcBef>
+            <a:spcAft>
+              <a:spcPct val="35000"/>
+            </a:spcAft>
+            <a:buNone/>
+          </a:pPr>
+          <a:r>
+            <a:rPr lang="de-DE" sz="1900" kern="1200" dirty="0" err="1"/>
+            <a:t>Runnable</a:t>
+          </a:r>
+          <a:r>
+            <a:rPr lang="de-DE" sz="1900" kern="1200" dirty="0"/>
+            <a:t> A</a:t>
+          </a:r>
+        </a:p>
+      </dsp:txBody>
+      <dsp:txXfrm>
+        <a:off x="5028313" y="1990767"/>
+        <a:ext cx="1396317" cy="425876"/>
+      </dsp:txXfrm>
+    </dsp:sp>
+    <dsp:sp modelId="{8B15E07E-99B4-4AA7-88F9-F8F2D3601D93}">
+      <dsp:nvSpPr>
+        <dsp:cNvPr id="0" name=""/>
+        <dsp:cNvSpPr/>
+      </dsp:nvSpPr>
+      <dsp:spPr>
+        <a:xfrm>
+          <a:off x="3352731" y="1990767"/>
+          <a:ext cx="1396317" cy="425876"/>
+        </a:xfrm>
+        <a:prstGeom prst="rect">
+          <a:avLst/>
+        </a:prstGeom>
+        <a:solidFill>
+          <a:schemeClr val="lt1">
+            <a:hueOff val="0"/>
+            <a:satOff val="0"/>
+            <a:lumOff val="0"/>
+            <a:alphaOff val="0"/>
+          </a:schemeClr>
+        </a:solidFill>
+        <a:ln w="25400" cap="flat" cmpd="sng" algn="ctr">
+          <a:solidFill>
+            <a:schemeClr val="dk1">
+              <a:shade val="80000"/>
+              <a:hueOff val="0"/>
+              <a:satOff val="0"/>
+              <a:lumOff val="0"/>
+              <a:alphaOff val="0"/>
+            </a:schemeClr>
+          </a:solidFill>
+          <a:prstDash val="solid"/>
+        </a:ln>
+        <a:effectLst/>
+      </dsp:spPr>
+      <dsp:style>
+        <a:lnRef idx="2">
+          <a:scrgbClr r="0" g="0" b="0"/>
+        </a:lnRef>
+        <a:fillRef idx="1">
+          <a:scrgbClr r="0" g="0" b="0"/>
+        </a:fillRef>
+        <a:effectRef idx="0">
+          <a:scrgbClr r="0" g="0" b="0"/>
+        </a:effectRef>
+        <a:fontRef idx="minor">
+          <a:schemeClr val="lt1"/>
+        </a:fontRef>
+      </dsp:style>
+      <dsp:txBody>
+        <a:bodyPr spcFirstLastPara="0" vert="horz" wrap="square" lIns="12065" tIns="12065" rIns="12065" bIns="12065" numCol="1" spcCol="1270" anchor="ctr" anchorCtr="0">
+          <a:noAutofit/>
+        </a:bodyPr>
+        <a:lstStyle/>
+        <a:p>
+          <a:pPr marL="0" lvl="0" indent="0" algn="ctr" defTabSz="844550">
+            <a:lnSpc>
+              <a:spcPct val="90000"/>
+            </a:lnSpc>
+            <a:spcBef>
+              <a:spcPct val="0"/>
+            </a:spcBef>
+            <a:spcAft>
+              <a:spcPct val="35000"/>
+            </a:spcAft>
+            <a:buNone/>
+          </a:pPr>
+          <a:r>
+            <a:rPr lang="de-DE" sz="1900" kern="1200" dirty="0"/>
+            <a:t>SWC 2</a:t>
+          </a:r>
+        </a:p>
+      </dsp:txBody>
+      <dsp:txXfrm>
+        <a:off x="3352731" y="1990767"/>
+        <a:ext cx="1396317" cy="425876"/>
+      </dsp:txXfrm>
+    </dsp:sp>
+    <dsp:sp modelId="{50C6C9DE-2467-43DA-B215-3254E4507CAA}">
+      <dsp:nvSpPr>
+        <dsp:cNvPr id="0" name=""/>
+        <dsp:cNvSpPr/>
+      </dsp:nvSpPr>
+      <dsp:spPr>
+        <a:xfrm>
+          <a:off x="1677150" y="2290975"/>
+          <a:ext cx="1396317" cy="425876"/>
+        </a:xfrm>
+        <a:prstGeom prst="rect">
+          <a:avLst/>
+        </a:prstGeom>
+        <a:solidFill>
+          <a:schemeClr val="lt1">
+            <a:hueOff val="0"/>
+            <a:satOff val="0"/>
+            <a:lumOff val="0"/>
+            <a:alphaOff val="0"/>
+          </a:schemeClr>
+        </a:solidFill>
+        <a:ln w="25400" cap="flat" cmpd="sng" algn="ctr">
+          <a:solidFill>
+            <a:schemeClr val="dk1">
+              <a:shade val="80000"/>
+              <a:hueOff val="0"/>
+              <a:satOff val="0"/>
+              <a:lumOff val="0"/>
+              <a:alphaOff val="0"/>
+            </a:schemeClr>
+          </a:solidFill>
+          <a:prstDash val="solid"/>
+        </a:ln>
+        <a:effectLst/>
+      </dsp:spPr>
+      <dsp:style>
+        <a:lnRef idx="2">
+          <a:scrgbClr r="0" g="0" b="0"/>
+        </a:lnRef>
+        <a:fillRef idx="1">
+          <a:scrgbClr r="0" g="0" b="0"/>
+        </a:fillRef>
+        <a:effectRef idx="0">
+          <a:scrgbClr r="0" g="0" b="0"/>
+        </a:effectRef>
+        <a:fontRef idx="minor">
+          <a:schemeClr val="lt1"/>
+        </a:fontRef>
+      </dsp:style>
+      <dsp:txBody>
+        <a:bodyPr spcFirstLastPara="0" vert="horz" wrap="square" lIns="12065" tIns="12065" rIns="12065" bIns="12065" numCol="1" spcCol="1270" anchor="ctr" anchorCtr="0">
+          <a:noAutofit/>
+        </a:bodyPr>
+        <a:lstStyle/>
+        <a:p>
+          <a:pPr marL="0" lvl="0" indent="0" algn="ctr" defTabSz="844550">
+            <a:lnSpc>
+              <a:spcPct val="90000"/>
+            </a:lnSpc>
+            <a:spcBef>
+              <a:spcPct val="0"/>
+            </a:spcBef>
+            <a:spcAft>
+              <a:spcPct val="35000"/>
+            </a:spcAft>
+            <a:buNone/>
+          </a:pPr>
+          <a:r>
+            <a:rPr lang="de-DE" sz="1900" kern="1200" dirty="0"/>
+            <a:t>Brick 2</a:t>
+          </a:r>
+        </a:p>
+      </dsp:txBody>
+      <dsp:txXfrm>
+        <a:off x="1677150" y="2290975"/>
+        <a:ext cx="1396317" cy="425876"/>
+      </dsp:txXfrm>
+    </dsp:sp>
+  </dsp:spTree>
+</dsp:drawing>
+</file>
+
+<file path=ppt/diagrams/drawing2.xml><?xml version="1.0" encoding="utf-8"?>
+<dsp:drawing xmlns:dgm="http://schemas.openxmlformats.org/drawingml/2006/diagram" xmlns:dsp="http://schemas.microsoft.com/office/drawing/2008/diagram" xmlns:a="http://schemas.openxmlformats.org/drawingml/2006/main">
+  <dsp:spTree>
+    <dsp:nvGrpSpPr>
+      <dsp:cNvPr id="0" name=""/>
+      <dsp:cNvGrpSpPr/>
+    </dsp:nvGrpSpPr>
+    <dsp:grpSpPr/>
+    <dsp:sp modelId="{5C469640-FE55-4F7F-B497-1B74F4E2C0F5}">
+      <dsp:nvSpPr>
+        <dsp:cNvPr id="0" name=""/>
+        <dsp:cNvSpPr/>
+      </dsp:nvSpPr>
+      <dsp:spPr>
+        <a:xfrm>
+          <a:off x="1882" y="88197"/>
+          <a:ext cx="2293726" cy="917490"/>
+        </a:xfrm>
+        <a:prstGeom prst="chevron">
+          <a:avLst/>
+        </a:prstGeom>
+        <a:solidFill>
+          <a:schemeClr val="lt1">
+            <a:hueOff val="0"/>
+            <a:satOff val="0"/>
+            <a:lumOff val="0"/>
+            <a:alphaOff val="0"/>
+          </a:schemeClr>
+        </a:solidFill>
+        <a:ln w="25400" cap="flat" cmpd="sng" algn="ctr">
+          <a:solidFill>
+            <a:schemeClr val="dk1">
+              <a:shade val="80000"/>
+              <a:hueOff val="0"/>
+              <a:satOff val="0"/>
+              <a:lumOff val="0"/>
+              <a:alphaOff val="0"/>
+            </a:schemeClr>
+          </a:solidFill>
+          <a:prstDash val="solid"/>
+        </a:ln>
+        <a:effectLst/>
+      </dsp:spPr>
+      <dsp:style>
+        <a:lnRef idx="2">
+          <a:scrgbClr r="0" g="0" b="0"/>
+        </a:lnRef>
+        <a:fillRef idx="1">
+          <a:scrgbClr r="0" g="0" b="0"/>
+        </a:fillRef>
+        <a:effectRef idx="0">
+          <a:scrgbClr r="0" g="0" b="0"/>
+        </a:effectRef>
+        <a:fontRef idx="minor">
+          <a:schemeClr val="lt1"/>
+        </a:fontRef>
+      </dsp:style>
+      <dsp:txBody>
+        <a:bodyPr spcFirstLastPara="0" vert="horz" wrap="square" lIns="104013" tIns="34671" rIns="34671" bIns="34671" numCol="1" spcCol="1270" anchor="ctr" anchorCtr="0">
+          <a:noAutofit/>
+        </a:bodyPr>
+        <a:lstStyle/>
+        <a:p>
+          <a:pPr marL="0" lvl="0" indent="0" algn="ctr" defTabSz="1155700">
+            <a:lnSpc>
+              <a:spcPct val="90000"/>
+            </a:lnSpc>
+            <a:spcBef>
+              <a:spcPct val="0"/>
+            </a:spcBef>
+            <a:spcAft>
+              <a:spcPct val="35000"/>
+            </a:spcAft>
+            <a:buNone/>
+          </a:pPr>
+          <a:r>
+            <a:rPr lang="de-DE" sz="2600" kern="1200" dirty="0" err="1"/>
+            <a:t>prepare</a:t>
+          </a:r>
+          <a:endParaRPr lang="de-DE" sz="2600" kern="1200" dirty="0"/>
+        </a:p>
+      </dsp:txBody>
+      <dsp:txXfrm>
+        <a:off x="460627" y="88197"/>
+        <a:ext cx="1376236" cy="917490"/>
+      </dsp:txXfrm>
+    </dsp:sp>
+    <dsp:sp modelId="{11FFF8AB-45E7-45A5-96C5-D063E0015043}">
+      <dsp:nvSpPr>
+        <dsp:cNvPr id="0" name=""/>
+        <dsp:cNvSpPr/>
+      </dsp:nvSpPr>
+      <dsp:spPr>
+        <a:xfrm>
+          <a:off x="2066236" y="88197"/>
+          <a:ext cx="2293726" cy="917490"/>
+        </a:xfrm>
+        <a:prstGeom prst="chevron">
+          <a:avLst/>
+        </a:prstGeom>
+        <a:solidFill>
+          <a:schemeClr val="lt1">
+            <a:hueOff val="0"/>
+            <a:satOff val="0"/>
+            <a:lumOff val="0"/>
+            <a:alphaOff val="0"/>
+          </a:schemeClr>
+        </a:solidFill>
+        <a:ln w="25400" cap="flat" cmpd="sng" algn="ctr">
+          <a:solidFill>
+            <a:schemeClr val="dk1">
+              <a:shade val="80000"/>
+              <a:hueOff val="0"/>
+              <a:satOff val="0"/>
+              <a:lumOff val="0"/>
+              <a:alphaOff val="0"/>
+            </a:schemeClr>
+          </a:solidFill>
+          <a:prstDash val="solid"/>
+        </a:ln>
+        <a:effectLst/>
+      </dsp:spPr>
+      <dsp:style>
+        <a:lnRef idx="2">
+          <a:scrgbClr r="0" g="0" b="0"/>
+        </a:lnRef>
+        <a:fillRef idx="1">
+          <a:scrgbClr r="0" g="0" b="0"/>
+        </a:fillRef>
+        <a:effectRef idx="0">
+          <a:scrgbClr r="0" g="0" b="0"/>
+        </a:effectRef>
+        <a:fontRef idx="minor">
+          <a:schemeClr val="lt1"/>
+        </a:fontRef>
+      </dsp:style>
+      <dsp:txBody>
+        <a:bodyPr spcFirstLastPara="0" vert="horz" wrap="square" lIns="104013" tIns="34671" rIns="34671" bIns="34671" numCol="1" spcCol="1270" anchor="ctr" anchorCtr="0">
+          <a:noAutofit/>
+        </a:bodyPr>
+        <a:lstStyle/>
+        <a:p>
+          <a:pPr marL="0" lvl="0" indent="0" algn="ctr" defTabSz="1155700">
+            <a:lnSpc>
+              <a:spcPct val="90000"/>
+            </a:lnSpc>
+            <a:spcBef>
+              <a:spcPct val="0"/>
+            </a:spcBef>
+            <a:spcAft>
+              <a:spcPct val="35000"/>
+            </a:spcAft>
+            <a:buNone/>
+          </a:pPr>
+          <a:r>
+            <a:rPr lang="de-DE" sz="2600" kern="1200" dirty="0" err="1"/>
+            <a:t>process</a:t>
+          </a:r>
+          <a:endParaRPr lang="de-DE" sz="2600" kern="1200" dirty="0"/>
+        </a:p>
+      </dsp:txBody>
+      <dsp:txXfrm>
+        <a:off x="2524981" y="88197"/>
+        <a:ext cx="1376236" cy="917490"/>
+      </dsp:txXfrm>
+    </dsp:sp>
+    <dsp:sp modelId="{D63463ED-A055-47CD-86CC-42B0566C8334}">
+      <dsp:nvSpPr>
+        <dsp:cNvPr id="0" name=""/>
+        <dsp:cNvSpPr/>
+      </dsp:nvSpPr>
+      <dsp:spPr>
+        <a:xfrm>
+          <a:off x="4130590" y="88197"/>
+          <a:ext cx="2293726" cy="917490"/>
+        </a:xfrm>
+        <a:prstGeom prst="chevron">
+          <a:avLst/>
+        </a:prstGeom>
+        <a:solidFill>
+          <a:schemeClr val="lt1">
+            <a:hueOff val="0"/>
+            <a:satOff val="0"/>
+            <a:lumOff val="0"/>
+            <a:alphaOff val="0"/>
+          </a:schemeClr>
+        </a:solidFill>
+        <a:ln w="25400" cap="flat" cmpd="sng" algn="ctr">
+          <a:solidFill>
+            <a:schemeClr val="dk1">
+              <a:shade val="80000"/>
+              <a:hueOff val="0"/>
+              <a:satOff val="0"/>
+              <a:lumOff val="0"/>
+              <a:alphaOff val="0"/>
+            </a:schemeClr>
+          </a:solidFill>
+          <a:prstDash val="solid"/>
+        </a:ln>
+        <a:effectLst/>
+      </dsp:spPr>
+      <dsp:style>
+        <a:lnRef idx="2">
+          <a:scrgbClr r="0" g="0" b="0"/>
+        </a:lnRef>
+        <a:fillRef idx="1">
+          <a:scrgbClr r="0" g="0" b="0"/>
+        </a:fillRef>
+        <a:effectRef idx="0">
+          <a:scrgbClr r="0" g="0" b="0"/>
+        </a:effectRef>
+        <a:fontRef idx="minor">
+          <a:schemeClr val="lt1"/>
+        </a:fontRef>
+      </dsp:style>
+      <dsp:txBody>
+        <a:bodyPr spcFirstLastPara="0" vert="horz" wrap="square" lIns="104013" tIns="34671" rIns="34671" bIns="34671" numCol="1" spcCol="1270" anchor="ctr" anchorCtr="0">
+          <a:noAutofit/>
+        </a:bodyPr>
+        <a:lstStyle/>
+        <a:p>
+          <a:pPr marL="0" lvl="0" indent="0" algn="ctr" defTabSz="1155700">
+            <a:lnSpc>
+              <a:spcPct val="90000"/>
+            </a:lnSpc>
+            <a:spcBef>
+              <a:spcPct val="0"/>
+            </a:spcBef>
+            <a:spcAft>
+              <a:spcPct val="35000"/>
+            </a:spcAft>
+            <a:buNone/>
+          </a:pPr>
+          <a:r>
+            <a:rPr lang="de-DE" sz="2600" kern="1200" dirty="0" err="1"/>
+            <a:t>persist</a:t>
+          </a:r>
+          <a:endParaRPr lang="de-DE" sz="2600" kern="1200" dirty="0"/>
+        </a:p>
+      </dsp:txBody>
+      <dsp:txXfrm>
+        <a:off x="4589335" y="88197"/>
+        <a:ext cx="1376236" cy="917490"/>
+      </dsp:txXfrm>
+    </dsp:sp>
+  </dsp:spTree>
+</dsp:drawing>
+</file>
+
+<file path=ppt/diagrams/layout1.xml><?xml version="1.0" encoding="utf-8"?>
+<dgm:layoutDef xmlns:dgm="http://schemas.openxmlformats.org/drawingml/2006/diagram" xmlns:a="http://schemas.openxmlformats.org/drawingml/2006/main" uniqueId="urn:microsoft.com/office/officeart/2009/3/layout/HorizontalOrganizationChart">
+  <dgm:title val=""/>
+  <dgm:desc val=""/>
+  <dgm:catLst>
+    <dgm:cat type="hierarchy" pri="4300"/>
+  </dgm:catLst>
+  <dgm:sampData>
+    <dgm:dataModel>
+      <dgm:ptLst>
+        <dgm:pt modelId="0" type="doc"/>
+        <dgm:pt modelId="1">
+          <dgm:prSet phldr="1"/>
+        </dgm:pt>
+        <dgm:pt modelId="2" type="asst">
+          <dgm:prSet phldr="1"/>
+        </dgm:pt>
+        <dgm:pt modelId="3">
+          <dgm:prSet phldr="1"/>
+        </dgm:pt>
+        <dgm:pt modelId="4">
+          <dgm:prSet phldr="1"/>
+        </dgm:pt>
+        <dgm:pt modelId="5">
+          <dgm:prSet phldr="1"/>
+        </dgm:pt>
+      </dgm:ptLst>
+      <dgm:cxnLst>
+        <dgm:cxn modelId="5" srcId="0" destId="1" srcOrd="0" destOrd="0"/>
+        <dgm:cxn modelId="6" srcId="1" destId="2" srcOrd="0" destOrd="0"/>
+        <dgm:cxn modelId="7" srcId="1" destId="3" srcOrd="1" destOrd="0"/>
+        <dgm:cxn modelId="8" srcId="1" destId="4" srcOrd="2" destOrd="0"/>
+        <dgm:cxn modelId="9" srcId="1" destId="5" srcOrd="3" destOrd="0"/>
+      </dgm:cxnLst>
+      <dgm:bg/>
+      <dgm:whole/>
+    </dgm:dataModel>
+  </dgm:sampData>
+  <dgm:styleData>
+    <dgm:dataModel>
+      <dgm:ptLst>
+        <dgm:pt modelId="0" type="doc"/>
+        <dgm:pt modelId="1"/>
+        <dgm:pt modelId="12"/>
+        <dgm:pt modelId="13"/>
+      </dgm:ptLst>
+      <dgm:cxnLst>
+        <dgm:cxn modelId="2" srcId="0" destId="1" srcOrd="0" destOrd="0"/>
+        <dgm:cxn modelId="16" srcId="1" destId="12" srcOrd="1" destOrd="0"/>
+        <dgm:cxn modelId="17" srcId="1" destId="13" srcOrd="2" destOrd="0"/>
+      </dgm:cxnLst>
+      <dgm:bg/>
+      <dgm:whole/>
+    </dgm:dataModel>
+  </dgm:styleData>
+  <dgm:clrData>
+    <dgm:dataModel>
+      <dgm:ptLst>
+        <dgm:pt modelId="0" type="doc"/>
+        <dgm:pt modelId="1"/>
+        <dgm:pt modelId="11" type="asst"/>
+        <dgm:pt modelId="12"/>
+        <dgm:pt modelId="13"/>
+        <dgm:pt modelId="14"/>
+      </dgm:ptLst>
+      <dgm:cxnLst>
+        <dgm:cxn modelId="2" srcId="0" destId="1" srcOrd="0" destOrd="0"/>
+        <dgm:cxn modelId="15" srcId="1" destId="11" srcOrd="0" destOrd="0"/>
+        <dgm:cxn modelId="16" srcId="1" destId="12" srcOrd="1" destOrd="0"/>
+        <dgm:cxn modelId="17" srcId="1" destId="13" srcOrd="2" destOrd="0"/>
+        <dgm:cxn modelId="18" srcId="1" destId="14" srcOrd="2" destOrd="0"/>
+      </dgm:cxnLst>
+      <dgm:bg/>
+      <dgm:whole/>
+    </dgm:dataModel>
+  </dgm:clrData>
+  <dgm:layoutNode name="hierChild1">
+    <dgm:varLst>
+      <dgm:orgChart val="1"/>
+      <dgm:chPref val="1"/>
+      <dgm:dir/>
+      <dgm:animOne val="branch"/>
+      <dgm:animLvl val="lvl"/>
+      <dgm:resizeHandles/>
+    </dgm:varLst>
+    <dgm:choose name="Name0">
+      <dgm:if name="Name1" func="var" arg="dir" op="equ" val="norm">
+        <dgm:alg type="hierChild">
+          <dgm:param type="linDir" val="fromT"/>
+          <dgm:param type="chAlign" val="l"/>
+        </dgm:alg>
+      </dgm:if>
+      <dgm:else name="Name2">
+        <dgm:alg type="hierChild">
+          <dgm:param type="linDir" val="fromT"/>
+          <dgm:param type="chAlign" val="r"/>
+        </dgm:alg>
+      </dgm:else>
+    </dgm:choose>
+    <dgm:shape xmlns:r="http://schemas.openxmlformats.org/officeDocument/2006/relationships" r:blip="">
+      <dgm:adjLst/>
+    </dgm:shape>
+    <dgm:presOf/>
+    <dgm:constrLst>
+      <dgm:constr type="w" for="des" forName="rootComposite1" refType="w" fact="10"/>
+      <dgm:constr type="h" for="des" forName="rootComposite1" refType="w" refFor="des" refForName="rootComposite1" fact="0.305"/>
+      <dgm:constr type="w" for="des" forName="rootComposite" refType="w" fact="10"/>
+      <dgm:constr type="h" for="des" forName="rootComposite" refType="w" refFor="des" refForName="rootComposite1" fact="0.305"/>
+      <dgm:constr type="w" for="des" forName="rootComposite3" refType="w" fact="10"/>
+      <dgm:constr type="h" for="des" forName="rootComposite3" refType="w" refFor="des" refForName="rootComposite1" fact="0.305"/>
+      <dgm:constr type="primFontSz" for="des" ptType="node" op="equ"/>
+      <dgm:constr type="sp" for="des" op="equ"/>
+      <dgm:constr type="sp" for="des" forName="hierRoot1" refType="w" refFor="des" refForName="rootComposite1" fact="0.2"/>
+      <dgm:constr type="sp" for="des" forName="hierRoot2" refType="sp" refFor="des" refForName="hierRoot1"/>
+      <dgm:constr type="sp" for="des" forName="hierRoot3" refType="sp" refFor="des" refForName="hierRoot1"/>
+      <dgm:constr type="sibSp" refType="w" refFor="des" refForName="rootComposite1" fact="0.125"/>
+      <dgm:constr type="sibSp" for="des" forName="hierChild2" refType="sibSp"/>
+      <dgm:constr type="sibSp" for="des" forName="hierChild3" refType="sibSp"/>
+      <dgm:constr type="sibSp" for="des" forName="hierChild4" refType="sibSp"/>
+      <dgm:constr type="sibSp" for="des" forName="hierChild5" refType="sibSp"/>
+      <dgm:constr type="sibSp" for="des" forName="hierChild6" refType="sibSp"/>
+      <dgm:constr type="sibSp" for="des" forName="hierChild7" refType="sibSp"/>
+      <dgm:constr type="secSibSp" refType="w" refFor="des" refForName="rootComposite1" fact="0.125"/>
+      <dgm:constr type="secSibSp" for="des" forName="hierChild2" refType="secSibSp"/>
+      <dgm:constr type="secSibSp" for="des" forName="hierChild3" refType="secSibSp"/>
+      <dgm:constr type="secSibSp" for="des" forName="hierChild4" refType="secSibSp"/>
+      <dgm:constr type="secSibSp" for="des" forName="hierChild5" refType="secSibSp"/>
+      <dgm:constr type="secSibSp" for="des" forName="hierChild6" refType="secSibSp"/>
+      <dgm:constr type="secSibSp" for="des" forName="hierChild7" refType="secSibSp"/>
+    </dgm:constrLst>
+    <dgm:ruleLst/>
+    <dgm:forEach name="Name3" axis="ch">
+      <dgm:forEach name="Name4" axis="self" ptType="node">
+        <dgm:layoutNode name="hierRoot1">
+          <dgm:varLst>
+            <dgm:hierBranch val="init"/>
+          </dgm:varLst>
+          <dgm:choose name="Name5">
+            <dgm:if name="Name6" func="var" arg="hierBranch" op="equ" val="l">
+              <dgm:choose name="Name7">
+                <dgm:if name="Name8" func="var" arg="dir" op="equ" val="norm">
+                  <dgm:alg type="hierRoot">
+                    <dgm:param type="hierAlign" val="lT"/>
+                  </dgm:alg>
+                  <dgm:constrLst>
+                    <dgm:constr type="alignOff" val="0.75"/>
+                  </dgm:constrLst>
+                </dgm:if>
+                <dgm:else name="Name9">
+                  <dgm:alg type="hierRoot">
+                    <dgm:param type="hierAlign" val="rT"/>
+                  </dgm:alg>
+                  <dgm:constrLst>
+                    <dgm:constr type="alignOff" val="0.75"/>
+                  </dgm:constrLst>
+                </dgm:else>
+              </dgm:choose>
+            </dgm:if>
+            <dgm:if name="Name10" func="var" arg="hierBranch" op="equ" val="r">
+              <dgm:choose name="Name11">
+                <dgm:if name="Name12" func="var" arg="dir" op="equ" val="norm">
+                  <dgm:alg type="hierRoot">
+                    <dgm:param type="hierAlign" val="lB"/>
+                  </dgm:alg>
+                  <dgm:constrLst>
+                    <dgm:constr type="alignOff" val="0.75"/>
+                  </dgm:constrLst>
+                </dgm:if>
+                <dgm:else name="Name13">
+                  <dgm:alg type="hierRoot">
+                    <dgm:param type="hierAlign" val="rB"/>
+                  </dgm:alg>
+                  <dgm:constrLst>
+                    <dgm:constr type="alignOff" val="0.75"/>
+                  </dgm:constrLst>
+                </dgm:else>
+              </dgm:choose>
+            </dgm:if>
+            <dgm:if name="Name14" func="var" arg="hierBranch" op="equ" val="hang">
+              <dgm:choose name="Name15">
+                <dgm:if name="Name16" func="var" arg="dir" op="equ" val="norm">
+                  <dgm:alg type="hierRoot">
+                    <dgm:param type="hierAlign" val="lCtrCh"/>
+                  </dgm:alg>
+                  <dgm:constrLst>
+                    <dgm:constr type="alignOff" val="0.65"/>
+                  </dgm:constrLst>
+                </dgm:if>
+                <dgm:else name="Name17">
+                  <dgm:alg type="hierRoot">
+                    <dgm:param type="hierAlign" val="rCtrCh"/>
+                  </dgm:alg>
+                  <dgm:constrLst>
+                    <dgm:constr type="alignOff" val="0.65"/>
+                  </dgm:constrLst>
+                </dgm:else>
+              </dgm:choose>
+            </dgm:if>
+            <dgm:else name="Name18">
+              <dgm:choose name="Name19">
+                <dgm:if name="Name20" func="var" arg="dir" op="equ" val="norm">
+                  <dgm:alg type="hierRoot">
+                    <dgm:param type="hierAlign" val="lCtrCh"/>
+                  </dgm:alg>
+                  <dgm:constrLst>
+                    <dgm:constr type="alignOff"/>
+                    <dgm:constr type="bendDist" for="des" ptType="parTrans" refType="sp" fact="0.5"/>
+                  </dgm:constrLst>
+                </dgm:if>
+                <dgm:else name="Name21">
+                  <dgm:alg type="hierRoot">
+                    <dgm:param type="hierAlign" val="rCtrCh"/>
+                  </dgm:alg>
+                  <dgm:constrLst>
+                    <dgm:constr type="alignOff"/>
+                    <dgm:constr type="bendDist" for="des" ptType="parTrans" refType="sp" fact="0.5"/>
+                  </dgm:constrLst>
+                </dgm:else>
+              </dgm:choose>
+            </dgm:else>
+          </dgm:choose>
+          <dgm:shape xmlns:r="http://schemas.openxmlformats.org/officeDocument/2006/relationships" r:blip="">
+            <dgm:adjLst/>
+          </dgm:shape>
+          <dgm:presOf/>
+          <dgm:ruleLst/>
+          <dgm:layoutNode name="rootComposite1">
+            <dgm:alg type="composite"/>
+            <dgm:shape xmlns:r="http://schemas.openxmlformats.org/officeDocument/2006/relationships" r:blip="">
+              <dgm:adjLst/>
+            </dgm:shape>
+            <dgm:presOf axis="self" ptType="node" cnt="1"/>
+            <dgm:choose name="Name22">
+              <dgm:if name="Name23" func="var" arg="hierBranch" op="equ" val="init">
+                <dgm:constrLst>
+                  <dgm:constr type="l" for="ch" forName="rootText1"/>
+                  <dgm:constr type="t" for="ch" forName="rootText1"/>
+                  <dgm:constr type="w" for="ch" forName="rootText1" refType="w"/>
+                  <dgm:constr type="h" for="ch" forName="rootText1" refType="h"/>
+                  <dgm:constr type="l" for="ch" forName="rootConnector1"/>
+                  <dgm:constr type="t" for="ch" forName="rootConnector1"/>
+                  <dgm:constr type="w" for="ch" forName="rootConnector1" refType="w" refFor="ch" refForName="rootText1" fact="0.2"/>
+                  <dgm:constr type="h" for="ch" forName="rootConnector1" refType="h" refFor="ch" refForName="rootText1"/>
+                </dgm:constrLst>
+              </dgm:if>
+              <dgm:if name="Name24" func="var" arg="hierBranch" op="equ" val="l">
+                <dgm:constrLst>
+                  <dgm:constr type="l" for="ch" forName="rootText1"/>
+                  <dgm:constr type="t" for="ch" forName="rootText1"/>
+                  <dgm:constr type="w" for="ch" forName="rootText1" refType="w"/>
+                  <dgm:constr type="h" for="ch" forName="rootText1" refType="h"/>
+                  <dgm:constr type="r" for="ch" forName="rootConnector1" refType="w"/>
+                  <dgm:constr type="t" for="ch" forName="rootConnector1"/>
+                  <dgm:constr type="w" for="ch" forName="rootConnector1" refType="w" refFor="ch" refForName="rootText1" fact="0.2"/>
+                  <dgm:constr type="h" for="ch" forName="rootConnector1" refType="h" refFor="ch" refForName="rootText1"/>
+                </dgm:constrLst>
+              </dgm:if>
+              <dgm:if name="Name25" func="var" arg="hierBranch" op="equ" val="r">
+                <dgm:constrLst>
+                  <dgm:constr type="l" for="ch" forName="rootText1"/>
+                  <dgm:constr type="t" for="ch" forName="rootText1"/>
+                  <dgm:constr type="w" for="ch" forName="rootText1" refType="w"/>
+                  <dgm:constr type="h" for="ch" forName="rootText1" refType="h"/>
+                  <dgm:constr type="l" for="ch" forName="rootConnector1"/>
+                  <dgm:constr type="t" for="ch" forName="rootConnector1"/>
+                  <dgm:constr type="w" for="ch" forName="rootConnector1" refType="w" refFor="ch" refForName="rootText1" fact="0.2"/>
+                  <dgm:constr type="h" for="ch" forName="rootConnector1" refType="h" refFor="ch" refForName="rootText1"/>
+                </dgm:constrLst>
+              </dgm:if>
+              <dgm:else name="Name26">
+                <dgm:constrLst>
+                  <dgm:constr type="l" for="ch" forName="rootText1"/>
+                  <dgm:constr type="t" for="ch" forName="rootText1"/>
+                  <dgm:constr type="w" for="ch" forName="rootText1" refType="w"/>
+                  <dgm:constr type="h" for="ch" forName="rootText1" refType="h"/>
+                  <dgm:constr type="r" for="ch" forName="rootConnector1" refType="w"/>
+                  <dgm:constr type="t" for="ch" forName="rootConnector1"/>
+                  <dgm:constr type="w" for="ch" forName="rootConnector1" refType="w" refFor="ch" refForName="rootText1" fact="0.2"/>
+                  <dgm:constr type="h" for="ch" forName="rootConnector1" refType="h" refFor="ch" refForName="rootText1"/>
+                </dgm:constrLst>
+              </dgm:else>
+            </dgm:choose>
+            <dgm:ruleLst/>
+            <dgm:layoutNode name="rootText1" styleLbl="node0">
+              <dgm:varLst>
+                <dgm:chPref val="3"/>
+              </dgm:varLst>
+              <dgm:alg type="tx"/>
+              <dgm:shape xmlns:r="http://schemas.openxmlformats.org/officeDocument/2006/relationships" type="rect" r:blip="">
+                <dgm:adjLst/>
+              </dgm:shape>
+              <dgm:presOf axis="self" ptType="node" cnt="1"/>
+              <dgm:constrLst>
+                <dgm:constr type="primFontSz" val="65"/>
+                <dgm:constr type="lMarg" refType="primFontSz" fact="0.05"/>
+                <dgm:constr type="rMarg" refType="primFontSz" fact="0.05"/>
+                <dgm:constr type="tMarg" refType="primFontSz" fact="0.05"/>
+                <dgm:constr type="bMarg" refType="primFontSz" fact="0.05"/>
+              </dgm:constrLst>
+              <dgm:ruleLst>
+                <dgm:rule type="primFontSz" val="5" fact="NaN" max="NaN"/>
+              </dgm:ruleLst>
+            </dgm:layoutNode>
+            <dgm:layoutNode name="rootConnector1" moveWith="rootText1">
+              <dgm:alg type="sp"/>
+              <dgm:shape xmlns:r="http://schemas.openxmlformats.org/officeDocument/2006/relationships" type="rect" r:blip="" hideGeom="1">
+                <dgm:adjLst/>
+              </dgm:shape>
+              <dgm:presOf axis="self" ptType="node" cnt="1"/>
+              <dgm:constrLst/>
+              <dgm:ruleLst/>
+            </dgm:layoutNode>
+          </dgm:layoutNode>
+          <dgm:layoutNode name="hierChild2">
+            <dgm:choose name="Name27">
+              <dgm:if name="Name28" func="var" arg="hierBranch" op="equ" val="l">
+                <dgm:choose name="Name29">
+                  <dgm:if name="Name30" func="var" arg="dir" op="equ" val="norm">
+                    <dgm:alg type="hierChild">
+                      <dgm:param type="chAlign" val="t"/>
+                      <dgm:param type="linDir" val="fromL"/>
+                    </dgm:alg>
+                  </dgm:if>
+                  <dgm:else name="Name31">
+                    <dgm:alg type="hierChild">
+                      <dgm:param type="chAlign" val="t"/>
+                      <dgm:param type="linDir" val="fromR"/>
+                    </dgm:alg>
+                  </dgm:else>
+                </dgm:choose>
+              </dgm:if>
+              <dgm:if name="Name32" func="var" arg="hierBranch" op="equ" val="r">
+                <dgm:choose name="Name33">
+                  <dgm:if name="Name34" func="var" arg="dir" op="equ" val="norm">
+                    <dgm:alg type="hierChild">
+                      <dgm:param type="chAlign" val="b"/>
+                      <dgm:param type="linDir" val="fromL"/>
+                    </dgm:alg>
+                  </dgm:if>
+                  <dgm:else name="Name35">
+                    <dgm:alg type="hierChild">
+                      <dgm:param type="chAlign" val="b"/>
+                      <dgm:param type="linDir" val="fromR"/>
+                    </dgm:alg>
+                  </dgm:else>
+                </dgm:choose>
+              </dgm:if>
+              <dgm:if name="Name36" func="var" arg="hierBranch" op="equ" val="hang">
+                <dgm:choose name="Name37">
+                  <dgm:if name="Name38" func="var" arg="dir" op="equ" val="norm">
+                    <dgm:alg type="hierChild">
+                      <dgm:param type="chAlign" val="l"/>
+                      <dgm:param type="linDir" val="fromT"/>
+                      <dgm:param type="secChAlign" val="t"/>
+                      <dgm:param type="secLinDir" val="fromL"/>
+                    </dgm:alg>
+                  </dgm:if>
+                  <dgm:else name="Name39">
+                    <dgm:alg type="hierChild">
+                      <dgm:param type="chAlign" val="r"/>
+                      <dgm:param type="linDir" val="fromT"/>
+                      <dgm:param type="secChAlign" val="t"/>
+                      <dgm:param type="secLinDir" val="fromR"/>
+                    </dgm:alg>
+                  </dgm:else>
+                </dgm:choose>
+              </dgm:if>
+              <dgm:else name="Name40">
+                <dgm:choose name="Name41">
+                  <dgm:if name="Name42" func="var" arg="dir" op="equ" val="norm">
+                    <dgm:alg type="hierChild">
+                      <dgm:param type="linDir" val="fromT"/>
+                      <dgm:param type="chAlign" val="l"/>
+                    </dgm:alg>
+                  </dgm:if>
+                  <dgm:else name="Name43">
+                    <dgm:alg type="hierChild">
+                      <dgm:param type="linDir" val="fromT"/>
+                      <dgm:param type="chAlign" val="r"/>
+                    </dgm:alg>
+                  </dgm:else>
+                </dgm:choose>
+              </dgm:else>
+            </dgm:choose>
+            <dgm:shape xmlns:r="http://schemas.openxmlformats.org/officeDocument/2006/relationships" r:blip="">
+              <dgm:adjLst/>
+            </dgm:shape>
+            <dgm:presOf/>
+            <dgm:constrLst/>
+            <dgm:ruleLst/>
+            <dgm:forEach name="rep2a" axis="ch" ptType="nonAsst">
+              <dgm:forEach name="Name44" axis="precedSib" ptType="parTrans" st="-1" cnt="1">
+                <dgm:choose name="Name45">
+                  <dgm:if name="Name46" func="var" arg="hierBranch" op="equ" val="hang">
+                    <dgm:layoutNode name="Name47">
+                      <dgm:choose name="Name48">
+                        <dgm:if name="Name49" func="var" arg="dir" op="equ" val="norm">
+                          <dgm:alg type="conn">
+                            <dgm:param type="connRout" val="bend"/>
+                            <dgm:param type="dim" val="1D"/>
+                            <dgm:param type="endSty" val="noArr"/>
+                            <dgm:param type="begPts" val="midR"/>
+                            <dgm:param type="endPts" val="bCtr tCtr"/>
+                          </dgm:alg>
+                        </dgm:if>
+                        <dgm:else name="Name50">
+                          <dgm:alg type="conn">
+                            <dgm:param type="connRout" val="bend"/>
+                            <dgm:param type="dim" val="1D"/>
+                            <dgm:param type="endSty" val="noArr"/>
+                            <dgm:param type="begPts" val="midL"/>
+                            <dgm:param type="endPts" val="bCtr tCtr"/>
+                          </dgm:alg>
+                        </dgm:else>
+                      </dgm:choose>
+                      <dgm:shape xmlns:r="http://schemas.openxmlformats.org/officeDocument/2006/relationships" type="conn" r:blip="" zOrderOff="-99999">
+                        <dgm:adjLst/>
+                      </dgm:shape>
+                      <dgm:presOf axis="self"/>
+                      <dgm:constrLst>
+                        <dgm:constr type="begPad"/>
+                        <dgm:constr type="endPad"/>
+                      </dgm:constrLst>
+                      <dgm:ruleLst/>
+                    </dgm:layoutNode>
+                  </dgm:if>
+                  <dgm:if name="Name51" func="var" arg="hierBranch" op="equ" val="l">
+                    <dgm:layoutNode name="Name52">
+                      <dgm:choose name="Name53">
+                        <dgm:if name="Name54" func="var" arg="dir" op="equ" val="norm">
+                          <dgm:alg type="conn">
+                            <dgm:param type="connRout" val="bend"/>
+                            <dgm:param type="dim" val="1D"/>
+                            <dgm:param type="endSty" val="noArr"/>
+                            <dgm:param type="begPts" val="midR"/>
+                            <dgm:param type="endPts" val="tCtr"/>
+                          </dgm:alg>
+                        </dgm:if>
+                        <dgm:else name="Name55">
+                          <dgm:alg type="conn">
+                            <dgm:param type="connRout" val="bend"/>
+                            <dgm:param type="dim" val="1D"/>
+                            <dgm:param type="endSty" val="noArr"/>
+                            <dgm:param type="begPts" val="midL"/>
+                            <dgm:param type="endPts" val="tCtr"/>
+                          </dgm:alg>
+                        </dgm:else>
+                      </dgm:choose>
+                      <dgm:shape xmlns:r="http://schemas.openxmlformats.org/officeDocument/2006/relationships" type="conn" r:blip="" zOrderOff="-99999">
+                        <dgm:adjLst/>
+                      </dgm:shape>
+                      <dgm:presOf axis="self"/>
+                      <dgm:constrLst>
+                        <dgm:constr type="begPad"/>
+                        <dgm:constr type="endPad"/>
+                      </dgm:constrLst>
+                      <dgm:ruleLst/>
+                    </dgm:layoutNode>
+                  </dgm:if>
+                  <dgm:if name="Name56" func="var" arg="hierBranch" op="equ" val="r">
+                    <dgm:layoutNode name="Name57">
+                      <dgm:choose name="Name58">
+                        <dgm:if name="Name59" func="var" arg="dir" op="equ" val="norm">
+                          <dgm:alg type="conn">
+                            <dgm:param type="connRout" val="bend"/>
+                            <dgm:param type="dim" val="1D"/>
+                            <dgm:param type="endSty" val="noArr"/>
+                            <dgm:param type="begPts" val="midR"/>
+                            <dgm:param type="endPts" val="bCtr"/>
+                          </dgm:alg>
+                        </dgm:if>
+                        <dgm:else name="Name60">
+                          <dgm:alg type="conn">
+                            <dgm:param type="connRout" val="bend"/>
+                            <dgm:param type="dim" val="1D"/>
+                            <dgm:param type="endSty" val="noArr"/>
+                            <dgm:param type="begPts" val="midL"/>
+                            <dgm:param type="endPts" val="bCtr"/>
+                          </dgm:alg>
+                        </dgm:else>
+                      </dgm:choose>
+                      <dgm:shape xmlns:r="http://schemas.openxmlformats.org/officeDocument/2006/relationships" type="conn" r:blip="" zOrderOff="-99999">
+                        <dgm:adjLst/>
+                      </dgm:shape>
+                      <dgm:presOf axis="self"/>
+                      <dgm:constrLst>
+                        <dgm:constr type="begPad"/>
+                        <dgm:constr type="endPad"/>
+                      </dgm:constrLst>
+                      <dgm:ruleLst/>
+                    </dgm:layoutNode>
+                  </dgm:if>
+                  <dgm:else name="Name61">
+                    <dgm:choose name="Name62">
+                      <dgm:if name="Name63" func="var" arg="dir" op="equ" val="norm">
+                        <dgm:layoutNode name="Name64">
+                          <dgm:alg type="conn">
+                            <dgm:param type="connRout" val="bend"/>
+                            <dgm:param type="dim" val="1D"/>
+                            <dgm:param type="endSty" val="noArr"/>
+                            <dgm:param type="begPts" val="midR"/>
+                            <dgm:param type="endPts" val="midL"/>
+                            <dgm:param type="bendPt" val="end"/>
+                          </dgm:alg>
+                          <dgm:shape xmlns:r="http://schemas.openxmlformats.org/officeDocument/2006/relationships" type="conn" r:blip="" zOrderOff="-99999">
+                            <dgm:adjLst/>
+                          </dgm:shape>
+                          <dgm:presOf axis="self"/>
+                          <dgm:constrLst>
+                            <dgm:constr type="begPad"/>
+                            <dgm:constr type="endPad"/>
+                          </dgm:constrLst>
+                          <dgm:ruleLst/>
+                        </dgm:layoutNode>
+                      </dgm:if>
+                      <dgm:else name="Name65">
+                        <dgm:layoutNode name="Name66">
+                          <dgm:alg type="conn">
+                            <dgm:param type="connRout" val="bend"/>
+                            <dgm:param type="dim" val="1D"/>
+                            <dgm:param type="endSty" val="noArr"/>
+                            <dgm:param type="begPts" val="midL"/>
+                            <dgm:param type="endPts" val="midR"/>
+                            <dgm:param type="bendPt" val="end"/>
+                          </dgm:alg>
+                          <dgm:shape xmlns:r="http://schemas.openxmlformats.org/officeDocument/2006/relationships" type="conn" r:blip="" zOrderOff="-99999">
+                            <dgm:adjLst/>
+                          </dgm:shape>
+                          <dgm:presOf axis="self"/>
+                          <dgm:constrLst>
+                            <dgm:constr type="begPad"/>
+                            <dgm:constr type="endPad"/>
+                          </dgm:constrLst>
+                          <dgm:ruleLst/>
+                        </dgm:layoutNode>
+                      </dgm:else>
+                    </dgm:choose>
+                  </dgm:else>
+                </dgm:choose>
+              </dgm:forEach>
+              <dgm:layoutNode name="hierRoot2">
+                <dgm:varLst>
+                  <dgm:hierBranch val="init"/>
+                </dgm:varLst>
+                <dgm:choose name="Name67">
+                  <dgm:if name="Name68" func="var" arg="hierBranch" op="equ" val="l">
+                    <dgm:choose name="Name69">
+                      <dgm:if name="Name70" func="var" arg="dir" op="equ" val="norm">
+                        <dgm:alg type="hierRoot">
+                          <dgm:param type="hierAlign" val="lT"/>
+                        </dgm:alg>
+                        <dgm:constrLst>
+                          <dgm:constr type="alignOff" val="0.75"/>
+                        </dgm:constrLst>
+                      </dgm:if>
+                      <dgm:else name="Name71">
+                        <dgm:alg type="hierRoot">
+                          <dgm:param type="hierAlign" val="rT"/>
+                        </dgm:alg>
+                        <dgm:constrLst>
+                          <dgm:constr type="alignOff" val="0.75"/>
+                        </dgm:constrLst>
+                      </dgm:else>
+                    </dgm:choose>
+                  </dgm:if>
+                  <dgm:if name="Name72" func="var" arg="hierBranch" op="equ" val="r">
+                    <dgm:choose name="Name73">
+                      <dgm:if name="Name74" func="var" arg="dir" op="equ" val="norm">
+                        <dgm:alg type="hierRoot">
+                          <dgm:param type="hierAlign" val="lB"/>
+                        </dgm:alg>
+                        <dgm:constrLst>
+                          <dgm:constr type="alignOff" val="0.75"/>
+                        </dgm:constrLst>
+                      </dgm:if>
+                      <dgm:else name="Name75">
+                        <dgm:alg type="hierRoot">
+                          <dgm:param type="hierAlign" val="rB"/>
+                        </dgm:alg>
+                        <dgm:constrLst>
+                          <dgm:constr type="alignOff" val="0.75"/>
+                        </dgm:constrLst>
+                      </dgm:else>
+                    </dgm:choose>
+                  </dgm:if>
+                  <dgm:if name="Name76" func="var" arg="hierBranch" op="equ" val="hang">
+                    <dgm:choose name="Name77">
+                      <dgm:if name="Name78" func="var" arg="dir" op="equ" val="norm">
+                        <dgm:alg type="hierRoot">
+                          <dgm:param type="hierAlign" val="lCtrCh"/>
+                        </dgm:alg>
+                        <dgm:constrLst>
+                          <dgm:constr type="alignOff" val="0.65"/>
+                        </dgm:constrLst>
+                      </dgm:if>
+                      <dgm:else name="Name79">
+                        <dgm:alg type="hierRoot">
+                          <dgm:param type="hierAlign" val="rCtrCh"/>
+                        </dgm:alg>
+                        <dgm:constrLst>
+                          <dgm:constr type="alignOff" val="0.65"/>
+                        </dgm:constrLst>
+                      </dgm:else>
+                    </dgm:choose>
+                  </dgm:if>
+                  <dgm:else name="Name80">
+                    <dgm:choose name="Name81">
+                      <dgm:if name="Name82" func="var" arg="dir" op="equ" val="norm">
+                        <dgm:alg type="hierRoot">
+                          <dgm:param type="hierAlign" val="lCtrCh"/>
+                        </dgm:alg>
+                        <dgm:constrLst>
+                          <dgm:constr type="alignOff"/>
+                          <dgm:constr type="bendDist" for="des" ptType="parTrans" refType="sp" fact="0.5"/>
+                        </dgm:constrLst>
+                      </dgm:if>
+                      <dgm:else name="Name83">
+                        <dgm:alg type="hierRoot">
+                          <dgm:param type="hierAlign" val="rCtrCh"/>
+                        </dgm:alg>
+                        <dgm:constrLst>
+                          <dgm:constr type="alignOff"/>
+                          <dgm:constr type="bendDist" for="des" ptType="parTrans" refType="sp" fact="0.5"/>
+                        </dgm:constrLst>
+                      </dgm:else>
+                    </dgm:choose>
+                  </dgm:else>
+                </dgm:choose>
+                <dgm:shape xmlns:r="http://schemas.openxmlformats.org/officeDocument/2006/relationships" r:blip="">
+                  <dgm:adjLst/>
+                </dgm:shape>
+                <dgm:presOf/>
+                <dgm:ruleLst/>
+                <dgm:layoutNode name="rootComposite">
+                  <dgm:alg type="composite"/>
+                  <dgm:shape xmlns:r="http://schemas.openxmlformats.org/officeDocument/2006/relationships" r:blip="">
+                    <dgm:adjLst/>
+                  </dgm:shape>
+                  <dgm:presOf axis="self" ptType="node" cnt="1"/>
+                  <dgm:choose name="Name84">
+                    <dgm:if name="Name85" func="var" arg="hierBranch" op="equ" val="init">
+                      <dgm:constrLst>
+                        <dgm:constr type="l" for="ch" forName="rootText"/>
+                        <dgm:constr type="t" for="ch" forName="rootText"/>
+                        <dgm:constr type="w" for="ch" forName="rootText" refType="w"/>
+                        <dgm:constr type="h" for="ch" forName="rootText" refType="h"/>
+                        <dgm:constr type="l" for="ch" forName="rootConnector"/>
+                        <dgm:constr type="t" for="ch" forName="rootConnector"/>
+                        <dgm:constr type="w" for="ch" forName="rootConnector" refType="w" refFor="ch" refForName="rootText" fact="0.2"/>
+                        <dgm:constr type="h" for="ch" forName="rootConnector" refType="h" refFor="ch" refForName="rootText"/>
+                      </dgm:constrLst>
+                    </dgm:if>
+                    <dgm:if name="Name86" func="var" arg="hierBranch" op="equ" val="l">
+                      <dgm:constrLst>
+                        <dgm:constr type="l" for="ch" forName="rootText"/>
+                        <dgm:constr type="t" for="ch" forName="rootText"/>
+                        <dgm:constr type="w" for="ch" forName="rootText" refType="w"/>
+                        <dgm:constr type="h" for="ch" forName="rootText" refType="h"/>
+                        <dgm:constr type="r" for="ch" forName="rootConnector" refType="w"/>
+                        <dgm:constr type="t" for="ch" forName="rootConnector"/>
+                        <dgm:constr type="w" for="ch" forName="rootConnector" refType="w" refFor="ch" refForName="rootText" fact="0.2"/>
+                        <dgm:constr type="h" for="ch" forName="rootConnector" refType="h" refFor="ch" refForName="rootText"/>
+                      </dgm:constrLst>
+                    </dgm:if>
+                    <dgm:if name="Name87" func="var" arg="hierBranch" op="equ" val="r">
+                      <dgm:constrLst>
+                        <dgm:constr type="l" for="ch" forName="rootText"/>
+                        <dgm:constr type="t" for="ch" forName="rootText"/>
+                        <dgm:constr type="w" for="ch" forName="rootText" refType="w"/>
+                        <dgm:constr type="h" for="ch" forName="rootText" refType="h"/>
+                        <dgm:constr type="l" for="ch" forName="rootConnector"/>
+                        <dgm:constr type="t" for="ch" forName="rootConnector"/>
+                        <dgm:constr type="w" for="ch" forName="rootConnector" refType="w" refFor="ch" refForName="rootText" fact="0.2"/>
+                        <dgm:constr type="h" for="ch" forName="rootConnector" refType="h" refFor="ch" refForName="rootText"/>
+                      </dgm:constrLst>
+                    </dgm:if>
+                    <dgm:else name="Name88">
+                      <dgm:constrLst>
+                        <dgm:constr type="l" for="ch" forName="rootText"/>
+                        <dgm:constr type="t" for="ch" forName="rootText"/>
+                        <dgm:constr type="w" for="ch" forName="rootText" refType="w"/>
+                        <dgm:constr type="h" for="ch" forName="rootText" refType="h"/>
+                        <dgm:constr type="r" for="ch" forName="rootConnector" refType="w"/>
+                        <dgm:constr type="t" for="ch" forName="rootConnector"/>
+                        <dgm:constr type="w" for="ch" forName="rootConnector" refType="w" refFor="ch" refForName="rootText" fact="0.2"/>
+                        <dgm:constr type="h" for="ch" forName="rootConnector" refType="h" refFor="ch" refForName="rootText"/>
+                      </dgm:constrLst>
+                    </dgm:else>
+                  </dgm:choose>
+                  <dgm:ruleLst/>
+                  <dgm:layoutNode name="rootText">
+                    <dgm:varLst>
+                      <dgm:chPref val="3"/>
+                    </dgm:varLst>
+                    <dgm:alg type="tx"/>
+                    <dgm:shape xmlns:r="http://schemas.openxmlformats.org/officeDocument/2006/relationships" type="rect" r:blip="">
+                      <dgm:adjLst/>
+                    </dgm:shape>
+                    <dgm:presOf axis="self" ptType="node" cnt="1"/>
+                    <dgm:constrLst>
+                      <dgm:constr type="primFontSz" val="65"/>
+                      <dgm:constr type="lMarg" refType="primFontSz" fact="0.05"/>
+                      <dgm:constr type="rMarg" refType="primFontSz" fact="0.05"/>
+                      <dgm:constr type="tMarg" refType="primFontSz" fact="0.05"/>
+                      <dgm:constr type="bMarg" refType="primFontSz" fact="0.05"/>
+                    </dgm:constrLst>
+                    <dgm:ruleLst>
+                      <dgm:rule type="primFontSz" val="5" fact="NaN" max="NaN"/>
+                    </dgm:ruleLst>
+                  </dgm:layoutNode>
+                  <dgm:layoutNode name="rootConnector" moveWith="rootText">
+                    <dgm:alg type="sp"/>
+                    <dgm:shape xmlns:r="http://schemas.openxmlformats.org/officeDocument/2006/relationships" type="rect" r:blip="" hideGeom="1">
+                      <dgm:adjLst/>
+                    </dgm:shape>
+                    <dgm:presOf axis="self" ptType="node" cnt="1"/>
+                    <dgm:constrLst/>
+                    <dgm:ruleLst/>
+                  </dgm:layoutNode>
+                </dgm:layoutNode>
+                <dgm:layoutNode name="hierChild4">
+                  <dgm:choose name="Name89">
+                    <dgm:if name="Name90" func="var" arg="hierBranch" op="equ" val="l">
+                      <dgm:choose name="Name91">
+                        <dgm:if name="Name92" func="var" arg="dir" op="equ" val="norm">
+                          <dgm:alg type="hierChild">
+                            <dgm:param type="chAlign" val="t"/>
+                            <dgm:param type="linDir" val="fromL"/>
+                          </dgm:alg>
+                        </dgm:if>
+                        <dgm:else name="Name93">
+                          <dgm:alg type="hierChild">
+                            <dgm:param type="chAlign" val="t"/>
+                            <dgm:param type="linDir" val="fromR"/>
+                          </dgm:alg>
+                        </dgm:else>
+                      </dgm:choose>
+                    </dgm:if>
+                    <dgm:if name="Name94" func="var" arg="hierBranch" op="equ" val="r">
+                      <dgm:choose name="Name95">
+                        <dgm:if name="Name96" func="var" arg="dir" op="equ" val="norm">
+                          <dgm:alg type="hierChild">
+                            <dgm:param type="chAlign" val="b"/>
+                            <dgm:param type="linDir" val="fromL"/>
+                          </dgm:alg>
+                        </dgm:if>
+                        <dgm:else name="Name97">
+                          <dgm:alg type="hierChild">
+                            <dgm:param type="chAlign" val="b"/>
+                            <dgm:param type="linDir" val="fromR"/>
+                          </dgm:alg>
+                        </dgm:else>
+                      </dgm:choose>
+                    </dgm:if>
+                    <dgm:if name="Name98" func="var" arg="hierBranch" op="equ" val="hang">
+                      <dgm:choose name="Name99">
+                        <dgm:if name="Name100" func="var" arg="dir" op="equ" val="norm">
+                          <dgm:alg type="hierChild">
+                            <dgm:param type="chAlign" val="l"/>
+                            <dgm:param type="linDir" val="fromT"/>
+                            <dgm:param type="secChAlign" val="t"/>
+                            <dgm:param type="secLinDir" val="fromL"/>
+                          </dgm:alg>
+                        </dgm:if>
+                        <dgm:else name="Name101">
+                          <dgm:alg type="hierChild">
+                            <dgm:param type="chAlign" val="r"/>
+                            <dgm:param type="linDir" val="fromT"/>
+                            <dgm:param type="secChAlign" val="t"/>
+                            <dgm:param type="secLinDir" val="fromR"/>
+                          </dgm:alg>
+                        </dgm:else>
+                      </dgm:choose>
+                    </dgm:if>
+                    <dgm:else name="Name102">
+                      <dgm:choose name="Name103">
+                        <dgm:if name="Name104" func="var" arg="dir" op="equ" val="norm">
+                          <dgm:alg type="hierChild">
+                            <dgm:param type="linDir" val="fromT"/>
+                            <dgm:param type="chAlign" val="l"/>
+                          </dgm:alg>
+                        </dgm:if>
+                        <dgm:else name="Name105">
+                          <dgm:alg type="hierChild">
+                            <dgm:param type="linDir" val="fromT"/>
+                            <dgm:param type="chAlign" val="r"/>
+                          </dgm:alg>
+                        </dgm:else>
+                      </dgm:choose>
+                    </dgm:else>
+                  </dgm:choose>
+                  <dgm:shape xmlns:r="http://schemas.openxmlformats.org/officeDocument/2006/relationships" r:blip="">
+                    <dgm:adjLst/>
+                  </dgm:shape>
+                  <dgm:presOf/>
+                  <dgm:constrLst/>
+                  <dgm:ruleLst/>
+                  <dgm:forEach name="Name106" ref="rep2a"/>
+                </dgm:layoutNode>
+                <dgm:layoutNode name="hierChild5">
+                  <dgm:choose name="Name107">
+                    <dgm:if name="Name108" func="var" arg="dir" op="equ" val="norm">
+                      <dgm:alg type="hierChild">
+                        <dgm:param type="chAlign" val="l"/>
+                        <dgm:param type="linDir" val="fromT"/>
+                        <dgm:param type="secChAlign" val="t"/>
+                        <dgm:param type="secLinDir" val="fromL"/>
+                      </dgm:alg>
+                    </dgm:if>
+                    <dgm:else name="Name109">
+                      <dgm:alg type="hierChild">
+                        <dgm:param type="chAlign" val="r"/>
+                        <dgm:param type="linDir" val="fromT"/>
+                        <dgm:param type="secChAlign" val="t"/>
+                        <dgm:param type="secLinDir" val="fromR"/>
+                      </dgm:alg>
+                    </dgm:else>
+                  </dgm:choose>
+                  <dgm:shape xmlns:r="http://schemas.openxmlformats.org/officeDocument/2006/relationships" r:blip="">
+                    <dgm:adjLst/>
+                  </dgm:shape>
+                  <dgm:presOf/>
+                  <dgm:constrLst/>
+                  <dgm:ruleLst/>
+                  <dgm:forEach name="Name110" ref="rep2b"/>
+                </dgm:layoutNode>
+              </dgm:layoutNode>
+            </dgm:forEach>
+          </dgm:layoutNode>
+          <dgm:layoutNode name="hierChild3">
+            <dgm:choose name="Name111">
+              <dgm:if name="Name112" func="var" arg="dir" op="equ" val="norm">
+                <dgm:alg type="hierChild">
+                  <dgm:param type="chAlign" val="l"/>
+                  <dgm:param type="linDir" val="fromT"/>
+                  <dgm:param type="secChAlign" val="t"/>
+                  <dgm:param type="secLinDir" val="fromL"/>
+                </dgm:alg>
+              </dgm:if>
+              <dgm:else name="Name113">
+                <dgm:alg type="hierChild">
+                  <dgm:param type="chAlign" val="r"/>
+                  <dgm:param type="linDir" val="fromT"/>
+                  <dgm:param type="secChAlign" val="t"/>
+                  <dgm:param type="secLinDir" val="fromR"/>
+                </dgm:alg>
+              </dgm:else>
+            </dgm:choose>
+            <dgm:shape xmlns:r="http://schemas.openxmlformats.org/officeDocument/2006/relationships" r:blip="">
+              <dgm:adjLst/>
+            </dgm:shape>
+            <dgm:presOf/>
+            <dgm:constrLst/>
+            <dgm:ruleLst/>
+            <dgm:forEach name="rep2b" axis="ch" ptType="asst">
+              <dgm:forEach name="Name114" axis="precedSib" ptType="parTrans" st="-1" cnt="1">
+                <dgm:layoutNode name="Name115">
+                  <dgm:choose name="Name116">
+                    <dgm:if name="Name117" func="var" arg="dir" op="equ" val="norm">
+                      <dgm:alg type="conn">
+                        <dgm:param type="connRout" val="bend"/>
+                        <dgm:param type="dim" val="1D"/>
+                        <dgm:param type="endSty" val="noArr"/>
+                        <dgm:param type="begPts" val="midR"/>
+                        <dgm:param type="endPts" val="bCtr tCtr"/>
+                      </dgm:alg>
+                    </dgm:if>
+                    <dgm:else name="Name118">
+                      <dgm:alg type="conn">
+                        <dgm:param type="connRout" val="bend"/>
+                        <dgm:param type="dim" val="1D"/>
+                        <dgm:param type="endSty" val="noArr"/>
+                        <dgm:param type="begPts" val="midL"/>
+                        <dgm:param type="endPts" val="bCtr tCtr"/>
+                      </dgm:alg>
+                    </dgm:else>
+                  </dgm:choose>
+                  <dgm:shape xmlns:r="http://schemas.openxmlformats.org/officeDocument/2006/relationships" type="conn" r:blip="" zOrderOff="-99999">
+                    <dgm:adjLst/>
+                  </dgm:shape>
+                  <dgm:presOf axis="self"/>
+                  <dgm:constrLst>
+                    <dgm:constr type="begPad"/>
+                    <dgm:constr type="endPad"/>
+                  </dgm:constrLst>
+                  <dgm:ruleLst/>
+                </dgm:layoutNode>
+              </dgm:forEach>
+              <dgm:layoutNode name="hierRoot3">
+                <dgm:varLst>
+                  <dgm:hierBranch val="init"/>
+                </dgm:varLst>
+                <dgm:choose name="Name119">
+                  <dgm:if name="Name120" func="var" arg="hierBranch" op="equ" val="l">
+                    <dgm:choose name="Name121">
+                      <dgm:if name="Name122" func="var" arg="dir" op="equ" val="norm">
+                        <dgm:alg type="hierRoot">
+                          <dgm:param type="hierAlign" val="lT"/>
+                        </dgm:alg>
+                        <dgm:constrLst>
+                          <dgm:constr type="alignOff" val="0.75"/>
+                        </dgm:constrLst>
+                      </dgm:if>
+                      <dgm:else name="Name123">
+                        <dgm:alg type="hierRoot">
+                          <dgm:param type="hierAlign" val="rT"/>
+                        </dgm:alg>
+                        <dgm:constrLst>
+                          <dgm:constr type="alignOff" val="0.75"/>
+                        </dgm:constrLst>
+                      </dgm:else>
+                    </dgm:choose>
+                  </dgm:if>
+                  <dgm:if name="Name124" func="var" arg="hierBranch" op="equ" val="r">
+                    <dgm:choose name="Name125">
+                      <dgm:if name="Name126" func="var" arg="dir" op="equ" val="norm">
+                        <dgm:alg type="hierRoot">
+                          <dgm:param type="hierAlign" val="lB"/>
+                        </dgm:alg>
+                        <dgm:constrLst>
+                          <dgm:constr type="alignOff" val="0.75"/>
+                        </dgm:constrLst>
+                      </dgm:if>
+                      <dgm:else name="Name127">
+                        <dgm:alg type="hierRoot">
+                          <dgm:param type="hierAlign" val="rB"/>
+                        </dgm:alg>
+                        <dgm:constrLst>
+                          <dgm:constr type="alignOff" val="0.75"/>
+                        </dgm:constrLst>
+                      </dgm:else>
+                    </dgm:choose>
+                  </dgm:if>
+                  <dgm:if name="Name128" func="var" arg="hierBranch" op="equ" val="hang">
+                    <dgm:choose name="Name129">
+                      <dgm:if name="Name130" func="var" arg="dir" op="equ" val="norm">
+                        <dgm:alg type="hierRoot">
+                          <dgm:param type="hierAlign" val="lCtrCh"/>
+                        </dgm:alg>
+                        <dgm:constrLst>
+                          <dgm:constr type="alignOff" val="0.65"/>
+                        </dgm:constrLst>
+                      </dgm:if>
+                      <dgm:else name="Name131">
+                        <dgm:alg type="hierRoot">
+                          <dgm:param type="hierAlign" val="rCtrCh"/>
+                        </dgm:alg>
+                        <dgm:constrLst>
+                          <dgm:constr type="alignOff" val="0.65"/>
+                        </dgm:constrLst>
+                      </dgm:else>
+                    </dgm:choose>
+                  </dgm:if>
+                  <dgm:else name="Name132">
+                    <dgm:choose name="Name133">
+                      <dgm:if name="Name134" func="var" arg="dir" op="equ" val="norm">
+                        <dgm:alg type="hierRoot">
+                          <dgm:param type="hierAlign" val="lCtrCh"/>
+                        </dgm:alg>
+                        <dgm:constrLst>
+                          <dgm:constr type="alignOff"/>
+                          <dgm:constr type="bendDist" for="des" ptType="parTrans" refType="sp" fact="0.5"/>
+                        </dgm:constrLst>
+                      </dgm:if>
+                      <dgm:else name="Name135">
+                        <dgm:alg type="hierRoot">
+                          <dgm:param type="hierAlign" val="rCtrCh"/>
+                        </dgm:alg>
+                        <dgm:constrLst>
+                          <dgm:constr type="alignOff"/>
+                          <dgm:constr type="bendDist" for="des" ptType="parTrans" refType="sp" fact="0.5"/>
+                        </dgm:constrLst>
+                      </dgm:else>
+                    </dgm:choose>
+                  </dgm:else>
+                </dgm:choose>
+                <dgm:shape xmlns:r="http://schemas.openxmlformats.org/officeDocument/2006/relationships" r:blip="">
+                  <dgm:adjLst/>
+                </dgm:shape>
+                <dgm:presOf/>
+                <dgm:ruleLst/>
+                <dgm:layoutNode name="rootComposite3">
+                  <dgm:alg type="composite"/>
+                  <dgm:shape xmlns:r="http://schemas.openxmlformats.org/officeDocument/2006/relationships" r:blip="">
+                    <dgm:adjLst/>
+                  </dgm:shape>
+                  <dgm:presOf axis="self" ptType="node" cnt="1"/>
+                  <dgm:choose name="Name136">
+                    <dgm:if name="Name137" func="var" arg="hierBranch" op="equ" val="init">
+                      <dgm:constrLst>
+                        <dgm:constr type="l" for="ch" forName="rootText3"/>
+                        <dgm:constr type="t" for="ch" forName="rootText3"/>
+                        <dgm:constr type="w" for="ch" forName="rootText3" refType="w"/>
+                        <dgm:constr type="h" for="ch" forName="rootText3" refType="h"/>
+                        <dgm:constr type="l" for="ch" forName="rootConnector3"/>
+                        <dgm:constr type="t" for="ch" forName="rootConnector3"/>
+                        <dgm:constr type="w" for="ch" forName="rootConnector3" refType="w" refFor="ch" refForName="rootText3" fact="0.2"/>
+                        <dgm:constr type="h" for="ch" forName="rootConnector3" refType="h" refFor="ch" refForName="rootText3"/>
+                      </dgm:constrLst>
+                    </dgm:if>
+                    <dgm:if name="Name138" func="var" arg="hierBranch" op="equ" val="l">
+                      <dgm:constrLst>
+                        <dgm:constr type="l" for="ch" forName="rootText3"/>
+                        <dgm:constr type="t" for="ch" forName="rootText3"/>
+                        <dgm:constr type="w" for="ch" forName="rootText3" refType="w"/>
+                        <dgm:constr type="h" for="ch" forName="rootText3" refType="h"/>
+                        <dgm:constr type="r" for="ch" forName="rootConnector3" refType="w"/>
+                        <dgm:constr type="t" for="ch" forName="rootConnector3"/>
+                        <dgm:constr type="w" for="ch" forName="rootConnector3" refType="w" refFor="ch" refForName="rootText3" fact="0.2"/>
+                        <dgm:constr type="h" for="ch" forName="rootConnector3" refType="h" refFor="ch" refForName="rootText3"/>
+                      </dgm:constrLst>
+                    </dgm:if>
+                    <dgm:if name="Name139" func="var" arg="hierBranch" op="equ" val="r">
+                      <dgm:constrLst>
+                        <dgm:constr type="l" for="ch" forName="rootText3"/>
+                        <dgm:constr type="t" for="ch" forName="rootText3"/>
+                        <dgm:constr type="w" for="ch" forName="rootText3" refType="w"/>
+                        <dgm:constr type="h" for="ch" forName="rootText3" refType="h"/>
+                        <dgm:constr type="l" for="ch" forName="rootConnector3"/>
+                        <dgm:constr type="t" for="ch" forName="rootConnector3"/>
+                        <dgm:constr type="w" for="ch" forName="rootConnector3" refType="w" refFor="ch" refForName="rootText3" fact="0.2"/>
+                        <dgm:constr type="h" for="ch" forName="rootConnector3" refType="h" refFor="ch" refForName="rootText3"/>
+                      </dgm:constrLst>
+                    </dgm:if>
+                    <dgm:else name="Name140">
+                      <dgm:constrLst>
+                        <dgm:constr type="l" for="ch" forName="rootText3"/>
+                        <dgm:constr type="t" for="ch" forName="rootText3"/>
+                        <dgm:constr type="w" for="ch" forName="rootText3" refType="w"/>
+                        <dgm:constr type="h" for="ch" forName="rootText3" refType="h"/>
+                        <dgm:constr type="r" for="ch" forName="rootConnector3" refType="w"/>
+                        <dgm:constr type="t" for="ch" forName="rootConnector3"/>
+                        <dgm:constr type="w" for="ch" forName="rootConnector3" refType="w" refFor="ch" refForName="rootText3" fact="0.2"/>
+                        <dgm:constr type="h" for="ch" forName="rootConnector3" refType="h" refFor="ch" refForName="rootText3"/>
+                      </dgm:constrLst>
+                    </dgm:else>
+                  </dgm:choose>
+                  <dgm:ruleLst/>
+                  <dgm:layoutNode name="rootText3">
+                    <dgm:varLst>
+                      <dgm:chPref val="3"/>
+                    </dgm:varLst>
+                    <dgm:alg type="tx"/>
+                    <dgm:shape xmlns:r="http://schemas.openxmlformats.org/officeDocument/2006/relationships" type="rect" r:blip="">
+                      <dgm:adjLst/>
+                    </dgm:shape>
+                    <dgm:presOf axis="self" ptType="node" cnt="1"/>
+                    <dgm:constrLst>
+                      <dgm:constr type="primFontSz" val="65"/>
+                      <dgm:constr type="lMarg" refType="primFontSz" fact="0.05"/>
+                      <dgm:constr type="rMarg" refType="primFontSz" fact="0.05"/>
+                      <dgm:constr type="tMarg" refType="primFontSz" fact="0.05"/>
+                      <dgm:constr type="bMarg" refType="primFontSz" fact="0.05"/>
+                    </dgm:constrLst>
+                    <dgm:ruleLst>
+                      <dgm:rule type="primFontSz" val="5" fact="NaN" max="NaN"/>
+                    </dgm:ruleLst>
+                  </dgm:layoutNode>
+                  <dgm:layoutNode name="rootConnector3" moveWith="rootText1">
+                    <dgm:alg type="sp"/>
+                    <dgm:shape xmlns:r="http://schemas.openxmlformats.org/officeDocument/2006/relationships" type="rect" r:blip="" hideGeom="1">
+                      <dgm:adjLst/>
+                    </dgm:shape>
+                    <dgm:presOf axis="self" ptType="node" cnt="1"/>
+                    <dgm:constrLst/>
+                    <dgm:ruleLst/>
+                  </dgm:layoutNode>
+                </dgm:layoutNode>
+                <dgm:layoutNode name="hierChild6">
+                  <dgm:choose name="Name141">
+                    <dgm:if name="Name142" func="var" arg="hierBranch" op="equ" val="l">
+                      <dgm:choose name="Name143">
+                        <dgm:if name="Name144" func="var" arg="dir" op="equ" val="norm">
+                          <dgm:alg type="hierChild">
+                            <dgm:param type="chAlign" val="t"/>
+                            <dgm:param type="linDir" val="fromL"/>
+                          </dgm:alg>
+                        </dgm:if>
+                        <dgm:else name="Name145">
+                          <dgm:alg type="hierChild">
+                            <dgm:param type="chAlign" val="t"/>
+                            <dgm:param type="linDir" val="fromR"/>
+                          </dgm:alg>
+                        </dgm:else>
+                      </dgm:choose>
+                    </dgm:if>
+                    <dgm:if name="Name146" func="var" arg="hierBranch" op="equ" val="r">
+                      <dgm:choose name="Name147">
+                        <dgm:if name="Name148" func="var" arg="dir" op="equ" val="norm">
+                          <dgm:alg type="hierChild">
+                            <dgm:param type="chAlign" val="b"/>
+                            <dgm:param type="linDir" val="fromL"/>
+                          </dgm:alg>
+                        </dgm:if>
+                        <dgm:else name="Name149">
+                          <dgm:alg type="hierChild">
+                            <dgm:param type="chAlign" val="b"/>
+                            <dgm:param type="linDir" val="fromR"/>
+                          </dgm:alg>
+                        </dgm:else>
+                      </dgm:choose>
+                    </dgm:if>
+                    <dgm:if name="Name150" func="var" arg="hierBranch" op="equ" val="hang">
+                      <dgm:choose name="Name151">
+                        <dgm:if name="Name152" func="var" arg="dir" op="equ" val="norm">
+                          <dgm:alg type="hierChild">
+                            <dgm:param type="chAlign" val="l"/>
+                            <dgm:param type="linDir" val="fromT"/>
+                            <dgm:param type="secChAlign" val="t"/>
+                            <dgm:param type="secLinDir" val="fromL"/>
+                          </dgm:alg>
+                        </dgm:if>
+                        <dgm:else name="Name153">
+                          <dgm:alg type="hierChild">
+                            <dgm:param type="chAlign" val="r"/>
+                            <dgm:param type="linDir" val="fromT"/>
+                            <dgm:param type="secChAlign" val="t"/>
+                            <dgm:param type="secLinDir" val="fromR"/>
+                          </dgm:alg>
+                        </dgm:else>
+                      </dgm:choose>
+                    </dgm:if>
+                    <dgm:else name="Name154">
+                      <dgm:choose name="Name155">
+                        <dgm:if name="Name156" func="var" arg="dir" op="equ" val="norm">
+                          <dgm:alg type="hierChild">
+                            <dgm:param type="linDir" val="fromT"/>
+                            <dgm:param type="chAlign" val="l"/>
+                          </dgm:alg>
+                        </dgm:if>
+                        <dgm:else name="Name157">
+                          <dgm:alg type="hierChild">
+                            <dgm:param type="linDir" val="fromT"/>
+                            <dgm:param type="chAlign" val="r"/>
+                          </dgm:alg>
+                        </dgm:else>
+                      </dgm:choose>
+                    </dgm:else>
+                  </dgm:choose>
+                  <dgm:shape xmlns:r="http://schemas.openxmlformats.org/officeDocument/2006/relationships" r:blip="">
+                    <dgm:adjLst/>
+                  </dgm:shape>
+                  <dgm:presOf/>
+                  <dgm:constrLst/>
+                  <dgm:ruleLst/>
+                  <dgm:forEach name="Name158" ref="rep2a"/>
+                </dgm:layoutNode>
+                <dgm:layoutNode name="hierChild7">
+                  <dgm:choose name="Name159">
+                    <dgm:if name="Name160" func="var" arg="dir" op="equ" val="norm">
+                      <dgm:alg type="hierChild">
+                        <dgm:param type="chAlign" val="l"/>
+                        <dgm:param type="linDir" val="fromT"/>
+                        <dgm:param type="secChAlign" val="t"/>
+                        <dgm:param type="secLinDir" val="fromL"/>
+                      </dgm:alg>
+                    </dgm:if>
+                    <dgm:else name="Name161">
+                      <dgm:alg type="hierChild">
+                        <dgm:param type="chAlign" val="r"/>
+                        <dgm:param type="linDir" val="fromT"/>
+                        <dgm:param type="secChAlign" val="t"/>
+                        <dgm:param type="secLinDir" val="fromR"/>
+                      </dgm:alg>
+                    </dgm:else>
+                  </dgm:choose>
+                  <dgm:shape xmlns:r="http://schemas.openxmlformats.org/officeDocument/2006/relationships" r:blip="">
+                    <dgm:adjLst/>
+                  </dgm:shape>
+                  <dgm:presOf/>
+                  <dgm:constrLst/>
+                  <dgm:ruleLst/>
+                  <dgm:forEach name="Name162" ref="rep2b"/>
+                </dgm:layoutNode>
+              </dgm:layoutNode>
+            </dgm:forEach>
+          </dgm:layoutNode>
+        </dgm:layoutNode>
+      </dgm:forEach>
+    </dgm:forEach>
+  </dgm:layoutNode>
+</dgm:layoutDef>
+</file>
+
+<file path=ppt/diagrams/layout2.xml><?xml version="1.0" encoding="utf-8"?>
+<dgm:layoutDef xmlns:dgm="http://schemas.openxmlformats.org/drawingml/2006/diagram" xmlns:a="http://schemas.openxmlformats.org/drawingml/2006/main" uniqueId="urn:microsoft.com/office/officeart/2005/8/layout/chevron1">
+  <dgm:title val=""/>
+  <dgm:desc val=""/>
+  <dgm:catLst>
+    <dgm:cat type="process" pri="9000"/>
+  </dgm:catLst>
+  <dgm:sampData useDef="1">
+    <dgm:dataModel>
+      <dgm:ptLst/>
+      <dgm:bg/>
+      <dgm:whole/>
+    </dgm:dataModel>
+  </dgm:sampData>
+  <dgm:styleData>
+    <dgm:dataModel>
+      <dgm:ptLst>
+        <dgm:pt modelId="0" type="doc"/>
+        <dgm:pt modelId="1"/>
+        <dgm:pt modelId="2"/>
+      </dgm:ptLst>
+      <dgm:cxnLst>
+        <dgm:cxn modelId="3" srcId="0" destId="1" srcOrd="0" destOrd="0"/>
+        <dgm:cxn modelId="4" srcId="0" destId="2" srcOrd="1" destOrd="0"/>
+      </dgm:cxnLst>
+      <dgm:bg/>
+      <dgm:whole/>
+    </dgm:dataModel>
+  </dgm:styleData>
+  <dgm:clrData>
+    <dgm:dataModel>
+      <dgm:ptLst>
+        <dgm:pt modelId="0" type="doc"/>
+        <dgm:pt modelId="1"/>
+        <dgm:pt modelId="2"/>
+        <dgm:pt modelId="3"/>
+        <dgm:pt modelId="4"/>
+      </dgm:ptLst>
+      <dgm:cxnLst>
+        <dgm:cxn modelId="5" srcId="0" destId="1" srcOrd="0" destOrd="0"/>
+        <dgm:cxn modelId="6" srcId="0" destId="2" srcOrd="1" destOrd="0"/>
+        <dgm:cxn modelId="7" srcId="0" destId="3" srcOrd="2" destOrd="0"/>
+        <dgm:cxn modelId="8" srcId="0" destId="4" srcOrd="3" destOrd="0"/>
+      </dgm:cxnLst>
+      <dgm:bg/>
+      <dgm:whole/>
+    </dgm:dataModel>
+  </dgm:clrData>
+  <dgm:layoutNode name="Name0">
+    <dgm:varLst>
+      <dgm:dir/>
+      <dgm:animLvl val="lvl"/>
+      <dgm:resizeHandles val="exact"/>
+    </dgm:varLst>
+    <dgm:choose name="Name1">
+      <dgm:if name="Name2" func="var" arg="dir" op="equ" val="norm">
+        <dgm:alg type="lin"/>
+      </dgm:if>
+      <dgm:else name="Name3">
+        <dgm:alg type="lin">
+          <dgm:param type="linDir" val="fromR"/>
+        </dgm:alg>
+      </dgm:else>
+    </dgm:choose>
+    <dgm:shape xmlns:r="http://schemas.openxmlformats.org/officeDocument/2006/relationships" r:blip="">
+      <dgm:adjLst/>
+    </dgm:shape>
+    <dgm:presOf/>
+    <dgm:choose name="Name4">
+      <dgm:if name="Name5" axis="des" func="maxDepth" op="gte" val="2">
+        <dgm:constrLst>
+          <dgm:constr type="h" for="ch" forName="composite" refType="h"/>
+          <dgm:constr type="w" for="ch" forName="composite" refType="w"/>
+          <dgm:constr type="w" for="des" forName="parTx"/>
+          <dgm:constr type="h" for="des" forName="parTx" op="equ"/>
+          <dgm:constr type="w" for="des" forName="desTx"/>
+          <dgm:constr type="h" for="des" forName="desTx" op="equ"/>
+          <dgm:constr type="primFontSz" for="des" forName="parTx" val="65"/>
+          <dgm:constr type="secFontSz" for="des" forName="desTx" refType="primFontSz" refFor="des" refForName="parTx" op="equ"/>
+          <dgm:constr type="h" for="des" forName="parTx" refType="primFontSz" refFor="des" refForName="parTx" fact="1.5"/>
+          <dgm:constr type="h" for="des" forName="desTx" refType="primFontSz" refFor="des" refForName="parTx" fact="0.5"/>
+          <dgm:constr type="w" for="ch" forName="space" op="equ" val="-6"/>
+        </dgm:constrLst>
+        <dgm:ruleLst>
+          <dgm:rule type="w" for="ch" forName="composite" val="0" fact="NaN" max="NaN"/>
+          <dgm:rule type="primFontSz" for="des" forName="parTx" val="5" fact="NaN" max="NaN"/>
+        </dgm:ruleLst>
+        <dgm:forEach name="Name6" axis="ch" ptType="node">
+          <dgm:layoutNode name="composite">
+            <dgm:alg type="composite"/>
+            <dgm:shape xmlns:r="http://schemas.openxmlformats.org/officeDocument/2006/relationships" r:blip="">
+              <dgm:adjLst/>
+            </dgm:shape>
+            <dgm:presOf/>
+            <dgm:choose name="Name7">
+              <dgm:if name="Name8" func="var" arg="dir" op="equ" val="norm">
+                <dgm:constrLst>
+                  <dgm:constr type="l" for="ch" forName="parTx"/>
+                  <dgm:constr type="w" for="ch" forName="parTx" refType="w"/>
+                  <dgm:constr type="t" for="ch" forName="parTx"/>
+                  <dgm:constr type="l" for="ch" forName="desTx"/>
+                  <dgm:constr type="w" for="ch" forName="desTx" refType="w" refFor="ch" refForName="parTx" fact="0.8"/>
+                  <dgm:constr type="t" for="ch" forName="desTx" refType="h" refFor="ch" refForName="parTx" fact="1.125"/>
+                </dgm:constrLst>
+              </dgm:if>
+              <dgm:else name="Name9">
+                <dgm:constrLst>
+                  <dgm:constr type="l" for="ch" forName="parTx"/>
+                  <dgm:constr type="w" for="ch" forName="parTx" refType="w"/>
+                  <dgm:constr type="t" for="ch" forName="parTx"/>
+                  <dgm:constr type="l" for="ch" forName="desTx" refType="w" fact="0.2"/>
+                  <dgm:constr type="w" for="ch" forName="desTx" refType="w" refFor="ch" refForName="parTx" fact="0.8"/>
+                  <dgm:constr type="t" for="ch" forName="desTx" refType="h" refFor="ch" refForName="parTx" fact="1.125"/>
+                </dgm:constrLst>
+              </dgm:else>
+            </dgm:choose>
+            <dgm:ruleLst>
+              <dgm:rule type="h" val="INF" fact="NaN" max="NaN"/>
+            </dgm:ruleLst>
+            <dgm:layoutNode name="parTx">
+              <dgm:varLst>
+                <dgm:chMax val="0"/>
+                <dgm:chPref val="0"/>
+                <dgm:bulletEnabled val="1"/>
+              </dgm:varLst>
+              <dgm:alg type="tx"/>
+              <dgm:choose name="Name10">
+                <dgm:if name="Name11" func="var" arg="dir" op="equ" val="norm">
+                  <dgm:shape xmlns:r="http://schemas.openxmlformats.org/officeDocument/2006/relationships" type="chevron" r:blip="">
+                    <dgm:adjLst/>
+                  </dgm:shape>
+                </dgm:if>
+                <dgm:else name="Name12">
+                  <dgm:shape xmlns:r="http://schemas.openxmlformats.org/officeDocument/2006/relationships" rot="180" type="chevron" r:blip="">
+                    <dgm:adjLst/>
+                  </dgm:shape>
+                </dgm:else>
+              </dgm:choose>
+              <dgm:presOf axis="self" ptType="node"/>
+              <dgm:choose name="Name13">
+                <dgm:if name="Name14" func="var" arg="dir" op="equ" val="norm">
+                  <dgm:constrLst>
+                    <dgm:constr type="h" refType="w" op="lte" fact="0.4"/>
+                    <dgm:constr type="h"/>
+                    <dgm:constr type="tMarg" refType="primFontSz" fact="0.105"/>
+                    <dgm:constr type="bMarg" refType="primFontSz" fact="0.105"/>
+                    <dgm:constr type="lMarg" refType="primFontSz" fact="0.315"/>
+                    <dgm:constr type="rMarg" refType="primFontSz" fact="0.105"/>
+                  </dgm:constrLst>
+                </dgm:if>
+                <dgm:else name="Name15">
+                  <dgm:constrLst>
+                    <dgm:constr type="h" refType="w" op="lte" fact="0.4"/>
+                    <dgm:constr type="h"/>
+                    <dgm:constr type="tMarg" refType="primFontSz" fact="0.105"/>
+                    <dgm:constr type="bMarg" refType="primFontSz" fact="0.105"/>
+                    <dgm:constr type="lMarg" refType="primFontSz" fact="0.105"/>
+                    <dgm:constr type="rMarg" refType="primFontSz" fact="0.315"/>
+                  </dgm:constrLst>
+                </dgm:else>
+              </dgm:choose>
+              <dgm:ruleLst>
+                <dgm:rule type="h" val="INF" fact="NaN" max="NaN"/>
+              </dgm:ruleLst>
+            </dgm:layoutNode>
+            <dgm:layoutNode name="desTx" styleLbl="revTx">
+              <dgm:varLst>
+                <dgm:bulletEnabled val="1"/>
+              </dgm:varLst>
+              <dgm:alg type="tx">
+                <dgm:param type="stBulletLvl" val="1"/>
+              </dgm:alg>
+              <dgm:choose name="Name16">
+                <dgm:if name="Name17" axis="ch" ptType="node" func="cnt" op="gte" val="1">
+                  <dgm:shape xmlns:r="http://schemas.openxmlformats.org/officeDocument/2006/relationships" type="rect" r:blip="">
+                    <dgm:adjLst/>
+                  </dgm:shape>
+                </dgm:if>
+                <dgm:else name="Name18">
+                  <dgm:shape xmlns:r="http://schemas.openxmlformats.org/officeDocument/2006/relationships" type="rect" r:blip="" hideGeom="1">
+                    <dgm:adjLst/>
+                  </dgm:shape>
+                </dgm:else>
+              </dgm:choose>
+              <dgm:presOf axis="des" ptType="node"/>
+              <dgm:constrLst>
+                <dgm:constr type="secFontSz" val="65"/>
+                <dgm:constr type="primFontSz" refType="secFontSz"/>
+                <dgm:constr type="h"/>
+                <dgm:constr type="tMarg"/>
+                <dgm:constr type="bMarg"/>
+                <dgm:constr type="rMarg"/>
+                <dgm:constr type="lMarg"/>
+              </dgm:constrLst>
+              <dgm:ruleLst>
+                <dgm:rule type="h" val="INF" fact="NaN" max="NaN"/>
+              </dgm:ruleLst>
+            </dgm:layoutNode>
+          </dgm:layoutNode>
+          <dgm:forEach name="Name19" axis="followSib" ptType="sibTrans" cnt="1">
+            <dgm:layoutNode name="space">
+              <dgm:alg type="sp"/>
+              <dgm:shape xmlns:r="http://schemas.openxmlformats.org/officeDocument/2006/relationships" r:blip="">
+                <dgm:adjLst/>
+              </dgm:shape>
+              <dgm:presOf/>
+              <dgm:constrLst/>
+              <dgm:ruleLst/>
+            </dgm:layoutNode>
+          </dgm:forEach>
+        </dgm:forEach>
+      </dgm:if>
+      <dgm:else name="Name20">
+        <dgm:constrLst>
+          <dgm:constr type="w" for="ch" forName="parTxOnly" refType="w"/>
+          <dgm:constr type="h" for="des" forName="parTxOnly" op="equ"/>
+          <dgm:constr type="primFontSz" for="des" forName="parTxOnly" op="equ" val="65"/>
+          <dgm:constr type="w" for="ch" forName="parTxOnlySpace" refType="w" refFor="ch" refForName="parTxOnly" fact="-0.1"/>
+        </dgm:constrLst>
+        <dgm:ruleLst/>
+        <dgm:forEach name="Name21" axis="ch" ptType="node">
+          <dgm:layoutNode name="parTxOnly">
+            <dgm:varLst>
+              <dgm:chMax val="0"/>
+              <dgm:chPref val="0"/>
+              <dgm:bulletEnabled val="1"/>
+            </dgm:varLst>
+            <dgm:alg type="tx"/>
+            <dgm:choose name="Name22">
+              <dgm:if name="Name23" func="var" arg="dir" op="equ" val="norm">
+                <dgm:shape xmlns:r="http://schemas.openxmlformats.org/officeDocument/2006/relationships" type="chevron" r:blip="">
+                  <dgm:adjLst/>
+                </dgm:shape>
+              </dgm:if>
+              <dgm:else name="Name24">
+                <dgm:shape xmlns:r="http://schemas.openxmlformats.org/officeDocument/2006/relationships" rot="180" type="chevron" r:blip="">
+                  <dgm:adjLst/>
+                </dgm:shape>
+              </dgm:else>
+            </dgm:choose>
+            <dgm:presOf axis="self" ptType="node"/>
+            <dgm:choose name="Name25">
+              <dgm:if name="Name26" func="var" arg="dir" op="equ" val="norm">
+                <dgm:constrLst>
+                  <dgm:constr type="h" refType="w" op="equ" fact="0.4"/>
+                  <dgm:constr type="tMarg" refType="primFontSz" fact="0.105"/>
+                  <dgm:constr type="bMarg" refType="primFontSz" fact="0.105"/>
+                  <dgm:constr type="lMarg" refType="primFontSz" fact="0.315"/>
+                  <dgm:constr type="rMarg" refType="primFontSz" fact="0.105"/>
+                </dgm:constrLst>
+              </dgm:if>
+              <dgm:else name="Name27">
+                <dgm:constrLst>
+                  <dgm:constr type="h" refType="w" op="equ" fact="0.4"/>
+                  <dgm:constr type="tMarg" refType="primFontSz" fact="0.105"/>
+                  <dgm:constr type="bMarg" refType="primFontSz" fact="0.105"/>
+                  <dgm:constr type="lMarg" refType="primFontSz" fact="0.105"/>
+                  <dgm:constr type="rMarg" refType="primFontSz" fact="0.315"/>
+                </dgm:constrLst>
+              </dgm:else>
+            </dgm:choose>
+            <dgm:ruleLst>
+              <dgm:rule type="primFontSz" val="5" fact="NaN" max="NaN"/>
+            </dgm:ruleLst>
+          </dgm:layoutNode>
+          <dgm:forEach name="Name28" axis="followSib" ptType="sibTrans" cnt="1">
+            <dgm:layoutNode name="parTxOnlySpace">
+              <dgm:alg type="sp"/>
+              <dgm:shape xmlns:r="http://schemas.openxmlformats.org/officeDocument/2006/relationships" r:blip="">
+                <dgm:adjLst/>
+              </dgm:shape>
+              <dgm:presOf/>
+              <dgm:constrLst/>
+              <dgm:ruleLst/>
+            </dgm:layoutNode>
+          </dgm:forEach>
+        </dgm:forEach>
+      </dgm:else>
+    </dgm:choose>
+  </dgm:layoutNode>
+</dgm:layoutDef>
+</file>
+
+<file path=ppt/diagrams/quickStyle1.xml><?xml version="1.0" encoding="utf-8"?>
+<dgm:styleDef xmlns:dgm="http://schemas.openxmlformats.org/drawingml/2006/diagram" xmlns:a="http://schemas.openxmlformats.org/drawingml/2006/main" uniqueId="urn:microsoft.com/office/officeart/2005/8/quickstyle/simple1">
+  <dgm:title val=""/>
+  <dgm:desc val=""/>
+  <dgm:catLst>
+    <dgm:cat type="simple" pri="10100"/>
+  </dgm:catLst>
+  <dgm:scene3d>
+    <a:camera prst="orthographicFront"/>
+    <a:lightRig rig="threePt" dir="t"/>
+  </dgm:scene3d>
+  <dgm:styleLbl name="node0">
+    <dgm:scene3d>
+      <a:camera prst="orthographicFront"/>
+      <a:lightRig rig="threePt" dir="t"/>
+    </dgm:scene3d>
+    <dgm:sp3d/>
+    <dgm:txPr/>
+    <dgm:style>
+      <a:lnRef idx="2">
+        <a:scrgbClr r="0" g="0" b="0"/>
+      </a:lnRef>
+      <a:fillRef idx="1">
+        <a:scrgbClr r="0" g="0" b="0"/>
+      </a:fillRef>
+      <a:effectRef idx="0">
+        <a:scrgbClr r="0" g="0" b="0"/>
+      </a:effectRef>
+      <a:fontRef idx="minor">
+        <a:schemeClr val="lt1"/>
+      </a:fontRef>
+    </dgm:style>
+  </dgm:styleLbl>
+  <dgm:styleLbl name="lnNode1">
+    <dgm:scene3d>
+      <a:camera prst="orthographicFront"/>
+      <a:lightRig rig="threePt" dir="t"/>
+    </dgm:scene3d>
+    <dgm:sp3d/>
+    <dgm:txPr/>
+    <dgm:style>
+      <a:lnRef idx="2">
+        <a:scrgbClr r="0" g="0" b="0"/>
+      </a:lnRef>
+      <a:fillRef idx="1">
+        <a:scrgbClr r="0" g="0" b="0"/>
+      </a:fillRef>
+      <a:effectRef idx="0">
+        <a:scrgbClr r="0" g="0" b="0"/>
+      </a:effectRef>
+      <a:fontRef idx="minor">
+        <a:schemeClr val="lt1"/>
+      </a:fontRef>
+    </dgm:style>
+  </dgm:styleLbl>
+  <dgm:styleLbl name="vennNode1">
+    <dgm:scene3d>
+      <a:camera prst="orthographicFront"/>
+      <a:lightRig rig="threePt" dir="t"/>
+    </dgm:scene3d>
+    <dgm:sp3d/>
+    <dgm:txPr/>
+    <dgm:style>
+      <a:lnRef idx="2">
+        <a:scrgbClr r="0" g="0" b="0"/>
+      </a:lnRef>
+      <a:fillRef idx="1">
+        <a:scrgbClr r="0" g="0" b="0"/>
+      </a:fillRef>
+      <a:effectRef idx="0">
+        <a:scrgbClr r="0" g="0" b="0"/>
+      </a:effectRef>
+      <a:fontRef idx="minor">
+        <a:schemeClr val="tx1"/>
+      </a:fontRef>
+    </dgm:style>
+  </dgm:styleLbl>
+  <dgm:styleLbl name="alignNode1">
+    <dgm:scene3d>
+      <a:camera prst="orthographicFront"/>
+      <a:lightRig rig="threePt" dir="t"/>
+    </dgm:scene3d>
+    <dgm:sp3d/>
+    <dgm:txPr/>
+    <dgm:style>
+      <a:lnRef idx="2">
+        <a:scrgbClr r="0" g="0" b="0"/>
+      </a:lnRef>
+      <a:fillRef idx="1">
+        <a:scrgbClr r="0" g="0" b="0"/>
+      </a:fillRef>
+      <a:effectRef idx="0">
+        <a:scrgbClr r="0" g="0" b="0"/>
+      </a:effectRef>
+      <a:fontRef idx="minor">
+        <a:schemeClr val="lt1"/>
+      </a:fontRef>
+    </dgm:style>
+  </dgm:styleLbl>
+  <dgm:styleLbl name="node1">
+    <dgm:scene3d>
+      <a:camera prst="orthographicFront"/>
+      <a:lightRig rig="threePt" dir="t"/>
+    </dgm:scene3d>
+    <dgm:sp3d/>
+    <dgm:txPr/>
+    <dgm:style>
+      <a:lnRef idx="2">
+        <a:scrgbClr r="0" g="0" b="0"/>
+      </a:lnRef>
+      <a:fillRef idx="1">
+        <a:scrgbClr r="0" g="0" b="0"/>
+      </a:fillRef>
+      <a:effectRef idx="0">
+        <a:scrgbClr r="0" g="0" b="0"/>
+      </a:effectRef>
+      <a:fontRef idx="minor">
+        <a:schemeClr val="lt1"/>
+      </a:fontRef>
+    </dgm:style>
+  </dgm:styleLbl>
+  <dgm:styleLbl name="node2">
+    <dgm:scene3d>
+      <a:camera prst="orthographicFront"/>
+      <a:lightRig rig="threePt" dir="t"/>
+    </dgm:scene3d>
+    <dgm:sp3d/>
+    <dgm:txPr/>
+    <dgm:style>
+      <a:lnRef idx="2">
+        <a:scrgbClr r="0" g="0" b="0"/>
+      </a:lnRef>
+      <a:fillRef idx="1">
+        <a:scrgbClr r="0" g="0" b="0"/>
+      </a:fillRef>
+      <a:effectRef idx="0">
+        <a:scrgbClr r="0" g="0" b="0"/>
+      </a:effectRef>
+      <a:fontRef idx="minor">
+        <a:schemeClr val="lt1"/>
+      </a:fontRef>
+    </dgm:style>
+  </dgm:styleLbl>
+  <dgm:styleLbl name="node3">
+    <dgm:scene3d>
+      <a:camera prst="orthographicFront"/>
+      <a:lightRig rig="threePt" dir="t"/>
+    </dgm:scene3d>
+    <dgm:sp3d/>
+    <dgm:txPr/>
+    <dgm:style>
+      <a:lnRef idx="2">
+        <a:scrgbClr r="0" g="0" b="0"/>
+      </a:lnRef>
+      <a:fillRef idx="1">
+        <a:scrgbClr r="0" g="0" b="0"/>
+      </a:fillRef>
+      <a:effectRef idx="0">
+        <a:scrgbClr r="0" g="0" b="0"/>
+      </a:effectRef>
+      <a:fontRef idx="minor">
+        <a:schemeClr val="lt1"/>
+      </a:fontRef>
+    </dgm:style>
+  </dgm:styleLbl>
+  <dgm:styleLbl name="node4">
+    <dgm:scene3d>
+      <a:camera prst="orthographicFront"/>
+      <a:lightRig rig="threePt" dir="t"/>
+    </dgm:scene3d>
+    <dgm:sp3d/>
+    <dgm:txPr/>
+    <dgm:style>
+      <a:lnRef idx="2">
+        <a:scrgbClr r="0" g="0" b="0"/>
+      </a:lnRef>
+      <a:fillRef idx="1">
+        <a:scrgbClr r="0" g="0" b="0"/>
+      </a:fillRef>
+      <a:effectRef idx="0">
+        <a:scrgbClr r="0" g="0" b="0"/>
+      </a:effectRef>
+      <a:fontRef idx="minor">
+        <a:schemeClr val="lt1"/>
+      </a:fontRef>
+    </dgm:style>
+  </dgm:styleLbl>
+  <dgm:styleLbl name="fgImgPlace1">
+    <dgm:scene3d>
+      <a:camera prst="orthographicFront"/>
+      <a:lightRig rig="threePt" dir="t"/>
+    </dgm:scene3d>
+    <dgm:sp3d/>
+    <dgm:txPr/>
+    <dgm:style>
+      <a:lnRef idx="2">
+        <a:scrgbClr r="0" g="0" b="0"/>
+      </a:lnRef>
+      <a:fillRef idx="1">
+        <a:scrgbClr r="0" g="0" b="0"/>
+      </a:fillRef>
+      <a:effectRef idx="0">
+        <a:scrgbClr r="0" g="0" b="0"/>
+      </a:effectRef>
+      <a:fontRef idx="minor"/>
+    </dgm:style>
+  </dgm:styleLbl>
+  <dgm:styleLbl name="alignImgPlace1">
+    <dgm:scene3d>
+      <a:camera prst="orthographicFront"/>
+      <a:lightRig rig="threePt" dir="t"/>
+    </dgm:scene3d>
+    <dgm:sp3d/>
+    <dgm:txPr/>
+    <dgm:style>
+      <a:lnRef idx="2">
+        <a:scrgbClr r="0" g="0" b="0"/>
+      </a:lnRef>
+      <a:fillRef idx="1">
+        <a:scrgbClr r="0" g="0" b="0"/>
+      </a:fillRef>
+      <a:effectRef idx="0">
+        <a:scrgbClr r="0" g="0" b="0"/>
+      </a:effectRef>
+      <a:fontRef idx="minor"/>
+    </dgm:style>
+  </dgm:styleLbl>
+  <dgm:styleLbl name="bgImgPlace1">
+    <dgm:scene3d>
+      <a:camera prst="orthographicFront"/>
+      <a:lightRig rig="threePt" dir="t"/>
+    </dgm:scene3d>
+    <dgm:sp3d/>
+    <dgm:txPr/>
+    <dgm:style>
+      <a:lnRef idx="2">
+        <a:scrgbClr r="0" g="0" b="0"/>
+      </a:lnRef>
+      <a:fillRef idx="1">
+        <a:scrgbClr r="0" g="0" b="0"/>
+      </a:fillRef>
+      <a:effectRef idx="0">
+        <a:scrgbClr r="0" g="0" b="0"/>
+      </a:effectRef>
+      <a:fontRef idx="minor"/>
+    </dgm:style>
+  </dgm:styleLbl>
+  <dgm:styleLbl name="sibTrans2D1">
+    <dgm:scene3d>
+      <a:camera prst="orthographicFront"/>
+      <a:lightRig rig="threePt" dir="t"/>
+    </dgm:scene3d>
+    <dgm:sp3d/>
+    <dgm:txPr/>
+    <dgm:style>
+      <a:lnRef idx="0">
+        <a:scrgbClr r="0" g="0" b="0"/>
+      </a:lnRef>
+      <a:fillRef idx="1">
+        <a:scrgbClr r="0" g="0" b="0"/>
+      </a:fillRef>
+      <a:effectRef idx="0">
+        <a:scrgbClr r="0" g="0" b="0"/>
+      </a:effectRef>
+      <a:fontRef idx="minor">
+        <a:schemeClr val="lt1"/>
+      </a:fontRef>
+    </dgm:style>
+  </dgm:styleLbl>
+  <dgm:styleLbl name="fgSibTrans2D1">
+    <dgm:scene3d>
+      <a:camera prst="orthographicFront"/>
+      <a:lightRig rig="threePt" dir="t"/>
+    </dgm:scene3d>
+    <dgm:sp3d/>
+    <dgm:txPr/>
+    <dgm:style>
+      <a:lnRef idx="0">
+        <a:scrgbClr r="0" g="0" b="0"/>
+      </a:lnRef>
+      <a:fillRef idx="1">
+        <a:scrgbClr r="0" g="0" b="0"/>
+      </a:fillRef>
+      <a:effectRef idx="0">
+        <a:scrgbClr r="0" g="0" b="0"/>
+      </a:effectRef>
+      <a:fontRef idx="minor">
+        <a:schemeClr val="lt1"/>
+      </a:fontRef>
+    </dgm:style>
+  </dgm:styleLbl>
+  <dgm:styleLbl name="bgSibTrans2D1">
+    <dgm:scene3d>
+      <a:camera prst="orthographicFront"/>
+      <a:lightRig rig="threePt" dir="t"/>
+    </dgm:scene3d>
+    <dgm:sp3d/>
+    <dgm:txPr/>
+    <dgm:style>
+      <a:lnRef idx="0">
+        <a:scrgbClr r="0" g="0" b="0"/>
+      </a:lnRef>
+      <a:fillRef idx="1">
+        <a:scrgbClr r="0" g="0" b="0"/>
+      </a:fillRef>
+      <a:effectRef idx="0">
+        <a:scrgbClr r="0" g="0" b="0"/>
+      </a:effectRef>
+      <a:fontRef idx="minor">
+        <a:schemeClr val="lt1"/>
+      </a:fontRef>
+    </dgm:style>
+  </dgm:styleLbl>
+  <dgm:styleLbl name="sibTrans1D1">
+    <dgm:scene3d>
+      <a:camera prst="orthographicFront"/>
+      <a:lightRig rig="threePt" dir="t"/>
+    </dgm:scene3d>
+    <dgm:sp3d/>
+    <dgm:txPr/>
+    <dgm:style>
+      <a:lnRef idx="1">
+        <a:scrgbClr r="0" g="0" b="0"/>
+      </a:lnRef>
+      <a:fillRef idx="0">
+        <a:scrgbClr r="0" g="0" b="0"/>
+      </a:fillRef>
+      <a:effectRef idx="0">
+        <a:scrgbClr r="0" g="0" b="0"/>
+      </a:effectRef>
+      <a:fontRef idx="minor"/>
+    </dgm:style>
+  </dgm:styleLbl>
+  <dgm:styleLbl name="callout">
+    <dgm:scene3d>
+      <a:camera prst="orthographicFront"/>
+      <a:lightRig rig="threePt" dir="t"/>
+    </dgm:scene3d>
+    <dgm:sp3d/>
+    <dgm:txPr/>
+    <dgm:style>
+      <a:lnRef idx="2">
+        <a:scrgbClr r="0" g="0" b="0"/>
+      </a:lnRef>
+      <a:fillRef idx="1">
+        <a:scrgbClr r="0" g="0" b="0"/>
+      </a:fillRef>
+      <a:effectRef idx="0">
+        <a:scrgbClr r="0" g="0" b="0"/>
+      </a:effectRef>
+      <a:fontRef idx="minor"/>
+    </dgm:style>
+  </dgm:styleLbl>
+  <dgm:styleLbl name="asst0">
+    <dgm:scene3d>
+      <a:camera prst="orthographicFront"/>
+      <a:lightRig rig="threePt" dir="t"/>
+    </dgm:scene3d>
+    <dgm:sp3d/>
+    <dgm:txPr/>
+    <dgm:style>
+      <a:lnRef idx="2">
+        <a:scrgbClr r="0" g="0" b="0"/>
+      </a:lnRef>
+      <a:fillRef idx="1">
+        <a:scrgbClr r="0" g="0" b="0"/>
+      </a:fillRef>
+      <a:effectRef idx="0">
+        <a:scrgbClr r="0" g="0" b="0"/>
+      </a:effectRef>
+      <a:fontRef idx="minor">
+        <a:schemeClr val="lt1"/>
+      </a:fontRef>
+    </dgm:style>
+  </dgm:styleLbl>
+  <dgm:styleLbl name="asst1">
+    <dgm:scene3d>
+      <a:camera prst="orthographicFront"/>
+      <a:lightRig rig="threePt" dir="t"/>
+    </dgm:scene3d>
+    <dgm:sp3d/>
+    <dgm:txPr/>
+    <dgm:style>
+      <a:lnRef idx="2">
+        <a:scrgbClr r="0" g="0" b="0"/>
+      </a:lnRef>
+      <a:fillRef idx="1">
+        <a:scrgbClr r="0" g="0" b="0"/>
+      </a:fillRef>
+      <a:effectRef idx="0">
+        <a:scrgbClr r="0" g="0" b="0"/>
+      </a:effectRef>
+      <a:fontRef idx="minor">
+        <a:schemeClr val="lt1"/>
+      </a:fontRef>
+    </dgm:style>
+  </dgm:styleLbl>
+  <dgm:styleLbl name="asst2">
+    <dgm:scene3d>
+      <a:camera prst="orthographicFront"/>
+      <a:lightRig rig="threePt" dir="t"/>
+    </dgm:scene3d>
+    <dgm:sp3d/>
+    <dgm:txPr/>
+    <dgm:style>
+      <a:lnRef idx="2">
+        <a:scrgbClr r="0" g="0" b="0"/>
+      </a:lnRef>
+      <a:fillRef idx="1">
+        <a:scrgbClr r="0" g="0" b="0"/>
+      </a:fillRef>
+      <a:effectRef idx="0">
+        <a:scrgbClr r="0" g="0" b="0"/>
+      </a:effectRef>
+      <a:fontRef idx="minor">
+        <a:schemeClr val="lt1"/>
+      </a:fontRef>
+    </dgm:style>
+  </dgm:styleLbl>
+  <dgm:styleLbl name="asst3">
+    <dgm:scene3d>
+      <a:camera prst="orthographicFront"/>
+      <a:lightRig rig="threePt" dir="t"/>
+    </dgm:scene3d>
+    <dgm:sp3d/>
+    <dgm:txPr/>
+    <dgm:style>
+      <a:lnRef idx="2">
+        <a:scrgbClr r="0" g="0" b="0"/>
+      </a:lnRef>
+      <a:fillRef idx="1">
+        <a:scrgbClr r="0" g="0" b="0"/>
+      </a:fillRef>
+      <a:effectRef idx="0">
+        <a:scrgbClr r="0" g="0" b="0"/>
+      </a:effectRef>
+      <a:fontRef idx="minor">
+        <a:schemeClr val="lt1"/>
+      </a:fontRef>
+    </dgm:style>
+  </dgm:styleLbl>
+  <dgm:styleLbl name="asst4">
+    <dgm:scene3d>
+      <a:camera prst="orthographicFront"/>
+      <a:lightRig rig="threePt" dir="t"/>
+    </dgm:scene3d>
+    <dgm:sp3d/>
+    <dgm:txPr/>
+    <dgm:style>
+      <a:lnRef idx="2">
+        <a:scrgbClr r="0" g="0" b="0"/>
+      </a:lnRef>
+      <a:fillRef idx="1">
+        <a:scrgbClr r="0" g="0" b="0"/>
+      </a:fillRef>
+      <a:effectRef idx="0">
+        <a:scrgbClr r="0" g="0" b="0"/>
+      </a:effectRef>
+      <a:fontRef idx="minor">
+        <a:schemeClr val="lt1"/>
+      </a:fontRef>
+    </dgm:style>
+  </dgm:styleLbl>
+  <dgm:styleLbl name="parChTrans2D1">
+    <dgm:scene3d>
+      <a:camera prst="orthographicFront"/>
+      <a:lightRig rig="threePt" dir="t"/>
+    </dgm:scene3d>
+    <dgm:sp3d/>
+    <dgm:txPr/>
+    <dgm:style>
+      <a:lnRef idx="2">
+        <a:scrgbClr r="0" g="0" b="0"/>
+      </a:lnRef>
+      <a:fillRef idx="1">
+        <a:scrgbClr r="0" g="0" b="0"/>
+      </a:fillRef>
+      <a:effectRef idx="0">
+        <a:scrgbClr r="0" g="0" b="0"/>
+      </a:effectRef>
+      <a:fontRef idx="minor">
+        <a:schemeClr val="lt1"/>
+      </a:fontRef>
+    </dgm:style>
+  </dgm:styleLbl>
+  <dgm:styleLbl name="parChTrans2D2">
+    <dgm:scene3d>
+      <a:camera prst="orthographicFront"/>
+      <a:lightRig rig="threePt" dir="t"/>
+    </dgm:scene3d>
+    <dgm:sp3d/>
+    <dgm:txPr/>
+    <dgm:style>
+      <a:lnRef idx="2">
+        <a:scrgbClr r="0" g="0" b="0"/>
+      </a:lnRef>
+      <a:fillRef idx="1">
+        <a:scrgbClr r="0" g="0" b="0"/>
+      </a:fillRef>
+      <a:effectRef idx="0">
+        <a:scrgbClr r="0" g="0" b="0"/>
+      </a:effectRef>
+      <a:fontRef idx="minor">
+        <a:schemeClr val="lt1"/>
+      </a:fontRef>
+    </dgm:style>
+  </dgm:styleLbl>
+  <dgm:styleLbl name="parChTrans2D3">
+    <dgm:scene3d>
+      <a:camera prst="orthographicFront"/>
+      <a:lightRig rig="threePt" dir="t"/>
+    </dgm:scene3d>
+    <dgm:sp3d/>
+    <dgm:txPr/>
+    <dgm:style>
+      <a:lnRef idx="2">
+        <a:scrgbClr r="0" g="0" b="0"/>
+      </a:lnRef>
+      <a:fillRef idx="1">
+        <a:scrgbClr r="0" g="0" b="0"/>
+      </a:fillRef>
+      <a:effectRef idx="0">
+        <a:scrgbClr r="0" g="0" b="0"/>
+      </a:effectRef>
+      <a:fontRef idx="minor">
+        <a:schemeClr val="lt1"/>
+      </a:fontRef>
+    </dgm:style>
+  </dgm:styleLbl>
+  <dgm:styleLbl name="parChTrans2D4">
+    <dgm:scene3d>
+      <a:camera prst="orthographicFront"/>
+      <a:lightRig rig="threePt" dir="t"/>
+    </dgm:scene3d>
+    <dgm:sp3d/>
+    <dgm:txPr/>
+    <dgm:style>
+      <a:lnRef idx="2">
+        <a:scrgbClr r="0" g="0" b="0"/>
+      </a:lnRef>
+      <a:fillRef idx="1">
+        <a:scrgbClr r="0" g="0" b="0"/>
+      </a:fillRef>
+      <a:effectRef idx="0">
+        <a:scrgbClr r="0" g="0" b="0"/>
+      </a:effectRef>
+      <a:fontRef idx="minor">
+        <a:schemeClr val="lt1"/>
+      </a:fontRef>
+    </dgm:style>
+  </dgm:styleLbl>
+  <dgm:styleLbl name="parChTrans1D1">
+    <dgm:scene3d>
+      <a:camera prst="orthographicFront"/>
+      <a:lightRig rig="threePt" dir="t"/>
+    </dgm:scene3d>
+    <dgm:sp3d/>
+    <dgm:txPr/>
+    <dgm:style>
+      <a:lnRef idx="2">
+        <a:scrgbClr r="0" g="0" b="0"/>
+      </a:lnRef>
+      <a:fillRef idx="0">
+        <a:scrgbClr r="0" g="0" b="0"/>
+      </a:fillRef>
+      <a:effectRef idx="0">
+        <a:scrgbClr r="0" g="0" b="0"/>
+      </a:effectRef>
+      <a:fontRef idx="minor"/>
+    </dgm:style>
+  </dgm:styleLbl>
+  <dgm:styleLbl name="parChTrans1D2">
+    <dgm:scene3d>
+      <a:camera prst="orthographicFront"/>
+      <a:lightRig rig="threePt" dir="t"/>
+    </dgm:scene3d>
+    <dgm:sp3d/>
+    <dgm:txPr/>
+    <dgm:style>
+      <a:lnRef idx="2">
+        <a:scrgbClr r="0" g="0" b="0"/>
+      </a:lnRef>
+      <a:fillRef idx="0">
+        <a:scrgbClr r="0" g="0" b="0"/>
+      </a:fillRef>
+      <a:effectRef idx="0">
+        <a:scrgbClr r="0" g="0" b="0"/>
+      </a:effectRef>
+      <a:fontRef idx="minor"/>
+    </dgm:style>
+  </dgm:styleLbl>
+  <dgm:styleLbl name="parChTrans1D3">
+    <dgm:scene3d>
+      <a:camera prst="orthographicFront"/>
+      <a:lightRig rig="threePt" dir="t"/>
+    </dgm:scene3d>
+    <dgm:sp3d/>
+    <dgm:txPr/>
+    <dgm:style>
+      <a:lnRef idx="2">
+        <a:scrgbClr r="0" g="0" b="0"/>
+      </a:lnRef>
+      <a:fillRef idx="0">
+        <a:scrgbClr r="0" g="0" b="0"/>
+      </a:fillRef>
+      <a:effectRef idx="0">
+        <a:scrgbClr r="0" g="0" b="0"/>
+      </a:effectRef>
+      <a:fontRef idx="minor"/>
+    </dgm:style>
+  </dgm:styleLbl>
+  <dgm:styleLbl name="parChTrans1D4">
+    <dgm:scene3d>
+      <a:camera prst="orthographicFront"/>
+      <a:lightRig rig="threePt" dir="t"/>
+    </dgm:scene3d>
+    <dgm:sp3d/>
+    <dgm:txPr/>
+    <dgm:style>
+      <a:lnRef idx="2">
+        <a:scrgbClr r="0" g="0" b="0"/>
+      </a:lnRef>
+      <a:fillRef idx="0">
+        <a:scrgbClr r="0" g="0" b="0"/>
+      </a:fillRef>
+      <a:effectRef idx="0">
+        <a:scrgbClr r="0" g="0" b="0"/>
+      </a:effectRef>
+      <a:fontRef idx="minor"/>
+    </dgm:style>
+  </dgm:styleLbl>
+  <dgm:styleLbl name="fgAcc1">
+    <dgm:scene3d>
+      <a:camera prst="orthographicFront"/>
+      <a:lightRig rig="threePt" dir="t"/>
+    </dgm:scene3d>
+    <dgm:sp3d/>
+    <dgm:txPr/>
+    <dgm:style>
+      <a:lnRef idx="2">
+        <a:scrgbClr r="0" g="0" b="0"/>
+      </a:lnRef>
+      <a:fillRef idx="1">
+        <a:scrgbClr r="0" g="0" b="0"/>
+      </a:fillRef>
+      <a:effectRef idx="0">
+        <a:scrgbClr r="0" g="0" b="0"/>
+      </a:effectRef>
+      <a:fontRef idx="minor"/>
+    </dgm:style>
+  </dgm:styleLbl>
+  <dgm:styleLbl name="conFgAcc1">
+    <dgm:scene3d>
+      <a:camera prst="orthographicFront"/>
+      <a:lightRig rig="threePt" dir="t"/>
+    </dgm:scene3d>
+    <dgm:sp3d/>
+    <dgm:txPr/>
+    <dgm:style>
+      <a:lnRef idx="2">
+        <a:scrgbClr r="0" g="0" b="0"/>
+      </a:lnRef>
+      <a:fillRef idx="1">
+        <a:scrgbClr r="0" g="0" b="0"/>
+      </a:fillRef>
+      <a:effectRef idx="0">
+        <a:scrgbClr r="0" g="0" b="0"/>
+      </a:effectRef>
+      <a:fontRef idx="minor"/>
+    </dgm:style>
+  </dgm:styleLbl>
+  <dgm:styleLbl name="alignAcc1">
+    <dgm:scene3d>
+      <a:camera prst="orthographicFront"/>
+      <a:lightRig rig="threePt" dir="t"/>
+    </dgm:scene3d>
+    <dgm:sp3d/>
+    <dgm:txPr/>
+    <dgm:style>
+      <a:lnRef idx="2">
+        <a:scrgbClr r="0" g="0" b="0"/>
+      </a:lnRef>
+      <a:fillRef idx="1">
+        <a:scrgbClr r="0" g="0" b="0"/>
+      </a:fillRef>
+      <a:effectRef idx="0">
+        <a:scrgbClr r="0" g="0" b="0"/>
+      </a:effectRef>
+      <a:fontRef idx="minor"/>
+    </dgm:style>
+  </dgm:styleLbl>
+  <dgm:styleLbl name="trAlignAcc1">
+    <dgm:scene3d>
+      <a:camera prst="orthographicFront"/>
+      <a:lightRig rig="threePt" dir="t"/>
+    </dgm:scene3d>
+    <dgm:sp3d/>
+    <dgm:txPr/>
+    <dgm:style>
+      <a:lnRef idx="1">
+        <a:scrgbClr r="0" g="0" b="0"/>
+      </a:lnRef>
+      <a:fillRef idx="1">
+        <a:scrgbClr r="0" g="0" b="0"/>
+      </a:fillRef>
+      <a:effectRef idx="0">
+        <a:scrgbClr r="0" g="0" b="0"/>
+      </a:effectRef>
+      <a:fontRef idx="minor"/>
+    </dgm:style>
+  </dgm:styleLbl>
+  <dgm:styleLbl name="bgAcc1">
+    <dgm:scene3d>
+      <a:camera prst="orthographicFront"/>
+      <a:lightRig rig="threePt" dir="t"/>
+    </dgm:scene3d>
+    <dgm:sp3d/>
+    <dgm:txPr/>
+    <dgm:style>
+      <a:lnRef idx="2">
+        <a:scrgbClr r="0" g="0" b="0"/>
+      </a:lnRef>
+      <a:fillRef idx="1">
+        <a:scrgbClr r="0" g="0" b="0"/>
+      </a:fillRef>
+      <a:effectRef idx="0">
+        <a:scrgbClr r="0" g="0" b="0"/>
+      </a:effectRef>
+      <a:fontRef idx="minor"/>
+    </dgm:style>
+  </dgm:styleLbl>
+  <dgm:styleLbl name="solidFgAcc1">
+    <dgm:scene3d>
+      <a:camera prst="orthographicFront"/>
+      <a:lightRig rig="threePt" dir="t"/>
+    </dgm:scene3d>
+    <dgm:sp3d/>
+    <dgm:txPr/>
+    <dgm:style>
+      <a:lnRef idx="2">
+        <a:scrgbClr r="0" g="0" b="0"/>
+      </a:lnRef>
+      <a:fillRef idx="1">
+        <a:scrgbClr r="0" g="0" b="0"/>
+      </a:fillRef>
+      <a:effectRef idx="0">
+        <a:scrgbClr r="0" g="0" b="0"/>
+      </a:effectRef>
+      <a:fontRef idx="minor"/>
+    </dgm:style>
+  </dgm:styleLbl>
+  <dgm:styleLbl name="solidAlignAcc1">
+    <dgm:scene3d>
+      <a:camera prst="orthographicFront"/>
+      <a:lightRig rig="threePt" dir="t"/>
+    </dgm:scene3d>
+    <dgm:sp3d/>
+    <dgm:txPr/>
+    <dgm:style>
+      <a:lnRef idx="2">
+        <a:scrgbClr r="0" g="0" b="0"/>
+      </a:lnRef>
+      <a:fillRef idx="1">
+        <a:scrgbClr r="0" g="0" b="0"/>
+      </a:fillRef>
+      <a:effectRef idx="0">
+        <a:scrgbClr r="0" g="0" b="0"/>
+      </a:effectRef>
+      <a:fontRef idx="minor"/>
+    </dgm:style>
+  </dgm:styleLbl>
+  <dgm:styleLbl name="solidBgAcc1">
+    <dgm:scene3d>
+      <a:camera prst="orthographicFront"/>
+      <a:lightRig rig="threePt" dir="t"/>
+    </dgm:scene3d>
+    <dgm:sp3d/>
+    <dgm:txPr/>
+    <dgm:style>
+      <a:lnRef idx="2">
+        <a:scrgbClr r="0" g="0" b="0"/>
+      </a:lnRef>
+      <a:fillRef idx="1">
+        <a:scrgbClr r="0" g="0" b="0"/>
+      </a:fillRef>
+      <a:effectRef idx="0">
+        <a:scrgbClr r="0" g="0" b="0"/>
+      </a:effectRef>
+      <a:fontRef idx="minor"/>
+    </dgm:style>
+  </dgm:styleLbl>
+  <dgm:styleLbl name="fgAccFollowNode1">
+    <dgm:scene3d>
+      <a:camera prst="orthographicFront"/>
+      <a:lightRig rig="threePt" dir="t"/>
+    </dgm:scene3d>
+    <dgm:sp3d/>
+    <dgm:txPr/>
+    <dgm:style>
+      <a:lnRef idx="2">
+        <a:scrgbClr r="0" g="0" b="0"/>
+      </a:lnRef>
+      <a:fillRef idx="1">
+        <a:scrgbClr r="0" g="0" b="0"/>
+      </a:fillRef>
+      <a:effectRef idx="0">
+        <a:scrgbClr r="0" g="0" b="0"/>
+      </a:effectRef>
+      <a:fontRef idx="minor"/>
+    </dgm:style>
+  </dgm:styleLbl>
+  <dgm:styleLbl name="alignAccFollowNode1">
+    <dgm:scene3d>
+      <a:camera prst="orthographicFront"/>
+      <a:lightRig rig="threePt" dir="t"/>
+    </dgm:scene3d>
+    <dgm:sp3d/>
+    <dgm:txPr/>
+    <dgm:style>
+      <a:lnRef idx="2">
+        <a:scrgbClr r="0" g="0" b="0"/>
+      </a:lnRef>
+      <a:fillRef idx="1">
+        <a:scrgbClr r="0" g="0" b="0"/>
+      </a:fillRef>
+      <a:effectRef idx="0">
+        <a:scrgbClr r="0" g="0" b="0"/>
+      </a:effectRef>
+      <a:fontRef idx="minor"/>
+    </dgm:style>
+  </dgm:styleLbl>
+  <dgm:styleLbl name="bgAccFollowNode1">
+    <dgm:scene3d>
+      <a:camera prst="orthographicFront"/>
+      <a:lightRig rig="threePt" dir="t"/>
+    </dgm:scene3d>
+    <dgm:sp3d/>
+    <dgm:txPr/>
+    <dgm:style>
+      <a:lnRef idx="2">
+        <a:scrgbClr r="0" g="0" b="0"/>
+      </a:lnRef>
+      <a:fillRef idx="1">
+        <a:scrgbClr r="0" g="0" b="0"/>
+      </a:fillRef>
+      <a:effectRef idx="0">
+        <a:scrgbClr r="0" g="0" b="0"/>
+      </a:effectRef>
+      <a:fontRef idx="minor"/>
+    </dgm:style>
+  </dgm:styleLbl>
+  <dgm:styleLbl name="fgAcc0">
+    <dgm:scene3d>
+      <a:camera prst="orthographicFront"/>
+      <a:lightRig rig="threePt" dir="t"/>
+    </dgm:scene3d>
+    <dgm:sp3d/>
+    <dgm:txPr/>
+    <dgm:style>
+      <a:lnRef idx="2">
+        <a:scrgbClr r="0" g="0" b="0"/>
+      </a:lnRef>
+      <a:fillRef idx="1">
+        <a:scrgbClr r="0" g="0" b="0"/>
+      </a:fillRef>
+      <a:effectRef idx="0">
+        <a:scrgbClr r="0" g="0" b="0"/>
+      </a:effectRef>
+      <a:fontRef idx="minor"/>
+    </dgm:style>
+  </dgm:styleLbl>
+  <dgm:styleLbl name="fgAcc2">
+    <dgm:scene3d>
+      <a:camera prst="orthographicFront"/>
+      <a:lightRig rig="threePt" dir="t"/>
+    </dgm:scene3d>
+    <dgm:sp3d/>
+    <dgm:txPr/>
+    <dgm:style>
+      <a:lnRef idx="2">
+        <a:scrgbClr r="0" g="0" b="0"/>
+      </a:lnRef>
+      <a:fillRef idx="1">
+        <a:scrgbClr r="0" g="0" b="0"/>
+      </a:fillRef>
+      <a:effectRef idx="0">
+        <a:scrgbClr r="0" g="0" b="0"/>
+      </a:effectRef>
+      <a:fontRef idx="minor"/>
+    </dgm:style>
+  </dgm:styleLbl>
+  <dgm:styleLbl name="fgAcc3">
+    <dgm:scene3d>
+      <a:camera prst="orthographicFront"/>
+      <a:lightRig rig="threePt" dir="t"/>
+    </dgm:scene3d>
+    <dgm:sp3d/>
+    <dgm:txPr/>
+    <dgm:style>
+      <a:lnRef idx="2">
+        <a:scrgbClr r="0" g="0" b="0"/>
+      </a:lnRef>
+      <a:fillRef idx="1">
+        <a:scrgbClr r="0" g="0" b="0"/>
+      </a:fillRef>
+      <a:effectRef idx="0">
+        <a:scrgbClr r="0" g="0" b="0"/>
+      </a:effectRef>
+      <a:fontRef idx="minor"/>
+    </dgm:style>
+  </dgm:styleLbl>
+  <dgm:styleLbl name="fgAcc4">
+    <dgm:scene3d>
+      <a:camera prst="orthographicFront"/>
+      <a:lightRig rig="threePt" dir="t"/>
+    </dgm:scene3d>
+    <dgm:sp3d/>
+    <dgm:txPr/>
+    <dgm:style>
+      <a:lnRef idx="2">
+        <a:scrgbClr r="0" g="0" b="0"/>
+      </a:lnRef>
+      <a:fillRef idx="1">
+        <a:scrgbClr r="0" g="0" b="0"/>
+      </a:fillRef>
+      <a:effectRef idx="0">
+        <a:scrgbClr r="0" g="0" b="0"/>
+      </a:effectRef>
+      <a:fontRef idx="minor"/>
+    </dgm:style>
+  </dgm:styleLbl>
+  <dgm:styleLbl name="bgShp">
+    <dgm:scene3d>
+      <a:camera prst="orthographicFront"/>
+      <a:lightRig rig="threePt" dir="t"/>
+    </dgm:scene3d>
+    <dgm:sp3d/>
+    <dgm:txPr/>
+    <dgm:style>
+      <a:lnRef idx="0">
+        <a:scrgbClr r="0" g="0" b="0"/>
+      </a:lnRef>
+      <a:fillRef idx="1">
+        <a:scrgbClr r="0" g="0" b="0"/>
+      </a:fillRef>
+      <a:effectRef idx="0">
+        <a:scrgbClr r="0" g="0" b="0"/>
+      </a:effectRef>
+      <a:fontRef idx="minor"/>
+    </dgm:style>
+  </dgm:styleLbl>
+  <dgm:styleLbl name="dkBgShp">
+    <dgm:scene3d>
+      <a:camera prst="orthographicFront"/>
+      <a:lightRig rig="threePt" dir="t"/>
+    </dgm:scene3d>
+    <dgm:sp3d/>
+    <dgm:txPr/>
+    <dgm:style>
+      <a:lnRef idx="0">
+        <a:scrgbClr r="0" g="0" b="0"/>
+      </a:lnRef>
+      <a:fillRef idx="1">
+        <a:scrgbClr r="0" g="0" b="0"/>
+      </a:fillRef>
+      <a:effectRef idx="0">
+        <a:scrgbClr r="0" g="0" b="0"/>
+      </a:effectRef>
+      <a:fontRef idx="minor"/>
+    </dgm:style>
+  </dgm:styleLbl>
+  <dgm:styleLbl name="trBgShp">
+    <dgm:scene3d>
+      <a:camera prst="orthographicFront"/>
+      <a:lightRig rig="threePt" dir="t"/>
+    </dgm:scene3d>
+    <dgm:sp3d/>
+    <dgm:txPr/>
+    <dgm:style>
+      <a:lnRef idx="0">
+        <a:scrgbClr r="0" g="0" b="0"/>
+      </a:lnRef>
+      <a:fillRef idx="1">
+        <a:scrgbClr r="0" g="0" b="0"/>
+      </a:fillRef>
+      <a:effectRef idx="0">
+        <a:scrgbClr r="0" g="0" b="0"/>
+      </a:effectRef>
+      <a:fontRef idx="minor"/>
+    </dgm:style>
+  </dgm:styleLbl>
+  <dgm:styleLbl name="fgShp">
+    <dgm:scene3d>
+      <a:camera prst="orthographicFront"/>
+      <a:lightRig rig="threePt" dir="t"/>
+    </dgm:scene3d>
+    <dgm:sp3d/>
+    <dgm:txPr/>
+    <dgm:style>
+      <a:lnRef idx="2">
+        <a:scrgbClr r="0" g="0" b="0"/>
+      </a:lnRef>
+      <a:fillRef idx="1">
+        <a:scrgbClr r="0" g="0" b="0"/>
+      </a:fillRef>
+      <a:effectRef idx="0">
+        <a:scrgbClr r="0" g="0" b="0"/>
+      </a:effectRef>
+      <a:fontRef idx="minor"/>
+    </dgm:style>
+  </dgm:styleLbl>
+  <dgm:styleLbl name="revTx">
+    <dgm:scene3d>
+      <a:camera prst="orthographicFront"/>
+      <a:lightRig rig="threePt" dir="t"/>
+    </dgm:scene3d>
+    <dgm:sp3d/>
+    <dgm:txPr/>
+    <dgm:style>
+      <a:lnRef idx="0">
+        <a:scrgbClr r="0" g="0" b="0"/>
+      </a:lnRef>
+      <a:fillRef idx="0">
+        <a:scrgbClr r="0" g="0" b="0"/>
+      </a:fillRef>
+      <a:effectRef idx="0">
+        <a:scrgbClr r="0" g="0" b="0"/>
+      </a:effectRef>
+      <a:fontRef idx="minor"/>
+    </dgm:style>
+  </dgm:styleLbl>
+</dgm:styleDef>
+</file>
+
+<file path=ppt/diagrams/quickStyle2.xml><?xml version="1.0" encoding="utf-8"?>
+<dgm:styleDef xmlns:dgm="http://schemas.openxmlformats.org/drawingml/2006/diagram" xmlns:a="http://schemas.openxmlformats.org/drawingml/2006/main" uniqueId="urn:microsoft.com/office/officeart/2005/8/quickstyle/simple1">
+  <dgm:title val=""/>
+  <dgm:desc val=""/>
+  <dgm:catLst>
+    <dgm:cat type="simple" pri="10100"/>
+  </dgm:catLst>
+  <dgm:scene3d>
+    <a:camera prst="orthographicFront"/>
+    <a:lightRig rig="threePt" dir="t"/>
+  </dgm:scene3d>
+  <dgm:styleLbl name="node0">
+    <dgm:scene3d>
+      <a:camera prst="orthographicFront"/>
+      <a:lightRig rig="threePt" dir="t"/>
+    </dgm:scene3d>
+    <dgm:sp3d/>
+    <dgm:txPr/>
+    <dgm:style>
+      <a:lnRef idx="2">
+        <a:scrgbClr r="0" g="0" b="0"/>
+      </a:lnRef>
+      <a:fillRef idx="1">
+        <a:scrgbClr r="0" g="0" b="0"/>
+      </a:fillRef>
+      <a:effectRef idx="0">
+        <a:scrgbClr r="0" g="0" b="0"/>
+      </a:effectRef>
+      <a:fontRef idx="minor">
+        <a:schemeClr val="lt1"/>
+      </a:fontRef>
+    </dgm:style>
+  </dgm:styleLbl>
+  <dgm:styleLbl name="lnNode1">
+    <dgm:scene3d>
+      <a:camera prst="orthographicFront"/>
+      <a:lightRig rig="threePt" dir="t"/>
+    </dgm:scene3d>
+    <dgm:sp3d/>
+    <dgm:txPr/>
+    <dgm:style>
+      <a:lnRef idx="2">
+        <a:scrgbClr r="0" g="0" b="0"/>
+      </a:lnRef>
+      <a:fillRef idx="1">
+        <a:scrgbClr r="0" g="0" b="0"/>
+      </a:fillRef>
+      <a:effectRef idx="0">
+        <a:scrgbClr r="0" g="0" b="0"/>
+      </a:effectRef>
+      <a:fontRef idx="minor">
+        <a:schemeClr val="lt1"/>
+      </a:fontRef>
+    </dgm:style>
+  </dgm:styleLbl>
+  <dgm:styleLbl name="vennNode1">
+    <dgm:scene3d>
+      <a:camera prst="orthographicFront"/>
+      <a:lightRig rig="threePt" dir="t"/>
+    </dgm:scene3d>
+    <dgm:sp3d/>
+    <dgm:txPr/>
+    <dgm:style>
+      <a:lnRef idx="2">
+        <a:scrgbClr r="0" g="0" b="0"/>
+      </a:lnRef>
+      <a:fillRef idx="1">
+        <a:scrgbClr r="0" g="0" b="0"/>
+      </a:fillRef>
+      <a:effectRef idx="0">
+        <a:scrgbClr r="0" g="0" b="0"/>
+      </a:effectRef>
+      <a:fontRef idx="minor">
+        <a:schemeClr val="tx1"/>
+      </a:fontRef>
+    </dgm:style>
+  </dgm:styleLbl>
+  <dgm:styleLbl name="alignNode1">
+    <dgm:scene3d>
+      <a:camera prst="orthographicFront"/>
+      <a:lightRig rig="threePt" dir="t"/>
+    </dgm:scene3d>
+    <dgm:sp3d/>
+    <dgm:txPr/>
+    <dgm:style>
+      <a:lnRef idx="2">
+        <a:scrgbClr r="0" g="0" b="0"/>
+      </a:lnRef>
+      <a:fillRef idx="1">
+        <a:scrgbClr r="0" g="0" b="0"/>
+      </a:fillRef>
+      <a:effectRef idx="0">
+        <a:scrgbClr r="0" g="0" b="0"/>
+      </a:effectRef>
+      <a:fontRef idx="minor">
+        <a:schemeClr val="lt1"/>
+      </a:fontRef>
+    </dgm:style>
+  </dgm:styleLbl>
+  <dgm:styleLbl name="node1">
+    <dgm:scene3d>
+      <a:camera prst="orthographicFront"/>
+      <a:lightRig rig="threePt" dir="t"/>
+    </dgm:scene3d>
+    <dgm:sp3d/>
+    <dgm:txPr/>
+    <dgm:style>
+      <a:lnRef idx="2">
+        <a:scrgbClr r="0" g="0" b="0"/>
+      </a:lnRef>
+      <a:fillRef idx="1">
+        <a:scrgbClr r="0" g="0" b="0"/>
+      </a:fillRef>
+      <a:effectRef idx="0">
+        <a:scrgbClr r="0" g="0" b="0"/>
+      </a:effectRef>
+      <a:fontRef idx="minor">
+        <a:schemeClr val="lt1"/>
+      </a:fontRef>
+    </dgm:style>
+  </dgm:styleLbl>
+  <dgm:styleLbl name="node2">
+    <dgm:scene3d>
+      <a:camera prst="orthographicFront"/>
+      <a:lightRig rig="threePt" dir="t"/>
+    </dgm:scene3d>
+    <dgm:sp3d/>
+    <dgm:txPr/>
+    <dgm:style>
+      <a:lnRef idx="2">
+        <a:scrgbClr r="0" g="0" b="0"/>
+      </a:lnRef>
+      <a:fillRef idx="1">
+        <a:scrgbClr r="0" g="0" b="0"/>
+      </a:fillRef>
+      <a:effectRef idx="0">
+        <a:scrgbClr r="0" g="0" b="0"/>
+      </a:effectRef>
+      <a:fontRef idx="minor">
+        <a:schemeClr val="lt1"/>
+      </a:fontRef>
+    </dgm:style>
+  </dgm:styleLbl>
+  <dgm:styleLbl name="node3">
+    <dgm:scene3d>
+      <a:camera prst="orthographicFront"/>
+      <a:lightRig rig="threePt" dir="t"/>
+    </dgm:scene3d>
+    <dgm:sp3d/>
+    <dgm:txPr/>
+    <dgm:style>
+      <a:lnRef idx="2">
+        <a:scrgbClr r="0" g="0" b="0"/>
+      </a:lnRef>
+      <a:fillRef idx="1">
+        <a:scrgbClr r="0" g="0" b="0"/>
+      </a:fillRef>
+      <a:effectRef idx="0">
+        <a:scrgbClr r="0" g="0" b="0"/>
+      </a:effectRef>
+      <a:fontRef idx="minor">
+        <a:schemeClr val="lt1"/>
+      </a:fontRef>
+    </dgm:style>
+  </dgm:styleLbl>
+  <dgm:styleLbl name="node4">
+    <dgm:scene3d>
+      <a:camera prst="orthographicFront"/>
+      <a:lightRig rig="threePt" dir="t"/>
+    </dgm:scene3d>
+    <dgm:sp3d/>
+    <dgm:txPr/>
+    <dgm:style>
+      <a:lnRef idx="2">
+        <a:scrgbClr r="0" g="0" b="0"/>
+      </a:lnRef>
+      <a:fillRef idx="1">
+        <a:scrgbClr r="0" g="0" b="0"/>
+      </a:fillRef>
+      <a:effectRef idx="0">
+        <a:scrgbClr r="0" g="0" b="0"/>
+      </a:effectRef>
+      <a:fontRef idx="minor">
+        <a:schemeClr val="lt1"/>
+      </a:fontRef>
+    </dgm:style>
+  </dgm:styleLbl>
+  <dgm:styleLbl name="fgImgPlace1">
+    <dgm:scene3d>
+      <a:camera prst="orthographicFront"/>
+      <a:lightRig rig="threePt" dir="t"/>
+    </dgm:scene3d>
+    <dgm:sp3d/>
+    <dgm:txPr/>
+    <dgm:style>
+      <a:lnRef idx="2">
+        <a:scrgbClr r="0" g="0" b="0"/>
+      </a:lnRef>
+      <a:fillRef idx="1">
+        <a:scrgbClr r="0" g="0" b="0"/>
+      </a:fillRef>
+      <a:effectRef idx="0">
+        <a:scrgbClr r="0" g="0" b="0"/>
+      </a:effectRef>
+      <a:fontRef idx="minor"/>
+    </dgm:style>
+  </dgm:styleLbl>
+  <dgm:styleLbl name="alignImgPlace1">
+    <dgm:scene3d>
+      <a:camera prst="orthographicFront"/>
+      <a:lightRig rig="threePt" dir="t"/>
+    </dgm:scene3d>
+    <dgm:sp3d/>
+    <dgm:txPr/>
+    <dgm:style>
+      <a:lnRef idx="2">
+        <a:scrgbClr r="0" g="0" b="0"/>
+      </a:lnRef>
+      <a:fillRef idx="1">
+        <a:scrgbClr r="0" g="0" b="0"/>
+      </a:fillRef>
+      <a:effectRef idx="0">
+        <a:scrgbClr r="0" g="0" b="0"/>
+      </a:effectRef>
+      <a:fontRef idx="minor"/>
+    </dgm:style>
+  </dgm:styleLbl>
+  <dgm:styleLbl name="bgImgPlace1">
+    <dgm:scene3d>
+      <a:camera prst="orthographicFront"/>
+      <a:lightRig rig="threePt" dir="t"/>
+    </dgm:scene3d>
+    <dgm:sp3d/>
+    <dgm:txPr/>
+    <dgm:style>
+      <a:lnRef idx="2">
+        <a:scrgbClr r="0" g="0" b="0"/>
+      </a:lnRef>
+      <a:fillRef idx="1">
+        <a:scrgbClr r="0" g="0" b="0"/>
+      </a:fillRef>
+      <a:effectRef idx="0">
+        <a:scrgbClr r="0" g="0" b="0"/>
+      </a:effectRef>
+      <a:fontRef idx="minor"/>
+    </dgm:style>
+  </dgm:styleLbl>
+  <dgm:styleLbl name="sibTrans2D1">
+    <dgm:scene3d>
+      <a:camera prst="orthographicFront"/>
+      <a:lightRig rig="threePt" dir="t"/>
+    </dgm:scene3d>
+    <dgm:sp3d/>
+    <dgm:txPr/>
+    <dgm:style>
+      <a:lnRef idx="0">
+        <a:scrgbClr r="0" g="0" b="0"/>
+      </a:lnRef>
+      <a:fillRef idx="1">
+        <a:scrgbClr r="0" g="0" b="0"/>
+      </a:fillRef>
+      <a:effectRef idx="0">
+        <a:scrgbClr r="0" g="0" b="0"/>
+      </a:effectRef>
+      <a:fontRef idx="minor">
+        <a:schemeClr val="lt1"/>
+      </a:fontRef>
+    </dgm:style>
+  </dgm:styleLbl>
+  <dgm:styleLbl name="fgSibTrans2D1">
+    <dgm:scene3d>
+      <a:camera prst="orthographicFront"/>
+      <a:lightRig rig="threePt" dir="t"/>
+    </dgm:scene3d>
+    <dgm:sp3d/>
+    <dgm:txPr/>
+    <dgm:style>
+      <a:lnRef idx="0">
+        <a:scrgbClr r="0" g="0" b="0"/>
+      </a:lnRef>
+      <a:fillRef idx="1">
+        <a:scrgbClr r="0" g="0" b="0"/>
+      </a:fillRef>
+      <a:effectRef idx="0">
+        <a:scrgbClr r="0" g="0" b="0"/>
+      </a:effectRef>
+      <a:fontRef idx="minor">
+        <a:schemeClr val="lt1"/>
+      </a:fontRef>
+    </dgm:style>
+  </dgm:styleLbl>
+  <dgm:styleLbl name="bgSibTrans2D1">
+    <dgm:scene3d>
+      <a:camera prst="orthographicFront"/>
+      <a:lightRig rig="threePt" dir="t"/>
+    </dgm:scene3d>
+    <dgm:sp3d/>
+    <dgm:txPr/>
+    <dgm:style>
+      <a:lnRef idx="0">
+        <a:scrgbClr r="0" g="0" b="0"/>
+      </a:lnRef>
+      <a:fillRef idx="1">
+        <a:scrgbClr r="0" g="0" b="0"/>
+      </a:fillRef>
+      <a:effectRef idx="0">
+        <a:scrgbClr r="0" g="0" b="0"/>
+      </a:effectRef>
+      <a:fontRef idx="minor">
+        <a:schemeClr val="lt1"/>
+      </a:fontRef>
+    </dgm:style>
+  </dgm:styleLbl>
+  <dgm:styleLbl name="sibTrans1D1">
+    <dgm:scene3d>
+      <a:camera prst="orthographicFront"/>
+      <a:lightRig rig="threePt" dir="t"/>
+    </dgm:scene3d>
+    <dgm:sp3d/>
+    <dgm:txPr/>
+    <dgm:style>
+      <a:lnRef idx="1">
+        <a:scrgbClr r="0" g="0" b="0"/>
+      </a:lnRef>
+      <a:fillRef idx="0">
+        <a:scrgbClr r="0" g="0" b="0"/>
+      </a:fillRef>
+      <a:effectRef idx="0">
+        <a:scrgbClr r="0" g="0" b="0"/>
+      </a:effectRef>
+      <a:fontRef idx="minor"/>
+    </dgm:style>
+  </dgm:styleLbl>
+  <dgm:styleLbl name="callout">
+    <dgm:scene3d>
+      <a:camera prst="orthographicFront"/>
+      <a:lightRig rig="threePt" dir="t"/>
+    </dgm:scene3d>
+    <dgm:sp3d/>
+    <dgm:txPr/>
+    <dgm:style>
+      <a:lnRef idx="2">
+        <a:scrgbClr r="0" g="0" b="0"/>
+      </a:lnRef>
+      <a:fillRef idx="1">
+        <a:scrgbClr r="0" g="0" b="0"/>
+      </a:fillRef>
+      <a:effectRef idx="0">
+        <a:scrgbClr r="0" g="0" b="0"/>
+      </a:effectRef>
+      <a:fontRef idx="minor"/>
+    </dgm:style>
+  </dgm:styleLbl>
+  <dgm:styleLbl name="asst0">
+    <dgm:scene3d>
+      <a:camera prst="orthographicFront"/>
+      <a:lightRig rig="threePt" dir="t"/>
+    </dgm:scene3d>
+    <dgm:sp3d/>
+    <dgm:txPr/>
+    <dgm:style>
+      <a:lnRef idx="2">
+        <a:scrgbClr r="0" g="0" b="0"/>
+      </a:lnRef>
+      <a:fillRef idx="1">
+        <a:scrgbClr r="0" g="0" b="0"/>
+      </a:fillRef>
+      <a:effectRef idx="0">
+        <a:scrgbClr r="0" g="0" b="0"/>
+      </a:effectRef>
+      <a:fontRef idx="minor">
+        <a:schemeClr val="lt1"/>
+      </a:fontRef>
+    </dgm:style>
+  </dgm:styleLbl>
+  <dgm:styleLbl name="asst1">
+    <dgm:scene3d>
+      <a:camera prst="orthographicFront"/>
+      <a:lightRig rig="threePt" dir="t"/>
+    </dgm:scene3d>
+    <dgm:sp3d/>
+    <dgm:txPr/>
+    <dgm:style>
+      <a:lnRef idx="2">
+        <a:scrgbClr r="0" g="0" b="0"/>
+      </a:lnRef>
+      <a:fillRef idx="1">
+        <a:scrgbClr r="0" g="0" b="0"/>
+      </a:fillRef>
+      <a:effectRef idx="0">
+        <a:scrgbClr r="0" g="0" b="0"/>
+      </a:effectRef>
+      <a:fontRef idx="minor">
+        <a:schemeClr val="lt1"/>
+      </a:fontRef>
+    </dgm:style>
+  </dgm:styleLbl>
+  <dgm:styleLbl name="asst2">
+    <dgm:scene3d>
+      <a:camera prst="orthographicFront"/>
+      <a:lightRig rig="threePt" dir="t"/>
+    </dgm:scene3d>
+    <dgm:sp3d/>
+    <dgm:txPr/>
+    <dgm:style>
+      <a:lnRef idx="2">
+        <a:scrgbClr r="0" g="0" b="0"/>
+      </a:lnRef>
+      <a:fillRef idx="1">
+        <a:scrgbClr r="0" g="0" b="0"/>
+      </a:fillRef>
+      <a:effectRef idx="0">
+        <a:scrgbClr r="0" g="0" b="0"/>
+      </a:effectRef>
+      <a:fontRef idx="minor">
+        <a:schemeClr val="lt1"/>
+      </a:fontRef>
+    </dgm:style>
+  </dgm:styleLbl>
+  <dgm:styleLbl name="asst3">
+    <dgm:scene3d>
+      <a:camera prst="orthographicFront"/>
+      <a:lightRig rig="threePt" dir="t"/>
+    </dgm:scene3d>
+    <dgm:sp3d/>
+    <dgm:txPr/>
+    <dgm:style>
+      <a:lnRef idx="2">
+        <a:scrgbClr r="0" g="0" b="0"/>
+      </a:lnRef>
+      <a:fillRef idx="1">
+        <a:scrgbClr r="0" g="0" b="0"/>
+      </a:fillRef>
+      <a:effectRef idx="0">
+        <a:scrgbClr r="0" g="0" b="0"/>
+      </a:effectRef>
+      <a:fontRef idx="minor">
+        <a:schemeClr val="lt1"/>
+      </a:fontRef>
+    </dgm:style>
+  </dgm:styleLbl>
+  <dgm:styleLbl name="asst4">
+    <dgm:scene3d>
+      <a:camera prst="orthographicFront"/>
+      <a:lightRig rig="threePt" dir="t"/>
+    </dgm:scene3d>
+    <dgm:sp3d/>
+    <dgm:txPr/>
+    <dgm:style>
+      <a:lnRef idx="2">
+        <a:scrgbClr r="0" g="0" b="0"/>
+      </a:lnRef>
+      <a:fillRef idx="1">
+        <a:scrgbClr r="0" g="0" b="0"/>
+      </a:fillRef>
+      <a:effectRef idx="0">
+        <a:scrgbClr r="0" g="0" b="0"/>
+      </a:effectRef>
+      <a:fontRef idx="minor">
+        <a:schemeClr val="lt1"/>
+      </a:fontRef>
+    </dgm:style>
+  </dgm:styleLbl>
+  <dgm:styleLbl name="parChTrans2D1">
+    <dgm:scene3d>
+      <a:camera prst="orthographicFront"/>
+      <a:lightRig rig="threePt" dir="t"/>
+    </dgm:scene3d>
+    <dgm:sp3d/>
+    <dgm:txPr/>
+    <dgm:style>
+      <a:lnRef idx="2">
+        <a:scrgbClr r="0" g="0" b="0"/>
+      </a:lnRef>
+      <a:fillRef idx="1">
+        <a:scrgbClr r="0" g="0" b="0"/>
+      </a:fillRef>
+      <a:effectRef idx="0">
+        <a:scrgbClr r="0" g="0" b="0"/>
+      </a:effectRef>
+      <a:fontRef idx="minor">
+        <a:schemeClr val="lt1"/>
+      </a:fontRef>
+    </dgm:style>
+  </dgm:styleLbl>
+  <dgm:styleLbl name="parChTrans2D2">
+    <dgm:scene3d>
+      <a:camera prst="orthographicFront"/>
+      <a:lightRig rig="threePt" dir="t"/>
+    </dgm:scene3d>
+    <dgm:sp3d/>
+    <dgm:txPr/>
+    <dgm:style>
+      <a:lnRef idx="2">
+        <a:scrgbClr r="0" g="0" b="0"/>
+      </a:lnRef>
+      <a:fillRef idx="1">
+        <a:scrgbClr r="0" g="0" b="0"/>
+      </a:fillRef>
+      <a:effectRef idx="0">
+        <a:scrgbClr r="0" g="0" b="0"/>
+      </a:effectRef>
+      <a:fontRef idx="minor">
+        <a:schemeClr val="lt1"/>
+      </a:fontRef>
+    </dgm:style>
+  </dgm:styleLbl>
+  <dgm:styleLbl name="parChTrans2D3">
+    <dgm:scene3d>
+      <a:camera prst="orthographicFront"/>
+      <a:lightRig rig="threePt" dir="t"/>
+    </dgm:scene3d>
+    <dgm:sp3d/>
+    <dgm:txPr/>
+    <dgm:style>
+      <a:lnRef idx="2">
+        <a:scrgbClr r="0" g="0" b="0"/>
+      </a:lnRef>
+      <a:fillRef idx="1">
+        <a:scrgbClr r="0" g="0" b="0"/>
+      </a:fillRef>
+      <a:effectRef idx="0">
+        <a:scrgbClr r="0" g="0" b="0"/>
+      </a:effectRef>
+      <a:fontRef idx="minor">
+        <a:schemeClr val="lt1"/>
+      </a:fontRef>
+    </dgm:style>
+  </dgm:styleLbl>
+  <dgm:styleLbl name="parChTrans2D4">
+    <dgm:scene3d>
+      <a:camera prst="orthographicFront"/>
+      <a:lightRig rig="threePt" dir="t"/>
+    </dgm:scene3d>
+    <dgm:sp3d/>
+    <dgm:txPr/>
+    <dgm:style>
+      <a:lnRef idx="2">
+        <a:scrgbClr r="0" g="0" b="0"/>
+      </a:lnRef>
+      <a:fillRef idx="1">
+        <a:scrgbClr r="0" g="0" b="0"/>
+      </a:fillRef>
+      <a:effectRef idx="0">
+        <a:scrgbClr r="0" g="0" b="0"/>
+      </a:effectRef>
+      <a:fontRef idx="minor">
+        <a:schemeClr val="lt1"/>
+      </a:fontRef>
+    </dgm:style>
+  </dgm:styleLbl>
+  <dgm:styleLbl name="parChTrans1D1">
+    <dgm:scene3d>
+      <a:camera prst="orthographicFront"/>
+      <a:lightRig rig="threePt" dir="t"/>
+    </dgm:scene3d>
+    <dgm:sp3d/>
+    <dgm:txPr/>
+    <dgm:style>
+      <a:lnRef idx="2">
+        <a:scrgbClr r="0" g="0" b="0"/>
+      </a:lnRef>
+      <a:fillRef idx="0">
+        <a:scrgbClr r="0" g="0" b="0"/>
+      </a:fillRef>
+      <a:effectRef idx="0">
+        <a:scrgbClr r="0" g="0" b="0"/>
+      </a:effectRef>
+      <a:fontRef idx="minor"/>
+    </dgm:style>
+  </dgm:styleLbl>
+  <dgm:styleLbl name="parChTrans1D2">
+    <dgm:scene3d>
+      <a:camera prst="orthographicFront"/>
+      <a:lightRig rig="threePt" dir="t"/>
+    </dgm:scene3d>
+    <dgm:sp3d/>
+    <dgm:txPr/>
+    <dgm:style>
+      <a:lnRef idx="2">
+        <a:scrgbClr r="0" g="0" b="0"/>
+      </a:lnRef>
+      <a:fillRef idx="0">
+        <a:scrgbClr r="0" g="0" b="0"/>
+      </a:fillRef>
+      <a:effectRef idx="0">
+        <a:scrgbClr r="0" g="0" b="0"/>
+      </a:effectRef>
+      <a:fontRef idx="minor"/>
+    </dgm:style>
+  </dgm:styleLbl>
+  <dgm:styleLbl name="parChTrans1D3">
+    <dgm:scene3d>
+      <a:camera prst="orthographicFront"/>
+      <a:lightRig rig="threePt" dir="t"/>
+    </dgm:scene3d>
+    <dgm:sp3d/>
+    <dgm:txPr/>
+    <dgm:style>
+      <a:lnRef idx="2">
+        <a:scrgbClr r="0" g="0" b="0"/>
+      </a:lnRef>
+      <a:fillRef idx="0">
+        <a:scrgbClr r="0" g="0" b="0"/>
+      </a:fillRef>
+      <a:effectRef idx="0">
+        <a:scrgbClr r="0" g="0" b="0"/>
+      </a:effectRef>
+      <a:fontRef idx="minor"/>
+    </dgm:style>
+  </dgm:styleLbl>
+  <dgm:styleLbl name="parChTrans1D4">
+    <dgm:scene3d>
+      <a:camera prst="orthographicFront"/>
+      <a:lightRig rig="threePt" dir="t"/>
+    </dgm:scene3d>
+    <dgm:sp3d/>
+    <dgm:txPr/>
+    <dgm:style>
+      <a:lnRef idx="2">
+        <a:scrgbClr r="0" g="0" b="0"/>
+      </a:lnRef>
+      <a:fillRef idx="0">
+        <a:scrgbClr r="0" g="0" b="0"/>
+      </a:fillRef>
+      <a:effectRef idx="0">
+        <a:scrgbClr r="0" g="0" b="0"/>
+      </a:effectRef>
+      <a:fontRef idx="minor"/>
+    </dgm:style>
+  </dgm:styleLbl>
+  <dgm:styleLbl name="fgAcc1">
+    <dgm:scene3d>
+      <a:camera prst="orthographicFront"/>
+      <a:lightRig rig="threePt" dir="t"/>
+    </dgm:scene3d>
+    <dgm:sp3d/>
+    <dgm:txPr/>
+    <dgm:style>
+      <a:lnRef idx="2">
+        <a:scrgbClr r="0" g="0" b="0"/>
+      </a:lnRef>
+      <a:fillRef idx="1">
+        <a:scrgbClr r="0" g="0" b="0"/>
+      </a:fillRef>
+      <a:effectRef idx="0">
+        <a:scrgbClr r="0" g="0" b="0"/>
+      </a:effectRef>
+      <a:fontRef idx="minor"/>
+    </dgm:style>
+  </dgm:styleLbl>
+  <dgm:styleLbl name="conFgAcc1">
+    <dgm:scene3d>
+      <a:camera prst="orthographicFront"/>
+      <a:lightRig rig="threePt" dir="t"/>
+    </dgm:scene3d>
+    <dgm:sp3d/>
+    <dgm:txPr/>
+    <dgm:style>
+      <a:lnRef idx="2">
+        <a:scrgbClr r="0" g="0" b="0"/>
+      </a:lnRef>
+      <a:fillRef idx="1">
+        <a:scrgbClr r="0" g="0" b="0"/>
+      </a:fillRef>
+      <a:effectRef idx="0">
+        <a:scrgbClr r="0" g="0" b="0"/>
+      </a:effectRef>
+      <a:fontRef idx="minor"/>
+    </dgm:style>
+  </dgm:styleLbl>
+  <dgm:styleLbl name="alignAcc1">
+    <dgm:scene3d>
+      <a:camera prst="orthographicFront"/>
+      <a:lightRig rig="threePt" dir="t"/>
+    </dgm:scene3d>
+    <dgm:sp3d/>
+    <dgm:txPr/>
+    <dgm:style>
+      <a:lnRef idx="2">
+        <a:scrgbClr r="0" g="0" b="0"/>
+      </a:lnRef>
+      <a:fillRef idx="1">
+        <a:scrgbClr r="0" g="0" b="0"/>
+      </a:fillRef>
+      <a:effectRef idx="0">
+        <a:scrgbClr r="0" g="0" b="0"/>
+      </a:effectRef>
+      <a:fontRef idx="minor"/>
+    </dgm:style>
+  </dgm:styleLbl>
+  <dgm:styleLbl name="trAlignAcc1">
+    <dgm:scene3d>
+      <a:camera prst="orthographicFront"/>
+      <a:lightRig rig="threePt" dir="t"/>
+    </dgm:scene3d>
+    <dgm:sp3d/>
+    <dgm:txPr/>
+    <dgm:style>
+      <a:lnRef idx="1">
+        <a:scrgbClr r="0" g="0" b="0"/>
+      </a:lnRef>
+      <a:fillRef idx="1">
+        <a:scrgbClr r="0" g="0" b="0"/>
+      </a:fillRef>
+      <a:effectRef idx="0">
+        <a:scrgbClr r="0" g="0" b="0"/>
+      </a:effectRef>
+      <a:fontRef idx="minor"/>
+    </dgm:style>
+  </dgm:styleLbl>
+  <dgm:styleLbl name="bgAcc1">
+    <dgm:scene3d>
+      <a:camera prst="orthographicFront"/>
+      <a:lightRig rig="threePt" dir="t"/>
+    </dgm:scene3d>
+    <dgm:sp3d/>
+    <dgm:txPr/>
+    <dgm:style>
+      <a:lnRef idx="2">
+        <a:scrgbClr r="0" g="0" b="0"/>
+      </a:lnRef>
+      <a:fillRef idx="1">
+        <a:scrgbClr r="0" g="0" b="0"/>
+      </a:fillRef>
+      <a:effectRef idx="0">
+        <a:scrgbClr r="0" g="0" b="0"/>
+      </a:effectRef>
+      <a:fontRef idx="minor"/>
+    </dgm:style>
+  </dgm:styleLbl>
+  <dgm:styleLbl name="solidFgAcc1">
+    <dgm:scene3d>
+      <a:camera prst="orthographicFront"/>
+      <a:lightRig rig="threePt" dir="t"/>
+    </dgm:scene3d>
+    <dgm:sp3d/>
+    <dgm:txPr/>
+    <dgm:style>
+      <a:lnRef idx="2">
+        <a:scrgbClr r="0" g="0" b="0"/>
+      </a:lnRef>
+      <a:fillRef idx="1">
+        <a:scrgbClr r="0" g="0" b="0"/>
+      </a:fillRef>
+      <a:effectRef idx="0">
+        <a:scrgbClr r="0" g="0" b="0"/>
+      </a:effectRef>
+      <a:fontRef idx="minor"/>
+    </dgm:style>
+  </dgm:styleLbl>
+  <dgm:styleLbl name="solidAlignAcc1">
+    <dgm:scene3d>
+      <a:camera prst="orthographicFront"/>
+      <a:lightRig rig="threePt" dir="t"/>
+    </dgm:scene3d>
+    <dgm:sp3d/>
+    <dgm:txPr/>
+    <dgm:style>
+      <a:lnRef idx="2">
+        <a:scrgbClr r="0" g="0" b="0"/>
+      </a:lnRef>
+      <a:fillRef idx="1">
+        <a:scrgbClr r="0" g="0" b="0"/>
+      </a:fillRef>
+      <a:effectRef idx="0">
+        <a:scrgbClr r="0" g="0" b="0"/>
+      </a:effectRef>
+      <a:fontRef idx="minor"/>
+    </dgm:style>
+  </dgm:styleLbl>
+  <dgm:styleLbl name="solidBgAcc1">
+    <dgm:scene3d>
+      <a:camera prst="orthographicFront"/>
+      <a:lightRig rig="threePt" dir="t"/>
+    </dgm:scene3d>
+    <dgm:sp3d/>
+    <dgm:txPr/>
+    <dgm:style>
+      <a:lnRef idx="2">
+        <a:scrgbClr r="0" g="0" b="0"/>
+      </a:lnRef>
+      <a:fillRef idx="1">
+        <a:scrgbClr r="0" g="0" b="0"/>
+      </a:fillRef>
+      <a:effectRef idx="0">
+        <a:scrgbClr r="0" g="0" b="0"/>
+      </a:effectRef>
+      <a:fontRef idx="minor"/>
+    </dgm:style>
+  </dgm:styleLbl>
+  <dgm:styleLbl name="fgAccFollowNode1">
+    <dgm:scene3d>
+      <a:camera prst="orthographicFront"/>
+      <a:lightRig rig="threePt" dir="t"/>
+    </dgm:scene3d>
+    <dgm:sp3d/>
+    <dgm:txPr/>
+    <dgm:style>
+      <a:lnRef idx="2">
+        <a:scrgbClr r="0" g="0" b="0"/>
+      </a:lnRef>
+      <a:fillRef idx="1">
+        <a:scrgbClr r="0" g="0" b="0"/>
+      </a:fillRef>
+      <a:effectRef idx="0">
+        <a:scrgbClr r="0" g="0" b="0"/>
+      </a:effectRef>
+      <a:fontRef idx="minor"/>
+    </dgm:style>
+  </dgm:styleLbl>
+  <dgm:styleLbl name="alignAccFollowNode1">
+    <dgm:scene3d>
+      <a:camera prst="orthographicFront"/>
+      <a:lightRig rig="threePt" dir="t"/>
+    </dgm:scene3d>
+    <dgm:sp3d/>
+    <dgm:txPr/>
+    <dgm:style>
+      <a:lnRef idx="2">
+        <a:scrgbClr r="0" g="0" b="0"/>
+      </a:lnRef>
+      <a:fillRef idx="1">
+        <a:scrgbClr r="0" g="0" b="0"/>
+      </a:fillRef>
+      <a:effectRef idx="0">
+        <a:scrgbClr r="0" g="0" b="0"/>
+      </a:effectRef>
+      <a:fontRef idx="minor"/>
+    </dgm:style>
+  </dgm:styleLbl>
+  <dgm:styleLbl name="bgAccFollowNode1">
+    <dgm:scene3d>
+      <a:camera prst="orthographicFront"/>
+      <a:lightRig rig="threePt" dir="t"/>
+    </dgm:scene3d>
+    <dgm:sp3d/>
+    <dgm:txPr/>
+    <dgm:style>
+      <a:lnRef idx="2">
+        <a:scrgbClr r="0" g="0" b="0"/>
+      </a:lnRef>
+      <a:fillRef idx="1">
+        <a:scrgbClr r="0" g="0" b="0"/>
+      </a:fillRef>
+      <a:effectRef idx="0">
+        <a:scrgbClr r="0" g="0" b="0"/>
+      </a:effectRef>
+      <a:fontRef idx="minor"/>
+    </dgm:style>
+  </dgm:styleLbl>
+  <dgm:styleLbl name="fgAcc0">
+    <dgm:scene3d>
+      <a:camera prst="orthographicFront"/>
+      <a:lightRig rig="threePt" dir="t"/>
+    </dgm:scene3d>
+    <dgm:sp3d/>
+    <dgm:txPr/>
+    <dgm:style>
+      <a:lnRef idx="2">
+        <a:scrgbClr r="0" g="0" b="0"/>
+      </a:lnRef>
+      <a:fillRef idx="1">
+        <a:scrgbClr r="0" g="0" b="0"/>
+      </a:fillRef>
+      <a:effectRef idx="0">
+        <a:scrgbClr r="0" g="0" b="0"/>
+      </a:effectRef>
+      <a:fontRef idx="minor"/>
+    </dgm:style>
+  </dgm:styleLbl>
+  <dgm:styleLbl name="fgAcc2">
+    <dgm:scene3d>
+      <a:camera prst="orthographicFront"/>
+      <a:lightRig rig="threePt" dir="t"/>
+    </dgm:scene3d>
+    <dgm:sp3d/>
+    <dgm:txPr/>
+    <dgm:style>
+      <a:lnRef idx="2">
+        <a:scrgbClr r="0" g="0" b="0"/>
+      </a:lnRef>
+      <a:fillRef idx="1">
+        <a:scrgbClr r="0" g="0" b="0"/>
+      </a:fillRef>
+      <a:effectRef idx="0">
+        <a:scrgbClr r="0" g="0" b="0"/>
+      </a:effectRef>
+      <a:fontRef idx="minor"/>
+    </dgm:style>
+  </dgm:styleLbl>
+  <dgm:styleLbl name="fgAcc3">
+    <dgm:scene3d>
+      <a:camera prst="orthographicFront"/>
+      <a:lightRig rig="threePt" dir="t"/>
+    </dgm:scene3d>
+    <dgm:sp3d/>
+    <dgm:txPr/>
+    <dgm:style>
+      <a:lnRef idx="2">
+        <a:scrgbClr r="0" g="0" b="0"/>
+      </a:lnRef>
+      <a:fillRef idx="1">
+        <a:scrgbClr r="0" g="0" b="0"/>
+      </a:fillRef>
+      <a:effectRef idx="0">
+        <a:scrgbClr r="0" g="0" b="0"/>
+      </a:effectRef>
+      <a:fontRef idx="minor"/>
+    </dgm:style>
+  </dgm:styleLbl>
+  <dgm:styleLbl name="fgAcc4">
+    <dgm:scene3d>
+      <a:camera prst="orthographicFront"/>
+      <a:lightRig rig="threePt" dir="t"/>
+    </dgm:scene3d>
+    <dgm:sp3d/>
+    <dgm:txPr/>
+    <dgm:style>
+      <a:lnRef idx="2">
+        <a:scrgbClr r="0" g="0" b="0"/>
+      </a:lnRef>
+      <a:fillRef idx="1">
+        <a:scrgbClr r="0" g="0" b="0"/>
+      </a:fillRef>
+      <a:effectRef idx="0">
+        <a:scrgbClr r="0" g="0" b="0"/>
+      </a:effectRef>
+      <a:fontRef idx="minor"/>
+    </dgm:style>
+  </dgm:styleLbl>
+  <dgm:styleLbl name="bgShp">
+    <dgm:scene3d>
+      <a:camera prst="orthographicFront"/>
+      <a:lightRig rig="threePt" dir="t"/>
+    </dgm:scene3d>
+    <dgm:sp3d/>
+    <dgm:txPr/>
+    <dgm:style>
+      <a:lnRef idx="0">
+        <a:scrgbClr r="0" g="0" b="0"/>
+      </a:lnRef>
+      <a:fillRef idx="1">
+        <a:scrgbClr r="0" g="0" b="0"/>
+      </a:fillRef>
+      <a:effectRef idx="0">
+        <a:scrgbClr r="0" g="0" b="0"/>
+      </a:effectRef>
+      <a:fontRef idx="minor"/>
+    </dgm:style>
+  </dgm:styleLbl>
+  <dgm:styleLbl name="dkBgShp">
+    <dgm:scene3d>
+      <a:camera prst="orthographicFront"/>
+      <a:lightRig rig="threePt" dir="t"/>
+    </dgm:scene3d>
+    <dgm:sp3d/>
+    <dgm:txPr/>
+    <dgm:style>
+      <a:lnRef idx="0">
+        <a:scrgbClr r="0" g="0" b="0"/>
+      </a:lnRef>
+      <a:fillRef idx="1">
+        <a:scrgbClr r="0" g="0" b="0"/>
+      </a:fillRef>
+      <a:effectRef idx="0">
+        <a:scrgbClr r="0" g="0" b="0"/>
+      </a:effectRef>
+      <a:fontRef idx="minor"/>
+    </dgm:style>
+  </dgm:styleLbl>
+  <dgm:styleLbl name="trBgShp">
+    <dgm:scene3d>
+      <a:camera prst="orthographicFront"/>
+      <a:lightRig rig="threePt" dir="t"/>
+    </dgm:scene3d>
+    <dgm:sp3d/>
+    <dgm:txPr/>
+    <dgm:style>
+      <a:lnRef idx="0">
+        <a:scrgbClr r="0" g="0" b="0"/>
+      </a:lnRef>
+      <a:fillRef idx="1">
+        <a:scrgbClr r="0" g="0" b="0"/>
+      </a:fillRef>
+      <a:effectRef idx="0">
+        <a:scrgbClr r="0" g="0" b="0"/>
+      </a:effectRef>
+      <a:fontRef idx="minor"/>
+    </dgm:style>
+  </dgm:styleLbl>
+  <dgm:styleLbl name="fgShp">
+    <dgm:scene3d>
+      <a:camera prst="orthographicFront"/>
+      <a:lightRig rig="threePt" dir="t"/>
+    </dgm:scene3d>
+    <dgm:sp3d/>
+    <dgm:txPr/>
+    <dgm:style>
+      <a:lnRef idx="2">
+        <a:scrgbClr r="0" g="0" b="0"/>
+      </a:lnRef>
+      <a:fillRef idx="1">
+        <a:scrgbClr r="0" g="0" b="0"/>
+      </a:fillRef>
+      <a:effectRef idx="0">
+        <a:scrgbClr r="0" g="0" b="0"/>
+      </a:effectRef>
+      <a:fontRef idx="minor"/>
+    </dgm:style>
+  </dgm:styleLbl>
+  <dgm:styleLbl name="revTx">
+    <dgm:scene3d>
+      <a:camera prst="orthographicFront"/>
+      <a:lightRig rig="threePt" dir="t"/>
+    </dgm:scene3d>
+    <dgm:sp3d/>
+    <dgm:txPr/>
+    <dgm:style>
+      <a:lnRef idx="0">
+        <a:scrgbClr r="0" g="0" b="0"/>
+      </a:lnRef>
+      <a:fillRef idx="0">
+        <a:scrgbClr r="0" g="0" b="0"/>
+      </a:fillRef>
+      <a:effectRef idx="0">
+        <a:scrgbClr r="0" g="0" b="0"/>
+      </a:effectRef>
+      <a:fontRef idx="minor"/>
+    </dgm:style>
+  </dgm:styleLbl>
+</dgm:styleDef>
+</file>
+
 <file path=ppt/handoutMasters/handoutMaster1.xml><?xml version="1.0" encoding="utf-8"?>
 <p:handoutMaster xmlns:a="http://schemas.openxmlformats.org/drawingml/2006/main" xmlns:r="http://schemas.openxmlformats.org/officeDocument/2006/relationships" xmlns:p="http://schemas.openxmlformats.org/presentationml/2006/main">
   <p:cSld>
@@ -396,7 +7760,7 @@
           <a:p>
             <a:fld id="{90BC4B87-6123-4AD5-BA18-D0C615F32DE0}" type="datetimeFigureOut">
               <a:rPr lang="de-DE" smtClean="0"/>
-              <a:t>04.07.2018</a:t>
+              <a:t>08.07.2018</a:t>
             </a:fld>
             <a:endParaRPr lang="de-DE"/>
           </a:p>
@@ -696,7 +8060,7 @@
           <a:lstStyle/>
           <a:p>
             <a:r>
-              <a:rPr lang="de-DE" smtClean="0"/>
+              <a:rPr lang="de-DE"/>
               <a:t>14.07.2016</a:t>
             </a:r>
             <a:endParaRPr lang="de-DE" dirty="0"/>
@@ -723,14 +8087,13 @@
           </a:lstStyle>
           <a:p>
             <a:r>
-              <a:rPr lang="de-DE" dirty="0" err="1" smtClean="0"/>
+              <a:rPr lang="de-DE" dirty="0" err="1"/>
               <a:t>Legosar</a:t>
             </a:r>
             <a:r>
-              <a:rPr lang="de-DE" dirty="0" smtClean="0"/>
+              <a:rPr lang="de-DE" dirty="0"/>
               <a:t> SS 18</a:t>
             </a:r>
-            <a:endParaRPr lang="de-DE" dirty="0"/>
           </a:p>
         </p:txBody>
       </p:sp>
@@ -926,13 +8289,6 @@
   <p:clrMapOvr>
     <a:masterClrMapping/>
   </p:clrMapOvr>
-  <p:timing>
-    <p:tnLst>
-      <p:par>
-        <p:cTn id="1" dur="indefinite" restart="never" nodeType="tmRoot"/>
-      </p:par>
-    </p:tnLst>
-  </p:timing>
 </p:sldLayout>
 </file>
 
@@ -969,7 +8325,7 @@
           <a:lstStyle/>
           <a:p>
             <a:r>
-              <a:rPr lang="de-DE" smtClean="0"/>
+              <a:rPr lang="de-DE"/>
               <a:t>14.07.2016</a:t>
             </a:r>
             <a:endParaRPr lang="de-DE" dirty="0"/>
@@ -992,14 +8348,13 @@
           <a:lstStyle/>
           <a:p>
             <a:r>
-              <a:rPr lang="de-DE" dirty="0" err="1" smtClean="0"/>
+              <a:rPr lang="de-DE" dirty="0" err="1"/>
               <a:t>Legosar</a:t>
             </a:r>
             <a:r>
-              <a:rPr lang="de-DE" dirty="0" smtClean="0"/>
+              <a:rPr lang="de-DE" dirty="0"/>
               <a:t> SS 18</a:t>
             </a:r>
-            <a:endParaRPr lang="de-DE" dirty="0"/>
           </a:p>
         </p:txBody>
       </p:sp>
@@ -1099,7 +8454,7 @@
           <a:lstStyle/>
           <a:p>
             <a:r>
-              <a:rPr lang="de-DE" smtClean="0"/>
+              <a:rPr lang="de-DE"/>
               <a:t>14.07.2016</a:t>
             </a:r>
             <a:endParaRPr lang="de-DE" dirty="0"/>
@@ -1122,14 +8477,13 @@
           <a:lstStyle/>
           <a:p>
             <a:r>
-              <a:rPr lang="de-DE" dirty="0" err="1" smtClean="0"/>
+              <a:rPr lang="de-DE" dirty="0" err="1"/>
               <a:t>Legosar</a:t>
             </a:r>
             <a:r>
-              <a:rPr lang="de-DE" dirty="0" smtClean="0"/>
+              <a:rPr lang="de-DE" dirty="0"/>
               <a:t> SS 18</a:t>
             </a:r>
-            <a:endParaRPr lang="de-DE" dirty="0"/>
           </a:p>
         </p:txBody>
       </p:sp>
@@ -1269,7 +8623,7 @@
           <a:lstStyle/>
           <a:p>
             <a:r>
-              <a:rPr lang="de-DE" smtClean="0"/>
+              <a:rPr lang="de-DE"/>
               <a:t>14.07.2016</a:t>
             </a:r>
             <a:endParaRPr lang="de-DE" dirty="0"/>
@@ -1292,14 +8646,13 @@
           <a:lstStyle/>
           <a:p>
             <a:r>
-              <a:rPr lang="de-DE" dirty="0" err="1" smtClean="0"/>
+              <a:rPr lang="de-DE" dirty="0" err="1"/>
               <a:t>Legosar</a:t>
             </a:r>
             <a:r>
-              <a:rPr lang="de-DE" dirty="0" smtClean="0"/>
+              <a:rPr lang="de-DE" dirty="0"/>
               <a:t> SS 18</a:t>
             </a:r>
-            <a:endParaRPr lang="de-DE" dirty="0"/>
           </a:p>
         </p:txBody>
       </p:sp>
@@ -1459,7 +8812,7 @@
           <a:lstStyle/>
           <a:p>
             <a:r>
-              <a:rPr lang="de-DE" smtClean="0"/>
+              <a:rPr lang="de-DE"/>
               <a:t>14.07.2016</a:t>
             </a:r>
             <a:endParaRPr lang="de-DE" dirty="0"/>
@@ -1482,14 +8835,13 @@
           <a:lstStyle/>
           <a:p>
             <a:r>
-              <a:rPr lang="de-DE" dirty="0" err="1" smtClean="0"/>
+              <a:rPr lang="de-DE" dirty="0" err="1"/>
               <a:t>Legosar</a:t>
             </a:r>
             <a:r>
-              <a:rPr lang="de-DE" dirty="0" smtClean="0"/>
+              <a:rPr lang="de-DE" dirty="0"/>
               <a:t> SS 18</a:t>
             </a:r>
-            <a:endParaRPr lang="de-DE" dirty="0"/>
           </a:p>
         </p:txBody>
       </p:sp>
@@ -1628,7 +8980,7 @@
           <a:lstStyle/>
           <a:p>
             <a:r>
-              <a:rPr lang="de-DE" smtClean="0"/>
+              <a:rPr lang="de-DE"/>
               <a:t>14.07.2016</a:t>
             </a:r>
             <a:endParaRPr lang="de-DE" dirty="0"/>
@@ -1651,14 +9003,13 @@
           <a:lstStyle/>
           <a:p>
             <a:r>
-              <a:rPr lang="de-DE" dirty="0" err="1" smtClean="0"/>
+              <a:rPr lang="de-DE" dirty="0" err="1"/>
               <a:t>Legosar</a:t>
             </a:r>
             <a:r>
-              <a:rPr lang="de-DE" dirty="0" smtClean="0"/>
+              <a:rPr lang="de-DE" dirty="0"/>
               <a:t> SS 18</a:t>
             </a:r>
-            <a:endParaRPr lang="de-DE" dirty="0"/>
           </a:p>
         </p:txBody>
       </p:sp>
@@ -1896,7 +9247,7 @@
           <a:lstStyle/>
           <a:p>
             <a:r>
-              <a:rPr lang="de-DE" smtClean="0"/>
+              <a:rPr lang="de-DE"/>
               <a:t>14.07.2016</a:t>
             </a:r>
             <a:endParaRPr lang="de-DE" dirty="0"/>
@@ -1924,14 +9275,13 @@
           <a:lstStyle/>
           <a:p>
             <a:r>
-              <a:rPr lang="de-DE" dirty="0" err="1" smtClean="0"/>
+              <a:rPr lang="de-DE" dirty="0" err="1"/>
               <a:t>Legosar</a:t>
             </a:r>
             <a:r>
-              <a:rPr lang="de-DE" dirty="0" smtClean="0"/>
+              <a:rPr lang="de-DE" dirty="0"/>
               <a:t> SS 18</a:t>
             </a:r>
-            <a:endParaRPr lang="de-DE" dirty="0"/>
           </a:p>
         </p:txBody>
       </p:sp>
@@ -2223,7 +9573,7 @@
           <a:lstStyle/>
           <a:p>
             <a:r>
-              <a:rPr lang="de-DE" smtClean="0"/>
+              <a:rPr lang="de-DE"/>
               <a:t>14.07.2016</a:t>
             </a:r>
             <a:endParaRPr lang="de-DE" dirty="0"/>
@@ -2246,14 +9596,13 @@
           <a:lstStyle/>
           <a:p>
             <a:r>
-              <a:rPr lang="de-DE" dirty="0" err="1" smtClean="0"/>
+              <a:rPr lang="de-DE" dirty="0" err="1"/>
               <a:t>Legosar</a:t>
             </a:r>
             <a:r>
-              <a:rPr lang="de-DE" dirty="0" smtClean="0"/>
+              <a:rPr lang="de-DE" dirty="0"/>
               <a:t> SS 18</a:t>
             </a:r>
-            <a:endParaRPr lang="de-DE" dirty="0"/>
           </a:p>
         </p:txBody>
       </p:sp>
@@ -2550,7 +9899,7 @@
           <a:lstStyle/>
           <a:p>
             <a:r>
-              <a:rPr lang="de-DE" smtClean="0"/>
+              <a:rPr lang="de-DE"/>
               <a:t>14.07.2016</a:t>
             </a:r>
             <a:endParaRPr lang="de-DE" dirty="0"/>
@@ -2573,14 +9922,13 @@
           <a:lstStyle/>
           <a:p>
             <a:r>
-              <a:rPr lang="de-DE" dirty="0" err="1" smtClean="0"/>
+              <a:rPr lang="de-DE" dirty="0" err="1"/>
               <a:t>Legosar</a:t>
             </a:r>
             <a:r>
-              <a:rPr lang="de-DE" dirty="0" smtClean="0"/>
+              <a:rPr lang="de-DE" dirty="0"/>
               <a:t> SS 18</a:t>
             </a:r>
-            <a:endParaRPr lang="de-DE" dirty="0"/>
           </a:p>
         </p:txBody>
       </p:sp>
@@ -2846,7 +10194,7 @@
           <a:lstStyle/>
           <a:p>
             <a:r>
-              <a:rPr lang="de-DE" smtClean="0"/>
+              <a:rPr lang="de-DE"/>
               <a:t>14.07.2016</a:t>
             </a:r>
             <a:endParaRPr lang="de-DE" dirty="0"/>
@@ -2869,14 +10217,13 @@
           <a:lstStyle/>
           <a:p>
             <a:r>
-              <a:rPr lang="de-DE" dirty="0" err="1" smtClean="0"/>
+              <a:rPr lang="de-DE" dirty="0" err="1"/>
               <a:t>Legosar</a:t>
             </a:r>
             <a:r>
-              <a:rPr lang="de-DE" dirty="0" smtClean="0"/>
+              <a:rPr lang="de-DE" dirty="0"/>
               <a:t> SS 18</a:t>
             </a:r>
-            <a:endParaRPr lang="de-DE" dirty="0"/>
           </a:p>
         </p:txBody>
       </p:sp>
@@ -3055,13 +10402,6 @@
   <p:clrMapOvr>
     <a:masterClrMapping/>
   </p:clrMapOvr>
-  <p:timing>
-    <p:tnLst>
-      <p:par>
-        <p:cTn id="1" dur="indefinite" restart="never" nodeType="tmRoot"/>
-      </p:par>
-    </p:tnLst>
-  </p:timing>
 </p:sldLayout>
 </file>
 
@@ -3103,7 +10443,7 @@
           <a:lstStyle/>
           <a:p>
             <a:r>
-              <a:rPr lang="de-DE" smtClean="0"/>
+              <a:rPr lang="de-DE"/>
               <a:t>14.07.2016</a:t>
             </a:r>
             <a:endParaRPr lang="de-DE" dirty="0"/>
@@ -3126,11 +10466,11 @@
           <a:lstStyle/>
           <a:p>
             <a:r>
-              <a:rPr lang="de-DE" dirty="0" err="1" smtClean="0"/>
+              <a:rPr lang="de-DE" dirty="0" err="1"/>
               <a:t>Legosar</a:t>
             </a:r>
             <a:r>
-              <a:rPr lang="de-DE" dirty="0" smtClean="0"/>
+              <a:rPr lang="de-DE" dirty="0"/>
               <a:t> SS 18</a:t>
             </a:r>
           </a:p>
@@ -3272,13 +10612,6 @@
   <p:clrMapOvr>
     <a:overrideClrMapping bg1="lt1" tx1="dk1" bg2="lt2" tx2="dk2" accent1="accent1" accent2="accent2" accent3="accent3" accent4="accent4" accent5="accent5" accent6="accent6" hlink="hlink" folHlink="folHlink"/>
   </p:clrMapOvr>
-  <p:timing>
-    <p:tnLst>
-      <p:par>
-        <p:cTn id="1" dur="indefinite" restart="never" nodeType="tmRoot"/>
-      </p:par>
-    </p:tnLst>
-  </p:timing>
 </p:sldLayout>
 </file>
 
@@ -3515,7 +10848,7 @@
           <a:lstStyle/>
           <a:p>
             <a:r>
-              <a:rPr lang="de-DE" smtClean="0"/>
+              <a:rPr lang="de-DE"/>
               <a:t>14.07.2016</a:t>
             </a:r>
             <a:endParaRPr lang="de-DE" dirty="0"/>
@@ -3543,14 +10876,13 @@
           <a:lstStyle/>
           <a:p>
             <a:r>
-              <a:rPr lang="de-DE" dirty="0" err="1" smtClean="0"/>
+              <a:rPr lang="de-DE" dirty="0" err="1"/>
               <a:t>Legosar</a:t>
             </a:r>
             <a:r>
-              <a:rPr lang="de-DE" dirty="0" smtClean="0"/>
+              <a:rPr lang="de-DE" dirty="0"/>
               <a:t> SS 18</a:t>
             </a:r>
-            <a:endParaRPr lang="de-DE" dirty="0"/>
           </a:p>
         </p:txBody>
       </p:sp>
@@ -3719,13 +11051,6 @@
   <p:clrMapOvr>
     <a:masterClrMapping/>
   </p:clrMapOvr>
-  <p:timing>
-    <p:tnLst>
-      <p:par>
-        <p:cTn id="1" dur="indefinite" restart="never" nodeType="tmRoot"/>
-      </p:par>
-    </p:tnLst>
-  </p:timing>
 </p:sldLayout>
 </file>
 
@@ -3762,7 +11087,7 @@
           <a:lstStyle/>
           <a:p>
             <a:r>
-              <a:rPr lang="de-DE" smtClean="0"/>
+              <a:rPr lang="de-DE"/>
               <a:t>14.07.2016</a:t>
             </a:r>
             <a:endParaRPr lang="de-DE" dirty="0"/>
@@ -3785,14 +11110,13 @@
           <a:lstStyle/>
           <a:p>
             <a:r>
-              <a:rPr lang="de-DE" dirty="0" err="1" smtClean="0"/>
+              <a:rPr lang="de-DE" dirty="0" err="1"/>
               <a:t>Legosar</a:t>
             </a:r>
             <a:r>
-              <a:rPr lang="de-DE" dirty="0" smtClean="0"/>
+              <a:rPr lang="de-DE" dirty="0"/>
               <a:t> SS 18</a:t>
             </a:r>
-            <a:endParaRPr lang="de-DE" dirty="0"/>
           </a:p>
         </p:txBody>
       </p:sp>
@@ -4099,7 +11423,7 @@
           <a:lstStyle/>
           <a:p>
             <a:r>
-              <a:rPr lang="de-DE" smtClean="0"/>
+              <a:rPr lang="de-DE"/>
               <a:t>14.07.2016</a:t>
             </a:r>
             <a:endParaRPr lang="de-DE" dirty="0"/>
@@ -4122,14 +11446,13 @@
           <a:lstStyle/>
           <a:p>
             <a:r>
-              <a:rPr lang="de-DE" dirty="0" err="1" smtClean="0"/>
+              <a:rPr lang="de-DE" dirty="0" err="1"/>
               <a:t>Legosar</a:t>
             </a:r>
             <a:r>
-              <a:rPr lang="de-DE" dirty="0" smtClean="0"/>
+              <a:rPr lang="de-DE" dirty="0"/>
               <a:t> SS 18</a:t>
             </a:r>
-            <a:endParaRPr lang="de-DE" dirty="0"/>
           </a:p>
         </p:txBody>
       </p:sp>
@@ -4531,13 +11854,6 @@
   <p:clrMapOvr>
     <a:masterClrMapping/>
   </p:clrMapOvr>
-  <p:timing>
-    <p:tnLst>
-      <p:par>
-        <p:cTn id="1" dur="indefinite" restart="never" nodeType="tmRoot"/>
-      </p:par>
-    </p:tnLst>
-  </p:timing>
 </p:sldLayout>
 </file>
 
@@ -4602,7 +11918,7 @@
           <a:lstStyle/>
           <a:p>
             <a:r>
-              <a:rPr lang="de-DE" smtClean="0"/>
+              <a:rPr lang="de-DE"/>
               <a:t>14.07.2016</a:t>
             </a:r>
             <a:endParaRPr lang="de-DE" dirty="0"/>
@@ -4630,14 +11946,13 @@
           <a:lstStyle/>
           <a:p>
             <a:r>
-              <a:rPr lang="de-DE" dirty="0" err="1" smtClean="0"/>
+              <a:rPr lang="de-DE" dirty="0" err="1"/>
               <a:t>Legosar</a:t>
             </a:r>
             <a:r>
-              <a:rPr lang="de-DE" dirty="0" smtClean="0"/>
+              <a:rPr lang="de-DE" dirty="0"/>
               <a:t> SS 18</a:t>
             </a:r>
-            <a:endParaRPr lang="de-DE" dirty="0"/>
           </a:p>
         </p:txBody>
       </p:sp>
@@ -4677,10 +11992,6 @@
             <a:br>
               <a:rPr lang="de-DE" dirty="0"/>
             </a:br>
-            <a:r>
-              <a:rPr lang="de-DE" dirty="0"/>
-              <a:t/>
-            </a:r>
             <a:br>
               <a:rPr lang="de-DE" dirty="0"/>
             </a:br>
@@ -4752,10 +12063,6 @@
             <a:br>
               <a:rPr lang="de-DE" dirty="0"/>
             </a:br>
-            <a:r>
-              <a:rPr lang="de-DE" dirty="0"/>
-              <a:t/>
-            </a:r>
             <a:br>
               <a:rPr lang="de-DE" dirty="0"/>
             </a:br>
@@ -4973,10 +12280,6 @@
             <a:br>
               <a:rPr lang="de-DE" dirty="0"/>
             </a:br>
-            <a:r>
-              <a:rPr lang="de-DE" dirty="0"/>
-              <a:t/>
-            </a:r>
             <a:br>
               <a:rPr lang="de-DE" dirty="0"/>
             </a:br>
@@ -5048,10 +12351,6 @@
             <a:br>
               <a:rPr lang="de-DE" dirty="0"/>
             </a:br>
-            <a:r>
-              <a:rPr lang="de-DE" dirty="0"/>
-              <a:t/>
-            </a:r>
             <a:br>
               <a:rPr lang="de-DE" dirty="0"/>
             </a:br>
@@ -5224,13 +12523,6 @@
   <p:clrMapOvr>
     <a:masterClrMapping/>
   </p:clrMapOvr>
-  <p:timing>
-    <p:tnLst>
-      <p:par>
-        <p:cTn id="1" dur="indefinite" restart="never" nodeType="tmRoot"/>
-      </p:par>
-    </p:tnLst>
-  </p:timing>
 </p:sldLayout>
 </file>
 
@@ -5267,7 +12559,7 @@
           <a:lstStyle/>
           <a:p>
             <a:r>
-              <a:rPr lang="de-DE" smtClean="0"/>
+              <a:rPr lang="de-DE"/>
               <a:t>14.07.2016</a:t>
             </a:r>
             <a:endParaRPr lang="de-DE" dirty="0"/>
@@ -5295,14 +12587,13 @@
           <a:lstStyle/>
           <a:p>
             <a:r>
-              <a:rPr lang="de-DE" dirty="0" err="1" smtClean="0"/>
+              <a:rPr lang="de-DE" dirty="0" err="1"/>
               <a:t>Legosar</a:t>
             </a:r>
             <a:r>
-              <a:rPr lang="de-DE" dirty="0" smtClean="0"/>
+              <a:rPr lang="de-DE" dirty="0"/>
               <a:t> SS 18</a:t>
             </a:r>
-            <a:endParaRPr lang="de-DE" dirty="0"/>
           </a:p>
         </p:txBody>
       </p:sp>
@@ -5545,13 +12836,6 @@
   <p:clrMapOvr>
     <a:masterClrMapping/>
   </p:clrMapOvr>
-  <p:timing>
-    <p:tnLst>
-      <p:par>
-        <p:cTn id="1" dur="indefinite" restart="never" nodeType="tmRoot"/>
-      </p:par>
-    </p:tnLst>
-  </p:timing>
 </p:sldLayout>
 </file>
 
@@ -5588,7 +12872,7 @@
           <a:lstStyle/>
           <a:p>
             <a:r>
-              <a:rPr lang="de-DE" smtClean="0"/>
+              <a:rPr lang="de-DE"/>
               <a:t>14.07.2016</a:t>
             </a:r>
             <a:endParaRPr lang="de-DE" dirty="0"/>
@@ -5611,14 +12895,13 @@
           <a:lstStyle/>
           <a:p>
             <a:r>
-              <a:rPr lang="de-DE" dirty="0" err="1" smtClean="0"/>
+              <a:rPr lang="de-DE" dirty="0" err="1"/>
               <a:t>Legosar</a:t>
             </a:r>
             <a:r>
-              <a:rPr lang="de-DE" dirty="0" smtClean="0"/>
+              <a:rPr lang="de-DE" dirty="0"/>
               <a:t> SS 18</a:t>
             </a:r>
-            <a:endParaRPr lang="de-DE" dirty="0"/>
           </a:p>
         </p:txBody>
       </p:sp>
@@ -5711,38 +12994,18 @@
             <a:br>
               <a:rPr lang="de-DE" dirty="0"/>
             </a:br>
-            <a:r>
-              <a:rPr lang="de-DE" dirty="0"/>
-              <a:t/>
-            </a:r>
             <a:br>
               <a:rPr lang="de-DE" dirty="0"/>
             </a:br>
-            <a:r>
-              <a:rPr lang="de-DE" dirty="0"/>
-              <a:t/>
-            </a:r>
             <a:br>
               <a:rPr lang="de-DE" dirty="0"/>
             </a:br>
-            <a:r>
-              <a:rPr lang="de-DE" dirty="0"/>
-              <a:t/>
-            </a:r>
             <a:br>
               <a:rPr lang="de-DE" dirty="0"/>
             </a:br>
-            <a:r>
-              <a:rPr lang="de-DE" dirty="0"/>
-              <a:t/>
-            </a:r>
             <a:br>
               <a:rPr lang="de-DE" dirty="0"/>
             </a:br>
-            <a:r>
-              <a:rPr lang="de-DE" dirty="0"/>
-              <a:t/>
-            </a:r>
             <a:br>
               <a:rPr lang="de-DE" dirty="0"/>
             </a:br>
@@ -6031,7 +13294,7 @@
           </a:lstStyle>
           <a:p>
             <a:r>
-              <a:rPr lang="de-DE" smtClean="0"/>
+              <a:rPr lang="de-DE"/>
               <a:t>14.07.2016</a:t>
             </a:r>
             <a:endParaRPr lang="de-DE" dirty="0"/>
@@ -6073,14 +13336,13 @@
           </a:lstStyle>
           <a:p>
             <a:r>
-              <a:rPr lang="de-DE" dirty="0" err="1" smtClean="0"/>
+              <a:rPr lang="de-DE" dirty="0" err="1"/>
               <a:t>Legosar</a:t>
             </a:r>
             <a:r>
-              <a:rPr lang="de-DE" dirty="0" smtClean="0"/>
+              <a:rPr lang="de-DE" dirty="0"/>
               <a:t> SS 18</a:t>
             </a:r>
-            <a:endParaRPr lang="de-DE" dirty="0"/>
           </a:p>
         </p:txBody>
       </p:sp>
@@ -6305,13 +13567,6 @@
     <p:sldLayoutId id="2147483656" r:id="rId16"/>
     <p:sldLayoutId id="2147483657" r:id="rId17"/>
   </p:sldLayoutIdLst>
-  <p:timing>
-    <p:tnLst>
-      <p:par>
-        <p:cTn id="1" dur="indefinite" restart="never" nodeType="tmRoot"/>
-      </p:par>
-    </p:tnLst>
-  </p:timing>
   <p:hf hdr="0"/>
   <p:txStyles>
     <p:titleStyle>
@@ -6599,7 +13854,7 @@
           <a:lstStyle/>
           <a:p>
             <a:r>
-              <a:rPr lang="de-DE" smtClean="0"/>
+              <a:rPr lang="de-DE"/>
               <a:t>14.07.2016</a:t>
             </a:r>
             <a:endParaRPr lang="de-DE" dirty="0"/>
@@ -6622,14 +13877,13 @@
           <a:lstStyle/>
           <a:p>
             <a:r>
-              <a:rPr lang="de-DE" dirty="0" err="1" smtClean="0"/>
+              <a:rPr lang="de-DE" dirty="0" err="1"/>
               <a:t>Legosar</a:t>
             </a:r>
             <a:r>
-              <a:rPr lang="de-DE" dirty="0" smtClean="0"/>
+              <a:rPr lang="de-DE" dirty="0"/>
               <a:t> SS 18</a:t>
             </a:r>
-            <a:endParaRPr lang="de-DE" dirty="0"/>
           </a:p>
         </p:txBody>
       </p:sp>
@@ -6649,7 +13903,7 @@
           <a:lstStyle/>
           <a:p>
             <a:r>
-              <a:rPr lang="de-DE" smtClean="0"/>
+              <a:rPr lang="de-DE"/>
               <a:t>S. </a:t>
             </a:r>
             <a:fld id="{D7EFD9E5-FB44-4C01-A2C2-48348664E7CC}" type="slidenum">
@@ -6696,10 +13950,9 @@
           <a:lstStyle/>
           <a:p>
             <a:r>
-              <a:rPr lang="de-DE" dirty="0" smtClean="0"/>
+              <a:rPr lang="de-DE" dirty="0"/>
               <a:t>EMF</a:t>
             </a:r>
-            <a:endParaRPr lang="de-DE" dirty="0"/>
           </a:p>
         </p:txBody>
       </p:sp>
@@ -6713,13 +13966,6 @@
   <p:clrMapOvr>
     <a:masterClrMapping/>
   </p:clrMapOvr>
-  <p:timing>
-    <p:tnLst>
-      <p:par>
-        <p:cTn id="1" dur="indefinite" restart="never" nodeType="tmRoot"/>
-      </p:par>
-    </p:tnLst>
-  </p:timing>
 </p:sld>
 </file>
 
@@ -6756,7 +14002,7 @@
           <a:lstStyle/>
           <a:p>
             <a:r>
-              <a:rPr lang="de-DE" smtClean="0"/>
+              <a:rPr lang="de-DE"/>
               <a:t>14.07.2016</a:t>
             </a:r>
             <a:endParaRPr lang="de-DE" dirty="0"/>
@@ -6779,10 +14025,10 @@
           <a:lstStyle/>
           <a:p>
             <a:r>
-              <a:rPr lang="de-DE" smtClean="0"/>
+              <a:rPr lang="de-DE"/>
               <a:t>Legosar SS 18</a:t>
             </a:r>
-            <a:endParaRPr lang="de-DE" dirty="0" smtClean="0"/>
+            <a:endParaRPr lang="de-DE" dirty="0"/>
           </a:p>
         </p:txBody>
       </p:sp>
@@ -6802,7 +14048,7 @@
           <a:lstStyle/>
           <a:p>
             <a:r>
-              <a:rPr lang="de-DE" smtClean="0"/>
+              <a:rPr lang="de-DE"/>
               <a:t>S. </a:t>
             </a:r>
             <a:fld id="{D7EFD9E5-FB44-4C01-A2C2-48348664E7CC}" type="slidenum">
@@ -6814,14 +14060,51 @@
           </a:p>
         </p:txBody>
       </p:sp>
-      <p:sp>
-        <p:nvSpPr>
-          <p:cNvPr id="5" name="Inhaltsplatzhalter 4"/>
-          <p:cNvSpPr>
-            <a:spLocks noGrp="1"/>
-          </p:cNvSpPr>
-          <p:nvPr>
-            <p:ph idx="15"/>
+      <p:graphicFrame>
+        <p:nvGraphicFramePr>
+          <p:cNvPr id="7" name="Inhaltsplatzhalter 6">
+            <a:extLst>
+              <a:ext uri="{FF2B5EF4-FFF2-40B4-BE49-F238E27FC236}">
+                <a16:creationId xmlns:a16="http://schemas.microsoft.com/office/drawing/2014/main" id="{B45C35EE-B430-4319-8061-17BD8B2666A5}"/>
+              </a:ext>
+            </a:extLst>
+          </p:cNvPr>
+          <p:cNvGraphicFramePr>
+            <a:graphicFrameLocks noGrp="1"/>
+          </p:cNvGraphicFramePr>
+          <p:nvPr>
+            <p:ph idx="1"/>
+            <p:extLst>
+              <p:ext uri="{D42A27DB-BD31-4B8C-83A1-F6EECF244321}">
+                <p14:modId xmlns:p14="http://schemas.microsoft.com/office/powerpoint/2010/main" val="4232432687"/>
+              </p:ext>
+            </p:extLst>
+          </p:nvPr>
+        </p:nvGraphicFramePr>
+        <p:xfrm>
+          <a:off x="209550" y="1036638"/>
+          <a:ext cx="6426200" cy="3506787"/>
+        </p:xfrm>
+        <a:graphic>
+          <a:graphicData uri="http://schemas.openxmlformats.org/drawingml/2006/diagram">
+            <dgm:relIds xmlns:dgm="http://schemas.openxmlformats.org/drawingml/2006/diagram" xmlns:r="http://schemas.openxmlformats.org/officeDocument/2006/relationships" r:dm="rId2" r:lo="rId3" r:qs="rId4" r:cs="rId5"/>
+          </a:graphicData>
+        </a:graphic>
+      </p:graphicFrame>
+      <p:sp>
+        <p:nvSpPr>
+          <p:cNvPr id="8" name="Textplatzhalter 7">
+            <a:extLst>
+              <a:ext uri="{FF2B5EF4-FFF2-40B4-BE49-F238E27FC236}">
+                <a16:creationId xmlns:a16="http://schemas.microsoft.com/office/drawing/2014/main" id="{8C7EB124-DE3E-4F63-A0FD-33AB2EA86D18}"/>
+              </a:ext>
+            </a:extLst>
+          </p:cNvPr>
+          <p:cNvSpPr>
+            <a:spLocks noGrp="1"/>
+          </p:cNvSpPr>
+          <p:nvPr>
+            <p:ph type="body" sz="quarter" idx="13"/>
           </p:nvPr>
         </p:nvSpPr>
         <p:spPr/>
@@ -6829,7 +14112,10 @@
           <a:bodyPr/>
           <a:lstStyle/>
           <a:p>
-            <a:endParaRPr lang="de-DE"/>
+            <a:r>
+              <a:rPr lang="de-DE" dirty="0"/>
+              <a:t>Architektur</a:t>
+            </a:r>
           </a:p>
         </p:txBody>
       </p:sp>
@@ -6849,10 +14135,9 @@
           <a:lstStyle/>
           <a:p>
             <a:r>
-              <a:rPr lang="de-DE" dirty="0" smtClean="0"/>
+              <a:rPr lang="de-DE" dirty="0"/>
               <a:t>Generator</a:t>
             </a:r>
-            <a:endParaRPr lang="de-DE" dirty="0"/>
           </a:p>
         </p:txBody>
       </p:sp>
@@ -6860,6 +14145,1230 @@
     <p:extLst>
       <p:ext uri="{BB962C8B-B14F-4D97-AF65-F5344CB8AC3E}">
         <p14:creationId xmlns:p14="http://schemas.microsoft.com/office/powerpoint/2010/main" val="3261571547"/>
+      </p:ext>
+    </p:extLst>
+  </p:cSld>
+  <p:clrMapOvr>
+    <a:masterClrMapping/>
+  </p:clrMapOvr>
+</p:sld>
+</file>
+
+<file path=ppt/slides/slide3.xml><?xml version="1.0" encoding="utf-8"?>
+<p:sld xmlns:a="http://schemas.openxmlformats.org/drawingml/2006/main" xmlns:r="http://schemas.openxmlformats.org/officeDocument/2006/relationships" xmlns:p="http://schemas.openxmlformats.org/presentationml/2006/main">
+  <p:cSld>
+    <p:spTree>
+      <p:nvGrpSpPr>
+        <p:cNvPr id="1" name=""/>
+        <p:cNvGrpSpPr/>
+        <p:nvPr/>
+      </p:nvGrpSpPr>
+      <p:grpSpPr>
+        <a:xfrm>
+          <a:off x="0" y="0"/>
+          <a:ext cx="0" cy="0"/>
+          <a:chOff x="0" y="0"/>
+          <a:chExt cx="0" cy="0"/>
+        </a:xfrm>
+      </p:grpSpPr>
+      <p:sp>
+        <p:nvSpPr>
+          <p:cNvPr id="2" name="Datumsplatzhalter 1"/>
+          <p:cNvSpPr>
+            <a:spLocks noGrp="1"/>
+          </p:cNvSpPr>
+          <p:nvPr>
+            <p:ph type="dt" sz="half" idx="10"/>
+          </p:nvPr>
+        </p:nvSpPr>
+        <p:spPr/>
+        <p:txBody>
+          <a:bodyPr/>
+          <a:lstStyle/>
+          <a:p>
+            <a:r>
+              <a:rPr lang="de-DE"/>
+              <a:t>14.07.2016</a:t>
+            </a:r>
+            <a:endParaRPr lang="de-DE" dirty="0"/>
+          </a:p>
+        </p:txBody>
+      </p:sp>
+      <p:sp>
+        <p:nvSpPr>
+          <p:cNvPr id="3" name="Fußzeilenplatzhalter 2"/>
+          <p:cNvSpPr>
+            <a:spLocks noGrp="1"/>
+          </p:cNvSpPr>
+          <p:nvPr>
+            <p:ph type="ftr" sz="quarter" idx="11"/>
+          </p:nvPr>
+        </p:nvSpPr>
+        <p:spPr/>
+        <p:txBody>
+          <a:bodyPr/>
+          <a:lstStyle/>
+          <a:p>
+            <a:r>
+              <a:rPr lang="de-DE"/>
+              <a:t>Legosar SS 18</a:t>
+            </a:r>
+            <a:endParaRPr lang="de-DE" dirty="0"/>
+          </a:p>
+        </p:txBody>
+      </p:sp>
+      <p:sp>
+        <p:nvSpPr>
+          <p:cNvPr id="4" name="Foliennummernplatzhalter 3"/>
+          <p:cNvSpPr>
+            <a:spLocks noGrp="1"/>
+          </p:cNvSpPr>
+          <p:nvPr>
+            <p:ph type="sldNum" sz="quarter" idx="12"/>
+          </p:nvPr>
+        </p:nvSpPr>
+        <p:spPr/>
+        <p:txBody>
+          <a:bodyPr/>
+          <a:lstStyle/>
+          <a:p>
+            <a:r>
+              <a:rPr lang="de-DE"/>
+              <a:t>S. </a:t>
+            </a:r>
+            <a:fld id="{D7EFD9E5-FB44-4C01-A2C2-48348664E7CC}" type="slidenum">
+              <a:rPr lang="de-DE" smtClean="0"/>
+              <a:pPr/>
+              <a:t>3</a:t>
+            </a:fld>
+            <a:endParaRPr lang="de-DE" dirty="0"/>
+          </a:p>
+        </p:txBody>
+      </p:sp>
+      <p:graphicFrame>
+        <p:nvGraphicFramePr>
+          <p:cNvPr id="8" name="Inhaltsplatzhalter 7">
+            <a:extLst>
+              <a:ext uri="{FF2B5EF4-FFF2-40B4-BE49-F238E27FC236}">
+                <a16:creationId xmlns:a16="http://schemas.microsoft.com/office/drawing/2014/main" id="{84E533BB-96E0-4DCB-8F82-7C0280D3D297}"/>
+              </a:ext>
+            </a:extLst>
+          </p:cNvPr>
+          <p:cNvGraphicFramePr>
+            <a:graphicFrameLocks noGrp="1"/>
+          </p:cNvGraphicFramePr>
+          <p:nvPr>
+            <p:ph idx="1"/>
+            <p:extLst>
+              <p:ext uri="{D42A27DB-BD31-4B8C-83A1-F6EECF244321}">
+                <p14:modId xmlns:p14="http://schemas.microsoft.com/office/powerpoint/2010/main" val="3146768095"/>
+              </p:ext>
+            </p:extLst>
+          </p:nvPr>
+        </p:nvGraphicFramePr>
+        <p:xfrm>
+          <a:off x="209550" y="1693888"/>
+          <a:ext cx="6426200" cy="1093886"/>
+        </p:xfrm>
+        <a:graphic>
+          <a:graphicData uri="http://schemas.openxmlformats.org/drawingml/2006/diagram">
+            <dgm:relIds xmlns:dgm="http://schemas.openxmlformats.org/drawingml/2006/diagram" xmlns:r="http://schemas.openxmlformats.org/officeDocument/2006/relationships" r:dm="rId2" r:lo="rId3" r:qs="rId4" r:cs="rId5"/>
+          </a:graphicData>
+        </a:graphic>
+      </p:graphicFrame>
+      <p:sp>
+        <p:nvSpPr>
+          <p:cNvPr id="12" name="Textplatzhalter 11">
+            <a:extLst>
+              <a:ext uri="{FF2B5EF4-FFF2-40B4-BE49-F238E27FC236}">
+                <a16:creationId xmlns:a16="http://schemas.microsoft.com/office/drawing/2014/main" id="{B148AD95-DF13-4B22-83F2-74C482891D37}"/>
+              </a:ext>
+            </a:extLst>
+          </p:cNvPr>
+          <p:cNvSpPr>
+            <a:spLocks noGrp="1"/>
+          </p:cNvSpPr>
+          <p:nvPr>
+            <p:ph type="body" sz="quarter" idx="13"/>
+          </p:nvPr>
+        </p:nvSpPr>
+        <p:spPr/>
+        <p:txBody>
+          <a:bodyPr/>
+          <a:lstStyle/>
+          <a:p>
+            <a:r>
+              <a:rPr lang="de-DE" dirty="0"/>
+              <a:t>Architektur</a:t>
+            </a:r>
+          </a:p>
+        </p:txBody>
+      </p:sp>
+      <p:sp>
+        <p:nvSpPr>
+          <p:cNvPr id="6" name="Titel 5"/>
+          <p:cNvSpPr>
+            <a:spLocks noGrp="1"/>
+          </p:cNvSpPr>
+          <p:nvPr>
+            <p:ph type="title"/>
+          </p:nvPr>
+        </p:nvSpPr>
+        <p:spPr/>
+        <p:txBody>
+          <a:bodyPr/>
+          <a:lstStyle/>
+          <a:p>
+            <a:r>
+              <a:rPr lang="de-DE" dirty="0"/>
+              <a:t>Generator</a:t>
+            </a:r>
+          </a:p>
+        </p:txBody>
+      </p:sp>
+      <p:sp>
+        <p:nvSpPr>
+          <p:cNvPr id="9" name="Textfeld 8">
+            <a:extLst>
+              <a:ext uri="{FF2B5EF4-FFF2-40B4-BE49-F238E27FC236}">
+                <a16:creationId xmlns:a16="http://schemas.microsoft.com/office/drawing/2014/main" id="{A23FDE92-0052-4CF6-8EE0-D507639BFF9D}"/>
+              </a:ext>
+            </a:extLst>
+          </p:cNvPr>
+          <p:cNvSpPr txBox="1"/>
+          <p:nvPr/>
+        </p:nvSpPr>
+        <p:spPr>
+          <a:xfrm>
+            <a:off x="116632" y="2787774"/>
+            <a:ext cx="1908368" cy="938719"/>
+          </a:xfrm>
+          <a:prstGeom prst="rect">
+            <a:avLst/>
+          </a:prstGeom>
+          <a:noFill/>
+        </p:spPr>
+        <p:txBody>
+          <a:bodyPr wrap="square" rtlCol="0">
+            <a:spAutoFit/>
+          </a:bodyPr>
+          <a:lstStyle/>
+          <a:p>
+            <a:pPr marL="285750" indent="-285750">
+              <a:buFont typeface="Arial" panose="020B0604020202020204" pitchFamily="34" charset="0"/>
+              <a:buChar char="•"/>
+            </a:pPr>
+            <a:r>
+              <a:rPr lang="de-DE" sz="1100" dirty="0"/>
+              <a:t>Sammeln von Kontextdaten</a:t>
+            </a:r>
+          </a:p>
+          <a:p>
+            <a:pPr marL="285750" indent="-285750">
+              <a:buFont typeface="Arial" panose="020B0604020202020204" pitchFamily="34" charset="0"/>
+              <a:buChar char="•"/>
+            </a:pPr>
+            <a:r>
+              <a:rPr lang="de-DE" sz="1100" dirty="0"/>
+              <a:t>Starten der Untergeneratoren</a:t>
+            </a:r>
+          </a:p>
+          <a:p>
+            <a:endParaRPr lang="de-DE" sz="1100" dirty="0"/>
+          </a:p>
+        </p:txBody>
+      </p:sp>
+      <p:sp>
+        <p:nvSpPr>
+          <p:cNvPr id="10" name="Textfeld 9">
+            <a:extLst>
+              <a:ext uri="{FF2B5EF4-FFF2-40B4-BE49-F238E27FC236}">
+                <a16:creationId xmlns:a16="http://schemas.microsoft.com/office/drawing/2014/main" id="{BA2AE922-10C0-40A4-8FEB-47053CB23DC5}"/>
+              </a:ext>
+            </a:extLst>
+          </p:cNvPr>
+          <p:cNvSpPr txBox="1"/>
+          <p:nvPr/>
+        </p:nvSpPr>
+        <p:spPr>
+          <a:xfrm>
+            <a:off x="2304361" y="2787774"/>
+            <a:ext cx="1908368" cy="769441"/>
+          </a:xfrm>
+          <a:prstGeom prst="rect">
+            <a:avLst/>
+          </a:prstGeom>
+          <a:noFill/>
+        </p:spPr>
+        <p:txBody>
+          <a:bodyPr wrap="square" rtlCol="0">
+            <a:spAutoFit/>
+          </a:bodyPr>
+          <a:lstStyle/>
+          <a:p>
+            <a:pPr marL="285750" indent="-285750">
+              <a:buFont typeface="Arial" panose="020B0604020202020204" pitchFamily="34" charset="0"/>
+              <a:buChar char="•"/>
+            </a:pPr>
+            <a:r>
+              <a:rPr lang="de-DE" sz="1100" dirty="0"/>
+              <a:t>Sammeln der Daten</a:t>
+            </a:r>
+          </a:p>
+          <a:p>
+            <a:pPr marL="285750" indent="-285750">
+              <a:buFont typeface="Arial" panose="020B0604020202020204" pitchFamily="34" charset="0"/>
+              <a:buChar char="•"/>
+            </a:pPr>
+            <a:r>
+              <a:rPr lang="de-DE" sz="1100" dirty="0"/>
+              <a:t>Bestimmung der Variableninhalte</a:t>
+            </a:r>
+          </a:p>
+          <a:p>
+            <a:endParaRPr lang="de-DE" sz="1100" dirty="0"/>
+          </a:p>
+        </p:txBody>
+      </p:sp>
+      <p:sp>
+        <p:nvSpPr>
+          <p:cNvPr id="11" name="Textfeld 10">
+            <a:extLst>
+              <a:ext uri="{FF2B5EF4-FFF2-40B4-BE49-F238E27FC236}">
+                <a16:creationId xmlns:a16="http://schemas.microsoft.com/office/drawing/2014/main" id="{BDD010E7-239F-466F-BE5E-4FD87CB39CAC}"/>
+              </a:ext>
+            </a:extLst>
+          </p:cNvPr>
+          <p:cNvSpPr txBox="1"/>
+          <p:nvPr/>
+        </p:nvSpPr>
+        <p:spPr>
+          <a:xfrm>
+            <a:off x="4492090" y="2787774"/>
+            <a:ext cx="1908368" cy="600164"/>
+          </a:xfrm>
+          <a:prstGeom prst="rect">
+            <a:avLst/>
+          </a:prstGeom>
+          <a:noFill/>
+        </p:spPr>
+        <p:txBody>
+          <a:bodyPr wrap="square" rtlCol="0">
+            <a:spAutoFit/>
+          </a:bodyPr>
+          <a:lstStyle/>
+          <a:p>
+            <a:pPr marL="285750" indent="-285750">
+              <a:buFont typeface="Arial" panose="020B0604020202020204" pitchFamily="34" charset="0"/>
+              <a:buChar char="•"/>
+            </a:pPr>
+            <a:r>
+              <a:rPr lang="de-DE" sz="1100" dirty="0"/>
+              <a:t>Laden des Templates</a:t>
+            </a:r>
+          </a:p>
+          <a:p>
+            <a:pPr marL="285750" indent="-285750">
+              <a:buFont typeface="Arial" panose="020B0604020202020204" pitchFamily="34" charset="0"/>
+              <a:buChar char="•"/>
+            </a:pPr>
+            <a:r>
+              <a:rPr lang="de-DE" sz="1100" dirty="0"/>
+              <a:t>Befüllung mit Daten</a:t>
+            </a:r>
+          </a:p>
+          <a:p>
+            <a:endParaRPr lang="de-DE" sz="1100" dirty="0"/>
+          </a:p>
+        </p:txBody>
+      </p:sp>
+    </p:spTree>
+    <p:extLst>
+      <p:ext uri="{BB962C8B-B14F-4D97-AF65-F5344CB8AC3E}">
+        <p14:creationId xmlns:p14="http://schemas.microsoft.com/office/powerpoint/2010/main" val="166254318"/>
+      </p:ext>
+    </p:extLst>
+  </p:cSld>
+  <p:clrMapOvr>
+    <a:masterClrMapping/>
+  </p:clrMapOvr>
+</p:sld>
+</file>
+
+<file path=ppt/slides/slide4.xml><?xml version="1.0" encoding="utf-8"?>
+<p:sld xmlns:a="http://schemas.openxmlformats.org/drawingml/2006/main" xmlns:r="http://schemas.openxmlformats.org/officeDocument/2006/relationships" xmlns:p="http://schemas.openxmlformats.org/presentationml/2006/main">
+  <p:cSld>
+    <p:spTree>
+      <p:nvGrpSpPr>
+        <p:cNvPr id="1" name=""/>
+        <p:cNvGrpSpPr/>
+        <p:nvPr/>
+      </p:nvGrpSpPr>
+      <p:grpSpPr>
+        <a:xfrm>
+          <a:off x="0" y="0"/>
+          <a:ext cx="0" cy="0"/>
+          <a:chOff x="0" y="0"/>
+          <a:chExt cx="0" cy="0"/>
+        </a:xfrm>
+      </p:grpSpPr>
+      <p:sp>
+        <p:nvSpPr>
+          <p:cNvPr id="2" name="Datumsplatzhalter 1"/>
+          <p:cNvSpPr>
+            <a:spLocks noGrp="1"/>
+          </p:cNvSpPr>
+          <p:nvPr>
+            <p:ph type="dt" sz="half" idx="10"/>
+          </p:nvPr>
+        </p:nvSpPr>
+        <p:spPr/>
+        <p:txBody>
+          <a:bodyPr/>
+          <a:lstStyle/>
+          <a:p>
+            <a:r>
+              <a:rPr lang="de-DE"/>
+              <a:t>14.07.2016</a:t>
+            </a:r>
+            <a:endParaRPr lang="de-DE" dirty="0"/>
+          </a:p>
+        </p:txBody>
+      </p:sp>
+      <p:sp>
+        <p:nvSpPr>
+          <p:cNvPr id="3" name="Fußzeilenplatzhalter 2"/>
+          <p:cNvSpPr>
+            <a:spLocks noGrp="1"/>
+          </p:cNvSpPr>
+          <p:nvPr>
+            <p:ph type="ftr" sz="quarter" idx="11"/>
+          </p:nvPr>
+        </p:nvSpPr>
+        <p:spPr/>
+        <p:txBody>
+          <a:bodyPr/>
+          <a:lstStyle/>
+          <a:p>
+            <a:r>
+              <a:rPr lang="de-DE"/>
+              <a:t>Legosar SS 18</a:t>
+            </a:r>
+            <a:endParaRPr lang="de-DE" dirty="0"/>
+          </a:p>
+        </p:txBody>
+      </p:sp>
+      <p:sp>
+        <p:nvSpPr>
+          <p:cNvPr id="4" name="Foliennummernplatzhalter 3"/>
+          <p:cNvSpPr>
+            <a:spLocks noGrp="1"/>
+          </p:cNvSpPr>
+          <p:nvPr>
+            <p:ph type="sldNum" sz="quarter" idx="12"/>
+          </p:nvPr>
+        </p:nvSpPr>
+        <p:spPr/>
+        <p:txBody>
+          <a:bodyPr/>
+          <a:lstStyle/>
+          <a:p>
+            <a:r>
+              <a:rPr lang="de-DE"/>
+              <a:t>S. </a:t>
+            </a:r>
+            <a:fld id="{D7EFD9E5-FB44-4C01-A2C2-48348664E7CC}" type="slidenum">
+              <a:rPr lang="de-DE" smtClean="0"/>
+              <a:pPr/>
+              <a:t>4</a:t>
+            </a:fld>
+            <a:endParaRPr lang="de-DE" dirty="0"/>
+          </a:p>
+        </p:txBody>
+      </p:sp>
+      <p:sp>
+        <p:nvSpPr>
+          <p:cNvPr id="11" name="Inhaltsplatzhalter 10">
+            <a:extLst>
+              <a:ext uri="{FF2B5EF4-FFF2-40B4-BE49-F238E27FC236}">
+                <a16:creationId xmlns:a16="http://schemas.microsoft.com/office/drawing/2014/main" id="{5F07172A-F733-4451-AB19-B0A79C7A898A}"/>
+              </a:ext>
+            </a:extLst>
+          </p:cNvPr>
+          <p:cNvSpPr>
+            <a:spLocks noGrp="1"/>
+          </p:cNvSpPr>
+          <p:nvPr>
+            <p:ph idx="1"/>
+          </p:nvPr>
+        </p:nvSpPr>
+        <p:spPr/>
+        <p:txBody>
+          <a:bodyPr/>
+          <a:lstStyle/>
+          <a:p>
+            <a:endParaRPr lang="de-DE"/>
+          </a:p>
+        </p:txBody>
+      </p:sp>
+      <p:sp>
+        <p:nvSpPr>
+          <p:cNvPr id="12" name="Textplatzhalter 11">
+            <a:extLst>
+              <a:ext uri="{FF2B5EF4-FFF2-40B4-BE49-F238E27FC236}">
+                <a16:creationId xmlns:a16="http://schemas.microsoft.com/office/drawing/2014/main" id="{9846F0F7-DFCC-4B40-8B7A-B2A798915395}"/>
+              </a:ext>
+            </a:extLst>
+          </p:cNvPr>
+          <p:cNvSpPr>
+            <a:spLocks noGrp="1"/>
+          </p:cNvSpPr>
+          <p:nvPr>
+            <p:ph type="body" sz="quarter" idx="13"/>
+          </p:nvPr>
+        </p:nvSpPr>
+        <p:spPr/>
+        <p:txBody>
+          <a:bodyPr/>
+          <a:lstStyle/>
+          <a:p>
+            <a:r>
+              <a:rPr lang="de-DE" dirty="0"/>
+              <a:t>Templates</a:t>
+            </a:r>
+          </a:p>
+        </p:txBody>
+      </p:sp>
+      <p:sp>
+        <p:nvSpPr>
+          <p:cNvPr id="6" name="Titel 5"/>
+          <p:cNvSpPr>
+            <a:spLocks noGrp="1"/>
+          </p:cNvSpPr>
+          <p:nvPr>
+            <p:ph type="title"/>
+          </p:nvPr>
+        </p:nvSpPr>
+        <p:spPr/>
+        <p:txBody>
+          <a:bodyPr/>
+          <a:lstStyle/>
+          <a:p>
+            <a:r>
+              <a:rPr lang="de-DE" dirty="0"/>
+              <a:t>Generator</a:t>
+            </a:r>
+          </a:p>
+        </p:txBody>
+      </p:sp>
+      <p:pic>
+        <p:nvPicPr>
+          <p:cNvPr id="10" name="Grafik 9">
+            <a:extLst>
+              <a:ext uri="{FF2B5EF4-FFF2-40B4-BE49-F238E27FC236}">
+                <a16:creationId xmlns:a16="http://schemas.microsoft.com/office/drawing/2014/main" id="{CDF74D08-4D7A-4C20-9451-41B15C9C78A7}"/>
+              </a:ext>
+            </a:extLst>
+          </p:cNvPr>
+          <p:cNvPicPr>
+            <a:picLocks noChangeAspect="1"/>
+          </p:cNvPicPr>
+          <p:nvPr/>
+        </p:nvPicPr>
+        <p:blipFill>
+          <a:blip r:embed="rId2">
+            <a:extLst>
+              <a:ext uri="{28A0092B-C50C-407E-A947-70E740481C1C}">
+                <a14:useLocalDpi xmlns:a14="http://schemas.microsoft.com/office/drawing/2010/main" val="0"/>
+              </a:ext>
+            </a:extLst>
+          </a:blip>
+          <a:stretch>
+            <a:fillRect/>
+          </a:stretch>
+        </p:blipFill>
+        <p:spPr>
+          <a:xfrm>
+            <a:off x="404664" y="1419622"/>
+            <a:ext cx="6026712" cy="2426226"/>
+          </a:xfrm>
+          <a:prstGeom prst="rect">
+            <a:avLst/>
+          </a:prstGeom>
+        </p:spPr>
+      </p:pic>
+    </p:spTree>
+    <p:extLst>
+      <p:ext uri="{BB962C8B-B14F-4D97-AF65-F5344CB8AC3E}">
+        <p14:creationId xmlns:p14="http://schemas.microsoft.com/office/powerpoint/2010/main" val="1240405956"/>
+      </p:ext>
+    </p:extLst>
+  </p:cSld>
+  <p:clrMapOvr>
+    <a:masterClrMapping/>
+  </p:clrMapOvr>
+</p:sld>
+</file>
+
+<file path=ppt/slides/slide5.xml><?xml version="1.0" encoding="utf-8"?>
+<p:sld xmlns:a="http://schemas.openxmlformats.org/drawingml/2006/main" xmlns:r="http://schemas.openxmlformats.org/officeDocument/2006/relationships" xmlns:p="http://schemas.openxmlformats.org/presentationml/2006/main">
+  <p:cSld>
+    <p:spTree>
+      <p:nvGrpSpPr>
+        <p:cNvPr id="1" name=""/>
+        <p:cNvGrpSpPr/>
+        <p:nvPr/>
+      </p:nvGrpSpPr>
+      <p:grpSpPr>
+        <a:xfrm>
+          <a:off x="0" y="0"/>
+          <a:ext cx="0" cy="0"/>
+          <a:chOff x="0" y="0"/>
+          <a:chExt cx="0" cy="0"/>
+        </a:xfrm>
+      </p:grpSpPr>
+      <p:sp>
+        <p:nvSpPr>
+          <p:cNvPr id="2" name="Datumsplatzhalter 1"/>
+          <p:cNvSpPr>
+            <a:spLocks noGrp="1"/>
+          </p:cNvSpPr>
+          <p:nvPr>
+            <p:ph type="dt" sz="half" idx="10"/>
+          </p:nvPr>
+        </p:nvSpPr>
+        <p:spPr/>
+        <p:txBody>
+          <a:bodyPr/>
+          <a:lstStyle/>
+          <a:p>
+            <a:r>
+              <a:rPr lang="de-DE"/>
+              <a:t>14.07.2016</a:t>
+            </a:r>
+            <a:endParaRPr lang="de-DE" dirty="0"/>
+          </a:p>
+        </p:txBody>
+      </p:sp>
+      <p:sp>
+        <p:nvSpPr>
+          <p:cNvPr id="3" name="Fußzeilenplatzhalter 2"/>
+          <p:cNvSpPr>
+            <a:spLocks noGrp="1"/>
+          </p:cNvSpPr>
+          <p:nvPr>
+            <p:ph type="ftr" sz="quarter" idx="11"/>
+          </p:nvPr>
+        </p:nvSpPr>
+        <p:spPr/>
+        <p:txBody>
+          <a:bodyPr/>
+          <a:lstStyle/>
+          <a:p>
+            <a:r>
+              <a:rPr lang="de-DE"/>
+              <a:t>Legosar SS 18</a:t>
+            </a:r>
+            <a:endParaRPr lang="de-DE" dirty="0"/>
+          </a:p>
+        </p:txBody>
+      </p:sp>
+      <p:sp>
+        <p:nvSpPr>
+          <p:cNvPr id="4" name="Foliennummernplatzhalter 3"/>
+          <p:cNvSpPr>
+            <a:spLocks noGrp="1"/>
+          </p:cNvSpPr>
+          <p:nvPr>
+            <p:ph type="sldNum" sz="quarter" idx="12"/>
+          </p:nvPr>
+        </p:nvSpPr>
+        <p:spPr/>
+        <p:txBody>
+          <a:bodyPr/>
+          <a:lstStyle/>
+          <a:p>
+            <a:r>
+              <a:rPr lang="de-DE"/>
+              <a:t>S. </a:t>
+            </a:r>
+            <a:fld id="{D7EFD9E5-FB44-4C01-A2C2-48348664E7CC}" type="slidenum">
+              <a:rPr lang="de-DE" smtClean="0"/>
+              <a:pPr/>
+              <a:t>5</a:t>
+            </a:fld>
+            <a:endParaRPr lang="de-DE" dirty="0"/>
+          </a:p>
+        </p:txBody>
+      </p:sp>
+      <p:sp>
+        <p:nvSpPr>
+          <p:cNvPr id="8" name="Inhaltsplatzhalter 7">
+            <a:extLst>
+              <a:ext uri="{FF2B5EF4-FFF2-40B4-BE49-F238E27FC236}">
+                <a16:creationId xmlns:a16="http://schemas.microsoft.com/office/drawing/2014/main" id="{B4C2C888-D125-4B0A-AB36-40745AEC9296}"/>
+              </a:ext>
+            </a:extLst>
+          </p:cNvPr>
+          <p:cNvSpPr>
+            <a:spLocks noGrp="1"/>
+          </p:cNvSpPr>
+          <p:nvPr>
+            <p:ph idx="1"/>
+          </p:nvPr>
+        </p:nvSpPr>
+        <p:spPr/>
+        <p:txBody>
+          <a:bodyPr/>
+          <a:lstStyle/>
+          <a:p>
+            <a:endParaRPr lang="de-DE"/>
+          </a:p>
+        </p:txBody>
+      </p:sp>
+      <p:sp>
+        <p:nvSpPr>
+          <p:cNvPr id="9" name="Textplatzhalter 8">
+            <a:extLst>
+              <a:ext uri="{FF2B5EF4-FFF2-40B4-BE49-F238E27FC236}">
+                <a16:creationId xmlns:a16="http://schemas.microsoft.com/office/drawing/2014/main" id="{BEEF14ED-FFD8-4581-A3FC-DCD6F1373C9F}"/>
+              </a:ext>
+            </a:extLst>
+          </p:cNvPr>
+          <p:cNvSpPr>
+            <a:spLocks noGrp="1"/>
+          </p:cNvSpPr>
+          <p:nvPr>
+            <p:ph type="body" sz="quarter" idx="13"/>
+          </p:nvPr>
+        </p:nvSpPr>
+        <p:spPr/>
+        <p:txBody>
+          <a:bodyPr/>
+          <a:lstStyle/>
+          <a:p>
+            <a:r>
+              <a:rPr lang="de-DE" dirty="0"/>
+              <a:t>Templates</a:t>
+            </a:r>
+          </a:p>
+        </p:txBody>
+      </p:sp>
+      <p:sp>
+        <p:nvSpPr>
+          <p:cNvPr id="6" name="Titel 5"/>
+          <p:cNvSpPr>
+            <a:spLocks noGrp="1"/>
+          </p:cNvSpPr>
+          <p:nvPr>
+            <p:ph type="title"/>
+          </p:nvPr>
+        </p:nvSpPr>
+        <p:spPr/>
+        <p:txBody>
+          <a:bodyPr/>
+          <a:lstStyle/>
+          <a:p>
+            <a:r>
+              <a:rPr lang="de-DE" dirty="0"/>
+              <a:t>Generator</a:t>
+            </a:r>
+          </a:p>
+        </p:txBody>
+      </p:sp>
+      <p:pic>
+        <p:nvPicPr>
+          <p:cNvPr id="7" name="Grafik 6">
+            <a:extLst>
+              <a:ext uri="{FF2B5EF4-FFF2-40B4-BE49-F238E27FC236}">
+                <a16:creationId xmlns:a16="http://schemas.microsoft.com/office/drawing/2014/main" id="{D03B093E-D126-48C1-B966-B55E93091438}"/>
+              </a:ext>
+            </a:extLst>
+          </p:cNvPr>
+          <p:cNvPicPr>
+            <a:picLocks noChangeAspect="1"/>
+          </p:cNvPicPr>
+          <p:nvPr/>
+        </p:nvPicPr>
+        <p:blipFill>
+          <a:blip r:embed="rId2" cstate="print">
+            <a:extLst>
+              <a:ext uri="{28A0092B-C50C-407E-A947-70E740481C1C}">
+                <a14:useLocalDpi xmlns:a14="http://schemas.microsoft.com/office/drawing/2010/main" val="0"/>
+              </a:ext>
+            </a:extLst>
+          </a:blip>
+          <a:stretch>
+            <a:fillRect/>
+          </a:stretch>
+        </p:blipFill>
+        <p:spPr>
+          <a:xfrm>
+            <a:off x="766135" y="1995686"/>
+            <a:ext cx="5325730" cy="1152128"/>
+          </a:xfrm>
+          <a:prstGeom prst="rect">
+            <a:avLst/>
+          </a:prstGeom>
+        </p:spPr>
+      </p:pic>
+    </p:spTree>
+    <p:extLst>
+      <p:ext uri="{BB962C8B-B14F-4D97-AF65-F5344CB8AC3E}">
+        <p14:creationId xmlns:p14="http://schemas.microsoft.com/office/powerpoint/2010/main" val="777073559"/>
+      </p:ext>
+    </p:extLst>
+  </p:cSld>
+  <p:clrMapOvr>
+    <a:masterClrMapping/>
+  </p:clrMapOvr>
+</p:sld>
+</file>
+
+<file path=ppt/slides/slide6.xml><?xml version="1.0" encoding="utf-8"?>
+<p:sld xmlns:a="http://schemas.openxmlformats.org/drawingml/2006/main" xmlns:r="http://schemas.openxmlformats.org/officeDocument/2006/relationships" xmlns:p="http://schemas.openxmlformats.org/presentationml/2006/main">
+  <p:cSld>
+    <p:spTree>
+      <p:nvGrpSpPr>
+        <p:cNvPr id="1" name=""/>
+        <p:cNvGrpSpPr/>
+        <p:nvPr/>
+      </p:nvGrpSpPr>
+      <p:grpSpPr>
+        <a:xfrm>
+          <a:off x="0" y="0"/>
+          <a:ext cx="0" cy="0"/>
+          <a:chOff x="0" y="0"/>
+          <a:chExt cx="0" cy="0"/>
+        </a:xfrm>
+      </p:grpSpPr>
+      <p:sp>
+        <p:nvSpPr>
+          <p:cNvPr id="2" name="Datumsplatzhalter 1"/>
+          <p:cNvSpPr>
+            <a:spLocks noGrp="1"/>
+          </p:cNvSpPr>
+          <p:nvPr>
+            <p:ph type="dt" sz="half" idx="10"/>
+          </p:nvPr>
+        </p:nvSpPr>
+        <p:spPr/>
+        <p:txBody>
+          <a:bodyPr/>
+          <a:lstStyle/>
+          <a:p>
+            <a:r>
+              <a:rPr lang="de-DE"/>
+              <a:t>14.07.2016</a:t>
+            </a:r>
+            <a:endParaRPr lang="de-DE" dirty="0"/>
+          </a:p>
+        </p:txBody>
+      </p:sp>
+      <p:sp>
+        <p:nvSpPr>
+          <p:cNvPr id="3" name="Fußzeilenplatzhalter 2"/>
+          <p:cNvSpPr>
+            <a:spLocks noGrp="1"/>
+          </p:cNvSpPr>
+          <p:nvPr>
+            <p:ph type="ftr" sz="quarter" idx="11"/>
+          </p:nvPr>
+        </p:nvSpPr>
+        <p:spPr/>
+        <p:txBody>
+          <a:bodyPr/>
+          <a:lstStyle/>
+          <a:p>
+            <a:r>
+              <a:rPr lang="de-DE"/>
+              <a:t>Legosar SS 18</a:t>
+            </a:r>
+            <a:endParaRPr lang="de-DE" dirty="0"/>
+          </a:p>
+        </p:txBody>
+      </p:sp>
+      <p:sp>
+        <p:nvSpPr>
+          <p:cNvPr id="4" name="Foliennummernplatzhalter 3"/>
+          <p:cNvSpPr>
+            <a:spLocks noGrp="1"/>
+          </p:cNvSpPr>
+          <p:nvPr>
+            <p:ph type="sldNum" sz="quarter" idx="12"/>
+          </p:nvPr>
+        </p:nvSpPr>
+        <p:spPr/>
+        <p:txBody>
+          <a:bodyPr/>
+          <a:lstStyle/>
+          <a:p>
+            <a:r>
+              <a:rPr lang="de-DE"/>
+              <a:t>S. </a:t>
+            </a:r>
+            <a:fld id="{D7EFD9E5-FB44-4C01-A2C2-48348664E7CC}" type="slidenum">
+              <a:rPr lang="de-DE" smtClean="0"/>
+              <a:pPr/>
+              <a:t>6</a:t>
+            </a:fld>
+            <a:endParaRPr lang="de-DE" dirty="0"/>
+          </a:p>
+        </p:txBody>
+      </p:sp>
+      <p:sp>
+        <p:nvSpPr>
+          <p:cNvPr id="17" name="Textplatzhalter 16">
+            <a:extLst>
+              <a:ext uri="{FF2B5EF4-FFF2-40B4-BE49-F238E27FC236}">
+                <a16:creationId xmlns:a16="http://schemas.microsoft.com/office/drawing/2014/main" id="{932D466B-FF7B-4B72-A03C-AE297016BB32}"/>
+              </a:ext>
+            </a:extLst>
+          </p:cNvPr>
+          <p:cNvSpPr>
+            <a:spLocks noGrp="1"/>
+          </p:cNvSpPr>
+          <p:nvPr>
+            <p:ph type="body" sz="quarter" idx="13"/>
+          </p:nvPr>
+        </p:nvSpPr>
+        <p:spPr/>
+        <p:txBody>
+          <a:bodyPr/>
+          <a:lstStyle/>
+          <a:p>
+            <a:r>
+              <a:rPr lang="de-DE" dirty="0"/>
+              <a:t>Erweiterbarkeit am Beispiel </a:t>
+            </a:r>
+            <a:r>
+              <a:rPr lang="de-DE" dirty="0" err="1"/>
+              <a:t>Softwareports</a:t>
+            </a:r>
+            <a:endParaRPr lang="de-DE" dirty="0"/>
+          </a:p>
+        </p:txBody>
+      </p:sp>
+      <p:sp>
+        <p:nvSpPr>
+          <p:cNvPr id="6" name="Titel 5"/>
+          <p:cNvSpPr>
+            <a:spLocks noGrp="1"/>
+          </p:cNvSpPr>
+          <p:nvPr>
+            <p:ph type="title"/>
+          </p:nvPr>
+        </p:nvSpPr>
+        <p:spPr/>
+        <p:txBody>
+          <a:bodyPr/>
+          <a:lstStyle/>
+          <a:p>
+            <a:r>
+              <a:rPr lang="de-DE" dirty="0"/>
+              <a:t>Generator</a:t>
+            </a:r>
+          </a:p>
+        </p:txBody>
+      </p:sp>
+      <p:sp>
+        <p:nvSpPr>
+          <p:cNvPr id="5" name="Textfeld 4">
+            <a:extLst>
+              <a:ext uri="{FF2B5EF4-FFF2-40B4-BE49-F238E27FC236}">
+                <a16:creationId xmlns:a16="http://schemas.microsoft.com/office/drawing/2014/main" id="{54203B87-5151-4C04-A7D2-0F8D119F0C4B}"/>
+              </a:ext>
+            </a:extLst>
+          </p:cNvPr>
+          <p:cNvSpPr txBox="1"/>
+          <p:nvPr/>
+        </p:nvSpPr>
+        <p:spPr>
+          <a:xfrm>
+            <a:off x="2204864" y="1779662"/>
+            <a:ext cx="184731" cy="307777"/>
+          </a:xfrm>
+          <a:prstGeom prst="rect">
+            <a:avLst/>
+          </a:prstGeom>
+          <a:noFill/>
+        </p:spPr>
+        <p:txBody>
+          <a:bodyPr wrap="none" rtlCol="0">
+            <a:spAutoFit/>
+          </a:bodyPr>
+          <a:lstStyle/>
+          <a:p>
+            <a:endParaRPr lang="de-DE" dirty="0"/>
+          </a:p>
+        </p:txBody>
+      </p:sp>
+      <p:pic>
+        <p:nvPicPr>
+          <p:cNvPr id="15" name="Grafik 14">
+            <a:extLst>
+              <a:ext uri="{FF2B5EF4-FFF2-40B4-BE49-F238E27FC236}">
+                <a16:creationId xmlns:a16="http://schemas.microsoft.com/office/drawing/2014/main" id="{C2DB51F4-C21F-4821-9CB2-40EBEB2AF584}"/>
+              </a:ext>
+            </a:extLst>
+          </p:cNvPr>
+          <p:cNvPicPr>
+            <a:picLocks noChangeAspect="1"/>
+          </p:cNvPicPr>
+          <p:nvPr/>
+        </p:nvPicPr>
+        <p:blipFill>
+          <a:blip r:embed="rId2">
+            <a:extLst>
+              <a:ext uri="{28A0092B-C50C-407E-A947-70E740481C1C}">
+                <a14:useLocalDpi xmlns:a14="http://schemas.microsoft.com/office/drawing/2010/main" val="0"/>
+              </a:ext>
+            </a:extLst>
+          </a:blip>
+          <a:stretch>
+            <a:fillRect/>
+          </a:stretch>
+        </p:blipFill>
+        <p:spPr>
+          <a:xfrm>
+            <a:off x="0" y="1613105"/>
+            <a:ext cx="6858000" cy="1917290"/>
+          </a:xfrm>
+          <a:prstGeom prst="rect">
+            <a:avLst/>
+          </a:prstGeom>
+        </p:spPr>
+      </p:pic>
+    </p:spTree>
+    <p:extLst>
+      <p:ext uri="{BB962C8B-B14F-4D97-AF65-F5344CB8AC3E}">
+        <p14:creationId xmlns:p14="http://schemas.microsoft.com/office/powerpoint/2010/main" val="3928991962"/>
+      </p:ext>
+    </p:extLst>
+  </p:cSld>
+  <p:clrMapOvr>
+    <a:masterClrMapping/>
+  </p:clrMapOvr>
+</p:sld>
+</file>
+
+<file path=ppt/slides/slide7.xml><?xml version="1.0" encoding="utf-8"?>
+<p:sld xmlns:a="http://schemas.openxmlformats.org/drawingml/2006/main" xmlns:r="http://schemas.openxmlformats.org/officeDocument/2006/relationships" xmlns:p="http://schemas.openxmlformats.org/presentationml/2006/main">
+  <p:cSld>
+    <p:spTree>
+      <p:nvGrpSpPr>
+        <p:cNvPr id="1" name=""/>
+        <p:cNvGrpSpPr/>
+        <p:nvPr/>
+      </p:nvGrpSpPr>
+      <p:grpSpPr>
+        <a:xfrm>
+          <a:off x="0" y="0"/>
+          <a:ext cx="0" cy="0"/>
+          <a:chOff x="0" y="0"/>
+          <a:chExt cx="0" cy="0"/>
+        </a:xfrm>
+      </p:grpSpPr>
+      <p:sp>
+        <p:nvSpPr>
+          <p:cNvPr id="2" name="Datumsplatzhalter 1"/>
+          <p:cNvSpPr>
+            <a:spLocks noGrp="1"/>
+          </p:cNvSpPr>
+          <p:nvPr>
+            <p:ph type="dt" sz="half" idx="10"/>
+          </p:nvPr>
+        </p:nvSpPr>
+        <p:spPr/>
+        <p:txBody>
+          <a:bodyPr/>
+          <a:lstStyle/>
+          <a:p>
+            <a:r>
+              <a:rPr lang="de-DE"/>
+              <a:t>14.07.2016</a:t>
+            </a:r>
+            <a:endParaRPr lang="de-DE" dirty="0"/>
+          </a:p>
+        </p:txBody>
+      </p:sp>
+      <p:sp>
+        <p:nvSpPr>
+          <p:cNvPr id="3" name="Fußzeilenplatzhalter 2"/>
+          <p:cNvSpPr>
+            <a:spLocks noGrp="1"/>
+          </p:cNvSpPr>
+          <p:nvPr>
+            <p:ph type="ftr" sz="quarter" idx="11"/>
+          </p:nvPr>
+        </p:nvSpPr>
+        <p:spPr/>
+        <p:txBody>
+          <a:bodyPr/>
+          <a:lstStyle/>
+          <a:p>
+            <a:r>
+              <a:rPr lang="de-DE"/>
+              <a:t>Legosar SS 18</a:t>
+            </a:r>
+            <a:endParaRPr lang="de-DE" dirty="0"/>
+          </a:p>
+        </p:txBody>
+      </p:sp>
+      <p:sp>
+        <p:nvSpPr>
+          <p:cNvPr id="4" name="Foliennummernplatzhalter 3"/>
+          <p:cNvSpPr>
+            <a:spLocks noGrp="1"/>
+          </p:cNvSpPr>
+          <p:nvPr>
+            <p:ph type="sldNum" sz="quarter" idx="12"/>
+          </p:nvPr>
+        </p:nvSpPr>
+        <p:spPr/>
+        <p:txBody>
+          <a:bodyPr/>
+          <a:lstStyle/>
+          <a:p>
+            <a:r>
+              <a:rPr lang="de-DE"/>
+              <a:t>S. </a:t>
+            </a:r>
+            <a:fld id="{D7EFD9E5-FB44-4C01-A2C2-48348664E7CC}" type="slidenum">
+              <a:rPr lang="de-DE" smtClean="0"/>
+              <a:pPr/>
+              <a:t>7</a:t>
+            </a:fld>
+            <a:endParaRPr lang="de-DE" dirty="0"/>
+          </a:p>
+        </p:txBody>
+      </p:sp>
+      <p:pic>
+        <p:nvPicPr>
+          <p:cNvPr id="19" name="Inhaltsplatzhalter 18">
+            <a:extLst>
+              <a:ext uri="{FF2B5EF4-FFF2-40B4-BE49-F238E27FC236}">
+                <a16:creationId xmlns:a16="http://schemas.microsoft.com/office/drawing/2014/main" id="{44A9E96C-61DE-4C64-A28A-954CF9EA2994}"/>
+              </a:ext>
+            </a:extLst>
+          </p:cNvPr>
+          <p:cNvPicPr>
+            <a:picLocks noGrp="1" noChangeAspect="1"/>
+          </p:cNvPicPr>
+          <p:nvPr>
+            <p:ph idx="1"/>
+          </p:nvPr>
+        </p:nvPicPr>
+        <p:blipFill>
+          <a:blip r:embed="rId2">
+            <a:extLst>
+              <a:ext uri="{28A0092B-C50C-407E-A947-70E740481C1C}">
+                <a14:useLocalDpi xmlns:a14="http://schemas.microsoft.com/office/drawing/2010/main" val="0"/>
+              </a:ext>
+            </a:extLst>
+          </a:blip>
+          <a:stretch>
+            <a:fillRect/>
+          </a:stretch>
+        </p:blipFill>
+        <p:spPr>
+          <a:xfrm>
+            <a:off x="215900" y="1536009"/>
+            <a:ext cx="6426200" cy="2071482"/>
+          </a:xfrm>
+        </p:spPr>
+      </p:pic>
+      <p:sp>
+        <p:nvSpPr>
+          <p:cNvPr id="17" name="Textplatzhalter 16">
+            <a:extLst>
+              <a:ext uri="{FF2B5EF4-FFF2-40B4-BE49-F238E27FC236}">
+                <a16:creationId xmlns:a16="http://schemas.microsoft.com/office/drawing/2014/main" id="{932D466B-FF7B-4B72-A03C-AE297016BB32}"/>
+              </a:ext>
+            </a:extLst>
+          </p:cNvPr>
+          <p:cNvSpPr>
+            <a:spLocks noGrp="1"/>
+          </p:cNvSpPr>
+          <p:nvPr>
+            <p:ph type="body" sz="quarter" idx="13"/>
+          </p:nvPr>
+        </p:nvSpPr>
+        <p:spPr/>
+        <p:txBody>
+          <a:bodyPr/>
+          <a:lstStyle/>
+          <a:p>
+            <a:r>
+              <a:rPr lang="de-DE" dirty="0"/>
+              <a:t>Erweiterbarkeit am Beispiel </a:t>
+            </a:r>
+            <a:r>
+              <a:rPr lang="de-DE" dirty="0" err="1"/>
+              <a:t>Softwareports</a:t>
+            </a:r>
+            <a:endParaRPr lang="de-DE" dirty="0"/>
+          </a:p>
+        </p:txBody>
+      </p:sp>
+      <p:sp>
+        <p:nvSpPr>
+          <p:cNvPr id="6" name="Titel 5"/>
+          <p:cNvSpPr>
+            <a:spLocks noGrp="1"/>
+          </p:cNvSpPr>
+          <p:nvPr>
+            <p:ph type="title"/>
+          </p:nvPr>
+        </p:nvSpPr>
+        <p:spPr/>
+        <p:txBody>
+          <a:bodyPr/>
+          <a:lstStyle/>
+          <a:p>
+            <a:r>
+              <a:rPr lang="de-DE" dirty="0"/>
+              <a:t>Generator</a:t>
+            </a:r>
+          </a:p>
+        </p:txBody>
+      </p:sp>
+      <p:sp>
+        <p:nvSpPr>
+          <p:cNvPr id="5" name="Textfeld 4">
+            <a:extLst>
+              <a:ext uri="{FF2B5EF4-FFF2-40B4-BE49-F238E27FC236}">
+                <a16:creationId xmlns:a16="http://schemas.microsoft.com/office/drawing/2014/main" id="{54203B87-5151-4C04-A7D2-0F8D119F0C4B}"/>
+              </a:ext>
+            </a:extLst>
+          </p:cNvPr>
+          <p:cNvSpPr txBox="1"/>
+          <p:nvPr/>
+        </p:nvSpPr>
+        <p:spPr>
+          <a:xfrm>
+            <a:off x="2204864" y="1779662"/>
+            <a:ext cx="184731" cy="307777"/>
+          </a:xfrm>
+          <a:prstGeom prst="rect">
+            <a:avLst/>
+          </a:prstGeom>
+          <a:noFill/>
+        </p:spPr>
+        <p:txBody>
+          <a:bodyPr wrap="none" rtlCol="0">
+            <a:spAutoFit/>
+          </a:bodyPr>
+          <a:lstStyle/>
+          <a:p>
+            <a:endParaRPr lang="de-DE" dirty="0"/>
+          </a:p>
+        </p:txBody>
+      </p:sp>
+    </p:spTree>
+    <p:extLst>
+      <p:ext uri="{BB962C8B-B14F-4D97-AF65-F5344CB8AC3E}">
+        <p14:creationId xmlns:p14="http://schemas.microsoft.com/office/powerpoint/2010/main" val="887042557"/>
       </p:ext>
     </p:extLst>
   </p:cSld>
@@ -7713,9 +16222,12 @@
 </file>
 
 <file path=customXml/item1.xml><?xml version="1.0" encoding="utf-8"?>
-<p:properties xmlns:p="http://schemas.microsoft.com/office/2006/metadata/properties" xmlns:xsi="http://www.w3.org/2001/XMLSchema-instance" xmlns:pc="http://schemas.microsoft.com/office/infopath/2007/PartnerControls">
-  <documentManagement/>
-</p:properties>
+<?mso-contentType ?>
+<FormTemplates xmlns="http://schemas.microsoft.com/sharepoint/v3/contenttype/forms">
+  <Display>DocumentLibraryForm</Display>
+  <Edit>DocumentLibraryForm</Edit>
+  <New>DocumentLibraryForm</New>
+</FormTemplates>
 </file>
 
 <file path=customXml/item2.xml><?xml version="1.0" encoding="utf-8"?>
@@ -7833,25 +16345,15 @@
 </file>
 
 <file path=customXml/item3.xml><?xml version="1.0" encoding="utf-8"?>
-<?mso-contentType ?>
-<FormTemplates xmlns="http://schemas.microsoft.com/sharepoint/v3/contenttype/forms">
-  <Display>DocumentLibraryForm</Display>
-  <Edit>DocumentLibraryForm</Edit>
-  <New>DocumentLibraryForm</New>
-</FormTemplates>
+<p:properties xmlns:p="http://schemas.microsoft.com/office/2006/metadata/properties" xmlns:xsi="http://www.w3.org/2001/XMLSchema-instance" xmlns:pc="http://schemas.microsoft.com/office/infopath/2007/PartnerControls">
+  <documentManagement/>
+</p:properties>
 </file>
 
 <file path=customXml/itemProps1.xml><?xml version="1.0" encoding="utf-8"?>
-<ds:datastoreItem xmlns:ds="http://schemas.openxmlformats.org/officeDocument/2006/customXml" ds:itemID="{0A4ADDD2-5B29-4A1F-90E1-3FD9AC1E4F18}">
+<ds:datastoreItem xmlns:ds="http://schemas.openxmlformats.org/officeDocument/2006/customXml" ds:itemID="{FD22786F-CBCD-4FD4-A284-6C8FA96D8FE2}">
   <ds:schemaRefs>
-    <ds:schemaRef ds:uri="http://purl.org/dc/terms/"/>
-    <ds:schemaRef ds:uri="http://purl.org/dc/dcmitype/"/>
-    <ds:schemaRef ds:uri="http://schemas.microsoft.com/office/2006/documentManagement/types"/>
-    <ds:schemaRef ds:uri="http://schemas.microsoft.com/office/2006/metadata/properties"/>
-    <ds:schemaRef ds:uri="http://purl.org/dc/elements/1.1/"/>
-    <ds:schemaRef ds:uri="http://schemas.microsoft.com/office/infopath/2007/PartnerControls"/>
-    <ds:schemaRef ds:uri="http://schemas.openxmlformats.org/package/2006/metadata/core-properties"/>
-    <ds:schemaRef ds:uri="http://www.w3.org/XML/1998/namespace"/>
+    <ds:schemaRef ds:uri="http://schemas.microsoft.com/sharepoint/v3/contenttype/forms"/>
   </ds:schemaRefs>
 </ds:datastoreItem>
 </file>
@@ -7873,9 +16375,16 @@
 </file>
 
 <file path=customXml/itemProps3.xml><?xml version="1.0" encoding="utf-8"?>
-<ds:datastoreItem xmlns:ds="http://schemas.openxmlformats.org/officeDocument/2006/customXml" ds:itemID="{FD22786F-CBCD-4FD4-A284-6C8FA96D8FE2}">
+<ds:datastoreItem xmlns:ds="http://schemas.openxmlformats.org/officeDocument/2006/customXml" ds:itemID="{0A4ADDD2-5B29-4A1F-90E1-3FD9AC1E4F18}">
   <ds:schemaRefs>
-    <ds:schemaRef ds:uri="http://schemas.microsoft.com/sharepoint/v3/contenttype/forms"/>
+    <ds:schemaRef ds:uri="http://purl.org/dc/terms/"/>
+    <ds:schemaRef ds:uri="http://purl.org/dc/dcmitype/"/>
+    <ds:schemaRef ds:uri="http://schemas.microsoft.com/office/2006/documentManagement/types"/>
+    <ds:schemaRef ds:uri="http://schemas.microsoft.com/office/2006/metadata/properties"/>
+    <ds:schemaRef ds:uri="http://purl.org/dc/elements/1.1/"/>
+    <ds:schemaRef ds:uri="http://schemas.microsoft.com/office/infopath/2007/PartnerControls"/>
+    <ds:schemaRef ds:uri="http://schemas.openxmlformats.org/package/2006/metadata/core-properties"/>
+    <ds:schemaRef ds:uri="http://www.w3.org/XML/1998/namespace"/>
   </ds:schemaRefs>
 </ds:datastoreItem>
 </file>
--- a/Präsentation/Teilpräsentationen/EMF und Generator.pptx
+++ b/Präsentation/Teilpräsentationen/EMF und Generator.pptx
@@ -2096,6 +2096,13 @@
         </dgm:presLayoutVars>
       </dgm:prSet>
       <dgm:spPr/>
+      <dgm:t>
+        <a:bodyPr/>
+        <a:lstStyle/>
+        <a:p>
+          <a:endParaRPr lang="de-DE"/>
+        </a:p>
+      </dgm:t>
     </dgm:pt>
     <dgm:pt modelId="{93AEEB7A-FD22-4C7D-9EEE-0928D9CB0647}" type="pres">
       <dgm:prSet presAssocID="{FE51A229-1D1C-4A6F-AB90-E177D9FF5638}" presName="hierRoot1" presStyleCnt="0">
@@ -2116,10 +2123,24 @@
         </dgm:presLayoutVars>
       </dgm:prSet>
       <dgm:spPr/>
+      <dgm:t>
+        <a:bodyPr/>
+        <a:lstStyle/>
+        <a:p>
+          <a:endParaRPr lang="de-DE"/>
+        </a:p>
+      </dgm:t>
     </dgm:pt>
     <dgm:pt modelId="{4B6F4223-3E1E-4AC9-ABD4-0609EA935B7D}" type="pres">
       <dgm:prSet presAssocID="{FE51A229-1D1C-4A6F-AB90-E177D9FF5638}" presName="rootConnector1" presStyleLbl="node1" presStyleIdx="0" presStyleCnt="0"/>
       <dgm:spPr/>
+      <dgm:t>
+        <a:bodyPr/>
+        <a:lstStyle/>
+        <a:p>
+          <a:endParaRPr lang="de-DE"/>
+        </a:p>
+      </dgm:t>
     </dgm:pt>
     <dgm:pt modelId="{E2312D51-A2CD-4B22-A9A0-105CD811DE30}" type="pres">
       <dgm:prSet presAssocID="{FE51A229-1D1C-4A6F-AB90-E177D9FF5638}" presName="hierChild2" presStyleCnt="0"/>
@@ -2128,6 +2149,13 @@
     <dgm:pt modelId="{63227DB9-CCD9-47FC-87C1-48A8A593DD3D}" type="pres">
       <dgm:prSet presAssocID="{2513C4D0-6C86-45C4-8BBD-2DB38E3AC370}" presName="Name64" presStyleLbl="parChTrans1D2" presStyleIdx="0" presStyleCnt="2"/>
       <dgm:spPr/>
+      <dgm:t>
+        <a:bodyPr/>
+        <a:lstStyle/>
+        <a:p>
+          <a:endParaRPr lang="de-DE"/>
+        </a:p>
+      </dgm:t>
     </dgm:pt>
     <dgm:pt modelId="{ED867374-C2F4-4A03-9BAB-0A9DB67539CF}" type="pres">
       <dgm:prSet presAssocID="{458EA245-C2FB-44D5-8605-4CCDDB40A6CC}" presName="hierRoot2" presStyleCnt="0">
@@ -2148,10 +2176,24 @@
         </dgm:presLayoutVars>
       </dgm:prSet>
       <dgm:spPr/>
+      <dgm:t>
+        <a:bodyPr/>
+        <a:lstStyle/>
+        <a:p>
+          <a:endParaRPr lang="de-DE"/>
+        </a:p>
+      </dgm:t>
     </dgm:pt>
     <dgm:pt modelId="{236E74BF-DAB1-48C0-8EBC-B0423E7C1D61}" type="pres">
       <dgm:prSet presAssocID="{458EA245-C2FB-44D5-8605-4CCDDB40A6CC}" presName="rootConnector" presStyleLbl="node2" presStyleIdx="0" presStyleCnt="2"/>
       <dgm:spPr/>
+      <dgm:t>
+        <a:bodyPr/>
+        <a:lstStyle/>
+        <a:p>
+          <a:endParaRPr lang="de-DE"/>
+        </a:p>
+      </dgm:t>
     </dgm:pt>
     <dgm:pt modelId="{AB56F150-B395-4ECC-BA1D-868815977097}" type="pres">
       <dgm:prSet presAssocID="{458EA245-C2FB-44D5-8605-4CCDDB40A6CC}" presName="hierChild4" presStyleCnt="0"/>
@@ -2160,6 +2202,13 @@
     <dgm:pt modelId="{A813DACE-B381-4BD1-B87A-8914CC3126C9}" type="pres">
       <dgm:prSet presAssocID="{BB1B051C-FE5E-4A16-9C54-818D19E23760}" presName="Name64" presStyleLbl="parChTrans1D3" presStyleIdx="0" presStyleCnt="2"/>
       <dgm:spPr/>
+      <dgm:t>
+        <a:bodyPr/>
+        <a:lstStyle/>
+        <a:p>
+          <a:endParaRPr lang="de-DE"/>
+        </a:p>
+      </dgm:t>
     </dgm:pt>
     <dgm:pt modelId="{F5ABF7A5-F5F4-4F68-8DA0-DA2CA59A0C71}" type="pres">
       <dgm:prSet presAssocID="{194B450F-9E85-4BFF-B53A-025ECE8CA2B3}" presName="hierRoot2" presStyleCnt="0">
@@ -2180,10 +2229,24 @@
         </dgm:presLayoutVars>
       </dgm:prSet>
       <dgm:spPr/>
+      <dgm:t>
+        <a:bodyPr/>
+        <a:lstStyle/>
+        <a:p>
+          <a:endParaRPr lang="de-DE"/>
+        </a:p>
+      </dgm:t>
     </dgm:pt>
     <dgm:pt modelId="{5A548C04-9E6C-4592-B715-0EB482C91130}" type="pres">
       <dgm:prSet presAssocID="{194B450F-9E85-4BFF-B53A-025ECE8CA2B3}" presName="rootConnector" presStyleLbl="node3" presStyleIdx="0" presStyleCnt="2"/>
       <dgm:spPr/>
+      <dgm:t>
+        <a:bodyPr/>
+        <a:lstStyle/>
+        <a:p>
+          <a:endParaRPr lang="de-DE"/>
+        </a:p>
+      </dgm:t>
     </dgm:pt>
     <dgm:pt modelId="{335D26C1-FA49-453D-B8F7-F14D3ED40119}" type="pres">
       <dgm:prSet presAssocID="{194B450F-9E85-4BFF-B53A-025ECE8CA2B3}" presName="hierChild4" presStyleCnt="0"/>
@@ -2192,6 +2255,13 @@
     <dgm:pt modelId="{3B5520CA-5F04-4318-B8CF-392D127E0565}" type="pres">
       <dgm:prSet presAssocID="{B92FE964-20D3-4760-9A5D-FC70065444B3}" presName="Name64" presStyleLbl="parChTrans1D4" presStyleIdx="0" presStyleCnt="3"/>
       <dgm:spPr/>
+      <dgm:t>
+        <a:bodyPr/>
+        <a:lstStyle/>
+        <a:p>
+          <a:endParaRPr lang="de-DE"/>
+        </a:p>
+      </dgm:t>
     </dgm:pt>
     <dgm:pt modelId="{BC983705-C229-4A07-8FE0-730317BFA2F7}" type="pres">
       <dgm:prSet presAssocID="{A2264A7C-99C0-4C2E-8D57-36176C349B9D}" presName="hierRoot2" presStyleCnt="0">
@@ -2212,10 +2282,24 @@
         </dgm:presLayoutVars>
       </dgm:prSet>
       <dgm:spPr/>
+      <dgm:t>
+        <a:bodyPr/>
+        <a:lstStyle/>
+        <a:p>
+          <a:endParaRPr lang="de-DE"/>
+        </a:p>
+      </dgm:t>
     </dgm:pt>
     <dgm:pt modelId="{A8DB0F5F-E32E-4576-9815-E8340FCEF884}" type="pres">
       <dgm:prSet presAssocID="{A2264A7C-99C0-4C2E-8D57-36176C349B9D}" presName="rootConnector" presStyleLbl="node4" presStyleIdx="0" presStyleCnt="3"/>
       <dgm:spPr/>
+      <dgm:t>
+        <a:bodyPr/>
+        <a:lstStyle/>
+        <a:p>
+          <a:endParaRPr lang="de-DE"/>
+        </a:p>
+      </dgm:t>
     </dgm:pt>
     <dgm:pt modelId="{057F7E45-500A-4B01-ACAD-7C6379607DB2}" type="pres">
       <dgm:prSet presAssocID="{A2264A7C-99C0-4C2E-8D57-36176C349B9D}" presName="hierChild4" presStyleCnt="0"/>
@@ -2228,6 +2312,13 @@
     <dgm:pt modelId="{5E2A4BF6-1C17-4440-8F1D-9DDBE8FD40EB}" type="pres">
       <dgm:prSet presAssocID="{B7BB566D-4912-41B1-B776-F30DE0B49829}" presName="Name64" presStyleLbl="parChTrans1D4" presStyleIdx="1" presStyleCnt="3"/>
       <dgm:spPr/>
+      <dgm:t>
+        <a:bodyPr/>
+        <a:lstStyle/>
+        <a:p>
+          <a:endParaRPr lang="de-DE"/>
+        </a:p>
+      </dgm:t>
     </dgm:pt>
     <dgm:pt modelId="{B3CAACBC-C0C4-4E6D-A6AF-47CFA7B5F949}" type="pres">
       <dgm:prSet presAssocID="{DDCFA4CF-CB34-4461-BF68-A6E109616A0E}" presName="hierRoot2" presStyleCnt="0">
@@ -2248,10 +2339,24 @@
         </dgm:presLayoutVars>
       </dgm:prSet>
       <dgm:spPr/>
+      <dgm:t>
+        <a:bodyPr/>
+        <a:lstStyle/>
+        <a:p>
+          <a:endParaRPr lang="de-DE"/>
+        </a:p>
+      </dgm:t>
     </dgm:pt>
     <dgm:pt modelId="{87F8F010-9276-41CD-A9FE-B1F4A0595D48}" type="pres">
       <dgm:prSet presAssocID="{DDCFA4CF-CB34-4461-BF68-A6E109616A0E}" presName="rootConnector" presStyleLbl="node4" presStyleIdx="1" presStyleCnt="3"/>
       <dgm:spPr/>
+      <dgm:t>
+        <a:bodyPr/>
+        <a:lstStyle/>
+        <a:p>
+          <a:endParaRPr lang="de-DE"/>
+        </a:p>
+      </dgm:t>
     </dgm:pt>
     <dgm:pt modelId="{E19C4DBC-7534-4B62-A8E5-3D08593FF966}" type="pres">
       <dgm:prSet presAssocID="{DDCFA4CF-CB34-4461-BF68-A6E109616A0E}" presName="hierChild4" presStyleCnt="0"/>
@@ -2264,6 +2369,13 @@
     <dgm:pt modelId="{FE3655A2-A77C-4FEA-A8D0-8272D776720E}" type="pres">
       <dgm:prSet presAssocID="{C013AF15-BE5E-4351-9FCC-BC353D4E1563}" presName="Name64" presStyleLbl="parChTrans1D4" presStyleIdx="2" presStyleCnt="3"/>
       <dgm:spPr/>
+      <dgm:t>
+        <a:bodyPr/>
+        <a:lstStyle/>
+        <a:p>
+          <a:endParaRPr lang="de-DE"/>
+        </a:p>
+      </dgm:t>
     </dgm:pt>
     <dgm:pt modelId="{2175940A-A575-4707-BE76-92E4F498635D}" type="pres">
       <dgm:prSet presAssocID="{3DDA16D2-21F8-47F5-A677-027B09A0DCAA}" presName="hierRoot2" presStyleCnt="0">
@@ -2284,10 +2396,24 @@
         </dgm:presLayoutVars>
       </dgm:prSet>
       <dgm:spPr/>
+      <dgm:t>
+        <a:bodyPr/>
+        <a:lstStyle/>
+        <a:p>
+          <a:endParaRPr lang="de-DE"/>
+        </a:p>
+      </dgm:t>
     </dgm:pt>
     <dgm:pt modelId="{CBE0C06E-4963-4904-BBE9-F9D45A28B254}" type="pres">
       <dgm:prSet presAssocID="{3DDA16D2-21F8-47F5-A677-027B09A0DCAA}" presName="rootConnector" presStyleLbl="node4" presStyleIdx="2" presStyleCnt="3"/>
       <dgm:spPr/>
+      <dgm:t>
+        <a:bodyPr/>
+        <a:lstStyle/>
+        <a:p>
+          <a:endParaRPr lang="de-DE"/>
+        </a:p>
+      </dgm:t>
     </dgm:pt>
     <dgm:pt modelId="{C001A9CD-0961-44EE-B1EE-E02106C7FFFA}" type="pres">
       <dgm:prSet presAssocID="{3DDA16D2-21F8-47F5-A677-027B09A0DCAA}" presName="hierChild4" presStyleCnt="0"/>
@@ -2304,6 +2430,13 @@
     <dgm:pt modelId="{2AE50859-A0F3-4D34-A36E-1D1B57AD5833}" type="pres">
       <dgm:prSet presAssocID="{33BB61BD-C7B2-4EEF-9DA6-9C6B5266D100}" presName="Name64" presStyleLbl="parChTrans1D3" presStyleIdx="1" presStyleCnt="2"/>
       <dgm:spPr/>
+      <dgm:t>
+        <a:bodyPr/>
+        <a:lstStyle/>
+        <a:p>
+          <a:endParaRPr lang="de-DE"/>
+        </a:p>
+      </dgm:t>
     </dgm:pt>
     <dgm:pt modelId="{BA520FEB-C5A1-42D8-89F8-6E4274B8DCCB}" type="pres">
       <dgm:prSet presAssocID="{0EFBF9FB-A605-419D-A862-7FB5461FA12B}" presName="hierRoot2" presStyleCnt="0">
@@ -2324,10 +2457,24 @@
         </dgm:presLayoutVars>
       </dgm:prSet>
       <dgm:spPr/>
+      <dgm:t>
+        <a:bodyPr/>
+        <a:lstStyle/>
+        <a:p>
+          <a:endParaRPr lang="de-DE"/>
+        </a:p>
+      </dgm:t>
     </dgm:pt>
     <dgm:pt modelId="{00C9DA18-5528-47F7-A939-211C1C9A212F}" type="pres">
       <dgm:prSet presAssocID="{0EFBF9FB-A605-419D-A862-7FB5461FA12B}" presName="rootConnector" presStyleLbl="node3" presStyleIdx="1" presStyleCnt="2"/>
       <dgm:spPr/>
+      <dgm:t>
+        <a:bodyPr/>
+        <a:lstStyle/>
+        <a:p>
+          <a:endParaRPr lang="de-DE"/>
+        </a:p>
+      </dgm:t>
     </dgm:pt>
     <dgm:pt modelId="{1E9DF34E-300F-44BF-AA09-24FE45A1C366}" type="pres">
       <dgm:prSet presAssocID="{0EFBF9FB-A605-419D-A862-7FB5461FA12B}" presName="hierChild4" presStyleCnt="0"/>
@@ -2344,6 +2491,13 @@
     <dgm:pt modelId="{567FCC46-C3DF-4251-BE5E-39C5F62A348C}" type="pres">
       <dgm:prSet presAssocID="{1D0C1A18-525A-4402-A32B-7193F2A8471B}" presName="Name64" presStyleLbl="parChTrans1D2" presStyleIdx="1" presStyleCnt="2"/>
       <dgm:spPr/>
+      <dgm:t>
+        <a:bodyPr/>
+        <a:lstStyle/>
+        <a:p>
+          <a:endParaRPr lang="de-DE"/>
+        </a:p>
+      </dgm:t>
     </dgm:pt>
     <dgm:pt modelId="{32BD507D-9A62-4BD2-9B58-25D9373F026A}" type="pres">
       <dgm:prSet presAssocID="{A00B03C0-8B6F-4A38-8304-EE63638E39F0}" presName="hierRoot2" presStyleCnt="0">
@@ -2364,10 +2518,24 @@
         </dgm:presLayoutVars>
       </dgm:prSet>
       <dgm:spPr/>
+      <dgm:t>
+        <a:bodyPr/>
+        <a:lstStyle/>
+        <a:p>
+          <a:endParaRPr lang="de-DE"/>
+        </a:p>
+      </dgm:t>
     </dgm:pt>
     <dgm:pt modelId="{52D8D829-C8D7-4555-B67B-1A38F3A988B0}" type="pres">
       <dgm:prSet presAssocID="{A00B03C0-8B6F-4A38-8304-EE63638E39F0}" presName="rootConnector" presStyleLbl="node2" presStyleIdx="1" presStyleCnt="2"/>
       <dgm:spPr/>
+      <dgm:t>
+        <a:bodyPr/>
+        <a:lstStyle/>
+        <a:p>
+          <a:endParaRPr lang="de-DE"/>
+        </a:p>
+      </dgm:t>
     </dgm:pt>
     <dgm:pt modelId="{483FF510-A742-40AC-8588-F0F8D5C6554C}" type="pres">
       <dgm:prSet presAssocID="{A00B03C0-8B6F-4A38-8304-EE63638E39F0}" presName="hierChild4" presStyleCnt="0"/>
@@ -2383,38 +2551,38 @@
     </dgm:pt>
   </dgm:ptLst>
   <dgm:cxnLst>
-    <dgm:cxn modelId="{E4FCFA04-BFA1-4D6C-8545-4660A06C0858}" srcId="{FE51A229-1D1C-4A6F-AB90-E177D9FF5638}" destId="{458EA245-C2FB-44D5-8605-4CCDDB40A6CC}" srcOrd="0" destOrd="0" parTransId="{2513C4D0-6C86-45C4-8BBD-2DB38E3AC370}" sibTransId="{53A9072A-69A3-4427-B613-32082B7B7647}"/>
-    <dgm:cxn modelId="{6AEA9406-01E6-454D-B689-07879572C0DC}" type="presOf" srcId="{A2264A7C-99C0-4C2E-8D57-36176C349B9D}" destId="{9F8FC8AB-0C10-4A80-8AC1-8F557DFAC6ED}" srcOrd="0" destOrd="0" presId="urn:microsoft.com/office/officeart/2009/3/layout/HorizontalOrganizationChart"/>
+    <dgm:cxn modelId="{32550876-B728-410B-AB28-F6847898BBA9}" type="presOf" srcId="{458EA245-C2FB-44D5-8605-4CCDDB40A6CC}" destId="{58CCBD63-0DC1-42B7-986A-6D903EE0CAE9}" srcOrd="0" destOrd="0" presId="urn:microsoft.com/office/officeart/2009/3/layout/HorizontalOrganizationChart"/>
+    <dgm:cxn modelId="{521BE7C8-04C5-42EF-9A09-686B5C5E16A6}" srcId="{194B450F-9E85-4BFF-B53A-025ECE8CA2B3}" destId="{DDCFA4CF-CB34-4461-BF68-A6E109616A0E}" srcOrd="1" destOrd="0" parTransId="{B7BB566D-4912-41B1-B776-F30DE0B49829}" sibTransId="{B73FC9E7-A443-418A-9BAB-4CB6E5444EE0}"/>
+    <dgm:cxn modelId="{CAD44E2B-0438-4B15-91D6-9BB16FC8FD21}" type="presOf" srcId="{BB1B051C-FE5E-4A16-9C54-818D19E23760}" destId="{A813DACE-B381-4BD1-B87A-8914CC3126C9}" srcOrd="0" destOrd="0" presId="urn:microsoft.com/office/officeart/2009/3/layout/HorizontalOrganizationChart"/>
+    <dgm:cxn modelId="{EE2B81EF-E21C-4355-8EBB-31E68916AD6D}" type="presOf" srcId="{33BB61BD-C7B2-4EEF-9DA6-9C6B5266D100}" destId="{2AE50859-A0F3-4D34-A36E-1D1B57AD5833}" srcOrd="0" destOrd="0" presId="urn:microsoft.com/office/officeart/2009/3/layout/HorizontalOrganizationChart"/>
     <dgm:cxn modelId="{484D5007-0040-4011-8282-AF8E2CF63BDE}" srcId="{458EA245-C2FB-44D5-8605-4CCDDB40A6CC}" destId="{0EFBF9FB-A605-419D-A862-7FB5461FA12B}" srcOrd="1" destOrd="0" parTransId="{33BB61BD-C7B2-4EEF-9DA6-9C6B5266D100}" sibTransId="{44FF41D8-740A-4FAB-82C8-EDE7E9B15E38}"/>
-    <dgm:cxn modelId="{F7156508-A877-42EE-B019-05A4690C64F4}" type="presOf" srcId="{DDCFA4CF-CB34-4461-BF68-A6E109616A0E}" destId="{87F8F010-9276-41CD-A9FE-B1F4A0595D48}" srcOrd="1" destOrd="0" presId="urn:microsoft.com/office/officeart/2009/3/layout/HorizontalOrganizationChart"/>
-    <dgm:cxn modelId="{71605211-8CF0-4CC0-902E-54D2DC1C86C4}" type="presOf" srcId="{194B450F-9E85-4BFF-B53A-025ECE8CA2B3}" destId="{49B445EE-0A39-4EBB-9212-3FB7911CC92D}" srcOrd="0" destOrd="0" presId="urn:microsoft.com/office/officeart/2009/3/layout/HorizontalOrganizationChart"/>
-    <dgm:cxn modelId="{1CB5A317-0F65-4F77-95BD-53601243D158}" type="presOf" srcId="{3DDA16D2-21F8-47F5-A677-027B09A0DCAA}" destId="{02D8AA49-D842-4B3F-B647-E1ACEC927ACC}" srcOrd="0" destOrd="0" presId="urn:microsoft.com/office/officeart/2009/3/layout/HorizontalOrganizationChart"/>
-    <dgm:cxn modelId="{7FF7C417-39C3-4FF5-AFB8-49610E291783}" type="presOf" srcId="{A2264A7C-99C0-4C2E-8D57-36176C349B9D}" destId="{A8DB0F5F-E32E-4576-9815-E8340FCEF884}" srcOrd="1" destOrd="0" presId="urn:microsoft.com/office/officeart/2009/3/layout/HorizontalOrganizationChart"/>
-    <dgm:cxn modelId="{44152723-EBEB-4656-BF1B-7087F2C99C12}" type="presOf" srcId="{1D0C1A18-525A-4402-A32B-7193F2A8471B}" destId="{567FCC46-C3DF-4251-BE5E-39C5F62A348C}" srcOrd="0" destOrd="0" presId="urn:microsoft.com/office/officeart/2009/3/layout/HorizontalOrganizationChart"/>
-    <dgm:cxn modelId="{CAD44E2B-0438-4B15-91D6-9BB16FC8FD21}" type="presOf" srcId="{BB1B051C-FE5E-4A16-9C54-818D19E23760}" destId="{A813DACE-B381-4BD1-B87A-8914CC3126C9}" srcOrd="0" destOrd="0" presId="urn:microsoft.com/office/officeart/2009/3/layout/HorizontalOrganizationChart"/>
-    <dgm:cxn modelId="{578ED840-C2B4-4153-933F-437817DB9121}" type="presOf" srcId="{0EFBF9FB-A605-419D-A862-7FB5461FA12B}" destId="{8B15E07E-99B4-4AA7-88F9-F8F2D3601D93}" srcOrd="0" destOrd="0" presId="urn:microsoft.com/office/officeart/2009/3/layout/HorizontalOrganizationChart"/>
-    <dgm:cxn modelId="{82B87C42-A868-4813-92EA-6E47F92236AE}" type="presOf" srcId="{194B450F-9E85-4BFF-B53A-025ECE8CA2B3}" destId="{5A548C04-9E6C-4592-B715-0EB482C91130}" srcOrd="1" destOrd="0" presId="urn:microsoft.com/office/officeart/2009/3/layout/HorizontalOrganizationChart"/>
-    <dgm:cxn modelId="{26084E46-5324-443F-9AA1-9C51CC2E84C6}" type="presOf" srcId="{3DDA16D2-21F8-47F5-A677-027B09A0DCAA}" destId="{CBE0C06E-4963-4904-BBE9-F9D45A28B254}" srcOrd="1" destOrd="0" presId="urn:microsoft.com/office/officeart/2009/3/layout/HorizontalOrganizationChart"/>
-    <dgm:cxn modelId="{C224066D-8E7A-4DBF-B0CA-AD1CD42C0934}" type="presOf" srcId="{FE51A229-1D1C-4A6F-AB90-E177D9FF5638}" destId="{AF082B63-47A3-42A2-A216-33822EEB62AD}" srcOrd="0" destOrd="0" presId="urn:microsoft.com/office/officeart/2009/3/layout/HorizontalOrganizationChart"/>
+    <dgm:cxn modelId="{8139BDDC-86AE-4421-BFDD-19D790AC7882}" srcId="{FE51A229-1D1C-4A6F-AB90-E177D9FF5638}" destId="{A00B03C0-8B6F-4A38-8304-EE63638E39F0}" srcOrd="1" destOrd="0" parTransId="{1D0C1A18-525A-4402-A32B-7193F2A8471B}" sibTransId="{FFFC4A27-D24C-411F-899C-7C296EF4B286}"/>
     <dgm:cxn modelId="{21C5914E-B084-4E1A-8286-FA3BFDD11525}" type="presOf" srcId="{B92FE964-20D3-4760-9A5D-FC70065444B3}" destId="{3B5520CA-5F04-4318-B8CF-392D127E0565}" srcOrd="0" destOrd="0" presId="urn:microsoft.com/office/officeart/2009/3/layout/HorizontalOrganizationChart"/>
     <dgm:cxn modelId="{C130B86E-7832-4044-85F5-0AAAED6A05DC}" type="presOf" srcId="{2513C4D0-6C86-45C4-8BBD-2DB38E3AC370}" destId="{63227DB9-CCD9-47FC-87C1-48A8A593DD3D}" srcOrd="0" destOrd="0" presId="urn:microsoft.com/office/officeart/2009/3/layout/HorizontalOrganizationChart"/>
-    <dgm:cxn modelId="{2AE5AF70-17DF-4B57-B688-4DC303E92A34}" type="presOf" srcId="{A00B03C0-8B6F-4A38-8304-EE63638E39F0}" destId="{52D8D829-C8D7-4555-B67B-1A38F3A988B0}" srcOrd="1" destOrd="0" presId="urn:microsoft.com/office/officeart/2009/3/layout/HorizontalOrganizationChart"/>
-    <dgm:cxn modelId="{F33F0453-D6F7-4126-A22A-C5F0A08FD289}" type="presOf" srcId="{B7BB566D-4912-41B1-B776-F30DE0B49829}" destId="{5E2A4BF6-1C17-4440-8F1D-9DDBE8FD40EB}" srcOrd="0" destOrd="0" presId="urn:microsoft.com/office/officeart/2009/3/layout/HorizontalOrganizationChart"/>
-    <dgm:cxn modelId="{32550876-B728-410B-AB28-F6847898BBA9}" type="presOf" srcId="{458EA245-C2FB-44D5-8605-4CCDDB40A6CC}" destId="{58CCBD63-0DC1-42B7-986A-6D903EE0CAE9}" srcOrd="0" destOrd="0" presId="urn:microsoft.com/office/officeart/2009/3/layout/HorizontalOrganizationChart"/>
     <dgm:cxn modelId="{11ABE458-95FA-4F0E-9571-16BEFF9318B5}" srcId="{458EA245-C2FB-44D5-8605-4CCDDB40A6CC}" destId="{194B450F-9E85-4BFF-B53A-025ECE8CA2B3}" srcOrd="0" destOrd="0" parTransId="{BB1B051C-FE5E-4A16-9C54-818D19E23760}" sibTransId="{35B704BA-272C-4FD3-8DC8-BBCDFF621B17}"/>
     <dgm:cxn modelId="{4912AE85-D5C0-4B19-BAB1-4F20B08FA78B}" srcId="{194B450F-9E85-4BFF-B53A-025ECE8CA2B3}" destId="{A2264A7C-99C0-4C2E-8D57-36176C349B9D}" srcOrd="0" destOrd="0" parTransId="{B92FE964-20D3-4760-9A5D-FC70065444B3}" sibTransId="{ADD6F146-40E5-4B9C-A5B7-E7CD38D2C492}"/>
+    <dgm:cxn modelId="{C224066D-8E7A-4DBF-B0CA-AD1CD42C0934}" type="presOf" srcId="{FE51A229-1D1C-4A6F-AB90-E177D9FF5638}" destId="{AF082B63-47A3-42A2-A216-33822EEB62AD}" srcOrd="0" destOrd="0" presId="urn:microsoft.com/office/officeart/2009/3/layout/HorizontalOrganizationChart"/>
+    <dgm:cxn modelId="{2353BEDD-9DFA-47AF-9301-09410A26A23A}" type="presOf" srcId="{0EFBF9FB-A605-419D-A862-7FB5461FA12B}" destId="{00C9DA18-5528-47F7-A939-211C1C9A212F}" srcOrd="1" destOrd="0" presId="urn:microsoft.com/office/officeart/2009/3/layout/HorizontalOrganizationChart"/>
+    <dgm:cxn modelId="{6B377BFF-21F7-4E69-9760-16B227F85F05}" type="presOf" srcId="{458EA245-C2FB-44D5-8605-4CCDDB40A6CC}" destId="{236E74BF-DAB1-48C0-8EBC-B0423E7C1D61}" srcOrd="1" destOrd="0" presId="urn:microsoft.com/office/officeart/2009/3/layout/HorizontalOrganizationChart"/>
+    <dgm:cxn modelId="{1CB5A317-0F65-4F77-95BD-53601243D158}" type="presOf" srcId="{3DDA16D2-21F8-47F5-A677-027B09A0DCAA}" destId="{02D8AA49-D842-4B3F-B647-E1ACEC927ACC}" srcOrd="0" destOrd="0" presId="urn:microsoft.com/office/officeart/2009/3/layout/HorizontalOrganizationChart"/>
+    <dgm:cxn modelId="{E4FCFA04-BFA1-4D6C-8545-4660A06C0858}" srcId="{FE51A229-1D1C-4A6F-AB90-E177D9FF5638}" destId="{458EA245-C2FB-44D5-8605-4CCDDB40A6CC}" srcOrd="0" destOrd="0" parTransId="{2513C4D0-6C86-45C4-8BBD-2DB38E3AC370}" sibTransId="{53A9072A-69A3-4427-B613-32082B7B7647}"/>
+    <dgm:cxn modelId="{0CC669FE-97A7-4BF5-865E-0478346F01D1}" type="presOf" srcId="{A00B03C0-8B6F-4A38-8304-EE63638E39F0}" destId="{50C6C9DE-2467-43DA-B215-3254E4507CAA}" srcOrd="0" destOrd="0" presId="urn:microsoft.com/office/officeart/2009/3/layout/HorizontalOrganizationChart"/>
+    <dgm:cxn modelId="{A2378DE5-8398-4977-BB44-026FFB612B10}" type="presOf" srcId="{C013AF15-BE5E-4351-9FCC-BC353D4E1563}" destId="{FE3655A2-A77C-4FEA-A8D0-8272D776720E}" srcOrd="0" destOrd="0" presId="urn:microsoft.com/office/officeart/2009/3/layout/HorizontalOrganizationChart"/>
+    <dgm:cxn modelId="{6AEA9406-01E6-454D-B689-07879572C0DC}" type="presOf" srcId="{A2264A7C-99C0-4C2E-8D57-36176C349B9D}" destId="{9F8FC8AB-0C10-4A80-8AC1-8F557DFAC6ED}" srcOrd="0" destOrd="0" presId="urn:microsoft.com/office/officeart/2009/3/layout/HorizontalOrganizationChart"/>
+    <dgm:cxn modelId="{578ED840-C2B4-4153-933F-437817DB9121}" type="presOf" srcId="{0EFBF9FB-A605-419D-A862-7FB5461FA12B}" destId="{8B15E07E-99B4-4AA7-88F9-F8F2D3601D93}" srcOrd="0" destOrd="0" presId="urn:microsoft.com/office/officeart/2009/3/layout/HorizontalOrganizationChart"/>
+    <dgm:cxn modelId="{F33F0453-D6F7-4126-A22A-C5F0A08FD289}" type="presOf" srcId="{B7BB566D-4912-41B1-B776-F30DE0B49829}" destId="{5E2A4BF6-1C17-4440-8F1D-9DDBE8FD40EB}" srcOrd="0" destOrd="0" presId="urn:microsoft.com/office/officeart/2009/3/layout/HorizontalOrganizationChart"/>
+    <dgm:cxn modelId="{71605211-8CF0-4CC0-902E-54D2DC1C86C4}" type="presOf" srcId="{194B450F-9E85-4BFF-B53A-025ECE8CA2B3}" destId="{49B445EE-0A39-4EBB-9212-3FB7911CC92D}" srcOrd="0" destOrd="0" presId="urn:microsoft.com/office/officeart/2009/3/layout/HorizontalOrganizationChart"/>
+    <dgm:cxn modelId="{469BD5D0-E7CC-46AF-A309-EEEFB2947DA4}" type="presOf" srcId="{FE51A229-1D1C-4A6F-AB90-E177D9FF5638}" destId="{4B6F4223-3E1E-4AC9-ABD4-0609EA935B7D}" srcOrd="1" destOrd="0" presId="urn:microsoft.com/office/officeart/2009/3/layout/HorizontalOrganizationChart"/>
     <dgm:cxn modelId="{86B87D8A-7618-4A6E-8215-9F9E410FEB3C}" srcId="{194B450F-9E85-4BFF-B53A-025ECE8CA2B3}" destId="{3DDA16D2-21F8-47F5-A677-027B09A0DCAA}" srcOrd="2" destOrd="0" parTransId="{C013AF15-BE5E-4351-9FCC-BC353D4E1563}" sibTransId="{14774648-2FE7-4094-8DBC-B9DC23148B58}"/>
+    <dgm:cxn modelId="{7FF7C417-39C3-4FF5-AFB8-49610E291783}" type="presOf" srcId="{A2264A7C-99C0-4C2E-8D57-36176C349B9D}" destId="{A8DB0F5F-E32E-4576-9815-E8340FCEF884}" srcOrd="1" destOrd="0" presId="urn:microsoft.com/office/officeart/2009/3/layout/HorizontalOrganizationChart"/>
     <dgm:cxn modelId="{926A30C3-E26E-46CC-A662-E403FD474CEE}" type="presOf" srcId="{9B572FD9-4724-42DA-B8D4-08C635C0917F}" destId="{1F642486-6A25-4C23-92A3-61A7126A890E}" srcOrd="0" destOrd="0" presId="urn:microsoft.com/office/officeart/2009/3/layout/HorizontalOrganizationChart"/>
     <dgm:cxn modelId="{273062C8-E9B1-4CFB-B54C-9CF1BE5E1D73}" srcId="{9B572FD9-4724-42DA-B8D4-08C635C0917F}" destId="{FE51A229-1D1C-4A6F-AB90-E177D9FF5638}" srcOrd="0" destOrd="0" parTransId="{A504EDBC-EB02-4406-B3C2-FF847ACFAB41}" sibTransId="{E8FE0C9C-68D4-4441-A46A-89AEE9E09116}"/>
-    <dgm:cxn modelId="{521BE7C8-04C5-42EF-9A09-686B5C5E16A6}" srcId="{194B450F-9E85-4BFF-B53A-025ECE8CA2B3}" destId="{DDCFA4CF-CB34-4461-BF68-A6E109616A0E}" srcOrd="1" destOrd="0" parTransId="{B7BB566D-4912-41B1-B776-F30DE0B49829}" sibTransId="{B73FC9E7-A443-418A-9BAB-4CB6E5444EE0}"/>
-    <dgm:cxn modelId="{469BD5D0-E7CC-46AF-A309-EEEFB2947DA4}" type="presOf" srcId="{FE51A229-1D1C-4A6F-AB90-E177D9FF5638}" destId="{4B6F4223-3E1E-4AC9-ABD4-0609EA935B7D}" srcOrd="1" destOrd="0" presId="urn:microsoft.com/office/officeart/2009/3/layout/HorizontalOrganizationChart"/>
-    <dgm:cxn modelId="{8139BDDC-86AE-4421-BFDD-19D790AC7882}" srcId="{FE51A229-1D1C-4A6F-AB90-E177D9FF5638}" destId="{A00B03C0-8B6F-4A38-8304-EE63638E39F0}" srcOrd="1" destOrd="0" parTransId="{1D0C1A18-525A-4402-A32B-7193F2A8471B}" sibTransId="{FFFC4A27-D24C-411F-899C-7C296EF4B286}"/>
-    <dgm:cxn modelId="{2353BEDD-9DFA-47AF-9301-09410A26A23A}" type="presOf" srcId="{0EFBF9FB-A605-419D-A862-7FB5461FA12B}" destId="{00C9DA18-5528-47F7-A939-211C1C9A212F}" srcOrd="1" destOrd="0" presId="urn:microsoft.com/office/officeart/2009/3/layout/HorizontalOrganizationChart"/>
-    <dgm:cxn modelId="{A2378DE5-8398-4977-BB44-026FFB612B10}" type="presOf" srcId="{C013AF15-BE5E-4351-9FCC-BC353D4E1563}" destId="{FE3655A2-A77C-4FEA-A8D0-8272D776720E}" srcOrd="0" destOrd="0" presId="urn:microsoft.com/office/officeart/2009/3/layout/HorizontalOrganizationChart"/>
-    <dgm:cxn modelId="{EE2B81EF-E21C-4355-8EBB-31E68916AD6D}" type="presOf" srcId="{33BB61BD-C7B2-4EEF-9DA6-9C6B5266D100}" destId="{2AE50859-A0F3-4D34-A36E-1D1B57AD5833}" srcOrd="0" destOrd="0" presId="urn:microsoft.com/office/officeart/2009/3/layout/HorizontalOrganizationChart"/>
+    <dgm:cxn modelId="{26084E46-5324-443F-9AA1-9C51CC2E84C6}" type="presOf" srcId="{3DDA16D2-21F8-47F5-A677-027B09A0DCAA}" destId="{CBE0C06E-4963-4904-BBE9-F9D45A28B254}" srcOrd="1" destOrd="0" presId="urn:microsoft.com/office/officeart/2009/3/layout/HorizontalOrganizationChart"/>
+    <dgm:cxn modelId="{44152723-EBEB-4656-BF1B-7087F2C99C12}" type="presOf" srcId="{1D0C1A18-525A-4402-A32B-7193F2A8471B}" destId="{567FCC46-C3DF-4251-BE5E-39C5F62A348C}" srcOrd="0" destOrd="0" presId="urn:microsoft.com/office/officeart/2009/3/layout/HorizontalOrganizationChart"/>
+    <dgm:cxn modelId="{2AE5AF70-17DF-4B57-B688-4DC303E92A34}" type="presOf" srcId="{A00B03C0-8B6F-4A38-8304-EE63638E39F0}" destId="{52D8D829-C8D7-4555-B67B-1A38F3A988B0}" srcOrd="1" destOrd="0" presId="urn:microsoft.com/office/officeart/2009/3/layout/HorizontalOrganizationChart"/>
     <dgm:cxn modelId="{3EA1BDF9-196B-4338-959A-1771D4FA7F51}" type="presOf" srcId="{DDCFA4CF-CB34-4461-BF68-A6E109616A0E}" destId="{3D3D0051-3F10-445E-9BBB-7EAF92EDA706}" srcOrd="0" destOrd="0" presId="urn:microsoft.com/office/officeart/2009/3/layout/HorizontalOrganizationChart"/>
-    <dgm:cxn modelId="{0CC669FE-97A7-4BF5-865E-0478346F01D1}" type="presOf" srcId="{A00B03C0-8B6F-4A38-8304-EE63638E39F0}" destId="{50C6C9DE-2467-43DA-B215-3254E4507CAA}" srcOrd="0" destOrd="0" presId="urn:microsoft.com/office/officeart/2009/3/layout/HorizontalOrganizationChart"/>
-    <dgm:cxn modelId="{6B377BFF-21F7-4E69-9760-16B227F85F05}" type="presOf" srcId="{458EA245-C2FB-44D5-8605-4CCDDB40A6CC}" destId="{236E74BF-DAB1-48C0-8EBC-B0423E7C1D61}" srcOrd="1" destOrd="0" presId="urn:microsoft.com/office/officeart/2009/3/layout/HorizontalOrganizationChart"/>
+    <dgm:cxn modelId="{F7156508-A877-42EE-B019-05A4690C64F4}" type="presOf" srcId="{DDCFA4CF-CB34-4461-BF68-A6E109616A0E}" destId="{87F8F010-9276-41CD-A9FE-B1F4A0595D48}" srcOrd="1" destOrd="0" presId="urn:microsoft.com/office/officeart/2009/3/layout/HorizontalOrganizationChart"/>
+    <dgm:cxn modelId="{82B87C42-A868-4813-92EA-6E47F92236AE}" type="presOf" srcId="{194B450F-9E85-4BFF-B53A-025ECE8CA2B3}" destId="{5A548C04-9E6C-4592-B715-0EB482C91130}" srcOrd="1" destOrd="0" presId="urn:microsoft.com/office/officeart/2009/3/layout/HorizontalOrganizationChart"/>
     <dgm:cxn modelId="{E19F6ACC-E717-4063-A3F8-D1EC869C1E5B}" type="presParOf" srcId="{1F642486-6A25-4C23-92A3-61A7126A890E}" destId="{93AEEB7A-FD22-4C7D-9EEE-0928D9CB0647}" srcOrd="0" destOrd="0" presId="urn:microsoft.com/office/officeart/2009/3/layout/HorizontalOrganizationChart"/>
     <dgm:cxn modelId="{6F0CDF8C-0C82-4A3E-9F2F-61A6F3047D2F}" type="presParOf" srcId="{93AEEB7A-FD22-4C7D-9EEE-0928D9CB0647}" destId="{8349182F-161D-44CA-8ED3-315E2CD2C015}" srcOrd="0" destOrd="0" presId="urn:microsoft.com/office/officeart/2009/3/layout/HorizontalOrganizationChart"/>
     <dgm:cxn modelId="{E69C996A-46C8-444D-B429-23C64B28B592}" type="presParOf" srcId="{8349182F-161D-44CA-8ED3-315E2CD2C015}" destId="{AF082B63-47A3-42A2-A216-33822EEB62AD}" srcOrd="0" destOrd="0" presId="urn:microsoft.com/office/officeart/2009/3/layout/HorizontalOrganizationChart"/>
@@ -2618,6 +2786,13 @@
         </dgm:presLayoutVars>
       </dgm:prSet>
       <dgm:spPr/>
+      <dgm:t>
+        <a:bodyPr/>
+        <a:lstStyle/>
+        <a:p>
+          <a:endParaRPr lang="de-DE"/>
+        </a:p>
+      </dgm:t>
     </dgm:pt>
     <dgm:pt modelId="{AB39998E-0EF6-427D-AEC8-21396EF5E4F6}" type="pres">
       <dgm:prSet presAssocID="{DACC8F31-BC68-44A1-94EA-6E89C74AE713}" presName="parTxOnlySpace" presStyleCnt="0"/>
@@ -2632,6 +2807,13 @@
         </dgm:presLayoutVars>
       </dgm:prSet>
       <dgm:spPr/>
+      <dgm:t>
+        <a:bodyPr/>
+        <a:lstStyle/>
+        <a:p>
+          <a:endParaRPr lang="de-DE"/>
+        </a:p>
+      </dgm:t>
     </dgm:pt>
     <dgm:pt modelId="{5BFF22E0-6CBF-49E6-8EA1-0543140A2AFE}" type="pres">
       <dgm:prSet presAssocID="{9B82CD64-154C-4D52-AD0C-676622C4FF9A}" presName="parTxOnlySpace" presStyleCnt="0"/>
@@ -2646,16 +2828,23 @@
         </dgm:presLayoutVars>
       </dgm:prSet>
       <dgm:spPr/>
+      <dgm:t>
+        <a:bodyPr/>
+        <a:lstStyle/>
+        <a:p>
+          <a:endParaRPr lang="de-DE"/>
+        </a:p>
+      </dgm:t>
     </dgm:pt>
   </dgm:ptLst>
   <dgm:cxnLst>
+    <dgm:cxn modelId="{15B3D88F-AADF-449E-95E0-9236E08B69F3}" type="presOf" srcId="{18753D03-873F-4146-AD95-D1CB4B8D071D}" destId="{3E6991CC-64FF-4E8B-B9D1-453C465915F8}" srcOrd="0" destOrd="0" presId="urn:microsoft.com/office/officeart/2005/8/layout/chevron1"/>
+    <dgm:cxn modelId="{C004BC63-CBE6-402A-A1CC-BEEA7FD8E89B}" srcId="{18753D03-873F-4146-AD95-D1CB4B8D071D}" destId="{6CA5FA71-637A-450F-8045-F1F402DC11B0}" srcOrd="0" destOrd="0" parTransId="{CE92C5AD-CB25-4E55-A035-CEEEF44C5A21}" sibTransId="{DACC8F31-BC68-44A1-94EA-6E89C74AE713}"/>
+    <dgm:cxn modelId="{5D455C36-2A97-4C7D-BDFB-490EB43979FA}" type="presOf" srcId="{B12D6F0D-EDF0-4ED6-88BC-8C1A39EB909A}" destId="{D63463ED-A055-47CD-86CC-42B0566C8334}" srcOrd="0" destOrd="0" presId="urn:microsoft.com/office/officeart/2005/8/layout/chevron1"/>
     <dgm:cxn modelId="{80D80E0A-B9C1-495A-8E01-420FF8DC81A8}" type="presOf" srcId="{6CA5FA71-637A-450F-8045-F1F402DC11B0}" destId="{5C469640-FE55-4F7F-B497-1B74F4E2C0F5}" srcOrd="0" destOrd="0" presId="urn:microsoft.com/office/officeart/2005/8/layout/chevron1"/>
-    <dgm:cxn modelId="{5D455C36-2A97-4C7D-BDFB-490EB43979FA}" type="presOf" srcId="{B12D6F0D-EDF0-4ED6-88BC-8C1A39EB909A}" destId="{D63463ED-A055-47CD-86CC-42B0566C8334}" srcOrd="0" destOrd="0" presId="urn:microsoft.com/office/officeart/2005/8/layout/chevron1"/>
-    <dgm:cxn modelId="{C004BC63-CBE6-402A-A1CC-BEEA7FD8E89B}" srcId="{18753D03-873F-4146-AD95-D1CB4B8D071D}" destId="{6CA5FA71-637A-450F-8045-F1F402DC11B0}" srcOrd="0" destOrd="0" parTransId="{CE92C5AD-CB25-4E55-A035-CEEEF44C5A21}" sibTransId="{DACC8F31-BC68-44A1-94EA-6E89C74AE713}"/>
-    <dgm:cxn modelId="{15B3D88F-AADF-449E-95E0-9236E08B69F3}" type="presOf" srcId="{18753D03-873F-4146-AD95-D1CB4B8D071D}" destId="{3E6991CC-64FF-4E8B-B9D1-453C465915F8}" srcOrd="0" destOrd="0" presId="urn:microsoft.com/office/officeart/2005/8/layout/chevron1"/>
+    <dgm:cxn modelId="{F9638EE4-3DF1-4284-98E5-9F6BF387D7EC}" srcId="{18753D03-873F-4146-AD95-D1CB4B8D071D}" destId="{EC4681F8-CBDC-4364-AAC9-BB96998ED3D2}" srcOrd="1" destOrd="0" parTransId="{EFDB3AC7-E7E7-474D-9F15-A56DF2B213FF}" sibTransId="{9B82CD64-154C-4D52-AD0C-676622C4FF9A}"/>
     <dgm:cxn modelId="{6B669FC0-5E53-45DB-B40F-5F3DCEE07EBD}" type="presOf" srcId="{EC4681F8-CBDC-4364-AAC9-BB96998ED3D2}" destId="{11FFF8AB-45E7-45A5-96C5-D063E0015043}" srcOrd="0" destOrd="0" presId="urn:microsoft.com/office/officeart/2005/8/layout/chevron1"/>
     <dgm:cxn modelId="{42C30ACB-A0D9-413A-85DF-A80ADB95C423}" srcId="{18753D03-873F-4146-AD95-D1CB4B8D071D}" destId="{B12D6F0D-EDF0-4ED6-88BC-8C1A39EB909A}" srcOrd="2" destOrd="0" parTransId="{2FED6286-2E66-4782-AEB6-78D1936FFC14}" sibTransId="{E39411C9-BAA2-465F-A5A4-0A8CC096E02F}"/>
-    <dgm:cxn modelId="{F9638EE4-3DF1-4284-98E5-9F6BF387D7EC}" srcId="{18753D03-873F-4146-AD95-D1CB4B8D071D}" destId="{EC4681F8-CBDC-4364-AAC9-BB96998ED3D2}" srcOrd="1" destOrd="0" parTransId="{EFDB3AC7-E7E7-474D-9F15-A56DF2B213FF}" sibTransId="{9B82CD64-154C-4D52-AD0C-676622C4FF9A}"/>
     <dgm:cxn modelId="{4F7A2E7E-0EB1-43B5-9C89-3F23AC060BC7}" type="presParOf" srcId="{3E6991CC-64FF-4E8B-B9D1-453C465915F8}" destId="{5C469640-FE55-4F7F-B497-1B74F4E2C0F5}" srcOrd="0" destOrd="0" presId="urn:microsoft.com/office/officeart/2005/8/layout/chevron1"/>
     <dgm:cxn modelId="{64FB1A3D-264B-4225-AC6D-F9876C56A26E}" type="presParOf" srcId="{3E6991CC-64FF-4E8B-B9D1-453C465915F8}" destId="{AB39998E-0EF6-427D-AEC8-21396EF5E4F6}" srcOrd="1" destOrd="0" presId="urn:microsoft.com/office/officeart/2005/8/layout/chevron1"/>
     <dgm:cxn modelId="{5292A30D-98B0-43F1-A396-E80492F94F9D}" type="presParOf" srcId="{3E6991CC-64FF-4E8B-B9D1-453C465915F8}" destId="{11FFF8AB-45E7-45A5-96C5-D063E0015043}" srcOrd="2" destOrd="0" presId="urn:microsoft.com/office/officeart/2005/8/layout/chevron1"/>
@@ -3156,7 +3345,7 @@
         </a:bodyPr>
         <a:lstStyle/>
         <a:p>
-          <a:pPr marL="0" lvl="0" indent="0" algn="ctr" defTabSz="844550">
+          <a:pPr lvl="0" algn="ctr" defTabSz="844550">
             <a:lnSpc>
               <a:spcPct val="90000"/>
             </a:lnSpc>
@@ -3166,7 +3355,6 @@
             <a:spcAft>
               <a:spcPct val="35000"/>
             </a:spcAft>
-            <a:buNone/>
           </a:pPr>
           <a:r>
             <a:rPr lang="de-DE" sz="1900" kern="1200" dirty="0"/>
@@ -3234,7 +3422,7 @@
         </a:bodyPr>
         <a:lstStyle/>
         <a:p>
-          <a:pPr marL="0" lvl="0" indent="0" algn="ctr" defTabSz="844550">
+          <a:pPr lvl="0" algn="ctr" defTabSz="844550">
             <a:lnSpc>
               <a:spcPct val="90000"/>
             </a:lnSpc>
@@ -3244,7 +3432,6 @@
             <a:spcAft>
               <a:spcPct val="35000"/>
             </a:spcAft>
-            <a:buNone/>
           </a:pPr>
           <a:r>
             <a:rPr lang="de-DE" sz="1900" kern="1200" dirty="0"/>
@@ -3312,7 +3499,7 @@
         </a:bodyPr>
         <a:lstStyle/>
         <a:p>
-          <a:pPr marL="0" lvl="0" indent="0" algn="ctr" defTabSz="844550">
+          <a:pPr lvl="0" algn="ctr" defTabSz="844550">
             <a:lnSpc>
               <a:spcPct val="90000"/>
             </a:lnSpc>
@@ -3322,7 +3509,6 @@
             <a:spcAft>
               <a:spcPct val="35000"/>
             </a:spcAft>
-            <a:buNone/>
           </a:pPr>
           <a:r>
             <a:rPr lang="de-DE" sz="1900" kern="1200" dirty="0"/>
@@ -3390,7 +3576,7 @@
         </a:bodyPr>
         <a:lstStyle/>
         <a:p>
-          <a:pPr marL="0" lvl="0" indent="0" algn="ctr" defTabSz="844550">
+          <a:pPr lvl="0" algn="ctr" defTabSz="844550">
             <a:lnSpc>
               <a:spcPct val="90000"/>
             </a:lnSpc>
@@ -3400,7 +3586,6 @@
             <a:spcAft>
               <a:spcPct val="35000"/>
             </a:spcAft>
-            <a:buNone/>
           </a:pPr>
           <a:r>
             <a:rPr lang="de-DE" sz="1900" kern="1200" dirty="0"/>
@@ -3468,7 +3653,7 @@
         </a:bodyPr>
         <a:lstStyle/>
         <a:p>
-          <a:pPr marL="0" lvl="0" indent="0" algn="ctr" defTabSz="844550">
+          <a:pPr lvl="0" algn="ctr" defTabSz="844550">
             <a:lnSpc>
               <a:spcPct val="90000"/>
             </a:lnSpc>
@@ -3478,7 +3663,6 @@
             <a:spcAft>
               <a:spcPct val="35000"/>
             </a:spcAft>
-            <a:buNone/>
           </a:pPr>
           <a:r>
             <a:rPr lang="de-DE" sz="1900" kern="1200" dirty="0" err="1"/>
@@ -3547,7 +3731,7 @@
         </a:bodyPr>
         <a:lstStyle/>
         <a:p>
-          <a:pPr marL="0" lvl="0" indent="0" algn="ctr" defTabSz="844550">
+          <a:pPr lvl="0" algn="ctr" defTabSz="844550">
             <a:lnSpc>
               <a:spcPct val="90000"/>
             </a:lnSpc>
@@ -3557,7 +3741,6 @@
             <a:spcAft>
               <a:spcPct val="35000"/>
             </a:spcAft>
-            <a:buNone/>
           </a:pPr>
           <a:r>
             <a:rPr lang="de-DE" sz="1900" kern="1200" dirty="0" err="1"/>
@@ -3629,7 +3812,7 @@
         </a:bodyPr>
         <a:lstStyle/>
         <a:p>
-          <a:pPr marL="0" lvl="0" indent="0" algn="ctr" defTabSz="844550">
+          <a:pPr lvl="0" algn="ctr" defTabSz="844550">
             <a:lnSpc>
               <a:spcPct val="90000"/>
             </a:lnSpc>
@@ -3639,7 +3822,6 @@
             <a:spcAft>
               <a:spcPct val="35000"/>
             </a:spcAft>
-            <a:buNone/>
           </a:pPr>
           <a:r>
             <a:rPr lang="de-DE" sz="1900" kern="1200" dirty="0"/>
@@ -3707,7 +3889,7 @@
         </a:bodyPr>
         <a:lstStyle/>
         <a:p>
-          <a:pPr marL="0" lvl="0" indent="0" algn="ctr" defTabSz="844550">
+          <a:pPr lvl="0" algn="ctr" defTabSz="844550">
             <a:lnSpc>
               <a:spcPct val="90000"/>
             </a:lnSpc>
@@ -3717,7 +3899,6 @@
             <a:spcAft>
               <a:spcPct val="35000"/>
             </a:spcAft>
-            <a:buNone/>
           </a:pPr>
           <a:r>
             <a:rPr lang="de-DE" sz="1900" kern="1200" dirty="0"/>
@@ -3797,7 +3978,7 @@
         </a:bodyPr>
         <a:lstStyle/>
         <a:p>
-          <a:pPr marL="0" lvl="0" indent="0" algn="ctr" defTabSz="1155700">
+          <a:pPr lvl="0" algn="ctr" defTabSz="1155700">
             <a:lnSpc>
               <a:spcPct val="90000"/>
             </a:lnSpc>
@@ -3807,7 +3988,6 @@
             <a:spcAft>
               <a:spcPct val="35000"/>
             </a:spcAft>
-            <a:buNone/>
           </a:pPr>
           <a:r>
             <a:rPr lang="de-DE" sz="2600" kern="1200" dirty="0" err="1"/>
@@ -3876,7 +4056,7 @@
         </a:bodyPr>
         <a:lstStyle/>
         <a:p>
-          <a:pPr marL="0" lvl="0" indent="0" algn="ctr" defTabSz="1155700">
+          <a:pPr lvl="0" algn="ctr" defTabSz="1155700">
             <a:lnSpc>
               <a:spcPct val="90000"/>
             </a:lnSpc>
@@ -3886,7 +4066,6 @@
             <a:spcAft>
               <a:spcPct val="35000"/>
             </a:spcAft>
-            <a:buNone/>
           </a:pPr>
           <a:r>
             <a:rPr lang="de-DE" sz="2600" kern="1200" dirty="0" err="1"/>
@@ -3955,7 +4134,7 @@
         </a:bodyPr>
         <a:lstStyle/>
         <a:p>
-          <a:pPr marL="0" lvl="0" indent="0" algn="ctr" defTabSz="1155700">
+          <a:pPr lvl="0" algn="ctr" defTabSz="1155700">
             <a:lnSpc>
               <a:spcPct val="90000"/>
             </a:lnSpc>
@@ -3965,7 +4144,6 @@
             <a:spcAft>
               <a:spcPct val="35000"/>
             </a:spcAft>
-            <a:buNone/>
           </a:pPr>
           <a:r>
             <a:rPr lang="de-DE" sz="2600" kern="1200" dirty="0" err="1"/>
@@ -8060,8 +8238,8 @@
           <a:lstStyle/>
           <a:p>
             <a:r>
-              <a:rPr lang="de-DE"/>
-              <a:t>14.07.2016</a:t>
+              <a:rPr lang="de-DE" dirty="0" smtClean="0"/>
+              <a:t>10.07.2018</a:t>
             </a:r>
             <a:endParaRPr lang="de-DE" dirty="0"/>
           </a:p>
@@ -8325,8 +8503,8 @@
           <a:lstStyle/>
           <a:p>
             <a:r>
-              <a:rPr lang="de-DE"/>
-              <a:t>14.07.2016</a:t>
+              <a:rPr lang="de-DE" dirty="0" smtClean="0"/>
+              <a:t>10.07.2018</a:t>
             </a:r>
             <a:endParaRPr lang="de-DE" dirty="0"/>
           </a:p>
@@ -8454,8 +8632,8 @@
           <a:lstStyle/>
           <a:p>
             <a:r>
-              <a:rPr lang="de-DE"/>
-              <a:t>14.07.2016</a:t>
+              <a:rPr lang="de-DE" dirty="0" smtClean="0"/>
+              <a:t>10.07.2018</a:t>
             </a:r>
             <a:endParaRPr lang="de-DE" dirty="0"/>
           </a:p>
@@ -8623,8 +8801,8 @@
           <a:lstStyle/>
           <a:p>
             <a:r>
-              <a:rPr lang="de-DE"/>
-              <a:t>14.07.2016</a:t>
+              <a:rPr lang="de-DE" dirty="0" smtClean="0"/>
+              <a:t>10.07.2018</a:t>
             </a:r>
             <a:endParaRPr lang="de-DE" dirty="0"/>
           </a:p>
@@ -8812,8 +8990,8 @@
           <a:lstStyle/>
           <a:p>
             <a:r>
-              <a:rPr lang="de-DE"/>
-              <a:t>14.07.2016</a:t>
+              <a:rPr lang="de-DE" dirty="0" smtClean="0"/>
+              <a:t>10.07.2018</a:t>
             </a:r>
             <a:endParaRPr lang="de-DE" dirty="0"/>
           </a:p>
@@ -8980,8 +9158,8 @@
           <a:lstStyle/>
           <a:p>
             <a:r>
-              <a:rPr lang="de-DE"/>
-              <a:t>14.07.2016</a:t>
+              <a:rPr lang="de-DE" dirty="0" smtClean="0"/>
+              <a:t>10.07.2018</a:t>
             </a:r>
             <a:endParaRPr lang="de-DE" dirty="0"/>
           </a:p>
@@ -9247,8 +9425,8 @@
           <a:lstStyle/>
           <a:p>
             <a:r>
-              <a:rPr lang="de-DE"/>
-              <a:t>14.07.2016</a:t>
+              <a:rPr lang="de-DE" dirty="0" smtClean="0"/>
+              <a:t>10.07.2018</a:t>
             </a:r>
             <a:endParaRPr lang="de-DE" dirty="0"/>
           </a:p>
@@ -9573,8 +9751,8 @@
           <a:lstStyle/>
           <a:p>
             <a:r>
-              <a:rPr lang="de-DE"/>
-              <a:t>14.07.2016</a:t>
+              <a:rPr lang="de-DE" dirty="0" smtClean="0"/>
+              <a:t>10.07.2018</a:t>
             </a:r>
             <a:endParaRPr lang="de-DE" dirty="0"/>
           </a:p>
@@ -9899,8 +10077,8 @@
           <a:lstStyle/>
           <a:p>
             <a:r>
-              <a:rPr lang="de-DE"/>
-              <a:t>14.07.2016</a:t>
+              <a:rPr lang="de-DE" dirty="0" smtClean="0"/>
+              <a:t>10.07.2018</a:t>
             </a:r>
             <a:endParaRPr lang="de-DE" dirty="0"/>
           </a:p>
@@ -10194,8 +10372,8 @@
           <a:lstStyle/>
           <a:p>
             <a:r>
-              <a:rPr lang="de-DE"/>
-              <a:t>14.07.2016</a:t>
+              <a:rPr lang="de-DE" dirty="0" smtClean="0"/>
+              <a:t>10.07.2018</a:t>
             </a:r>
             <a:endParaRPr lang="de-DE" dirty="0"/>
           </a:p>
@@ -10443,8 +10621,8 @@
           <a:lstStyle/>
           <a:p>
             <a:r>
-              <a:rPr lang="de-DE"/>
-              <a:t>14.07.2016</a:t>
+              <a:rPr lang="de-DE" dirty="0" smtClean="0"/>
+              <a:t>10.07.2018</a:t>
             </a:r>
             <a:endParaRPr lang="de-DE" dirty="0"/>
           </a:p>
@@ -10848,8 +11026,8 @@
           <a:lstStyle/>
           <a:p>
             <a:r>
-              <a:rPr lang="de-DE"/>
-              <a:t>14.07.2016</a:t>
+              <a:rPr lang="de-DE" dirty="0" smtClean="0"/>
+              <a:t>10.07.2018</a:t>
             </a:r>
             <a:endParaRPr lang="de-DE" dirty="0"/>
           </a:p>
@@ -11087,8 +11265,8 @@
           <a:lstStyle/>
           <a:p>
             <a:r>
-              <a:rPr lang="de-DE"/>
-              <a:t>14.07.2016</a:t>
+              <a:rPr lang="de-DE" dirty="0" smtClean="0"/>
+              <a:t>10.07.2018</a:t>
             </a:r>
             <a:endParaRPr lang="de-DE" dirty="0"/>
           </a:p>
@@ -11423,8 +11601,8 @@
           <a:lstStyle/>
           <a:p>
             <a:r>
-              <a:rPr lang="de-DE"/>
-              <a:t>14.07.2016</a:t>
+              <a:rPr lang="de-DE" dirty="0" smtClean="0"/>
+              <a:t>10.07.2018</a:t>
             </a:r>
             <a:endParaRPr lang="de-DE" dirty="0"/>
           </a:p>
@@ -11918,8 +12096,8 @@
           <a:lstStyle/>
           <a:p>
             <a:r>
-              <a:rPr lang="de-DE"/>
-              <a:t>14.07.2016</a:t>
+              <a:rPr lang="de-DE" dirty="0" smtClean="0"/>
+              <a:t>10.07.2018</a:t>
             </a:r>
             <a:endParaRPr lang="de-DE" dirty="0"/>
           </a:p>
@@ -11992,6 +12170,10 @@
             <a:br>
               <a:rPr lang="de-DE" dirty="0"/>
             </a:br>
+            <a:r>
+              <a:rPr lang="de-DE" dirty="0"/>
+              <a:t/>
+            </a:r>
             <a:br>
               <a:rPr lang="de-DE" dirty="0"/>
             </a:br>
@@ -12063,6 +12245,10 @@
             <a:br>
               <a:rPr lang="de-DE" dirty="0"/>
             </a:br>
+            <a:r>
+              <a:rPr lang="de-DE" dirty="0"/>
+              <a:t/>
+            </a:r>
             <a:br>
               <a:rPr lang="de-DE" dirty="0"/>
             </a:br>
@@ -12280,6 +12466,10 @@
             <a:br>
               <a:rPr lang="de-DE" dirty="0"/>
             </a:br>
+            <a:r>
+              <a:rPr lang="de-DE" dirty="0"/>
+              <a:t/>
+            </a:r>
             <a:br>
               <a:rPr lang="de-DE" dirty="0"/>
             </a:br>
@@ -12351,6 +12541,10 @@
             <a:br>
               <a:rPr lang="de-DE" dirty="0"/>
             </a:br>
+            <a:r>
+              <a:rPr lang="de-DE" dirty="0"/>
+              <a:t/>
+            </a:r>
             <a:br>
               <a:rPr lang="de-DE" dirty="0"/>
             </a:br>
@@ -12559,8 +12753,8 @@
           <a:lstStyle/>
           <a:p>
             <a:r>
-              <a:rPr lang="de-DE"/>
-              <a:t>14.07.2016</a:t>
+              <a:rPr lang="de-DE" dirty="0" smtClean="0"/>
+              <a:t>10.07.2018</a:t>
             </a:r>
             <a:endParaRPr lang="de-DE" dirty="0"/>
           </a:p>
@@ -12872,8 +13066,8 @@
           <a:lstStyle/>
           <a:p>
             <a:r>
-              <a:rPr lang="de-DE"/>
-              <a:t>14.07.2016</a:t>
+              <a:rPr lang="de-DE" dirty="0" smtClean="0"/>
+              <a:t>10.07.2018</a:t>
             </a:r>
             <a:endParaRPr lang="de-DE" dirty="0"/>
           </a:p>
@@ -12994,18 +13188,38 @@
             <a:br>
               <a:rPr lang="de-DE" dirty="0"/>
             </a:br>
+            <a:r>
+              <a:rPr lang="de-DE" dirty="0"/>
+              <a:t/>
+            </a:r>
             <a:br>
               <a:rPr lang="de-DE" dirty="0"/>
             </a:br>
+            <a:r>
+              <a:rPr lang="de-DE" dirty="0"/>
+              <a:t/>
+            </a:r>
             <a:br>
               <a:rPr lang="de-DE" dirty="0"/>
             </a:br>
+            <a:r>
+              <a:rPr lang="de-DE" dirty="0"/>
+              <a:t/>
+            </a:r>
             <a:br>
               <a:rPr lang="de-DE" dirty="0"/>
             </a:br>
+            <a:r>
+              <a:rPr lang="de-DE" dirty="0"/>
+              <a:t/>
+            </a:r>
             <a:br>
               <a:rPr lang="de-DE" dirty="0"/>
             </a:br>
+            <a:r>
+              <a:rPr lang="de-DE" dirty="0"/>
+              <a:t/>
+            </a:r>
             <a:br>
               <a:rPr lang="de-DE" dirty="0"/>
             </a:br>
@@ -13294,8 +13508,8 @@
           </a:lstStyle>
           <a:p>
             <a:r>
-              <a:rPr lang="de-DE"/>
-              <a:t>14.07.2016</a:t>
+              <a:rPr lang="de-DE" dirty="0" smtClean="0"/>
+              <a:t>10.07.2018</a:t>
             </a:r>
             <a:endParaRPr lang="de-DE" dirty="0"/>
           </a:p>
@@ -13854,8 +14068,8 @@
           <a:lstStyle/>
           <a:p>
             <a:r>
-              <a:rPr lang="de-DE"/>
-              <a:t>14.07.2016</a:t>
+              <a:rPr lang="de-DE" dirty="0"/>
+              <a:t>10.07.2018</a:t>
             </a:r>
             <a:endParaRPr lang="de-DE" dirty="0"/>
           </a:p>
@@ -14002,8 +14216,8 @@
           <a:lstStyle/>
           <a:p>
             <a:r>
-              <a:rPr lang="de-DE"/>
-              <a:t>14.07.2016</a:t>
+              <a:rPr lang="de-DE" dirty="0"/>
+              <a:t>10.07.2018</a:t>
             </a:r>
             <a:endParaRPr lang="de-DE" dirty="0"/>
           </a:p>
@@ -14187,8 +14401,8 @@
           <a:lstStyle/>
           <a:p>
             <a:r>
-              <a:rPr lang="de-DE"/>
-              <a:t>14.07.2016</a:t>
+              <a:rPr lang="de-DE" dirty="0"/>
+              <a:t>10.07.2018</a:t>
             </a:r>
             <a:endParaRPr lang="de-DE" dirty="0"/>
           </a:p>
@@ -14528,8 +14742,8 @@
           <a:lstStyle/>
           <a:p>
             <a:r>
-              <a:rPr lang="de-DE"/>
-              <a:t>14.07.2016</a:t>
+              <a:rPr lang="de-DE" dirty="0"/>
+              <a:t>10.07.2018</a:t>
             </a:r>
             <a:endParaRPr lang="de-DE" dirty="0"/>
           </a:p>
@@ -14743,8 +14957,8 @@
           <a:lstStyle/>
           <a:p>
             <a:r>
-              <a:rPr lang="de-DE"/>
-              <a:t>14.07.2016</a:t>
+              <a:rPr lang="de-DE" dirty="0"/>
+              <a:t>10.07.2018</a:t>
             </a:r>
             <a:endParaRPr lang="de-DE" dirty="0"/>
           </a:p>
@@ -14958,8 +15172,8 @@
           <a:lstStyle/>
           <a:p>
             <a:r>
-              <a:rPr lang="de-DE"/>
-              <a:t>14.07.2016</a:t>
+              <a:rPr lang="de-DE" dirty="0"/>
+              <a:t>10.07.2018</a:t>
             </a:r>
             <a:endParaRPr lang="de-DE" dirty="0"/>
           </a:p>
@@ -15185,8 +15399,8 @@
           <a:lstStyle/>
           <a:p>
             <a:r>
-              <a:rPr lang="de-DE"/>
-              <a:t>14.07.2016</a:t>
+              <a:rPr lang="de-DE" dirty="0"/>
+              <a:t>10.07.2018</a:t>
             </a:r>
             <a:endParaRPr lang="de-DE" dirty="0"/>
           </a:p>
@@ -16231,6 +16445,12 @@
 </file>
 
 <file path=customXml/item2.xml><?xml version="1.0" encoding="utf-8"?>
+<p:properties xmlns:p="http://schemas.microsoft.com/office/2006/metadata/properties" xmlns:xsi="http://www.w3.org/2001/XMLSchema-instance" xmlns:pc="http://schemas.microsoft.com/office/infopath/2007/PartnerControls">
+  <documentManagement/>
+</p:properties>
+</file>
+
+<file path=customXml/item3.xml><?xml version="1.0" encoding="utf-8"?>
 <ct:contentTypeSchema xmlns:ct="http://schemas.microsoft.com/office/2006/metadata/contentType" xmlns:ma="http://schemas.microsoft.com/office/2006/metadata/properties/metaAttributes" ct:_="" ma:_="" ma:contentTypeName="Dokument" ma:contentTypeID="0x0101003DC6390AE56B35438C65966F635EAD35" ma:contentTypeVersion="0" ma:contentTypeDescription="Ein neues Dokument erstellen." ma:contentTypeScope="" ma:versionID="4f3286d4674dd6d9e62b4ad622de0e43">
   <xsd:schema xmlns:xsd="http://www.w3.org/2001/XMLSchema" xmlns:xs="http://www.w3.org/2001/XMLSchema" xmlns:p="http://schemas.microsoft.com/office/2006/metadata/properties" targetNamespace="http://schemas.microsoft.com/office/2006/metadata/properties" ma:root="true" ma:fieldsID="b4f5dc90cf06628c3b90945c8266c24d">
     <xsd:element name="properties">
@@ -16344,12 +16564,6 @@
 </ct:contentTypeSchema>
 </file>
 
-<file path=customXml/item3.xml><?xml version="1.0" encoding="utf-8"?>
-<p:properties xmlns:p="http://schemas.microsoft.com/office/2006/metadata/properties" xmlns:xsi="http://www.w3.org/2001/XMLSchema-instance" xmlns:pc="http://schemas.microsoft.com/office/infopath/2007/PartnerControls">
-  <documentManagement/>
-</p:properties>
-</file>
-
 <file path=customXml/itemProps1.xml><?xml version="1.0" encoding="utf-8"?>
 <ds:datastoreItem xmlns:ds="http://schemas.openxmlformats.org/officeDocument/2006/customXml" ds:itemID="{FD22786F-CBCD-4FD4-A284-6C8FA96D8FE2}">
   <ds:schemaRefs>
@@ -16359,6 +16573,21 @@
 </file>
 
 <file path=customXml/itemProps2.xml><?xml version="1.0" encoding="utf-8"?>
+<ds:datastoreItem xmlns:ds="http://schemas.openxmlformats.org/officeDocument/2006/customXml" ds:itemID="{0A4ADDD2-5B29-4A1F-90E1-3FD9AC1E4F18}">
+  <ds:schemaRefs>
+    <ds:schemaRef ds:uri="http://purl.org/dc/terms/"/>
+    <ds:schemaRef ds:uri="http://purl.org/dc/dcmitype/"/>
+    <ds:schemaRef ds:uri="http://schemas.microsoft.com/office/2006/documentManagement/types"/>
+    <ds:schemaRef ds:uri="http://schemas.microsoft.com/office/2006/metadata/properties"/>
+    <ds:schemaRef ds:uri="http://purl.org/dc/elements/1.1/"/>
+    <ds:schemaRef ds:uri="http://schemas.microsoft.com/office/infopath/2007/PartnerControls"/>
+    <ds:schemaRef ds:uri="http://schemas.openxmlformats.org/package/2006/metadata/core-properties"/>
+    <ds:schemaRef ds:uri="http://www.w3.org/XML/1998/namespace"/>
+  </ds:schemaRefs>
+</ds:datastoreItem>
+</file>
+
+<file path=customXml/itemProps3.xml><?xml version="1.0" encoding="utf-8"?>
 <ds:datastoreItem xmlns:ds="http://schemas.openxmlformats.org/officeDocument/2006/customXml" ds:itemID="{35240994-86D6-4C55-8272-3C86349FB6F7}">
   <ds:schemaRefs>
     <ds:schemaRef ds:uri="http://schemas.microsoft.com/office/2006/metadata/contentType"/>
@@ -16372,19 +16601,4 @@
     <ds:schemaRef ds:uri="http://schemas.microsoft.com/office/infopath/2007/PartnerControls"/>
   </ds:schemaRefs>
 </ds:datastoreItem>
-</file>
-
-<file path=customXml/itemProps3.xml><?xml version="1.0" encoding="utf-8"?>
-<ds:datastoreItem xmlns:ds="http://schemas.openxmlformats.org/officeDocument/2006/customXml" ds:itemID="{0A4ADDD2-5B29-4A1F-90E1-3FD9AC1E4F18}">
-  <ds:schemaRefs>
-    <ds:schemaRef ds:uri="http://purl.org/dc/terms/"/>
-    <ds:schemaRef ds:uri="http://purl.org/dc/dcmitype/"/>
-    <ds:schemaRef ds:uri="http://schemas.microsoft.com/office/2006/documentManagement/types"/>
-    <ds:schemaRef ds:uri="http://schemas.microsoft.com/office/2006/metadata/properties"/>
-    <ds:schemaRef ds:uri="http://purl.org/dc/elements/1.1/"/>
-    <ds:schemaRef ds:uri="http://schemas.microsoft.com/office/infopath/2007/PartnerControls"/>
-    <ds:schemaRef ds:uri="http://schemas.openxmlformats.org/package/2006/metadata/core-properties"/>
-    <ds:schemaRef ds:uri="http://www.w3.org/XML/1998/namespace"/>
-  </ds:schemaRefs>
-</ds:datastoreItem>
 </file>
--- a/Präsentation/Teilpräsentationen/EMF und Generator.pptx
+++ b/Präsentation/Teilpräsentationen/EMF und Generator.pptx
@@ -5,19 +5,20 @@
     <p:sldMasterId id="2147483648" r:id="rId4"/>
   </p:sldMasterIdLst>
   <p:notesMasterIdLst>
-    <p:notesMasterId r:id="rId12"/>
+    <p:notesMasterId r:id="rId13"/>
   </p:notesMasterIdLst>
   <p:handoutMasterIdLst>
-    <p:handoutMasterId r:id="rId13"/>
+    <p:handoutMasterId r:id="rId14"/>
   </p:handoutMasterIdLst>
   <p:sldIdLst>
     <p:sldId id="258" r:id="rId5"/>
     <p:sldId id="259" r:id="rId6"/>
-    <p:sldId id="260" r:id="rId7"/>
-    <p:sldId id="264" r:id="rId8"/>
-    <p:sldId id="265" r:id="rId9"/>
-    <p:sldId id="262" r:id="rId10"/>
-    <p:sldId id="263" r:id="rId11"/>
+    <p:sldId id="266" r:id="rId7"/>
+    <p:sldId id="260" r:id="rId8"/>
+    <p:sldId id="264" r:id="rId9"/>
+    <p:sldId id="265" r:id="rId10"/>
+    <p:sldId id="262" r:id="rId11"/>
+    <p:sldId id="263" r:id="rId12"/>
   </p:sldIdLst>
   <p:sldSz cx="6858000" cy="5143500"/>
   <p:notesSz cx="6858000" cy="9144000"/>
@@ -164,19 +165,572 @@
 </file>
 
 <file path=ppt/diagrams/colors1.xml><?xml version="1.0" encoding="utf-8"?>
-<dgm:colorsDef xmlns:dgm="http://schemas.openxmlformats.org/drawingml/2006/diagram" xmlns:a="http://schemas.openxmlformats.org/drawingml/2006/main" uniqueId="urn:microsoft.com/office/officeart/2005/8/colors/accent0_1">
+<dgm:colorsDef xmlns:dgm="http://schemas.openxmlformats.org/drawingml/2006/diagram" xmlns:a="http://schemas.openxmlformats.org/drawingml/2006/main" uniqueId="urn:microsoft.com/office/officeart/2005/8/colors/colorful2">
   <dgm:title val=""/>
   <dgm:desc val=""/>
   <dgm:catLst>
-    <dgm:cat type="mainScheme" pri="10100"/>
+    <dgm:cat type="colorful" pri="10200"/>
   </dgm:catLst>
   <dgm:styleLbl name="node0">
     <dgm:fillClrLst meth="repeat">
+      <a:schemeClr val="accent1"/>
+    </dgm:fillClrLst>
+    <dgm:linClrLst meth="repeat">
+      <a:schemeClr val="lt1"/>
+    </dgm:linClrLst>
+    <dgm:effectClrLst/>
+    <dgm:txLinClrLst/>
+    <dgm:txFillClrLst/>
+    <dgm:txEffectClrLst/>
+  </dgm:styleLbl>
+  <dgm:styleLbl name="node1">
+    <dgm:fillClrLst>
+      <a:schemeClr val="accent2"/>
+      <a:schemeClr val="accent3"/>
+    </dgm:fillClrLst>
+    <dgm:linClrLst meth="repeat">
+      <a:schemeClr val="lt1"/>
+    </dgm:linClrLst>
+    <dgm:effectClrLst/>
+    <dgm:txLinClrLst/>
+    <dgm:txFillClrLst/>
+    <dgm:txEffectClrLst/>
+  </dgm:styleLbl>
+  <dgm:styleLbl name="alignNode1">
+    <dgm:fillClrLst>
+      <a:schemeClr val="accent2"/>
+      <a:schemeClr val="accent3"/>
+    </dgm:fillClrLst>
+    <dgm:linClrLst>
+      <a:schemeClr val="accent2"/>
+      <a:schemeClr val="accent3"/>
+    </dgm:linClrLst>
+    <dgm:effectClrLst/>
+    <dgm:txLinClrLst/>
+    <dgm:txFillClrLst/>
+    <dgm:txEffectClrLst/>
+  </dgm:styleLbl>
+  <dgm:styleLbl name="lnNode1">
+    <dgm:fillClrLst>
+      <a:schemeClr val="accent2"/>
+      <a:schemeClr val="accent3"/>
+    </dgm:fillClrLst>
+    <dgm:linClrLst meth="repeat">
+      <a:schemeClr val="lt1"/>
+    </dgm:linClrLst>
+    <dgm:effectClrLst/>
+    <dgm:txLinClrLst/>
+    <dgm:txFillClrLst/>
+    <dgm:txEffectClrLst/>
+  </dgm:styleLbl>
+  <dgm:styleLbl name="vennNode1">
+    <dgm:fillClrLst>
+      <a:schemeClr val="accent2">
+        <a:alpha val="50000"/>
+      </a:schemeClr>
+      <a:schemeClr val="accent3">
+        <a:alpha val="50000"/>
+      </a:schemeClr>
+    </dgm:fillClrLst>
+    <dgm:linClrLst meth="repeat">
+      <a:schemeClr val="lt1"/>
+    </dgm:linClrLst>
+    <dgm:effectClrLst/>
+    <dgm:txLinClrLst/>
+    <dgm:txFillClrLst/>
+    <dgm:txEffectClrLst/>
+  </dgm:styleLbl>
+  <dgm:styleLbl name="node2">
+    <dgm:fillClrLst>
+      <a:schemeClr val="accent3"/>
+    </dgm:fillClrLst>
+    <dgm:linClrLst meth="repeat">
+      <a:schemeClr val="lt1"/>
+    </dgm:linClrLst>
+    <dgm:effectClrLst/>
+    <dgm:txLinClrLst/>
+    <dgm:txFillClrLst/>
+    <dgm:txEffectClrLst/>
+  </dgm:styleLbl>
+  <dgm:styleLbl name="node3">
+    <dgm:fillClrLst>
+      <a:schemeClr val="accent4"/>
+    </dgm:fillClrLst>
+    <dgm:linClrLst meth="repeat">
+      <a:schemeClr val="lt1"/>
+    </dgm:linClrLst>
+    <dgm:effectClrLst/>
+    <dgm:txLinClrLst/>
+    <dgm:txFillClrLst/>
+    <dgm:txEffectClrLst/>
+  </dgm:styleLbl>
+  <dgm:styleLbl name="node4">
+    <dgm:fillClrLst>
+      <a:schemeClr val="accent5"/>
+    </dgm:fillClrLst>
+    <dgm:linClrLst meth="repeat">
+      <a:schemeClr val="lt1"/>
+    </dgm:linClrLst>
+    <dgm:effectClrLst/>
+    <dgm:txLinClrLst/>
+    <dgm:txFillClrLst/>
+    <dgm:txEffectClrLst/>
+  </dgm:styleLbl>
+  <dgm:styleLbl name="fgImgPlace1">
+    <dgm:fillClrLst>
+      <a:schemeClr val="accent2">
+        <a:tint val="50000"/>
+      </a:schemeClr>
+      <a:schemeClr val="accent3">
+        <a:tint val="50000"/>
+      </a:schemeClr>
+    </dgm:fillClrLst>
+    <dgm:linClrLst meth="repeat">
+      <a:schemeClr val="lt1"/>
+    </dgm:linClrLst>
+    <dgm:effectClrLst/>
+    <dgm:txLinClrLst/>
+    <dgm:txFillClrLst meth="repeat">
+      <a:schemeClr val="lt1"/>
+    </dgm:txFillClrLst>
+    <dgm:txEffectClrLst/>
+  </dgm:styleLbl>
+  <dgm:styleLbl name="alignImgPlace1">
+    <dgm:fillClrLst>
+      <a:schemeClr val="accent2">
+        <a:tint val="50000"/>
+      </a:schemeClr>
+      <a:schemeClr val="accent3">
+        <a:tint val="20000"/>
+      </a:schemeClr>
+    </dgm:fillClrLst>
+    <dgm:linClrLst meth="repeat">
+      <a:schemeClr val="lt1"/>
+    </dgm:linClrLst>
+    <dgm:effectClrLst/>
+    <dgm:txLinClrLst/>
+    <dgm:txFillClrLst meth="repeat">
+      <a:schemeClr val="lt1"/>
+    </dgm:txFillClrLst>
+    <dgm:txEffectClrLst/>
+  </dgm:styleLbl>
+  <dgm:styleLbl name="bgImgPlace1">
+    <dgm:fillClrLst>
+      <a:schemeClr val="accent2">
+        <a:tint val="50000"/>
+      </a:schemeClr>
+      <a:schemeClr val="accent3">
+        <a:tint val="20000"/>
+      </a:schemeClr>
+    </dgm:fillClrLst>
+    <dgm:linClrLst meth="repeat">
+      <a:schemeClr val="lt1"/>
+    </dgm:linClrLst>
+    <dgm:effectClrLst/>
+    <dgm:txLinClrLst/>
+    <dgm:txFillClrLst meth="repeat">
+      <a:schemeClr val="lt1"/>
+    </dgm:txFillClrLst>
+    <dgm:txEffectClrLst/>
+  </dgm:styleLbl>
+  <dgm:styleLbl name="sibTrans2D1">
+    <dgm:fillClrLst>
+      <a:schemeClr val="accent2"/>
+      <a:schemeClr val="accent3"/>
+    </dgm:fillClrLst>
+    <dgm:linClrLst meth="repeat">
+      <a:schemeClr val="lt1"/>
+    </dgm:linClrLst>
+    <dgm:effectClrLst/>
+    <dgm:txLinClrLst/>
+    <dgm:txFillClrLst/>
+    <dgm:txEffectClrLst/>
+  </dgm:styleLbl>
+  <dgm:styleLbl name="fgSibTrans2D1">
+    <dgm:fillClrLst>
+      <a:schemeClr val="accent2"/>
+      <a:schemeClr val="accent3"/>
+    </dgm:fillClrLst>
+    <dgm:linClrLst meth="repeat">
+      <a:schemeClr val="lt1"/>
+    </dgm:linClrLst>
+    <dgm:effectClrLst/>
+    <dgm:txLinClrLst/>
+    <dgm:txFillClrLst meth="repeat">
+      <a:schemeClr val="lt1"/>
+    </dgm:txFillClrLst>
+    <dgm:txEffectClrLst/>
+  </dgm:styleLbl>
+  <dgm:styleLbl name="bgSibTrans2D1">
+    <dgm:fillClrLst>
+      <a:schemeClr val="accent2"/>
+      <a:schemeClr val="accent3"/>
+    </dgm:fillClrLst>
+    <dgm:linClrLst meth="repeat">
+      <a:schemeClr val="lt1"/>
+    </dgm:linClrLst>
+    <dgm:effectClrLst/>
+    <dgm:txLinClrLst/>
+    <dgm:txFillClrLst meth="repeat">
+      <a:schemeClr val="lt1"/>
+    </dgm:txFillClrLst>
+    <dgm:txEffectClrLst/>
+  </dgm:styleLbl>
+  <dgm:styleLbl name="sibTrans1D1">
+    <dgm:fillClrLst/>
+    <dgm:linClrLst>
+      <a:schemeClr val="accent2"/>
+      <a:schemeClr val="accent3"/>
+    </dgm:linClrLst>
+    <dgm:effectClrLst/>
+    <dgm:txLinClrLst/>
+    <dgm:txFillClrLst meth="repeat">
+      <a:schemeClr val="tx1"/>
+    </dgm:txFillClrLst>
+    <dgm:txEffectClrLst/>
+  </dgm:styleLbl>
+  <dgm:styleLbl name="callout">
+    <dgm:fillClrLst meth="repeat">
+      <a:schemeClr val="accent2"/>
+    </dgm:fillClrLst>
+    <dgm:linClrLst meth="repeat">
+      <a:schemeClr val="accent2">
+        <a:tint val="50000"/>
+      </a:schemeClr>
+    </dgm:linClrLst>
+    <dgm:effectClrLst/>
+    <dgm:txLinClrLst/>
+    <dgm:txFillClrLst meth="repeat">
+      <a:schemeClr val="tx1"/>
+    </dgm:txFillClrLst>
+    <dgm:txEffectClrLst/>
+  </dgm:styleLbl>
+  <dgm:styleLbl name="asst0">
+    <dgm:fillClrLst meth="repeat">
+      <a:schemeClr val="accent2"/>
+    </dgm:fillClrLst>
+    <dgm:linClrLst meth="repeat">
+      <a:schemeClr val="lt1">
+        <a:shade val="80000"/>
+      </a:schemeClr>
+    </dgm:linClrLst>
+    <dgm:effectClrLst/>
+    <dgm:txLinClrLst/>
+    <dgm:txFillClrLst/>
+    <dgm:txEffectClrLst/>
+  </dgm:styleLbl>
+  <dgm:styleLbl name="asst1">
+    <dgm:fillClrLst meth="repeat">
+      <a:schemeClr val="accent3"/>
+    </dgm:fillClrLst>
+    <dgm:linClrLst meth="repeat">
+      <a:schemeClr val="lt1">
+        <a:shade val="80000"/>
+      </a:schemeClr>
+    </dgm:linClrLst>
+    <dgm:effectClrLst/>
+    <dgm:txLinClrLst/>
+    <dgm:txFillClrLst/>
+    <dgm:txEffectClrLst/>
+  </dgm:styleLbl>
+  <dgm:styleLbl name="asst2">
+    <dgm:fillClrLst>
+      <a:schemeClr val="accent4"/>
+    </dgm:fillClrLst>
+    <dgm:linClrLst meth="repeat">
+      <a:schemeClr val="lt1"/>
+    </dgm:linClrLst>
+    <dgm:effectClrLst/>
+    <dgm:txLinClrLst/>
+    <dgm:txFillClrLst/>
+    <dgm:txEffectClrLst/>
+  </dgm:styleLbl>
+  <dgm:styleLbl name="asst3">
+    <dgm:fillClrLst>
+      <a:schemeClr val="accent5"/>
+    </dgm:fillClrLst>
+    <dgm:linClrLst meth="repeat">
+      <a:schemeClr val="lt1"/>
+    </dgm:linClrLst>
+    <dgm:effectClrLst/>
+    <dgm:txLinClrLst/>
+    <dgm:txFillClrLst/>
+    <dgm:txEffectClrLst/>
+  </dgm:styleLbl>
+  <dgm:styleLbl name="asst4">
+    <dgm:fillClrLst>
+      <a:schemeClr val="accent6"/>
+    </dgm:fillClrLst>
+    <dgm:linClrLst meth="repeat">
+      <a:schemeClr val="lt1"/>
+    </dgm:linClrLst>
+    <dgm:effectClrLst/>
+    <dgm:txLinClrLst/>
+    <dgm:txFillClrLst/>
+    <dgm:txEffectClrLst/>
+  </dgm:styleLbl>
+  <dgm:styleLbl name="parChTrans2D1">
+    <dgm:fillClrLst meth="repeat">
+      <a:schemeClr val="accent2"/>
+    </dgm:fillClrLst>
+    <dgm:linClrLst meth="repeat">
+      <a:schemeClr val="lt1"/>
+    </dgm:linClrLst>
+    <dgm:effectClrLst/>
+    <dgm:txLinClrLst/>
+    <dgm:txFillClrLst meth="repeat">
+      <a:schemeClr val="lt1"/>
+    </dgm:txFillClrLst>
+    <dgm:txEffectClrLst/>
+  </dgm:styleLbl>
+  <dgm:styleLbl name="parChTrans2D2">
+    <dgm:fillClrLst meth="repeat">
+      <a:schemeClr val="accent3"/>
+    </dgm:fillClrLst>
+    <dgm:linClrLst meth="repeat">
+      <a:schemeClr val="lt1"/>
+    </dgm:linClrLst>
+    <dgm:effectClrLst/>
+    <dgm:txLinClrLst/>
+    <dgm:txFillClrLst/>
+    <dgm:txEffectClrLst/>
+  </dgm:styleLbl>
+  <dgm:styleLbl name="parChTrans2D3">
+    <dgm:fillClrLst meth="repeat">
+      <a:schemeClr val="accent4"/>
+    </dgm:fillClrLst>
+    <dgm:linClrLst meth="repeat">
+      <a:schemeClr val="lt1"/>
+    </dgm:linClrLst>
+    <dgm:effectClrLst/>
+    <dgm:txLinClrLst/>
+    <dgm:txFillClrLst/>
+    <dgm:txEffectClrLst/>
+  </dgm:styleLbl>
+  <dgm:styleLbl name="parChTrans2D4">
+    <dgm:fillClrLst meth="repeat">
+      <a:schemeClr val="accent5"/>
+    </dgm:fillClrLst>
+    <dgm:linClrLst meth="repeat">
+      <a:schemeClr val="lt1"/>
+    </dgm:linClrLst>
+    <dgm:effectClrLst/>
+    <dgm:txLinClrLst/>
+    <dgm:txFillClrLst meth="repeat">
+      <a:schemeClr val="lt1"/>
+    </dgm:txFillClrLst>
+    <dgm:txEffectClrLst/>
+  </dgm:styleLbl>
+  <dgm:styleLbl name="parChTrans1D1">
+    <dgm:fillClrLst meth="repeat">
+      <a:schemeClr val="accent2"/>
+    </dgm:fillClrLst>
+    <dgm:linClrLst meth="repeat">
+      <a:schemeClr val="accent2"/>
+    </dgm:linClrLst>
+    <dgm:effectClrLst/>
+    <dgm:txLinClrLst/>
+    <dgm:txFillClrLst meth="repeat">
+      <a:schemeClr val="tx1"/>
+    </dgm:txFillClrLst>
+    <dgm:txEffectClrLst/>
+  </dgm:styleLbl>
+  <dgm:styleLbl name="parChTrans1D2">
+    <dgm:fillClrLst meth="repeat">
+      <a:schemeClr val="accent2">
+        <a:tint val="90000"/>
+      </a:schemeClr>
+    </dgm:fillClrLst>
+    <dgm:linClrLst meth="repeat">
+      <a:schemeClr val="accent3"/>
+    </dgm:linClrLst>
+    <dgm:effectClrLst/>
+    <dgm:txLinClrLst/>
+    <dgm:txFillClrLst meth="repeat">
+      <a:schemeClr val="tx1"/>
+    </dgm:txFillClrLst>
+    <dgm:txEffectClrLst/>
+  </dgm:styleLbl>
+  <dgm:styleLbl name="parChTrans1D3">
+    <dgm:fillClrLst meth="repeat">
+      <a:schemeClr val="accent2">
+        <a:tint val="70000"/>
+      </a:schemeClr>
+    </dgm:fillClrLst>
+    <dgm:linClrLst meth="repeat">
+      <a:schemeClr val="accent4"/>
+    </dgm:linClrLst>
+    <dgm:effectClrLst/>
+    <dgm:txLinClrLst/>
+    <dgm:txFillClrLst meth="repeat">
+      <a:schemeClr val="tx1"/>
+    </dgm:txFillClrLst>
+    <dgm:txEffectClrLst/>
+  </dgm:styleLbl>
+  <dgm:styleLbl name="parChTrans1D4">
+    <dgm:fillClrLst meth="repeat">
+      <a:schemeClr val="accent2">
+        <a:tint val="50000"/>
+      </a:schemeClr>
+    </dgm:fillClrLst>
+    <dgm:linClrLst meth="repeat">
+      <a:schemeClr val="accent5"/>
+    </dgm:linClrLst>
+    <dgm:effectClrLst/>
+    <dgm:txLinClrLst/>
+    <dgm:txFillClrLst meth="repeat">
+      <a:schemeClr val="tx1"/>
+    </dgm:txFillClrLst>
+    <dgm:txEffectClrLst/>
+  </dgm:styleLbl>
+  <dgm:styleLbl name="fgAcc1">
+    <dgm:fillClrLst meth="repeat">
+      <a:schemeClr val="lt1">
+        <a:alpha val="90000"/>
+      </a:schemeClr>
+    </dgm:fillClrLst>
+    <dgm:linClrLst>
+      <a:schemeClr val="accent2"/>
+      <a:schemeClr val="accent3"/>
+    </dgm:linClrLst>
+    <dgm:effectClrLst/>
+    <dgm:txLinClrLst/>
+    <dgm:txFillClrLst meth="repeat">
+      <a:schemeClr val="dk1"/>
+    </dgm:txFillClrLst>
+    <dgm:txEffectClrLst/>
+  </dgm:styleLbl>
+  <dgm:styleLbl name="conFgAcc1">
+    <dgm:fillClrLst meth="repeat">
+      <a:schemeClr val="lt1">
+        <a:alpha val="90000"/>
+      </a:schemeClr>
+    </dgm:fillClrLst>
+    <dgm:linClrLst>
+      <a:schemeClr val="accent2"/>
+      <a:schemeClr val="accent3"/>
+    </dgm:linClrLst>
+    <dgm:effectClrLst/>
+    <dgm:txLinClrLst/>
+    <dgm:txFillClrLst meth="repeat">
+      <a:schemeClr val="dk1"/>
+    </dgm:txFillClrLst>
+    <dgm:txEffectClrLst/>
+  </dgm:styleLbl>
+  <dgm:styleLbl name="alignAcc1">
+    <dgm:fillClrLst meth="repeat">
+      <a:schemeClr val="lt1">
+        <a:alpha val="90000"/>
+      </a:schemeClr>
+    </dgm:fillClrLst>
+    <dgm:linClrLst>
+      <a:schemeClr val="accent2"/>
+      <a:schemeClr val="accent3"/>
+    </dgm:linClrLst>
+    <dgm:effectClrLst/>
+    <dgm:txLinClrLst/>
+    <dgm:txFillClrLst meth="repeat">
+      <a:schemeClr val="dk1"/>
+    </dgm:txFillClrLst>
+    <dgm:txEffectClrLst/>
+  </dgm:styleLbl>
+  <dgm:styleLbl name="trAlignAcc1">
+    <dgm:fillClrLst meth="repeat">
+      <a:schemeClr val="lt1">
+        <a:alpha val="40000"/>
+      </a:schemeClr>
+    </dgm:fillClrLst>
+    <dgm:linClrLst meth="repeat">
+      <a:schemeClr val="accent2"/>
+    </dgm:linClrLst>
+    <dgm:effectClrLst/>
+    <dgm:txLinClrLst/>
+    <dgm:txFillClrLst meth="repeat">
+      <a:schemeClr val="dk1"/>
+    </dgm:txFillClrLst>
+    <dgm:txEffectClrLst/>
+  </dgm:styleLbl>
+  <dgm:styleLbl name="bgAcc1">
+    <dgm:fillClrLst meth="repeat">
+      <a:schemeClr val="lt1">
+        <a:alpha val="90000"/>
+      </a:schemeClr>
+    </dgm:fillClrLst>
+    <dgm:linClrLst>
+      <a:schemeClr val="accent2"/>
+      <a:schemeClr val="accent3"/>
+    </dgm:linClrLst>
+    <dgm:effectClrLst/>
+    <dgm:txLinClrLst/>
+    <dgm:txFillClrLst meth="repeat">
+      <a:schemeClr val="dk1"/>
+    </dgm:txFillClrLst>
+    <dgm:txEffectClrLst/>
+  </dgm:styleLbl>
+  <dgm:styleLbl name="solidFgAcc1">
+    <dgm:fillClrLst meth="repeat">
       <a:schemeClr val="lt1"/>
     </dgm:fillClrLst>
-    <dgm:linClrLst meth="repeat">
-      <a:schemeClr val="dk1">
-        <a:shade val="80000"/>
+    <dgm:linClrLst>
+      <a:schemeClr val="accent2"/>
+      <a:schemeClr val="accent3"/>
+    </dgm:linClrLst>
+    <dgm:effectClrLst/>
+    <dgm:txLinClrLst/>
+    <dgm:txFillClrLst meth="repeat">
+      <a:schemeClr val="dk1"/>
+    </dgm:txFillClrLst>
+    <dgm:txEffectClrLst/>
+  </dgm:styleLbl>
+  <dgm:styleLbl name="solidAlignAcc1">
+    <dgm:fillClrLst meth="repeat">
+      <a:schemeClr val="lt1"/>
+    </dgm:fillClrLst>
+    <dgm:linClrLst>
+      <a:schemeClr val="accent2"/>
+      <a:schemeClr val="accent3"/>
+    </dgm:linClrLst>
+    <dgm:effectClrLst/>
+    <dgm:txLinClrLst/>
+    <dgm:txFillClrLst meth="repeat">
+      <a:schemeClr val="dk1"/>
+    </dgm:txFillClrLst>
+    <dgm:txEffectClrLst/>
+  </dgm:styleLbl>
+  <dgm:styleLbl name="solidBgAcc1">
+    <dgm:fillClrLst meth="repeat">
+      <a:schemeClr val="lt1"/>
+    </dgm:fillClrLst>
+    <dgm:linClrLst>
+      <a:schemeClr val="accent2"/>
+      <a:schemeClr val="accent3"/>
+    </dgm:linClrLst>
+    <dgm:effectClrLst/>
+    <dgm:txLinClrLst/>
+    <dgm:txFillClrLst meth="repeat">
+      <a:schemeClr val="dk1"/>
+    </dgm:txFillClrLst>
+    <dgm:txEffectClrLst/>
+  </dgm:styleLbl>
+  <dgm:styleLbl name="fgAccFollowNode1">
+    <dgm:fillClrLst>
+      <a:schemeClr val="accent2">
+        <a:tint val="40000"/>
+        <a:alpha val="90000"/>
+      </a:schemeClr>
+      <a:schemeClr val="accent3">
+        <a:tint val="40000"/>
+        <a:alpha val="90000"/>
+      </a:schemeClr>
+    </dgm:fillClrLst>
+    <dgm:linClrLst>
+      <a:schemeClr val="accent2">
+        <a:tint val="40000"/>
+        <a:alpha val="90000"/>
+      </a:schemeClr>
+      <a:schemeClr val="accent3">
+        <a:tint val="40000"/>
+        <a:alpha val="90000"/>
       </a:schemeClr>
     </dgm:linClrLst>
     <dgm:effectClrLst/>
@@ -186,13 +740,25 @@
     </dgm:txFillClrLst>
     <dgm:txEffectClrLst/>
   </dgm:styleLbl>
-  <dgm:styleLbl name="node1">
-    <dgm:fillClrLst meth="repeat">
-      <a:schemeClr val="lt1"/>
+  <dgm:styleLbl name="alignAccFollowNode1">
+    <dgm:fillClrLst>
+      <a:schemeClr val="accent2">
+        <a:tint val="40000"/>
+        <a:alpha val="90000"/>
+      </a:schemeClr>
+      <a:schemeClr val="accent3">
+        <a:tint val="40000"/>
+        <a:alpha val="90000"/>
+      </a:schemeClr>
     </dgm:fillClrLst>
-    <dgm:linClrLst meth="repeat">
-      <a:schemeClr val="dk1">
-        <a:shade val="80000"/>
+    <dgm:linClrLst>
+      <a:schemeClr val="accent2">
+        <a:tint val="40000"/>
+        <a:alpha val="90000"/>
+      </a:schemeClr>
+      <a:schemeClr val="accent3">
+        <a:tint val="40000"/>
+        <a:alpha val="90000"/>
       </a:schemeClr>
     </dgm:linClrLst>
     <dgm:effectClrLst/>
@@ -202,13 +768,25 @@
     </dgm:txFillClrLst>
     <dgm:txEffectClrLst/>
   </dgm:styleLbl>
-  <dgm:styleLbl name="alignNode1">
-    <dgm:fillClrLst meth="repeat">
-      <a:schemeClr val="lt1"/>
+  <dgm:styleLbl name="bgAccFollowNode1">
+    <dgm:fillClrLst>
+      <a:schemeClr val="accent2">
+        <a:tint val="40000"/>
+        <a:alpha val="90000"/>
+      </a:schemeClr>
+      <a:schemeClr val="accent3">
+        <a:tint val="40000"/>
+        <a:alpha val="90000"/>
+      </a:schemeClr>
     </dgm:fillClrLst>
-    <dgm:linClrLst meth="repeat">
-      <a:schemeClr val="dk1">
-        <a:shade val="80000"/>
+    <dgm:linClrLst>
+      <a:schemeClr val="accent2">
+        <a:tint val="40000"/>
+        <a:alpha val="90000"/>
+      </a:schemeClr>
+      <a:schemeClr val="accent3">
+        <a:tint val="40000"/>
+        <a:alpha val="90000"/>
       </a:schemeClr>
     </dgm:linClrLst>
     <dgm:effectClrLst/>
@@ -218,14 +796,14 @@
     </dgm:txFillClrLst>
     <dgm:txEffectClrLst/>
   </dgm:styleLbl>
-  <dgm:styleLbl name="lnNode1">
+  <dgm:styleLbl name="fgAcc0">
     <dgm:fillClrLst meth="repeat">
-      <a:schemeClr val="lt1"/>
+      <a:schemeClr val="lt1">
+        <a:alpha val="90000"/>
+      </a:schemeClr>
     </dgm:fillClrLst>
-    <dgm:linClrLst meth="repeat">
-      <a:schemeClr val="dk1">
-        <a:shade val="80000"/>
-      </a:schemeClr>
+    <dgm:linClrLst>
+      <a:schemeClr val="accent1"/>
     </dgm:linClrLst>
     <dgm:effectClrLst/>
     <dgm:txLinClrLst/>
@@ -234,30 +812,14 @@
     </dgm:txFillClrLst>
     <dgm:txEffectClrLst/>
   </dgm:styleLbl>
-  <dgm:styleLbl name="vennNode1">
+  <dgm:styleLbl name="fgAcc2">
     <dgm:fillClrLst meth="repeat">
       <a:schemeClr val="lt1">
-        <a:alpha val="50000"/>
+        <a:alpha val="90000"/>
       </a:schemeClr>
     </dgm:fillClrLst>
-    <dgm:linClrLst meth="repeat">
-      <a:schemeClr val="dk1">
-        <a:shade val="80000"/>
-      </a:schemeClr>
-    </dgm:linClrLst>
-    <dgm:effectClrLst/>
-    <dgm:txLinClrLst/>
-    <dgm:txFillClrLst/>
-    <dgm:txEffectClrLst/>
-  </dgm:styleLbl>
-  <dgm:styleLbl name="node2">
-    <dgm:fillClrLst meth="repeat">
-      <a:schemeClr val="lt1"/>
-    </dgm:fillClrLst>
-    <dgm:linClrLst meth="repeat">
-      <a:schemeClr val="dk1">
-        <a:shade val="80000"/>
-      </a:schemeClr>
+    <dgm:linClrLst>
+      <a:schemeClr val="accent3"/>
     </dgm:linClrLst>
     <dgm:effectClrLst/>
     <dgm:txLinClrLst/>
@@ -266,14 +828,14 @@
     </dgm:txFillClrLst>
     <dgm:txEffectClrLst/>
   </dgm:styleLbl>
-  <dgm:styleLbl name="node3">
+  <dgm:styleLbl name="fgAcc3">
     <dgm:fillClrLst meth="repeat">
-      <a:schemeClr val="lt1"/>
+      <a:schemeClr val="lt1">
+        <a:alpha val="90000"/>
+      </a:schemeClr>
     </dgm:fillClrLst>
-    <dgm:linClrLst meth="repeat">
-      <a:schemeClr val="dk1">
-        <a:shade val="80000"/>
-      </a:schemeClr>
+    <dgm:linClrLst>
+      <a:schemeClr val="accent4"/>
     </dgm:linClrLst>
     <dgm:effectClrLst/>
     <dgm:txLinClrLst/>
@@ -282,14 +844,14 @@
     </dgm:txFillClrLst>
     <dgm:txEffectClrLst/>
   </dgm:styleLbl>
-  <dgm:styleLbl name="node4">
+  <dgm:styleLbl name="fgAcc4">
     <dgm:fillClrLst meth="repeat">
-      <a:schemeClr val="lt1"/>
+      <a:schemeClr val="lt1">
+        <a:alpha val="90000"/>
+      </a:schemeClr>
     </dgm:fillClrLst>
-    <dgm:linClrLst meth="repeat">
-      <a:schemeClr val="dk1">
-        <a:shade val="80000"/>
-      </a:schemeClr>
+    <dgm:linClrLst>
+      <a:schemeClr val="accent5"/>
     </dgm:linClrLst>
     <dgm:effectClrLst/>
     <dgm:txLinClrLst/>
@@ -298,344 +860,9 @@
     </dgm:txFillClrLst>
     <dgm:txEffectClrLst/>
   </dgm:styleLbl>
-  <dgm:styleLbl name="fgImgPlace1">
+  <dgm:styleLbl name="bgShp">
     <dgm:fillClrLst meth="repeat">
-      <a:schemeClr val="dk1">
-        <a:tint val="40000"/>
-      </a:schemeClr>
-    </dgm:fillClrLst>
-    <dgm:linClrLst meth="repeat">
-      <a:schemeClr val="dk1">
-        <a:shade val="80000"/>
-      </a:schemeClr>
-    </dgm:linClrLst>
-    <dgm:effectClrLst/>
-    <dgm:txLinClrLst/>
-    <dgm:txFillClrLst meth="repeat">
-      <a:schemeClr val="lt1"/>
-    </dgm:txFillClrLst>
-    <dgm:txEffectClrLst/>
-  </dgm:styleLbl>
-  <dgm:styleLbl name="alignImgPlace1">
-    <dgm:fillClrLst meth="repeat">
-      <a:schemeClr val="dk1">
-        <a:tint val="40000"/>
-      </a:schemeClr>
-    </dgm:fillClrLst>
-    <dgm:linClrLst meth="repeat">
-      <a:schemeClr val="dk1">
-        <a:shade val="80000"/>
-      </a:schemeClr>
-    </dgm:linClrLst>
-    <dgm:effectClrLst/>
-    <dgm:txLinClrLst/>
-    <dgm:txFillClrLst meth="repeat">
-      <a:schemeClr val="lt1"/>
-    </dgm:txFillClrLst>
-    <dgm:txEffectClrLst/>
-  </dgm:styleLbl>
-  <dgm:styleLbl name="bgImgPlace1">
-    <dgm:fillClrLst meth="repeat">
-      <a:schemeClr val="dk1">
-        <a:tint val="40000"/>
-      </a:schemeClr>
-    </dgm:fillClrLst>
-    <dgm:linClrLst meth="repeat">
-      <a:schemeClr val="dk1">
-        <a:shade val="80000"/>
-      </a:schemeClr>
-    </dgm:linClrLst>
-    <dgm:effectClrLst/>
-    <dgm:txLinClrLst/>
-    <dgm:txFillClrLst meth="repeat">
-      <a:schemeClr val="lt1"/>
-    </dgm:txFillClrLst>
-    <dgm:txEffectClrLst/>
-  </dgm:styleLbl>
-  <dgm:styleLbl name="sibTrans2D1">
-    <dgm:fillClrLst meth="repeat">
-      <a:schemeClr val="dk1">
-        <a:tint val="60000"/>
-      </a:schemeClr>
-    </dgm:fillClrLst>
-    <dgm:linClrLst meth="repeat">
-      <a:schemeClr val="dk1">
-        <a:tint val="60000"/>
-      </a:schemeClr>
-    </dgm:linClrLst>
-    <dgm:effectClrLst/>
-    <dgm:txLinClrLst/>
-    <dgm:txFillClrLst meth="repeat">
-      <a:schemeClr val="dk1"/>
-    </dgm:txFillClrLst>
-    <dgm:txEffectClrLst/>
-  </dgm:styleLbl>
-  <dgm:styleLbl name="fgSibTrans2D1">
-    <dgm:fillClrLst meth="repeat">
-      <a:schemeClr val="dk1">
-        <a:tint val="60000"/>
-      </a:schemeClr>
-    </dgm:fillClrLst>
-    <dgm:linClrLst meth="repeat">
-      <a:schemeClr val="dk1">
-        <a:tint val="60000"/>
-      </a:schemeClr>
-    </dgm:linClrLst>
-    <dgm:effectClrLst/>
-    <dgm:txLinClrLst/>
-    <dgm:txFillClrLst meth="repeat">
-      <a:schemeClr val="dk1"/>
-    </dgm:txFillClrLst>
-    <dgm:txEffectClrLst/>
-  </dgm:styleLbl>
-  <dgm:styleLbl name="bgSibTrans2D1">
-    <dgm:fillClrLst meth="repeat">
-      <a:schemeClr val="dk1">
-        <a:tint val="60000"/>
-      </a:schemeClr>
-    </dgm:fillClrLst>
-    <dgm:linClrLst meth="repeat">
-      <a:schemeClr val="dk1">
-        <a:tint val="60000"/>
-      </a:schemeClr>
-    </dgm:linClrLst>
-    <dgm:effectClrLst/>
-    <dgm:txLinClrLst/>
-    <dgm:txFillClrLst meth="repeat">
-      <a:schemeClr val="dk1"/>
-    </dgm:txFillClrLst>
-    <dgm:txEffectClrLst/>
-  </dgm:styleLbl>
-  <dgm:styleLbl name="sibTrans1D1">
-    <dgm:fillClrLst meth="repeat">
-      <a:schemeClr val="dk1"/>
-    </dgm:fillClrLst>
-    <dgm:linClrLst meth="repeat">
-      <a:schemeClr val="dk1"/>
-    </dgm:linClrLst>
-    <dgm:effectClrLst/>
-    <dgm:txLinClrLst/>
-    <dgm:txFillClrLst meth="repeat">
-      <a:schemeClr val="tx1"/>
-    </dgm:txFillClrLst>
-    <dgm:txEffectClrLst/>
-  </dgm:styleLbl>
-  <dgm:styleLbl name="callout">
-    <dgm:fillClrLst meth="repeat">
-      <a:schemeClr val="dk1"/>
-    </dgm:fillClrLst>
-    <dgm:linClrLst meth="repeat">
-      <a:schemeClr val="dk1"/>
-    </dgm:linClrLst>
-    <dgm:effectClrLst/>
-    <dgm:txLinClrLst/>
-    <dgm:txFillClrLst meth="repeat">
-      <a:schemeClr val="tx1"/>
-    </dgm:txFillClrLst>
-    <dgm:txEffectClrLst/>
-  </dgm:styleLbl>
-  <dgm:styleLbl name="asst0">
-    <dgm:fillClrLst meth="repeat">
-      <a:schemeClr val="lt1"/>
-    </dgm:fillClrLst>
-    <dgm:linClrLst meth="repeat">
-      <a:schemeClr val="dk1">
-        <a:shade val="80000"/>
-      </a:schemeClr>
-    </dgm:linClrLst>
-    <dgm:effectClrLst/>
-    <dgm:txLinClrLst/>
-    <dgm:txFillClrLst meth="repeat">
-      <a:schemeClr val="dk1"/>
-    </dgm:txFillClrLst>
-    <dgm:txEffectClrLst/>
-  </dgm:styleLbl>
-  <dgm:styleLbl name="asst1">
-    <dgm:fillClrLst meth="repeat">
-      <a:schemeClr val="lt1"/>
-    </dgm:fillClrLst>
-    <dgm:linClrLst meth="repeat">
-      <a:schemeClr val="dk1">
-        <a:shade val="80000"/>
-      </a:schemeClr>
-    </dgm:linClrLst>
-    <dgm:effectClrLst/>
-    <dgm:txLinClrLst/>
-    <dgm:txFillClrLst meth="repeat">
-      <a:schemeClr val="dk1"/>
-    </dgm:txFillClrLst>
-    <dgm:txEffectClrLst/>
-  </dgm:styleLbl>
-  <dgm:styleLbl name="asst2">
-    <dgm:fillClrLst meth="repeat">
-      <a:schemeClr val="lt1"/>
-    </dgm:fillClrLst>
-    <dgm:linClrLst meth="repeat">
-      <a:schemeClr val="dk1">
-        <a:shade val="80000"/>
-      </a:schemeClr>
-    </dgm:linClrLst>
-    <dgm:effectClrLst/>
-    <dgm:txLinClrLst/>
-    <dgm:txFillClrLst meth="repeat">
-      <a:schemeClr val="dk1"/>
-    </dgm:txFillClrLst>
-    <dgm:txEffectClrLst/>
-  </dgm:styleLbl>
-  <dgm:styleLbl name="asst3">
-    <dgm:fillClrLst meth="repeat">
-      <a:schemeClr val="lt1"/>
-    </dgm:fillClrLst>
-    <dgm:linClrLst meth="repeat">
-      <a:schemeClr val="dk1">
-        <a:shade val="80000"/>
-      </a:schemeClr>
-    </dgm:linClrLst>
-    <dgm:effectClrLst/>
-    <dgm:txLinClrLst/>
-    <dgm:txFillClrLst meth="repeat">
-      <a:schemeClr val="dk1"/>
-    </dgm:txFillClrLst>
-    <dgm:txEffectClrLst/>
-  </dgm:styleLbl>
-  <dgm:styleLbl name="asst4">
-    <dgm:fillClrLst meth="repeat">
-      <a:schemeClr val="lt1"/>
-    </dgm:fillClrLst>
-    <dgm:linClrLst meth="repeat">
-      <a:schemeClr val="dk1">
-        <a:shade val="80000"/>
-      </a:schemeClr>
-    </dgm:linClrLst>
-    <dgm:effectClrLst/>
-    <dgm:txLinClrLst/>
-    <dgm:txFillClrLst meth="repeat">
-      <a:schemeClr val="dk1"/>
-    </dgm:txFillClrLst>
-    <dgm:txEffectClrLst/>
-  </dgm:styleLbl>
-  <dgm:styleLbl name="parChTrans2D1">
-    <dgm:fillClrLst meth="repeat">
-      <a:schemeClr val="dk1">
-        <a:tint val="60000"/>
-      </a:schemeClr>
-    </dgm:fillClrLst>
-    <dgm:linClrLst meth="repeat">
-      <a:schemeClr val="dk1">
-        <a:tint val="60000"/>
-      </a:schemeClr>
-    </dgm:linClrLst>
-    <dgm:effectClrLst/>
-    <dgm:txLinClrLst/>
-    <dgm:txFillClrLst/>
-    <dgm:txEffectClrLst/>
-  </dgm:styleLbl>
-  <dgm:styleLbl name="parChTrans2D2">
-    <dgm:fillClrLst meth="repeat">
-      <a:schemeClr val="dk1"/>
-    </dgm:fillClrLst>
-    <dgm:linClrLst meth="repeat">
-      <a:schemeClr val="dk1"/>
-    </dgm:linClrLst>
-    <dgm:effectClrLst/>
-    <dgm:txLinClrLst/>
-    <dgm:txFillClrLst/>
-    <dgm:txEffectClrLst/>
-  </dgm:styleLbl>
-  <dgm:styleLbl name="parChTrans2D3">
-    <dgm:fillClrLst meth="repeat">
-      <a:schemeClr val="dk1"/>
-    </dgm:fillClrLst>
-    <dgm:linClrLst meth="repeat">
-      <a:schemeClr val="dk1"/>
-    </dgm:linClrLst>
-    <dgm:effectClrLst/>
-    <dgm:txLinClrLst/>
-    <dgm:txFillClrLst/>
-    <dgm:txEffectClrLst/>
-  </dgm:styleLbl>
-  <dgm:styleLbl name="parChTrans2D4">
-    <dgm:fillClrLst meth="repeat">
-      <a:schemeClr val="dk1"/>
-    </dgm:fillClrLst>
-    <dgm:linClrLst meth="repeat">
-      <a:schemeClr val="dk1"/>
-    </dgm:linClrLst>
-    <dgm:effectClrLst/>
-    <dgm:txLinClrLst/>
-    <dgm:txFillClrLst meth="repeat">
-      <a:schemeClr val="lt1"/>
-    </dgm:txFillClrLst>
-    <dgm:txEffectClrLst/>
-  </dgm:styleLbl>
-  <dgm:styleLbl name="parChTrans1D1">
-    <dgm:fillClrLst meth="repeat">
-      <a:schemeClr val="dk1"/>
-    </dgm:fillClrLst>
-    <dgm:linClrLst meth="repeat">
-      <a:schemeClr val="dk1">
-        <a:shade val="60000"/>
-      </a:schemeClr>
-    </dgm:linClrLst>
-    <dgm:effectClrLst/>
-    <dgm:txLinClrLst/>
-    <dgm:txFillClrLst meth="repeat">
-      <a:schemeClr val="tx1"/>
-    </dgm:txFillClrLst>
-    <dgm:txEffectClrLst/>
-  </dgm:styleLbl>
-  <dgm:styleLbl name="parChTrans1D2">
-    <dgm:fillClrLst meth="repeat">
-      <a:schemeClr val="dk1"/>
-    </dgm:fillClrLst>
-    <dgm:linClrLst meth="repeat">
-      <a:schemeClr val="dk1">
-        <a:shade val="60000"/>
-      </a:schemeClr>
-    </dgm:linClrLst>
-    <dgm:effectClrLst/>
-    <dgm:txLinClrLst/>
-    <dgm:txFillClrLst meth="repeat">
-      <a:schemeClr val="tx1"/>
-    </dgm:txFillClrLst>
-    <dgm:txEffectClrLst/>
-  </dgm:styleLbl>
-  <dgm:styleLbl name="parChTrans1D3">
-    <dgm:fillClrLst meth="repeat">
-      <a:schemeClr val="dk1"/>
-    </dgm:fillClrLst>
-    <dgm:linClrLst meth="repeat">
-      <a:schemeClr val="dk1">
-        <a:shade val="80000"/>
-      </a:schemeClr>
-    </dgm:linClrLst>
-    <dgm:effectClrLst/>
-    <dgm:txLinClrLst/>
-    <dgm:txFillClrLst meth="repeat">
-      <a:schemeClr val="tx1"/>
-    </dgm:txFillClrLst>
-    <dgm:txEffectClrLst/>
-  </dgm:styleLbl>
-  <dgm:styleLbl name="parChTrans1D4">
-    <dgm:fillClrLst meth="repeat">
-      <a:schemeClr val="dk1"/>
-    </dgm:fillClrLst>
-    <dgm:linClrLst meth="repeat">
-      <a:schemeClr val="dk1">
-        <a:shade val="80000"/>
-      </a:schemeClr>
-    </dgm:linClrLst>
-    <dgm:effectClrLst/>
-    <dgm:txLinClrLst/>
-    <dgm:txFillClrLst meth="repeat">
-      <a:schemeClr val="tx1"/>
-    </dgm:txFillClrLst>
-    <dgm:txEffectClrLst/>
-  </dgm:styleLbl>
-  <dgm:styleLbl name="fgAcc1">
-    <dgm:fillClrLst meth="repeat">
-      <a:schemeClr val="dk1">
-        <a:alpha val="90000"/>
+      <a:schemeClr val="accent2">
         <a:tint val="40000"/>
       </a:schemeClr>
     </dgm:fillClrLst>
@@ -649,261 +876,10 @@
     </dgm:txFillClrLst>
     <dgm:txEffectClrLst/>
   </dgm:styleLbl>
-  <dgm:styleLbl name="conFgAcc1">
-    <dgm:fillClrLst meth="repeat">
-      <a:schemeClr val="dk1">
-        <a:alpha val="90000"/>
-        <a:tint val="40000"/>
-      </a:schemeClr>
-    </dgm:fillClrLst>
-    <dgm:linClrLst meth="repeat">
-      <a:schemeClr val="dk1"/>
-    </dgm:linClrLst>
-    <dgm:effectClrLst/>
-    <dgm:txLinClrLst/>
-    <dgm:txFillClrLst meth="repeat">
-      <a:schemeClr val="dk1"/>
-    </dgm:txFillClrLst>
-    <dgm:txEffectClrLst/>
-  </dgm:styleLbl>
-  <dgm:styleLbl name="alignAcc1">
-    <dgm:fillClrLst meth="repeat">
-      <a:schemeClr val="dk1">
-        <a:alpha val="90000"/>
-        <a:tint val="40000"/>
-      </a:schemeClr>
-    </dgm:fillClrLst>
-    <dgm:linClrLst meth="repeat">
-      <a:schemeClr val="dk1"/>
-    </dgm:linClrLst>
-    <dgm:effectClrLst/>
-    <dgm:txLinClrLst/>
-    <dgm:txFillClrLst meth="repeat">
-      <a:schemeClr val="dk1"/>
-    </dgm:txFillClrLst>
-    <dgm:txEffectClrLst/>
-  </dgm:styleLbl>
-  <dgm:styleLbl name="trAlignAcc1">
-    <dgm:fillClrLst meth="repeat">
-      <a:schemeClr val="dk1">
-        <a:alpha val="40000"/>
-        <a:tint val="40000"/>
-      </a:schemeClr>
-    </dgm:fillClrLst>
-    <dgm:linClrLst meth="repeat">
-      <a:schemeClr val="dk1"/>
-    </dgm:linClrLst>
-    <dgm:effectClrLst/>
-    <dgm:txLinClrLst/>
-    <dgm:txFillClrLst meth="repeat">
-      <a:schemeClr val="dk1"/>
-    </dgm:txFillClrLst>
-    <dgm:txEffectClrLst/>
-  </dgm:styleLbl>
-  <dgm:styleLbl name="bgAcc1">
-    <dgm:fillClrLst meth="repeat">
-      <a:schemeClr val="dk1">
-        <a:alpha val="90000"/>
-        <a:tint val="40000"/>
-      </a:schemeClr>
-    </dgm:fillClrLst>
-    <dgm:linClrLst meth="repeat">
-      <a:schemeClr val="dk1"/>
-    </dgm:linClrLst>
-    <dgm:effectClrLst/>
-    <dgm:txLinClrLst/>
-    <dgm:txFillClrLst meth="repeat">
-      <a:schemeClr val="dk1"/>
-    </dgm:txFillClrLst>
-    <dgm:txEffectClrLst/>
-  </dgm:styleLbl>
-  <dgm:styleLbl name="solidFgAcc1">
-    <dgm:fillClrLst meth="repeat">
-      <a:schemeClr val="lt1"/>
-    </dgm:fillClrLst>
-    <dgm:linClrLst meth="repeat">
-      <a:schemeClr val="dk1"/>
-    </dgm:linClrLst>
-    <dgm:effectClrLst/>
-    <dgm:txLinClrLst/>
-    <dgm:txFillClrLst meth="repeat">
-      <a:schemeClr val="dk1"/>
-    </dgm:txFillClrLst>
-    <dgm:txEffectClrLst/>
-  </dgm:styleLbl>
-  <dgm:styleLbl name="solidAlignAcc1">
-    <dgm:fillClrLst meth="repeat">
-      <a:schemeClr val="lt1"/>
-    </dgm:fillClrLst>
-    <dgm:linClrLst meth="repeat">
-      <a:schemeClr val="dk1"/>
-    </dgm:linClrLst>
-    <dgm:effectClrLst/>
-    <dgm:txLinClrLst/>
-    <dgm:txFillClrLst meth="repeat">
-      <a:schemeClr val="dk1"/>
-    </dgm:txFillClrLst>
-    <dgm:txEffectClrLst/>
-  </dgm:styleLbl>
-  <dgm:styleLbl name="solidBgAcc1">
-    <dgm:fillClrLst meth="repeat">
-      <a:schemeClr val="lt1"/>
-    </dgm:fillClrLst>
-    <dgm:linClrLst meth="repeat">
-      <a:schemeClr val="dk1"/>
-    </dgm:linClrLst>
-    <dgm:effectClrLst/>
-    <dgm:txLinClrLst/>
-    <dgm:txFillClrLst meth="repeat">
-      <a:schemeClr val="dk1"/>
-    </dgm:txFillClrLst>
-    <dgm:txEffectClrLst/>
-  </dgm:styleLbl>
-  <dgm:styleLbl name="fgAccFollowNode1">
-    <dgm:fillClrLst meth="repeat">
-      <a:schemeClr val="lt1">
-        <a:alpha val="90000"/>
-        <a:tint val="40000"/>
-      </a:schemeClr>
-    </dgm:fillClrLst>
-    <dgm:linClrLst meth="repeat">
-      <a:schemeClr val="dk1">
-        <a:alpha val="90000"/>
-      </a:schemeClr>
-    </dgm:linClrLst>
-    <dgm:effectClrLst/>
-    <dgm:txLinClrLst/>
-    <dgm:txFillClrLst meth="repeat">
-      <a:schemeClr val="dk1"/>
-    </dgm:txFillClrLst>
-    <dgm:txEffectClrLst/>
-  </dgm:styleLbl>
-  <dgm:styleLbl name="alignAccFollowNode1">
-    <dgm:fillClrLst meth="repeat">
-      <a:schemeClr val="lt1">
-        <a:alpha val="90000"/>
-        <a:tint val="40000"/>
-      </a:schemeClr>
-    </dgm:fillClrLst>
-    <dgm:linClrLst meth="repeat">
-      <a:schemeClr val="dk1">
-        <a:alpha val="90000"/>
-      </a:schemeClr>
-    </dgm:linClrLst>
-    <dgm:effectClrLst/>
-    <dgm:txLinClrLst/>
-    <dgm:txFillClrLst meth="repeat">
-      <a:schemeClr val="dk1"/>
-    </dgm:txFillClrLst>
-    <dgm:txEffectClrLst/>
-  </dgm:styleLbl>
-  <dgm:styleLbl name="bgAccFollowNode1">
-    <dgm:fillClrLst meth="repeat">
-      <a:schemeClr val="lt1">
-        <a:alpha val="90000"/>
-        <a:tint val="40000"/>
-      </a:schemeClr>
-    </dgm:fillClrLst>
-    <dgm:linClrLst meth="repeat">
-      <a:schemeClr val="dk1">
-        <a:alpha val="90000"/>
-      </a:schemeClr>
-    </dgm:linClrLst>
-    <dgm:effectClrLst/>
-    <dgm:txLinClrLst/>
-    <dgm:txFillClrLst meth="repeat">
-      <a:schemeClr val="dk1"/>
-    </dgm:txFillClrLst>
-    <dgm:txEffectClrLst/>
-  </dgm:styleLbl>
-  <dgm:styleLbl name="fgAcc0">
-    <dgm:fillClrLst meth="repeat">
-      <a:schemeClr val="dk1">
-        <a:alpha val="90000"/>
-        <a:tint val="40000"/>
-      </a:schemeClr>
-    </dgm:fillClrLst>
-    <dgm:linClrLst meth="repeat">
-      <a:schemeClr val="dk1"/>
-    </dgm:linClrLst>
-    <dgm:effectClrLst/>
-    <dgm:txLinClrLst/>
-    <dgm:txFillClrLst meth="repeat">
-      <a:schemeClr val="dk1"/>
-    </dgm:txFillClrLst>
-    <dgm:txEffectClrLst/>
-  </dgm:styleLbl>
-  <dgm:styleLbl name="fgAcc2">
-    <dgm:fillClrLst meth="repeat">
-      <a:schemeClr val="dk1">
-        <a:alpha val="90000"/>
-        <a:tint val="40000"/>
-      </a:schemeClr>
-    </dgm:fillClrLst>
-    <dgm:linClrLst meth="repeat">
-      <a:schemeClr val="dk1"/>
-    </dgm:linClrLst>
-    <dgm:effectClrLst/>
-    <dgm:txLinClrLst/>
-    <dgm:txFillClrLst meth="repeat">
-      <a:schemeClr val="dk1"/>
-    </dgm:txFillClrLst>
-    <dgm:txEffectClrLst/>
-  </dgm:styleLbl>
-  <dgm:styleLbl name="fgAcc3">
-    <dgm:fillClrLst meth="repeat">
-      <a:schemeClr val="dk1">
-        <a:alpha val="90000"/>
-        <a:tint val="40000"/>
-      </a:schemeClr>
-    </dgm:fillClrLst>
-    <dgm:linClrLst meth="repeat">
-      <a:schemeClr val="dk1"/>
-    </dgm:linClrLst>
-    <dgm:effectClrLst/>
-    <dgm:txLinClrLst/>
-    <dgm:txFillClrLst meth="repeat">
-      <a:schemeClr val="dk1"/>
-    </dgm:txFillClrLst>
-    <dgm:txEffectClrLst/>
-  </dgm:styleLbl>
-  <dgm:styleLbl name="fgAcc4">
-    <dgm:fillClrLst meth="repeat">
-      <a:schemeClr val="dk1">
-        <a:alpha val="90000"/>
-        <a:tint val="40000"/>
-      </a:schemeClr>
-    </dgm:fillClrLst>
-    <dgm:linClrLst meth="repeat">
-      <a:schemeClr val="dk1"/>
-    </dgm:linClrLst>
-    <dgm:effectClrLst/>
-    <dgm:txLinClrLst/>
-    <dgm:txFillClrLst meth="repeat">
-      <a:schemeClr val="dk1"/>
-    </dgm:txFillClrLst>
-    <dgm:txEffectClrLst/>
-  </dgm:styleLbl>
-  <dgm:styleLbl name="bgShp">
-    <dgm:fillClrLst meth="repeat">
-      <a:schemeClr val="dk1">
-        <a:tint val="40000"/>
-      </a:schemeClr>
-    </dgm:fillClrLst>
-    <dgm:linClrLst meth="repeat">
-      <a:schemeClr val="dk1"/>
-    </dgm:linClrLst>
-    <dgm:effectClrLst/>
-    <dgm:txLinClrLst/>
-    <dgm:txFillClrLst meth="repeat">
-      <a:schemeClr val="dk1"/>
-    </dgm:txFillClrLst>
-    <dgm:txEffectClrLst/>
-  </dgm:styleLbl>
   <dgm:styleLbl name="dkBgShp">
     <dgm:fillClrLst meth="repeat">
-      <a:schemeClr val="dk1">
-        <a:shade val="80000"/>
+      <a:schemeClr val="accent2">
+        <a:shade val="90000"/>
       </a:schemeClr>
     </dgm:fillClrLst>
     <dgm:linClrLst meth="repeat">
@@ -918,13 +894,13 @@
   </dgm:styleLbl>
   <dgm:styleLbl name="trBgShp">
     <dgm:fillClrLst meth="repeat">
-      <a:schemeClr val="dk1">
+      <a:schemeClr val="accent2">
         <a:tint val="50000"/>
         <a:alpha val="40000"/>
       </a:schemeClr>
     </dgm:fillClrLst>
     <dgm:linClrLst meth="repeat">
-      <a:schemeClr val="dk1"/>
+      <a:schemeClr val="accent2"/>
     </dgm:linClrLst>
     <dgm:effectClrLst/>
     <dgm:txLinClrLst/>
@@ -935,8 +911,8 @@
   </dgm:styleLbl>
   <dgm:styleLbl name="fgShp">
     <dgm:fillClrLst meth="repeat">
-      <a:schemeClr val="dk1">
-        <a:tint val="60000"/>
+      <a:schemeClr val="accent2">
+        <a:tint val="40000"/>
       </a:schemeClr>
     </dgm:fillClrLst>
     <dgm:linClrLst meth="repeat">
@@ -971,19 +947,572 @@
 </file>
 
 <file path=ppt/diagrams/colors2.xml><?xml version="1.0" encoding="utf-8"?>
-<dgm:colorsDef xmlns:dgm="http://schemas.openxmlformats.org/drawingml/2006/diagram" xmlns:a="http://schemas.openxmlformats.org/drawingml/2006/main" uniqueId="urn:microsoft.com/office/officeart/2005/8/colors/accent0_1">
+<dgm:colorsDef xmlns:dgm="http://schemas.openxmlformats.org/drawingml/2006/diagram" xmlns:a="http://schemas.openxmlformats.org/drawingml/2006/main" uniqueId="urn:microsoft.com/office/officeart/2005/8/colors/colorful4">
   <dgm:title val=""/>
   <dgm:desc val=""/>
   <dgm:catLst>
-    <dgm:cat type="mainScheme" pri="10100"/>
+    <dgm:cat type="colorful" pri="10400"/>
   </dgm:catLst>
   <dgm:styleLbl name="node0">
     <dgm:fillClrLst meth="repeat">
+      <a:schemeClr val="accent3"/>
+    </dgm:fillClrLst>
+    <dgm:linClrLst meth="repeat">
+      <a:schemeClr val="lt1"/>
+    </dgm:linClrLst>
+    <dgm:effectClrLst/>
+    <dgm:txLinClrLst/>
+    <dgm:txFillClrLst/>
+    <dgm:txEffectClrLst/>
+  </dgm:styleLbl>
+  <dgm:styleLbl name="node1">
+    <dgm:fillClrLst>
+      <a:schemeClr val="accent4"/>
+      <a:schemeClr val="accent5"/>
+    </dgm:fillClrLst>
+    <dgm:linClrLst meth="repeat">
+      <a:schemeClr val="lt1"/>
+    </dgm:linClrLst>
+    <dgm:effectClrLst/>
+    <dgm:txLinClrLst/>
+    <dgm:txFillClrLst/>
+    <dgm:txEffectClrLst/>
+  </dgm:styleLbl>
+  <dgm:styleLbl name="alignNode1">
+    <dgm:fillClrLst>
+      <a:schemeClr val="accent4"/>
+      <a:schemeClr val="accent5"/>
+    </dgm:fillClrLst>
+    <dgm:linClrLst>
+      <a:schemeClr val="accent4"/>
+      <a:schemeClr val="accent5"/>
+    </dgm:linClrLst>
+    <dgm:effectClrLst/>
+    <dgm:txLinClrLst/>
+    <dgm:txFillClrLst/>
+    <dgm:txEffectClrLst/>
+  </dgm:styleLbl>
+  <dgm:styleLbl name="lnNode1">
+    <dgm:fillClrLst>
+      <a:schemeClr val="accent4"/>
+      <a:schemeClr val="accent5"/>
+    </dgm:fillClrLst>
+    <dgm:linClrLst meth="repeat">
+      <a:schemeClr val="lt1"/>
+    </dgm:linClrLst>
+    <dgm:effectClrLst/>
+    <dgm:txLinClrLst/>
+    <dgm:txFillClrLst/>
+    <dgm:txEffectClrLst/>
+  </dgm:styleLbl>
+  <dgm:styleLbl name="vennNode1">
+    <dgm:fillClrLst>
+      <a:schemeClr val="accent4">
+        <a:alpha val="50000"/>
+      </a:schemeClr>
+      <a:schemeClr val="accent5">
+        <a:alpha val="50000"/>
+      </a:schemeClr>
+    </dgm:fillClrLst>
+    <dgm:linClrLst meth="repeat">
+      <a:schemeClr val="lt1"/>
+    </dgm:linClrLst>
+    <dgm:effectClrLst/>
+    <dgm:txLinClrLst/>
+    <dgm:txFillClrLst/>
+    <dgm:txEffectClrLst/>
+  </dgm:styleLbl>
+  <dgm:styleLbl name="node2">
+    <dgm:fillClrLst>
+      <a:schemeClr val="accent5"/>
+    </dgm:fillClrLst>
+    <dgm:linClrLst meth="repeat">
+      <a:schemeClr val="lt1"/>
+    </dgm:linClrLst>
+    <dgm:effectClrLst/>
+    <dgm:txLinClrLst/>
+    <dgm:txFillClrLst/>
+    <dgm:txEffectClrLst/>
+  </dgm:styleLbl>
+  <dgm:styleLbl name="node3">
+    <dgm:fillClrLst>
+      <a:schemeClr val="accent6"/>
+    </dgm:fillClrLst>
+    <dgm:linClrLst meth="repeat">
+      <a:schemeClr val="lt1"/>
+    </dgm:linClrLst>
+    <dgm:effectClrLst/>
+    <dgm:txLinClrLst/>
+    <dgm:txFillClrLst/>
+    <dgm:txEffectClrLst/>
+  </dgm:styleLbl>
+  <dgm:styleLbl name="node4">
+    <dgm:fillClrLst>
+      <a:schemeClr val="accent1"/>
+    </dgm:fillClrLst>
+    <dgm:linClrLst meth="repeat">
+      <a:schemeClr val="lt1"/>
+    </dgm:linClrLst>
+    <dgm:effectClrLst/>
+    <dgm:txLinClrLst/>
+    <dgm:txFillClrLst/>
+    <dgm:txEffectClrLst/>
+  </dgm:styleLbl>
+  <dgm:styleLbl name="fgImgPlace1">
+    <dgm:fillClrLst>
+      <a:schemeClr val="accent4">
+        <a:tint val="50000"/>
+      </a:schemeClr>
+      <a:schemeClr val="accent5">
+        <a:tint val="50000"/>
+      </a:schemeClr>
+    </dgm:fillClrLst>
+    <dgm:linClrLst meth="repeat">
+      <a:schemeClr val="lt1"/>
+    </dgm:linClrLst>
+    <dgm:effectClrLst/>
+    <dgm:txLinClrLst/>
+    <dgm:txFillClrLst meth="repeat">
+      <a:schemeClr val="lt1"/>
+    </dgm:txFillClrLst>
+    <dgm:txEffectClrLst/>
+  </dgm:styleLbl>
+  <dgm:styleLbl name="alignImgPlace1">
+    <dgm:fillClrLst>
+      <a:schemeClr val="accent4">
+        <a:tint val="50000"/>
+      </a:schemeClr>
+      <a:schemeClr val="accent5">
+        <a:tint val="20000"/>
+      </a:schemeClr>
+    </dgm:fillClrLst>
+    <dgm:linClrLst meth="repeat">
+      <a:schemeClr val="lt1"/>
+    </dgm:linClrLst>
+    <dgm:effectClrLst/>
+    <dgm:txLinClrLst/>
+    <dgm:txFillClrLst meth="repeat">
+      <a:schemeClr val="lt1"/>
+    </dgm:txFillClrLst>
+    <dgm:txEffectClrLst/>
+  </dgm:styleLbl>
+  <dgm:styleLbl name="bgImgPlace1">
+    <dgm:fillClrLst>
+      <a:schemeClr val="accent4">
+        <a:tint val="50000"/>
+      </a:schemeClr>
+      <a:schemeClr val="accent5">
+        <a:tint val="20000"/>
+      </a:schemeClr>
+    </dgm:fillClrLst>
+    <dgm:linClrLst meth="repeat">
+      <a:schemeClr val="lt1"/>
+    </dgm:linClrLst>
+    <dgm:effectClrLst/>
+    <dgm:txLinClrLst/>
+    <dgm:txFillClrLst meth="repeat">
+      <a:schemeClr val="lt1"/>
+    </dgm:txFillClrLst>
+    <dgm:txEffectClrLst/>
+  </dgm:styleLbl>
+  <dgm:styleLbl name="sibTrans2D1">
+    <dgm:fillClrLst>
+      <a:schemeClr val="accent4"/>
+      <a:schemeClr val="accent5"/>
+    </dgm:fillClrLst>
+    <dgm:linClrLst meth="repeat">
+      <a:schemeClr val="lt1"/>
+    </dgm:linClrLst>
+    <dgm:effectClrLst/>
+    <dgm:txLinClrLst/>
+    <dgm:txFillClrLst/>
+    <dgm:txEffectClrLst/>
+  </dgm:styleLbl>
+  <dgm:styleLbl name="fgSibTrans2D1">
+    <dgm:fillClrLst>
+      <a:schemeClr val="accent4"/>
+      <a:schemeClr val="accent5"/>
+    </dgm:fillClrLst>
+    <dgm:linClrLst meth="repeat">
+      <a:schemeClr val="lt1"/>
+    </dgm:linClrLst>
+    <dgm:effectClrLst/>
+    <dgm:txLinClrLst/>
+    <dgm:txFillClrLst meth="repeat">
+      <a:schemeClr val="lt1"/>
+    </dgm:txFillClrLst>
+    <dgm:txEffectClrLst/>
+  </dgm:styleLbl>
+  <dgm:styleLbl name="bgSibTrans2D1">
+    <dgm:fillClrLst>
+      <a:schemeClr val="accent4"/>
+      <a:schemeClr val="accent5"/>
+    </dgm:fillClrLst>
+    <dgm:linClrLst meth="repeat">
+      <a:schemeClr val="lt1"/>
+    </dgm:linClrLst>
+    <dgm:effectClrLst/>
+    <dgm:txLinClrLst/>
+    <dgm:txFillClrLst meth="repeat">
+      <a:schemeClr val="lt1"/>
+    </dgm:txFillClrLst>
+    <dgm:txEffectClrLst/>
+  </dgm:styleLbl>
+  <dgm:styleLbl name="sibTrans1D1">
+    <dgm:fillClrLst/>
+    <dgm:linClrLst>
+      <a:schemeClr val="accent4"/>
+      <a:schemeClr val="accent5"/>
+    </dgm:linClrLst>
+    <dgm:effectClrLst/>
+    <dgm:txLinClrLst/>
+    <dgm:txFillClrLst meth="repeat">
+      <a:schemeClr val="tx1"/>
+    </dgm:txFillClrLst>
+    <dgm:txEffectClrLst/>
+  </dgm:styleLbl>
+  <dgm:styleLbl name="callout">
+    <dgm:fillClrLst meth="repeat">
+      <a:schemeClr val="accent4"/>
+    </dgm:fillClrLst>
+    <dgm:linClrLst meth="repeat">
+      <a:schemeClr val="accent4">
+        <a:tint val="50000"/>
+      </a:schemeClr>
+    </dgm:linClrLst>
+    <dgm:effectClrLst/>
+    <dgm:txLinClrLst/>
+    <dgm:txFillClrLst meth="repeat">
+      <a:schemeClr val="tx1"/>
+    </dgm:txFillClrLst>
+    <dgm:txEffectClrLst/>
+  </dgm:styleLbl>
+  <dgm:styleLbl name="asst0">
+    <dgm:fillClrLst meth="repeat">
+      <a:schemeClr val="accent4"/>
+    </dgm:fillClrLst>
+    <dgm:linClrLst meth="repeat">
+      <a:schemeClr val="lt1">
+        <a:shade val="80000"/>
+      </a:schemeClr>
+    </dgm:linClrLst>
+    <dgm:effectClrLst/>
+    <dgm:txLinClrLst/>
+    <dgm:txFillClrLst/>
+    <dgm:txEffectClrLst/>
+  </dgm:styleLbl>
+  <dgm:styleLbl name="asst1">
+    <dgm:fillClrLst meth="repeat">
+      <a:schemeClr val="accent5"/>
+    </dgm:fillClrLst>
+    <dgm:linClrLst meth="repeat">
+      <a:schemeClr val="lt1">
+        <a:shade val="80000"/>
+      </a:schemeClr>
+    </dgm:linClrLst>
+    <dgm:effectClrLst/>
+    <dgm:txLinClrLst/>
+    <dgm:txFillClrLst/>
+    <dgm:txEffectClrLst/>
+  </dgm:styleLbl>
+  <dgm:styleLbl name="asst2">
+    <dgm:fillClrLst>
+      <a:schemeClr val="accent6"/>
+    </dgm:fillClrLst>
+    <dgm:linClrLst meth="repeat">
+      <a:schemeClr val="lt1"/>
+    </dgm:linClrLst>
+    <dgm:effectClrLst/>
+    <dgm:txLinClrLst/>
+    <dgm:txFillClrLst/>
+    <dgm:txEffectClrLst/>
+  </dgm:styleLbl>
+  <dgm:styleLbl name="asst3">
+    <dgm:fillClrLst>
+      <a:schemeClr val="accent1"/>
+    </dgm:fillClrLst>
+    <dgm:linClrLst meth="repeat">
+      <a:schemeClr val="lt1"/>
+    </dgm:linClrLst>
+    <dgm:effectClrLst/>
+    <dgm:txLinClrLst/>
+    <dgm:txFillClrLst/>
+    <dgm:txEffectClrLst/>
+  </dgm:styleLbl>
+  <dgm:styleLbl name="asst4">
+    <dgm:fillClrLst>
+      <a:schemeClr val="accent2"/>
+    </dgm:fillClrLst>
+    <dgm:linClrLst meth="repeat">
+      <a:schemeClr val="lt1"/>
+    </dgm:linClrLst>
+    <dgm:effectClrLst/>
+    <dgm:txLinClrLst/>
+    <dgm:txFillClrLst/>
+    <dgm:txEffectClrLst/>
+  </dgm:styleLbl>
+  <dgm:styleLbl name="parChTrans2D1">
+    <dgm:fillClrLst meth="repeat">
+      <a:schemeClr val="accent4"/>
+    </dgm:fillClrLst>
+    <dgm:linClrLst meth="repeat">
+      <a:schemeClr val="lt1"/>
+    </dgm:linClrLst>
+    <dgm:effectClrLst/>
+    <dgm:txLinClrLst/>
+    <dgm:txFillClrLst meth="repeat">
+      <a:schemeClr val="lt1"/>
+    </dgm:txFillClrLst>
+    <dgm:txEffectClrLst/>
+  </dgm:styleLbl>
+  <dgm:styleLbl name="parChTrans2D2">
+    <dgm:fillClrLst meth="repeat">
+      <a:schemeClr val="accent5"/>
+    </dgm:fillClrLst>
+    <dgm:linClrLst meth="repeat">
+      <a:schemeClr val="lt1"/>
+    </dgm:linClrLst>
+    <dgm:effectClrLst/>
+    <dgm:txLinClrLst/>
+    <dgm:txFillClrLst/>
+    <dgm:txEffectClrLst/>
+  </dgm:styleLbl>
+  <dgm:styleLbl name="parChTrans2D3">
+    <dgm:fillClrLst meth="repeat">
+      <a:schemeClr val="accent5"/>
+    </dgm:fillClrLst>
+    <dgm:linClrLst meth="repeat">
+      <a:schemeClr val="lt1"/>
+    </dgm:linClrLst>
+    <dgm:effectClrLst/>
+    <dgm:txLinClrLst/>
+    <dgm:txFillClrLst/>
+    <dgm:txEffectClrLst/>
+  </dgm:styleLbl>
+  <dgm:styleLbl name="parChTrans2D4">
+    <dgm:fillClrLst meth="repeat">
+      <a:schemeClr val="accent6"/>
+    </dgm:fillClrLst>
+    <dgm:linClrLst meth="repeat">
+      <a:schemeClr val="lt1"/>
+    </dgm:linClrLst>
+    <dgm:effectClrLst/>
+    <dgm:txLinClrLst/>
+    <dgm:txFillClrLst meth="repeat">
+      <a:schemeClr val="lt1"/>
+    </dgm:txFillClrLst>
+    <dgm:txEffectClrLst/>
+  </dgm:styleLbl>
+  <dgm:styleLbl name="parChTrans1D1">
+    <dgm:fillClrLst meth="repeat">
+      <a:schemeClr val="accent4"/>
+    </dgm:fillClrLst>
+    <dgm:linClrLst meth="repeat">
+      <a:schemeClr val="accent4"/>
+    </dgm:linClrLst>
+    <dgm:effectClrLst/>
+    <dgm:txLinClrLst/>
+    <dgm:txFillClrLst meth="repeat">
+      <a:schemeClr val="tx1"/>
+    </dgm:txFillClrLst>
+    <dgm:txEffectClrLst/>
+  </dgm:styleLbl>
+  <dgm:styleLbl name="parChTrans1D2">
+    <dgm:fillClrLst meth="repeat">
+      <a:schemeClr val="accent4">
+        <a:tint val="90000"/>
+      </a:schemeClr>
+    </dgm:fillClrLst>
+    <dgm:linClrLst meth="repeat">
+      <a:schemeClr val="accent5"/>
+    </dgm:linClrLst>
+    <dgm:effectClrLst/>
+    <dgm:txLinClrLst/>
+    <dgm:txFillClrLst meth="repeat">
+      <a:schemeClr val="tx1"/>
+    </dgm:txFillClrLst>
+    <dgm:txEffectClrLst/>
+  </dgm:styleLbl>
+  <dgm:styleLbl name="parChTrans1D3">
+    <dgm:fillClrLst meth="repeat">
+      <a:schemeClr val="accent4">
+        <a:tint val="70000"/>
+      </a:schemeClr>
+    </dgm:fillClrLst>
+    <dgm:linClrLst meth="repeat">
+      <a:schemeClr val="accent6"/>
+    </dgm:linClrLst>
+    <dgm:effectClrLst/>
+    <dgm:txLinClrLst/>
+    <dgm:txFillClrLst meth="repeat">
+      <a:schemeClr val="tx1"/>
+    </dgm:txFillClrLst>
+    <dgm:txEffectClrLst/>
+  </dgm:styleLbl>
+  <dgm:styleLbl name="parChTrans1D4">
+    <dgm:fillClrLst meth="repeat">
+      <a:schemeClr val="accent4">
+        <a:tint val="50000"/>
+      </a:schemeClr>
+    </dgm:fillClrLst>
+    <dgm:linClrLst meth="repeat">
+      <a:schemeClr val="accent1"/>
+    </dgm:linClrLst>
+    <dgm:effectClrLst/>
+    <dgm:txLinClrLst/>
+    <dgm:txFillClrLst meth="repeat">
+      <a:schemeClr val="tx1"/>
+    </dgm:txFillClrLst>
+    <dgm:txEffectClrLst/>
+  </dgm:styleLbl>
+  <dgm:styleLbl name="fgAcc1">
+    <dgm:fillClrLst meth="repeat">
+      <a:schemeClr val="lt1">
+        <a:alpha val="90000"/>
+      </a:schemeClr>
+    </dgm:fillClrLst>
+    <dgm:linClrLst>
+      <a:schemeClr val="accent4"/>
+      <a:schemeClr val="accent5"/>
+    </dgm:linClrLst>
+    <dgm:effectClrLst/>
+    <dgm:txLinClrLst/>
+    <dgm:txFillClrLst meth="repeat">
+      <a:schemeClr val="dk1"/>
+    </dgm:txFillClrLst>
+    <dgm:txEffectClrLst/>
+  </dgm:styleLbl>
+  <dgm:styleLbl name="conFgAcc1">
+    <dgm:fillClrLst meth="repeat">
+      <a:schemeClr val="lt1">
+        <a:alpha val="90000"/>
+      </a:schemeClr>
+    </dgm:fillClrLst>
+    <dgm:linClrLst>
+      <a:schemeClr val="accent4"/>
+      <a:schemeClr val="accent5"/>
+    </dgm:linClrLst>
+    <dgm:effectClrLst/>
+    <dgm:txLinClrLst/>
+    <dgm:txFillClrLst meth="repeat">
+      <a:schemeClr val="dk1"/>
+    </dgm:txFillClrLst>
+    <dgm:txEffectClrLst/>
+  </dgm:styleLbl>
+  <dgm:styleLbl name="alignAcc1">
+    <dgm:fillClrLst meth="repeat">
+      <a:schemeClr val="lt1">
+        <a:alpha val="90000"/>
+      </a:schemeClr>
+    </dgm:fillClrLst>
+    <dgm:linClrLst>
+      <a:schemeClr val="accent4"/>
+      <a:schemeClr val="accent5"/>
+    </dgm:linClrLst>
+    <dgm:effectClrLst/>
+    <dgm:txLinClrLst/>
+    <dgm:txFillClrLst meth="repeat">
+      <a:schemeClr val="dk1"/>
+    </dgm:txFillClrLst>
+    <dgm:txEffectClrLst/>
+  </dgm:styleLbl>
+  <dgm:styleLbl name="trAlignAcc1">
+    <dgm:fillClrLst meth="repeat">
+      <a:schemeClr val="lt1">
+        <a:alpha val="40000"/>
+      </a:schemeClr>
+    </dgm:fillClrLst>
+    <dgm:linClrLst meth="repeat">
+      <a:schemeClr val="accent4"/>
+    </dgm:linClrLst>
+    <dgm:effectClrLst/>
+    <dgm:txLinClrLst/>
+    <dgm:txFillClrLst meth="repeat">
+      <a:schemeClr val="dk1"/>
+    </dgm:txFillClrLst>
+    <dgm:txEffectClrLst/>
+  </dgm:styleLbl>
+  <dgm:styleLbl name="bgAcc1">
+    <dgm:fillClrLst meth="repeat">
+      <a:schemeClr val="lt1">
+        <a:alpha val="90000"/>
+      </a:schemeClr>
+    </dgm:fillClrLst>
+    <dgm:linClrLst>
+      <a:schemeClr val="accent4"/>
+      <a:schemeClr val="accent5"/>
+    </dgm:linClrLst>
+    <dgm:effectClrLst/>
+    <dgm:txLinClrLst/>
+    <dgm:txFillClrLst meth="repeat">
+      <a:schemeClr val="dk1"/>
+    </dgm:txFillClrLst>
+    <dgm:txEffectClrLst/>
+  </dgm:styleLbl>
+  <dgm:styleLbl name="solidFgAcc1">
+    <dgm:fillClrLst meth="repeat">
       <a:schemeClr val="lt1"/>
     </dgm:fillClrLst>
-    <dgm:linClrLst meth="repeat">
-      <a:schemeClr val="dk1">
-        <a:shade val="80000"/>
+    <dgm:linClrLst>
+      <a:schemeClr val="accent4"/>
+      <a:schemeClr val="accent5"/>
+    </dgm:linClrLst>
+    <dgm:effectClrLst/>
+    <dgm:txLinClrLst/>
+    <dgm:txFillClrLst meth="repeat">
+      <a:schemeClr val="dk1"/>
+    </dgm:txFillClrLst>
+    <dgm:txEffectClrLst/>
+  </dgm:styleLbl>
+  <dgm:styleLbl name="solidAlignAcc1">
+    <dgm:fillClrLst meth="repeat">
+      <a:schemeClr val="lt1"/>
+    </dgm:fillClrLst>
+    <dgm:linClrLst>
+      <a:schemeClr val="accent4"/>
+      <a:schemeClr val="accent5"/>
+    </dgm:linClrLst>
+    <dgm:effectClrLst/>
+    <dgm:txLinClrLst/>
+    <dgm:txFillClrLst meth="repeat">
+      <a:schemeClr val="dk1"/>
+    </dgm:txFillClrLst>
+    <dgm:txEffectClrLst/>
+  </dgm:styleLbl>
+  <dgm:styleLbl name="solidBgAcc1">
+    <dgm:fillClrLst meth="repeat">
+      <a:schemeClr val="lt1"/>
+    </dgm:fillClrLst>
+    <dgm:linClrLst>
+      <a:schemeClr val="accent4"/>
+      <a:schemeClr val="accent5"/>
+    </dgm:linClrLst>
+    <dgm:effectClrLst/>
+    <dgm:txLinClrLst/>
+    <dgm:txFillClrLst meth="repeat">
+      <a:schemeClr val="dk1"/>
+    </dgm:txFillClrLst>
+    <dgm:txEffectClrLst/>
+  </dgm:styleLbl>
+  <dgm:styleLbl name="fgAccFollowNode1">
+    <dgm:fillClrLst>
+      <a:schemeClr val="accent4">
+        <a:tint val="40000"/>
+        <a:alpha val="90000"/>
+      </a:schemeClr>
+      <a:schemeClr val="accent5">
+        <a:tint val="40000"/>
+        <a:alpha val="90000"/>
+      </a:schemeClr>
+    </dgm:fillClrLst>
+    <dgm:linClrLst>
+      <a:schemeClr val="accent4">
+        <a:tint val="40000"/>
+        <a:alpha val="90000"/>
+      </a:schemeClr>
+      <a:schemeClr val="accent5">
+        <a:tint val="40000"/>
+        <a:alpha val="90000"/>
       </a:schemeClr>
     </dgm:linClrLst>
     <dgm:effectClrLst/>
@@ -993,13 +1522,25 @@
     </dgm:txFillClrLst>
     <dgm:txEffectClrLst/>
   </dgm:styleLbl>
-  <dgm:styleLbl name="node1">
-    <dgm:fillClrLst meth="repeat">
-      <a:schemeClr val="lt1"/>
+  <dgm:styleLbl name="alignAccFollowNode1">
+    <dgm:fillClrLst>
+      <a:schemeClr val="accent4">
+        <a:tint val="40000"/>
+        <a:alpha val="90000"/>
+      </a:schemeClr>
+      <a:schemeClr val="accent5">
+        <a:tint val="40000"/>
+        <a:alpha val="90000"/>
+      </a:schemeClr>
     </dgm:fillClrLst>
-    <dgm:linClrLst meth="repeat">
-      <a:schemeClr val="dk1">
-        <a:shade val="80000"/>
+    <dgm:linClrLst>
+      <a:schemeClr val="accent4">
+        <a:tint val="40000"/>
+        <a:alpha val="90000"/>
+      </a:schemeClr>
+      <a:schemeClr val="accent5">
+        <a:tint val="40000"/>
+        <a:alpha val="90000"/>
       </a:schemeClr>
     </dgm:linClrLst>
     <dgm:effectClrLst/>
@@ -1009,13 +1550,25 @@
     </dgm:txFillClrLst>
     <dgm:txEffectClrLst/>
   </dgm:styleLbl>
-  <dgm:styleLbl name="alignNode1">
-    <dgm:fillClrLst meth="repeat">
-      <a:schemeClr val="lt1"/>
+  <dgm:styleLbl name="bgAccFollowNode1">
+    <dgm:fillClrLst>
+      <a:schemeClr val="accent4">
+        <a:tint val="40000"/>
+        <a:alpha val="90000"/>
+      </a:schemeClr>
+      <a:schemeClr val="accent5">
+        <a:tint val="40000"/>
+        <a:alpha val="90000"/>
+      </a:schemeClr>
     </dgm:fillClrLst>
-    <dgm:linClrLst meth="repeat">
-      <a:schemeClr val="dk1">
-        <a:shade val="80000"/>
+    <dgm:linClrLst>
+      <a:schemeClr val="accent4">
+        <a:tint val="40000"/>
+        <a:alpha val="90000"/>
+      </a:schemeClr>
+      <a:schemeClr val="accent5">
+        <a:tint val="40000"/>
+        <a:alpha val="90000"/>
       </a:schemeClr>
     </dgm:linClrLst>
     <dgm:effectClrLst/>
@@ -1025,14 +1578,14 @@
     </dgm:txFillClrLst>
     <dgm:txEffectClrLst/>
   </dgm:styleLbl>
-  <dgm:styleLbl name="lnNode1">
+  <dgm:styleLbl name="fgAcc0">
     <dgm:fillClrLst meth="repeat">
-      <a:schemeClr val="lt1"/>
+      <a:schemeClr val="lt1">
+        <a:alpha val="90000"/>
+      </a:schemeClr>
     </dgm:fillClrLst>
-    <dgm:linClrLst meth="repeat">
-      <a:schemeClr val="dk1">
-        <a:shade val="80000"/>
-      </a:schemeClr>
+    <dgm:linClrLst>
+      <a:schemeClr val="accent3"/>
     </dgm:linClrLst>
     <dgm:effectClrLst/>
     <dgm:txLinClrLst/>
@@ -1041,30 +1594,14 @@
     </dgm:txFillClrLst>
     <dgm:txEffectClrLst/>
   </dgm:styleLbl>
-  <dgm:styleLbl name="vennNode1">
+  <dgm:styleLbl name="fgAcc2">
     <dgm:fillClrLst meth="repeat">
       <a:schemeClr val="lt1">
-        <a:alpha val="50000"/>
+        <a:alpha val="90000"/>
       </a:schemeClr>
     </dgm:fillClrLst>
-    <dgm:linClrLst meth="repeat">
-      <a:schemeClr val="dk1">
-        <a:shade val="80000"/>
-      </a:schemeClr>
-    </dgm:linClrLst>
-    <dgm:effectClrLst/>
-    <dgm:txLinClrLst/>
-    <dgm:txFillClrLst/>
-    <dgm:txEffectClrLst/>
-  </dgm:styleLbl>
-  <dgm:styleLbl name="node2">
-    <dgm:fillClrLst meth="repeat">
-      <a:schemeClr val="lt1"/>
-    </dgm:fillClrLst>
-    <dgm:linClrLst meth="repeat">
-      <a:schemeClr val="dk1">
-        <a:shade val="80000"/>
-      </a:schemeClr>
+    <dgm:linClrLst>
+      <a:schemeClr val="accent5"/>
     </dgm:linClrLst>
     <dgm:effectClrLst/>
     <dgm:txLinClrLst/>
@@ -1073,14 +1610,14 @@
     </dgm:txFillClrLst>
     <dgm:txEffectClrLst/>
   </dgm:styleLbl>
-  <dgm:styleLbl name="node3">
+  <dgm:styleLbl name="fgAcc3">
     <dgm:fillClrLst meth="repeat">
-      <a:schemeClr val="lt1"/>
+      <a:schemeClr val="lt1">
+        <a:alpha val="90000"/>
+      </a:schemeClr>
     </dgm:fillClrLst>
-    <dgm:linClrLst meth="repeat">
-      <a:schemeClr val="dk1">
-        <a:shade val="80000"/>
-      </a:schemeClr>
+    <dgm:linClrLst>
+      <a:schemeClr val="accent6"/>
     </dgm:linClrLst>
     <dgm:effectClrLst/>
     <dgm:txLinClrLst/>
@@ -1089,14 +1626,14 @@
     </dgm:txFillClrLst>
     <dgm:txEffectClrLst/>
   </dgm:styleLbl>
-  <dgm:styleLbl name="node4">
+  <dgm:styleLbl name="fgAcc4">
     <dgm:fillClrLst meth="repeat">
-      <a:schemeClr val="lt1"/>
+      <a:schemeClr val="lt1">
+        <a:alpha val="90000"/>
+      </a:schemeClr>
     </dgm:fillClrLst>
-    <dgm:linClrLst meth="repeat">
-      <a:schemeClr val="dk1">
-        <a:shade val="80000"/>
-      </a:schemeClr>
+    <dgm:linClrLst>
+      <a:schemeClr val="accent1"/>
     </dgm:linClrLst>
     <dgm:effectClrLst/>
     <dgm:txLinClrLst/>
@@ -1105,344 +1642,9 @@
     </dgm:txFillClrLst>
     <dgm:txEffectClrLst/>
   </dgm:styleLbl>
-  <dgm:styleLbl name="fgImgPlace1">
+  <dgm:styleLbl name="bgShp">
     <dgm:fillClrLst meth="repeat">
-      <a:schemeClr val="dk1">
-        <a:tint val="40000"/>
-      </a:schemeClr>
-    </dgm:fillClrLst>
-    <dgm:linClrLst meth="repeat">
-      <a:schemeClr val="dk1">
-        <a:shade val="80000"/>
-      </a:schemeClr>
-    </dgm:linClrLst>
-    <dgm:effectClrLst/>
-    <dgm:txLinClrLst/>
-    <dgm:txFillClrLst meth="repeat">
-      <a:schemeClr val="lt1"/>
-    </dgm:txFillClrLst>
-    <dgm:txEffectClrLst/>
-  </dgm:styleLbl>
-  <dgm:styleLbl name="alignImgPlace1">
-    <dgm:fillClrLst meth="repeat">
-      <a:schemeClr val="dk1">
-        <a:tint val="40000"/>
-      </a:schemeClr>
-    </dgm:fillClrLst>
-    <dgm:linClrLst meth="repeat">
-      <a:schemeClr val="dk1">
-        <a:shade val="80000"/>
-      </a:schemeClr>
-    </dgm:linClrLst>
-    <dgm:effectClrLst/>
-    <dgm:txLinClrLst/>
-    <dgm:txFillClrLst meth="repeat">
-      <a:schemeClr val="lt1"/>
-    </dgm:txFillClrLst>
-    <dgm:txEffectClrLst/>
-  </dgm:styleLbl>
-  <dgm:styleLbl name="bgImgPlace1">
-    <dgm:fillClrLst meth="repeat">
-      <a:schemeClr val="dk1">
-        <a:tint val="40000"/>
-      </a:schemeClr>
-    </dgm:fillClrLst>
-    <dgm:linClrLst meth="repeat">
-      <a:schemeClr val="dk1">
-        <a:shade val="80000"/>
-      </a:schemeClr>
-    </dgm:linClrLst>
-    <dgm:effectClrLst/>
-    <dgm:txLinClrLst/>
-    <dgm:txFillClrLst meth="repeat">
-      <a:schemeClr val="lt1"/>
-    </dgm:txFillClrLst>
-    <dgm:txEffectClrLst/>
-  </dgm:styleLbl>
-  <dgm:styleLbl name="sibTrans2D1">
-    <dgm:fillClrLst meth="repeat">
-      <a:schemeClr val="dk1">
-        <a:tint val="60000"/>
-      </a:schemeClr>
-    </dgm:fillClrLst>
-    <dgm:linClrLst meth="repeat">
-      <a:schemeClr val="dk1">
-        <a:tint val="60000"/>
-      </a:schemeClr>
-    </dgm:linClrLst>
-    <dgm:effectClrLst/>
-    <dgm:txLinClrLst/>
-    <dgm:txFillClrLst meth="repeat">
-      <a:schemeClr val="dk1"/>
-    </dgm:txFillClrLst>
-    <dgm:txEffectClrLst/>
-  </dgm:styleLbl>
-  <dgm:styleLbl name="fgSibTrans2D1">
-    <dgm:fillClrLst meth="repeat">
-      <a:schemeClr val="dk1">
-        <a:tint val="60000"/>
-      </a:schemeClr>
-    </dgm:fillClrLst>
-    <dgm:linClrLst meth="repeat">
-      <a:schemeClr val="dk1">
-        <a:tint val="60000"/>
-      </a:schemeClr>
-    </dgm:linClrLst>
-    <dgm:effectClrLst/>
-    <dgm:txLinClrLst/>
-    <dgm:txFillClrLst meth="repeat">
-      <a:schemeClr val="dk1"/>
-    </dgm:txFillClrLst>
-    <dgm:txEffectClrLst/>
-  </dgm:styleLbl>
-  <dgm:styleLbl name="bgSibTrans2D1">
-    <dgm:fillClrLst meth="repeat">
-      <a:schemeClr val="dk1">
-        <a:tint val="60000"/>
-      </a:schemeClr>
-    </dgm:fillClrLst>
-    <dgm:linClrLst meth="repeat">
-      <a:schemeClr val="dk1">
-        <a:tint val="60000"/>
-      </a:schemeClr>
-    </dgm:linClrLst>
-    <dgm:effectClrLst/>
-    <dgm:txLinClrLst/>
-    <dgm:txFillClrLst meth="repeat">
-      <a:schemeClr val="dk1"/>
-    </dgm:txFillClrLst>
-    <dgm:txEffectClrLst/>
-  </dgm:styleLbl>
-  <dgm:styleLbl name="sibTrans1D1">
-    <dgm:fillClrLst meth="repeat">
-      <a:schemeClr val="dk1"/>
-    </dgm:fillClrLst>
-    <dgm:linClrLst meth="repeat">
-      <a:schemeClr val="dk1"/>
-    </dgm:linClrLst>
-    <dgm:effectClrLst/>
-    <dgm:txLinClrLst/>
-    <dgm:txFillClrLst meth="repeat">
-      <a:schemeClr val="tx1"/>
-    </dgm:txFillClrLst>
-    <dgm:txEffectClrLst/>
-  </dgm:styleLbl>
-  <dgm:styleLbl name="callout">
-    <dgm:fillClrLst meth="repeat">
-      <a:schemeClr val="dk1"/>
-    </dgm:fillClrLst>
-    <dgm:linClrLst meth="repeat">
-      <a:schemeClr val="dk1"/>
-    </dgm:linClrLst>
-    <dgm:effectClrLst/>
-    <dgm:txLinClrLst/>
-    <dgm:txFillClrLst meth="repeat">
-      <a:schemeClr val="tx1"/>
-    </dgm:txFillClrLst>
-    <dgm:txEffectClrLst/>
-  </dgm:styleLbl>
-  <dgm:styleLbl name="asst0">
-    <dgm:fillClrLst meth="repeat">
-      <a:schemeClr val="lt1"/>
-    </dgm:fillClrLst>
-    <dgm:linClrLst meth="repeat">
-      <a:schemeClr val="dk1">
-        <a:shade val="80000"/>
-      </a:schemeClr>
-    </dgm:linClrLst>
-    <dgm:effectClrLst/>
-    <dgm:txLinClrLst/>
-    <dgm:txFillClrLst meth="repeat">
-      <a:schemeClr val="dk1"/>
-    </dgm:txFillClrLst>
-    <dgm:txEffectClrLst/>
-  </dgm:styleLbl>
-  <dgm:styleLbl name="asst1">
-    <dgm:fillClrLst meth="repeat">
-      <a:schemeClr val="lt1"/>
-    </dgm:fillClrLst>
-    <dgm:linClrLst meth="repeat">
-      <a:schemeClr val="dk1">
-        <a:shade val="80000"/>
-      </a:schemeClr>
-    </dgm:linClrLst>
-    <dgm:effectClrLst/>
-    <dgm:txLinClrLst/>
-    <dgm:txFillClrLst meth="repeat">
-      <a:schemeClr val="dk1"/>
-    </dgm:txFillClrLst>
-    <dgm:txEffectClrLst/>
-  </dgm:styleLbl>
-  <dgm:styleLbl name="asst2">
-    <dgm:fillClrLst meth="repeat">
-      <a:schemeClr val="lt1"/>
-    </dgm:fillClrLst>
-    <dgm:linClrLst meth="repeat">
-      <a:schemeClr val="dk1">
-        <a:shade val="80000"/>
-      </a:schemeClr>
-    </dgm:linClrLst>
-    <dgm:effectClrLst/>
-    <dgm:txLinClrLst/>
-    <dgm:txFillClrLst meth="repeat">
-      <a:schemeClr val="dk1"/>
-    </dgm:txFillClrLst>
-    <dgm:txEffectClrLst/>
-  </dgm:styleLbl>
-  <dgm:styleLbl name="asst3">
-    <dgm:fillClrLst meth="repeat">
-      <a:schemeClr val="lt1"/>
-    </dgm:fillClrLst>
-    <dgm:linClrLst meth="repeat">
-      <a:schemeClr val="dk1">
-        <a:shade val="80000"/>
-      </a:schemeClr>
-    </dgm:linClrLst>
-    <dgm:effectClrLst/>
-    <dgm:txLinClrLst/>
-    <dgm:txFillClrLst meth="repeat">
-      <a:schemeClr val="dk1"/>
-    </dgm:txFillClrLst>
-    <dgm:txEffectClrLst/>
-  </dgm:styleLbl>
-  <dgm:styleLbl name="asst4">
-    <dgm:fillClrLst meth="repeat">
-      <a:schemeClr val="lt1"/>
-    </dgm:fillClrLst>
-    <dgm:linClrLst meth="repeat">
-      <a:schemeClr val="dk1">
-        <a:shade val="80000"/>
-      </a:schemeClr>
-    </dgm:linClrLst>
-    <dgm:effectClrLst/>
-    <dgm:txLinClrLst/>
-    <dgm:txFillClrLst meth="repeat">
-      <a:schemeClr val="dk1"/>
-    </dgm:txFillClrLst>
-    <dgm:txEffectClrLst/>
-  </dgm:styleLbl>
-  <dgm:styleLbl name="parChTrans2D1">
-    <dgm:fillClrLst meth="repeat">
-      <a:schemeClr val="dk1">
-        <a:tint val="60000"/>
-      </a:schemeClr>
-    </dgm:fillClrLst>
-    <dgm:linClrLst meth="repeat">
-      <a:schemeClr val="dk1">
-        <a:tint val="60000"/>
-      </a:schemeClr>
-    </dgm:linClrLst>
-    <dgm:effectClrLst/>
-    <dgm:txLinClrLst/>
-    <dgm:txFillClrLst/>
-    <dgm:txEffectClrLst/>
-  </dgm:styleLbl>
-  <dgm:styleLbl name="parChTrans2D2">
-    <dgm:fillClrLst meth="repeat">
-      <a:schemeClr val="dk1"/>
-    </dgm:fillClrLst>
-    <dgm:linClrLst meth="repeat">
-      <a:schemeClr val="dk1"/>
-    </dgm:linClrLst>
-    <dgm:effectClrLst/>
-    <dgm:txLinClrLst/>
-    <dgm:txFillClrLst/>
-    <dgm:txEffectClrLst/>
-  </dgm:styleLbl>
-  <dgm:styleLbl name="parChTrans2D3">
-    <dgm:fillClrLst meth="repeat">
-      <a:schemeClr val="dk1"/>
-    </dgm:fillClrLst>
-    <dgm:linClrLst meth="repeat">
-      <a:schemeClr val="dk1"/>
-    </dgm:linClrLst>
-    <dgm:effectClrLst/>
-    <dgm:txLinClrLst/>
-    <dgm:txFillClrLst/>
-    <dgm:txEffectClrLst/>
-  </dgm:styleLbl>
-  <dgm:styleLbl name="parChTrans2D4">
-    <dgm:fillClrLst meth="repeat">
-      <a:schemeClr val="dk1"/>
-    </dgm:fillClrLst>
-    <dgm:linClrLst meth="repeat">
-      <a:schemeClr val="dk1"/>
-    </dgm:linClrLst>
-    <dgm:effectClrLst/>
-    <dgm:txLinClrLst/>
-    <dgm:txFillClrLst meth="repeat">
-      <a:schemeClr val="lt1"/>
-    </dgm:txFillClrLst>
-    <dgm:txEffectClrLst/>
-  </dgm:styleLbl>
-  <dgm:styleLbl name="parChTrans1D1">
-    <dgm:fillClrLst meth="repeat">
-      <a:schemeClr val="dk1"/>
-    </dgm:fillClrLst>
-    <dgm:linClrLst meth="repeat">
-      <a:schemeClr val="dk1">
-        <a:shade val="60000"/>
-      </a:schemeClr>
-    </dgm:linClrLst>
-    <dgm:effectClrLst/>
-    <dgm:txLinClrLst/>
-    <dgm:txFillClrLst meth="repeat">
-      <a:schemeClr val="tx1"/>
-    </dgm:txFillClrLst>
-    <dgm:txEffectClrLst/>
-  </dgm:styleLbl>
-  <dgm:styleLbl name="parChTrans1D2">
-    <dgm:fillClrLst meth="repeat">
-      <a:schemeClr val="dk1"/>
-    </dgm:fillClrLst>
-    <dgm:linClrLst meth="repeat">
-      <a:schemeClr val="dk1">
-        <a:shade val="60000"/>
-      </a:schemeClr>
-    </dgm:linClrLst>
-    <dgm:effectClrLst/>
-    <dgm:txLinClrLst/>
-    <dgm:txFillClrLst meth="repeat">
-      <a:schemeClr val="tx1"/>
-    </dgm:txFillClrLst>
-    <dgm:txEffectClrLst/>
-  </dgm:styleLbl>
-  <dgm:styleLbl name="parChTrans1D3">
-    <dgm:fillClrLst meth="repeat">
-      <a:schemeClr val="dk1"/>
-    </dgm:fillClrLst>
-    <dgm:linClrLst meth="repeat">
-      <a:schemeClr val="dk1">
-        <a:shade val="80000"/>
-      </a:schemeClr>
-    </dgm:linClrLst>
-    <dgm:effectClrLst/>
-    <dgm:txLinClrLst/>
-    <dgm:txFillClrLst meth="repeat">
-      <a:schemeClr val="tx1"/>
-    </dgm:txFillClrLst>
-    <dgm:txEffectClrLst/>
-  </dgm:styleLbl>
-  <dgm:styleLbl name="parChTrans1D4">
-    <dgm:fillClrLst meth="repeat">
-      <a:schemeClr val="dk1"/>
-    </dgm:fillClrLst>
-    <dgm:linClrLst meth="repeat">
-      <a:schemeClr val="dk1">
-        <a:shade val="80000"/>
-      </a:schemeClr>
-    </dgm:linClrLst>
-    <dgm:effectClrLst/>
-    <dgm:txLinClrLst/>
-    <dgm:txFillClrLst meth="repeat">
-      <a:schemeClr val="tx1"/>
-    </dgm:txFillClrLst>
-    <dgm:txEffectClrLst/>
-  </dgm:styleLbl>
-  <dgm:styleLbl name="fgAcc1">
-    <dgm:fillClrLst meth="repeat">
-      <a:schemeClr val="dk1">
-        <a:alpha val="90000"/>
+      <a:schemeClr val="accent4">
         <a:tint val="40000"/>
       </a:schemeClr>
     </dgm:fillClrLst>
@@ -1456,261 +1658,10 @@
     </dgm:txFillClrLst>
     <dgm:txEffectClrLst/>
   </dgm:styleLbl>
-  <dgm:styleLbl name="conFgAcc1">
-    <dgm:fillClrLst meth="repeat">
-      <a:schemeClr val="dk1">
-        <a:alpha val="90000"/>
-        <a:tint val="40000"/>
-      </a:schemeClr>
-    </dgm:fillClrLst>
-    <dgm:linClrLst meth="repeat">
-      <a:schemeClr val="dk1"/>
-    </dgm:linClrLst>
-    <dgm:effectClrLst/>
-    <dgm:txLinClrLst/>
-    <dgm:txFillClrLst meth="repeat">
-      <a:schemeClr val="dk1"/>
-    </dgm:txFillClrLst>
-    <dgm:txEffectClrLst/>
-  </dgm:styleLbl>
-  <dgm:styleLbl name="alignAcc1">
-    <dgm:fillClrLst meth="repeat">
-      <a:schemeClr val="dk1">
-        <a:alpha val="90000"/>
-        <a:tint val="40000"/>
-      </a:schemeClr>
-    </dgm:fillClrLst>
-    <dgm:linClrLst meth="repeat">
-      <a:schemeClr val="dk1"/>
-    </dgm:linClrLst>
-    <dgm:effectClrLst/>
-    <dgm:txLinClrLst/>
-    <dgm:txFillClrLst meth="repeat">
-      <a:schemeClr val="dk1"/>
-    </dgm:txFillClrLst>
-    <dgm:txEffectClrLst/>
-  </dgm:styleLbl>
-  <dgm:styleLbl name="trAlignAcc1">
-    <dgm:fillClrLst meth="repeat">
-      <a:schemeClr val="dk1">
-        <a:alpha val="40000"/>
-        <a:tint val="40000"/>
-      </a:schemeClr>
-    </dgm:fillClrLst>
-    <dgm:linClrLst meth="repeat">
-      <a:schemeClr val="dk1"/>
-    </dgm:linClrLst>
-    <dgm:effectClrLst/>
-    <dgm:txLinClrLst/>
-    <dgm:txFillClrLst meth="repeat">
-      <a:schemeClr val="dk1"/>
-    </dgm:txFillClrLst>
-    <dgm:txEffectClrLst/>
-  </dgm:styleLbl>
-  <dgm:styleLbl name="bgAcc1">
-    <dgm:fillClrLst meth="repeat">
-      <a:schemeClr val="dk1">
-        <a:alpha val="90000"/>
-        <a:tint val="40000"/>
-      </a:schemeClr>
-    </dgm:fillClrLst>
-    <dgm:linClrLst meth="repeat">
-      <a:schemeClr val="dk1"/>
-    </dgm:linClrLst>
-    <dgm:effectClrLst/>
-    <dgm:txLinClrLst/>
-    <dgm:txFillClrLst meth="repeat">
-      <a:schemeClr val="dk1"/>
-    </dgm:txFillClrLst>
-    <dgm:txEffectClrLst/>
-  </dgm:styleLbl>
-  <dgm:styleLbl name="solidFgAcc1">
-    <dgm:fillClrLst meth="repeat">
-      <a:schemeClr val="lt1"/>
-    </dgm:fillClrLst>
-    <dgm:linClrLst meth="repeat">
-      <a:schemeClr val="dk1"/>
-    </dgm:linClrLst>
-    <dgm:effectClrLst/>
-    <dgm:txLinClrLst/>
-    <dgm:txFillClrLst meth="repeat">
-      <a:schemeClr val="dk1"/>
-    </dgm:txFillClrLst>
-    <dgm:txEffectClrLst/>
-  </dgm:styleLbl>
-  <dgm:styleLbl name="solidAlignAcc1">
-    <dgm:fillClrLst meth="repeat">
-      <a:schemeClr val="lt1"/>
-    </dgm:fillClrLst>
-    <dgm:linClrLst meth="repeat">
-      <a:schemeClr val="dk1"/>
-    </dgm:linClrLst>
-    <dgm:effectClrLst/>
-    <dgm:txLinClrLst/>
-    <dgm:txFillClrLst meth="repeat">
-      <a:schemeClr val="dk1"/>
-    </dgm:txFillClrLst>
-    <dgm:txEffectClrLst/>
-  </dgm:styleLbl>
-  <dgm:styleLbl name="solidBgAcc1">
-    <dgm:fillClrLst meth="repeat">
-      <a:schemeClr val="lt1"/>
-    </dgm:fillClrLst>
-    <dgm:linClrLst meth="repeat">
-      <a:schemeClr val="dk1"/>
-    </dgm:linClrLst>
-    <dgm:effectClrLst/>
-    <dgm:txLinClrLst/>
-    <dgm:txFillClrLst meth="repeat">
-      <a:schemeClr val="dk1"/>
-    </dgm:txFillClrLst>
-    <dgm:txEffectClrLst/>
-  </dgm:styleLbl>
-  <dgm:styleLbl name="fgAccFollowNode1">
-    <dgm:fillClrLst meth="repeat">
-      <a:schemeClr val="lt1">
-        <a:alpha val="90000"/>
-        <a:tint val="40000"/>
-      </a:schemeClr>
-    </dgm:fillClrLst>
-    <dgm:linClrLst meth="repeat">
-      <a:schemeClr val="dk1">
-        <a:alpha val="90000"/>
-      </a:schemeClr>
-    </dgm:linClrLst>
-    <dgm:effectClrLst/>
-    <dgm:txLinClrLst/>
-    <dgm:txFillClrLst meth="repeat">
-      <a:schemeClr val="dk1"/>
-    </dgm:txFillClrLst>
-    <dgm:txEffectClrLst/>
-  </dgm:styleLbl>
-  <dgm:styleLbl name="alignAccFollowNode1">
-    <dgm:fillClrLst meth="repeat">
-      <a:schemeClr val="lt1">
-        <a:alpha val="90000"/>
-        <a:tint val="40000"/>
-      </a:schemeClr>
-    </dgm:fillClrLst>
-    <dgm:linClrLst meth="repeat">
-      <a:schemeClr val="dk1">
-        <a:alpha val="90000"/>
-      </a:schemeClr>
-    </dgm:linClrLst>
-    <dgm:effectClrLst/>
-    <dgm:txLinClrLst/>
-    <dgm:txFillClrLst meth="repeat">
-      <a:schemeClr val="dk1"/>
-    </dgm:txFillClrLst>
-    <dgm:txEffectClrLst/>
-  </dgm:styleLbl>
-  <dgm:styleLbl name="bgAccFollowNode1">
-    <dgm:fillClrLst meth="repeat">
-      <a:schemeClr val="lt1">
-        <a:alpha val="90000"/>
-        <a:tint val="40000"/>
-      </a:schemeClr>
-    </dgm:fillClrLst>
-    <dgm:linClrLst meth="repeat">
-      <a:schemeClr val="dk1">
-        <a:alpha val="90000"/>
-      </a:schemeClr>
-    </dgm:linClrLst>
-    <dgm:effectClrLst/>
-    <dgm:txLinClrLst/>
-    <dgm:txFillClrLst meth="repeat">
-      <a:schemeClr val="dk1"/>
-    </dgm:txFillClrLst>
-    <dgm:txEffectClrLst/>
-  </dgm:styleLbl>
-  <dgm:styleLbl name="fgAcc0">
-    <dgm:fillClrLst meth="repeat">
-      <a:schemeClr val="dk1">
-        <a:alpha val="90000"/>
-        <a:tint val="40000"/>
-      </a:schemeClr>
-    </dgm:fillClrLst>
-    <dgm:linClrLst meth="repeat">
-      <a:schemeClr val="dk1"/>
-    </dgm:linClrLst>
-    <dgm:effectClrLst/>
-    <dgm:txLinClrLst/>
-    <dgm:txFillClrLst meth="repeat">
-      <a:schemeClr val="dk1"/>
-    </dgm:txFillClrLst>
-    <dgm:txEffectClrLst/>
-  </dgm:styleLbl>
-  <dgm:styleLbl name="fgAcc2">
-    <dgm:fillClrLst meth="repeat">
-      <a:schemeClr val="dk1">
-        <a:alpha val="90000"/>
-        <a:tint val="40000"/>
-      </a:schemeClr>
-    </dgm:fillClrLst>
-    <dgm:linClrLst meth="repeat">
-      <a:schemeClr val="dk1"/>
-    </dgm:linClrLst>
-    <dgm:effectClrLst/>
-    <dgm:txLinClrLst/>
-    <dgm:txFillClrLst meth="repeat">
-      <a:schemeClr val="dk1"/>
-    </dgm:txFillClrLst>
-    <dgm:txEffectClrLst/>
-  </dgm:styleLbl>
-  <dgm:styleLbl name="fgAcc3">
-    <dgm:fillClrLst meth="repeat">
-      <a:schemeClr val="dk1">
-        <a:alpha val="90000"/>
-        <a:tint val="40000"/>
-      </a:schemeClr>
-    </dgm:fillClrLst>
-    <dgm:linClrLst meth="repeat">
-      <a:schemeClr val="dk1"/>
-    </dgm:linClrLst>
-    <dgm:effectClrLst/>
-    <dgm:txLinClrLst/>
-    <dgm:txFillClrLst meth="repeat">
-      <a:schemeClr val="dk1"/>
-    </dgm:txFillClrLst>
-    <dgm:txEffectClrLst/>
-  </dgm:styleLbl>
-  <dgm:styleLbl name="fgAcc4">
-    <dgm:fillClrLst meth="repeat">
-      <a:schemeClr val="dk1">
-        <a:alpha val="90000"/>
-        <a:tint val="40000"/>
-      </a:schemeClr>
-    </dgm:fillClrLst>
-    <dgm:linClrLst meth="repeat">
-      <a:schemeClr val="dk1"/>
-    </dgm:linClrLst>
-    <dgm:effectClrLst/>
-    <dgm:txLinClrLst/>
-    <dgm:txFillClrLst meth="repeat">
-      <a:schemeClr val="dk1"/>
-    </dgm:txFillClrLst>
-    <dgm:txEffectClrLst/>
-  </dgm:styleLbl>
-  <dgm:styleLbl name="bgShp">
-    <dgm:fillClrLst meth="repeat">
-      <a:schemeClr val="dk1">
-        <a:tint val="40000"/>
-      </a:schemeClr>
-    </dgm:fillClrLst>
-    <dgm:linClrLst meth="repeat">
-      <a:schemeClr val="dk1"/>
-    </dgm:linClrLst>
-    <dgm:effectClrLst/>
-    <dgm:txLinClrLst/>
-    <dgm:txFillClrLst meth="repeat">
-      <a:schemeClr val="dk1"/>
-    </dgm:txFillClrLst>
-    <dgm:txEffectClrLst/>
-  </dgm:styleLbl>
   <dgm:styleLbl name="dkBgShp">
     <dgm:fillClrLst meth="repeat">
-      <a:schemeClr val="dk1">
-        <a:shade val="80000"/>
+      <a:schemeClr val="accent4">
+        <a:shade val="90000"/>
       </a:schemeClr>
     </dgm:fillClrLst>
     <dgm:linClrLst meth="repeat">
@@ -1725,13 +1676,13 @@
   </dgm:styleLbl>
   <dgm:styleLbl name="trBgShp">
     <dgm:fillClrLst meth="repeat">
-      <a:schemeClr val="dk1">
+      <a:schemeClr val="accent4">
         <a:tint val="50000"/>
         <a:alpha val="40000"/>
       </a:schemeClr>
     </dgm:fillClrLst>
     <dgm:linClrLst meth="repeat">
-      <a:schemeClr val="dk1"/>
+      <a:schemeClr val="accent4"/>
     </dgm:linClrLst>
     <dgm:effectClrLst/>
     <dgm:txLinClrLst/>
@@ -1742,8 +1693,8 @@
   </dgm:styleLbl>
   <dgm:styleLbl name="fgShp">
     <dgm:fillClrLst meth="repeat">
-      <a:schemeClr val="dk1">
-        <a:tint val="60000"/>
+      <a:schemeClr val="accent4">
+        <a:tint val="40000"/>
       </a:schemeClr>
     </dgm:fillClrLst>
     <dgm:linClrLst meth="repeat">
@@ -1777,11 +1728,793 @@
 </dgm:colorsDef>
 </file>
 
+<file path=ppt/diagrams/colors3.xml><?xml version="1.0" encoding="utf-8"?>
+<dgm:colorsDef xmlns:dgm="http://schemas.openxmlformats.org/drawingml/2006/diagram" xmlns:a="http://schemas.openxmlformats.org/drawingml/2006/main" uniqueId="urn:microsoft.com/office/officeart/2005/8/colors/colorful4">
+  <dgm:title val=""/>
+  <dgm:desc val=""/>
+  <dgm:catLst>
+    <dgm:cat type="colorful" pri="10400"/>
+  </dgm:catLst>
+  <dgm:styleLbl name="node0">
+    <dgm:fillClrLst meth="repeat">
+      <a:schemeClr val="accent3"/>
+    </dgm:fillClrLst>
+    <dgm:linClrLst meth="repeat">
+      <a:schemeClr val="lt1"/>
+    </dgm:linClrLst>
+    <dgm:effectClrLst/>
+    <dgm:txLinClrLst/>
+    <dgm:txFillClrLst/>
+    <dgm:txEffectClrLst/>
+  </dgm:styleLbl>
+  <dgm:styleLbl name="node1">
+    <dgm:fillClrLst>
+      <a:schemeClr val="accent4"/>
+      <a:schemeClr val="accent5"/>
+    </dgm:fillClrLst>
+    <dgm:linClrLst meth="repeat">
+      <a:schemeClr val="lt1"/>
+    </dgm:linClrLst>
+    <dgm:effectClrLst/>
+    <dgm:txLinClrLst/>
+    <dgm:txFillClrLst/>
+    <dgm:txEffectClrLst/>
+  </dgm:styleLbl>
+  <dgm:styleLbl name="alignNode1">
+    <dgm:fillClrLst>
+      <a:schemeClr val="accent4"/>
+      <a:schemeClr val="accent5"/>
+    </dgm:fillClrLst>
+    <dgm:linClrLst>
+      <a:schemeClr val="accent4"/>
+      <a:schemeClr val="accent5"/>
+    </dgm:linClrLst>
+    <dgm:effectClrLst/>
+    <dgm:txLinClrLst/>
+    <dgm:txFillClrLst/>
+    <dgm:txEffectClrLst/>
+  </dgm:styleLbl>
+  <dgm:styleLbl name="lnNode1">
+    <dgm:fillClrLst>
+      <a:schemeClr val="accent4"/>
+      <a:schemeClr val="accent5"/>
+    </dgm:fillClrLst>
+    <dgm:linClrLst meth="repeat">
+      <a:schemeClr val="lt1"/>
+    </dgm:linClrLst>
+    <dgm:effectClrLst/>
+    <dgm:txLinClrLst/>
+    <dgm:txFillClrLst/>
+    <dgm:txEffectClrLst/>
+  </dgm:styleLbl>
+  <dgm:styleLbl name="vennNode1">
+    <dgm:fillClrLst>
+      <a:schemeClr val="accent4">
+        <a:alpha val="50000"/>
+      </a:schemeClr>
+      <a:schemeClr val="accent5">
+        <a:alpha val="50000"/>
+      </a:schemeClr>
+    </dgm:fillClrLst>
+    <dgm:linClrLst meth="repeat">
+      <a:schemeClr val="lt1"/>
+    </dgm:linClrLst>
+    <dgm:effectClrLst/>
+    <dgm:txLinClrLst/>
+    <dgm:txFillClrLst/>
+    <dgm:txEffectClrLst/>
+  </dgm:styleLbl>
+  <dgm:styleLbl name="node2">
+    <dgm:fillClrLst>
+      <a:schemeClr val="accent5"/>
+    </dgm:fillClrLst>
+    <dgm:linClrLst meth="repeat">
+      <a:schemeClr val="lt1"/>
+    </dgm:linClrLst>
+    <dgm:effectClrLst/>
+    <dgm:txLinClrLst/>
+    <dgm:txFillClrLst/>
+    <dgm:txEffectClrLst/>
+  </dgm:styleLbl>
+  <dgm:styleLbl name="node3">
+    <dgm:fillClrLst>
+      <a:schemeClr val="accent6"/>
+    </dgm:fillClrLst>
+    <dgm:linClrLst meth="repeat">
+      <a:schemeClr val="lt1"/>
+    </dgm:linClrLst>
+    <dgm:effectClrLst/>
+    <dgm:txLinClrLst/>
+    <dgm:txFillClrLst/>
+    <dgm:txEffectClrLst/>
+  </dgm:styleLbl>
+  <dgm:styleLbl name="node4">
+    <dgm:fillClrLst>
+      <a:schemeClr val="accent1"/>
+    </dgm:fillClrLst>
+    <dgm:linClrLst meth="repeat">
+      <a:schemeClr val="lt1"/>
+    </dgm:linClrLst>
+    <dgm:effectClrLst/>
+    <dgm:txLinClrLst/>
+    <dgm:txFillClrLst/>
+    <dgm:txEffectClrLst/>
+  </dgm:styleLbl>
+  <dgm:styleLbl name="fgImgPlace1">
+    <dgm:fillClrLst>
+      <a:schemeClr val="accent4">
+        <a:tint val="50000"/>
+      </a:schemeClr>
+      <a:schemeClr val="accent5">
+        <a:tint val="50000"/>
+      </a:schemeClr>
+    </dgm:fillClrLst>
+    <dgm:linClrLst meth="repeat">
+      <a:schemeClr val="lt1"/>
+    </dgm:linClrLst>
+    <dgm:effectClrLst/>
+    <dgm:txLinClrLst/>
+    <dgm:txFillClrLst meth="repeat">
+      <a:schemeClr val="lt1"/>
+    </dgm:txFillClrLst>
+    <dgm:txEffectClrLst/>
+  </dgm:styleLbl>
+  <dgm:styleLbl name="alignImgPlace1">
+    <dgm:fillClrLst>
+      <a:schemeClr val="accent4">
+        <a:tint val="50000"/>
+      </a:schemeClr>
+      <a:schemeClr val="accent5">
+        <a:tint val="20000"/>
+      </a:schemeClr>
+    </dgm:fillClrLst>
+    <dgm:linClrLst meth="repeat">
+      <a:schemeClr val="lt1"/>
+    </dgm:linClrLst>
+    <dgm:effectClrLst/>
+    <dgm:txLinClrLst/>
+    <dgm:txFillClrLst meth="repeat">
+      <a:schemeClr val="lt1"/>
+    </dgm:txFillClrLst>
+    <dgm:txEffectClrLst/>
+  </dgm:styleLbl>
+  <dgm:styleLbl name="bgImgPlace1">
+    <dgm:fillClrLst>
+      <a:schemeClr val="accent4">
+        <a:tint val="50000"/>
+      </a:schemeClr>
+      <a:schemeClr val="accent5">
+        <a:tint val="20000"/>
+      </a:schemeClr>
+    </dgm:fillClrLst>
+    <dgm:linClrLst meth="repeat">
+      <a:schemeClr val="lt1"/>
+    </dgm:linClrLst>
+    <dgm:effectClrLst/>
+    <dgm:txLinClrLst/>
+    <dgm:txFillClrLst meth="repeat">
+      <a:schemeClr val="lt1"/>
+    </dgm:txFillClrLst>
+    <dgm:txEffectClrLst/>
+  </dgm:styleLbl>
+  <dgm:styleLbl name="sibTrans2D1">
+    <dgm:fillClrLst>
+      <a:schemeClr val="accent4"/>
+      <a:schemeClr val="accent5"/>
+    </dgm:fillClrLst>
+    <dgm:linClrLst meth="repeat">
+      <a:schemeClr val="lt1"/>
+    </dgm:linClrLst>
+    <dgm:effectClrLst/>
+    <dgm:txLinClrLst/>
+    <dgm:txFillClrLst/>
+    <dgm:txEffectClrLst/>
+  </dgm:styleLbl>
+  <dgm:styleLbl name="fgSibTrans2D1">
+    <dgm:fillClrLst>
+      <a:schemeClr val="accent4"/>
+      <a:schemeClr val="accent5"/>
+    </dgm:fillClrLst>
+    <dgm:linClrLst meth="repeat">
+      <a:schemeClr val="lt1"/>
+    </dgm:linClrLst>
+    <dgm:effectClrLst/>
+    <dgm:txLinClrLst/>
+    <dgm:txFillClrLst meth="repeat">
+      <a:schemeClr val="lt1"/>
+    </dgm:txFillClrLst>
+    <dgm:txEffectClrLst/>
+  </dgm:styleLbl>
+  <dgm:styleLbl name="bgSibTrans2D1">
+    <dgm:fillClrLst>
+      <a:schemeClr val="accent4"/>
+      <a:schemeClr val="accent5"/>
+    </dgm:fillClrLst>
+    <dgm:linClrLst meth="repeat">
+      <a:schemeClr val="lt1"/>
+    </dgm:linClrLst>
+    <dgm:effectClrLst/>
+    <dgm:txLinClrLst/>
+    <dgm:txFillClrLst meth="repeat">
+      <a:schemeClr val="lt1"/>
+    </dgm:txFillClrLst>
+    <dgm:txEffectClrLst/>
+  </dgm:styleLbl>
+  <dgm:styleLbl name="sibTrans1D1">
+    <dgm:fillClrLst/>
+    <dgm:linClrLst>
+      <a:schemeClr val="accent4"/>
+      <a:schemeClr val="accent5"/>
+    </dgm:linClrLst>
+    <dgm:effectClrLst/>
+    <dgm:txLinClrLst/>
+    <dgm:txFillClrLst meth="repeat">
+      <a:schemeClr val="tx1"/>
+    </dgm:txFillClrLst>
+    <dgm:txEffectClrLst/>
+  </dgm:styleLbl>
+  <dgm:styleLbl name="callout">
+    <dgm:fillClrLst meth="repeat">
+      <a:schemeClr val="accent4"/>
+    </dgm:fillClrLst>
+    <dgm:linClrLst meth="repeat">
+      <a:schemeClr val="accent4">
+        <a:tint val="50000"/>
+      </a:schemeClr>
+    </dgm:linClrLst>
+    <dgm:effectClrLst/>
+    <dgm:txLinClrLst/>
+    <dgm:txFillClrLst meth="repeat">
+      <a:schemeClr val="tx1"/>
+    </dgm:txFillClrLst>
+    <dgm:txEffectClrLst/>
+  </dgm:styleLbl>
+  <dgm:styleLbl name="asst0">
+    <dgm:fillClrLst meth="repeat">
+      <a:schemeClr val="accent4"/>
+    </dgm:fillClrLst>
+    <dgm:linClrLst meth="repeat">
+      <a:schemeClr val="lt1">
+        <a:shade val="80000"/>
+      </a:schemeClr>
+    </dgm:linClrLst>
+    <dgm:effectClrLst/>
+    <dgm:txLinClrLst/>
+    <dgm:txFillClrLst/>
+    <dgm:txEffectClrLst/>
+  </dgm:styleLbl>
+  <dgm:styleLbl name="asst1">
+    <dgm:fillClrLst meth="repeat">
+      <a:schemeClr val="accent5"/>
+    </dgm:fillClrLst>
+    <dgm:linClrLst meth="repeat">
+      <a:schemeClr val="lt1">
+        <a:shade val="80000"/>
+      </a:schemeClr>
+    </dgm:linClrLst>
+    <dgm:effectClrLst/>
+    <dgm:txLinClrLst/>
+    <dgm:txFillClrLst/>
+    <dgm:txEffectClrLst/>
+  </dgm:styleLbl>
+  <dgm:styleLbl name="asst2">
+    <dgm:fillClrLst>
+      <a:schemeClr val="accent6"/>
+    </dgm:fillClrLst>
+    <dgm:linClrLst meth="repeat">
+      <a:schemeClr val="lt1"/>
+    </dgm:linClrLst>
+    <dgm:effectClrLst/>
+    <dgm:txLinClrLst/>
+    <dgm:txFillClrLst/>
+    <dgm:txEffectClrLst/>
+  </dgm:styleLbl>
+  <dgm:styleLbl name="asst3">
+    <dgm:fillClrLst>
+      <a:schemeClr val="accent1"/>
+    </dgm:fillClrLst>
+    <dgm:linClrLst meth="repeat">
+      <a:schemeClr val="lt1"/>
+    </dgm:linClrLst>
+    <dgm:effectClrLst/>
+    <dgm:txLinClrLst/>
+    <dgm:txFillClrLst/>
+    <dgm:txEffectClrLst/>
+  </dgm:styleLbl>
+  <dgm:styleLbl name="asst4">
+    <dgm:fillClrLst>
+      <a:schemeClr val="accent2"/>
+    </dgm:fillClrLst>
+    <dgm:linClrLst meth="repeat">
+      <a:schemeClr val="lt1"/>
+    </dgm:linClrLst>
+    <dgm:effectClrLst/>
+    <dgm:txLinClrLst/>
+    <dgm:txFillClrLst/>
+    <dgm:txEffectClrLst/>
+  </dgm:styleLbl>
+  <dgm:styleLbl name="parChTrans2D1">
+    <dgm:fillClrLst meth="repeat">
+      <a:schemeClr val="accent4"/>
+    </dgm:fillClrLst>
+    <dgm:linClrLst meth="repeat">
+      <a:schemeClr val="lt1"/>
+    </dgm:linClrLst>
+    <dgm:effectClrLst/>
+    <dgm:txLinClrLst/>
+    <dgm:txFillClrLst meth="repeat">
+      <a:schemeClr val="lt1"/>
+    </dgm:txFillClrLst>
+    <dgm:txEffectClrLst/>
+  </dgm:styleLbl>
+  <dgm:styleLbl name="parChTrans2D2">
+    <dgm:fillClrLst meth="repeat">
+      <a:schemeClr val="accent5"/>
+    </dgm:fillClrLst>
+    <dgm:linClrLst meth="repeat">
+      <a:schemeClr val="lt1"/>
+    </dgm:linClrLst>
+    <dgm:effectClrLst/>
+    <dgm:txLinClrLst/>
+    <dgm:txFillClrLst/>
+    <dgm:txEffectClrLst/>
+  </dgm:styleLbl>
+  <dgm:styleLbl name="parChTrans2D3">
+    <dgm:fillClrLst meth="repeat">
+      <a:schemeClr val="accent5"/>
+    </dgm:fillClrLst>
+    <dgm:linClrLst meth="repeat">
+      <a:schemeClr val="lt1"/>
+    </dgm:linClrLst>
+    <dgm:effectClrLst/>
+    <dgm:txLinClrLst/>
+    <dgm:txFillClrLst/>
+    <dgm:txEffectClrLst/>
+  </dgm:styleLbl>
+  <dgm:styleLbl name="parChTrans2D4">
+    <dgm:fillClrLst meth="repeat">
+      <a:schemeClr val="accent6"/>
+    </dgm:fillClrLst>
+    <dgm:linClrLst meth="repeat">
+      <a:schemeClr val="lt1"/>
+    </dgm:linClrLst>
+    <dgm:effectClrLst/>
+    <dgm:txLinClrLst/>
+    <dgm:txFillClrLst meth="repeat">
+      <a:schemeClr val="lt1"/>
+    </dgm:txFillClrLst>
+    <dgm:txEffectClrLst/>
+  </dgm:styleLbl>
+  <dgm:styleLbl name="parChTrans1D1">
+    <dgm:fillClrLst meth="repeat">
+      <a:schemeClr val="accent4"/>
+    </dgm:fillClrLst>
+    <dgm:linClrLst meth="repeat">
+      <a:schemeClr val="accent4"/>
+    </dgm:linClrLst>
+    <dgm:effectClrLst/>
+    <dgm:txLinClrLst/>
+    <dgm:txFillClrLst meth="repeat">
+      <a:schemeClr val="tx1"/>
+    </dgm:txFillClrLst>
+    <dgm:txEffectClrLst/>
+  </dgm:styleLbl>
+  <dgm:styleLbl name="parChTrans1D2">
+    <dgm:fillClrLst meth="repeat">
+      <a:schemeClr val="accent4">
+        <a:tint val="90000"/>
+      </a:schemeClr>
+    </dgm:fillClrLst>
+    <dgm:linClrLst meth="repeat">
+      <a:schemeClr val="accent5"/>
+    </dgm:linClrLst>
+    <dgm:effectClrLst/>
+    <dgm:txLinClrLst/>
+    <dgm:txFillClrLst meth="repeat">
+      <a:schemeClr val="tx1"/>
+    </dgm:txFillClrLst>
+    <dgm:txEffectClrLst/>
+  </dgm:styleLbl>
+  <dgm:styleLbl name="parChTrans1D3">
+    <dgm:fillClrLst meth="repeat">
+      <a:schemeClr val="accent4">
+        <a:tint val="70000"/>
+      </a:schemeClr>
+    </dgm:fillClrLst>
+    <dgm:linClrLst meth="repeat">
+      <a:schemeClr val="accent6"/>
+    </dgm:linClrLst>
+    <dgm:effectClrLst/>
+    <dgm:txLinClrLst/>
+    <dgm:txFillClrLst meth="repeat">
+      <a:schemeClr val="tx1"/>
+    </dgm:txFillClrLst>
+    <dgm:txEffectClrLst/>
+  </dgm:styleLbl>
+  <dgm:styleLbl name="parChTrans1D4">
+    <dgm:fillClrLst meth="repeat">
+      <a:schemeClr val="accent4">
+        <a:tint val="50000"/>
+      </a:schemeClr>
+    </dgm:fillClrLst>
+    <dgm:linClrLst meth="repeat">
+      <a:schemeClr val="accent1"/>
+    </dgm:linClrLst>
+    <dgm:effectClrLst/>
+    <dgm:txLinClrLst/>
+    <dgm:txFillClrLst meth="repeat">
+      <a:schemeClr val="tx1"/>
+    </dgm:txFillClrLst>
+    <dgm:txEffectClrLst/>
+  </dgm:styleLbl>
+  <dgm:styleLbl name="fgAcc1">
+    <dgm:fillClrLst meth="repeat">
+      <a:schemeClr val="lt1">
+        <a:alpha val="90000"/>
+      </a:schemeClr>
+    </dgm:fillClrLst>
+    <dgm:linClrLst>
+      <a:schemeClr val="accent4"/>
+      <a:schemeClr val="accent5"/>
+    </dgm:linClrLst>
+    <dgm:effectClrLst/>
+    <dgm:txLinClrLst/>
+    <dgm:txFillClrLst meth="repeat">
+      <a:schemeClr val="dk1"/>
+    </dgm:txFillClrLst>
+    <dgm:txEffectClrLst/>
+  </dgm:styleLbl>
+  <dgm:styleLbl name="conFgAcc1">
+    <dgm:fillClrLst meth="repeat">
+      <a:schemeClr val="lt1">
+        <a:alpha val="90000"/>
+      </a:schemeClr>
+    </dgm:fillClrLst>
+    <dgm:linClrLst>
+      <a:schemeClr val="accent4"/>
+      <a:schemeClr val="accent5"/>
+    </dgm:linClrLst>
+    <dgm:effectClrLst/>
+    <dgm:txLinClrLst/>
+    <dgm:txFillClrLst meth="repeat">
+      <a:schemeClr val="dk1"/>
+    </dgm:txFillClrLst>
+    <dgm:txEffectClrLst/>
+  </dgm:styleLbl>
+  <dgm:styleLbl name="alignAcc1">
+    <dgm:fillClrLst meth="repeat">
+      <a:schemeClr val="lt1">
+        <a:alpha val="90000"/>
+      </a:schemeClr>
+    </dgm:fillClrLst>
+    <dgm:linClrLst>
+      <a:schemeClr val="accent4"/>
+      <a:schemeClr val="accent5"/>
+    </dgm:linClrLst>
+    <dgm:effectClrLst/>
+    <dgm:txLinClrLst/>
+    <dgm:txFillClrLst meth="repeat">
+      <a:schemeClr val="dk1"/>
+    </dgm:txFillClrLst>
+    <dgm:txEffectClrLst/>
+  </dgm:styleLbl>
+  <dgm:styleLbl name="trAlignAcc1">
+    <dgm:fillClrLst meth="repeat">
+      <a:schemeClr val="lt1">
+        <a:alpha val="40000"/>
+      </a:schemeClr>
+    </dgm:fillClrLst>
+    <dgm:linClrLst meth="repeat">
+      <a:schemeClr val="accent4"/>
+    </dgm:linClrLst>
+    <dgm:effectClrLst/>
+    <dgm:txLinClrLst/>
+    <dgm:txFillClrLst meth="repeat">
+      <a:schemeClr val="dk1"/>
+    </dgm:txFillClrLst>
+    <dgm:txEffectClrLst/>
+  </dgm:styleLbl>
+  <dgm:styleLbl name="bgAcc1">
+    <dgm:fillClrLst meth="repeat">
+      <a:schemeClr val="lt1">
+        <a:alpha val="90000"/>
+      </a:schemeClr>
+    </dgm:fillClrLst>
+    <dgm:linClrLst>
+      <a:schemeClr val="accent4"/>
+      <a:schemeClr val="accent5"/>
+    </dgm:linClrLst>
+    <dgm:effectClrLst/>
+    <dgm:txLinClrLst/>
+    <dgm:txFillClrLst meth="repeat">
+      <a:schemeClr val="dk1"/>
+    </dgm:txFillClrLst>
+    <dgm:txEffectClrLst/>
+  </dgm:styleLbl>
+  <dgm:styleLbl name="solidFgAcc1">
+    <dgm:fillClrLst meth="repeat">
+      <a:schemeClr val="lt1"/>
+    </dgm:fillClrLst>
+    <dgm:linClrLst>
+      <a:schemeClr val="accent4"/>
+      <a:schemeClr val="accent5"/>
+    </dgm:linClrLst>
+    <dgm:effectClrLst/>
+    <dgm:txLinClrLst/>
+    <dgm:txFillClrLst meth="repeat">
+      <a:schemeClr val="dk1"/>
+    </dgm:txFillClrLst>
+    <dgm:txEffectClrLst/>
+  </dgm:styleLbl>
+  <dgm:styleLbl name="solidAlignAcc1">
+    <dgm:fillClrLst meth="repeat">
+      <a:schemeClr val="lt1"/>
+    </dgm:fillClrLst>
+    <dgm:linClrLst>
+      <a:schemeClr val="accent4"/>
+      <a:schemeClr val="accent5"/>
+    </dgm:linClrLst>
+    <dgm:effectClrLst/>
+    <dgm:txLinClrLst/>
+    <dgm:txFillClrLst meth="repeat">
+      <a:schemeClr val="dk1"/>
+    </dgm:txFillClrLst>
+    <dgm:txEffectClrLst/>
+  </dgm:styleLbl>
+  <dgm:styleLbl name="solidBgAcc1">
+    <dgm:fillClrLst meth="repeat">
+      <a:schemeClr val="lt1"/>
+    </dgm:fillClrLst>
+    <dgm:linClrLst>
+      <a:schemeClr val="accent4"/>
+      <a:schemeClr val="accent5"/>
+    </dgm:linClrLst>
+    <dgm:effectClrLst/>
+    <dgm:txLinClrLst/>
+    <dgm:txFillClrLst meth="repeat">
+      <a:schemeClr val="dk1"/>
+    </dgm:txFillClrLst>
+    <dgm:txEffectClrLst/>
+  </dgm:styleLbl>
+  <dgm:styleLbl name="fgAccFollowNode1">
+    <dgm:fillClrLst>
+      <a:schemeClr val="accent4">
+        <a:tint val="40000"/>
+        <a:alpha val="90000"/>
+      </a:schemeClr>
+      <a:schemeClr val="accent5">
+        <a:tint val="40000"/>
+        <a:alpha val="90000"/>
+      </a:schemeClr>
+    </dgm:fillClrLst>
+    <dgm:linClrLst>
+      <a:schemeClr val="accent4">
+        <a:tint val="40000"/>
+        <a:alpha val="90000"/>
+      </a:schemeClr>
+      <a:schemeClr val="accent5">
+        <a:tint val="40000"/>
+        <a:alpha val="90000"/>
+      </a:schemeClr>
+    </dgm:linClrLst>
+    <dgm:effectClrLst/>
+    <dgm:txLinClrLst/>
+    <dgm:txFillClrLst meth="repeat">
+      <a:schemeClr val="dk1"/>
+    </dgm:txFillClrLst>
+    <dgm:txEffectClrLst/>
+  </dgm:styleLbl>
+  <dgm:styleLbl name="alignAccFollowNode1">
+    <dgm:fillClrLst>
+      <a:schemeClr val="accent4">
+        <a:tint val="40000"/>
+        <a:alpha val="90000"/>
+      </a:schemeClr>
+      <a:schemeClr val="accent5">
+        <a:tint val="40000"/>
+        <a:alpha val="90000"/>
+      </a:schemeClr>
+    </dgm:fillClrLst>
+    <dgm:linClrLst>
+      <a:schemeClr val="accent4">
+        <a:tint val="40000"/>
+        <a:alpha val="90000"/>
+      </a:schemeClr>
+      <a:schemeClr val="accent5">
+        <a:tint val="40000"/>
+        <a:alpha val="90000"/>
+      </a:schemeClr>
+    </dgm:linClrLst>
+    <dgm:effectClrLst/>
+    <dgm:txLinClrLst/>
+    <dgm:txFillClrLst meth="repeat">
+      <a:schemeClr val="dk1"/>
+    </dgm:txFillClrLst>
+    <dgm:txEffectClrLst/>
+  </dgm:styleLbl>
+  <dgm:styleLbl name="bgAccFollowNode1">
+    <dgm:fillClrLst>
+      <a:schemeClr val="accent4">
+        <a:tint val="40000"/>
+        <a:alpha val="90000"/>
+      </a:schemeClr>
+      <a:schemeClr val="accent5">
+        <a:tint val="40000"/>
+        <a:alpha val="90000"/>
+      </a:schemeClr>
+    </dgm:fillClrLst>
+    <dgm:linClrLst>
+      <a:schemeClr val="accent4">
+        <a:tint val="40000"/>
+        <a:alpha val="90000"/>
+      </a:schemeClr>
+      <a:schemeClr val="accent5">
+        <a:tint val="40000"/>
+        <a:alpha val="90000"/>
+      </a:schemeClr>
+    </dgm:linClrLst>
+    <dgm:effectClrLst/>
+    <dgm:txLinClrLst/>
+    <dgm:txFillClrLst meth="repeat">
+      <a:schemeClr val="dk1"/>
+    </dgm:txFillClrLst>
+    <dgm:txEffectClrLst/>
+  </dgm:styleLbl>
+  <dgm:styleLbl name="fgAcc0">
+    <dgm:fillClrLst meth="repeat">
+      <a:schemeClr val="lt1">
+        <a:alpha val="90000"/>
+      </a:schemeClr>
+    </dgm:fillClrLst>
+    <dgm:linClrLst>
+      <a:schemeClr val="accent3"/>
+    </dgm:linClrLst>
+    <dgm:effectClrLst/>
+    <dgm:txLinClrLst/>
+    <dgm:txFillClrLst meth="repeat">
+      <a:schemeClr val="dk1"/>
+    </dgm:txFillClrLst>
+    <dgm:txEffectClrLst/>
+  </dgm:styleLbl>
+  <dgm:styleLbl name="fgAcc2">
+    <dgm:fillClrLst meth="repeat">
+      <a:schemeClr val="lt1">
+        <a:alpha val="90000"/>
+      </a:schemeClr>
+    </dgm:fillClrLst>
+    <dgm:linClrLst>
+      <a:schemeClr val="accent5"/>
+    </dgm:linClrLst>
+    <dgm:effectClrLst/>
+    <dgm:txLinClrLst/>
+    <dgm:txFillClrLst meth="repeat">
+      <a:schemeClr val="dk1"/>
+    </dgm:txFillClrLst>
+    <dgm:txEffectClrLst/>
+  </dgm:styleLbl>
+  <dgm:styleLbl name="fgAcc3">
+    <dgm:fillClrLst meth="repeat">
+      <a:schemeClr val="lt1">
+        <a:alpha val="90000"/>
+      </a:schemeClr>
+    </dgm:fillClrLst>
+    <dgm:linClrLst>
+      <a:schemeClr val="accent6"/>
+    </dgm:linClrLst>
+    <dgm:effectClrLst/>
+    <dgm:txLinClrLst/>
+    <dgm:txFillClrLst meth="repeat">
+      <a:schemeClr val="dk1"/>
+    </dgm:txFillClrLst>
+    <dgm:txEffectClrLst/>
+  </dgm:styleLbl>
+  <dgm:styleLbl name="fgAcc4">
+    <dgm:fillClrLst meth="repeat">
+      <a:schemeClr val="lt1">
+        <a:alpha val="90000"/>
+      </a:schemeClr>
+    </dgm:fillClrLst>
+    <dgm:linClrLst>
+      <a:schemeClr val="accent1"/>
+    </dgm:linClrLst>
+    <dgm:effectClrLst/>
+    <dgm:txLinClrLst/>
+    <dgm:txFillClrLst meth="repeat">
+      <a:schemeClr val="dk1"/>
+    </dgm:txFillClrLst>
+    <dgm:txEffectClrLst/>
+  </dgm:styleLbl>
+  <dgm:styleLbl name="bgShp">
+    <dgm:fillClrLst meth="repeat">
+      <a:schemeClr val="accent4">
+        <a:tint val="40000"/>
+      </a:schemeClr>
+    </dgm:fillClrLst>
+    <dgm:linClrLst meth="repeat">
+      <a:schemeClr val="dk1"/>
+    </dgm:linClrLst>
+    <dgm:effectClrLst/>
+    <dgm:txLinClrLst/>
+    <dgm:txFillClrLst meth="repeat">
+      <a:schemeClr val="dk1"/>
+    </dgm:txFillClrLst>
+    <dgm:txEffectClrLst/>
+  </dgm:styleLbl>
+  <dgm:styleLbl name="dkBgShp">
+    <dgm:fillClrLst meth="repeat">
+      <a:schemeClr val="accent4">
+        <a:shade val="90000"/>
+      </a:schemeClr>
+    </dgm:fillClrLst>
+    <dgm:linClrLst meth="repeat">
+      <a:schemeClr val="dk1"/>
+    </dgm:linClrLst>
+    <dgm:effectClrLst/>
+    <dgm:txLinClrLst/>
+    <dgm:txFillClrLst meth="repeat">
+      <a:schemeClr val="lt1"/>
+    </dgm:txFillClrLst>
+    <dgm:txEffectClrLst/>
+  </dgm:styleLbl>
+  <dgm:styleLbl name="trBgShp">
+    <dgm:fillClrLst meth="repeat">
+      <a:schemeClr val="accent4">
+        <a:tint val="50000"/>
+        <a:alpha val="40000"/>
+      </a:schemeClr>
+    </dgm:fillClrLst>
+    <dgm:linClrLst meth="repeat">
+      <a:schemeClr val="accent4"/>
+    </dgm:linClrLst>
+    <dgm:effectClrLst/>
+    <dgm:txLinClrLst/>
+    <dgm:txFillClrLst meth="repeat">
+      <a:schemeClr val="lt1"/>
+    </dgm:txFillClrLst>
+    <dgm:txEffectClrLst/>
+  </dgm:styleLbl>
+  <dgm:styleLbl name="fgShp">
+    <dgm:fillClrLst meth="repeat">
+      <a:schemeClr val="accent4">
+        <a:tint val="40000"/>
+      </a:schemeClr>
+    </dgm:fillClrLst>
+    <dgm:linClrLst meth="repeat">
+      <a:schemeClr val="lt1"/>
+    </dgm:linClrLst>
+    <dgm:effectClrLst/>
+    <dgm:txLinClrLst/>
+    <dgm:txFillClrLst meth="repeat">
+      <a:schemeClr val="dk1"/>
+    </dgm:txFillClrLst>
+    <dgm:txEffectClrLst/>
+  </dgm:styleLbl>
+  <dgm:styleLbl name="revTx">
+    <dgm:fillClrLst meth="repeat">
+      <a:schemeClr val="lt1">
+        <a:alpha val="0"/>
+      </a:schemeClr>
+    </dgm:fillClrLst>
+    <dgm:linClrLst meth="repeat">
+      <a:schemeClr val="dk1">
+        <a:alpha val="0"/>
+      </a:schemeClr>
+    </dgm:linClrLst>
+    <dgm:effectClrLst/>
+    <dgm:txLinClrLst/>
+    <dgm:txFillClrLst meth="repeat">
+      <a:schemeClr val="tx1"/>
+    </dgm:txFillClrLst>
+    <dgm:txEffectClrLst/>
+  </dgm:styleLbl>
+</dgm:colorsDef>
+</file>
+
 <file path=ppt/diagrams/data1.xml><?xml version="1.0" encoding="utf-8"?>
 <dgm:dataModel xmlns:dgm="http://schemas.openxmlformats.org/drawingml/2006/diagram" xmlns:a="http://schemas.openxmlformats.org/drawingml/2006/main">
   <dgm:ptLst>
     <dgm:pt modelId="{9B572FD9-4724-42DA-B8D4-08C635C0917F}" type="doc">
-      <dgm:prSet loTypeId="urn:microsoft.com/office/officeart/2009/3/layout/HorizontalOrganizationChart" loCatId="hierarchy" qsTypeId="urn:microsoft.com/office/officeart/2005/8/quickstyle/simple1" qsCatId="simple" csTypeId="urn:microsoft.com/office/officeart/2005/8/colors/accent0_1" csCatId="mainScheme" phldr="1"/>
+      <dgm:prSet loTypeId="urn:microsoft.com/office/officeart/2009/3/layout/HorizontalOrganizationChart" loCatId="hierarchy" qsTypeId="urn:microsoft.com/office/officeart/2005/8/quickstyle/simple1" qsCatId="simple" csTypeId="urn:microsoft.com/office/officeart/2005/8/colors/colorful2" csCatId="colorful" phldr="1"/>
       <dgm:spPr/>
       <dgm:t>
         <a:bodyPr/>
@@ -2096,13 +2829,6 @@
         </dgm:presLayoutVars>
       </dgm:prSet>
       <dgm:spPr/>
-      <dgm:t>
-        <a:bodyPr/>
-        <a:lstStyle/>
-        <a:p>
-          <a:endParaRPr lang="de-DE"/>
-        </a:p>
-      </dgm:t>
     </dgm:pt>
     <dgm:pt modelId="{93AEEB7A-FD22-4C7D-9EEE-0928D9CB0647}" type="pres">
       <dgm:prSet presAssocID="{FE51A229-1D1C-4A6F-AB90-E177D9FF5638}" presName="hierRoot1" presStyleCnt="0">
@@ -2123,24 +2849,10 @@
         </dgm:presLayoutVars>
       </dgm:prSet>
       <dgm:spPr/>
-      <dgm:t>
-        <a:bodyPr/>
-        <a:lstStyle/>
-        <a:p>
-          <a:endParaRPr lang="de-DE"/>
-        </a:p>
-      </dgm:t>
     </dgm:pt>
     <dgm:pt modelId="{4B6F4223-3E1E-4AC9-ABD4-0609EA935B7D}" type="pres">
       <dgm:prSet presAssocID="{FE51A229-1D1C-4A6F-AB90-E177D9FF5638}" presName="rootConnector1" presStyleLbl="node1" presStyleIdx="0" presStyleCnt="0"/>
       <dgm:spPr/>
-      <dgm:t>
-        <a:bodyPr/>
-        <a:lstStyle/>
-        <a:p>
-          <a:endParaRPr lang="de-DE"/>
-        </a:p>
-      </dgm:t>
     </dgm:pt>
     <dgm:pt modelId="{E2312D51-A2CD-4B22-A9A0-105CD811DE30}" type="pres">
       <dgm:prSet presAssocID="{FE51A229-1D1C-4A6F-AB90-E177D9FF5638}" presName="hierChild2" presStyleCnt="0"/>
@@ -2149,13 +2861,6 @@
     <dgm:pt modelId="{63227DB9-CCD9-47FC-87C1-48A8A593DD3D}" type="pres">
       <dgm:prSet presAssocID="{2513C4D0-6C86-45C4-8BBD-2DB38E3AC370}" presName="Name64" presStyleLbl="parChTrans1D2" presStyleIdx="0" presStyleCnt="2"/>
       <dgm:spPr/>
-      <dgm:t>
-        <a:bodyPr/>
-        <a:lstStyle/>
-        <a:p>
-          <a:endParaRPr lang="de-DE"/>
-        </a:p>
-      </dgm:t>
     </dgm:pt>
     <dgm:pt modelId="{ED867374-C2F4-4A03-9BAB-0A9DB67539CF}" type="pres">
       <dgm:prSet presAssocID="{458EA245-C2FB-44D5-8605-4CCDDB40A6CC}" presName="hierRoot2" presStyleCnt="0">
@@ -2176,24 +2881,10 @@
         </dgm:presLayoutVars>
       </dgm:prSet>
       <dgm:spPr/>
-      <dgm:t>
-        <a:bodyPr/>
-        <a:lstStyle/>
-        <a:p>
-          <a:endParaRPr lang="de-DE"/>
-        </a:p>
-      </dgm:t>
     </dgm:pt>
     <dgm:pt modelId="{236E74BF-DAB1-48C0-8EBC-B0423E7C1D61}" type="pres">
       <dgm:prSet presAssocID="{458EA245-C2FB-44D5-8605-4CCDDB40A6CC}" presName="rootConnector" presStyleLbl="node2" presStyleIdx="0" presStyleCnt="2"/>
       <dgm:spPr/>
-      <dgm:t>
-        <a:bodyPr/>
-        <a:lstStyle/>
-        <a:p>
-          <a:endParaRPr lang="de-DE"/>
-        </a:p>
-      </dgm:t>
     </dgm:pt>
     <dgm:pt modelId="{AB56F150-B395-4ECC-BA1D-868815977097}" type="pres">
       <dgm:prSet presAssocID="{458EA245-C2FB-44D5-8605-4CCDDB40A6CC}" presName="hierChild4" presStyleCnt="0"/>
@@ -2202,13 +2893,6 @@
     <dgm:pt modelId="{A813DACE-B381-4BD1-B87A-8914CC3126C9}" type="pres">
       <dgm:prSet presAssocID="{BB1B051C-FE5E-4A16-9C54-818D19E23760}" presName="Name64" presStyleLbl="parChTrans1D3" presStyleIdx="0" presStyleCnt="2"/>
       <dgm:spPr/>
-      <dgm:t>
-        <a:bodyPr/>
-        <a:lstStyle/>
-        <a:p>
-          <a:endParaRPr lang="de-DE"/>
-        </a:p>
-      </dgm:t>
     </dgm:pt>
     <dgm:pt modelId="{F5ABF7A5-F5F4-4F68-8DA0-DA2CA59A0C71}" type="pres">
       <dgm:prSet presAssocID="{194B450F-9E85-4BFF-B53A-025ECE8CA2B3}" presName="hierRoot2" presStyleCnt="0">
@@ -2229,24 +2913,10 @@
         </dgm:presLayoutVars>
       </dgm:prSet>
       <dgm:spPr/>
-      <dgm:t>
-        <a:bodyPr/>
-        <a:lstStyle/>
-        <a:p>
-          <a:endParaRPr lang="de-DE"/>
-        </a:p>
-      </dgm:t>
     </dgm:pt>
     <dgm:pt modelId="{5A548C04-9E6C-4592-B715-0EB482C91130}" type="pres">
       <dgm:prSet presAssocID="{194B450F-9E85-4BFF-B53A-025ECE8CA2B3}" presName="rootConnector" presStyleLbl="node3" presStyleIdx="0" presStyleCnt="2"/>
       <dgm:spPr/>
-      <dgm:t>
-        <a:bodyPr/>
-        <a:lstStyle/>
-        <a:p>
-          <a:endParaRPr lang="de-DE"/>
-        </a:p>
-      </dgm:t>
     </dgm:pt>
     <dgm:pt modelId="{335D26C1-FA49-453D-B8F7-F14D3ED40119}" type="pres">
       <dgm:prSet presAssocID="{194B450F-9E85-4BFF-B53A-025ECE8CA2B3}" presName="hierChild4" presStyleCnt="0"/>
@@ -2255,13 +2925,6 @@
     <dgm:pt modelId="{3B5520CA-5F04-4318-B8CF-392D127E0565}" type="pres">
       <dgm:prSet presAssocID="{B92FE964-20D3-4760-9A5D-FC70065444B3}" presName="Name64" presStyleLbl="parChTrans1D4" presStyleIdx="0" presStyleCnt="3"/>
       <dgm:spPr/>
-      <dgm:t>
-        <a:bodyPr/>
-        <a:lstStyle/>
-        <a:p>
-          <a:endParaRPr lang="de-DE"/>
-        </a:p>
-      </dgm:t>
     </dgm:pt>
     <dgm:pt modelId="{BC983705-C229-4A07-8FE0-730317BFA2F7}" type="pres">
       <dgm:prSet presAssocID="{A2264A7C-99C0-4C2E-8D57-36176C349B9D}" presName="hierRoot2" presStyleCnt="0">
@@ -2282,24 +2945,10 @@
         </dgm:presLayoutVars>
       </dgm:prSet>
       <dgm:spPr/>
-      <dgm:t>
-        <a:bodyPr/>
-        <a:lstStyle/>
-        <a:p>
-          <a:endParaRPr lang="de-DE"/>
-        </a:p>
-      </dgm:t>
     </dgm:pt>
     <dgm:pt modelId="{A8DB0F5F-E32E-4576-9815-E8340FCEF884}" type="pres">
       <dgm:prSet presAssocID="{A2264A7C-99C0-4C2E-8D57-36176C349B9D}" presName="rootConnector" presStyleLbl="node4" presStyleIdx="0" presStyleCnt="3"/>
       <dgm:spPr/>
-      <dgm:t>
-        <a:bodyPr/>
-        <a:lstStyle/>
-        <a:p>
-          <a:endParaRPr lang="de-DE"/>
-        </a:p>
-      </dgm:t>
     </dgm:pt>
     <dgm:pt modelId="{057F7E45-500A-4B01-ACAD-7C6379607DB2}" type="pres">
       <dgm:prSet presAssocID="{A2264A7C-99C0-4C2E-8D57-36176C349B9D}" presName="hierChild4" presStyleCnt="0"/>
@@ -2312,13 +2961,6 @@
     <dgm:pt modelId="{5E2A4BF6-1C17-4440-8F1D-9DDBE8FD40EB}" type="pres">
       <dgm:prSet presAssocID="{B7BB566D-4912-41B1-B776-F30DE0B49829}" presName="Name64" presStyleLbl="parChTrans1D4" presStyleIdx="1" presStyleCnt="3"/>
       <dgm:spPr/>
-      <dgm:t>
-        <a:bodyPr/>
-        <a:lstStyle/>
-        <a:p>
-          <a:endParaRPr lang="de-DE"/>
-        </a:p>
-      </dgm:t>
     </dgm:pt>
     <dgm:pt modelId="{B3CAACBC-C0C4-4E6D-A6AF-47CFA7B5F949}" type="pres">
       <dgm:prSet presAssocID="{DDCFA4CF-CB34-4461-BF68-A6E109616A0E}" presName="hierRoot2" presStyleCnt="0">
@@ -2339,24 +2981,10 @@
         </dgm:presLayoutVars>
       </dgm:prSet>
       <dgm:spPr/>
-      <dgm:t>
-        <a:bodyPr/>
-        <a:lstStyle/>
-        <a:p>
-          <a:endParaRPr lang="de-DE"/>
-        </a:p>
-      </dgm:t>
     </dgm:pt>
     <dgm:pt modelId="{87F8F010-9276-41CD-A9FE-B1F4A0595D48}" type="pres">
       <dgm:prSet presAssocID="{DDCFA4CF-CB34-4461-BF68-A6E109616A0E}" presName="rootConnector" presStyleLbl="node4" presStyleIdx="1" presStyleCnt="3"/>
       <dgm:spPr/>
-      <dgm:t>
-        <a:bodyPr/>
-        <a:lstStyle/>
-        <a:p>
-          <a:endParaRPr lang="de-DE"/>
-        </a:p>
-      </dgm:t>
     </dgm:pt>
     <dgm:pt modelId="{E19C4DBC-7534-4B62-A8E5-3D08593FF966}" type="pres">
       <dgm:prSet presAssocID="{DDCFA4CF-CB34-4461-BF68-A6E109616A0E}" presName="hierChild4" presStyleCnt="0"/>
@@ -2369,13 +2997,6 @@
     <dgm:pt modelId="{FE3655A2-A77C-4FEA-A8D0-8272D776720E}" type="pres">
       <dgm:prSet presAssocID="{C013AF15-BE5E-4351-9FCC-BC353D4E1563}" presName="Name64" presStyleLbl="parChTrans1D4" presStyleIdx="2" presStyleCnt="3"/>
       <dgm:spPr/>
-      <dgm:t>
-        <a:bodyPr/>
-        <a:lstStyle/>
-        <a:p>
-          <a:endParaRPr lang="de-DE"/>
-        </a:p>
-      </dgm:t>
     </dgm:pt>
     <dgm:pt modelId="{2175940A-A575-4707-BE76-92E4F498635D}" type="pres">
       <dgm:prSet presAssocID="{3DDA16D2-21F8-47F5-A677-027B09A0DCAA}" presName="hierRoot2" presStyleCnt="0">
@@ -2396,24 +3017,10 @@
         </dgm:presLayoutVars>
       </dgm:prSet>
       <dgm:spPr/>
-      <dgm:t>
-        <a:bodyPr/>
-        <a:lstStyle/>
-        <a:p>
-          <a:endParaRPr lang="de-DE"/>
-        </a:p>
-      </dgm:t>
     </dgm:pt>
     <dgm:pt modelId="{CBE0C06E-4963-4904-BBE9-F9D45A28B254}" type="pres">
       <dgm:prSet presAssocID="{3DDA16D2-21F8-47F5-A677-027B09A0DCAA}" presName="rootConnector" presStyleLbl="node4" presStyleIdx="2" presStyleCnt="3"/>
       <dgm:spPr/>
-      <dgm:t>
-        <a:bodyPr/>
-        <a:lstStyle/>
-        <a:p>
-          <a:endParaRPr lang="de-DE"/>
-        </a:p>
-      </dgm:t>
     </dgm:pt>
     <dgm:pt modelId="{C001A9CD-0961-44EE-B1EE-E02106C7FFFA}" type="pres">
       <dgm:prSet presAssocID="{3DDA16D2-21F8-47F5-A677-027B09A0DCAA}" presName="hierChild4" presStyleCnt="0"/>
@@ -2430,13 +3037,6 @@
     <dgm:pt modelId="{2AE50859-A0F3-4D34-A36E-1D1B57AD5833}" type="pres">
       <dgm:prSet presAssocID="{33BB61BD-C7B2-4EEF-9DA6-9C6B5266D100}" presName="Name64" presStyleLbl="parChTrans1D3" presStyleIdx="1" presStyleCnt="2"/>
       <dgm:spPr/>
-      <dgm:t>
-        <a:bodyPr/>
-        <a:lstStyle/>
-        <a:p>
-          <a:endParaRPr lang="de-DE"/>
-        </a:p>
-      </dgm:t>
     </dgm:pt>
     <dgm:pt modelId="{BA520FEB-C5A1-42D8-89F8-6E4274B8DCCB}" type="pres">
       <dgm:prSet presAssocID="{0EFBF9FB-A605-419D-A862-7FB5461FA12B}" presName="hierRoot2" presStyleCnt="0">
@@ -2457,24 +3057,10 @@
         </dgm:presLayoutVars>
       </dgm:prSet>
       <dgm:spPr/>
-      <dgm:t>
-        <a:bodyPr/>
-        <a:lstStyle/>
-        <a:p>
-          <a:endParaRPr lang="de-DE"/>
-        </a:p>
-      </dgm:t>
     </dgm:pt>
     <dgm:pt modelId="{00C9DA18-5528-47F7-A939-211C1C9A212F}" type="pres">
       <dgm:prSet presAssocID="{0EFBF9FB-A605-419D-A862-7FB5461FA12B}" presName="rootConnector" presStyleLbl="node3" presStyleIdx="1" presStyleCnt="2"/>
       <dgm:spPr/>
-      <dgm:t>
-        <a:bodyPr/>
-        <a:lstStyle/>
-        <a:p>
-          <a:endParaRPr lang="de-DE"/>
-        </a:p>
-      </dgm:t>
     </dgm:pt>
     <dgm:pt modelId="{1E9DF34E-300F-44BF-AA09-24FE45A1C366}" type="pres">
       <dgm:prSet presAssocID="{0EFBF9FB-A605-419D-A862-7FB5461FA12B}" presName="hierChild4" presStyleCnt="0"/>
@@ -2491,13 +3077,6 @@
     <dgm:pt modelId="{567FCC46-C3DF-4251-BE5E-39C5F62A348C}" type="pres">
       <dgm:prSet presAssocID="{1D0C1A18-525A-4402-A32B-7193F2A8471B}" presName="Name64" presStyleLbl="parChTrans1D2" presStyleIdx="1" presStyleCnt="2"/>
       <dgm:spPr/>
-      <dgm:t>
-        <a:bodyPr/>
-        <a:lstStyle/>
-        <a:p>
-          <a:endParaRPr lang="de-DE"/>
-        </a:p>
-      </dgm:t>
     </dgm:pt>
     <dgm:pt modelId="{32BD507D-9A62-4BD2-9B58-25D9373F026A}" type="pres">
       <dgm:prSet presAssocID="{A00B03C0-8B6F-4A38-8304-EE63638E39F0}" presName="hierRoot2" presStyleCnt="0">
@@ -2518,24 +3097,10 @@
         </dgm:presLayoutVars>
       </dgm:prSet>
       <dgm:spPr/>
-      <dgm:t>
-        <a:bodyPr/>
-        <a:lstStyle/>
-        <a:p>
-          <a:endParaRPr lang="de-DE"/>
-        </a:p>
-      </dgm:t>
     </dgm:pt>
     <dgm:pt modelId="{52D8D829-C8D7-4555-B67B-1A38F3A988B0}" type="pres">
       <dgm:prSet presAssocID="{A00B03C0-8B6F-4A38-8304-EE63638E39F0}" presName="rootConnector" presStyleLbl="node2" presStyleIdx="1" presStyleCnt="2"/>
       <dgm:spPr/>
-      <dgm:t>
-        <a:bodyPr/>
-        <a:lstStyle/>
-        <a:p>
-          <a:endParaRPr lang="de-DE"/>
-        </a:p>
-      </dgm:t>
     </dgm:pt>
     <dgm:pt modelId="{483FF510-A742-40AC-8588-F0F8D5C6554C}" type="pres">
       <dgm:prSet presAssocID="{A00B03C0-8B6F-4A38-8304-EE63638E39F0}" presName="hierChild4" presStyleCnt="0"/>
@@ -2551,38 +3116,38 @@
     </dgm:pt>
   </dgm:ptLst>
   <dgm:cxnLst>
-    <dgm:cxn modelId="{32550876-B728-410B-AB28-F6847898BBA9}" type="presOf" srcId="{458EA245-C2FB-44D5-8605-4CCDDB40A6CC}" destId="{58CCBD63-0DC1-42B7-986A-6D903EE0CAE9}" srcOrd="0" destOrd="0" presId="urn:microsoft.com/office/officeart/2009/3/layout/HorizontalOrganizationChart"/>
-    <dgm:cxn modelId="{521BE7C8-04C5-42EF-9A09-686B5C5E16A6}" srcId="{194B450F-9E85-4BFF-B53A-025ECE8CA2B3}" destId="{DDCFA4CF-CB34-4461-BF68-A6E109616A0E}" srcOrd="1" destOrd="0" parTransId="{B7BB566D-4912-41B1-B776-F30DE0B49829}" sibTransId="{B73FC9E7-A443-418A-9BAB-4CB6E5444EE0}"/>
+    <dgm:cxn modelId="{E4FCFA04-BFA1-4D6C-8545-4660A06C0858}" srcId="{FE51A229-1D1C-4A6F-AB90-E177D9FF5638}" destId="{458EA245-C2FB-44D5-8605-4CCDDB40A6CC}" srcOrd="0" destOrd="0" parTransId="{2513C4D0-6C86-45C4-8BBD-2DB38E3AC370}" sibTransId="{53A9072A-69A3-4427-B613-32082B7B7647}"/>
+    <dgm:cxn modelId="{6AEA9406-01E6-454D-B689-07879572C0DC}" type="presOf" srcId="{A2264A7C-99C0-4C2E-8D57-36176C349B9D}" destId="{9F8FC8AB-0C10-4A80-8AC1-8F557DFAC6ED}" srcOrd="0" destOrd="0" presId="urn:microsoft.com/office/officeart/2009/3/layout/HorizontalOrganizationChart"/>
+    <dgm:cxn modelId="{484D5007-0040-4011-8282-AF8E2CF63BDE}" srcId="{458EA245-C2FB-44D5-8605-4CCDDB40A6CC}" destId="{0EFBF9FB-A605-419D-A862-7FB5461FA12B}" srcOrd="1" destOrd="0" parTransId="{33BB61BD-C7B2-4EEF-9DA6-9C6B5266D100}" sibTransId="{44FF41D8-740A-4FAB-82C8-EDE7E9B15E38}"/>
+    <dgm:cxn modelId="{F7156508-A877-42EE-B019-05A4690C64F4}" type="presOf" srcId="{DDCFA4CF-CB34-4461-BF68-A6E109616A0E}" destId="{87F8F010-9276-41CD-A9FE-B1F4A0595D48}" srcOrd="1" destOrd="0" presId="urn:microsoft.com/office/officeart/2009/3/layout/HorizontalOrganizationChart"/>
+    <dgm:cxn modelId="{71605211-8CF0-4CC0-902E-54D2DC1C86C4}" type="presOf" srcId="{194B450F-9E85-4BFF-B53A-025ECE8CA2B3}" destId="{49B445EE-0A39-4EBB-9212-3FB7911CC92D}" srcOrd="0" destOrd="0" presId="urn:microsoft.com/office/officeart/2009/3/layout/HorizontalOrganizationChart"/>
+    <dgm:cxn modelId="{1CB5A317-0F65-4F77-95BD-53601243D158}" type="presOf" srcId="{3DDA16D2-21F8-47F5-A677-027B09A0DCAA}" destId="{02D8AA49-D842-4B3F-B647-E1ACEC927ACC}" srcOrd="0" destOrd="0" presId="urn:microsoft.com/office/officeart/2009/3/layout/HorizontalOrganizationChart"/>
+    <dgm:cxn modelId="{7FF7C417-39C3-4FF5-AFB8-49610E291783}" type="presOf" srcId="{A2264A7C-99C0-4C2E-8D57-36176C349B9D}" destId="{A8DB0F5F-E32E-4576-9815-E8340FCEF884}" srcOrd="1" destOrd="0" presId="urn:microsoft.com/office/officeart/2009/3/layout/HorizontalOrganizationChart"/>
+    <dgm:cxn modelId="{44152723-EBEB-4656-BF1B-7087F2C99C12}" type="presOf" srcId="{1D0C1A18-525A-4402-A32B-7193F2A8471B}" destId="{567FCC46-C3DF-4251-BE5E-39C5F62A348C}" srcOrd="0" destOrd="0" presId="urn:microsoft.com/office/officeart/2009/3/layout/HorizontalOrganizationChart"/>
     <dgm:cxn modelId="{CAD44E2B-0438-4B15-91D6-9BB16FC8FD21}" type="presOf" srcId="{BB1B051C-FE5E-4A16-9C54-818D19E23760}" destId="{A813DACE-B381-4BD1-B87A-8914CC3126C9}" srcOrd="0" destOrd="0" presId="urn:microsoft.com/office/officeart/2009/3/layout/HorizontalOrganizationChart"/>
-    <dgm:cxn modelId="{EE2B81EF-E21C-4355-8EBB-31E68916AD6D}" type="presOf" srcId="{33BB61BD-C7B2-4EEF-9DA6-9C6B5266D100}" destId="{2AE50859-A0F3-4D34-A36E-1D1B57AD5833}" srcOrd="0" destOrd="0" presId="urn:microsoft.com/office/officeart/2009/3/layout/HorizontalOrganizationChart"/>
-    <dgm:cxn modelId="{484D5007-0040-4011-8282-AF8E2CF63BDE}" srcId="{458EA245-C2FB-44D5-8605-4CCDDB40A6CC}" destId="{0EFBF9FB-A605-419D-A862-7FB5461FA12B}" srcOrd="1" destOrd="0" parTransId="{33BB61BD-C7B2-4EEF-9DA6-9C6B5266D100}" sibTransId="{44FF41D8-740A-4FAB-82C8-EDE7E9B15E38}"/>
-    <dgm:cxn modelId="{8139BDDC-86AE-4421-BFDD-19D790AC7882}" srcId="{FE51A229-1D1C-4A6F-AB90-E177D9FF5638}" destId="{A00B03C0-8B6F-4A38-8304-EE63638E39F0}" srcOrd="1" destOrd="0" parTransId="{1D0C1A18-525A-4402-A32B-7193F2A8471B}" sibTransId="{FFFC4A27-D24C-411F-899C-7C296EF4B286}"/>
+    <dgm:cxn modelId="{578ED840-C2B4-4153-933F-437817DB9121}" type="presOf" srcId="{0EFBF9FB-A605-419D-A862-7FB5461FA12B}" destId="{8B15E07E-99B4-4AA7-88F9-F8F2D3601D93}" srcOrd="0" destOrd="0" presId="urn:microsoft.com/office/officeart/2009/3/layout/HorizontalOrganizationChart"/>
+    <dgm:cxn modelId="{82B87C42-A868-4813-92EA-6E47F92236AE}" type="presOf" srcId="{194B450F-9E85-4BFF-B53A-025ECE8CA2B3}" destId="{5A548C04-9E6C-4592-B715-0EB482C91130}" srcOrd="1" destOrd="0" presId="urn:microsoft.com/office/officeart/2009/3/layout/HorizontalOrganizationChart"/>
+    <dgm:cxn modelId="{26084E46-5324-443F-9AA1-9C51CC2E84C6}" type="presOf" srcId="{3DDA16D2-21F8-47F5-A677-027B09A0DCAA}" destId="{CBE0C06E-4963-4904-BBE9-F9D45A28B254}" srcOrd="1" destOrd="0" presId="urn:microsoft.com/office/officeart/2009/3/layout/HorizontalOrganizationChart"/>
+    <dgm:cxn modelId="{C224066D-8E7A-4DBF-B0CA-AD1CD42C0934}" type="presOf" srcId="{FE51A229-1D1C-4A6F-AB90-E177D9FF5638}" destId="{AF082B63-47A3-42A2-A216-33822EEB62AD}" srcOrd="0" destOrd="0" presId="urn:microsoft.com/office/officeart/2009/3/layout/HorizontalOrganizationChart"/>
     <dgm:cxn modelId="{21C5914E-B084-4E1A-8286-FA3BFDD11525}" type="presOf" srcId="{B92FE964-20D3-4760-9A5D-FC70065444B3}" destId="{3B5520CA-5F04-4318-B8CF-392D127E0565}" srcOrd="0" destOrd="0" presId="urn:microsoft.com/office/officeart/2009/3/layout/HorizontalOrganizationChart"/>
     <dgm:cxn modelId="{C130B86E-7832-4044-85F5-0AAAED6A05DC}" type="presOf" srcId="{2513C4D0-6C86-45C4-8BBD-2DB38E3AC370}" destId="{63227DB9-CCD9-47FC-87C1-48A8A593DD3D}" srcOrd="0" destOrd="0" presId="urn:microsoft.com/office/officeart/2009/3/layout/HorizontalOrganizationChart"/>
+    <dgm:cxn modelId="{2AE5AF70-17DF-4B57-B688-4DC303E92A34}" type="presOf" srcId="{A00B03C0-8B6F-4A38-8304-EE63638E39F0}" destId="{52D8D829-C8D7-4555-B67B-1A38F3A988B0}" srcOrd="1" destOrd="0" presId="urn:microsoft.com/office/officeart/2009/3/layout/HorizontalOrganizationChart"/>
+    <dgm:cxn modelId="{F33F0453-D6F7-4126-A22A-C5F0A08FD289}" type="presOf" srcId="{B7BB566D-4912-41B1-B776-F30DE0B49829}" destId="{5E2A4BF6-1C17-4440-8F1D-9DDBE8FD40EB}" srcOrd="0" destOrd="0" presId="urn:microsoft.com/office/officeart/2009/3/layout/HorizontalOrganizationChart"/>
+    <dgm:cxn modelId="{32550876-B728-410B-AB28-F6847898BBA9}" type="presOf" srcId="{458EA245-C2FB-44D5-8605-4CCDDB40A6CC}" destId="{58CCBD63-0DC1-42B7-986A-6D903EE0CAE9}" srcOrd="0" destOrd="0" presId="urn:microsoft.com/office/officeart/2009/3/layout/HorizontalOrganizationChart"/>
     <dgm:cxn modelId="{11ABE458-95FA-4F0E-9571-16BEFF9318B5}" srcId="{458EA245-C2FB-44D5-8605-4CCDDB40A6CC}" destId="{194B450F-9E85-4BFF-B53A-025ECE8CA2B3}" srcOrd="0" destOrd="0" parTransId="{BB1B051C-FE5E-4A16-9C54-818D19E23760}" sibTransId="{35B704BA-272C-4FD3-8DC8-BBCDFF621B17}"/>
     <dgm:cxn modelId="{4912AE85-D5C0-4B19-BAB1-4F20B08FA78B}" srcId="{194B450F-9E85-4BFF-B53A-025ECE8CA2B3}" destId="{A2264A7C-99C0-4C2E-8D57-36176C349B9D}" srcOrd="0" destOrd="0" parTransId="{B92FE964-20D3-4760-9A5D-FC70065444B3}" sibTransId="{ADD6F146-40E5-4B9C-A5B7-E7CD38D2C492}"/>
-    <dgm:cxn modelId="{C224066D-8E7A-4DBF-B0CA-AD1CD42C0934}" type="presOf" srcId="{FE51A229-1D1C-4A6F-AB90-E177D9FF5638}" destId="{AF082B63-47A3-42A2-A216-33822EEB62AD}" srcOrd="0" destOrd="0" presId="urn:microsoft.com/office/officeart/2009/3/layout/HorizontalOrganizationChart"/>
-    <dgm:cxn modelId="{2353BEDD-9DFA-47AF-9301-09410A26A23A}" type="presOf" srcId="{0EFBF9FB-A605-419D-A862-7FB5461FA12B}" destId="{00C9DA18-5528-47F7-A939-211C1C9A212F}" srcOrd="1" destOrd="0" presId="urn:microsoft.com/office/officeart/2009/3/layout/HorizontalOrganizationChart"/>
-    <dgm:cxn modelId="{6B377BFF-21F7-4E69-9760-16B227F85F05}" type="presOf" srcId="{458EA245-C2FB-44D5-8605-4CCDDB40A6CC}" destId="{236E74BF-DAB1-48C0-8EBC-B0423E7C1D61}" srcOrd="1" destOrd="0" presId="urn:microsoft.com/office/officeart/2009/3/layout/HorizontalOrganizationChart"/>
-    <dgm:cxn modelId="{1CB5A317-0F65-4F77-95BD-53601243D158}" type="presOf" srcId="{3DDA16D2-21F8-47F5-A677-027B09A0DCAA}" destId="{02D8AA49-D842-4B3F-B647-E1ACEC927ACC}" srcOrd="0" destOrd="0" presId="urn:microsoft.com/office/officeart/2009/3/layout/HorizontalOrganizationChart"/>
-    <dgm:cxn modelId="{E4FCFA04-BFA1-4D6C-8545-4660A06C0858}" srcId="{FE51A229-1D1C-4A6F-AB90-E177D9FF5638}" destId="{458EA245-C2FB-44D5-8605-4CCDDB40A6CC}" srcOrd="0" destOrd="0" parTransId="{2513C4D0-6C86-45C4-8BBD-2DB38E3AC370}" sibTransId="{53A9072A-69A3-4427-B613-32082B7B7647}"/>
-    <dgm:cxn modelId="{0CC669FE-97A7-4BF5-865E-0478346F01D1}" type="presOf" srcId="{A00B03C0-8B6F-4A38-8304-EE63638E39F0}" destId="{50C6C9DE-2467-43DA-B215-3254E4507CAA}" srcOrd="0" destOrd="0" presId="urn:microsoft.com/office/officeart/2009/3/layout/HorizontalOrganizationChart"/>
-    <dgm:cxn modelId="{A2378DE5-8398-4977-BB44-026FFB612B10}" type="presOf" srcId="{C013AF15-BE5E-4351-9FCC-BC353D4E1563}" destId="{FE3655A2-A77C-4FEA-A8D0-8272D776720E}" srcOrd="0" destOrd="0" presId="urn:microsoft.com/office/officeart/2009/3/layout/HorizontalOrganizationChart"/>
-    <dgm:cxn modelId="{6AEA9406-01E6-454D-B689-07879572C0DC}" type="presOf" srcId="{A2264A7C-99C0-4C2E-8D57-36176C349B9D}" destId="{9F8FC8AB-0C10-4A80-8AC1-8F557DFAC6ED}" srcOrd="0" destOrd="0" presId="urn:microsoft.com/office/officeart/2009/3/layout/HorizontalOrganizationChart"/>
-    <dgm:cxn modelId="{578ED840-C2B4-4153-933F-437817DB9121}" type="presOf" srcId="{0EFBF9FB-A605-419D-A862-7FB5461FA12B}" destId="{8B15E07E-99B4-4AA7-88F9-F8F2D3601D93}" srcOrd="0" destOrd="0" presId="urn:microsoft.com/office/officeart/2009/3/layout/HorizontalOrganizationChart"/>
-    <dgm:cxn modelId="{F33F0453-D6F7-4126-A22A-C5F0A08FD289}" type="presOf" srcId="{B7BB566D-4912-41B1-B776-F30DE0B49829}" destId="{5E2A4BF6-1C17-4440-8F1D-9DDBE8FD40EB}" srcOrd="0" destOrd="0" presId="urn:microsoft.com/office/officeart/2009/3/layout/HorizontalOrganizationChart"/>
-    <dgm:cxn modelId="{71605211-8CF0-4CC0-902E-54D2DC1C86C4}" type="presOf" srcId="{194B450F-9E85-4BFF-B53A-025ECE8CA2B3}" destId="{49B445EE-0A39-4EBB-9212-3FB7911CC92D}" srcOrd="0" destOrd="0" presId="urn:microsoft.com/office/officeart/2009/3/layout/HorizontalOrganizationChart"/>
-    <dgm:cxn modelId="{469BD5D0-E7CC-46AF-A309-EEEFB2947DA4}" type="presOf" srcId="{FE51A229-1D1C-4A6F-AB90-E177D9FF5638}" destId="{4B6F4223-3E1E-4AC9-ABD4-0609EA935B7D}" srcOrd="1" destOrd="0" presId="urn:microsoft.com/office/officeart/2009/3/layout/HorizontalOrganizationChart"/>
     <dgm:cxn modelId="{86B87D8A-7618-4A6E-8215-9F9E410FEB3C}" srcId="{194B450F-9E85-4BFF-B53A-025ECE8CA2B3}" destId="{3DDA16D2-21F8-47F5-A677-027B09A0DCAA}" srcOrd="2" destOrd="0" parTransId="{C013AF15-BE5E-4351-9FCC-BC353D4E1563}" sibTransId="{14774648-2FE7-4094-8DBC-B9DC23148B58}"/>
-    <dgm:cxn modelId="{7FF7C417-39C3-4FF5-AFB8-49610E291783}" type="presOf" srcId="{A2264A7C-99C0-4C2E-8D57-36176C349B9D}" destId="{A8DB0F5F-E32E-4576-9815-E8340FCEF884}" srcOrd="1" destOrd="0" presId="urn:microsoft.com/office/officeart/2009/3/layout/HorizontalOrganizationChart"/>
     <dgm:cxn modelId="{926A30C3-E26E-46CC-A662-E403FD474CEE}" type="presOf" srcId="{9B572FD9-4724-42DA-B8D4-08C635C0917F}" destId="{1F642486-6A25-4C23-92A3-61A7126A890E}" srcOrd="0" destOrd="0" presId="urn:microsoft.com/office/officeart/2009/3/layout/HorizontalOrganizationChart"/>
     <dgm:cxn modelId="{273062C8-E9B1-4CFB-B54C-9CF1BE5E1D73}" srcId="{9B572FD9-4724-42DA-B8D4-08C635C0917F}" destId="{FE51A229-1D1C-4A6F-AB90-E177D9FF5638}" srcOrd="0" destOrd="0" parTransId="{A504EDBC-EB02-4406-B3C2-FF847ACFAB41}" sibTransId="{E8FE0C9C-68D4-4441-A46A-89AEE9E09116}"/>
-    <dgm:cxn modelId="{26084E46-5324-443F-9AA1-9C51CC2E84C6}" type="presOf" srcId="{3DDA16D2-21F8-47F5-A677-027B09A0DCAA}" destId="{CBE0C06E-4963-4904-BBE9-F9D45A28B254}" srcOrd="1" destOrd="0" presId="urn:microsoft.com/office/officeart/2009/3/layout/HorizontalOrganizationChart"/>
-    <dgm:cxn modelId="{44152723-EBEB-4656-BF1B-7087F2C99C12}" type="presOf" srcId="{1D0C1A18-525A-4402-A32B-7193F2A8471B}" destId="{567FCC46-C3DF-4251-BE5E-39C5F62A348C}" srcOrd="0" destOrd="0" presId="urn:microsoft.com/office/officeart/2009/3/layout/HorizontalOrganizationChart"/>
-    <dgm:cxn modelId="{2AE5AF70-17DF-4B57-B688-4DC303E92A34}" type="presOf" srcId="{A00B03C0-8B6F-4A38-8304-EE63638E39F0}" destId="{52D8D829-C8D7-4555-B67B-1A38F3A988B0}" srcOrd="1" destOrd="0" presId="urn:microsoft.com/office/officeart/2009/3/layout/HorizontalOrganizationChart"/>
+    <dgm:cxn modelId="{521BE7C8-04C5-42EF-9A09-686B5C5E16A6}" srcId="{194B450F-9E85-4BFF-B53A-025ECE8CA2B3}" destId="{DDCFA4CF-CB34-4461-BF68-A6E109616A0E}" srcOrd="1" destOrd="0" parTransId="{B7BB566D-4912-41B1-B776-F30DE0B49829}" sibTransId="{B73FC9E7-A443-418A-9BAB-4CB6E5444EE0}"/>
+    <dgm:cxn modelId="{469BD5D0-E7CC-46AF-A309-EEEFB2947DA4}" type="presOf" srcId="{FE51A229-1D1C-4A6F-AB90-E177D9FF5638}" destId="{4B6F4223-3E1E-4AC9-ABD4-0609EA935B7D}" srcOrd="1" destOrd="0" presId="urn:microsoft.com/office/officeart/2009/3/layout/HorizontalOrganizationChart"/>
+    <dgm:cxn modelId="{8139BDDC-86AE-4421-BFDD-19D790AC7882}" srcId="{FE51A229-1D1C-4A6F-AB90-E177D9FF5638}" destId="{A00B03C0-8B6F-4A38-8304-EE63638E39F0}" srcOrd="1" destOrd="0" parTransId="{1D0C1A18-525A-4402-A32B-7193F2A8471B}" sibTransId="{FFFC4A27-D24C-411F-899C-7C296EF4B286}"/>
+    <dgm:cxn modelId="{2353BEDD-9DFA-47AF-9301-09410A26A23A}" type="presOf" srcId="{0EFBF9FB-A605-419D-A862-7FB5461FA12B}" destId="{00C9DA18-5528-47F7-A939-211C1C9A212F}" srcOrd="1" destOrd="0" presId="urn:microsoft.com/office/officeart/2009/3/layout/HorizontalOrganizationChart"/>
+    <dgm:cxn modelId="{A2378DE5-8398-4977-BB44-026FFB612B10}" type="presOf" srcId="{C013AF15-BE5E-4351-9FCC-BC353D4E1563}" destId="{FE3655A2-A77C-4FEA-A8D0-8272D776720E}" srcOrd="0" destOrd="0" presId="urn:microsoft.com/office/officeart/2009/3/layout/HorizontalOrganizationChart"/>
+    <dgm:cxn modelId="{EE2B81EF-E21C-4355-8EBB-31E68916AD6D}" type="presOf" srcId="{33BB61BD-C7B2-4EEF-9DA6-9C6B5266D100}" destId="{2AE50859-A0F3-4D34-A36E-1D1B57AD5833}" srcOrd="0" destOrd="0" presId="urn:microsoft.com/office/officeart/2009/3/layout/HorizontalOrganizationChart"/>
     <dgm:cxn modelId="{3EA1BDF9-196B-4338-959A-1771D4FA7F51}" type="presOf" srcId="{DDCFA4CF-CB34-4461-BF68-A6E109616A0E}" destId="{3D3D0051-3F10-445E-9BBB-7EAF92EDA706}" srcOrd="0" destOrd="0" presId="urn:microsoft.com/office/officeart/2009/3/layout/HorizontalOrganizationChart"/>
-    <dgm:cxn modelId="{F7156508-A877-42EE-B019-05A4690C64F4}" type="presOf" srcId="{DDCFA4CF-CB34-4461-BF68-A6E109616A0E}" destId="{87F8F010-9276-41CD-A9FE-B1F4A0595D48}" srcOrd="1" destOrd="0" presId="urn:microsoft.com/office/officeart/2009/3/layout/HorizontalOrganizationChart"/>
-    <dgm:cxn modelId="{82B87C42-A868-4813-92EA-6E47F92236AE}" type="presOf" srcId="{194B450F-9E85-4BFF-B53A-025ECE8CA2B3}" destId="{5A548C04-9E6C-4592-B715-0EB482C91130}" srcOrd="1" destOrd="0" presId="urn:microsoft.com/office/officeart/2009/3/layout/HorizontalOrganizationChart"/>
+    <dgm:cxn modelId="{0CC669FE-97A7-4BF5-865E-0478346F01D1}" type="presOf" srcId="{A00B03C0-8B6F-4A38-8304-EE63638E39F0}" destId="{50C6C9DE-2467-43DA-B215-3254E4507CAA}" srcOrd="0" destOrd="0" presId="urn:microsoft.com/office/officeart/2009/3/layout/HorizontalOrganizationChart"/>
+    <dgm:cxn modelId="{6B377BFF-21F7-4E69-9760-16B227F85F05}" type="presOf" srcId="{458EA245-C2FB-44D5-8605-4CCDDB40A6CC}" destId="{236E74BF-DAB1-48C0-8EBC-B0423E7C1D61}" srcOrd="1" destOrd="0" presId="urn:microsoft.com/office/officeart/2009/3/layout/HorizontalOrganizationChart"/>
     <dgm:cxn modelId="{E19F6ACC-E717-4063-A3F8-D1EC869C1E5B}" type="presParOf" srcId="{1F642486-6A25-4C23-92A3-61A7126A890E}" destId="{93AEEB7A-FD22-4C7D-9EEE-0928D9CB0647}" srcOrd="0" destOrd="0" presId="urn:microsoft.com/office/officeart/2009/3/layout/HorizontalOrganizationChart"/>
     <dgm:cxn modelId="{6F0CDF8C-0C82-4A3E-9F2F-61A6F3047D2F}" type="presParOf" srcId="{93AEEB7A-FD22-4C7D-9EEE-0928D9CB0647}" destId="{8349182F-161D-44CA-8ED3-315E2CD2C015}" srcOrd="0" destOrd="0" presId="urn:microsoft.com/office/officeart/2009/3/layout/HorizontalOrganizationChart"/>
     <dgm:cxn modelId="{E69C996A-46C8-444D-B429-23C64B28B592}" type="presParOf" srcId="{8349182F-161D-44CA-8ED3-315E2CD2C015}" destId="{AF082B63-47A3-42A2-A216-33822EEB62AD}" srcOrd="0" destOrd="0" presId="urn:microsoft.com/office/officeart/2009/3/layout/HorizontalOrganizationChart"/>
@@ -2652,8 +3217,793 @@
 <file path=ppt/diagrams/data2.xml><?xml version="1.0" encoding="utf-8"?>
 <dgm:dataModel xmlns:dgm="http://schemas.openxmlformats.org/drawingml/2006/diagram" xmlns:a="http://schemas.openxmlformats.org/drawingml/2006/main">
   <dgm:ptLst>
+    <dgm:pt modelId="{14ED2829-E6B9-413B-8ADB-C4946D598BF4}" type="doc">
+      <dgm:prSet loTypeId="urn:microsoft.com/office/officeart/2005/8/layout/process4" loCatId="process" qsTypeId="urn:microsoft.com/office/officeart/2005/8/quickstyle/simple1" qsCatId="simple" csTypeId="urn:microsoft.com/office/officeart/2005/8/colors/colorful4" csCatId="colorful" phldr="1"/>
+      <dgm:spPr/>
+      <dgm:t>
+        <a:bodyPr/>
+        <a:lstStyle/>
+        <a:p>
+          <a:endParaRPr lang="de-DE"/>
+        </a:p>
+      </dgm:t>
+    </dgm:pt>
+    <dgm:pt modelId="{A10CB52F-6497-46C6-9C8F-9EB2EB372486}">
+      <dgm:prSet phldrT="[Text]"/>
+      <dgm:spPr/>
+      <dgm:t>
+        <a:bodyPr/>
+        <a:lstStyle/>
+        <a:p>
+          <a:r>
+            <a:rPr lang="de-DE" dirty="0"/>
+            <a:t>Main-Generator</a:t>
+          </a:r>
+        </a:p>
+      </dgm:t>
+    </dgm:pt>
+    <dgm:pt modelId="{83EED14C-AD62-4B9B-A642-0E489F54D2A4}" type="parTrans" cxnId="{1730C474-91BD-48A8-8D47-21884F3E4C19}">
+      <dgm:prSet/>
+      <dgm:spPr/>
+      <dgm:t>
+        <a:bodyPr/>
+        <a:lstStyle/>
+        <a:p>
+          <a:endParaRPr lang="de-DE"/>
+        </a:p>
+      </dgm:t>
+    </dgm:pt>
+    <dgm:pt modelId="{370BAB6C-76C0-4587-BC25-7FEA251B03BF}" type="sibTrans" cxnId="{1730C474-91BD-48A8-8D47-21884F3E4C19}">
+      <dgm:prSet/>
+      <dgm:spPr/>
+      <dgm:t>
+        <a:bodyPr/>
+        <a:lstStyle/>
+        <a:p>
+          <a:endParaRPr lang="de-DE"/>
+        </a:p>
+      </dgm:t>
+    </dgm:pt>
+    <dgm:pt modelId="{EB1EC0A4-5404-47B1-80A9-9D2D43BCBFAC}">
+      <dgm:prSet phldrT="[Text]" custT="1"/>
+      <dgm:spPr/>
+      <dgm:t>
+        <a:bodyPr/>
+        <a:lstStyle/>
+        <a:p>
+          <a:pPr>
+            <a:buFont typeface="Arial" panose="020B0604020202020204" pitchFamily="34" charset="0"/>
+            <a:buChar char="•"/>
+          </a:pPr>
+          <a:r>
+            <a:rPr lang="de-DE" sz="800" dirty="0"/>
+            <a:t>Generiert IDs der Remote-Ports</a:t>
+          </a:r>
+        </a:p>
+      </dgm:t>
+    </dgm:pt>
+    <dgm:pt modelId="{0F6E03D8-181B-4187-8765-343A9BB7ABBB}" type="parTrans" cxnId="{22D6F554-BBCC-48B9-81FA-1BBFC789103C}">
+      <dgm:prSet/>
+      <dgm:spPr/>
+      <dgm:t>
+        <a:bodyPr/>
+        <a:lstStyle/>
+        <a:p>
+          <a:endParaRPr lang="de-DE"/>
+        </a:p>
+      </dgm:t>
+    </dgm:pt>
+    <dgm:pt modelId="{9EA335A6-C70C-4A43-BAE0-CBBFB0EC0151}" type="sibTrans" cxnId="{22D6F554-BBCC-48B9-81FA-1BBFC789103C}">
+      <dgm:prSet/>
+      <dgm:spPr/>
+      <dgm:t>
+        <a:bodyPr/>
+        <a:lstStyle/>
+        <a:p>
+          <a:endParaRPr lang="de-DE"/>
+        </a:p>
+      </dgm:t>
+    </dgm:pt>
+    <dgm:pt modelId="{7CF48137-AAA1-49F5-A0F9-ED5BFEB1C1FB}">
+      <dgm:prSet phldrT="[Text]"/>
+      <dgm:spPr/>
+      <dgm:t>
+        <a:bodyPr/>
+        <a:lstStyle/>
+        <a:p>
+          <a:r>
+            <a:rPr lang="de-DE" dirty="0"/>
+            <a:t>Brick-Generator</a:t>
+          </a:r>
+        </a:p>
+      </dgm:t>
+    </dgm:pt>
+    <dgm:pt modelId="{B464EA17-2775-46D8-B49E-21D687EF8CB5}" type="parTrans" cxnId="{E18163C9-08A7-45F6-9B2E-C34F8946479E}">
+      <dgm:prSet/>
+      <dgm:spPr/>
+      <dgm:t>
+        <a:bodyPr/>
+        <a:lstStyle/>
+        <a:p>
+          <a:endParaRPr lang="de-DE"/>
+        </a:p>
+      </dgm:t>
+    </dgm:pt>
+    <dgm:pt modelId="{EFCB8FE4-CC12-4D5B-BC3E-D4685D704D43}" type="sibTrans" cxnId="{E18163C9-08A7-45F6-9B2E-C34F8946479E}">
+      <dgm:prSet/>
+      <dgm:spPr/>
+      <dgm:t>
+        <a:bodyPr/>
+        <a:lstStyle/>
+        <a:p>
+          <a:endParaRPr lang="de-DE"/>
+        </a:p>
+      </dgm:t>
+    </dgm:pt>
+    <dgm:pt modelId="{3AA03AA2-F841-466F-B024-4B622C6B19E3}">
+      <dgm:prSet phldrT="[Text]" custT="1"/>
+      <dgm:spPr/>
+      <dgm:t>
+        <a:bodyPr/>
+        <a:lstStyle/>
+        <a:p>
+          <a:pPr>
+            <a:buFont typeface="Arial" panose="020B0604020202020204" pitchFamily="34" charset="0"/>
+            <a:buChar char="•"/>
+          </a:pPr>
+          <a:r>
+            <a:rPr lang="de-DE" sz="800" dirty="0" err="1"/>
+            <a:t>Genriert</a:t>
+          </a:r>
+          <a:r>
+            <a:rPr lang="de-DE" sz="800" dirty="0"/>
+            <a:t> IDs der lokalen Ports</a:t>
+          </a:r>
+        </a:p>
+      </dgm:t>
+    </dgm:pt>
+    <dgm:pt modelId="{CA902DD8-4EBA-4DE5-B03F-F3264C0B5604}" type="parTrans" cxnId="{87CA5289-6B61-448C-A8BA-AC00C89D6E28}">
+      <dgm:prSet/>
+      <dgm:spPr/>
+      <dgm:t>
+        <a:bodyPr/>
+        <a:lstStyle/>
+        <a:p>
+          <a:endParaRPr lang="de-DE"/>
+        </a:p>
+      </dgm:t>
+    </dgm:pt>
+    <dgm:pt modelId="{0E4D4BB2-16B0-434A-8018-1855DA4197A0}" type="sibTrans" cxnId="{87CA5289-6B61-448C-A8BA-AC00C89D6E28}">
+      <dgm:prSet/>
+      <dgm:spPr/>
+      <dgm:t>
+        <a:bodyPr/>
+        <a:lstStyle/>
+        <a:p>
+          <a:endParaRPr lang="de-DE"/>
+        </a:p>
+      </dgm:t>
+    </dgm:pt>
+    <dgm:pt modelId="{D4FBC62B-1E98-47D9-BB51-00216C5660E9}">
+      <dgm:prSet phldrT="[Text]"/>
+      <dgm:spPr/>
+      <dgm:t>
+        <a:bodyPr/>
+        <a:lstStyle/>
+        <a:p>
+          <a:r>
+            <a:rPr lang="de-DE" dirty="0"/>
+            <a:t>SWC-Generator</a:t>
+          </a:r>
+        </a:p>
+      </dgm:t>
+    </dgm:pt>
+    <dgm:pt modelId="{3191980E-43E5-4F8C-BC4F-E41B20ACA15A}" type="parTrans" cxnId="{3D73837C-D3BF-4CC2-AE71-A2874DCF8FB9}">
+      <dgm:prSet/>
+      <dgm:spPr/>
+      <dgm:t>
+        <a:bodyPr/>
+        <a:lstStyle/>
+        <a:p>
+          <a:endParaRPr lang="de-DE"/>
+        </a:p>
+      </dgm:t>
+    </dgm:pt>
+    <dgm:pt modelId="{F9526517-DE28-44B7-AFDB-29E4120F5F42}" type="sibTrans" cxnId="{3D73837C-D3BF-4CC2-AE71-A2874DCF8FB9}">
+      <dgm:prSet/>
+      <dgm:spPr/>
+      <dgm:t>
+        <a:bodyPr/>
+        <a:lstStyle/>
+        <a:p>
+          <a:endParaRPr lang="de-DE"/>
+        </a:p>
+      </dgm:t>
+    </dgm:pt>
+    <dgm:pt modelId="{B4938D18-CAD9-4A95-AFD6-984FEFCA4F6E}">
+      <dgm:prSet phldrT="[Text]" custT="1"/>
+      <dgm:spPr/>
+      <dgm:t>
+        <a:bodyPr/>
+        <a:lstStyle/>
+        <a:p>
+          <a:pPr>
+            <a:buFont typeface="Arial" panose="020B0604020202020204" pitchFamily="34" charset="0"/>
+            <a:buChar char="•"/>
+          </a:pPr>
+          <a:r>
+            <a:rPr lang="de-DE" sz="800" dirty="0"/>
+            <a:t>Generiert RTE-Funktionen</a:t>
+          </a:r>
+        </a:p>
+      </dgm:t>
+    </dgm:pt>
+    <dgm:pt modelId="{6051913E-C1D7-49CA-A8DD-A0ED4B7508BB}" type="parTrans" cxnId="{D96DFA72-4ECA-45A3-AF38-964C48B4654B}">
+      <dgm:prSet/>
+      <dgm:spPr/>
+      <dgm:t>
+        <a:bodyPr/>
+        <a:lstStyle/>
+        <a:p>
+          <a:endParaRPr lang="de-DE"/>
+        </a:p>
+      </dgm:t>
+    </dgm:pt>
+    <dgm:pt modelId="{A2BC054C-DBDC-4E9D-AB2A-4D358F7E7108}" type="sibTrans" cxnId="{D96DFA72-4ECA-45A3-AF38-964C48B4654B}">
+      <dgm:prSet/>
+      <dgm:spPr/>
+      <dgm:t>
+        <a:bodyPr/>
+        <a:lstStyle/>
+        <a:p>
+          <a:endParaRPr lang="de-DE"/>
+        </a:p>
+      </dgm:t>
+    </dgm:pt>
+    <dgm:pt modelId="{24AC8DD2-11C7-4B64-8273-AFB53CF24DC5}">
+      <dgm:prSet phldrT="[Text]" custT="1"/>
+      <dgm:spPr/>
+      <dgm:t>
+        <a:bodyPr/>
+        <a:lstStyle/>
+        <a:p>
+          <a:pPr>
+            <a:buFont typeface="Arial" panose="020B0604020202020204" pitchFamily="34" charset="0"/>
+            <a:buChar char="•"/>
+          </a:pPr>
+          <a:r>
+            <a:rPr lang="de-DE" sz="800" dirty="0"/>
+            <a:t>Erstellt Ordnerstruktur</a:t>
+          </a:r>
+        </a:p>
+      </dgm:t>
+    </dgm:pt>
+    <dgm:pt modelId="{1B113E6F-489F-4329-9F2B-08DD4FAC45DF}" type="parTrans" cxnId="{66F87888-F627-4760-9CAC-923743A291E2}">
+      <dgm:prSet/>
+      <dgm:spPr/>
+      <dgm:t>
+        <a:bodyPr/>
+        <a:lstStyle/>
+        <a:p>
+          <a:endParaRPr lang="de-DE"/>
+        </a:p>
+      </dgm:t>
+    </dgm:pt>
+    <dgm:pt modelId="{4EB28EB2-7B46-45BC-80D6-7F72671C6B21}" type="sibTrans" cxnId="{66F87888-F627-4760-9CAC-923743A291E2}">
+      <dgm:prSet/>
+      <dgm:spPr/>
+      <dgm:t>
+        <a:bodyPr/>
+        <a:lstStyle/>
+        <a:p>
+          <a:endParaRPr lang="de-DE"/>
+        </a:p>
+      </dgm:t>
+    </dgm:pt>
+    <dgm:pt modelId="{AB75C91E-AF81-4E7E-9ABB-BA3E0286CCEF}">
+      <dgm:prSet phldrT="[Text]" custT="1"/>
+      <dgm:spPr/>
+      <dgm:t>
+        <a:bodyPr/>
+        <a:lstStyle/>
+        <a:p>
+          <a:pPr>
+            <a:buFont typeface="Arial" panose="020B0604020202020204" pitchFamily="34" charset="0"/>
+            <a:buChar char="•"/>
+          </a:pPr>
+          <a:r>
+            <a:rPr lang="de-DE" sz="800" dirty="0"/>
+            <a:t>Gerätespezifische Einstellungen</a:t>
+          </a:r>
+        </a:p>
+      </dgm:t>
+    </dgm:pt>
+    <dgm:pt modelId="{26CC48A8-FF27-4450-997D-3B2FA7A08F8D}" type="parTrans" cxnId="{AEC64266-4E6F-41DC-B50E-EAE114936FBF}">
+      <dgm:prSet/>
+      <dgm:spPr/>
+      <dgm:t>
+        <a:bodyPr/>
+        <a:lstStyle/>
+        <a:p>
+          <a:endParaRPr lang="de-DE"/>
+        </a:p>
+      </dgm:t>
+    </dgm:pt>
+    <dgm:pt modelId="{0A18570B-4DC2-4B95-B48F-30918EE1E2ED}" type="sibTrans" cxnId="{AEC64266-4E6F-41DC-B50E-EAE114936FBF}">
+      <dgm:prSet/>
+      <dgm:spPr/>
+      <dgm:t>
+        <a:bodyPr/>
+        <a:lstStyle/>
+        <a:p>
+          <a:endParaRPr lang="de-DE"/>
+        </a:p>
+      </dgm:t>
+    </dgm:pt>
+    <dgm:pt modelId="{CFF6B796-966E-4439-9AD5-6AB156D6B04F}">
+      <dgm:prSet phldrT="[Text]" custT="1"/>
+      <dgm:spPr/>
+      <dgm:t>
+        <a:bodyPr/>
+        <a:lstStyle/>
+        <a:p>
+          <a:pPr>
+            <a:buFont typeface="Arial" panose="020B0604020202020204" pitchFamily="34" charset="0"/>
+            <a:buChar char="•"/>
+          </a:pPr>
+          <a:r>
+            <a:rPr lang="de-DE" sz="800" dirty="0"/>
+            <a:t>Generiert </a:t>
+          </a:r>
+          <a:r>
+            <a:rPr lang="de-DE" sz="800" dirty="0" err="1"/>
+            <a:t>master.c</a:t>
+          </a:r>
+          <a:endParaRPr lang="de-DE" sz="800" dirty="0"/>
+        </a:p>
+      </dgm:t>
+    </dgm:pt>
+    <dgm:pt modelId="{C91523CD-4DC9-490C-9EA3-DC45F6099920}" type="parTrans" cxnId="{0A00D1BA-86C0-41C5-AF98-8F8603D49C7D}">
+      <dgm:prSet/>
+      <dgm:spPr/>
+      <dgm:t>
+        <a:bodyPr/>
+        <a:lstStyle/>
+        <a:p>
+          <a:endParaRPr lang="de-DE"/>
+        </a:p>
+      </dgm:t>
+    </dgm:pt>
+    <dgm:pt modelId="{745FA1E5-FD74-4FF0-8240-11F01603D0C1}" type="sibTrans" cxnId="{0A00D1BA-86C0-41C5-AF98-8F8603D49C7D}">
+      <dgm:prSet/>
+      <dgm:spPr/>
+      <dgm:t>
+        <a:bodyPr/>
+        <a:lstStyle/>
+        <a:p>
+          <a:endParaRPr lang="de-DE"/>
+        </a:p>
+      </dgm:t>
+    </dgm:pt>
+    <dgm:pt modelId="{29F02603-EEBC-47D1-8E04-7D3A043383FC}">
+      <dgm:prSet phldrT="[Text]" custT="1"/>
+      <dgm:spPr/>
+      <dgm:t>
+        <a:bodyPr/>
+        <a:lstStyle/>
+        <a:p>
+          <a:pPr>
+            <a:buFont typeface="Arial" panose="020B0604020202020204" pitchFamily="34" charset="0"/>
+            <a:buChar char="•"/>
+          </a:pPr>
+          <a:r>
+            <a:rPr lang="de-DE" sz="800" dirty="0"/>
+            <a:t>Generiert Main-Task mit </a:t>
+          </a:r>
+          <a:r>
+            <a:rPr lang="de-DE" sz="800" dirty="0" err="1"/>
+            <a:t>Runnable</a:t>
+          </a:r>
+          <a:r>
+            <a:rPr lang="de-DE" sz="800" dirty="0"/>
+            <a:t>-Launcher</a:t>
+          </a:r>
+        </a:p>
+      </dgm:t>
+    </dgm:pt>
+    <dgm:pt modelId="{3051F7F1-3F24-4264-B0C5-914D6905C927}" type="parTrans" cxnId="{B0FCD1A0-4EDA-44BC-84F6-5D8983624100}">
+      <dgm:prSet/>
+      <dgm:spPr/>
+      <dgm:t>
+        <a:bodyPr/>
+        <a:lstStyle/>
+        <a:p>
+          <a:endParaRPr lang="de-DE"/>
+        </a:p>
+      </dgm:t>
+    </dgm:pt>
+    <dgm:pt modelId="{3862691D-1109-4F9C-A1A0-65CA8038EC30}" type="sibTrans" cxnId="{B0FCD1A0-4EDA-44BC-84F6-5D8983624100}">
+      <dgm:prSet/>
+      <dgm:spPr/>
+      <dgm:t>
+        <a:bodyPr/>
+        <a:lstStyle/>
+        <a:p>
+          <a:endParaRPr lang="de-DE"/>
+        </a:p>
+      </dgm:t>
+    </dgm:pt>
+    <dgm:pt modelId="{C4F52539-3F49-447D-82E7-008C14CF9E86}">
+      <dgm:prSet phldrT="[Text]"/>
+      <dgm:spPr/>
+      <dgm:t>
+        <a:bodyPr/>
+        <a:lstStyle/>
+        <a:p>
+          <a:r>
+            <a:rPr lang="de-DE" dirty="0" err="1"/>
+            <a:t>Runnable</a:t>
+          </a:r>
+          <a:r>
+            <a:rPr lang="de-DE" dirty="0"/>
+            <a:t>-Generator</a:t>
+          </a:r>
+        </a:p>
+      </dgm:t>
+    </dgm:pt>
+    <dgm:pt modelId="{04A6C087-FF21-44B0-A4C5-76590AF82853}" type="parTrans" cxnId="{57735E6A-2878-4A43-AB44-25A08024C03F}">
+      <dgm:prSet/>
+      <dgm:spPr/>
+      <dgm:t>
+        <a:bodyPr/>
+        <a:lstStyle/>
+        <a:p>
+          <a:endParaRPr lang="de-DE"/>
+        </a:p>
+      </dgm:t>
+    </dgm:pt>
+    <dgm:pt modelId="{D1A546F3-491E-4B09-BEE8-E4D23B0AB8AA}" type="sibTrans" cxnId="{57735E6A-2878-4A43-AB44-25A08024C03F}">
+      <dgm:prSet/>
+      <dgm:spPr/>
+      <dgm:t>
+        <a:bodyPr/>
+        <a:lstStyle/>
+        <a:p>
+          <a:endParaRPr lang="de-DE"/>
+        </a:p>
+      </dgm:t>
+    </dgm:pt>
+    <dgm:pt modelId="{C92CD00C-EFC2-4B43-AB2B-7EACEC3F26F6}">
+      <dgm:prSet phldrT="[Text]" custT="1"/>
+      <dgm:spPr/>
+      <dgm:t>
+        <a:bodyPr/>
+        <a:lstStyle/>
+        <a:p>
+          <a:pPr>
+            <a:buFont typeface="Arial" panose="020B0604020202020204" pitchFamily="34" charset="0"/>
+            <a:buChar char="•"/>
+          </a:pPr>
+          <a:r>
+            <a:rPr lang="de-DE" sz="800" dirty="0"/>
+            <a:t>Generiert </a:t>
+          </a:r>
+          <a:r>
+            <a:rPr lang="de-DE" sz="800" dirty="0" err="1"/>
+            <a:t>Runnable</a:t>
+          </a:r>
+          <a:r>
+            <a:rPr lang="de-DE" sz="800" dirty="0"/>
+            <a:t>-Funktionen</a:t>
+          </a:r>
+        </a:p>
+      </dgm:t>
+    </dgm:pt>
+    <dgm:pt modelId="{9855761D-7B7C-458C-A10C-7E62AC687BDE}" type="parTrans" cxnId="{4037FFA9-964B-4772-AC7B-D2624D276995}">
+      <dgm:prSet/>
+      <dgm:spPr/>
+      <dgm:t>
+        <a:bodyPr/>
+        <a:lstStyle/>
+        <a:p>
+          <a:endParaRPr lang="de-DE"/>
+        </a:p>
+      </dgm:t>
+    </dgm:pt>
+    <dgm:pt modelId="{53BF2953-E0C5-4F6D-9EAE-F91CA0FE8B53}" type="sibTrans" cxnId="{4037FFA9-964B-4772-AC7B-D2624D276995}">
+      <dgm:prSet/>
+      <dgm:spPr/>
+      <dgm:t>
+        <a:bodyPr/>
+        <a:lstStyle/>
+        <a:p>
+          <a:endParaRPr lang="de-DE"/>
+        </a:p>
+      </dgm:t>
+    </dgm:pt>
+    <dgm:pt modelId="{F37C637A-31EA-4BFE-967A-9B0773AA35AE}">
+      <dgm:prSet phldrT="[Text]" custT="1"/>
+      <dgm:spPr/>
+      <dgm:t>
+        <a:bodyPr/>
+        <a:lstStyle/>
+        <a:p>
+          <a:pPr>
+            <a:buFont typeface="Arial" panose="020B0604020202020204" pitchFamily="34" charset="0"/>
+            <a:buChar char="•"/>
+          </a:pPr>
+          <a:r>
+            <a:rPr lang="de-DE" sz="800" dirty="0"/>
+            <a:t>Generiert </a:t>
+          </a:r>
+          <a:r>
+            <a:rPr lang="de-DE" sz="800" dirty="0" err="1"/>
+            <a:t>Runnable</a:t>
+          </a:r>
+          <a:r>
+            <a:rPr lang="de-DE" sz="800" dirty="0"/>
+            <a:t>-Trigger</a:t>
+          </a:r>
+        </a:p>
+      </dgm:t>
+    </dgm:pt>
+    <dgm:pt modelId="{AD901D57-8CD2-4574-B4D9-B11993C0562D}" type="parTrans" cxnId="{1E0CE3E1-2B23-4793-A48D-AD5D5B710FDA}">
+      <dgm:prSet/>
+      <dgm:spPr/>
+      <dgm:t>
+        <a:bodyPr/>
+        <a:lstStyle/>
+        <a:p>
+          <a:endParaRPr lang="de-DE"/>
+        </a:p>
+      </dgm:t>
+    </dgm:pt>
+    <dgm:pt modelId="{32FF722B-2306-457F-B17F-0164A8F8DC36}" type="sibTrans" cxnId="{1E0CE3E1-2B23-4793-A48D-AD5D5B710FDA}">
+      <dgm:prSet/>
+      <dgm:spPr/>
+      <dgm:t>
+        <a:bodyPr/>
+        <a:lstStyle/>
+        <a:p>
+          <a:endParaRPr lang="de-DE"/>
+        </a:p>
+      </dgm:t>
+    </dgm:pt>
+    <dgm:pt modelId="{DF43BF0F-6068-4E3D-89F5-3EE311D2A6F1}" type="pres">
+      <dgm:prSet presAssocID="{14ED2829-E6B9-413B-8ADB-C4946D598BF4}" presName="Name0" presStyleCnt="0">
+        <dgm:presLayoutVars>
+          <dgm:dir/>
+          <dgm:animLvl val="lvl"/>
+          <dgm:resizeHandles val="exact"/>
+        </dgm:presLayoutVars>
+      </dgm:prSet>
+      <dgm:spPr/>
+    </dgm:pt>
+    <dgm:pt modelId="{2720313A-E07F-4CB6-B34D-06B5CC3864BC}" type="pres">
+      <dgm:prSet presAssocID="{C4F52539-3F49-447D-82E7-008C14CF9E86}" presName="boxAndChildren" presStyleCnt="0"/>
+      <dgm:spPr/>
+    </dgm:pt>
+    <dgm:pt modelId="{270188F5-49CC-4821-9041-34995F378EC9}" type="pres">
+      <dgm:prSet presAssocID="{C4F52539-3F49-447D-82E7-008C14CF9E86}" presName="parentTextBox" presStyleLbl="node1" presStyleIdx="0" presStyleCnt="4"/>
+      <dgm:spPr/>
+    </dgm:pt>
+    <dgm:pt modelId="{962C3BC1-A858-4B31-9ECD-A990EE8FACDA}" type="pres">
+      <dgm:prSet presAssocID="{C4F52539-3F49-447D-82E7-008C14CF9E86}" presName="entireBox" presStyleLbl="node1" presStyleIdx="0" presStyleCnt="4"/>
+      <dgm:spPr/>
+    </dgm:pt>
+    <dgm:pt modelId="{B1A18F50-3CF6-48F3-BBA5-42E3480C3205}" type="pres">
+      <dgm:prSet presAssocID="{C4F52539-3F49-447D-82E7-008C14CF9E86}" presName="descendantBox" presStyleCnt="0"/>
+      <dgm:spPr/>
+    </dgm:pt>
+    <dgm:pt modelId="{4A07A16E-E278-4A43-81D9-9F55CCFF3575}" type="pres">
+      <dgm:prSet presAssocID="{C92CD00C-EFC2-4B43-AB2B-7EACEC3F26F6}" presName="childTextBox" presStyleLbl="fgAccFollowNode1" presStyleIdx="0" presStyleCnt="9">
+        <dgm:presLayoutVars>
+          <dgm:bulletEnabled val="1"/>
+        </dgm:presLayoutVars>
+      </dgm:prSet>
+      <dgm:spPr/>
+    </dgm:pt>
+    <dgm:pt modelId="{C27EDC31-4C78-4999-85AA-2F5C8ED0AAD6}" type="pres">
+      <dgm:prSet presAssocID="{F37C637A-31EA-4BFE-967A-9B0773AA35AE}" presName="childTextBox" presStyleLbl="fgAccFollowNode1" presStyleIdx="1" presStyleCnt="9">
+        <dgm:presLayoutVars>
+          <dgm:bulletEnabled val="1"/>
+        </dgm:presLayoutVars>
+      </dgm:prSet>
+      <dgm:spPr/>
+    </dgm:pt>
+    <dgm:pt modelId="{40490CED-0F7E-4328-9B62-2E427E320F18}" type="pres">
+      <dgm:prSet presAssocID="{F9526517-DE28-44B7-AFDB-29E4120F5F42}" presName="sp" presStyleCnt="0"/>
+      <dgm:spPr/>
+    </dgm:pt>
+    <dgm:pt modelId="{A30A2E88-0592-49CA-8D95-056F969CB75E}" type="pres">
+      <dgm:prSet presAssocID="{D4FBC62B-1E98-47D9-BB51-00216C5660E9}" presName="arrowAndChildren" presStyleCnt="0"/>
+      <dgm:spPr/>
+    </dgm:pt>
+    <dgm:pt modelId="{FB92F274-7833-4AEC-9B95-8B39344F2776}" type="pres">
+      <dgm:prSet presAssocID="{D4FBC62B-1E98-47D9-BB51-00216C5660E9}" presName="parentTextArrow" presStyleLbl="node1" presStyleIdx="0" presStyleCnt="4"/>
+      <dgm:spPr/>
+    </dgm:pt>
+    <dgm:pt modelId="{465EA1D7-D925-481E-AA9D-89E721E6002A}" type="pres">
+      <dgm:prSet presAssocID="{D4FBC62B-1E98-47D9-BB51-00216C5660E9}" presName="arrow" presStyleLbl="node1" presStyleIdx="1" presStyleCnt="4"/>
+      <dgm:spPr/>
+    </dgm:pt>
+    <dgm:pt modelId="{7019FA33-6E7D-4FF9-8917-8F813A09AC7A}" type="pres">
+      <dgm:prSet presAssocID="{D4FBC62B-1E98-47D9-BB51-00216C5660E9}" presName="descendantArrow" presStyleCnt="0"/>
+      <dgm:spPr/>
+    </dgm:pt>
+    <dgm:pt modelId="{91A421DD-D6FB-4186-9932-A963FD383C59}" type="pres">
+      <dgm:prSet presAssocID="{B4938D18-CAD9-4A95-AFD6-984FEFCA4F6E}" presName="childTextArrow" presStyleLbl="fgAccFollowNode1" presStyleIdx="2" presStyleCnt="9">
+        <dgm:presLayoutVars>
+          <dgm:bulletEnabled val="1"/>
+        </dgm:presLayoutVars>
+      </dgm:prSet>
+      <dgm:spPr/>
+    </dgm:pt>
+    <dgm:pt modelId="{7F9505D5-4784-45D4-9257-D070CAE177D5}" type="pres">
+      <dgm:prSet presAssocID="{29F02603-EEBC-47D1-8E04-7D3A043383FC}" presName="childTextArrow" presStyleLbl="fgAccFollowNode1" presStyleIdx="3" presStyleCnt="9">
+        <dgm:presLayoutVars>
+          <dgm:bulletEnabled val="1"/>
+        </dgm:presLayoutVars>
+      </dgm:prSet>
+      <dgm:spPr/>
+    </dgm:pt>
+    <dgm:pt modelId="{CE95A3F3-5672-4515-800C-67E61B9AD468}" type="pres">
+      <dgm:prSet presAssocID="{EFCB8FE4-CC12-4D5B-BC3E-D4685D704D43}" presName="sp" presStyleCnt="0"/>
+      <dgm:spPr/>
+    </dgm:pt>
+    <dgm:pt modelId="{AA232BAB-32BA-4B2E-9B55-7EB3C87DCC6F}" type="pres">
+      <dgm:prSet presAssocID="{7CF48137-AAA1-49F5-A0F9-ED5BFEB1C1FB}" presName="arrowAndChildren" presStyleCnt="0"/>
+      <dgm:spPr/>
+    </dgm:pt>
+    <dgm:pt modelId="{73EAFBB2-3A10-48D6-A9D0-48EC54C28D02}" type="pres">
+      <dgm:prSet presAssocID="{7CF48137-AAA1-49F5-A0F9-ED5BFEB1C1FB}" presName="parentTextArrow" presStyleLbl="node1" presStyleIdx="1" presStyleCnt="4"/>
+      <dgm:spPr/>
+    </dgm:pt>
+    <dgm:pt modelId="{0F8FB9DA-109D-470E-B5A0-594EA8FE74FD}" type="pres">
+      <dgm:prSet presAssocID="{7CF48137-AAA1-49F5-A0F9-ED5BFEB1C1FB}" presName="arrow" presStyleLbl="node1" presStyleIdx="2" presStyleCnt="4"/>
+      <dgm:spPr/>
+    </dgm:pt>
+    <dgm:pt modelId="{D90EE4E0-B6A1-4006-A219-E71EAF8AF730}" type="pres">
+      <dgm:prSet presAssocID="{7CF48137-AAA1-49F5-A0F9-ED5BFEB1C1FB}" presName="descendantArrow" presStyleCnt="0"/>
+      <dgm:spPr/>
+    </dgm:pt>
+    <dgm:pt modelId="{DC5549BA-5DD5-4013-A555-2B3C56B1F11C}" type="pres">
+      <dgm:prSet presAssocID="{3AA03AA2-F841-466F-B024-4B622C6B19E3}" presName="childTextArrow" presStyleLbl="fgAccFollowNode1" presStyleIdx="4" presStyleCnt="9">
+        <dgm:presLayoutVars>
+          <dgm:bulletEnabled val="1"/>
+        </dgm:presLayoutVars>
+      </dgm:prSet>
+      <dgm:spPr/>
+    </dgm:pt>
+    <dgm:pt modelId="{574AADEE-F935-48AD-B0DB-A1DFD8970F9C}" type="pres">
+      <dgm:prSet presAssocID="{AB75C91E-AF81-4E7E-9ABB-BA3E0286CCEF}" presName="childTextArrow" presStyleLbl="fgAccFollowNode1" presStyleIdx="5" presStyleCnt="9">
+        <dgm:presLayoutVars>
+          <dgm:bulletEnabled val="1"/>
+        </dgm:presLayoutVars>
+      </dgm:prSet>
+      <dgm:spPr/>
+    </dgm:pt>
+    <dgm:pt modelId="{D8EBD60E-F5DA-411B-BF9C-91D839CE0C2A}" type="pres">
+      <dgm:prSet presAssocID="{CFF6B796-966E-4439-9AD5-6AB156D6B04F}" presName="childTextArrow" presStyleLbl="fgAccFollowNode1" presStyleIdx="6" presStyleCnt="9">
+        <dgm:presLayoutVars>
+          <dgm:bulletEnabled val="1"/>
+        </dgm:presLayoutVars>
+      </dgm:prSet>
+      <dgm:spPr/>
+    </dgm:pt>
+    <dgm:pt modelId="{50413DC8-30C3-4D9E-9B7C-A2869A77E048}" type="pres">
+      <dgm:prSet presAssocID="{370BAB6C-76C0-4587-BC25-7FEA251B03BF}" presName="sp" presStyleCnt="0"/>
+      <dgm:spPr/>
+    </dgm:pt>
+    <dgm:pt modelId="{07FD6995-31F9-4DFC-BB96-D47BC9EF8D50}" type="pres">
+      <dgm:prSet presAssocID="{A10CB52F-6497-46C6-9C8F-9EB2EB372486}" presName="arrowAndChildren" presStyleCnt="0"/>
+      <dgm:spPr/>
+    </dgm:pt>
+    <dgm:pt modelId="{25E3D99D-7406-4B12-B299-31470982ACA7}" type="pres">
+      <dgm:prSet presAssocID="{A10CB52F-6497-46C6-9C8F-9EB2EB372486}" presName="parentTextArrow" presStyleLbl="node1" presStyleIdx="2" presStyleCnt="4"/>
+      <dgm:spPr/>
+    </dgm:pt>
+    <dgm:pt modelId="{AF37F22D-ADBD-45E5-9E20-AC3551CA4D07}" type="pres">
+      <dgm:prSet presAssocID="{A10CB52F-6497-46C6-9C8F-9EB2EB372486}" presName="arrow" presStyleLbl="node1" presStyleIdx="3" presStyleCnt="4"/>
+      <dgm:spPr/>
+    </dgm:pt>
+    <dgm:pt modelId="{87B4C68D-6B3D-4D18-9B6E-14904B34BB64}" type="pres">
+      <dgm:prSet presAssocID="{A10CB52F-6497-46C6-9C8F-9EB2EB372486}" presName="descendantArrow" presStyleCnt="0"/>
+      <dgm:spPr/>
+    </dgm:pt>
+    <dgm:pt modelId="{A13A63DF-9DC8-41F9-A779-684208010E7F}" type="pres">
+      <dgm:prSet presAssocID="{EB1EC0A4-5404-47B1-80A9-9D2D43BCBFAC}" presName="childTextArrow" presStyleLbl="fgAccFollowNode1" presStyleIdx="7" presStyleCnt="9">
+        <dgm:presLayoutVars>
+          <dgm:bulletEnabled val="1"/>
+        </dgm:presLayoutVars>
+      </dgm:prSet>
+      <dgm:spPr/>
+    </dgm:pt>
+    <dgm:pt modelId="{B722C404-8433-4AC2-94BD-BF739BFA3EA5}" type="pres">
+      <dgm:prSet presAssocID="{24AC8DD2-11C7-4B64-8273-AFB53CF24DC5}" presName="childTextArrow" presStyleLbl="fgAccFollowNode1" presStyleIdx="8" presStyleCnt="9">
+        <dgm:presLayoutVars>
+          <dgm:bulletEnabled val="1"/>
+        </dgm:presLayoutVars>
+      </dgm:prSet>
+      <dgm:spPr/>
+    </dgm:pt>
+  </dgm:ptLst>
+  <dgm:cxnLst>
+    <dgm:cxn modelId="{15BDA502-D5F9-44DE-810F-6DD071C955D8}" type="presOf" srcId="{B4938D18-CAD9-4A95-AFD6-984FEFCA4F6E}" destId="{91A421DD-D6FB-4186-9932-A963FD383C59}" srcOrd="0" destOrd="0" presId="urn:microsoft.com/office/officeart/2005/8/layout/process4"/>
+    <dgm:cxn modelId="{9313E517-4F09-497B-86EA-2D4BAA09D8A7}" type="presOf" srcId="{7CF48137-AAA1-49F5-A0F9-ED5BFEB1C1FB}" destId="{73EAFBB2-3A10-48D6-A9D0-48EC54C28D02}" srcOrd="0" destOrd="0" presId="urn:microsoft.com/office/officeart/2005/8/layout/process4"/>
+    <dgm:cxn modelId="{224D5D19-8322-4A4D-A501-5DC86D323B82}" type="presOf" srcId="{3AA03AA2-F841-466F-B024-4B622C6B19E3}" destId="{DC5549BA-5DD5-4013-A555-2B3C56B1F11C}" srcOrd="0" destOrd="0" presId="urn:microsoft.com/office/officeart/2005/8/layout/process4"/>
+    <dgm:cxn modelId="{6FB63E34-710E-4084-8F02-98938AA1539D}" type="presOf" srcId="{24AC8DD2-11C7-4B64-8273-AFB53CF24DC5}" destId="{B722C404-8433-4AC2-94BD-BF739BFA3EA5}" srcOrd="0" destOrd="0" presId="urn:microsoft.com/office/officeart/2005/8/layout/process4"/>
+    <dgm:cxn modelId="{D0956764-7E98-4BAA-99BE-A8BFE00F1EAC}" type="presOf" srcId="{C4F52539-3F49-447D-82E7-008C14CF9E86}" destId="{270188F5-49CC-4821-9041-34995F378EC9}" srcOrd="0" destOrd="0" presId="urn:microsoft.com/office/officeart/2005/8/layout/process4"/>
+    <dgm:cxn modelId="{AEC64266-4E6F-41DC-B50E-EAE114936FBF}" srcId="{7CF48137-AAA1-49F5-A0F9-ED5BFEB1C1FB}" destId="{AB75C91E-AF81-4E7E-9ABB-BA3E0286CCEF}" srcOrd="1" destOrd="0" parTransId="{26CC48A8-FF27-4450-997D-3B2FA7A08F8D}" sibTransId="{0A18570B-4DC2-4B95-B48F-30918EE1E2ED}"/>
+    <dgm:cxn modelId="{57735E6A-2878-4A43-AB44-25A08024C03F}" srcId="{14ED2829-E6B9-413B-8ADB-C4946D598BF4}" destId="{C4F52539-3F49-447D-82E7-008C14CF9E86}" srcOrd="3" destOrd="0" parTransId="{04A6C087-FF21-44B0-A4C5-76590AF82853}" sibTransId="{D1A546F3-491E-4B09-BEE8-E4D23B0AB8AA}"/>
+    <dgm:cxn modelId="{62A2D76C-0EC5-4837-A24F-EF9350D7AD6C}" type="presOf" srcId="{CFF6B796-966E-4439-9AD5-6AB156D6B04F}" destId="{D8EBD60E-F5DA-411B-BF9C-91D839CE0C2A}" srcOrd="0" destOrd="0" presId="urn:microsoft.com/office/officeart/2005/8/layout/process4"/>
+    <dgm:cxn modelId="{D96DFA72-4ECA-45A3-AF38-964C48B4654B}" srcId="{D4FBC62B-1E98-47D9-BB51-00216C5660E9}" destId="{B4938D18-CAD9-4A95-AFD6-984FEFCA4F6E}" srcOrd="0" destOrd="0" parTransId="{6051913E-C1D7-49CA-A8DD-A0ED4B7508BB}" sibTransId="{A2BC054C-DBDC-4E9D-AB2A-4D358F7E7108}"/>
+    <dgm:cxn modelId="{1730C474-91BD-48A8-8D47-21884F3E4C19}" srcId="{14ED2829-E6B9-413B-8ADB-C4946D598BF4}" destId="{A10CB52F-6497-46C6-9C8F-9EB2EB372486}" srcOrd="0" destOrd="0" parTransId="{83EED14C-AD62-4B9B-A642-0E489F54D2A4}" sibTransId="{370BAB6C-76C0-4587-BC25-7FEA251B03BF}"/>
+    <dgm:cxn modelId="{22D6F554-BBCC-48B9-81FA-1BBFC789103C}" srcId="{A10CB52F-6497-46C6-9C8F-9EB2EB372486}" destId="{EB1EC0A4-5404-47B1-80A9-9D2D43BCBFAC}" srcOrd="0" destOrd="0" parTransId="{0F6E03D8-181B-4187-8765-343A9BB7ABBB}" sibTransId="{9EA335A6-C70C-4A43-BAE0-CBBFB0EC0151}"/>
+    <dgm:cxn modelId="{C91D5176-5EDB-4932-9FE6-F2E542B79114}" type="presOf" srcId="{EB1EC0A4-5404-47B1-80A9-9D2D43BCBFAC}" destId="{A13A63DF-9DC8-41F9-A779-684208010E7F}" srcOrd="0" destOrd="0" presId="urn:microsoft.com/office/officeart/2005/8/layout/process4"/>
+    <dgm:cxn modelId="{3D73837C-D3BF-4CC2-AE71-A2874DCF8FB9}" srcId="{14ED2829-E6B9-413B-8ADB-C4946D598BF4}" destId="{D4FBC62B-1E98-47D9-BB51-00216C5660E9}" srcOrd="2" destOrd="0" parTransId="{3191980E-43E5-4F8C-BC4F-E41B20ACA15A}" sibTransId="{F9526517-DE28-44B7-AFDB-29E4120F5F42}"/>
+    <dgm:cxn modelId="{66F87888-F627-4760-9CAC-923743A291E2}" srcId="{A10CB52F-6497-46C6-9C8F-9EB2EB372486}" destId="{24AC8DD2-11C7-4B64-8273-AFB53CF24DC5}" srcOrd="1" destOrd="0" parTransId="{1B113E6F-489F-4329-9F2B-08DD4FAC45DF}" sibTransId="{4EB28EB2-7B46-45BC-80D6-7F72671C6B21}"/>
+    <dgm:cxn modelId="{87CA5289-6B61-448C-A8BA-AC00C89D6E28}" srcId="{7CF48137-AAA1-49F5-A0F9-ED5BFEB1C1FB}" destId="{3AA03AA2-F841-466F-B024-4B622C6B19E3}" srcOrd="0" destOrd="0" parTransId="{CA902DD8-4EBA-4DE5-B03F-F3264C0B5604}" sibTransId="{0E4D4BB2-16B0-434A-8018-1855DA4197A0}"/>
+    <dgm:cxn modelId="{39901F9B-6810-458E-9FD6-D7D77E6459D0}" type="presOf" srcId="{7CF48137-AAA1-49F5-A0F9-ED5BFEB1C1FB}" destId="{0F8FB9DA-109D-470E-B5A0-594EA8FE74FD}" srcOrd="1" destOrd="0" presId="urn:microsoft.com/office/officeart/2005/8/layout/process4"/>
+    <dgm:cxn modelId="{B0FCD1A0-4EDA-44BC-84F6-5D8983624100}" srcId="{D4FBC62B-1E98-47D9-BB51-00216C5660E9}" destId="{29F02603-EEBC-47D1-8E04-7D3A043383FC}" srcOrd="1" destOrd="0" parTransId="{3051F7F1-3F24-4264-B0C5-914D6905C927}" sibTransId="{3862691D-1109-4F9C-A1A0-65CA8038EC30}"/>
+    <dgm:cxn modelId="{AC3C00A5-E57C-43B5-86B2-7C6BBB6AB76E}" type="presOf" srcId="{C92CD00C-EFC2-4B43-AB2B-7EACEC3F26F6}" destId="{4A07A16E-E278-4A43-81D9-9F55CCFF3575}" srcOrd="0" destOrd="0" presId="urn:microsoft.com/office/officeart/2005/8/layout/process4"/>
+    <dgm:cxn modelId="{3FBC87A5-4B32-450E-9AA5-EA29305B2112}" type="presOf" srcId="{A10CB52F-6497-46C6-9C8F-9EB2EB372486}" destId="{AF37F22D-ADBD-45E5-9E20-AC3551CA4D07}" srcOrd="1" destOrd="0" presId="urn:microsoft.com/office/officeart/2005/8/layout/process4"/>
+    <dgm:cxn modelId="{4037FFA9-964B-4772-AC7B-D2624D276995}" srcId="{C4F52539-3F49-447D-82E7-008C14CF9E86}" destId="{C92CD00C-EFC2-4B43-AB2B-7EACEC3F26F6}" srcOrd="0" destOrd="0" parTransId="{9855761D-7B7C-458C-A10C-7E62AC687BDE}" sibTransId="{53BF2953-E0C5-4F6D-9EAE-F91CA0FE8B53}"/>
+    <dgm:cxn modelId="{76B512B2-3660-4CBB-A936-AAD949C68AEA}" type="presOf" srcId="{29F02603-EEBC-47D1-8E04-7D3A043383FC}" destId="{7F9505D5-4784-45D4-9257-D070CAE177D5}" srcOrd="0" destOrd="0" presId="urn:microsoft.com/office/officeart/2005/8/layout/process4"/>
+    <dgm:cxn modelId="{BF6D17B4-5EAC-4892-822F-5770BEA6F862}" type="presOf" srcId="{A10CB52F-6497-46C6-9C8F-9EB2EB372486}" destId="{25E3D99D-7406-4B12-B299-31470982ACA7}" srcOrd="0" destOrd="0" presId="urn:microsoft.com/office/officeart/2005/8/layout/process4"/>
+    <dgm:cxn modelId="{0A00D1BA-86C0-41C5-AF98-8F8603D49C7D}" srcId="{7CF48137-AAA1-49F5-A0F9-ED5BFEB1C1FB}" destId="{CFF6B796-966E-4439-9AD5-6AB156D6B04F}" srcOrd="2" destOrd="0" parTransId="{C91523CD-4DC9-490C-9EA3-DC45F6099920}" sibTransId="{745FA1E5-FD74-4FF0-8240-11F01603D0C1}"/>
+    <dgm:cxn modelId="{8F0258C1-4AE7-4EC6-AC21-8005524AAA50}" type="presOf" srcId="{D4FBC62B-1E98-47D9-BB51-00216C5660E9}" destId="{465EA1D7-D925-481E-AA9D-89E721E6002A}" srcOrd="1" destOrd="0" presId="urn:microsoft.com/office/officeart/2005/8/layout/process4"/>
+    <dgm:cxn modelId="{9C4012C8-FC26-4581-965B-05090A78EBEF}" type="presOf" srcId="{F37C637A-31EA-4BFE-967A-9B0773AA35AE}" destId="{C27EDC31-4C78-4999-85AA-2F5C8ED0AAD6}" srcOrd="0" destOrd="0" presId="urn:microsoft.com/office/officeart/2005/8/layout/process4"/>
+    <dgm:cxn modelId="{E18163C9-08A7-45F6-9B2E-C34F8946479E}" srcId="{14ED2829-E6B9-413B-8ADB-C4946D598BF4}" destId="{7CF48137-AAA1-49F5-A0F9-ED5BFEB1C1FB}" srcOrd="1" destOrd="0" parTransId="{B464EA17-2775-46D8-B49E-21D687EF8CB5}" sibTransId="{EFCB8FE4-CC12-4D5B-BC3E-D4685D704D43}"/>
+    <dgm:cxn modelId="{8519FFC9-5309-4F51-A491-A88C92BC553A}" type="presOf" srcId="{14ED2829-E6B9-413B-8ADB-C4946D598BF4}" destId="{DF43BF0F-6068-4E3D-89F5-3EE311D2A6F1}" srcOrd="0" destOrd="0" presId="urn:microsoft.com/office/officeart/2005/8/layout/process4"/>
+    <dgm:cxn modelId="{1E0CE3E1-2B23-4793-A48D-AD5D5B710FDA}" srcId="{C4F52539-3F49-447D-82E7-008C14CF9E86}" destId="{F37C637A-31EA-4BFE-967A-9B0773AA35AE}" srcOrd="1" destOrd="0" parTransId="{AD901D57-8CD2-4574-B4D9-B11993C0562D}" sibTransId="{32FF722B-2306-457F-B17F-0164A8F8DC36}"/>
+    <dgm:cxn modelId="{D5B4E1E2-8123-4CBD-AF61-7648C06ECF36}" type="presOf" srcId="{C4F52539-3F49-447D-82E7-008C14CF9E86}" destId="{962C3BC1-A858-4B31-9ECD-A990EE8FACDA}" srcOrd="1" destOrd="0" presId="urn:microsoft.com/office/officeart/2005/8/layout/process4"/>
+    <dgm:cxn modelId="{8F9618F0-0AA7-4B34-89F3-D0B80CA5AC62}" type="presOf" srcId="{AB75C91E-AF81-4E7E-9ABB-BA3E0286CCEF}" destId="{574AADEE-F935-48AD-B0DB-A1DFD8970F9C}" srcOrd="0" destOrd="0" presId="urn:microsoft.com/office/officeart/2005/8/layout/process4"/>
+    <dgm:cxn modelId="{CFA530F9-756F-445D-AED8-5306AD5C0BCE}" type="presOf" srcId="{D4FBC62B-1E98-47D9-BB51-00216C5660E9}" destId="{FB92F274-7833-4AEC-9B95-8B39344F2776}" srcOrd="0" destOrd="0" presId="urn:microsoft.com/office/officeart/2005/8/layout/process4"/>
+    <dgm:cxn modelId="{0EC4906A-91AF-4316-939A-F0BEF919D960}" type="presParOf" srcId="{DF43BF0F-6068-4E3D-89F5-3EE311D2A6F1}" destId="{2720313A-E07F-4CB6-B34D-06B5CC3864BC}" srcOrd="0" destOrd="0" presId="urn:microsoft.com/office/officeart/2005/8/layout/process4"/>
+    <dgm:cxn modelId="{3721834C-CC6D-439F-86F7-89ADE8A78268}" type="presParOf" srcId="{2720313A-E07F-4CB6-B34D-06B5CC3864BC}" destId="{270188F5-49CC-4821-9041-34995F378EC9}" srcOrd="0" destOrd="0" presId="urn:microsoft.com/office/officeart/2005/8/layout/process4"/>
+    <dgm:cxn modelId="{BE198523-519F-4725-BEF9-DA293B3B1F6A}" type="presParOf" srcId="{2720313A-E07F-4CB6-B34D-06B5CC3864BC}" destId="{962C3BC1-A858-4B31-9ECD-A990EE8FACDA}" srcOrd="1" destOrd="0" presId="urn:microsoft.com/office/officeart/2005/8/layout/process4"/>
+    <dgm:cxn modelId="{D6BEEA43-137E-4AF0-B0B1-64D099F113E2}" type="presParOf" srcId="{2720313A-E07F-4CB6-B34D-06B5CC3864BC}" destId="{B1A18F50-3CF6-48F3-BBA5-42E3480C3205}" srcOrd="2" destOrd="0" presId="urn:microsoft.com/office/officeart/2005/8/layout/process4"/>
+    <dgm:cxn modelId="{A33EB78D-FF75-462B-9439-841A1048A8C1}" type="presParOf" srcId="{B1A18F50-3CF6-48F3-BBA5-42E3480C3205}" destId="{4A07A16E-E278-4A43-81D9-9F55CCFF3575}" srcOrd="0" destOrd="0" presId="urn:microsoft.com/office/officeart/2005/8/layout/process4"/>
+    <dgm:cxn modelId="{C661FC17-FE92-4A9D-B615-B765715F0E6B}" type="presParOf" srcId="{B1A18F50-3CF6-48F3-BBA5-42E3480C3205}" destId="{C27EDC31-4C78-4999-85AA-2F5C8ED0AAD6}" srcOrd="1" destOrd="0" presId="urn:microsoft.com/office/officeart/2005/8/layout/process4"/>
+    <dgm:cxn modelId="{3B454CFD-2630-4846-AAA4-FA37C0DDE39A}" type="presParOf" srcId="{DF43BF0F-6068-4E3D-89F5-3EE311D2A6F1}" destId="{40490CED-0F7E-4328-9B62-2E427E320F18}" srcOrd="1" destOrd="0" presId="urn:microsoft.com/office/officeart/2005/8/layout/process4"/>
+    <dgm:cxn modelId="{1AACBE92-B3B3-4EA7-B4C5-7B1618EB5C01}" type="presParOf" srcId="{DF43BF0F-6068-4E3D-89F5-3EE311D2A6F1}" destId="{A30A2E88-0592-49CA-8D95-056F969CB75E}" srcOrd="2" destOrd="0" presId="urn:microsoft.com/office/officeart/2005/8/layout/process4"/>
+    <dgm:cxn modelId="{8DC7A65F-F962-4735-A488-6132A1228CCD}" type="presParOf" srcId="{A30A2E88-0592-49CA-8D95-056F969CB75E}" destId="{FB92F274-7833-4AEC-9B95-8B39344F2776}" srcOrd="0" destOrd="0" presId="urn:microsoft.com/office/officeart/2005/8/layout/process4"/>
+    <dgm:cxn modelId="{6DEAF15C-BC79-430E-9B4B-FE6D55323E72}" type="presParOf" srcId="{A30A2E88-0592-49CA-8D95-056F969CB75E}" destId="{465EA1D7-D925-481E-AA9D-89E721E6002A}" srcOrd="1" destOrd="0" presId="urn:microsoft.com/office/officeart/2005/8/layout/process4"/>
+    <dgm:cxn modelId="{35D5CF95-1A39-42E8-B6ED-174FF813F5F9}" type="presParOf" srcId="{A30A2E88-0592-49CA-8D95-056F969CB75E}" destId="{7019FA33-6E7D-4FF9-8917-8F813A09AC7A}" srcOrd="2" destOrd="0" presId="urn:microsoft.com/office/officeart/2005/8/layout/process4"/>
+    <dgm:cxn modelId="{D1E0869E-64F7-4738-A2E7-D4D40594CCCE}" type="presParOf" srcId="{7019FA33-6E7D-4FF9-8917-8F813A09AC7A}" destId="{91A421DD-D6FB-4186-9932-A963FD383C59}" srcOrd="0" destOrd="0" presId="urn:microsoft.com/office/officeart/2005/8/layout/process4"/>
+    <dgm:cxn modelId="{A024A7AD-29E3-4974-B60B-4D50C4778455}" type="presParOf" srcId="{7019FA33-6E7D-4FF9-8917-8F813A09AC7A}" destId="{7F9505D5-4784-45D4-9257-D070CAE177D5}" srcOrd="1" destOrd="0" presId="urn:microsoft.com/office/officeart/2005/8/layout/process4"/>
+    <dgm:cxn modelId="{C4EB275C-AC58-43A5-AAC4-1CAE59E7F354}" type="presParOf" srcId="{DF43BF0F-6068-4E3D-89F5-3EE311D2A6F1}" destId="{CE95A3F3-5672-4515-800C-67E61B9AD468}" srcOrd="3" destOrd="0" presId="urn:microsoft.com/office/officeart/2005/8/layout/process4"/>
+    <dgm:cxn modelId="{0836168E-8298-4BD7-A012-4763874BE254}" type="presParOf" srcId="{DF43BF0F-6068-4E3D-89F5-3EE311D2A6F1}" destId="{AA232BAB-32BA-4B2E-9B55-7EB3C87DCC6F}" srcOrd="4" destOrd="0" presId="urn:microsoft.com/office/officeart/2005/8/layout/process4"/>
+    <dgm:cxn modelId="{1B979F93-DBE8-4A0E-B8DC-35BD60740EAD}" type="presParOf" srcId="{AA232BAB-32BA-4B2E-9B55-7EB3C87DCC6F}" destId="{73EAFBB2-3A10-48D6-A9D0-48EC54C28D02}" srcOrd="0" destOrd="0" presId="urn:microsoft.com/office/officeart/2005/8/layout/process4"/>
+    <dgm:cxn modelId="{08B1429A-5A77-4505-8D20-94FD4FFA7B92}" type="presParOf" srcId="{AA232BAB-32BA-4B2E-9B55-7EB3C87DCC6F}" destId="{0F8FB9DA-109D-470E-B5A0-594EA8FE74FD}" srcOrd="1" destOrd="0" presId="urn:microsoft.com/office/officeart/2005/8/layout/process4"/>
+    <dgm:cxn modelId="{A2681295-9725-4025-9796-8BB465601656}" type="presParOf" srcId="{AA232BAB-32BA-4B2E-9B55-7EB3C87DCC6F}" destId="{D90EE4E0-B6A1-4006-A219-E71EAF8AF730}" srcOrd="2" destOrd="0" presId="urn:microsoft.com/office/officeart/2005/8/layout/process4"/>
+    <dgm:cxn modelId="{183210EC-5279-4451-A833-1AC55008A179}" type="presParOf" srcId="{D90EE4E0-B6A1-4006-A219-E71EAF8AF730}" destId="{DC5549BA-5DD5-4013-A555-2B3C56B1F11C}" srcOrd="0" destOrd="0" presId="urn:microsoft.com/office/officeart/2005/8/layout/process4"/>
+    <dgm:cxn modelId="{A5F29CB0-13FF-4468-95C5-8387E4A3C571}" type="presParOf" srcId="{D90EE4E0-B6A1-4006-A219-E71EAF8AF730}" destId="{574AADEE-F935-48AD-B0DB-A1DFD8970F9C}" srcOrd="1" destOrd="0" presId="urn:microsoft.com/office/officeart/2005/8/layout/process4"/>
+    <dgm:cxn modelId="{2BCF5B1F-083E-4D03-AC6E-C708DF1C1C05}" type="presParOf" srcId="{D90EE4E0-B6A1-4006-A219-E71EAF8AF730}" destId="{D8EBD60E-F5DA-411B-BF9C-91D839CE0C2A}" srcOrd="2" destOrd="0" presId="urn:microsoft.com/office/officeart/2005/8/layout/process4"/>
+    <dgm:cxn modelId="{AE572E68-E7E8-4ADA-881C-F3B6AEC77597}" type="presParOf" srcId="{DF43BF0F-6068-4E3D-89F5-3EE311D2A6F1}" destId="{50413DC8-30C3-4D9E-9B7C-A2869A77E048}" srcOrd="5" destOrd="0" presId="urn:microsoft.com/office/officeart/2005/8/layout/process4"/>
+    <dgm:cxn modelId="{2F8DB816-E21C-4754-B48F-5D5881003F0B}" type="presParOf" srcId="{DF43BF0F-6068-4E3D-89F5-3EE311D2A6F1}" destId="{07FD6995-31F9-4DFC-BB96-D47BC9EF8D50}" srcOrd="6" destOrd="0" presId="urn:microsoft.com/office/officeart/2005/8/layout/process4"/>
+    <dgm:cxn modelId="{05BC8820-F832-46FB-A488-E1361227FC0E}" type="presParOf" srcId="{07FD6995-31F9-4DFC-BB96-D47BC9EF8D50}" destId="{25E3D99D-7406-4B12-B299-31470982ACA7}" srcOrd="0" destOrd="0" presId="urn:microsoft.com/office/officeart/2005/8/layout/process4"/>
+    <dgm:cxn modelId="{EC720099-5482-44B7-939C-FCE91330B435}" type="presParOf" srcId="{07FD6995-31F9-4DFC-BB96-D47BC9EF8D50}" destId="{AF37F22D-ADBD-45E5-9E20-AC3551CA4D07}" srcOrd="1" destOrd="0" presId="urn:microsoft.com/office/officeart/2005/8/layout/process4"/>
+    <dgm:cxn modelId="{AB4FADB5-FA20-41BA-A6BB-9B4FB274CB5D}" type="presParOf" srcId="{07FD6995-31F9-4DFC-BB96-D47BC9EF8D50}" destId="{87B4C68D-6B3D-4D18-9B6E-14904B34BB64}" srcOrd="2" destOrd="0" presId="urn:microsoft.com/office/officeart/2005/8/layout/process4"/>
+    <dgm:cxn modelId="{6E44406B-A4B8-492D-8808-CBA385AEF604}" type="presParOf" srcId="{87B4C68D-6B3D-4D18-9B6E-14904B34BB64}" destId="{A13A63DF-9DC8-41F9-A779-684208010E7F}" srcOrd="0" destOrd="0" presId="urn:microsoft.com/office/officeart/2005/8/layout/process4"/>
+    <dgm:cxn modelId="{3668CAC9-C064-43FA-803B-EE3DB1D14FDA}" type="presParOf" srcId="{87B4C68D-6B3D-4D18-9B6E-14904B34BB64}" destId="{B722C404-8433-4AC2-94BD-BF739BFA3EA5}" srcOrd="1" destOrd="0" presId="urn:microsoft.com/office/officeart/2005/8/layout/process4"/>
+  </dgm:cxnLst>
+  <dgm:bg/>
+  <dgm:whole/>
+  <dgm:extLst>
+    <a:ext uri="http://schemas.microsoft.com/office/drawing/2008/diagram">
+      <dsp:dataModelExt xmlns:dsp="http://schemas.microsoft.com/office/drawing/2008/diagram" relId="rId6" minVer="http://schemas.openxmlformats.org/drawingml/2006/diagram"/>
+    </a:ext>
+  </dgm:extLst>
+</dgm:dataModel>
+</file>
+
+<file path=ppt/diagrams/data3.xml><?xml version="1.0" encoding="utf-8"?>
+<dgm:dataModel xmlns:dgm="http://schemas.openxmlformats.org/drawingml/2006/diagram" xmlns:a="http://schemas.openxmlformats.org/drawingml/2006/main">
+  <dgm:ptLst>
     <dgm:pt modelId="{18753D03-873F-4146-AD95-D1CB4B8D071D}" type="doc">
-      <dgm:prSet loTypeId="urn:microsoft.com/office/officeart/2005/8/layout/chevron1" loCatId="process" qsTypeId="urn:microsoft.com/office/officeart/2005/8/quickstyle/simple1" qsCatId="simple" csTypeId="urn:microsoft.com/office/officeart/2005/8/colors/accent0_1" csCatId="mainScheme" phldr="1"/>
+      <dgm:prSet loTypeId="urn:microsoft.com/office/officeart/2005/8/layout/chevron1" loCatId="process" qsTypeId="urn:microsoft.com/office/officeart/2005/8/quickstyle/simple1" qsCatId="simple" csTypeId="urn:microsoft.com/office/officeart/2005/8/colors/colorful4" csCatId="colorful" phldr="1"/>
       <dgm:spPr/>
     </dgm:pt>
     <dgm:pt modelId="{6CA5FA71-637A-450F-8045-F1F402DC11B0}">
@@ -2786,13 +4136,6 @@
         </dgm:presLayoutVars>
       </dgm:prSet>
       <dgm:spPr/>
-      <dgm:t>
-        <a:bodyPr/>
-        <a:lstStyle/>
-        <a:p>
-          <a:endParaRPr lang="de-DE"/>
-        </a:p>
-      </dgm:t>
     </dgm:pt>
     <dgm:pt modelId="{AB39998E-0EF6-427D-AEC8-21396EF5E4F6}" type="pres">
       <dgm:prSet presAssocID="{DACC8F31-BC68-44A1-94EA-6E89C74AE713}" presName="parTxOnlySpace" presStyleCnt="0"/>
@@ -2807,13 +4150,6 @@
         </dgm:presLayoutVars>
       </dgm:prSet>
       <dgm:spPr/>
-      <dgm:t>
-        <a:bodyPr/>
-        <a:lstStyle/>
-        <a:p>
-          <a:endParaRPr lang="de-DE"/>
-        </a:p>
-      </dgm:t>
     </dgm:pt>
     <dgm:pt modelId="{5BFF22E0-6CBF-49E6-8EA1-0543140A2AFE}" type="pres">
       <dgm:prSet presAssocID="{9B82CD64-154C-4D52-AD0C-676622C4FF9A}" presName="parTxOnlySpace" presStyleCnt="0"/>
@@ -2828,23 +4164,16 @@
         </dgm:presLayoutVars>
       </dgm:prSet>
       <dgm:spPr/>
-      <dgm:t>
-        <a:bodyPr/>
-        <a:lstStyle/>
-        <a:p>
-          <a:endParaRPr lang="de-DE"/>
-        </a:p>
-      </dgm:t>
     </dgm:pt>
   </dgm:ptLst>
   <dgm:cxnLst>
+    <dgm:cxn modelId="{80D80E0A-B9C1-495A-8E01-420FF8DC81A8}" type="presOf" srcId="{6CA5FA71-637A-450F-8045-F1F402DC11B0}" destId="{5C469640-FE55-4F7F-B497-1B74F4E2C0F5}" srcOrd="0" destOrd="0" presId="urn:microsoft.com/office/officeart/2005/8/layout/chevron1"/>
+    <dgm:cxn modelId="{5D455C36-2A97-4C7D-BDFB-490EB43979FA}" type="presOf" srcId="{B12D6F0D-EDF0-4ED6-88BC-8C1A39EB909A}" destId="{D63463ED-A055-47CD-86CC-42B0566C8334}" srcOrd="0" destOrd="0" presId="urn:microsoft.com/office/officeart/2005/8/layout/chevron1"/>
+    <dgm:cxn modelId="{C004BC63-CBE6-402A-A1CC-BEEA7FD8E89B}" srcId="{18753D03-873F-4146-AD95-D1CB4B8D071D}" destId="{6CA5FA71-637A-450F-8045-F1F402DC11B0}" srcOrd="0" destOrd="0" parTransId="{CE92C5AD-CB25-4E55-A035-CEEEF44C5A21}" sibTransId="{DACC8F31-BC68-44A1-94EA-6E89C74AE713}"/>
     <dgm:cxn modelId="{15B3D88F-AADF-449E-95E0-9236E08B69F3}" type="presOf" srcId="{18753D03-873F-4146-AD95-D1CB4B8D071D}" destId="{3E6991CC-64FF-4E8B-B9D1-453C465915F8}" srcOrd="0" destOrd="0" presId="urn:microsoft.com/office/officeart/2005/8/layout/chevron1"/>
-    <dgm:cxn modelId="{C004BC63-CBE6-402A-A1CC-BEEA7FD8E89B}" srcId="{18753D03-873F-4146-AD95-D1CB4B8D071D}" destId="{6CA5FA71-637A-450F-8045-F1F402DC11B0}" srcOrd="0" destOrd="0" parTransId="{CE92C5AD-CB25-4E55-A035-CEEEF44C5A21}" sibTransId="{DACC8F31-BC68-44A1-94EA-6E89C74AE713}"/>
-    <dgm:cxn modelId="{5D455C36-2A97-4C7D-BDFB-490EB43979FA}" type="presOf" srcId="{B12D6F0D-EDF0-4ED6-88BC-8C1A39EB909A}" destId="{D63463ED-A055-47CD-86CC-42B0566C8334}" srcOrd="0" destOrd="0" presId="urn:microsoft.com/office/officeart/2005/8/layout/chevron1"/>
-    <dgm:cxn modelId="{80D80E0A-B9C1-495A-8E01-420FF8DC81A8}" type="presOf" srcId="{6CA5FA71-637A-450F-8045-F1F402DC11B0}" destId="{5C469640-FE55-4F7F-B497-1B74F4E2C0F5}" srcOrd="0" destOrd="0" presId="urn:microsoft.com/office/officeart/2005/8/layout/chevron1"/>
-    <dgm:cxn modelId="{F9638EE4-3DF1-4284-98E5-9F6BF387D7EC}" srcId="{18753D03-873F-4146-AD95-D1CB4B8D071D}" destId="{EC4681F8-CBDC-4364-AAC9-BB96998ED3D2}" srcOrd="1" destOrd="0" parTransId="{EFDB3AC7-E7E7-474D-9F15-A56DF2B213FF}" sibTransId="{9B82CD64-154C-4D52-AD0C-676622C4FF9A}"/>
     <dgm:cxn modelId="{6B669FC0-5E53-45DB-B40F-5F3DCEE07EBD}" type="presOf" srcId="{EC4681F8-CBDC-4364-AAC9-BB96998ED3D2}" destId="{11FFF8AB-45E7-45A5-96C5-D063E0015043}" srcOrd="0" destOrd="0" presId="urn:microsoft.com/office/officeart/2005/8/layout/chevron1"/>
     <dgm:cxn modelId="{42C30ACB-A0D9-413A-85DF-A80ADB95C423}" srcId="{18753D03-873F-4146-AD95-D1CB4B8D071D}" destId="{B12D6F0D-EDF0-4ED6-88BC-8C1A39EB909A}" srcOrd="2" destOrd="0" parTransId="{2FED6286-2E66-4782-AEB6-78D1936FFC14}" sibTransId="{E39411C9-BAA2-465F-A5A4-0A8CC096E02F}"/>
+    <dgm:cxn modelId="{F9638EE4-3DF1-4284-98E5-9F6BF387D7EC}" srcId="{18753D03-873F-4146-AD95-D1CB4B8D071D}" destId="{EC4681F8-CBDC-4364-AAC9-BB96998ED3D2}" srcOrd="1" destOrd="0" parTransId="{EFDB3AC7-E7E7-474D-9F15-A56DF2B213FF}" sibTransId="{9B82CD64-154C-4D52-AD0C-676622C4FF9A}"/>
     <dgm:cxn modelId="{4F7A2E7E-0EB1-43B5-9C89-3F23AC060BC7}" type="presParOf" srcId="{3E6991CC-64FF-4E8B-B9D1-453C465915F8}" destId="{5C469640-FE55-4F7F-B497-1B74F4E2C0F5}" srcOrd="0" destOrd="0" presId="urn:microsoft.com/office/officeart/2005/8/layout/chevron1"/>
     <dgm:cxn modelId="{64FB1A3D-264B-4225-AC6D-F9876C56A26E}" type="presParOf" srcId="{3E6991CC-64FF-4E8B-B9D1-453C465915F8}" destId="{AB39998E-0EF6-427D-AEC8-21396EF5E4F6}" srcOrd="1" destOrd="0" presId="urn:microsoft.com/office/officeart/2005/8/layout/chevron1"/>
     <dgm:cxn modelId="{5292A30D-98B0-43F1-A396-E80492F94F9D}" type="presParOf" srcId="{3E6991CC-64FF-4E8B-B9D1-453C465915F8}" destId="{11FFF8AB-45E7-45A5-96C5-D063E0015043}" srcOrd="2" destOrd="0" presId="urn:microsoft.com/office/officeart/2005/8/layout/chevron1"/>
@@ -2905,8 +4234,7 @@
         <a:noFill/>
         <a:ln w="25400" cap="flat" cmpd="sng" algn="ctr">
           <a:solidFill>
-            <a:schemeClr val="dk1">
-              <a:shade val="60000"/>
+            <a:schemeClr val="accent3">
               <a:hueOff val="0"/>
               <a:satOff val="0"/>
               <a:lumOff val="0"/>
@@ -2966,8 +4294,7 @@
         <a:noFill/>
         <a:ln w="25400" cap="flat" cmpd="sng" algn="ctr">
           <a:solidFill>
-            <a:schemeClr val="dk1">
-              <a:shade val="80000"/>
+            <a:schemeClr val="accent4">
               <a:hueOff val="0"/>
               <a:satOff val="0"/>
               <a:lumOff val="0"/>
@@ -3027,8 +4354,7 @@
         <a:noFill/>
         <a:ln w="25400" cap="flat" cmpd="sng" algn="ctr">
           <a:solidFill>
-            <a:schemeClr val="dk1">
-              <a:shade val="80000"/>
+            <a:schemeClr val="accent5">
               <a:hueOff val="0"/>
               <a:satOff val="0"/>
               <a:lumOff val="0"/>
@@ -3082,8 +4408,7 @@
         <a:noFill/>
         <a:ln w="25400" cap="flat" cmpd="sng" algn="ctr">
           <a:solidFill>
-            <a:schemeClr val="dk1">
-              <a:shade val="80000"/>
+            <a:schemeClr val="accent5">
               <a:hueOff val="0"/>
               <a:satOff val="0"/>
               <a:lumOff val="0"/>
@@ -3143,8 +4468,7 @@
         <a:noFill/>
         <a:ln w="25400" cap="flat" cmpd="sng" algn="ctr">
           <a:solidFill>
-            <a:schemeClr val="dk1">
-              <a:shade val="80000"/>
+            <a:schemeClr val="accent5">
               <a:hueOff val="0"/>
               <a:satOff val="0"/>
               <a:lumOff val="0"/>
@@ -3204,8 +4528,7 @@
         <a:noFill/>
         <a:ln w="25400" cap="flat" cmpd="sng" algn="ctr">
           <a:solidFill>
-            <a:schemeClr val="dk1">
-              <a:shade val="80000"/>
+            <a:schemeClr val="accent4">
               <a:hueOff val="0"/>
               <a:satOff val="0"/>
               <a:lumOff val="0"/>
@@ -3265,8 +4588,7 @@
         <a:noFill/>
         <a:ln w="25400" cap="flat" cmpd="sng" algn="ctr">
           <a:solidFill>
-            <a:schemeClr val="dk1">
-              <a:shade val="60000"/>
+            <a:schemeClr val="accent3">
               <a:hueOff val="0"/>
               <a:satOff val="0"/>
               <a:lumOff val="0"/>
@@ -3304,7 +4626,7 @@
           <a:avLst/>
         </a:prstGeom>
         <a:solidFill>
-          <a:schemeClr val="lt1">
+          <a:schemeClr val="accent1">
             <a:hueOff val="0"/>
             <a:satOff val="0"/>
             <a:lumOff val="0"/>
@@ -3313,8 +4635,7 @@
         </a:solidFill>
         <a:ln w="25400" cap="flat" cmpd="sng" algn="ctr">
           <a:solidFill>
-            <a:schemeClr val="dk1">
-              <a:shade val="80000"/>
+            <a:schemeClr val="lt1">
               <a:hueOff val="0"/>
               <a:satOff val="0"/>
               <a:lumOff val="0"/>
@@ -3345,7 +4666,7 @@
         </a:bodyPr>
         <a:lstStyle/>
         <a:p>
-          <a:pPr lvl="0" algn="ctr" defTabSz="844550">
+          <a:pPr marL="0" lvl="0" indent="0" algn="ctr" defTabSz="844550">
             <a:lnSpc>
               <a:spcPct val="90000"/>
             </a:lnSpc>
@@ -3355,6 +4676,7 @@
             <a:spcAft>
               <a:spcPct val="35000"/>
             </a:spcAft>
+            <a:buNone/>
           </a:pPr>
           <a:r>
             <a:rPr lang="de-DE" sz="1900" kern="1200" dirty="0"/>
@@ -3381,7 +4703,7 @@
           <a:avLst/>
         </a:prstGeom>
         <a:solidFill>
-          <a:schemeClr val="lt1">
+          <a:schemeClr val="accent3">
             <a:hueOff val="0"/>
             <a:satOff val="0"/>
             <a:lumOff val="0"/>
@@ -3390,8 +4712,7 @@
         </a:solidFill>
         <a:ln w="25400" cap="flat" cmpd="sng" algn="ctr">
           <a:solidFill>
-            <a:schemeClr val="dk1">
-              <a:shade val="80000"/>
+            <a:schemeClr val="lt1">
               <a:hueOff val="0"/>
               <a:satOff val="0"/>
               <a:lumOff val="0"/>
@@ -3422,7 +4743,7 @@
         </a:bodyPr>
         <a:lstStyle/>
         <a:p>
-          <a:pPr lvl="0" algn="ctr" defTabSz="844550">
+          <a:pPr marL="0" lvl="0" indent="0" algn="ctr" defTabSz="844550">
             <a:lnSpc>
               <a:spcPct val="90000"/>
             </a:lnSpc>
@@ -3432,6 +4753,7 @@
             <a:spcAft>
               <a:spcPct val="35000"/>
             </a:spcAft>
+            <a:buNone/>
           </a:pPr>
           <a:r>
             <a:rPr lang="de-DE" sz="1900" kern="1200" dirty="0"/>
@@ -3458,7 +4780,7 @@
           <a:avLst/>
         </a:prstGeom>
         <a:solidFill>
-          <a:schemeClr val="lt1">
+          <a:schemeClr val="accent4">
             <a:hueOff val="0"/>
             <a:satOff val="0"/>
             <a:lumOff val="0"/>
@@ -3467,8 +4789,7 @@
         </a:solidFill>
         <a:ln w="25400" cap="flat" cmpd="sng" algn="ctr">
           <a:solidFill>
-            <a:schemeClr val="dk1">
-              <a:shade val="80000"/>
+            <a:schemeClr val="lt1">
               <a:hueOff val="0"/>
               <a:satOff val="0"/>
               <a:lumOff val="0"/>
@@ -3499,7 +4820,7 @@
         </a:bodyPr>
         <a:lstStyle/>
         <a:p>
-          <a:pPr lvl="0" algn="ctr" defTabSz="844550">
+          <a:pPr marL="0" lvl="0" indent="0" algn="ctr" defTabSz="844550">
             <a:lnSpc>
               <a:spcPct val="90000"/>
             </a:lnSpc>
@@ -3509,6 +4830,7 @@
             <a:spcAft>
               <a:spcPct val="35000"/>
             </a:spcAft>
+            <a:buNone/>
           </a:pPr>
           <a:r>
             <a:rPr lang="de-DE" sz="1900" kern="1200" dirty="0"/>
@@ -3535,7 +4857,7 @@
           <a:avLst/>
         </a:prstGeom>
         <a:solidFill>
-          <a:schemeClr val="lt1">
+          <a:schemeClr val="accent5">
             <a:hueOff val="0"/>
             <a:satOff val="0"/>
             <a:lumOff val="0"/>
@@ -3544,8 +4866,7 @@
         </a:solidFill>
         <a:ln w="25400" cap="flat" cmpd="sng" algn="ctr">
           <a:solidFill>
-            <a:schemeClr val="dk1">
-              <a:shade val="80000"/>
+            <a:schemeClr val="lt1">
               <a:hueOff val="0"/>
               <a:satOff val="0"/>
               <a:lumOff val="0"/>
@@ -3576,7 +4897,7 @@
         </a:bodyPr>
         <a:lstStyle/>
         <a:p>
-          <a:pPr lvl="0" algn="ctr" defTabSz="844550">
+          <a:pPr marL="0" lvl="0" indent="0" algn="ctr" defTabSz="844550">
             <a:lnSpc>
               <a:spcPct val="90000"/>
             </a:lnSpc>
@@ -3586,6 +4907,7 @@
             <a:spcAft>
               <a:spcPct val="35000"/>
             </a:spcAft>
+            <a:buNone/>
           </a:pPr>
           <a:r>
             <a:rPr lang="de-DE" sz="1900" kern="1200" dirty="0"/>
@@ -3612,7 +4934,7 @@
           <a:avLst/>
         </a:prstGeom>
         <a:solidFill>
-          <a:schemeClr val="lt1">
+          <a:schemeClr val="accent5">
             <a:hueOff val="0"/>
             <a:satOff val="0"/>
             <a:lumOff val="0"/>
@@ -3621,8 +4943,7 @@
         </a:solidFill>
         <a:ln w="25400" cap="flat" cmpd="sng" algn="ctr">
           <a:solidFill>
-            <a:schemeClr val="dk1">
-              <a:shade val="80000"/>
+            <a:schemeClr val="lt1">
               <a:hueOff val="0"/>
               <a:satOff val="0"/>
               <a:lumOff val="0"/>
@@ -3653,7 +4974,7 @@
         </a:bodyPr>
         <a:lstStyle/>
         <a:p>
-          <a:pPr lvl="0" algn="ctr" defTabSz="844550">
+          <a:pPr marL="0" lvl="0" indent="0" algn="ctr" defTabSz="844550">
             <a:lnSpc>
               <a:spcPct val="90000"/>
             </a:lnSpc>
@@ -3663,6 +4984,7 @@
             <a:spcAft>
               <a:spcPct val="35000"/>
             </a:spcAft>
+            <a:buNone/>
           </a:pPr>
           <a:r>
             <a:rPr lang="de-DE" sz="1900" kern="1200" dirty="0" err="1"/>
@@ -3690,7 +5012,7 @@
           <a:avLst/>
         </a:prstGeom>
         <a:solidFill>
-          <a:schemeClr val="lt1">
+          <a:schemeClr val="accent5">
             <a:hueOff val="0"/>
             <a:satOff val="0"/>
             <a:lumOff val="0"/>
@@ -3699,8 +5021,7 @@
         </a:solidFill>
         <a:ln w="25400" cap="flat" cmpd="sng" algn="ctr">
           <a:solidFill>
-            <a:schemeClr val="dk1">
-              <a:shade val="80000"/>
+            <a:schemeClr val="lt1">
               <a:hueOff val="0"/>
               <a:satOff val="0"/>
               <a:lumOff val="0"/>
@@ -3731,7 +5052,7 @@
         </a:bodyPr>
         <a:lstStyle/>
         <a:p>
-          <a:pPr lvl="0" algn="ctr" defTabSz="844550">
+          <a:pPr marL="0" lvl="0" indent="0" algn="ctr" defTabSz="844550">
             <a:lnSpc>
               <a:spcPct val="90000"/>
             </a:lnSpc>
@@ -3741,6 +5062,7 @@
             <a:spcAft>
               <a:spcPct val="35000"/>
             </a:spcAft>
+            <a:buNone/>
           </a:pPr>
           <a:r>
             <a:rPr lang="de-DE" sz="1900" kern="1200" dirty="0" err="1"/>
@@ -3771,7 +5093,7 @@
           <a:avLst/>
         </a:prstGeom>
         <a:solidFill>
-          <a:schemeClr val="lt1">
+          <a:schemeClr val="accent4">
             <a:hueOff val="0"/>
             <a:satOff val="0"/>
             <a:lumOff val="0"/>
@@ -3780,8 +5102,7 @@
         </a:solidFill>
         <a:ln w="25400" cap="flat" cmpd="sng" algn="ctr">
           <a:solidFill>
-            <a:schemeClr val="dk1">
-              <a:shade val="80000"/>
+            <a:schemeClr val="lt1">
               <a:hueOff val="0"/>
               <a:satOff val="0"/>
               <a:lumOff val="0"/>
@@ -3812,7 +5133,7 @@
         </a:bodyPr>
         <a:lstStyle/>
         <a:p>
-          <a:pPr lvl="0" algn="ctr" defTabSz="844550">
+          <a:pPr marL="0" lvl="0" indent="0" algn="ctr" defTabSz="844550">
             <a:lnSpc>
               <a:spcPct val="90000"/>
             </a:lnSpc>
@@ -3822,6 +5143,7 @@
             <a:spcAft>
               <a:spcPct val="35000"/>
             </a:spcAft>
+            <a:buNone/>
           </a:pPr>
           <a:r>
             <a:rPr lang="de-DE" sz="1900" kern="1200" dirty="0"/>
@@ -3848,7 +5170,7 @@
           <a:avLst/>
         </a:prstGeom>
         <a:solidFill>
-          <a:schemeClr val="lt1">
+          <a:schemeClr val="accent3">
             <a:hueOff val="0"/>
             <a:satOff val="0"/>
             <a:lumOff val="0"/>
@@ -3857,8 +5179,7 @@
         </a:solidFill>
         <a:ln w="25400" cap="flat" cmpd="sng" algn="ctr">
           <a:solidFill>
-            <a:schemeClr val="dk1">
-              <a:shade val="80000"/>
+            <a:schemeClr val="lt1">
               <a:hueOff val="0"/>
               <a:satOff val="0"/>
               <a:lumOff val="0"/>
@@ -3889,7 +5210,7 @@
         </a:bodyPr>
         <a:lstStyle/>
         <a:p>
-          <a:pPr lvl="0" algn="ctr" defTabSz="844550">
+          <a:pPr marL="0" lvl="0" indent="0" algn="ctr" defTabSz="844550">
             <a:lnSpc>
               <a:spcPct val="90000"/>
             </a:lnSpc>
@@ -3899,6 +5220,7 @@
             <a:spcAft>
               <a:spcPct val="35000"/>
             </a:spcAft>
+            <a:buNone/>
           </a:pPr>
           <a:r>
             <a:rPr lang="de-DE" sz="1900" kern="1200" dirty="0"/>
@@ -3923,6 +5245,1083 @@
       <dsp:cNvGrpSpPr/>
     </dsp:nvGrpSpPr>
     <dsp:grpSpPr/>
+    <dsp:sp modelId="{962C3BC1-A858-4B31-9ECD-A990EE8FACDA}">
+      <dsp:nvSpPr>
+        <dsp:cNvPr id="0" name=""/>
+        <dsp:cNvSpPr/>
+      </dsp:nvSpPr>
+      <dsp:spPr>
+        <a:xfrm>
+          <a:off x="0" y="2876325"/>
+          <a:ext cx="6637435" cy="629269"/>
+        </a:xfrm>
+        <a:prstGeom prst="rect">
+          <a:avLst/>
+        </a:prstGeom>
+        <a:solidFill>
+          <a:schemeClr val="accent4">
+            <a:hueOff val="0"/>
+            <a:satOff val="0"/>
+            <a:lumOff val="0"/>
+            <a:alphaOff val="0"/>
+          </a:schemeClr>
+        </a:solidFill>
+        <a:ln w="25400" cap="flat" cmpd="sng" algn="ctr">
+          <a:solidFill>
+            <a:schemeClr val="lt1">
+              <a:hueOff val="0"/>
+              <a:satOff val="0"/>
+              <a:lumOff val="0"/>
+              <a:alphaOff val="0"/>
+            </a:schemeClr>
+          </a:solidFill>
+          <a:prstDash val="solid"/>
+        </a:ln>
+        <a:effectLst/>
+      </dsp:spPr>
+      <dsp:style>
+        <a:lnRef idx="2">
+          <a:scrgbClr r="0" g="0" b="0"/>
+        </a:lnRef>
+        <a:fillRef idx="1">
+          <a:scrgbClr r="0" g="0" b="0"/>
+        </a:fillRef>
+        <a:effectRef idx="0">
+          <a:scrgbClr r="0" g="0" b="0"/>
+        </a:effectRef>
+        <a:fontRef idx="minor">
+          <a:schemeClr val="lt1"/>
+        </a:fontRef>
+      </dsp:style>
+      <dsp:txBody>
+        <a:bodyPr spcFirstLastPara="0" vert="horz" wrap="square" lIns="85344" tIns="85344" rIns="85344" bIns="85344" numCol="1" spcCol="1270" anchor="ctr" anchorCtr="0">
+          <a:noAutofit/>
+        </a:bodyPr>
+        <a:lstStyle/>
+        <a:p>
+          <a:pPr marL="0" lvl="0" indent="0" algn="ctr" defTabSz="533400">
+            <a:lnSpc>
+              <a:spcPct val="90000"/>
+            </a:lnSpc>
+            <a:spcBef>
+              <a:spcPct val="0"/>
+            </a:spcBef>
+            <a:spcAft>
+              <a:spcPct val="35000"/>
+            </a:spcAft>
+            <a:buNone/>
+          </a:pPr>
+          <a:r>
+            <a:rPr lang="de-DE" sz="1200" kern="1200" dirty="0" err="1"/>
+            <a:t>Runnable</a:t>
+          </a:r>
+          <a:r>
+            <a:rPr lang="de-DE" sz="1200" kern="1200" dirty="0"/>
+            <a:t>-Generator</a:t>
+          </a:r>
+        </a:p>
+      </dsp:txBody>
+      <dsp:txXfrm>
+        <a:off x="0" y="2876325"/>
+        <a:ext cx="6637435" cy="339805"/>
+      </dsp:txXfrm>
+    </dsp:sp>
+    <dsp:sp modelId="{4A07A16E-E278-4A43-81D9-9F55CCFF3575}">
+      <dsp:nvSpPr>
+        <dsp:cNvPr id="0" name=""/>
+        <dsp:cNvSpPr/>
+      </dsp:nvSpPr>
+      <dsp:spPr>
+        <a:xfrm>
+          <a:off x="0" y="3203545"/>
+          <a:ext cx="3318717" cy="289464"/>
+        </a:xfrm>
+        <a:prstGeom prst="rect">
+          <a:avLst/>
+        </a:prstGeom>
+        <a:solidFill>
+          <a:schemeClr val="accent4">
+            <a:tint val="40000"/>
+            <a:alpha val="90000"/>
+            <a:hueOff val="0"/>
+            <a:satOff val="0"/>
+            <a:lumOff val="0"/>
+            <a:alphaOff val="0"/>
+          </a:schemeClr>
+        </a:solidFill>
+        <a:ln w="25400" cap="flat" cmpd="sng" algn="ctr">
+          <a:solidFill>
+            <a:schemeClr val="accent4">
+              <a:tint val="40000"/>
+              <a:alpha val="90000"/>
+              <a:hueOff val="0"/>
+              <a:satOff val="0"/>
+              <a:lumOff val="0"/>
+              <a:alphaOff val="0"/>
+            </a:schemeClr>
+          </a:solidFill>
+          <a:prstDash val="solid"/>
+        </a:ln>
+        <a:effectLst/>
+      </dsp:spPr>
+      <dsp:style>
+        <a:lnRef idx="2">
+          <a:scrgbClr r="0" g="0" b="0"/>
+        </a:lnRef>
+        <a:fillRef idx="1">
+          <a:scrgbClr r="0" g="0" b="0"/>
+        </a:fillRef>
+        <a:effectRef idx="0">
+          <a:scrgbClr r="0" g="0" b="0"/>
+        </a:effectRef>
+        <a:fontRef idx="minor"/>
+      </dsp:style>
+      <dsp:txBody>
+        <a:bodyPr spcFirstLastPara="0" vert="horz" wrap="square" lIns="56896" tIns="10160" rIns="56896" bIns="10160" numCol="1" spcCol="1270" anchor="ctr" anchorCtr="0">
+          <a:noAutofit/>
+        </a:bodyPr>
+        <a:lstStyle/>
+        <a:p>
+          <a:pPr marL="0" lvl="0" indent="0" algn="ctr" defTabSz="355600">
+            <a:lnSpc>
+              <a:spcPct val="90000"/>
+            </a:lnSpc>
+            <a:spcBef>
+              <a:spcPct val="0"/>
+            </a:spcBef>
+            <a:spcAft>
+              <a:spcPct val="35000"/>
+            </a:spcAft>
+            <a:buFont typeface="Arial" panose="020B0604020202020204" pitchFamily="34" charset="0"/>
+            <a:buNone/>
+          </a:pPr>
+          <a:r>
+            <a:rPr lang="de-DE" sz="800" kern="1200" dirty="0"/>
+            <a:t>Generiert </a:t>
+          </a:r>
+          <a:r>
+            <a:rPr lang="de-DE" sz="800" kern="1200" dirty="0" err="1"/>
+            <a:t>Runnable</a:t>
+          </a:r>
+          <a:r>
+            <a:rPr lang="de-DE" sz="800" kern="1200" dirty="0"/>
+            <a:t>-Funktionen</a:t>
+          </a:r>
+        </a:p>
+      </dsp:txBody>
+      <dsp:txXfrm>
+        <a:off x="0" y="3203545"/>
+        <a:ext cx="3318717" cy="289464"/>
+      </dsp:txXfrm>
+    </dsp:sp>
+    <dsp:sp modelId="{C27EDC31-4C78-4999-85AA-2F5C8ED0AAD6}">
+      <dsp:nvSpPr>
+        <dsp:cNvPr id="0" name=""/>
+        <dsp:cNvSpPr/>
+      </dsp:nvSpPr>
+      <dsp:spPr>
+        <a:xfrm>
+          <a:off x="3318717" y="3203545"/>
+          <a:ext cx="3318717" cy="289464"/>
+        </a:xfrm>
+        <a:prstGeom prst="rect">
+          <a:avLst/>
+        </a:prstGeom>
+        <a:solidFill>
+          <a:schemeClr val="accent4">
+            <a:tint val="40000"/>
+            <a:alpha val="90000"/>
+            <a:hueOff val="-289418"/>
+            <a:satOff val="1219"/>
+            <a:lumOff val="140"/>
+            <a:alphaOff val="0"/>
+          </a:schemeClr>
+        </a:solidFill>
+        <a:ln w="25400" cap="flat" cmpd="sng" algn="ctr">
+          <a:solidFill>
+            <a:schemeClr val="accent4">
+              <a:tint val="40000"/>
+              <a:alpha val="90000"/>
+              <a:hueOff val="-289418"/>
+              <a:satOff val="1219"/>
+              <a:lumOff val="140"/>
+              <a:alphaOff val="0"/>
+            </a:schemeClr>
+          </a:solidFill>
+          <a:prstDash val="solid"/>
+        </a:ln>
+        <a:effectLst/>
+      </dsp:spPr>
+      <dsp:style>
+        <a:lnRef idx="2">
+          <a:scrgbClr r="0" g="0" b="0"/>
+        </a:lnRef>
+        <a:fillRef idx="1">
+          <a:scrgbClr r="0" g="0" b="0"/>
+        </a:fillRef>
+        <a:effectRef idx="0">
+          <a:scrgbClr r="0" g="0" b="0"/>
+        </a:effectRef>
+        <a:fontRef idx="minor"/>
+      </dsp:style>
+      <dsp:txBody>
+        <a:bodyPr spcFirstLastPara="0" vert="horz" wrap="square" lIns="56896" tIns="10160" rIns="56896" bIns="10160" numCol="1" spcCol="1270" anchor="ctr" anchorCtr="0">
+          <a:noAutofit/>
+        </a:bodyPr>
+        <a:lstStyle/>
+        <a:p>
+          <a:pPr marL="0" lvl="0" indent="0" algn="ctr" defTabSz="355600">
+            <a:lnSpc>
+              <a:spcPct val="90000"/>
+            </a:lnSpc>
+            <a:spcBef>
+              <a:spcPct val="0"/>
+            </a:spcBef>
+            <a:spcAft>
+              <a:spcPct val="35000"/>
+            </a:spcAft>
+            <a:buFont typeface="Arial" panose="020B0604020202020204" pitchFamily="34" charset="0"/>
+            <a:buNone/>
+          </a:pPr>
+          <a:r>
+            <a:rPr lang="de-DE" sz="800" kern="1200" dirty="0"/>
+            <a:t>Generiert </a:t>
+          </a:r>
+          <a:r>
+            <a:rPr lang="de-DE" sz="800" kern="1200" dirty="0" err="1"/>
+            <a:t>Runnable</a:t>
+          </a:r>
+          <a:r>
+            <a:rPr lang="de-DE" sz="800" kern="1200" dirty="0"/>
+            <a:t>-Trigger</a:t>
+          </a:r>
+        </a:p>
+      </dsp:txBody>
+      <dsp:txXfrm>
+        <a:off x="3318717" y="3203545"/>
+        <a:ext cx="3318717" cy="289464"/>
+      </dsp:txXfrm>
+    </dsp:sp>
+    <dsp:sp modelId="{465EA1D7-D925-481E-AA9D-89E721E6002A}">
+      <dsp:nvSpPr>
+        <dsp:cNvPr id="0" name=""/>
+        <dsp:cNvSpPr/>
+      </dsp:nvSpPr>
+      <dsp:spPr>
+        <a:xfrm rot="10800000">
+          <a:off x="0" y="1917947"/>
+          <a:ext cx="6637435" cy="967816"/>
+        </a:xfrm>
+        <a:prstGeom prst="upArrowCallout">
+          <a:avLst/>
+        </a:prstGeom>
+        <a:solidFill>
+          <a:schemeClr val="accent4">
+            <a:hueOff val="-671845"/>
+            <a:satOff val="8625"/>
+            <a:lumOff val="131"/>
+            <a:alphaOff val="0"/>
+          </a:schemeClr>
+        </a:solidFill>
+        <a:ln w="25400" cap="flat" cmpd="sng" algn="ctr">
+          <a:solidFill>
+            <a:schemeClr val="lt1">
+              <a:hueOff val="0"/>
+              <a:satOff val="0"/>
+              <a:lumOff val="0"/>
+              <a:alphaOff val="0"/>
+            </a:schemeClr>
+          </a:solidFill>
+          <a:prstDash val="solid"/>
+        </a:ln>
+        <a:effectLst/>
+      </dsp:spPr>
+      <dsp:style>
+        <a:lnRef idx="2">
+          <a:scrgbClr r="0" g="0" b="0"/>
+        </a:lnRef>
+        <a:fillRef idx="1">
+          <a:scrgbClr r="0" g="0" b="0"/>
+        </a:fillRef>
+        <a:effectRef idx="0">
+          <a:scrgbClr r="0" g="0" b="0"/>
+        </a:effectRef>
+        <a:fontRef idx="minor">
+          <a:schemeClr val="lt1"/>
+        </a:fontRef>
+      </dsp:style>
+      <dsp:txBody>
+        <a:bodyPr spcFirstLastPara="0" vert="horz" wrap="square" lIns="85344" tIns="85344" rIns="85344" bIns="85344" numCol="1" spcCol="1270" anchor="ctr" anchorCtr="0">
+          <a:noAutofit/>
+        </a:bodyPr>
+        <a:lstStyle/>
+        <a:p>
+          <a:pPr marL="0" lvl="0" indent="0" algn="ctr" defTabSz="533400">
+            <a:lnSpc>
+              <a:spcPct val="90000"/>
+            </a:lnSpc>
+            <a:spcBef>
+              <a:spcPct val="0"/>
+            </a:spcBef>
+            <a:spcAft>
+              <a:spcPct val="35000"/>
+            </a:spcAft>
+            <a:buNone/>
+          </a:pPr>
+          <a:r>
+            <a:rPr lang="de-DE" sz="1200" kern="1200" dirty="0"/>
+            <a:t>SWC-Generator</a:t>
+          </a:r>
+        </a:p>
+      </dsp:txBody>
+      <dsp:txXfrm rot="-10800000">
+        <a:off x="0" y="1917947"/>
+        <a:ext cx="6637435" cy="339703"/>
+      </dsp:txXfrm>
+    </dsp:sp>
+    <dsp:sp modelId="{91A421DD-D6FB-4186-9932-A963FD383C59}">
+      <dsp:nvSpPr>
+        <dsp:cNvPr id="0" name=""/>
+        <dsp:cNvSpPr/>
+      </dsp:nvSpPr>
+      <dsp:spPr>
+        <a:xfrm>
+          <a:off x="0" y="2257651"/>
+          <a:ext cx="3318717" cy="289377"/>
+        </a:xfrm>
+        <a:prstGeom prst="rect">
+          <a:avLst/>
+        </a:prstGeom>
+        <a:solidFill>
+          <a:schemeClr val="accent4">
+            <a:tint val="40000"/>
+            <a:alpha val="90000"/>
+            <a:hueOff val="-578836"/>
+            <a:satOff val="2438"/>
+            <a:lumOff val="281"/>
+            <a:alphaOff val="0"/>
+          </a:schemeClr>
+        </a:solidFill>
+        <a:ln w="25400" cap="flat" cmpd="sng" algn="ctr">
+          <a:solidFill>
+            <a:schemeClr val="accent4">
+              <a:tint val="40000"/>
+              <a:alpha val="90000"/>
+              <a:hueOff val="-578836"/>
+              <a:satOff val="2438"/>
+              <a:lumOff val="281"/>
+              <a:alphaOff val="0"/>
+            </a:schemeClr>
+          </a:solidFill>
+          <a:prstDash val="solid"/>
+        </a:ln>
+        <a:effectLst/>
+      </dsp:spPr>
+      <dsp:style>
+        <a:lnRef idx="2">
+          <a:scrgbClr r="0" g="0" b="0"/>
+        </a:lnRef>
+        <a:fillRef idx="1">
+          <a:scrgbClr r="0" g="0" b="0"/>
+        </a:fillRef>
+        <a:effectRef idx="0">
+          <a:scrgbClr r="0" g="0" b="0"/>
+        </a:effectRef>
+        <a:fontRef idx="minor"/>
+      </dsp:style>
+      <dsp:txBody>
+        <a:bodyPr spcFirstLastPara="0" vert="horz" wrap="square" lIns="56896" tIns="10160" rIns="56896" bIns="10160" numCol="1" spcCol="1270" anchor="ctr" anchorCtr="0">
+          <a:noAutofit/>
+        </a:bodyPr>
+        <a:lstStyle/>
+        <a:p>
+          <a:pPr marL="0" lvl="0" indent="0" algn="ctr" defTabSz="355600">
+            <a:lnSpc>
+              <a:spcPct val="90000"/>
+            </a:lnSpc>
+            <a:spcBef>
+              <a:spcPct val="0"/>
+            </a:spcBef>
+            <a:spcAft>
+              <a:spcPct val="35000"/>
+            </a:spcAft>
+            <a:buFont typeface="Arial" panose="020B0604020202020204" pitchFamily="34" charset="0"/>
+            <a:buNone/>
+          </a:pPr>
+          <a:r>
+            <a:rPr lang="de-DE" sz="800" kern="1200" dirty="0"/>
+            <a:t>Generiert RTE-Funktionen</a:t>
+          </a:r>
+        </a:p>
+      </dsp:txBody>
+      <dsp:txXfrm>
+        <a:off x="0" y="2257651"/>
+        <a:ext cx="3318717" cy="289377"/>
+      </dsp:txXfrm>
+    </dsp:sp>
+    <dsp:sp modelId="{7F9505D5-4784-45D4-9257-D070CAE177D5}">
+      <dsp:nvSpPr>
+        <dsp:cNvPr id="0" name=""/>
+        <dsp:cNvSpPr/>
+      </dsp:nvSpPr>
+      <dsp:spPr>
+        <a:xfrm>
+          <a:off x="3318717" y="2257651"/>
+          <a:ext cx="3318717" cy="289377"/>
+        </a:xfrm>
+        <a:prstGeom prst="rect">
+          <a:avLst/>
+        </a:prstGeom>
+        <a:solidFill>
+          <a:schemeClr val="accent4">
+            <a:tint val="40000"/>
+            <a:alpha val="90000"/>
+            <a:hueOff val="-868253"/>
+            <a:satOff val="3656"/>
+            <a:lumOff val="421"/>
+            <a:alphaOff val="0"/>
+          </a:schemeClr>
+        </a:solidFill>
+        <a:ln w="25400" cap="flat" cmpd="sng" algn="ctr">
+          <a:solidFill>
+            <a:schemeClr val="accent4">
+              <a:tint val="40000"/>
+              <a:alpha val="90000"/>
+              <a:hueOff val="-868253"/>
+              <a:satOff val="3656"/>
+              <a:lumOff val="421"/>
+              <a:alphaOff val="0"/>
+            </a:schemeClr>
+          </a:solidFill>
+          <a:prstDash val="solid"/>
+        </a:ln>
+        <a:effectLst/>
+      </dsp:spPr>
+      <dsp:style>
+        <a:lnRef idx="2">
+          <a:scrgbClr r="0" g="0" b="0"/>
+        </a:lnRef>
+        <a:fillRef idx="1">
+          <a:scrgbClr r="0" g="0" b="0"/>
+        </a:fillRef>
+        <a:effectRef idx="0">
+          <a:scrgbClr r="0" g="0" b="0"/>
+        </a:effectRef>
+        <a:fontRef idx="minor"/>
+      </dsp:style>
+      <dsp:txBody>
+        <a:bodyPr spcFirstLastPara="0" vert="horz" wrap="square" lIns="56896" tIns="10160" rIns="56896" bIns="10160" numCol="1" spcCol="1270" anchor="ctr" anchorCtr="0">
+          <a:noAutofit/>
+        </a:bodyPr>
+        <a:lstStyle/>
+        <a:p>
+          <a:pPr marL="0" lvl="0" indent="0" algn="ctr" defTabSz="355600">
+            <a:lnSpc>
+              <a:spcPct val="90000"/>
+            </a:lnSpc>
+            <a:spcBef>
+              <a:spcPct val="0"/>
+            </a:spcBef>
+            <a:spcAft>
+              <a:spcPct val="35000"/>
+            </a:spcAft>
+            <a:buFont typeface="Arial" panose="020B0604020202020204" pitchFamily="34" charset="0"/>
+            <a:buNone/>
+          </a:pPr>
+          <a:r>
+            <a:rPr lang="de-DE" sz="800" kern="1200" dirty="0"/>
+            <a:t>Generiert Main-Task mit </a:t>
+          </a:r>
+          <a:r>
+            <a:rPr lang="de-DE" sz="800" kern="1200" dirty="0" err="1"/>
+            <a:t>Runnable</a:t>
+          </a:r>
+          <a:r>
+            <a:rPr lang="de-DE" sz="800" kern="1200" dirty="0"/>
+            <a:t>-Launcher</a:t>
+          </a:r>
+        </a:p>
+      </dsp:txBody>
+      <dsp:txXfrm>
+        <a:off x="3318717" y="2257651"/>
+        <a:ext cx="3318717" cy="289377"/>
+      </dsp:txXfrm>
+    </dsp:sp>
+    <dsp:sp modelId="{0F8FB9DA-109D-470E-B5A0-594EA8FE74FD}">
+      <dsp:nvSpPr>
+        <dsp:cNvPr id="0" name=""/>
+        <dsp:cNvSpPr/>
+      </dsp:nvSpPr>
+      <dsp:spPr>
+        <a:xfrm rot="10800000">
+          <a:off x="0" y="959569"/>
+          <a:ext cx="6637435" cy="967816"/>
+        </a:xfrm>
+        <a:prstGeom prst="upArrowCallout">
+          <a:avLst/>
+        </a:prstGeom>
+        <a:solidFill>
+          <a:schemeClr val="accent4">
+            <a:hueOff val="-1343691"/>
+            <a:satOff val="17251"/>
+            <a:lumOff val="262"/>
+            <a:alphaOff val="0"/>
+          </a:schemeClr>
+        </a:solidFill>
+        <a:ln w="25400" cap="flat" cmpd="sng" algn="ctr">
+          <a:solidFill>
+            <a:schemeClr val="lt1">
+              <a:hueOff val="0"/>
+              <a:satOff val="0"/>
+              <a:lumOff val="0"/>
+              <a:alphaOff val="0"/>
+            </a:schemeClr>
+          </a:solidFill>
+          <a:prstDash val="solid"/>
+        </a:ln>
+        <a:effectLst/>
+      </dsp:spPr>
+      <dsp:style>
+        <a:lnRef idx="2">
+          <a:scrgbClr r="0" g="0" b="0"/>
+        </a:lnRef>
+        <a:fillRef idx="1">
+          <a:scrgbClr r="0" g="0" b="0"/>
+        </a:fillRef>
+        <a:effectRef idx="0">
+          <a:scrgbClr r="0" g="0" b="0"/>
+        </a:effectRef>
+        <a:fontRef idx="minor">
+          <a:schemeClr val="lt1"/>
+        </a:fontRef>
+      </dsp:style>
+      <dsp:txBody>
+        <a:bodyPr spcFirstLastPara="0" vert="horz" wrap="square" lIns="85344" tIns="85344" rIns="85344" bIns="85344" numCol="1" spcCol="1270" anchor="ctr" anchorCtr="0">
+          <a:noAutofit/>
+        </a:bodyPr>
+        <a:lstStyle/>
+        <a:p>
+          <a:pPr marL="0" lvl="0" indent="0" algn="ctr" defTabSz="533400">
+            <a:lnSpc>
+              <a:spcPct val="90000"/>
+            </a:lnSpc>
+            <a:spcBef>
+              <a:spcPct val="0"/>
+            </a:spcBef>
+            <a:spcAft>
+              <a:spcPct val="35000"/>
+            </a:spcAft>
+            <a:buNone/>
+          </a:pPr>
+          <a:r>
+            <a:rPr lang="de-DE" sz="1200" kern="1200" dirty="0"/>
+            <a:t>Brick-Generator</a:t>
+          </a:r>
+        </a:p>
+      </dsp:txBody>
+      <dsp:txXfrm rot="-10800000">
+        <a:off x="0" y="959569"/>
+        <a:ext cx="6637435" cy="339703"/>
+      </dsp:txXfrm>
+    </dsp:sp>
+    <dsp:sp modelId="{DC5549BA-5DD5-4013-A555-2B3C56B1F11C}">
+      <dsp:nvSpPr>
+        <dsp:cNvPr id="0" name=""/>
+        <dsp:cNvSpPr/>
+      </dsp:nvSpPr>
+      <dsp:spPr>
+        <a:xfrm>
+          <a:off x="3240" y="1299273"/>
+          <a:ext cx="2210318" cy="289377"/>
+        </a:xfrm>
+        <a:prstGeom prst="rect">
+          <a:avLst/>
+        </a:prstGeom>
+        <a:solidFill>
+          <a:schemeClr val="accent4">
+            <a:tint val="40000"/>
+            <a:alpha val="90000"/>
+            <a:hueOff val="-1157671"/>
+            <a:satOff val="4875"/>
+            <a:lumOff val="561"/>
+            <a:alphaOff val="0"/>
+          </a:schemeClr>
+        </a:solidFill>
+        <a:ln w="25400" cap="flat" cmpd="sng" algn="ctr">
+          <a:solidFill>
+            <a:schemeClr val="accent4">
+              <a:tint val="40000"/>
+              <a:alpha val="90000"/>
+              <a:hueOff val="-1157671"/>
+              <a:satOff val="4875"/>
+              <a:lumOff val="561"/>
+              <a:alphaOff val="0"/>
+            </a:schemeClr>
+          </a:solidFill>
+          <a:prstDash val="solid"/>
+        </a:ln>
+        <a:effectLst/>
+      </dsp:spPr>
+      <dsp:style>
+        <a:lnRef idx="2">
+          <a:scrgbClr r="0" g="0" b="0"/>
+        </a:lnRef>
+        <a:fillRef idx="1">
+          <a:scrgbClr r="0" g="0" b="0"/>
+        </a:fillRef>
+        <a:effectRef idx="0">
+          <a:scrgbClr r="0" g="0" b="0"/>
+        </a:effectRef>
+        <a:fontRef idx="minor"/>
+      </dsp:style>
+      <dsp:txBody>
+        <a:bodyPr spcFirstLastPara="0" vert="horz" wrap="square" lIns="56896" tIns="10160" rIns="56896" bIns="10160" numCol="1" spcCol="1270" anchor="ctr" anchorCtr="0">
+          <a:noAutofit/>
+        </a:bodyPr>
+        <a:lstStyle/>
+        <a:p>
+          <a:pPr marL="0" lvl="0" indent="0" algn="ctr" defTabSz="355600">
+            <a:lnSpc>
+              <a:spcPct val="90000"/>
+            </a:lnSpc>
+            <a:spcBef>
+              <a:spcPct val="0"/>
+            </a:spcBef>
+            <a:spcAft>
+              <a:spcPct val="35000"/>
+            </a:spcAft>
+            <a:buFont typeface="Arial" panose="020B0604020202020204" pitchFamily="34" charset="0"/>
+            <a:buNone/>
+          </a:pPr>
+          <a:r>
+            <a:rPr lang="de-DE" sz="800" kern="1200" dirty="0" err="1"/>
+            <a:t>Genriert</a:t>
+          </a:r>
+          <a:r>
+            <a:rPr lang="de-DE" sz="800" kern="1200" dirty="0"/>
+            <a:t> IDs der lokalen Ports</a:t>
+          </a:r>
+        </a:p>
+      </dsp:txBody>
+      <dsp:txXfrm>
+        <a:off x="3240" y="1299273"/>
+        <a:ext cx="2210318" cy="289377"/>
+      </dsp:txXfrm>
+    </dsp:sp>
+    <dsp:sp modelId="{574AADEE-F935-48AD-B0DB-A1DFD8970F9C}">
+      <dsp:nvSpPr>
+        <dsp:cNvPr id="0" name=""/>
+        <dsp:cNvSpPr/>
+      </dsp:nvSpPr>
+      <dsp:spPr>
+        <a:xfrm>
+          <a:off x="2213558" y="1299273"/>
+          <a:ext cx="2210318" cy="289377"/>
+        </a:xfrm>
+        <a:prstGeom prst="rect">
+          <a:avLst/>
+        </a:prstGeom>
+        <a:solidFill>
+          <a:schemeClr val="accent4">
+            <a:tint val="40000"/>
+            <a:alpha val="90000"/>
+            <a:hueOff val="-1447089"/>
+            <a:satOff val="6094"/>
+            <a:lumOff val="702"/>
+            <a:alphaOff val="0"/>
+          </a:schemeClr>
+        </a:solidFill>
+        <a:ln w="25400" cap="flat" cmpd="sng" algn="ctr">
+          <a:solidFill>
+            <a:schemeClr val="accent4">
+              <a:tint val="40000"/>
+              <a:alpha val="90000"/>
+              <a:hueOff val="-1447089"/>
+              <a:satOff val="6094"/>
+              <a:lumOff val="702"/>
+              <a:alphaOff val="0"/>
+            </a:schemeClr>
+          </a:solidFill>
+          <a:prstDash val="solid"/>
+        </a:ln>
+        <a:effectLst/>
+      </dsp:spPr>
+      <dsp:style>
+        <a:lnRef idx="2">
+          <a:scrgbClr r="0" g="0" b="0"/>
+        </a:lnRef>
+        <a:fillRef idx="1">
+          <a:scrgbClr r="0" g="0" b="0"/>
+        </a:fillRef>
+        <a:effectRef idx="0">
+          <a:scrgbClr r="0" g="0" b="0"/>
+        </a:effectRef>
+        <a:fontRef idx="minor"/>
+      </dsp:style>
+      <dsp:txBody>
+        <a:bodyPr spcFirstLastPara="0" vert="horz" wrap="square" lIns="56896" tIns="10160" rIns="56896" bIns="10160" numCol="1" spcCol="1270" anchor="ctr" anchorCtr="0">
+          <a:noAutofit/>
+        </a:bodyPr>
+        <a:lstStyle/>
+        <a:p>
+          <a:pPr marL="0" lvl="0" indent="0" algn="ctr" defTabSz="355600">
+            <a:lnSpc>
+              <a:spcPct val="90000"/>
+            </a:lnSpc>
+            <a:spcBef>
+              <a:spcPct val="0"/>
+            </a:spcBef>
+            <a:spcAft>
+              <a:spcPct val="35000"/>
+            </a:spcAft>
+            <a:buFont typeface="Arial" panose="020B0604020202020204" pitchFamily="34" charset="0"/>
+            <a:buNone/>
+          </a:pPr>
+          <a:r>
+            <a:rPr lang="de-DE" sz="800" kern="1200" dirty="0"/>
+            <a:t>Gerätespezifische Einstellungen</a:t>
+          </a:r>
+        </a:p>
+      </dsp:txBody>
+      <dsp:txXfrm>
+        <a:off x="2213558" y="1299273"/>
+        <a:ext cx="2210318" cy="289377"/>
+      </dsp:txXfrm>
+    </dsp:sp>
+    <dsp:sp modelId="{D8EBD60E-F5DA-411B-BF9C-91D839CE0C2A}">
+      <dsp:nvSpPr>
+        <dsp:cNvPr id="0" name=""/>
+        <dsp:cNvSpPr/>
+      </dsp:nvSpPr>
+      <dsp:spPr>
+        <a:xfrm>
+          <a:off x="4423877" y="1299273"/>
+          <a:ext cx="2210318" cy="289377"/>
+        </a:xfrm>
+        <a:prstGeom prst="rect">
+          <a:avLst/>
+        </a:prstGeom>
+        <a:solidFill>
+          <a:schemeClr val="accent4">
+            <a:tint val="40000"/>
+            <a:alpha val="90000"/>
+            <a:hueOff val="-1736507"/>
+            <a:satOff val="7313"/>
+            <a:lumOff val="842"/>
+            <a:alphaOff val="0"/>
+          </a:schemeClr>
+        </a:solidFill>
+        <a:ln w="25400" cap="flat" cmpd="sng" algn="ctr">
+          <a:solidFill>
+            <a:schemeClr val="accent4">
+              <a:tint val="40000"/>
+              <a:alpha val="90000"/>
+              <a:hueOff val="-1736507"/>
+              <a:satOff val="7313"/>
+              <a:lumOff val="842"/>
+              <a:alphaOff val="0"/>
+            </a:schemeClr>
+          </a:solidFill>
+          <a:prstDash val="solid"/>
+        </a:ln>
+        <a:effectLst/>
+      </dsp:spPr>
+      <dsp:style>
+        <a:lnRef idx="2">
+          <a:scrgbClr r="0" g="0" b="0"/>
+        </a:lnRef>
+        <a:fillRef idx="1">
+          <a:scrgbClr r="0" g="0" b="0"/>
+        </a:fillRef>
+        <a:effectRef idx="0">
+          <a:scrgbClr r="0" g="0" b="0"/>
+        </a:effectRef>
+        <a:fontRef idx="minor"/>
+      </dsp:style>
+      <dsp:txBody>
+        <a:bodyPr spcFirstLastPara="0" vert="horz" wrap="square" lIns="56896" tIns="10160" rIns="56896" bIns="10160" numCol="1" spcCol="1270" anchor="ctr" anchorCtr="0">
+          <a:noAutofit/>
+        </a:bodyPr>
+        <a:lstStyle/>
+        <a:p>
+          <a:pPr marL="0" lvl="0" indent="0" algn="ctr" defTabSz="355600">
+            <a:lnSpc>
+              <a:spcPct val="90000"/>
+            </a:lnSpc>
+            <a:spcBef>
+              <a:spcPct val="0"/>
+            </a:spcBef>
+            <a:spcAft>
+              <a:spcPct val="35000"/>
+            </a:spcAft>
+            <a:buFont typeface="Arial" panose="020B0604020202020204" pitchFamily="34" charset="0"/>
+            <a:buNone/>
+          </a:pPr>
+          <a:r>
+            <a:rPr lang="de-DE" sz="800" kern="1200" dirty="0"/>
+            <a:t>Generiert </a:t>
+          </a:r>
+          <a:r>
+            <a:rPr lang="de-DE" sz="800" kern="1200" dirty="0" err="1"/>
+            <a:t>master.c</a:t>
+          </a:r>
+          <a:endParaRPr lang="de-DE" sz="800" kern="1200" dirty="0"/>
+        </a:p>
+      </dsp:txBody>
+      <dsp:txXfrm>
+        <a:off x="4423877" y="1299273"/>
+        <a:ext cx="2210318" cy="289377"/>
+      </dsp:txXfrm>
+    </dsp:sp>
+    <dsp:sp modelId="{AF37F22D-ADBD-45E5-9E20-AC3551CA4D07}">
+      <dsp:nvSpPr>
+        <dsp:cNvPr id="0" name=""/>
+        <dsp:cNvSpPr/>
+      </dsp:nvSpPr>
+      <dsp:spPr>
+        <a:xfrm rot="10800000">
+          <a:off x="0" y="1192"/>
+          <a:ext cx="6637435" cy="967816"/>
+        </a:xfrm>
+        <a:prstGeom prst="upArrowCallout">
+          <a:avLst/>
+        </a:prstGeom>
+        <a:solidFill>
+          <a:schemeClr val="accent4">
+            <a:hueOff val="-2015536"/>
+            <a:satOff val="25876"/>
+            <a:lumOff val="393"/>
+            <a:alphaOff val="0"/>
+          </a:schemeClr>
+        </a:solidFill>
+        <a:ln w="25400" cap="flat" cmpd="sng" algn="ctr">
+          <a:solidFill>
+            <a:schemeClr val="lt1">
+              <a:hueOff val="0"/>
+              <a:satOff val="0"/>
+              <a:lumOff val="0"/>
+              <a:alphaOff val="0"/>
+            </a:schemeClr>
+          </a:solidFill>
+          <a:prstDash val="solid"/>
+        </a:ln>
+        <a:effectLst/>
+      </dsp:spPr>
+      <dsp:style>
+        <a:lnRef idx="2">
+          <a:scrgbClr r="0" g="0" b="0"/>
+        </a:lnRef>
+        <a:fillRef idx="1">
+          <a:scrgbClr r="0" g="0" b="0"/>
+        </a:fillRef>
+        <a:effectRef idx="0">
+          <a:scrgbClr r="0" g="0" b="0"/>
+        </a:effectRef>
+        <a:fontRef idx="minor">
+          <a:schemeClr val="lt1"/>
+        </a:fontRef>
+      </dsp:style>
+      <dsp:txBody>
+        <a:bodyPr spcFirstLastPara="0" vert="horz" wrap="square" lIns="85344" tIns="85344" rIns="85344" bIns="85344" numCol="1" spcCol="1270" anchor="ctr" anchorCtr="0">
+          <a:noAutofit/>
+        </a:bodyPr>
+        <a:lstStyle/>
+        <a:p>
+          <a:pPr marL="0" lvl="0" indent="0" algn="ctr" defTabSz="533400">
+            <a:lnSpc>
+              <a:spcPct val="90000"/>
+            </a:lnSpc>
+            <a:spcBef>
+              <a:spcPct val="0"/>
+            </a:spcBef>
+            <a:spcAft>
+              <a:spcPct val="35000"/>
+            </a:spcAft>
+            <a:buNone/>
+          </a:pPr>
+          <a:r>
+            <a:rPr lang="de-DE" sz="1200" kern="1200" dirty="0"/>
+            <a:t>Main-Generator</a:t>
+          </a:r>
+        </a:p>
+      </dsp:txBody>
+      <dsp:txXfrm rot="-10800000">
+        <a:off x="0" y="1192"/>
+        <a:ext cx="6637435" cy="339703"/>
+      </dsp:txXfrm>
+    </dsp:sp>
+    <dsp:sp modelId="{A13A63DF-9DC8-41F9-A779-684208010E7F}">
+      <dsp:nvSpPr>
+        <dsp:cNvPr id="0" name=""/>
+        <dsp:cNvSpPr/>
+      </dsp:nvSpPr>
+      <dsp:spPr>
+        <a:xfrm>
+          <a:off x="0" y="340895"/>
+          <a:ext cx="3318717" cy="289377"/>
+        </a:xfrm>
+        <a:prstGeom prst="rect">
+          <a:avLst/>
+        </a:prstGeom>
+        <a:solidFill>
+          <a:schemeClr val="accent4">
+            <a:tint val="40000"/>
+            <a:alpha val="90000"/>
+            <a:hueOff val="-2025924"/>
+            <a:satOff val="8531"/>
+            <a:lumOff val="983"/>
+            <a:alphaOff val="0"/>
+          </a:schemeClr>
+        </a:solidFill>
+        <a:ln w="25400" cap="flat" cmpd="sng" algn="ctr">
+          <a:solidFill>
+            <a:schemeClr val="accent4">
+              <a:tint val="40000"/>
+              <a:alpha val="90000"/>
+              <a:hueOff val="-2025924"/>
+              <a:satOff val="8531"/>
+              <a:lumOff val="983"/>
+              <a:alphaOff val="0"/>
+            </a:schemeClr>
+          </a:solidFill>
+          <a:prstDash val="solid"/>
+        </a:ln>
+        <a:effectLst/>
+      </dsp:spPr>
+      <dsp:style>
+        <a:lnRef idx="2">
+          <a:scrgbClr r="0" g="0" b="0"/>
+        </a:lnRef>
+        <a:fillRef idx="1">
+          <a:scrgbClr r="0" g="0" b="0"/>
+        </a:fillRef>
+        <a:effectRef idx="0">
+          <a:scrgbClr r="0" g="0" b="0"/>
+        </a:effectRef>
+        <a:fontRef idx="minor"/>
+      </dsp:style>
+      <dsp:txBody>
+        <a:bodyPr spcFirstLastPara="0" vert="horz" wrap="square" lIns="56896" tIns="10160" rIns="56896" bIns="10160" numCol="1" spcCol="1270" anchor="ctr" anchorCtr="0">
+          <a:noAutofit/>
+        </a:bodyPr>
+        <a:lstStyle/>
+        <a:p>
+          <a:pPr marL="0" lvl="0" indent="0" algn="ctr" defTabSz="355600">
+            <a:lnSpc>
+              <a:spcPct val="90000"/>
+            </a:lnSpc>
+            <a:spcBef>
+              <a:spcPct val="0"/>
+            </a:spcBef>
+            <a:spcAft>
+              <a:spcPct val="35000"/>
+            </a:spcAft>
+            <a:buFont typeface="Arial" panose="020B0604020202020204" pitchFamily="34" charset="0"/>
+            <a:buNone/>
+          </a:pPr>
+          <a:r>
+            <a:rPr lang="de-DE" sz="800" kern="1200" dirty="0"/>
+            <a:t>Generiert IDs der Remote-Ports</a:t>
+          </a:r>
+        </a:p>
+      </dsp:txBody>
+      <dsp:txXfrm>
+        <a:off x="0" y="340895"/>
+        <a:ext cx="3318717" cy="289377"/>
+      </dsp:txXfrm>
+    </dsp:sp>
+    <dsp:sp modelId="{B722C404-8433-4AC2-94BD-BF739BFA3EA5}">
+      <dsp:nvSpPr>
+        <dsp:cNvPr id="0" name=""/>
+        <dsp:cNvSpPr/>
+      </dsp:nvSpPr>
+      <dsp:spPr>
+        <a:xfrm>
+          <a:off x="3318717" y="340895"/>
+          <a:ext cx="3318717" cy="289377"/>
+        </a:xfrm>
+        <a:prstGeom prst="rect">
+          <a:avLst/>
+        </a:prstGeom>
+        <a:solidFill>
+          <a:schemeClr val="accent4">
+            <a:tint val="40000"/>
+            <a:alpha val="90000"/>
+            <a:hueOff val="-2315342"/>
+            <a:satOff val="9750"/>
+            <a:lumOff val="1123"/>
+            <a:alphaOff val="0"/>
+          </a:schemeClr>
+        </a:solidFill>
+        <a:ln w="25400" cap="flat" cmpd="sng" algn="ctr">
+          <a:solidFill>
+            <a:schemeClr val="accent4">
+              <a:tint val="40000"/>
+              <a:alpha val="90000"/>
+              <a:hueOff val="-2315342"/>
+              <a:satOff val="9750"/>
+              <a:lumOff val="1123"/>
+              <a:alphaOff val="0"/>
+            </a:schemeClr>
+          </a:solidFill>
+          <a:prstDash val="solid"/>
+        </a:ln>
+        <a:effectLst/>
+      </dsp:spPr>
+      <dsp:style>
+        <a:lnRef idx="2">
+          <a:scrgbClr r="0" g="0" b="0"/>
+        </a:lnRef>
+        <a:fillRef idx="1">
+          <a:scrgbClr r="0" g="0" b="0"/>
+        </a:fillRef>
+        <a:effectRef idx="0">
+          <a:scrgbClr r="0" g="0" b="0"/>
+        </a:effectRef>
+        <a:fontRef idx="minor"/>
+      </dsp:style>
+      <dsp:txBody>
+        <a:bodyPr spcFirstLastPara="0" vert="horz" wrap="square" lIns="56896" tIns="10160" rIns="56896" bIns="10160" numCol="1" spcCol="1270" anchor="ctr" anchorCtr="0">
+          <a:noAutofit/>
+        </a:bodyPr>
+        <a:lstStyle/>
+        <a:p>
+          <a:pPr marL="0" lvl="0" indent="0" algn="ctr" defTabSz="355600">
+            <a:lnSpc>
+              <a:spcPct val="90000"/>
+            </a:lnSpc>
+            <a:spcBef>
+              <a:spcPct val="0"/>
+            </a:spcBef>
+            <a:spcAft>
+              <a:spcPct val="35000"/>
+            </a:spcAft>
+            <a:buFont typeface="Arial" panose="020B0604020202020204" pitchFamily="34" charset="0"/>
+            <a:buNone/>
+          </a:pPr>
+          <a:r>
+            <a:rPr lang="de-DE" sz="800" kern="1200" dirty="0"/>
+            <a:t>Erstellt Ordnerstruktur</a:t>
+          </a:r>
+        </a:p>
+      </dsp:txBody>
+      <dsp:txXfrm>
+        <a:off x="3318717" y="340895"/>
+        <a:ext cx="3318717" cy="289377"/>
+      </dsp:txXfrm>
+    </dsp:sp>
+  </dsp:spTree>
+</dsp:drawing>
+</file>
+
+<file path=ppt/diagrams/drawing3.xml><?xml version="1.0" encoding="utf-8"?>
+<dsp:drawing xmlns:dgm="http://schemas.openxmlformats.org/drawingml/2006/diagram" xmlns:dsp="http://schemas.microsoft.com/office/drawing/2008/diagram" xmlns:a="http://schemas.openxmlformats.org/drawingml/2006/main">
+  <dsp:spTree>
+    <dsp:nvGrpSpPr>
+      <dsp:cNvPr id="0" name=""/>
+      <dsp:cNvGrpSpPr/>
+    </dsp:nvGrpSpPr>
+    <dsp:grpSpPr/>
     <dsp:sp modelId="{5C469640-FE55-4F7F-B497-1B74F4E2C0F5}">
       <dsp:nvSpPr>
         <dsp:cNvPr id="0" name=""/>
@@ -3937,7 +6336,7 @@
           <a:avLst/>
         </a:prstGeom>
         <a:solidFill>
-          <a:schemeClr val="lt1">
+          <a:schemeClr val="accent4">
             <a:hueOff val="0"/>
             <a:satOff val="0"/>
             <a:lumOff val="0"/>
@@ -3946,8 +6345,7 @@
         </a:solidFill>
         <a:ln w="25400" cap="flat" cmpd="sng" algn="ctr">
           <a:solidFill>
-            <a:schemeClr val="dk1">
-              <a:shade val="80000"/>
+            <a:schemeClr val="lt1">
               <a:hueOff val="0"/>
               <a:satOff val="0"/>
               <a:lumOff val="0"/>
@@ -3978,7 +6376,7 @@
         </a:bodyPr>
         <a:lstStyle/>
         <a:p>
-          <a:pPr lvl="0" algn="ctr" defTabSz="1155700">
+          <a:pPr marL="0" lvl="0" indent="0" algn="ctr" defTabSz="1155700">
             <a:lnSpc>
               <a:spcPct val="90000"/>
             </a:lnSpc>
@@ -3988,6 +6386,7 @@
             <a:spcAft>
               <a:spcPct val="35000"/>
             </a:spcAft>
+            <a:buNone/>
           </a:pPr>
           <a:r>
             <a:rPr lang="de-DE" sz="2600" kern="1200" dirty="0" err="1"/>
@@ -4015,17 +6414,16 @@
           <a:avLst/>
         </a:prstGeom>
         <a:solidFill>
-          <a:schemeClr val="lt1">
-            <a:hueOff val="0"/>
-            <a:satOff val="0"/>
-            <a:lumOff val="0"/>
+          <a:schemeClr val="accent4">
+            <a:hueOff val="-1007768"/>
+            <a:satOff val="12938"/>
+            <a:lumOff val="197"/>
             <a:alphaOff val="0"/>
           </a:schemeClr>
         </a:solidFill>
         <a:ln w="25400" cap="flat" cmpd="sng" algn="ctr">
           <a:solidFill>
-            <a:schemeClr val="dk1">
-              <a:shade val="80000"/>
+            <a:schemeClr val="lt1">
               <a:hueOff val="0"/>
               <a:satOff val="0"/>
               <a:lumOff val="0"/>
@@ -4056,7 +6454,7 @@
         </a:bodyPr>
         <a:lstStyle/>
         <a:p>
-          <a:pPr lvl="0" algn="ctr" defTabSz="1155700">
+          <a:pPr marL="0" lvl="0" indent="0" algn="ctr" defTabSz="1155700">
             <a:lnSpc>
               <a:spcPct val="90000"/>
             </a:lnSpc>
@@ -4066,6 +6464,7 @@
             <a:spcAft>
               <a:spcPct val="35000"/>
             </a:spcAft>
+            <a:buNone/>
           </a:pPr>
           <a:r>
             <a:rPr lang="de-DE" sz="2600" kern="1200" dirty="0" err="1"/>
@@ -4093,17 +6492,16 @@
           <a:avLst/>
         </a:prstGeom>
         <a:solidFill>
-          <a:schemeClr val="lt1">
-            <a:hueOff val="0"/>
-            <a:satOff val="0"/>
-            <a:lumOff val="0"/>
+          <a:schemeClr val="accent4">
+            <a:hueOff val="-2015536"/>
+            <a:satOff val="25876"/>
+            <a:lumOff val="393"/>
             <a:alphaOff val="0"/>
           </a:schemeClr>
         </a:solidFill>
         <a:ln w="25400" cap="flat" cmpd="sng" algn="ctr">
           <a:solidFill>
-            <a:schemeClr val="dk1">
-              <a:shade val="80000"/>
+            <a:schemeClr val="lt1">
               <a:hueOff val="0"/>
               <a:satOff val="0"/>
               <a:lumOff val="0"/>
@@ -4134,7 +6532,7 @@
         </a:bodyPr>
         <a:lstStyle/>
         <a:p>
-          <a:pPr lvl="0" algn="ctr" defTabSz="1155700">
+          <a:pPr marL="0" lvl="0" indent="0" algn="ctr" defTabSz="1155700">
             <a:lnSpc>
               <a:spcPct val="90000"/>
             </a:lnSpc>
@@ -4144,6 +6542,7 @@
             <a:spcAft>
               <a:spcPct val="35000"/>
             </a:spcAft>
+            <a:buNone/>
           </a:pPr>
           <a:r>
             <a:rPr lang="de-DE" sz="2600" kern="1200" dirty="0" err="1"/>
@@ -5346,6 +7745,359 @@
 </file>
 
 <file path=ppt/diagrams/layout2.xml><?xml version="1.0" encoding="utf-8"?>
+<dgm:layoutDef xmlns:dgm="http://schemas.openxmlformats.org/drawingml/2006/diagram" xmlns:a="http://schemas.openxmlformats.org/drawingml/2006/main" uniqueId="urn:microsoft.com/office/officeart/2005/8/layout/process4">
+  <dgm:title val=""/>
+  <dgm:desc val=""/>
+  <dgm:catLst>
+    <dgm:cat type="process" pri="16000"/>
+    <dgm:cat type="list" pri="20000"/>
+  </dgm:catLst>
+  <dgm:sampData>
+    <dgm:dataModel>
+      <dgm:ptLst>
+        <dgm:pt modelId="0" type="doc"/>
+        <dgm:pt modelId="1">
+          <dgm:prSet phldr="1"/>
+        </dgm:pt>
+        <dgm:pt modelId="11">
+          <dgm:prSet phldr="1"/>
+        </dgm:pt>
+        <dgm:pt modelId="12">
+          <dgm:prSet phldr="1"/>
+        </dgm:pt>
+        <dgm:pt modelId="2">
+          <dgm:prSet phldr="1"/>
+        </dgm:pt>
+        <dgm:pt modelId="21">
+          <dgm:prSet phldr="1"/>
+        </dgm:pt>
+        <dgm:pt modelId="22">
+          <dgm:prSet phldr="1"/>
+        </dgm:pt>
+        <dgm:pt modelId="3">
+          <dgm:prSet phldr="1"/>
+        </dgm:pt>
+        <dgm:pt modelId="31">
+          <dgm:prSet phldr="1"/>
+        </dgm:pt>
+        <dgm:pt modelId="32">
+          <dgm:prSet phldr="1"/>
+        </dgm:pt>
+      </dgm:ptLst>
+      <dgm:cxnLst>
+        <dgm:cxn modelId="4" srcId="0" destId="1" srcOrd="0" destOrd="0"/>
+        <dgm:cxn modelId="5" srcId="0" destId="2" srcOrd="1" destOrd="0"/>
+        <dgm:cxn modelId="6" srcId="0" destId="3" srcOrd="2" destOrd="0"/>
+        <dgm:cxn modelId="13" srcId="1" destId="11" srcOrd="0" destOrd="0"/>
+        <dgm:cxn modelId="14" srcId="1" destId="12" srcOrd="1" destOrd="0"/>
+        <dgm:cxn modelId="23" srcId="2" destId="21" srcOrd="0" destOrd="0"/>
+        <dgm:cxn modelId="24" srcId="2" destId="22" srcOrd="1" destOrd="0"/>
+        <dgm:cxn modelId="33" srcId="3" destId="31" srcOrd="0" destOrd="0"/>
+        <dgm:cxn modelId="34" srcId="3" destId="32" srcOrd="1" destOrd="0"/>
+      </dgm:cxnLst>
+      <dgm:bg/>
+      <dgm:whole/>
+    </dgm:dataModel>
+  </dgm:sampData>
+  <dgm:styleData>
+    <dgm:dataModel>
+      <dgm:ptLst>
+        <dgm:pt modelId="0" type="doc"/>
+        <dgm:pt modelId="1"/>
+        <dgm:pt modelId="11"/>
+        <dgm:pt modelId="2"/>
+        <dgm:pt modelId="21"/>
+      </dgm:ptLst>
+      <dgm:cxnLst>
+        <dgm:cxn modelId="4" srcId="0" destId="1" srcOrd="0" destOrd="0"/>
+        <dgm:cxn modelId="5" srcId="0" destId="2" srcOrd="1" destOrd="0"/>
+        <dgm:cxn modelId="13" srcId="1" destId="11" srcOrd="0" destOrd="0"/>
+        <dgm:cxn modelId="23" srcId="2" destId="21" srcOrd="0" destOrd="0"/>
+      </dgm:cxnLst>
+      <dgm:bg/>
+      <dgm:whole/>
+    </dgm:dataModel>
+  </dgm:styleData>
+  <dgm:clrData>
+    <dgm:dataModel>
+      <dgm:ptLst>
+        <dgm:pt modelId="0" type="doc"/>
+        <dgm:pt modelId="1"/>
+        <dgm:pt modelId="11"/>
+        <dgm:pt modelId="2"/>
+        <dgm:pt modelId="21"/>
+        <dgm:pt modelId="3"/>
+        <dgm:pt modelId="31"/>
+        <dgm:pt modelId="4"/>
+        <dgm:pt modelId="41"/>
+      </dgm:ptLst>
+      <dgm:cxnLst>
+        <dgm:cxn modelId="5" srcId="0" destId="1" srcOrd="0" destOrd="0"/>
+        <dgm:cxn modelId="6" srcId="0" destId="2" srcOrd="1" destOrd="0"/>
+        <dgm:cxn modelId="7" srcId="0" destId="3" srcOrd="2" destOrd="0"/>
+        <dgm:cxn modelId="8" srcId="0" destId="4" srcOrd="3" destOrd="0"/>
+        <dgm:cxn modelId="13" srcId="1" destId="11" srcOrd="0" destOrd="0"/>
+        <dgm:cxn modelId="23" srcId="2" destId="21" srcOrd="0" destOrd="0"/>
+        <dgm:cxn modelId="33" srcId="3" destId="31" srcOrd="0" destOrd="0"/>
+        <dgm:cxn modelId="43" srcId="4" destId="41" srcOrd="0" destOrd="0"/>
+      </dgm:cxnLst>
+      <dgm:bg/>
+      <dgm:whole/>
+    </dgm:dataModel>
+  </dgm:clrData>
+  <dgm:layoutNode name="Name0">
+    <dgm:varLst>
+      <dgm:dir/>
+      <dgm:animLvl val="lvl"/>
+      <dgm:resizeHandles val="exact"/>
+    </dgm:varLst>
+    <dgm:alg type="lin">
+      <dgm:param type="linDir" val="fromB"/>
+    </dgm:alg>
+    <dgm:shape xmlns:r="http://schemas.openxmlformats.org/officeDocument/2006/relationships" r:blip="">
+      <dgm:adjLst/>
+    </dgm:shape>
+    <dgm:presOf/>
+    <dgm:constrLst>
+      <dgm:constr type="h" for="ch" forName="boxAndChildren" refType="h"/>
+      <dgm:constr type="h" for="ch" forName="arrowAndChildren" refType="h" refFor="ch" refForName="boxAndChildren" op="equ" fact="1.538"/>
+      <dgm:constr type="w" for="ch" forName="arrowAndChildren" refType="w"/>
+      <dgm:constr type="w" for="ch" forName="boxAndChildren" refType="w"/>
+      <dgm:constr type="h" for="ch" forName="sp" refType="h" fact="-0.015"/>
+      <dgm:constr type="primFontSz" for="des" forName="parentTextBox" val="65"/>
+      <dgm:constr type="primFontSz" for="des" forName="parentTextArrow" refType="primFontSz" refFor="des" refForName="parentTextBox" op="equ"/>
+      <dgm:constr type="primFontSz" for="des" forName="childTextArrow" val="65"/>
+      <dgm:constr type="primFontSz" for="des" forName="childTextBox" refType="primFontSz" refFor="des" refForName="childTextArrow" op="equ"/>
+    </dgm:constrLst>
+    <dgm:ruleLst/>
+    <dgm:forEach name="Name1" axis="ch" ptType="node" st="-1" step="-1">
+      <dgm:choose name="Name2">
+        <dgm:if name="Name3" axis="self" ptType="node" func="revPos" op="equ" val="1">
+          <dgm:layoutNode name="boxAndChildren">
+            <dgm:alg type="composite"/>
+            <dgm:shape xmlns:r="http://schemas.openxmlformats.org/officeDocument/2006/relationships" r:blip="">
+              <dgm:adjLst/>
+            </dgm:shape>
+            <dgm:presOf/>
+            <dgm:choose name="Name4">
+              <dgm:if name="Name5" axis="ch" ptType="node" func="cnt" op="gte" val="1">
+                <dgm:constrLst>
+                  <dgm:constr type="w" for="ch" forName="parentTextBox" refType="w"/>
+                  <dgm:constr type="h" for="ch" forName="parentTextBox" refType="h" fact="0.54"/>
+                  <dgm:constr type="t" for="ch" forName="parentTextBox"/>
+                  <dgm:constr type="w" for="ch" forName="entireBox" refType="w"/>
+                  <dgm:constr type="h" for="ch" forName="entireBox" refType="h"/>
+                  <dgm:constr type="w" for="ch" forName="descendantBox" refType="w"/>
+                  <dgm:constr type="b" for="ch" forName="descendantBox" refType="h" fact="0.98"/>
+                  <dgm:constr type="h" for="ch" forName="descendantBox" refType="h" fact="0.46"/>
+                </dgm:constrLst>
+              </dgm:if>
+              <dgm:else name="Name6">
+                <dgm:constrLst>
+                  <dgm:constr type="w" for="ch" forName="parentTextBox" refType="w"/>
+                  <dgm:constr type="h" for="ch" forName="parentTextBox" refType="h"/>
+                </dgm:constrLst>
+              </dgm:else>
+            </dgm:choose>
+            <dgm:ruleLst/>
+            <dgm:layoutNode name="parentTextBox">
+              <dgm:alg type="tx"/>
+              <dgm:choose name="Name7">
+                <dgm:if name="Name8" axis="ch" ptType="node" func="cnt" op="gte" val="1">
+                  <dgm:shape xmlns:r="http://schemas.openxmlformats.org/officeDocument/2006/relationships" type="rect" r:blip="" zOrderOff="1" hideGeom="1">
+                    <dgm:adjLst/>
+                  </dgm:shape>
+                </dgm:if>
+                <dgm:else name="Name9">
+                  <dgm:shape xmlns:r="http://schemas.openxmlformats.org/officeDocument/2006/relationships" type="rect" r:blip="">
+                    <dgm:adjLst/>
+                  </dgm:shape>
+                </dgm:else>
+              </dgm:choose>
+              <dgm:presOf axis="self"/>
+              <dgm:constrLst/>
+              <dgm:ruleLst>
+                <dgm:rule type="primFontSz" val="5" fact="NaN" max="NaN"/>
+              </dgm:ruleLst>
+            </dgm:layoutNode>
+            <dgm:choose name="Name10">
+              <dgm:if name="Name11" axis="ch" ptType="node" func="cnt" op="gte" val="1">
+                <dgm:layoutNode name="entireBox">
+                  <dgm:alg type="sp"/>
+                  <dgm:shape xmlns:r="http://schemas.openxmlformats.org/officeDocument/2006/relationships" type="rect" r:blip="">
+                    <dgm:adjLst/>
+                  </dgm:shape>
+                  <dgm:presOf axis="self"/>
+                  <dgm:constrLst/>
+                  <dgm:ruleLst/>
+                </dgm:layoutNode>
+                <dgm:layoutNode name="descendantBox" styleLbl="fgAccFollowNode1">
+                  <dgm:choose name="Name12">
+                    <dgm:if name="Name13" func="var" arg="dir" op="equ" val="norm">
+                      <dgm:alg type="lin"/>
+                    </dgm:if>
+                    <dgm:else name="Name14">
+                      <dgm:alg type="lin">
+                        <dgm:param type="linDir" val="fromR"/>
+                      </dgm:alg>
+                    </dgm:else>
+                  </dgm:choose>
+                  <dgm:shape xmlns:r="http://schemas.openxmlformats.org/officeDocument/2006/relationships" r:blip="">
+                    <dgm:adjLst/>
+                  </dgm:shape>
+                  <dgm:presOf/>
+                  <dgm:constrLst>
+                    <dgm:constr type="w" for="ch" forName="childTextBox" refType="w"/>
+                    <dgm:constr type="h" for="ch" forName="childTextBox" refType="h"/>
+                  </dgm:constrLst>
+                  <dgm:ruleLst/>
+                  <dgm:forEach name="Name15" axis="ch" ptType="node">
+                    <dgm:layoutNode name="childTextBox" styleLbl="fgAccFollowNode1">
+                      <dgm:varLst>
+                        <dgm:bulletEnabled val="1"/>
+                      </dgm:varLst>
+                      <dgm:alg type="tx"/>
+                      <dgm:shape xmlns:r="http://schemas.openxmlformats.org/officeDocument/2006/relationships" type="rect" r:blip="">
+                        <dgm:adjLst/>
+                      </dgm:shape>
+                      <dgm:presOf axis="desOrSelf" ptType="node"/>
+                      <dgm:constrLst>
+                        <dgm:constr type="tMarg" refType="primFontSz" fact="0.1"/>
+                        <dgm:constr type="bMarg" refType="primFontSz" fact="0.1"/>
+                      </dgm:constrLst>
+                      <dgm:ruleLst>
+                        <dgm:rule type="primFontSz" val="5" fact="NaN" max="NaN"/>
+                      </dgm:ruleLst>
+                    </dgm:layoutNode>
+                  </dgm:forEach>
+                </dgm:layoutNode>
+              </dgm:if>
+              <dgm:else name="Name16"/>
+            </dgm:choose>
+          </dgm:layoutNode>
+        </dgm:if>
+        <dgm:else name="Name17">
+          <dgm:layoutNode name="arrowAndChildren">
+            <dgm:alg type="composite"/>
+            <dgm:shape xmlns:r="http://schemas.openxmlformats.org/officeDocument/2006/relationships" r:blip="">
+              <dgm:adjLst/>
+            </dgm:shape>
+            <dgm:presOf/>
+            <dgm:choose name="Name18">
+              <dgm:if name="Name19" axis="ch" ptType="node" func="cnt" op="gte" val="1">
+                <dgm:constrLst>
+                  <dgm:constr type="w" for="ch" forName="parentTextArrow" refType="w"/>
+                  <dgm:constr type="t" for="ch" forName="parentTextArrow"/>
+                  <dgm:constr type="h" for="ch" forName="parentTextArrow" refType="h" fact="0.351"/>
+                  <dgm:constr type="w" for="ch" forName="arrow" refType="w"/>
+                  <dgm:constr type="h" for="ch" forName="arrow" refType="h"/>
+                  <dgm:constr type="w" for="ch" forName="descendantArrow" refType="w"/>
+                  <dgm:constr type="b" for="ch" forName="descendantArrow" refType="h" fact="0.65"/>
+                  <dgm:constr type="h" for="ch" forName="descendantArrow" refType="h" fact="0.299"/>
+                </dgm:constrLst>
+              </dgm:if>
+              <dgm:else name="Name20">
+                <dgm:constrLst>
+                  <dgm:constr type="w" for="ch" forName="parentTextArrow" refType="w"/>
+                  <dgm:constr type="h" for="ch" forName="parentTextArrow" refType="h"/>
+                </dgm:constrLst>
+              </dgm:else>
+            </dgm:choose>
+            <dgm:ruleLst/>
+            <dgm:layoutNode name="parentTextArrow">
+              <dgm:alg type="tx"/>
+              <dgm:choose name="Name21">
+                <dgm:if name="Name22" axis="ch" ptType="node" func="cnt" op="gte" val="1">
+                  <dgm:shape xmlns:r="http://schemas.openxmlformats.org/officeDocument/2006/relationships" type="rect" r:blip="" zOrderOff="1" hideGeom="1">
+                    <dgm:adjLst/>
+                  </dgm:shape>
+                </dgm:if>
+                <dgm:else name="Name23">
+                  <dgm:shape xmlns:r="http://schemas.openxmlformats.org/officeDocument/2006/relationships" rot="180" type="upArrowCallout" r:blip="">
+                    <dgm:adjLst/>
+                  </dgm:shape>
+                </dgm:else>
+              </dgm:choose>
+              <dgm:presOf axis="self"/>
+              <dgm:constrLst/>
+              <dgm:ruleLst>
+                <dgm:rule type="primFontSz" val="5" fact="NaN" max="NaN"/>
+              </dgm:ruleLst>
+            </dgm:layoutNode>
+            <dgm:choose name="Name24">
+              <dgm:if name="Name25" axis="ch" ptType="node" func="cnt" op="gte" val="1">
+                <dgm:layoutNode name="arrow">
+                  <dgm:alg type="sp"/>
+                  <dgm:shape xmlns:r="http://schemas.openxmlformats.org/officeDocument/2006/relationships" rot="180" type="upArrowCallout" r:blip="">
+                    <dgm:adjLst/>
+                  </dgm:shape>
+                  <dgm:presOf axis="self"/>
+                  <dgm:constrLst/>
+                  <dgm:ruleLst/>
+                </dgm:layoutNode>
+                <dgm:layoutNode name="descendantArrow">
+                  <dgm:choose name="Name26">
+                    <dgm:if name="Name27" func="var" arg="dir" op="equ" val="norm">
+                      <dgm:alg type="lin"/>
+                    </dgm:if>
+                    <dgm:else name="Name28">
+                      <dgm:alg type="lin">
+                        <dgm:param type="linDir" val="fromR"/>
+                      </dgm:alg>
+                    </dgm:else>
+                  </dgm:choose>
+                  <dgm:shape xmlns:r="http://schemas.openxmlformats.org/officeDocument/2006/relationships" r:blip="">
+                    <dgm:adjLst/>
+                  </dgm:shape>
+                  <dgm:presOf/>
+                  <dgm:constrLst>
+                    <dgm:constr type="w" for="ch" forName="childTextArrow" refType="w"/>
+                    <dgm:constr type="h" for="ch" forName="childTextArrow" refType="h"/>
+                  </dgm:constrLst>
+                  <dgm:ruleLst/>
+                  <dgm:forEach name="Name29" axis="ch" ptType="node">
+                    <dgm:layoutNode name="childTextArrow" styleLbl="fgAccFollowNode1">
+                      <dgm:varLst>
+                        <dgm:bulletEnabled val="1"/>
+                      </dgm:varLst>
+                      <dgm:alg type="tx"/>
+                      <dgm:shape xmlns:r="http://schemas.openxmlformats.org/officeDocument/2006/relationships" type="rect" r:blip="">
+                        <dgm:adjLst/>
+                      </dgm:shape>
+                      <dgm:presOf axis="desOrSelf" ptType="node"/>
+                      <dgm:constrLst>
+                        <dgm:constr type="tMarg" refType="primFontSz" fact="0.1"/>
+                        <dgm:constr type="bMarg" refType="primFontSz" fact="0.1"/>
+                      </dgm:constrLst>
+                      <dgm:ruleLst>
+                        <dgm:rule type="primFontSz" val="5" fact="NaN" max="NaN"/>
+                      </dgm:ruleLst>
+                    </dgm:layoutNode>
+                  </dgm:forEach>
+                </dgm:layoutNode>
+              </dgm:if>
+              <dgm:else name="Name30"/>
+            </dgm:choose>
+          </dgm:layoutNode>
+        </dgm:else>
+      </dgm:choose>
+      <dgm:forEach name="Name31" axis="precedSib" ptType="sibTrans" st="-1" cnt="1">
+        <dgm:layoutNode name="sp">
+          <dgm:alg type="sp"/>
+          <dgm:shape xmlns:r="http://schemas.openxmlformats.org/officeDocument/2006/relationships" r:blip="">
+            <dgm:adjLst/>
+          </dgm:shape>
+          <dgm:presOf axis="self"/>
+          <dgm:constrLst/>
+          <dgm:ruleLst/>
+        </dgm:layoutNode>
+      </dgm:forEach>
+    </dgm:forEach>
+  </dgm:layoutNode>
+</dgm:layoutDef>
+</file>
+
+<file path=ppt/diagrams/layout3.xml><?xml version="1.0" encoding="utf-8"?>
 <dgm:layoutDef xmlns:dgm="http://schemas.openxmlformats.org/drawingml/2006/diagram" xmlns:a="http://schemas.openxmlformats.org/drawingml/2006/main" uniqueId="urn:microsoft.com/office/officeart/2005/8/layout/chevron1">
   <dgm:title val=""/>
   <dgm:desc val=""/>
@@ -7696,6 +10448,1040 @@
 </dgm:styleDef>
 </file>
 
+<file path=ppt/diagrams/quickStyle3.xml><?xml version="1.0" encoding="utf-8"?>
+<dgm:styleDef xmlns:dgm="http://schemas.openxmlformats.org/drawingml/2006/diagram" xmlns:a="http://schemas.openxmlformats.org/drawingml/2006/main" uniqueId="urn:microsoft.com/office/officeart/2005/8/quickstyle/simple1">
+  <dgm:title val=""/>
+  <dgm:desc val=""/>
+  <dgm:catLst>
+    <dgm:cat type="simple" pri="10100"/>
+  </dgm:catLst>
+  <dgm:scene3d>
+    <a:camera prst="orthographicFront"/>
+    <a:lightRig rig="threePt" dir="t"/>
+  </dgm:scene3d>
+  <dgm:styleLbl name="node0">
+    <dgm:scene3d>
+      <a:camera prst="orthographicFront"/>
+      <a:lightRig rig="threePt" dir="t"/>
+    </dgm:scene3d>
+    <dgm:sp3d/>
+    <dgm:txPr/>
+    <dgm:style>
+      <a:lnRef idx="2">
+        <a:scrgbClr r="0" g="0" b="0"/>
+      </a:lnRef>
+      <a:fillRef idx="1">
+        <a:scrgbClr r="0" g="0" b="0"/>
+      </a:fillRef>
+      <a:effectRef idx="0">
+        <a:scrgbClr r="0" g="0" b="0"/>
+      </a:effectRef>
+      <a:fontRef idx="minor">
+        <a:schemeClr val="lt1"/>
+      </a:fontRef>
+    </dgm:style>
+  </dgm:styleLbl>
+  <dgm:styleLbl name="lnNode1">
+    <dgm:scene3d>
+      <a:camera prst="orthographicFront"/>
+      <a:lightRig rig="threePt" dir="t"/>
+    </dgm:scene3d>
+    <dgm:sp3d/>
+    <dgm:txPr/>
+    <dgm:style>
+      <a:lnRef idx="2">
+        <a:scrgbClr r="0" g="0" b="0"/>
+      </a:lnRef>
+      <a:fillRef idx="1">
+        <a:scrgbClr r="0" g="0" b="0"/>
+      </a:fillRef>
+      <a:effectRef idx="0">
+        <a:scrgbClr r="0" g="0" b="0"/>
+      </a:effectRef>
+      <a:fontRef idx="minor">
+        <a:schemeClr val="lt1"/>
+      </a:fontRef>
+    </dgm:style>
+  </dgm:styleLbl>
+  <dgm:styleLbl name="vennNode1">
+    <dgm:scene3d>
+      <a:camera prst="orthographicFront"/>
+      <a:lightRig rig="threePt" dir="t"/>
+    </dgm:scene3d>
+    <dgm:sp3d/>
+    <dgm:txPr/>
+    <dgm:style>
+      <a:lnRef idx="2">
+        <a:scrgbClr r="0" g="0" b="0"/>
+      </a:lnRef>
+      <a:fillRef idx="1">
+        <a:scrgbClr r="0" g="0" b="0"/>
+      </a:fillRef>
+      <a:effectRef idx="0">
+        <a:scrgbClr r="0" g="0" b="0"/>
+      </a:effectRef>
+      <a:fontRef idx="minor">
+        <a:schemeClr val="tx1"/>
+      </a:fontRef>
+    </dgm:style>
+  </dgm:styleLbl>
+  <dgm:styleLbl name="alignNode1">
+    <dgm:scene3d>
+      <a:camera prst="orthographicFront"/>
+      <a:lightRig rig="threePt" dir="t"/>
+    </dgm:scene3d>
+    <dgm:sp3d/>
+    <dgm:txPr/>
+    <dgm:style>
+      <a:lnRef idx="2">
+        <a:scrgbClr r="0" g="0" b="0"/>
+      </a:lnRef>
+      <a:fillRef idx="1">
+        <a:scrgbClr r="0" g="0" b="0"/>
+      </a:fillRef>
+      <a:effectRef idx="0">
+        <a:scrgbClr r="0" g="0" b="0"/>
+      </a:effectRef>
+      <a:fontRef idx="minor">
+        <a:schemeClr val="lt1"/>
+      </a:fontRef>
+    </dgm:style>
+  </dgm:styleLbl>
+  <dgm:styleLbl name="node1">
+    <dgm:scene3d>
+      <a:camera prst="orthographicFront"/>
+      <a:lightRig rig="threePt" dir="t"/>
+    </dgm:scene3d>
+    <dgm:sp3d/>
+    <dgm:txPr/>
+    <dgm:style>
+      <a:lnRef idx="2">
+        <a:scrgbClr r="0" g="0" b="0"/>
+      </a:lnRef>
+      <a:fillRef idx="1">
+        <a:scrgbClr r="0" g="0" b="0"/>
+      </a:fillRef>
+      <a:effectRef idx="0">
+        <a:scrgbClr r="0" g="0" b="0"/>
+      </a:effectRef>
+      <a:fontRef idx="minor">
+        <a:schemeClr val="lt1"/>
+      </a:fontRef>
+    </dgm:style>
+  </dgm:styleLbl>
+  <dgm:styleLbl name="node2">
+    <dgm:scene3d>
+      <a:camera prst="orthographicFront"/>
+      <a:lightRig rig="threePt" dir="t"/>
+    </dgm:scene3d>
+    <dgm:sp3d/>
+    <dgm:txPr/>
+    <dgm:style>
+      <a:lnRef idx="2">
+        <a:scrgbClr r="0" g="0" b="0"/>
+      </a:lnRef>
+      <a:fillRef idx="1">
+        <a:scrgbClr r="0" g="0" b="0"/>
+      </a:fillRef>
+      <a:effectRef idx="0">
+        <a:scrgbClr r="0" g="0" b="0"/>
+      </a:effectRef>
+      <a:fontRef idx="minor">
+        <a:schemeClr val="lt1"/>
+      </a:fontRef>
+    </dgm:style>
+  </dgm:styleLbl>
+  <dgm:styleLbl name="node3">
+    <dgm:scene3d>
+      <a:camera prst="orthographicFront"/>
+      <a:lightRig rig="threePt" dir="t"/>
+    </dgm:scene3d>
+    <dgm:sp3d/>
+    <dgm:txPr/>
+    <dgm:style>
+      <a:lnRef idx="2">
+        <a:scrgbClr r="0" g="0" b="0"/>
+      </a:lnRef>
+      <a:fillRef idx="1">
+        <a:scrgbClr r="0" g="0" b="0"/>
+      </a:fillRef>
+      <a:effectRef idx="0">
+        <a:scrgbClr r="0" g="0" b="0"/>
+      </a:effectRef>
+      <a:fontRef idx="minor">
+        <a:schemeClr val="lt1"/>
+      </a:fontRef>
+    </dgm:style>
+  </dgm:styleLbl>
+  <dgm:styleLbl name="node4">
+    <dgm:scene3d>
+      <a:camera prst="orthographicFront"/>
+      <a:lightRig rig="threePt" dir="t"/>
+    </dgm:scene3d>
+    <dgm:sp3d/>
+    <dgm:txPr/>
+    <dgm:style>
+      <a:lnRef idx="2">
+        <a:scrgbClr r="0" g="0" b="0"/>
+      </a:lnRef>
+      <a:fillRef idx="1">
+        <a:scrgbClr r="0" g="0" b="0"/>
+      </a:fillRef>
+      <a:effectRef idx="0">
+        <a:scrgbClr r="0" g="0" b="0"/>
+      </a:effectRef>
+      <a:fontRef idx="minor">
+        <a:schemeClr val="lt1"/>
+      </a:fontRef>
+    </dgm:style>
+  </dgm:styleLbl>
+  <dgm:styleLbl name="fgImgPlace1">
+    <dgm:scene3d>
+      <a:camera prst="orthographicFront"/>
+      <a:lightRig rig="threePt" dir="t"/>
+    </dgm:scene3d>
+    <dgm:sp3d/>
+    <dgm:txPr/>
+    <dgm:style>
+      <a:lnRef idx="2">
+        <a:scrgbClr r="0" g="0" b="0"/>
+      </a:lnRef>
+      <a:fillRef idx="1">
+        <a:scrgbClr r="0" g="0" b="0"/>
+      </a:fillRef>
+      <a:effectRef idx="0">
+        <a:scrgbClr r="0" g="0" b="0"/>
+      </a:effectRef>
+      <a:fontRef idx="minor"/>
+    </dgm:style>
+  </dgm:styleLbl>
+  <dgm:styleLbl name="alignImgPlace1">
+    <dgm:scene3d>
+      <a:camera prst="orthographicFront"/>
+      <a:lightRig rig="threePt" dir="t"/>
+    </dgm:scene3d>
+    <dgm:sp3d/>
+    <dgm:txPr/>
+    <dgm:style>
+      <a:lnRef idx="2">
+        <a:scrgbClr r="0" g="0" b="0"/>
+      </a:lnRef>
+      <a:fillRef idx="1">
+        <a:scrgbClr r="0" g="0" b="0"/>
+      </a:fillRef>
+      <a:effectRef idx="0">
+        <a:scrgbClr r="0" g="0" b="0"/>
+      </a:effectRef>
+      <a:fontRef idx="minor"/>
+    </dgm:style>
+  </dgm:styleLbl>
+  <dgm:styleLbl name="bgImgPlace1">
+    <dgm:scene3d>
+      <a:camera prst="orthographicFront"/>
+      <a:lightRig rig="threePt" dir="t"/>
+    </dgm:scene3d>
+    <dgm:sp3d/>
+    <dgm:txPr/>
+    <dgm:style>
+      <a:lnRef idx="2">
+        <a:scrgbClr r="0" g="0" b="0"/>
+      </a:lnRef>
+      <a:fillRef idx="1">
+        <a:scrgbClr r="0" g="0" b="0"/>
+      </a:fillRef>
+      <a:effectRef idx="0">
+        <a:scrgbClr r="0" g="0" b="0"/>
+      </a:effectRef>
+      <a:fontRef idx="minor"/>
+    </dgm:style>
+  </dgm:styleLbl>
+  <dgm:styleLbl name="sibTrans2D1">
+    <dgm:scene3d>
+      <a:camera prst="orthographicFront"/>
+      <a:lightRig rig="threePt" dir="t"/>
+    </dgm:scene3d>
+    <dgm:sp3d/>
+    <dgm:txPr/>
+    <dgm:style>
+      <a:lnRef idx="0">
+        <a:scrgbClr r="0" g="0" b="0"/>
+      </a:lnRef>
+      <a:fillRef idx="1">
+        <a:scrgbClr r="0" g="0" b="0"/>
+      </a:fillRef>
+      <a:effectRef idx="0">
+        <a:scrgbClr r="0" g="0" b="0"/>
+      </a:effectRef>
+      <a:fontRef idx="minor">
+        <a:schemeClr val="lt1"/>
+      </a:fontRef>
+    </dgm:style>
+  </dgm:styleLbl>
+  <dgm:styleLbl name="fgSibTrans2D1">
+    <dgm:scene3d>
+      <a:camera prst="orthographicFront"/>
+      <a:lightRig rig="threePt" dir="t"/>
+    </dgm:scene3d>
+    <dgm:sp3d/>
+    <dgm:txPr/>
+    <dgm:style>
+      <a:lnRef idx="0">
+        <a:scrgbClr r="0" g="0" b="0"/>
+      </a:lnRef>
+      <a:fillRef idx="1">
+        <a:scrgbClr r="0" g="0" b="0"/>
+      </a:fillRef>
+      <a:effectRef idx="0">
+        <a:scrgbClr r="0" g="0" b="0"/>
+      </a:effectRef>
+      <a:fontRef idx="minor">
+        <a:schemeClr val="lt1"/>
+      </a:fontRef>
+    </dgm:style>
+  </dgm:styleLbl>
+  <dgm:styleLbl name="bgSibTrans2D1">
+    <dgm:scene3d>
+      <a:camera prst="orthographicFront"/>
+      <a:lightRig rig="threePt" dir="t"/>
+    </dgm:scene3d>
+    <dgm:sp3d/>
+    <dgm:txPr/>
+    <dgm:style>
+      <a:lnRef idx="0">
+        <a:scrgbClr r="0" g="0" b="0"/>
+      </a:lnRef>
+      <a:fillRef idx="1">
+        <a:scrgbClr r="0" g="0" b="0"/>
+      </a:fillRef>
+      <a:effectRef idx="0">
+        <a:scrgbClr r="0" g="0" b="0"/>
+      </a:effectRef>
+      <a:fontRef idx="minor">
+        <a:schemeClr val="lt1"/>
+      </a:fontRef>
+    </dgm:style>
+  </dgm:styleLbl>
+  <dgm:styleLbl name="sibTrans1D1">
+    <dgm:scene3d>
+      <a:camera prst="orthographicFront"/>
+      <a:lightRig rig="threePt" dir="t"/>
+    </dgm:scene3d>
+    <dgm:sp3d/>
+    <dgm:txPr/>
+    <dgm:style>
+      <a:lnRef idx="1">
+        <a:scrgbClr r="0" g="0" b="0"/>
+      </a:lnRef>
+      <a:fillRef idx="0">
+        <a:scrgbClr r="0" g="0" b="0"/>
+      </a:fillRef>
+      <a:effectRef idx="0">
+        <a:scrgbClr r="0" g="0" b="0"/>
+      </a:effectRef>
+      <a:fontRef idx="minor"/>
+    </dgm:style>
+  </dgm:styleLbl>
+  <dgm:styleLbl name="callout">
+    <dgm:scene3d>
+      <a:camera prst="orthographicFront"/>
+      <a:lightRig rig="threePt" dir="t"/>
+    </dgm:scene3d>
+    <dgm:sp3d/>
+    <dgm:txPr/>
+    <dgm:style>
+      <a:lnRef idx="2">
+        <a:scrgbClr r="0" g="0" b="0"/>
+      </a:lnRef>
+      <a:fillRef idx="1">
+        <a:scrgbClr r="0" g="0" b="0"/>
+      </a:fillRef>
+      <a:effectRef idx="0">
+        <a:scrgbClr r="0" g="0" b="0"/>
+      </a:effectRef>
+      <a:fontRef idx="minor"/>
+    </dgm:style>
+  </dgm:styleLbl>
+  <dgm:styleLbl name="asst0">
+    <dgm:scene3d>
+      <a:camera prst="orthographicFront"/>
+      <a:lightRig rig="threePt" dir="t"/>
+    </dgm:scene3d>
+    <dgm:sp3d/>
+    <dgm:txPr/>
+    <dgm:style>
+      <a:lnRef idx="2">
+        <a:scrgbClr r="0" g="0" b="0"/>
+      </a:lnRef>
+      <a:fillRef idx="1">
+        <a:scrgbClr r="0" g="0" b="0"/>
+      </a:fillRef>
+      <a:effectRef idx="0">
+        <a:scrgbClr r="0" g="0" b="0"/>
+      </a:effectRef>
+      <a:fontRef idx="minor">
+        <a:schemeClr val="lt1"/>
+      </a:fontRef>
+    </dgm:style>
+  </dgm:styleLbl>
+  <dgm:styleLbl name="asst1">
+    <dgm:scene3d>
+      <a:camera prst="orthographicFront"/>
+      <a:lightRig rig="threePt" dir="t"/>
+    </dgm:scene3d>
+    <dgm:sp3d/>
+    <dgm:txPr/>
+    <dgm:style>
+      <a:lnRef idx="2">
+        <a:scrgbClr r="0" g="0" b="0"/>
+      </a:lnRef>
+      <a:fillRef idx="1">
+        <a:scrgbClr r="0" g="0" b="0"/>
+      </a:fillRef>
+      <a:effectRef idx="0">
+        <a:scrgbClr r="0" g="0" b="0"/>
+      </a:effectRef>
+      <a:fontRef idx="minor">
+        <a:schemeClr val="lt1"/>
+      </a:fontRef>
+    </dgm:style>
+  </dgm:styleLbl>
+  <dgm:styleLbl name="asst2">
+    <dgm:scene3d>
+      <a:camera prst="orthographicFront"/>
+      <a:lightRig rig="threePt" dir="t"/>
+    </dgm:scene3d>
+    <dgm:sp3d/>
+    <dgm:txPr/>
+    <dgm:style>
+      <a:lnRef idx="2">
+        <a:scrgbClr r="0" g="0" b="0"/>
+      </a:lnRef>
+      <a:fillRef idx="1">
+        <a:scrgbClr r="0" g="0" b="0"/>
+      </a:fillRef>
+      <a:effectRef idx="0">
+        <a:scrgbClr r="0" g="0" b="0"/>
+      </a:effectRef>
+      <a:fontRef idx="minor">
+        <a:schemeClr val="lt1"/>
+      </a:fontRef>
+    </dgm:style>
+  </dgm:styleLbl>
+  <dgm:styleLbl name="asst3">
+    <dgm:scene3d>
+      <a:camera prst="orthographicFront"/>
+      <a:lightRig rig="threePt" dir="t"/>
+    </dgm:scene3d>
+    <dgm:sp3d/>
+    <dgm:txPr/>
+    <dgm:style>
+      <a:lnRef idx="2">
+        <a:scrgbClr r="0" g="0" b="0"/>
+      </a:lnRef>
+      <a:fillRef idx="1">
+        <a:scrgbClr r="0" g="0" b="0"/>
+      </a:fillRef>
+      <a:effectRef idx="0">
+        <a:scrgbClr r="0" g="0" b="0"/>
+      </a:effectRef>
+      <a:fontRef idx="minor">
+        <a:schemeClr val="lt1"/>
+      </a:fontRef>
+    </dgm:style>
+  </dgm:styleLbl>
+  <dgm:styleLbl name="asst4">
+    <dgm:scene3d>
+      <a:camera prst="orthographicFront"/>
+      <a:lightRig rig="threePt" dir="t"/>
+    </dgm:scene3d>
+    <dgm:sp3d/>
+    <dgm:txPr/>
+    <dgm:style>
+      <a:lnRef idx="2">
+        <a:scrgbClr r="0" g="0" b="0"/>
+      </a:lnRef>
+      <a:fillRef idx="1">
+        <a:scrgbClr r="0" g="0" b="0"/>
+      </a:fillRef>
+      <a:effectRef idx="0">
+        <a:scrgbClr r="0" g="0" b="0"/>
+      </a:effectRef>
+      <a:fontRef idx="minor">
+        <a:schemeClr val="lt1"/>
+      </a:fontRef>
+    </dgm:style>
+  </dgm:styleLbl>
+  <dgm:styleLbl name="parChTrans2D1">
+    <dgm:scene3d>
+      <a:camera prst="orthographicFront"/>
+      <a:lightRig rig="threePt" dir="t"/>
+    </dgm:scene3d>
+    <dgm:sp3d/>
+    <dgm:txPr/>
+    <dgm:style>
+      <a:lnRef idx="2">
+        <a:scrgbClr r="0" g="0" b="0"/>
+      </a:lnRef>
+      <a:fillRef idx="1">
+        <a:scrgbClr r="0" g="0" b="0"/>
+      </a:fillRef>
+      <a:effectRef idx="0">
+        <a:scrgbClr r="0" g="0" b="0"/>
+      </a:effectRef>
+      <a:fontRef idx="minor">
+        <a:schemeClr val="lt1"/>
+      </a:fontRef>
+    </dgm:style>
+  </dgm:styleLbl>
+  <dgm:styleLbl name="parChTrans2D2">
+    <dgm:scene3d>
+      <a:camera prst="orthographicFront"/>
+      <a:lightRig rig="threePt" dir="t"/>
+    </dgm:scene3d>
+    <dgm:sp3d/>
+    <dgm:txPr/>
+    <dgm:style>
+      <a:lnRef idx="2">
+        <a:scrgbClr r="0" g="0" b="0"/>
+      </a:lnRef>
+      <a:fillRef idx="1">
+        <a:scrgbClr r="0" g="0" b="0"/>
+      </a:fillRef>
+      <a:effectRef idx="0">
+        <a:scrgbClr r="0" g="0" b="0"/>
+      </a:effectRef>
+      <a:fontRef idx="minor">
+        <a:schemeClr val="lt1"/>
+      </a:fontRef>
+    </dgm:style>
+  </dgm:styleLbl>
+  <dgm:styleLbl name="parChTrans2D3">
+    <dgm:scene3d>
+      <a:camera prst="orthographicFront"/>
+      <a:lightRig rig="threePt" dir="t"/>
+    </dgm:scene3d>
+    <dgm:sp3d/>
+    <dgm:txPr/>
+    <dgm:style>
+      <a:lnRef idx="2">
+        <a:scrgbClr r="0" g="0" b="0"/>
+      </a:lnRef>
+      <a:fillRef idx="1">
+        <a:scrgbClr r="0" g="0" b="0"/>
+      </a:fillRef>
+      <a:effectRef idx="0">
+        <a:scrgbClr r="0" g="0" b="0"/>
+      </a:effectRef>
+      <a:fontRef idx="minor">
+        <a:schemeClr val="lt1"/>
+      </a:fontRef>
+    </dgm:style>
+  </dgm:styleLbl>
+  <dgm:styleLbl name="parChTrans2D4">
+    <dgm:scene3d>
+      <a:camera prst="orthographicFront"/>
+      <a:lightRig rig="threePt" dir="t"/>
+    </dgm:scene3d>
+    <dgm:sp3d/>
+    <dgm:txPr/>
+    <dgm:style>
+      <a:lnRef idx="2">
+        <a:scrgbClr r="0" g="0" b="0"/>
+      </a:lnRef>
+      <a:fillRef idx="1">
+        <a:scrgbClr r="0" g="0" b="0"/>
+      </a:fillRef>
+      <a:effectRef idx="0">
+        <a:scrgbClr r="0" g="0" b="0"/>
+      </a:effectRef>
+      <a:fontRef idx="minor">
+        <a:schemeClr val="lt1"/>
+      </a:fontRef>
+    </dgm:style>
+  </dgm:styleLbl>
+  <dgm:styleLbl name="parChTrans1D1">
+    <dgm:scene3d>
+      <a:camera prst="orthographicFront"/>
+      <a:lightRig rig="threePt" dir="t"/>
+    </dgm:scene3d>
+    <dgm:sp3d/>
+    <dgm:txPr/>
+    <dgm:style>
+      <a:lnRef idx="2">
+        <a:scrgbClr r="0" g="0" b="0"/>
+      </a:lnRef>
+      <a:fillRef idx="0">
+        <a:scrgbClr r="0" g="0" b="0"/>
+      </a:fillRef>
+      <a:effectRef idx="0">
+        <a:scrgbClr r="0" g="0" b="0"/>
+      </a:effectRef>
+      <a:fontRef idx="minor"/>
+    </dgm:style>
+  </dgm:styleLbl>
+  <dgm:styleLbl name="parChTrans1D2">
+    <dgm:scene3d>
+      <a:camera prst="orthographicFront"/>
+      <a:lightRig rig="threePt" dir="t"/>
+    </dgm:scene3d>
+    <dgm:sp3d/>
+    <dgm:txPr/>
+    <dgm:style>
+      <a:lnRef idx="2">
+        <a:scrgbClr r="0" g="0" b="0"/>
+      </a:lnRef>
+      <a:fillRef idx="0">
+        <a:scrgbClr r="0" g="0" b="0"/>
+      </a:fillRef>
+      <a:effectRef idx="0">
+        <a:scrgbClr r="0" g="0" b="0"/>
+      </a:effectRef>
+      <a:fontRef idx="minor"/>
+    </dgm:style>
+  </dgm:styleLbl>
+  <dgm:styleLbl name="parChTrans1D3">
+    <dgm:scene3d>
+      <a:camera prst="orthographicFront"/>
+      <a:lightRig rig="threePt" dir="t"/>
+    </dgm:scene3d>
+    <dgm:sp3d/>
+    <dgm:txPr/>
+    <dgm:style>
+      <a:lnRef idx="2">
+        <a:scrgbClr r="0" g="0" b="0"/>
+      </a:lnRef>
+      <a:fillRef idx="0">
+        <a:scrgbClr r="0" g="0" b="0"/>
+      </a:fillRef>
+      <a:effectRef idx="0">
+        <a:scrgbClr r="0" g="0" b="0"/>
+      </a:effectRef>
+      <a:fontRef idx="minor"/>
+    </dgm:style>
+  </dgm:styleLbl>
+  <dgm:styleLbl name="parChTrans1D4">
+    <dgm:scene3d>
+      <a:camera prst="orthographicFront"/>
+      <a:lightRig rig="threePt" dir="t"/>
+    </dgm:scene3d>
+    <dgm:sp3d/>
+    <dgm:txPr/>
+    <dgm:style>
+      <a:lnRef idx="2">
+        <a:scrgbClr r="0" g="0" b="0"/>
+      </a:lnRef>
+      <a:fillRef idx="0">
+        <a:scrgbClr r="0" g="0" b="0"/>
+      </a:fillRef>
+      <a:effectRef idx="0">
+        <a:scrgbClr r="0" g="0" b="0"/>
+      </a:effectRef>
+      <a:fontRef idx="minor"/>
+    </dgm:style>
+  </dgm:styleLbl>
+  <dgm:styleLbl name="fgAcc1">
+    <dgm:scene3d>
+      <a:camera prst="orthographicFront"/>
+      <a:lightRig rig="threePt" dir="t"/>
+    </dgm:scene3d>
+    <dgm:sp3d/>
+    <dgm:txPr/>
+    <dgm:style>
+      <a:lnRef idx="2">
+        <a:scrgbClr r="0" g="0" b="0"/>
+      </a:lnRef>
+      <a:fillRef idx="1">
+        <a:scrgbClr r="0" g="0" b="0"/>
+      </a:fillRef>
+      <a:effectRef idx="0">
+        <a:scrgbClr r="0" g="0" b="0"/>
+      </a:effectRef>
+      <a:fontRef idx="minor"/>
+    </dgm:style>
+  </dgm:styleLbl>
+  <dgm:styleLbl name="conFgAcc1">
+    <dgm:scene3d>
+      <a:camera prst="orthographicFront"/>
+      <a:lightRig rig="threePt" dir="t"/>
+    </dgm:scene3d>
+    <dgm:sp3d/>
+    <dgm:txPr/>
+    <dgm:style>
+      <a:lnRef idx="2">
+        <a:scrgbClr r="0" g="0" b="0"/>
+      </a:lnRef>
+      <a:fillRef idx="1">
+        <a:scrgbClr r="0" g="0" b="0"/>
+      </a:fillRef>
+      <a:effectRef idx="0">
+        <a:scrgbClr r="0" g="0" b="0"/>
+      </a:effectRef>
+      <a:fontRef idx="minor"/>
+    </dgm:style>
+  </dgm:styleLbl>
+  <dgm:styleLbl name="alignAcc1">
+    <dgm:scene3d>
+      <a:camera prst="orthographicFront"/>
+      <a:lightRig rig="threePt" dir="t"/>
+    </dgm:scene3d>
+    <dgm:sp3d/>
+    <dgm:txPr/>
+    <dgm:style>
+      <a:lnRef idx="2">
+        <a:scrgbClr r="0" g="0" b="0"/>
+      </a:lnRef>
+      <a:fillRef idx="1">
+        <a:scrgbClr r="0" g="0" b="0"/>
+      </a:fillRef>
+      <a:effectRef idx="0">
+        <a:scrgbClr r="0" g="0" b="0"/>
+      </a:effectRef>
+      <a:fontRef idx="minor"/>
+    </dgm:style>
+  </dgm:styleLbl>
+  <dgm:styleLbl name="trAlignAcc1">
+    <dgm:scene3d>
+      <a:camera prst="orthographicFront"/>
+      <a:lightRig rig="threePt" dir="t"/>
+    </dgm:scene3d>
+    <dgm:sp3d/>
+    <dgm:txPr/>
+    <dgm:style>
+      <a:lnRef idx="1">
+        <a:scrgbClr r="0" g="0" b="0"/>
+      </a:lnRef>
+      <a:fillRef idx="1">
+        <a:scrgbClr r="0" g="0" b="0"/>
+      </a:fillRef>
+      <a:effectRef idx="0">
+        <a:scrgbClr r="0" g="0" b="0"/>
+      </a:effectRef>
+      <a:fontRef idx="minor"/>
+    </dgm:style>
+  </dgm:styleLbl>
+  <dgm:styleLbl name="bgAcc1">
+    <dgm:scene3d>
+      <a:camera prst="orthographicFront"/>
+      <a:lightRig rig="threePt" dir="t"/>
+    </dgm:scene3d>
+    <dgm:sp3d/>
+    <dgm:txPr/>
+    <dgm:style>
+      <a:lnRef idx="2">
+        <a:scrgbClr r="0" g="0" b="0"/>
+      </a:lnRef>
+      <a:fillRef idx="1">
+        <a:scrgbClr r="0" g="0" b="0"/>
+      </a:fillRef>
+      <a:effectRef idx="0">
+        <a:scrgbClr r="0" g="0" b="0"/>
+      </a:effectRef>
+      <a:fontRef idx="minor"/>
+    </dgm:style>
+  </dgm:styleLbl>
+  <dgm:styleLbl name="solidFgAcc1">
+    <dgm:scene3d>
+      <a:camera prst="orthographicFront"/>
+      <a:lightRig rig="threePt" dir="t"/>
+    </dgm:scene3d>
+    <dgm:sp3d/>
+    <dgm:txPr/>
+    <dgm:style>
+      <a:lnRef idx="2">
+        <a:scrgbClr r="0" g="0" b="0"/>
+      </a:lnRef>
+      <a:fillRef idx="1">
+        <a:scrgbClr r="0" g="0" b="0"/>
+      </a:fillRef>
+      <a:effectRef idx="0">
+        <a:scrgbClr r="0" g="0" b="0"/>
+      </a:effectRef>
+      <a:fontRef idx="minor"/>
+    </dgm:style>
+  </dgm:styleLbl>
+  <dgm:styleLbl name="solidAlignAcc1">
+    <dgm:scene3d>
+      <a:camera prst="orthographicFront"/>
+      <a:lightRig rig="threePt" dir="t"/>
+    </dgm:scene3d>
+    <dgm:sp3d/>
+    <dgm:txPr/>
+    <dgm:style>
+      <a:lnRef idx="2">
+        <a:scrgbClr r="0" g="0" b="0"/>
+      </a:lnRef>
+      <a:fillRef idx="1">
+        <a:scrgbClr r="0" g="0" b="0"/>
+      </a:fillRef>
+      <a:effectRef idx="0">
+        <a:scrgbClr r="0" g="0" b="0"/>
+      </a:effectRef>
+      <a:fontRef idx="minor"/>
+    </dgm:style>
+  </dgm:styleLbl>
+  <dgm:styleLbl name="solidBgAcc1">
+    <dgm:scene3d>
+      <a:camera prst="orthographicFront"/>
+      <a:lightRig rig="threePt" dir="t"/>
+    </dgm:scene3d>
+    <dgm:sp3d/>
+    <dgm:txPr/>
+    <dgm:style>
+      <a:lnRef idx="2">
+        <a:scrgbClr r="0" g="0" b="0"/>
+      </a:lnRef>
+      <a:fillRef idx="1">
+        <a:scrgbClr r="0" g="0" b="0"/>
+      </a:fillRef>
+      <a:effectRef idx="0">
+        <a:scrgbClr r="0" g="0" b="0"/>
+      </a:effectRef>
+      <a:fontRef idx="minor"/>
+    </dgm:style>
+  </dgm:styleLbl>
+  <dgm:styleLbl name="fgAccFollowNode1">
+    <dgm:scene3d>
+      <a:camera prst="orthographicFront"/>
+      <a:lightRig rig="threePt" dir="t"/>
+    </dgm:scene3d>
+    <dgm:sp3d/>
+    <dgm:txPr/>
+    <dgm:style>
+      <a:lnRef idx="2">
+        <a:scrgbClr r="0" g="0" b="0"/>
+      </a:lnRef>
+      <a:fillRef idx="1">
+        <a:scrgbClr r="0" g="0" b="0"/>
+      </a:fillRef>
+      <a:effectRef idx="0">
+        <a:scrgbClr r="0" g="0" b="0"/>
+      </a:effectRef>
+      <a:fontRef idx="minor"/>
+    </dgm:style>
+  </dgm:styleLbl>
+  <dgm:styleLbl name="alignAccFollowNode1">
+    <dgm:scene3d>
+      <a:camera prst="orthographicFront"/>
+      <a:lightRig rig="threePt" dir="t"/>
+    </dgm:scene3d>
+    <dgm:sp3d/>
+    <dgm:txPr/>
+    <dgm:style>
+      <a:lnRef idx="2">
+        <a:scrgbClr r="0" g="0" b="0"/>
+      </a:lnRef>
+      <a:fillRef idx="1">
+        <a:scrgbClr r="0" g="0" b="0"/>
+      </a:fillRef>
+      <a:effectRef idx="0">
+        <a:scrgbClr r="0" g="0" b="0"/>
+      </a:effectRef>
+      <a:fontRef idx="minor"/>
+    </dgm:style>
+  </dgm:styleLbl>
+  <dgm:styleLbl name="bgAccFollowNode1">
+    <dgm:scene3d>
+      <a:camera prst="orthographicFront"/>
+      <a:lightRig rig="threePt" dir="t"/>
+    </dgm:scene3d>
+    <dgm:sp3d/>
+    <dgm:txPr/>
+    <dgm:style>
+      <a:lnRef idx="2">
+        <a:scrgbClr r="0" g="0" b="0"/>
+      </a:lnRef>
+      <a:fillRef idx="1">
+        <a:scrgbClr r="0" g="0" b="0"/>
+      </a:fillRef>
+      <a:effectRef idx="0">
+        <a:scrgbClr r="0" g="0" b="0"/>
+      </a:effectRef>
+      <a:fontRef idx="minor"/>
+    </dgm:style>
+  </dgm:styleLbl>
+  <dgm:styleLbl name="fgAcc0">
+    <dgm:scene3d>
+      <a:camera prst="orthographicFront"/>
+      <a:lightRig rig="threePt" dir="t"/>
+    </dgm:scene3d>
+    <dgm:sp3d/>
+    <dgm:txPr/>
+    <dgm:style>
+      <a:lnRef idx="2">
+        <a:scrgbClr r="0" g="0" b="0"/>
+      </a:lnRef>
+      <a:fillRef idx="1">
+        <a:scrgbClr r="0" g="0" b="0"/>
+      </a:fillRef>
+      <a:effectRef idx="0">
+        <a:scrgbClr r="0" g="0" b="0"/>
+      </a:effectRef>
+      <a:fontRef idx="minor"/>
+    </dgm:style>
+  </dgm:styleLbl>
+  <dgm:styleLbl name="fgAcc2">
+    <dgm:scene3d>
+      <a:camera prst="orthographicFront"/>
+      <a:lightRig rig="threePt" dir="t"/>
+    </dgm:scene3d>
+    <dgm:sp3d/>
+    <dgm:txPr/>
+    <dgm:style>
+      <a:lnRef idx="2">
+        <a:scrgbClr r="0" g="0" b="0"/>
+      </a:lnRef>
+      <a:fillRef idx="1">
+        <a:scrgbClr r="0" g="0" b="0"/>
+      </a:fillRef>
+      <a:effectRef idx="0">
+        <a:scrgbClr r="0" g="0" b="0"/>
+      </a:effectRef>
+      <a:fontRef idx="minor"/>
+    </dgm:style>
+  </dgm:styleLbl>
+  <dgm:styleLbl name="fgAcc3">
+    <dgm:scene3d>
+      <a:camera prst="orthographicFront"/>
+      <a:lightRig rig="threePt" dir="t"/>
+    </dgm:scene3d>
+    <dgm:sp3d/>
+    <dgm:txPr/>
+    <dgm:style>
+      <a:lnRef idx="2">
+        <a:scrgbClr r="0" g="0" b="0"/>
+      </a:lnRef>
+      <a:fillRef idx="1">
+        <a:scrgbClr r="0" g="0" b="0"/>
+      </a:fillRef>
+      <a:effectRef idx="0">
+        <a:scrgbClr r="0" g="0" b="0"/>
+      </a:effectRef>
+      <a:fontRef idx="minor"/>
+    </dgm:style>
+  </dgm:styleLbl>
+  <dgm:styleLbl name="fgAcc4">
+    <dgm:scene3d>
+      <a:camera prst="orthographicFront"/>
+      <a:lightRig rig="threePt" dir="t"/>
+    </dgm:scene3d>
+    <dgm:sp3d/>
+    <dgm:txPr/>
+    <dgm:style>
+      <a:lnRef idx="2">
+        <a:scrgbClr r="0" g="0" b="0"/>
+      </a:lnRef>
+      <a:fillRef idx="1">
+        <a:scrgbClr r="0" g="0" b="0"/>
+      </a:fillRef>
+      <a:effectRef idx="0">
+        <a:scrgbClr r="0" g="0" b="0"/>
+      </a:effectRef>
+      <a:fontRef idx="minor"/>
+    </dgm:style>
+  </dgm:styleLbl>
+  <dgm:styleLbl name="bgShp">
+    <dgm:scene3d>
+      <a:camera prst="orthographicFront"/>
+      <a:lightRig rig="threePt" dir="t"/>
+    </dgm:scene3d>
+    <dgm:sp3d/>
+    <dgm:txPr/>
+    <dgm:style>
+      <a:lnRef idx="0">
+        <a:scrgbClr r="0" g="0" b="0"/>
+      </a:lnRef>
+      <a:fillRef idx="1">
+        <a:scrgbClr r="0" g="0" b="0"/>
+      </a:fillRef>
+      <a:effectRef idx="0">
+        <a:scrgbClr r="0" g="0" b="0"/>
+      </a:effectRef>
+      <a:fontRef idx="minor"/>
+    </dgm:style>
+  </dgm:styleLbl>
+  <dgm:styleLbl name="dkBgShp">
+    <dgm:scene3d>
+      <a:camera prst="orthographicFront"/>
+      <a:lightRig rig="threePt" dir="t"/>
+    </dgm:scene3d>
+    <dgm:sp3d/>
+    <dgm:txPr/>
+    <dgm:style>
+      <a:lnRef idx="0">
+        <a:scrgbClr r="0" g="0" b="0"/>
+      </a:lnRef>
+      <a:fillRef idx="1">
+        <a:scrgbClr r="0" g="0" b="0"/>
+      </a:fillRef>
+      <a:effectRef idx="0">
+        <a:scrgbClr r="0" g="0" b="0"/>
+      </a:effectRef>
+      <a:fontRef idx="minor"/>
+    </dgm:style>
+  </dgm:styleLbl>
+  <dgm:styleLbl name="trBgShp">
+    <dgm:scene3d>
+      <a:camera prst="orthographicFront"/>
+      <a:lightRig rig="threePt" dir="t"/>
+    </dgm:scene3d>
+    <dgm:sp3d/>
+    <dgm:txPr/>
+    <dgm:style>
+      <a:lnRef idx="0">
+        <a:scrgbClr r="0" g="0" b="0"/>
+      </a:lnRef>
+      <a:fillRef idx="1">
+        <a:scrgbClr r="0" g="0" b="0"/>
+      </a:fillRef>
+      <a:effectRef idx="0">
+        <a:scrgbClr r="0" g="0" b="0"/>
+      </a:effectRef>
+      <a:fontRef idx="minor"/>
+    </dgm:style>
+  </dgm:styleLbl>
+  <dgm:styleLbl name="fgShp">
+    <dgm:scene3d>
+      <a:camera prst="orthographicFront"/>
+      <a:lightRig rig="threePt" dir="t"/>
+    </dgm:scene3d>
+    <dgm:sp3d/>
+    <dgm:txPr/>
+    <dgm:style>
+      <a:lnRef idx="2">
+        <a:scrgbClr r="0" g="0" b="0"/>
+      </a:lnRef>
+      <a:fillRef idx="1">
+        <a:scrgbClr r="0" g="0" b="0"/>
+      </a:fillRef>
+      <a:effectRef idx="0">
+        <a:scrgbClr r="0" g="0" b="0"/>
+      </a:effectRef>
+      <a:fontRef idx="minor"/>
+    </dgm:style>
+  </dgm:styleLbl>
+  <dgm:styleLbl name="revTx">
+    <dgm:scene3d>
+      <a:camera prst="orthographicFront"/>
+      <a:lightRig rig="threePt" dir="t"/>
+    </dgm:scene3d>
+    <dgm:sp3d/>
+    <dgm:txPr/>
+    <dgm:style>
+      <a:lnRef idx="0">
+        <a:scrgbClr r="0" g="0" b="0"/>
+      </a:lnRef>
+      <a:fillRef idx="0">
+        <a:scrgbClr r="0" g="0" b="0"/>
+      </a:fillRef>
+      <a:effectRef idx="0">
+        <a:scrgbClr r="0" g="0" b="0"/>
+      </a:effectRef>
+      <a:fontRef idx="minor"/>
+    </dgm:style>
+  </dgm:styleLbl>
+</dgm:styleDef>
+</file>
+
 <file path=ppt/handoutMasters/handoutMaster1.xml><?xml version="1.0" encoding="utf-8"?>
 <p:handoutMaster xmlns:a="http://schemas.openxmlformats.org/drawingml/2006/main" xmlns:r="http://schemas.openxmlformats.org/officeDocument/2006/relationships" xmlns:p="http://schemas.openxmlformats.org/presentationml/2006/main">
   <p:cSld>
@@ -7938,7 +11724,7 @@
           <a:p>
             <a:fld id="{90BC4B87-6123-4AD5-BA18-D0C615F32DE0}" type="datetimeFigureOut">
               <a:rPr lang="de-DE" smtClean="0"/>
-              <a:t>08.07.2018</a:t>
+              <a:t>09.07.2018</a:t>
             </a:fld>
             <a:endParaRPr lang="de-DE"/>
           </a:p>
@@ -8238,8 +12024,8 @@
           <a:lstStyle/>
           <a:p>
             <a:r>
-              <a:rPr lang="de-DE" dirty="0" smtClean="0"/>
-              <a:t>10.07.2018</a:t>
+              <a:rPr lang="de-DE"/>
+              <a:t>14.07.2016</a:t>
             </a:r>
             <a:endParaRPr lang="de-DE" dirty="0"/>
           </a:p>
@@ -8503,8 +12289,8 @@
           <a:lstStyle/>
           <a:p>
             <a:r>
-              <a:rPr lang="de-DE" dirty="0" smtClean="0"/>
-              <a:t>10.07.2018</a:t>
+              <a:rPr lang="de-DE"/>
+              <a:t>14.07.2016</a:t>
             </a:r>
             <a:endParaRPr lang="de-DE" dirty="0"/>
           </a:p>
@@ -8632,8 +12418,8 @@
           <a:lstStyle/>
           <a:p>
             <a:r>
-              <a:rPr lang="de-DE" dirty="0" smtClean="0"/>
-              <a:t>10.07.2018</a:t>
+              <a:rPr lang="de-DE"/>
+              <a:t>14.07.2016</a:t>
             </a:r>
             <a:endParaRPr lang="de-DE" dirty="0"/>
           </a:p>
@@ -8801,8 +12587,8 @@
           <a:lstStyle/>
           <a:p>
             <a:r>
-              <a:rPr lang="de-DE" dirty="0" smtClean="0"/>
-              <a:t>10.07.2018</a:t>
+              <a:rPr lang="de-DE"/>
+              <a:t>14.07.2016</a:t>
             </a:r>
             <a:endParaRPr lang="de-DE" dirty="0"/>
           </a:p>
@@ -8990,8 +12776,8 @@
           <a:lstStyle/>
           <a:p>
             <a:r>
-              <a:rPr lang="de-DE" dirty="0" smtClean="0"/>
-              <a:t>10.07.2018</a:t>
+              <a:rPr lang="de-DE"/>
+              <a:t>14.07.2016</a:t>
             </a:r>
             <a:endParaRPr lang="de-DE" dirty="0"/>
           </a:p>
@@ -9158,8 +12944,8 @@
           <a:lstStyle/>
           <a:p>
             <a:r>
-              <a:rPr lang="de-DE" dirty="0" smtClean="0"/>
-              <a:t>10.07.2018</a:t>
+              <a:rPr lang="de-DE"/>
+              <a:t>14.07.2016</a:t>
             </a:r>
             <a:endParaRPr lang="de-DE" dirty="0"/>
           </a:p>
@@ -9425,8 +13211,8 @@
           <a:lstStyle/>
           <a:p>
             <a:r>
-              <a:rPr lang="de-DE" dirty="0" smtClean="0"/>
-              <a:t>10.07.2018</a:t>
+              <a:rPr lang="de-DE"/>
+              <a:t>14.07.2016</a:t>
             </a:r>
             <a:endParaRPr lang="de-DE" dirty="0"/>
           </a:p>
@@ -9751,8 +13537,8 @@
           <a:lstStyle/>
           <a:p>
             <a:r>
-              <a:rPr lang="de-DE" dirty="0" smtClean="0"/>
-              <a:t>10.07.2018</a:t>
+              <a:rPr lang="de-DE"/>
+              <a:t>14.07.2016</a:t>
             </a:r>
             <a:endParaRPr lang="de-DE" dirty="0"/>
           </a:p>
@@ -10077,8 +13863,8 @@
           <a:lstStyle/>
           <a:p>
             <a:r>
-              <a:rPr lang="de-DE" dirty="0" smtClean="0"/>
-              <a:t>10.07.2018</a:t>
+              <a:rPr lang="de-DE"/>
+              <a:t>14.07.2016</a:t>
             </a:r>
             <a:endParaRPr lang="de-DE" dirty="0"/>
           </a:p>
@@ -10372,8 +14158,8 @@
           <a:lstStyle/>
           <a:p>
             <a:r>
-              <a:rPr lang="de-DE" dirty="0" smtClean="0"/>
-              <a:t>10.07.2018</a:t>
+              <a:rPr lang="de-DE"/>
+              <a:t>14.07.2016</a:t>
             </a:r>
             <a:endParaRPr lang="de-DE" dirty="0"/>
           </a:p>
@@ -10621,8 +14407,8 @@
           <a:lstStyle/>
           <a:p>
             <a:r>
-              <a:rPr lang="de-DE" dirty="0" smtClean="0"/>
-              <a:t>10.07.2018</a:t>
+              <a:rPr lang="de-DE"/>
+              <a:t>14.07.2016</a:t>
             </a:r>
             <a:endParaRPr lang="de-DE" dirty="0"/>
           </a:p>
@@ -11026,8 +14812,8 @@
           <a:lstStyle/>
           <a:p>
             <a:r>
-              <a:rPr lang="de-DE" dirty="0" smtClean="0"/>
-              <a:t>10.07.2018</a:t>
+              <a:rPr lang="de-DE"/>
+              <a:t>14.07.2016</a:t>
             </a:r>
             <a:endParaRPr lang="de-DE" dirty="0"/>
           </a:p>
@@ -11265,8 +15051,8 @@
           <a:lstStyle/>
           <a:p>
             <a:r>
-              <a:rPr lang="de-DE" dirty="0" smtClean="0"/>
-              <a:t>10.07.2018</a:t>
+              <a:rPr lang="de-DE"/>
+              <a:t>14.07.2016</a:t>
             </a:r>
             <a:endParaRPr lang="de-DE" dirty="0"/>
           </a:p>
@@ -11601,8 +15387,8 @@
           <a:lstStyle/>
           <a:p>
             <a:r>
-              <a:rPr lang="de-DE" dirty="0" smtClean="0"/>
-              <a:t>10.07.2018</a:t>
+              <a:rPr lang="de-DE"/>
+              <a:t>14.07.2016</a:t>
             </a:r>
             <a:endParaRPr lang="de-DE" dirty="0"/>
           </a:p>
@@ -12096,8 +15882,8 @@
           <a:lstStyle/>
           <a:p>
             <a:r>
-              <a:rPr lang="de-DE" dirty="0" smtClean="0"/>
-              <a:t>10.07.2018</a:t>
+              <a:rPr lang="de-DE"/>
+              <a:t>14.07.2016</a:t>
             </a:r>
             <a:endParaRPr lang="de-DE" dirty="0"/>
           </a:p>
@@ -12170,10 +15956,6 @@
             <a:br>
               <a:rPr lang="de-DE" dirty="0"/>
             </a:br>
-            <a:r>
-              <a:rPr lang="de-DE" dirty="0"/>
-              <a:t/>
-            </a:r>
             <a:br>
               <a:rPr lang="de-DE" dirty="0"/>
             </a:br>
@@ -12245,10 +16027,6 @@
             <a:br>
               <a:rPr lang="de-DE" dirty="0"/>
             </a:br>
-            <a:r>
-              <a:rPr lang="de-DE" dirty="0"/>
-              <a:t/>
-            </a:r>
             <a:br>
               <a:rPr lang="de-DE" dirty="0"/>
             </a:br>
@@ -12466,10 +16244,6 @@
             <a:br>
               <a:rPr lang="de-DE" dirty="0"/>
             </a:br>
-            <a:r>
-              <a:rPr lang="de-DE" dirty="0"/>
-              <a:t/>
-            </a:r>
             <a:br>
               <a:rPr lang="de-DE" dirty="0"/>
             </a:br>
@@ -12541,10 +16315,6 @@
             <a:br>
               <a:rPr lang="de-DE" dirty="0"/>
             </a:br>
-            <a:r>
-              <a:rPr lang="de-DE" dirty="0"/>
-              <a:t/>
-            </a:r>
             <a:br>
               <a:rPr lang="de-DE" dirty="0"/>
             </a:br>
@@ -12753,8 +16523,8 @@
           <a:lstStyle/>
           <a:p>
             <a:r>
-              <a:rPr lang="de-DE" dirty="0" smtClean="0"/>
-              <a:t>10.07.2018</a:t>
+              <a:rPr lang="de-DE"/>
+              <a:t>14.07.2016</a:t>
             </a:r>
             <a:endParaRPr lang="de-DE" dirty="0"/>
           </a:p>
@@ -13066,8 +16836,8 @@
           <a:lstStyle/>
           <a:p>
             <a:r>
-              <a:rPr lang="de-DE" dirty="0" smtClean="0"/>
-              <a:t>10.07.2018</a:t>
+              <a:rPr lang="de-DE"/>
+              <a:t>14.07.2016</a:t>
             </a:r>
             <a:endParaRPr lang="de-DE" dirty="0"/>
           </a:p>
@@ -13188,38 +16958,18 @@
             <a:br>
               <a:rPr lang="de-DE" dirty="0"/>
             </a:br>
-            <a:r>
-              <a:rPr lang="de-DE" dirty="0"/>
-              <a:t/>
-            </a:r>
             <a:br>
               <a:rPr lang="de-DE" dirty="0"/>
             </a:br>
-            <a:r>
-              <a:rPr lang="de-DE" dirty="0"/>
-              <a:t/>
-            </a:r>
             <a:br>
               <a:rPr lang="de-DE" dirty="0"/>
             </a:br>
-            <a:r>
-              <a:rPr lang="de-DE" dirty="0"/>
-              <a:t/>
-            </a:r>
             <a:br>
               <a:rPr lang="de-DE" dirty="0"/>
             </a:br>
-            <a:r>
-              <a:rPr lang="de-DE" dirty="0"/>
-              <a:t/>
-            </a:r>
             <a:br>
               <a:rPr lang="de-DE" dirty="0"/>
             </a:br>
-            <a:r>
-              <a:rPr lang="de-DE" dirty="0"/>
-              <a:t/>
-            </a:r>
             <a:br>
               <a:rPr lang="de-DE" dirty="0"/>
             </a:br>
@@ -13508,8 +17258,8 @@
           </a:lstStyle>
           <a:p>
             <a:r>
-              <a:rPr lang="de-DE" dirty="0" smtClean="0"/>
-              <a:t>10.07.2018</a:t>
+              <a:rPr lang="de-DE"/>
+              <a:t>14.07.2016</a:t>
             </a:r>
             <a:endParaRPr lang="de-DE" dirty="0"/>
           </a:p>
@@ -14069,9 +17819,8 @@
           <a:p>
             <a:r>
               <a:rPr lang="de-DE" dirty="0"/>
-              <a:t>10.07.2018</a:t>
-            </a:r>
-            <a:endParaRPr lang="de-DE" dirty="0"/>
+              <a:t>10.07.2016</a:t>
+            </a:r>
           </a:p>
         </p:txBody>
       </p:sp>
@@ -14217,9 +17966,8 @@
           <a:p>
             <a:r>
               <a:rPr lang="de-DE" dirty="0"/>
-              <a:t>10.07.2018</a:t>
-            </a:r>
-            <a:endParaRPr lang="de-DE" dirty="0"/>
+              <a:t>10.07.2016</a:t>
+            </a:r>
           </a:p>
         </p:txBody>
       </p:sp>
@@ -14290,7 +18038,7 @@
             <p:ph idx="1"/>
             <p:extLst>
               <p:ext uri="{D42A27DB-BD31-4B8C-83A1-F6EECF244321}">
-                <p14:modId xmlns:p14="http://schemas.microsoft.com/office/powerpoint/2010/main" val="4232432687"/>
+                <p14:modId xmlns:p14="http://schemas.microsoft.com/office/powerpoint/2010/main" val="1866176530"/>
               </p:ext>
             </p:extLst>
           </p:nvPr>
@@ -14402,9 +18150,8 @@
           <a:p>
             <a:r>
               <a:rPr lang="de-DE" dirty="0"/>
-              <a:t>10.07.2018</a:t>
-            </a:r>
-            <a:endParaRPr lang="de-DE" dirty="0"/>
+              <a:t>10.07.2016</a:t>
+            </a:r>
           </a:p>
         </p:txBody>
       </p:sp>
@@ -14459,43 +18206,12 @@
           </a:p>
         </p:txBody>
       </p:sp>
-      <p:graphicFrame>
-        <p:nvGraphicFramePr>
-          <p:cNvPr id="8" name="Inhaltsplatzhalter 7">
+      <p:sp>
+        <p:nvSpPr>
+          <p:cNvPr id="8" name="Textplatzhalter 7">
             <a:extLst>
               <a:ext uri="{FF2B5EF4-FFF2-40B4-BE49-F238E27FC236}">
-                <a16:creationId xmlns:a16="http://schemas.microsoft.com/office/drawing/2014/main" id="{84E533BB-96E0-4DCB-8F82-7C0280D3D297}"/>
-              </a:ext>
-            </a:extLst>
-          </p:cNvPr>
-          <p:cNvGraphicFramePr>
-            <a:graphicFrameLocks noGrp="1"/>
-          </p:cNvGraphicFramePr>
-          <p:nvPr>
-            <p:ph idx="1"/>
-            <p:extLst>
-              <p:ext uri="{D42A27DB-BD31-4B8C-83A1-F6EECF244321}">
-                <p14:modId xmlns:p14="http://schemas.microsoft.com/office/powerpoint/2010/main" val="3146768095"/>
-              </p:ext>
-            </p:extLst>
-          </p:nvPr>
-        </p:nvGraphicFramePr>
-        <p:xfrm>
-          <a:off x="209550" y="1693888"/>
-          <a:ext cx="6426200" cy="1093886"/>
-        </p:xfrm>
-        <a:graphic>
-          <a:graphicData uri="http://schemas.openxmlformats.org/drawingml/2006/diagram">
-            <dgm:relIds xmlns:dgm="http://schemas.openxmlformats.org/drawingml/2006/diagram" xmlns:r="http://schemas.openxmlformats.org/officeDocument/2006/relationships" r:dm="rId2" r:lo="rId3" r:qs="rId4" r:cs="rId5"/>
-          </a:graphicData>
-        </a:graphic>
-      </p:graphicFrame>
-      <p:sp>
-        <p:nvSpPr>
-          <p:cNvPr id="12" name="Textplatzhalter 11">
-            <a:extLst>
-              <a:ext uri="{FF2B5EF4-FFF2-40B4-BE49-F238E27FC236}">
-                <a16:creationId xmlns:a16="http://schemas.microsoft.com/office/drawing/2014/main" id="{B148AD95-DF13-4B22-83F2-74C482891D37}"/>
+                <a16:creationId xmlns:a16="http://schemas.microsoft.com/office/drawing/2014/main" id="{8C7EB124-DE3E-4F63-A0FD-33AB2EA86D18}"/>
               </a:ext>
             </a:extLst>
           </p:cNvPr>
@@ -14540,166 +18256,41 @@
           </a:p>
         </p:txBody>
       </p:sp>
-      <p:sp>
-        <p:nvSpPr>
-          <p:cNvPr id="9" name="Textfeld 8">
+      <p:graphicFrame>
+        <p:nvGraphicFramePr>
+          <p:cNvPr id="9" name="Inhaltsplatzhalter 8">
             <a:extLst>
               <a:ext uri="{FF2B5EF4-FFF2-40B4-BE49-F238E27FC236}">
-                <a16:creationId xmlns:a16="http://schemas.microsoft.com/office/drawing/2014/main" id="{A23FDE92-0052-4CF6-8EE0-D507639BFF9D}"/>
+                <a16:creationId xmlns:a16="http://schemas.microsoft.com/office/drawing/2014/main" id="{25745EE9-57D3-4785-8787-46C557280C9C}"/>
               </a:ext>
             </a:extLst>
           </p:cNvPr>
-          <p:cNvSpPr txBox="1"/>
-          <p:nvPr/>
-        </p:nvSpPr>
-        <p:spPr>
-          <a:xfrm>
-            <a:off x="116632" y="2787774"/>
-            <a:ext cx="1908368" cy="938719"/>
-          </a:xfrm>
-          <a:prstGeom prst="rect">
-            <a:avLst/>
-          </a:prstGeom>
-          <a:noFill/>
-        </p:spPr>
-        <p:txBody>
-          <a:bodyPr wrap="square" rtlCol="0">
-            <a:spAutoFit/>
-          </a:bodyPr>
-          <a:lstStyle/>
-          <a:p>
-            <a:pPr marL="285750" indent="-285750">
-              <a:buFont typeface="Arial" panose="020B0604020202020204" pitchFamily="34" charset="0"/>
-              <a:buChar char="•"/>
-            </a:pPr>
-            <a:r>
-              <a:rPr lang="de-DE" sz="1100" dirty="0"/>
-              <a:t>Sammeln von Kontextdaten</a:t>
-            </a:r>
-          </a:p>
-          <a:p>
-            <a:pPr marL="285750" indent="-285750">
-              <a:buFont typeface="Arial" panose="020B0604020202020204" pitchFamily="34" charset="0"/>
-              <a:buChar char="•"/>
-            </a:pPr>
-            <a:r>
-              <a:rPr lang="de-DE" sz="1100" dirty="0"/>
-              <a:t>Starten der Untergeneratoren</a:t>
-            </a:r>
-          </a:p>
-          <a:p>
-            <a:endParaRPr lang="de-DE" sz="1100" dirty="0"/>
-          </a:p>
-        </p:txBody>
-      </p:sp>
-      <p:sp>
-        <p:nvSpPr>
-          <p:cNvPr id="10" name="Textfeld 9">
-            <a:extLst>
-              <a:ext uri="{FF2B5EF4-FFF2-40B4-BE49-F238E27FC236}">
-                <a16:creationId xmlns:a16="http://schemas.microsoft.com/office/drawing/2014/main" id="{BA2AE922-10C0-40A4-8FEB-47053CB23DC5}"/>
-              </a:ext>
-            </a:extLst>
-          </p:cNvPr>
-          <p:cNvSpPr txBox="1"/>
-          <p:nvPr/>
-        </p:nvSpPr>
-        <p:spPr>
-          <a:xfrm>
-            <a:off x="2304361" y="2787774"/>
-            <a:ext cx="1908368" cy="769441"/>
-          </a:xfrm>
-          <a:prstGeom prst="rect">
-            <a:avLst/>
-          </a:prstGeom>
-          <a:noFill/>
-        </p:spPr>
-        <p:txBody>
-          <a:bodyPr wrap="square" rtlCol="0">
-            <a:spAutoFit/>
-          </a:bodyPr>
-          <a:lstStyle/>
-          <a:p>
-            <a:pPr marL="285750" indent="-285750">
-              <a:buFont typeface="Arial" panose="020B0604020202020204" pitchFamily="34" charset="0"/>
-              <a:buChar char="•"/>
-            </a:pPr>
-            <a:r>
-              <a:rPr lang="de-DE" sz="1100" dirty="0"/>
-              <a:t>Sammeln der Daten</a:t>
-            </a:r>
-          </a:p>
-          <a:p>
-            <a:pPr marL="285750" indent="-285750">
-              <a:buFont typeface="Arial" panose="020B0604020202020204" pitchFamily="34" charset="0"/>
-              <a:buChar char="•"/>
-            </a:pPr>
-            <a:r>
-              <a:rPr lang="de-DE" sz="1100" dirty="0"/>
-              <a:t>Bestimmung der Variableninhalte</a:t>
-            </a:r>
-          </a:p>
-          <a:p>
-            <a:endParaRPr lang="de-DE" sz="1100" dirty="0"/>
-          </a:p>
-        </p:txBody>
-      </p:sp>
-      <p:sp>
-        <p:nvSpPr>
-          <p:cNvPr id="11" name="Textfeld 10">
-            <a:extLst>
-              <a:ext uri="{FF2B5EF4-FFF2-40B4-BE49-F238E27FC236}">
-                <a16:creationId xmlns:a16="http://schemas.microsoft.com/office/drawing/2014/main" id="{BDD010E7-239F-466F-BE5E-4FD87CB39CAC}"/>
-              </a:ext>
-            </a:extLst>
-          </p:cNvPr>
-          <p:cNvSpPr txBox="1"/>
-          <p:nvPr/>
-        </p:nvSpPr>
-        <p:spPr>
-          <a:xfrm>
-            <a:off x="4492090" y="2787774"/>
-            <a:ext cx="1908368" cy="600164"/>
-          </a:xfrm>
-          <a:prstGeom prst="rect">
-            <a:avLst/>
-          </a:prstGeom>
-          <a:noFill/>
-        </p:spPr>
-        <p:txBody>
-          <a:bodyPr wrap="square" rtlCol="0">
-            <a:spAutoFit/>
-          </a:bodyPr>
-          <a:lstStyle/>
-          <a:p>
-            <a:pPr marL="285750" indent="-285750">
-              <a:buFont typeface="Arial" panose="020B0604020202020204" pitchFamily="34" charset="0"/>
-              <a:buChar char="•"/>
-            </a:pPr>
-            <a:r>
-              <a:rPr lang="de-DE" sz="1100" dirty="0"/>
-              <a:t>Laden des Templates</a:t>
-            </a:r>
-          </a:p>
-          <a:p>
-            <a:pPr marL="285750" indent="-285750">
-              <a:buFont typeface="Arial" panose="020B0604020202020204" pitchFamily="34" charset="0"/>
-              <a:buChar char="•"/>
-            </a:pPr>
-            <a:r>
-              <a:rPr lang="de-DE" sz="1100" dirty="0"/>
-              <a:t>Befüllung mit Daten</a:t>
-            </a:r>
-          </a:p>
-          <a:p>
-            <a:endParaRPr lang="de-DE" sz="1100" dirty="0"/>
-          </a:p>
-        </p:txBody>
-      </p:sp>
+          <p:cNvGraphicFramePr>
+            <a:graphicFrameLocks noGrp="1"/>
+          </p:cNvGraphicFramePr>
+          <p:nvPr>
+            <p:ph idx="1"/>
+            <p:extLst>
+              <p:ext uri="{D42A27DB-BD31-4B8C-83A1-F6EECF244321}">
+                <p14:modId xmlns:p14="http://schemas.microsoft.com/office/powerpoint/2010/main" val="1427984240"/>
+              </p:ext>
+            </p:extLst>
+          </p:nvPr>
+        </p:nvGraphicFramePr>
+        <p:xfrm>
+          <a:off x="103932" y="1036638"/>
+          <a:ext cx="6637436" cy="3506787"/>
+        </p:xfrm>
+        <a:graphic>
+          <a:graphicData uri="http://schemas.openxmlformats.org/drawingml/2006/diagram">
+            <dgm:relIds xmlns:dgm="http://schemas.openxmlformats.org/drawingml/2006/diagram" xmlns:r="http://schemas.openxmlformats.org/officeDocument/2006/relationships" r:dm="rId2" r:lo="rId3" r:qs="rId4" r:cs="rId5"/>
+          </a:graphicData>
+        </a:graphic>
+      </p:graphicFrame>
     </p:spTree>
     <p:extLst>
       <p:ext uri="{BB962C8B-B14F-4D97-AF65-F5344CB8AC3E}">
-        <p14:creationId xmlns:p14="http://schemas.microsoft.com/office/powerpoint/2010/main" val="166254318"/>
+        <p14:creationId xmlns:p14="http://schemas.microsoft.com/office/powerpoint/2010/main" val="2031411326"/>
       </p:ext>
     </p:extLst>
   </p:cSld>
@@ -14743,9 +18334,8 @@
           <a:p>
             <a:r>
               <a:rPr lang="de-DE" dirty="0"/>
-              <a:t>10.07.2018</a:t>
-            </a:r>
-            <a:endParaRPr lang="de-DE" dirty="0"/>
+              <a:t>10.07.2016</a:t>
+            </a:r>
           </a:p>
         </p:txBody>
       </p:sp>
@@ -14795,6 +18385,346 @@
               <a:rPr lang="de-DE" smtClean="0"/>
               <a:pPr/>
               <a:t>4</a:t>
+            </a:fld>
+            <a:endParaRPr lang="de-DE" dirty="0"/>
+          </a:p>
+        </p:txBody>
+      </p:sp>
+      <p:graphicFrame>
+        <p:nvGraphicFramePr>
+          <p:cNvPr id="8" name="Inhaltsplatzhalter 7">
+            <a:extLst>
+              <a:ext uri="{FF2B5EF4-FFF2-40B4-BE49-F238E27FC236}">
+                <a16:creationId xmlns:a16="http://schemas.microsoft.com/office/drawing/2014/main" id="{84E533BB-96E0-4DCB-8F82-7C0280D3D297}"/>
+              </a:ext>
+            </a:extLst>
+          </p:cNvPr>
+          <p:cNvGraphicFramePr>
+            <a:graphicFrameLocks noGrp="1"/>
+          </p:cNvGraphicFramePr>
+          <p:nvPr>
+            <p:ph idx="1"/>
+            <p:extLst>
+              <p:ext uri="{D42A27DB-BD31-4B8C-83A1-F6EECF244321}">
+                <p14:modId xmlns:p14="http://schemas.microsoft.com/office/powerpoint/2010/main" val="2677163200"/>
+              </p:ext>
+            </p:extLst>
+          </p:nvPr>
+        </p:nvGraphicFramePr>
+        <p:xfrm>
+          <a:off x="209550" y="1693888"/>
+          <a:ext cx="6426200" cy="1093886"/>
+        </p:xfrm>
+        <a:graphic>
+          <a:graphicData uri="http://schemas.openxmlformats.org/drawingml/2006/diagram">
+            <dgm:relIds xmlns:dgm="http://schemas.openxmlformats.org/drawingml/2006/diagram" xmlns:r="http://schemas.openxmlformats.org/officeDocument/2006/relationships" r:dm="rId2" r:lo="rId3" r:qs="rId4" r:cs="rId5"/>
+          </a:graphicData>
+        </a:graphic>
+      </p:graphicFrame>
+      <p:sp>
+        <p:nvSpPr>
+          <p:cNvPr id="12" name="Textplatzhalter 11">
+            <a:extLst>
+              <a:ext uri="{FF2B5EF4-FFF2-40B4-BE49-F238E27FC236}">
+                <a16:creationId xmlns:a16="http://schemas.microsoft.com/office/drawing/2014/main" id="{B148AD95-DF13-4B22-83F2-74C482891D37}"/>
+              </a:ext>
+            </a:extLst>
+          </p:cNvPr>
+          <p:cNvSpPr>
+            <a:spLocks noGrp="1"/>
+          </p:cNvSpPr>
+          <p:nvPr>
+            <p:ph type="body" sz="quarter" idx="13"/>
+          </p:nvPr>
+        </p:nvSpPr>
+        <p:spPr/>
+        <p:txBody>
+          <a:bodyPr/>
+          <a:lstStyle/>
+          <a:p>
+            <a:r>
+              <a:rPr lang="de-DE" dirty="0"/>
+              <a:t>Architektur</a:t>
+            </a:r>
+          </a:p>
+        </p:txBody>
+      </p:sp>
+      <p:sp>
+        <p:nvSpPr>
+          <p:cNvPr id="6" name="Titel 5"/>
+          <p:cNvSpPr>
+            <a:spLocks noGrp="1"/>
+          </p:cNvSpPr>
+          <p:nvPr>
+            <p:ph type="title"/>
+          </p:nvPr>
+        </p:nvSpPr>
+        <p:spPr/>
+        <p:txBody>
+          <a:bodyPr/>
+          <a:lstStyle/>
+          <a:p>
+            <a:r>
+              <a:rPr lang="de-DE" dirty="0"/>
+              <a:t>Generator</a:t>
+            </a:r>
+          </a:p>
+        </p:txBody>
+      </p:sp>
+      <p:sp>
+        <p:nvSpPr>
+          <p:cNvPr id="9" name="Textfeld 8">
+            <a:extLst>
+              <a:ext uri="{FF2B5EF4-FFF2-40B4-BE49-F238E27FC236}">
+                <a16:creationId xmlns:a16="http://schemas.microsoft.com/office/drawing/2014/main" id="{A23FDE92-0052-4CF6-8EE0-D507639BFF9D}"/>
+              </a:ext>
+            </a:extLst>
+          </p:cNvPr>
+          <p:cNvSpPr txBox="1"/>
+          <p:nvPr/>
+        </p:nvSpPr>
+        <p:spPr>
+          <a:xfrm>
+            <a:off x="116632" y="2787774"/>
+            <a:ext cx="1908368" cy="938719"/>
+          </a:xfrm>
+          <a:prstGeom prst="rect">
+            <a:avLst/>
+          </a:prstGeom>
+          <a:noFill/>
+        </p:spPr>
+        <p:txBody>
+          <a:bodyPr wrap="square" rtlCol="0">
+            <a:spAutoFit/>
+          </a:bodyPr>
+          <a:lstStyle/>
+          <a:p>
+            <a:pPr marL="285750" indent="-285750">
+              <a:buFont typeface="Arial" panose="020B0604020202020204" pitchFamily="34" charset="0"/>
+              <a:buChar char="•"/>
+            </a:pPr>
+            <a:r>
+              <a:rPr lang="de-DE" sz="1100" dirty="0"/>
+              <a:t>Sammeln von Kontextdaten</a:t>
+            </a:r>
+          </a:p>
+          <a:p>
+            <a:pPr marL="285750" indent="-285750">
+              <a:buFont typeface="Arial" panose="020B0604020202020204" pitchFamily="34" charset="0"/>
+              <a:buChar char="•"/>
+            </a:pPr>
+            <a:r>
+              <a:rPr lang="de-DE" sz="1100" dirty="0"/>
+              <a:t>Starten der Untergeneratoren</a:t>
+            </a:r>
+          </a:p>
+          <a:p>
+            <a:endParaRPr lang="de-DE" sz="1100" dirty="0"/>
+          </a:p>
+        </p:txBody>
+      </p:sp>
+      <p:sp>
+        <p:nvSpPr>
+          <p:cNvPr id="10" name="Textfeld 9">
+            <a:extLst>
+              <a:ext uri="{FF2B5EF4-FFF2-40B4-BE49-F238E27FC236}">
+                <a16:creationId xmlns:a16="http://schemas.microsoft.com/office/drawing/2014/main" id="{BA2AE922-10C0-40A4-8FEB-47053CB23DC5}"/>
+              </a:ext>
+            </a:extLst>
+          </p:cNvPr>
+          <p:cNvSpPr txBox="1"/>
+          <p:nvPr/>
+        </p:nvSpPr>
+        <p:spPr>
+          <a:xfrm>
+            <a:off x="2304361" y="2787774"/>
+            <a:ext cx="1908368" cy="769441"/>
+          </a:xfrm>
+          <a:prstGeom prst="rect">
+            <a:avLst/>
+          </a:prstGeom>
+          <a:noFill/>
+        </p:spPr>
+        <p:txBody>
+          <a:bodyPr wrap="square" rtlCol="0">
+            <a:spAutoFit/>
+          </a:bodyPr>
+          <a:lstStyle/>
+          <a:p>
+            <a:pPr marL="285750" indent="-285750">
+              <a:buFont typeface="Arial" panose="020B0604020202020204" pitchFamily="34" charset="0"/>
+              <a:buChar char="•"/>
+            </a:pPr>
+            <a:r>
+              <a:rPr lang="de-DE" sz="1100" dirty="0"/>
+              <a:t>Sammeln der Daten</a:t>
+            </a:r>
+          </a:p>
+          <a:p>
+            <a:pPr marL="285750" indent="-285750">
+              <a:buFont typeface="Arial" panose="020B0604020202020204" pitchFamily="34" charset="0"/>
+              <a:buChar char="•"/>
+            </a:pPr>
+            <a:r>
+              <a:rPr lang="de-DE" sz="1100" dirty="0"/>
+              <a:t>Bestimmung der Variableninhalte</a:t>
+            </a:r>
+          </a:p>
+          <a:p>
+            <a:endParaRPr lang="de-DE" sz="1100" dirty="0"/>
+          </a:p>
+        </p:txBody>
+      </p:sp>
+      <p:sp>
+        <p:nvSpPr>
+          <p:cNvPr id="11" name="Textfeld 10">
+            <a:extLst>
+              <a:ext uri="{FF2B5EF4-FFF2-40B4-BE49-F238E27FC236}">
+                <a16:creationId xmlns:a16="http://schemas.microsoft.com/office/drawing/2014/main" id="{BDD010E7-239F-466F-BE5E-4FD87CB39CAC}"/>
+              </a:ext>
+            </a:extLst>
+          </p:cNvPr>
+          <p:cNvSpPr txBox="1"/>
+          <p:nvPr/>
+        </p:nvSpPr>
+        <p:spPr>
+          <a:xfrm>
+            <a:off x="4492090" y="2787774"/>
+            <a:ext cx="1908368" cy="600164"/>
+          </a:xfrm>
+          <a:prstGeom prst="rect">
+            <a:avLst/>
+          </a:prstGeom>
+          <a:noFill/>
+        </p:spPr>
+        <p:txBody>
+          <a:bodyPr wrap="square" rtlCol="0">
+            <a:spAutoFit/>
+          </a:bodyPr>
+          <a:lstStyle/>
+          <a:p>
+            <a:pPr marL="285750" indent="-285750">
+              <a:buFont typeface="Arial" panose="020B0604020202020204" pitchFamily="34" charset="0"/>
+              <a:buChar char="•"/>
+            </a:pPr>
+            <a:r>
+              <a:rPr lang="de-DE" sz="1100" dirty="0"/>
+              <a:t>Laden des Templates</a:t>
+            </a:r>
+          </a:p>
+          <a:p>
+            <a:pPr marL="285750" indent="-285750">
+              <a:buFont typeface="Arial" panose="020B0604020202020204" pitchFamily="34" charset="0"/>
+              <a:buChar char="•"/>
+            </a:pPr>
+            <a:r>
+              <a:rPr lang="de-DE" sz="1100" dirty="0"/>
+              <a:t>Befüllung mit Daten</a:t>
+            </a:r>
+          </a:p>
+          <a:p>
+            <a:endParaRPr lang="de-DE" sz="1100" dirty="0"/>
+          </a:p>
+        </p:txBody>
+      </p:sp>
+    </p:spTree>
+    <p:extLst>
+      <p:ext uri="{BB962C8B-B14F-4D97-AF65-F5344CB8AC3E}">
+        <p14:creationId xmlns:p14="http://schemas.microsoft.com/office/powerpoint/2010/main" val="166254318"/>
+      </p:ext>
+    </p:extLst>
+  </p:cSld>
+  <p:clrMapOvr>
+    <a:masterClrMapping/>
+  </p:clrMapOvr>
+</p:sld>
+</file>
+
+<file path=ppt/slides/slide5.xml><?xml version="1.0" encoding="utf-8"?>
+<p:sld xmlns:a="http://schemas.openxmlformats.org/drawingml/2006/main" xmlns:r="http://schemas.openxmlformats.org/officeDocument/2006/relationships" xmlns:p="http://schemas.openxmlformats.org/presentationml/2006/main">
+  <p:cSld>
+    <p:spTree>
+      <p:nvGrpSpPr>
+        <p:cNvPr id="1" name=""/>
+        <p:cNvGrpSpPr/>
+        <p:nvPr/>
+      </p:nvGrpSpPr>
+      <p:grpSpPr>
+        <a:xfrm>
+          <a:off x="0" y="0"/>
+          <a:ext cx="0" cy="0"/>
+          <a:chOff x="0" y="0"/>
+          <a:chExt cx="0" cy="0"/>
+        </a:xfrm>
+      </p:grpSpPr>
+      <p:sp>
+        <p:nvSpPr>
+          <p:cNvPr id="2" name="Datumsplatzhalter 1"/>
+          <p:cNvSpPr>
+            <a:spLocks noGrp="1"/>
+          </p:cNvSpPr>
+          <p:nvPr>
+            <p:ph type="dt" sz="half" idx="10"/>
+          </p:nvPr>
+        </p:nvSpPr>
+        <p:spPr/>
+        <p:txBody>
+          <a:bodyPr/>
+          <a:lstStyle/>
+          <a:p>
+            <a:r>
+              <a:rPr lang="de-DE" dirty="0"/>
+              <a:t>10.07.2016</a:t>
+            </a:r>
+          </a:p>
+        </p:txBody>
+      </p:sp>
+      <p:sp>
+        <p:nvSpPr>
+          <p:cNvPr id="3" name="Fußzeilenplatzhalter 2"/>
+          <p:cNvSpPr>
+            <a:spLocks noGrp="1"/>
+          </p:cNvSpPr>
+          <p:nvPr>
+            <p:ph type="ftr" sz="quarter" idx="11"/>
+          </p:nvPr>
+        </p:nvSpPr>
+        <p:spPr/>
+        <p:txBody>
+          <a:bodyPr/>
+          <a:lstStyle/>
+          <a:p>
+            <a:r>
+              <a:rPr lang="de-DE"/>
+              <a:t>Legosar SS 18</a:t>
+            </a:r>
+            <a:endParaRPr lang="de-DE" dirty="0"/>
+          </a:p>
+        </p:txBody>
+      </p:sp>
+      <p:sp>
+        <p:nvSpPr>
+          <p:cNvPr id="4" name="Foliennummernplatzhalter 3"/>
+          <p:cNvSpPr>
+            <a:spLocks noGrp="1"/>
+          </p:cNvSpPr>
+          <p:nvPr>
+            <p:ph type="sldNum" sz="quarter" idx="12"/>
+          </p:nvPr>
+        </p:nvSpPr>
+        <p:spPr/>
+        <p:txBody>
+          <a:bodyPr/>
+          <a:lstStyle/>
+          <a:p>
+            <a:r>
+              <a:rPr lang="de-DE"/>
+              <a:t>S. </a:t>
+            </a:r>
+            <a:fld id="{D7EFD9E5-FB44-4C01-A2C2-48348664E7CC}" type="slidenum">
+              <a:rPr lang="de-DE" smtClean="0"/>
+              <a:pPr/>
+              <a:t>5</a:t>
             </a:fld>
             <a:endParaRPr lang="de-DE" dirty="0"/>
           </a:p>
@@ -14821,7 +18751,7 @@
           <a:bodyPr/>
           <a:lstStyle/>
           <a:p>
-            <a:endParaRPr lang="de-DE"/>
+            <a:endParaRPr lang="de-DE" dirty="0"/>
           </a:p>
         </p:txBody>
       </p:sp>
@@ -14924,7 +18854,7 @@
 </p:sld>
 </file>
 
-<file path=ppt/slides/slide5.xml><?xml version="1.0" encoding="utf-8"?>
+<file path=ppt/slides/slide6.xml><?xml version="1.0" encoding="utf-8"?>
 <p:sld xmlns:a="http://schemas.openxmlformats.org/drawingml/2006/main" xmlns:r="http://schemas.openxmlformats.org/officeDocument/2006/relationships" xmlns:p="http://schemas.openxmlformats.org/presentationml/2006/main">
   <p:cSld>
     <p:spTree>
@@ -14958,9 +18888,8 @@
           <a:p>
             <a:r>
               <a:rPr lang="de-DE" dirty="0"/>
-              <a:t>10.07.2018</a:t>
-            </a:r>
-            <a:endParaRPr lang="de-DE" dirty="0"/>
+              <a:t>10.07.2016</a:t>
+            </a:r>
           </a:p>
         </p:txBody>
       </p:sp>
@@ -15009,7 +18938,7 @@
             <a:fld id="{D7EFD9E5-FB44-4C01-A2C2-48348664E7CC}" type="slidenum">
               <a:rPr lang="de-DE" smtClean="0"/>
               <a:pPr/>
-              <a:t>5</a:t>
+              <a:t>6</a:t>
             </a:fld>
             <a:endParaRPr lang="de-DE" dirty="0"/>
           </a:p>
@@ -15139,7 +19068,7 @@
 </p:sld>
 </file>
 
-<file path=ppt/slides/slide6.xml><?xml version="1.0" encoding="utf-8"?>
+<file path=ppt/slides/slide7.xml><?xml version="1.0" encoding="utf-8"?>
 <p:sld xmlns:a="http://schemas.openxmlformats.org/drawingml/2006/main" xmlns:r="http://schemas.openxmlformats.org/officeDocument/2006/relationships" xmlns:p="http://schemas.openxmlformats.org/presentationml/2006/main">
   <p:cSld>
     <p:spTree>
@@ -15173,9 +19102,8 @@
           <a:p>
             <a:r>
               <a:rPr lang="de-DE" dirty="0"/>
-              <a:t>10.07.2018</a:t>
-            </a:r>
-            <a:endParaRPr lang="de-DE" dirty="0"/>
+              <a:t>10.07.2016</a:t>
+            </a:r>
           </a:p>
         </p:txBody>
       </p:sp>
@@ -15224,7 +19152,7 @@
             <a:fld id="{D7EFD9E5-FB44-4C01-A2C2-48348664E7CC}" type="slidenum">
               <a:rPr lang="de-DE" smtClean="0"/>
               <a:pPr/>
-              <a:t>6</a:t>
+              <a:t>7</a:t>
             </a:fld>
             <a:endParaRPr lang="de-DE" dirty="0"/>
           </a:p>
@@ -15366,7 +19294,7 @@
 </p:sld>
 </file>
 
-<file path=ppt/slides/slide7.xml><?xml version="1.0" encoding="utf-8"?>
+<file path=ppt/slides/slide8.xml><?xml version="1.0" encoding="utf-8"?>
 <p:sld xmlns:a="http://schemas.openxmlformats.org/drawingml/2006/main" xmlns:r="http://schemas.openxmlformats.org/officeDocument/2006/relationships" xmlns:p="http://schemas.openxmlformats.org/presentationml/2006/main">
   <p:cSld>
     <p:spTree>
@@ -15400,9 +19328,8 @@
           <a:p>
             <a:r>
               <a:rPr lang="de-DE" dirty="0"/>
-              <a:t>10.07.2018</a:t>
-            </a:r>
-            <a:endParaRPr lang="de-DE" dirty="0"/>
+              <a:t>10.07.2016</a:t>
+            </a:r>
           </a:p>
         </p:txBody>
       </p:sp>
@@ -15451,7 +19378,7 @@
             <a:fld id="{D7EFD9E5-FB44-4C01-A2C2-48348664E7CC}" type="slidenum">
               <a:rPr lang="de-DE" smtClean="0"/>
               <a:pPr/>
-              <a:t>7</a:t>
+              <a:t>8</a:t>
             </a:fld>
             <a:endParaRPr lang="de-DE" dirty="0"/>
           </a:p>
@@ -16445,12 +20372,6 @@
 </file>
 
 <file path=customXml/item2.xml><?xml version="1.0" encoding="utf-8"?>
-<p:properties xmlns:p="http://schemas.microsoft.com/office/2006/metadata/properties" xmlns:xsi="http://www.w3.org/2001/XMLSchema-instance" xmlns:pc="http://schemas.microsoft.com/office/infopath/2007/PartnerControls">
-  <documentManagement/>
-</p:properties>
-</file>
-
-<file path=customXml/item3.xml><?xml version="1.0" encoding="utf-8"?>
 <ct:contentTypeSchema xmlns:ct="http://schemas.microsoft.com/office/2006/metadata/contentType" xmlns:ma="http://schemas.microsoft.com/office/2006/metadata/properties/metaAttributes" ct:_="" ma:_="" ma:contentTypeName="Dokument" ma:contentTypeID="0x0101003DC6390AE56B35438C65966F635EAD35" ma:contentTypeVersion="0" ma:contentTypeDescription="Ein neues Dokument erstellen." ma:contentTypeScope="" ma:versionID="4f3286d4674dd6d9e62b4ad622de0e43">
   <xsd:schema xmlns:xsd="http://www.w3.org/2001/XMLSchema" xmlns:xs="http://www.w3.org/2001/XMLSchema" xmlns:p="http://schemas.microsoft.com/office/2006/metadata/properties" targetNamespace="http://schemas.microsoft.com/office/2006/metadata/properties" ma:root="true" ma:fieldsID="b4f5dc90cf06628c3b90945c8266c24d">
     <xsd:element name="properties">
@@ -16564,6 +20485,12 @@
 </ct:contentTypeSchema>
 </file>
 
+<file path=customXml/item3.xml><?xml version="1.0" encoding="utf-8"?>
+<p:properties xmlns:p="http://schemas.microsoft.com/office/2006/metadata/properties" xmlns:xsi="http://www.w3.org/2001/XMLSchema-instance" xmlns:pc="http://schemas.microsoft.com/office/infopath/2007/PartnerControls">
+  <documentManagement/>
+</p:properties>
+</file>
+
 <file path=customXml/itemProps1.xml><?xml version="1.0" encoding="utf-8"?>
 <ds:datastoreItem xmlns:ds="http://schemas.openxmlformats.org/officeDocument/2006/customXml" ds:itemID="{FD22786F-CBCD-4FD4-A284-6C8FA96D8FE2}">
   <ds:schemaRefs>
@@ -16573,21 +20500,6 @@
 </file>
 
 <file path=customXml/itemProps2.xml><?xml version="1.0" encoding="utf-8"?>
-<ds:datastoreItem xmlns:ds="http://schemas.openxmlformats.org/officeDocument/2006/customXml" ds:itemID="{0A4ADDD2-5B29-4A1F-90E1-3FD9AC1E4F18}">
-  <ds:schemaRefs>
-    <ds:schemaRef ds:uri="http://purl.org/dc/terms/"/>
-    <ds:schemaRef ds:uri="http://purl.org/dc/dcmitype/"/>
-    <ds:schemaRef ds:uri="http://schemas.microsoft.com/office/2006/documentManagement/types"/>
-    <ds:schemaRef ds:uri="http://schemas.microsoft.com/office/2006/metadata/properties"/>
-    <ds:schemaRef ds:uri="http://purl.org/dc/elements/1.1/"/>
-    <ds:schemaRef ds:uri="http://schemas.microsoft.com/office/infopath/2007/PartnerControls"/>
-    <ds:schemaRef ds:uri="http://schemas.openxmlformats.org/package/2006/metadata/core-properties"/>
-    <ds:schemaRef ds:uri="http://www.w3.org/XML/1998/namespace"/>
-  </ds:schemaRefs>
-</ds:datastoreItem>
-</file>
-
-<file path=customXml/itemProps3.xml><?xml version="1.0" encoding="utf-8"?>
 <ds:datastoreItem xmlns:ds="http://schemas.openxmlformats.org/officeDocument/2006/customXml" ds:itemID="{35240994-86D6-4C55-8272-3C86349FB6F7}">
   <ds:schemaRefs>
     <ds:schemaRef ds:uri="http://schemas.microsoft.com/office/2006/metadata/contentType"/>
@@ -16601,4 +20513,19 @@
     <ds:schemaRef ds:uri="http://schemas.microsoft.com/office/infopath/2007/PartnerControls"/>
   </ds:schemaRefs>
 </ds:datastoreItem>
+</file>
+
+<file path=customXml/itemProps3.xml><?xml version="1.0" encoding="utf-8"?>
+<ds:datastoreItem xmlns:ds="http://schemas.openxmlformats.org/officeDocument/2006/customXml" ds:itemID="{0A4ADDD2-5B29-4A1F-90E1-3FD9AC1E4F18}">
+  <ds:schemaRefs>
+    <ds:schemaRef ds:uri="http://purl.org/dc/dcmitype/"/>
+    <ds:schemaRef ds:uri="http://schemas.microsoft.com/office/infopath/2007/PartnerControls"/>
+    <ds:schemaRef ds:uri="http://purl.org/dc/elements/1.1/"/>
+    <ds:schemaRef ds:uri="http://schemas.microsoft.com/office/2006/metadata/properties"/>
+    <ds:schemaRef ds:uri="http://schemas.microsoft.com/office/2006/documentManagement/types"/>
+    <ds:schemaRef ds:uri="http://schemas.openxmlformats.org/package/2006/metadata/core-properties"/>
+    <ds:schemaRef ds:uri="http://www.w3.org/XML/1998/namespace"/>
+    <ds:schemaRef ds:uri="http://purl.org/dc/terms/"/>
+  </ds:schemaRefs>
+</ds:datastoreItem>
 </file>
--- a/Präsentation/Teilpräsentationen/EMF und Generator.pptx
+++ b/Präsentation/Teilpräsentationen/EMF und Generator.pptx
@@ -5,20 +5,23 @@
     <p:sldMasterId id="2147483648" r:id="rId4"/>
   </p:sldMasterIdLst>
   <p:notesMasterIdLst>
-    <p:notesMasterId r:id="rId13"/>
+    <p:notesMasterId r:id="rId16"/>
   </p:notesMasterIdLst>
   <p:handoutMasterIdLst>
-    <p:handoutMasterId r:id="rId14"/>
+    <p:handoutMasterId r:id="rId17"/>
   </p:handoutMasterIdLst>
   <p:sldIdLst>
-    <p:sldId id="258" r:id="rId5"/>
-    <p:sldId id="259" r:id="rId6"/>
-    <p:sldId id="266" r:id="rId7"/>
-    <p:sldId id="260" r:id="rId8"/>
-    <p:sldId id="264" r:id="rId9"/>
-    <p:sldId id="265" r:id="rId10"/>
-    <p:sldId id="262" r:id="rId11"/>
-    <p:sldId id="263" r:id="rId12"/>
+    <p:sldId id="269" r:id="rId5"/>
+    <p:sldId id="258" r:id="rId6"/>
+    <p:sldId id="268" r:id="rId7"/>
+    <p:sldId id="267" r:id="rId8"/>
+    <p:sldId id="259" r:id="rId9"/>
+    <p:sldId id="266" r:id="rId10"/>
+    <p:sldId id="260" r:id="rId11"/>
+    <p:sldId id="264" r:id="rId12"/>
+    <p:sldId id="265" r:id="rId13"/>
+    <p:sldId id="262" r:id="rId14"/>
+    <p:sldId id="263" r:id="rId15"/>
   </p:sldIdLst>
   <p:sldSz cx="6858000" cy="5143500"/>
   <p:notesSz cx="6858000" cy="9144000"/>
@@ -17878,25 +17881,41 @@
           </a:p>
         </p:txBody>
       </p:sp>
-      <p:sp>
-        <p:nvSpPr>
-          <p:cNvPr id="8" name="Inhaltsplatzhalter 7"/>
-          <p:cNvSpPr>
-            <a:spLocks noGrp="1"/>
-          </p:cNvSpPr>
+      <p:pic>
+        <p:nvPicPr>
+          <p:cNvPr id="6" name="Inhaltsplatzhalter 5">
+            <a:extLst>
+              <a:ext uri="{FF2B5EF4-FFF2-40B4-BE49-F238E27FC236}">
+                <a16:creationId xmlns:a16="http://schemas.microsoft.com/office/drawing/2014/main" id="{D6066A0F-1072-4B9F-956D-CE471AD7ACC7}"/>
+              </a:ext>
+            </a:extLst>
+          </p:cNvPr>
+          <p:cNvPicPr>
+            <a:picLocks noGrp="1" noChangeAspect="1"/>
+          </p:cNvPicPr>
           <p:nvPr>
             <p:ph idx="15"/>
           </p:nvPr>
-        </p:nvSpPr>
-        <p:spPr/>
-        <p:txBody>
-          <a:bodyPr/>
-          <a:lstStyle/>
-          <a:p>
-            <a:endParaRPr lang="de-DE"/>
-          </a:p>
-        </p:txBody>
-      </p:sp>
+        </p:nvPicPr>
+        <p:blipFill>
+          <a:blip r:embed="rId2">
+            <a:extLst>
+              <a:ext uri="{28A0092B-C50C-407E-A947-70E740481C1C}">
+                <a14:useLocalDpi xmlns:a14="http://schemas.microsoft.com/office/drawing/2010/main" val="0"/>
+              </a:ext>
+            </a:extLst>
+          </a:blip>
+          <a:stretch>
+            <a:fillRect/>
+          </a:stretch>
+        </p:blipFill>
+        <p:spPr>
+          <a:xfrm>
+            <a:off x="556019" y="882405"/>
+            <a:ext cx="5734850" cy="3515216"/>
+          </a:xfrm>
+        </p:spPr>
+      </p:pic>
       <p:sp>
         <p:nvSpPr>
           <p:cNvPr id="7" name="Titel 6"/>
@@ -17922,7 +17941,7 @@
     </p:spTree>
     <p:extLst>
       <p:ext uri="{BB962C8B-B14F-4D97-AF65-F5344CB8AC3E}">
-        <p14:creationId xmlns:p14="http://schemas.microsoft.com/office/powerpoint/2010/main" val="4029795081"/>
+        <p14:creationId xmlns:p14="http://schemas.microsoft.com/office/powerpoint/2010/main" val="446713890"/>
       </p:ext>
     </p:extLst>
   </p:cSld>
@@ -17932,7 +17951,7 @@
 </p:sld>
 </file>
 
-<file path=ppt/slides/slide2.xml><?xml version="1.0" encoding="utf-8"?>
+<file path=ppt/slides/slide10.xml><?xml version="1.0" encoding="utf-8"?>
 <p:sld xmlns:a="http://schemas.openxmlformats.org/drawingml/2006/main" xmlns:r="http://schemas.openxmlformats.org/officeDocument/2006/relationships" xmlns:p="http://schemas.openxmlformats.org/presentationml/2006/main">
   <p:cSld>
     <p:spTree>
@@ -18016,1143 +18035,7 @@
             <a:fld id="{D7EFD9E5-FB44-4C01-A2C2-48348664E7CC}" type="slidenum">
               <a:rPr lang="de-DE" smtClean="0"/>
               <a:pPr/>
-              <a:t>2</a:t>
-            </a:fld>
-            <a:endParaRPr lang="de-DE" dirty="0"/>
-          </a:p>
-        </p:txBody>
-      </p:sp>
-      <p:graphicFrame>
-        <p:nvGraphicFramePr>
-          <p:cNvPr id="7" name="Inhaltsplatzhalter 6">
-            <a:extLst>
-              <a:ext uri="{FF2B5EF4-FFF2-40B4-BE49-F238E27FC236}">
-                <a16:creationId xmlns:a16="http://schemas.microsoft.com/office/drawing/2014/main" id="{B45C35EE-B430-4319-8061-17BD8B2666A5}"/>
-              </a:ext>
-            </a:extLst>
-          </p:cNvPr>
-          <p:cNvGraphicFramePr>
-            <a:graphicFrameLocks noGrp="1"/>
-          </p:cNvGraphicFramePr>
-          <p:nvPr>
-            <p:ph idx="1"/>
-            <p:extLst>
-              <p:ext uri="{D42A27DB-BD31-4B8C-83A1-F6EECF244321}">
-                <p14:modId xmlns:p14="http://schemas.microsoft.com/office/powerpoint/2010/main" val="1866176530"/>
-              </p:ext>
-            </p:extLst>
-          </p:nvPr>
-        </p:nvGraphicFramePr>
-        <p:xfrm>
-          <a:off x="209550" y="1036638"/>
-          <a:ext cx="6426200" cy="3506787"/>
-        </p:xfrm>
-        <a:graphic>
-          <a:graphicData uri="http://schemas.openxmlformats.org/drawingml/2006/diagram">
-            <dgm:relIds xmlns:dgm="http://schemas.openxmlformats.org/drawingml/2006/diagram" xmlns:r="http://schemas.openxmlformats.org/officeDocument/2006/relationships" r:dm="rId2" r:lo="rId3" r:qs="rId4" r:cs="rId5"/>
-          </a:graphicData>
-        </a:graphic>
-      </p:graphicFrame>
-      <p:sp>
-        <p:nvSpPr>
-          <p:cNvPr id="8" name="Textplatzhalter 7">
-            <a:extLst>
-              <a:ext uri="{FF2B5EF4-FFF2-40B4-BE49-F238E27FC236}">
-                <a16:creationId xmlns:a16="http://schemas.microsoft.com/office/drawing/2014/main" id="{8C7EB124-DE3E-4F63-A0FD-33AB2EA86D18}"/>
-              </a:ext>
-            </a:extLst>
-          </p:cNvPr>
-          <p:cNvSpPr>
-            <a:spLocks noGrp="1"/>
-          </p:cNvSpPr>
-          <p:nvPr>
-            <p:ph type="body" sz="quarter" idx="13"/>
-          </p:nvPr>
-        </p:nvSpPr>
-        <p:spPr/>
-        <p:txBody>
-          <a:bodyPr/>
-          <a:lstStyle/>
-          <a:p>
-            <a:r>
-              <a:rPr lang="de-DE" dirty="0"/>
-              <a:t>Architektur</a:t>
-            </a:r>
-          </a:p>
-        </p:txBody>
-      </p:sp>
-      <p:sp>
-        <p:nvSpPr>
-          <p:cNvPr id="6" name="Titel 5"/>
-          <p:cNvSpPr>
-            <a:spLocks noGrp="1"/>
-          </p:cNvSpPr>
-          <p:nvPr>
-            <p:ph type="title"/>
-          </p:nvPr>
-        </p:nvSpPr>
-        <p:spPr/>
-        <p:txBody>
-          <a:bodyPr/>
-          <a:lstStyle/>
-          <a:p>
-            <a:r>
-              <a:rPr lang="de-DE" dirty="0"/>
-              <a:t>Generator</a:t>
-            </a:r>
-          </a:p>
-        </p:txBody>
-      </p:sp>
-    </p:spTree>
-    <p:extLst>
-      <p:ext uri="{BB962C8B-B14F-4D97-AF65-F5344CB8AC3E}">
-        <p14:creationId xmlns:p14="http://schemas.microsoft.com/office/powerpoint/2010/main" val="3261571547"/>
-      </p:ext>
-    </p:extLst>
-  </p:cSld>
-  <p:clrMapOvr>
-    <a:masterClrMapping/>
-  </p:clrMapOvr>
-</p:sld>
-</file>
-
-<file path=ppt/slides/slide3.xml><?xml version="1.0" encoding="utf-8"?>
-<p:sld xmlns:a="http://schemas.openxmlformats.org/drawingml/2006/main" xmlns:r="http://schemas.openxmlformats.org/officeDocument/2006/relationships" xmlns:p="http://schemas.openxmlformats.org/presentationml/2006/main">
-  <p:cSld>
-    <p:spTree>
-      <p:nvGrpSpPr>
-        <p:cNvPr id="1" name=""/>
-        <p:cNvGrpSpPr/>
-        <p:nvPr/>
-      </p:nvGrpSpPr>
-      <p:grpSpPr>
-        <a:xfrm>
-          <a:off x="0" y="0"/>
-          <a:ext cx="0" cy="0"/>
-          <a:chOff x="0" y="0"/>
-          <a:chExt cx="0" cy="0"/>
-        </a:xfrm>
-      </p:grpSpPr>
-      <p:sp>
-        <p:nvSpPr>
-          <p:cNvPr id="2" name="Datumsplatzhalter 1"/>
-          <p:cNvSpPr>
-            <a:spLocks noGrp="1"/>
-          </p:cNvSpPr>
-          <p:nvPr>
-            <p:ph type="dt" sz="half" idx="10"/>
-          </p:nvPr>
-        </p:nvSpPr>
-        <p:spPr/>
-        <p:txBody>
-          <a:bodyPr/>
-          <a:lstStyle/>
-          <a:p>
-            <a:r>
-              <a:rPr lang="de-DE" dirty="0"/>
-              <a:t>10.07.2016</a:t>
-            </a:r>
-          </a:p>
-        </p:txBody>
-      </p:sp>
-      <p:sp>
-        <p:nvSpPr>
-          <p:cNvPr id="3" name="Fußzeilenplatzhalter 2"/>
-          <p:cNvSpPr>
-            <a:spLocks noGrp="1"/>
-          </p:cNvSpPr>
-          <p:nvPr>
-            <p:ph type="ftr" sz="quarter" idx="11"/>
-          </p:nvPr>
-        </p:nvSpPr>
-        <p:spPr/>
-        <p:txBody>
-          <a:bodyPr/>
-          <a:lstStyle/>
-          <a:p>
-            <a:r>
-              <a:rPr lang="de-DE"/>
-              <a:t>Legosar SS 18</a:t>
-            </a:r>
-            <a:endParaRPr lang="de-DE" dirty="0"/>
-          </a:p>
-        </p:txBody>
-      </p:sp>
-      <p:sp>
-        <p:nvSpPr>
-          <p:cNvPr id="4" name="Foliennummernplatzhalter 3"/>
-          <p:cNvSpPr>
-            <a:spLocks noGrp="1"/>
-          </p:cNvSpPr>
-          <p:nvPr>
-            <p:ph type="sldNum" sz="quarter" idx="12"/>
-          </p:nvPr>
-        </p:nvSpPr>
-        <p:spPr/>
-        <p:txBody>
-          <a:bodyPr/>
-          <a:lstStyle/>
-          <a:p>
-            <a:r>
-              <a:rPr lang="de-DE"/>
-              <a:t>S. </a:t>
-            </a:r>
-            <a:fld id="{D7EFD9E5-FB44-4C01-A2C2-48348664E7CC}" type="slidenum">
-              <a:rPr lang="de-DE" smtClean="0"/>
-              <a:pPr/>
-              <a:t>3</a:t>
-            </a:fld>
-            <a:endParaRPr lang="de-DE" dirty="0"/>
-          </a:p>
-        </p:txBody>
-      </p:sp>
-      <p:sp>
-        <p:nvSpPr>
-          <p:cNvPr id="8" name="Textplatzhalter 7">
-            <a:extLst>
-              <a:ext uri="{FF2B5EF4-FFF2-40B4-BE49-F238E27FC236}">
-                <a16:creationId xmlns:a16="http://schemas.microsoft.com/office/drawing/2014/main" id="{8C7EB124-DE3E-4F63-A0FD-33AB2EA86D18}"/>
-              </a:ext>
-            </a:extLst>
-          </p:cNvPr>
-          <p:cNvSpPr>
-            <a:spLocks noGrp="1"/>
-          </p:cNvSpPr>
-          <p:nvPr>
-            <p:ph type="body" sz="quarter" idx="13"/>
-          </p:nvPr>
-        </p:nvSpPr>
-        <p:spPr/>
-        <p:txBody>
-          <a:bodyPr/>
-          <a:lstStyle/>
-          <a:p>
-            <a:r>
-              <a:rPr lang="de-DE" dirty="0"/>
-              <a:t>Architektur</a:t>
-            </a:r>
-          </a:p>
-        </p:txBody>
-      </p:sp>
-      <p:sp>
-        <p:nvSpPr>
-          <p:cNvPr id="6" name="Titel 5"/>
-          <p:cNvSpPr>
-            <a:spLocks noGrp="1"/>
-          </p:cNvSpPr>
-          <p:nvPr>
-            <p:ph type="title"/>
-          </p:nvPr>
-        </p:nvSpPr>
-        <p:spPr/>
-        <p:txBody>
-          <a:bodyPr/>
-          <a:lstStyle/>
-          <a:p>
-            <a:r>
-              <a:rPr lang="de-DE" dirty="0"/>
-              <a:t>Generator</a:t>
-            </a:r>
-          </a:p>
-        </p:txBody>
-      </p:sp>
-      <p:graphicFrame>
-        <p:nvGraphicFramePr>
-          <p:cNvPr id="9" name="Inhaltsplatzhalter 8">
-            <a:extLst>
-              <a:ext uri="{FF2B5EF4-FFF2-40B4-BE49-F238E27FC236}">
-                <a16:creationId xmlns:a16="http://schemas.microsoft.com/office/drawing/2014/main" id="{25745EE9-57D3-4785-8787-46C557280C9C}"/>
-              </a:ext>
-            </a:extLst>
-          </p:cNvPr>
-          <p:cNvGraphicFramePr>
-            <a:graphicFrameLocks noGrp="1"/>
-          </p:cNvGraphicFramePr>
-          <p:nvPr>
-            <p:ph idx="1"/>
-            <p:extLst>
-              <p:ext uri="{D42A27DB-BD31-4B8C-83A1-F6EECF244321}">
-                <p14:modId xmlns:p14="http://schemas.microsoft.com/office/powerpoint/2010/main" val="1427984240"/>
-              </p:ext>
-            </p:extLst>
-          </p:nvPr>
-        </p:nvGraphicFramePr>
-        <p:xfrm>
-          <a:off x="103932" y="1036638"/>
-          <a:ext cx="6637436" cy="3506787"/>
-        </p:xfrm>
-        <a:graphic>
-          <a:graphicData uri="http://schemas.openxmlformats.org/drawingml/2006/diagram">
-            <dgm:relIds xmlns:dgm="http://schemas.openxmlformats.org/drawingml/2006/diagram" xmlns:r="http://schemas.openxmlformats.org/officeDocument/2006/relationships" r:dm="rId2" r:lo="rId3" r:qs="rId4" r:cs="rId5"/>
-          </a:graphicData>
-        </a:graphic>
-      </p:graphicFrame>
-    </p:spTree>
-    <p:extLst>
-      <p:ext uri="{BB962C8B-B14F-4D97-AF65-F5344CB8AC3E}">
-        <p14:creationId xmlns:p14="http://schemas.microsoft.com/office/powerpoint/2010/main" val="2031411326"/>
-      </p:ext>
-    </p:extLst>
-  </p:cSld>
-  <p:clrMapOvr>
-    <a:masterClrMapping/>
-  </p:clrMapOvr>
-</p:sld>
-</file>
-
-<file path=ppt/slides/slide4.xml><?xml version="1.0" encoding="utf-8"?>
-<p:sld xmlns:a="http://schemas.openxmlformats.org/drawingml/2006/main" xmlns:r="http://schemas.openxmlformats.org/officeDocument/2006/relationships" xmlns:p="http://schemas.openxmlformats.org/presentationml/2006/main">
-  <p:cSld>
-    <p:spTree>
-      <p:nvGrpSpPr>
-        <p:cNvPr id="1" name=""/>
-        <p:cNvGrpSpPr/>
-        <p:nvPr/>
-      </p:nvGrpSpPr>
-      <p:grpSpPr>
-        <a:xfrm>
-          <a:off x="0" y="0"/>
-          <a:ext cx="0" cy="0"/>
-          <a:chOff x="0" y="0"/>
-          <a:chExt cx="0" cy="0"/>
-        </a:xfrm>
-      </p:grpSpPr>
-      <p:sp>
-        <p:nvSpPr>
-          <p:cNvPr id="2" name="Datumsplatzhalter 1"/>
-          <p:cNvSpPr>
-            <a:spLocks noGrp="1"/>
-          </p:cNvSpPr>
-          <p:nvPr>
-            <p:ph type="dt" sz="half" idx="10"/>
-          </p:nvPr>
-        </p:nvSpPr>
-        <p:spPr/>
-        <p:txBody>
-          <a:bodyPr/>
-          <a:lstStyle/>
-          <a:p>
-            <a:r>
-              <a:rPr lang="de-DE" dirty="0"/>
-              <a:t>10.07.2016</a:t>
-            </a:r>
-          </a:p>
-        </p:txBody>
-      </p:sp>
-      <p:sp>
-        <p:nvSpPr>
-          <p:cNvPr id="3" name="Fußzeilenplatzhalter 2"/>
-          <p:cNvSpPr>
-            <a:spLocks noGrp="1"/>
-          </p:cNvSpPr>
-          <p:nvPr>
-            <p:ph type="ftr" sz="quarter" idx="11"/>
-          </p:nvPr>
-        </p:nvSpPr>
-        <p:spPr/>
-        <p:txBody>
-          <a:bodyPr/>
-          <a:lstStyle/>
-          <a:p>
-            <a:r>
-              <a:rPr lang="de-DE"/>
-              <a:t>Legosar SS 18</a:t>
-            </a:r>
-            <a:endParaRPr lang="de-DE" dirty="0"/>
-          </a:p>
-        </p:txBody>
-      </p:sp>
-      <p:sp>
-        <p:nvSpPr>
-          <p:cNvPr id="4" name="Foliennummernplatzhalter 3"/>
-          <p:cNvSpPr>
-            <a:spLocks noGrp="1"/>
-          </p:cNvSpPr>
-          <p:nvPr>
-            <p:ph type="sldNum" sz="quarter" idx="12"/>
-          </p:nvPr>
-        </p:nvSpPr>
-        <p:spPr/>
-        <p:txBody>
-          <a:bodyPr/>
-          <a:lstStyle/>
-          <a:p>
-            <a:r>
-              <a:rPr lang="de-DE"/>
-              <a:t>S. </a:t>
-            </a:r>
-            <a:fld id="{D7EFD9E5-FB44-4C01-A2C2-48348664E7CC}" type="slidenum">
-              <a:rPr lang="de-DE" smtClean="0"/>
-              <a:pPr/>
-              <a:t>4</a:t>
-            </a:fld>
-            <a:endParaRPr lang="de-DE" dirty="0"/>
-          </a:p>
-        </p:txBody>
-      </p:sp>
-      <p:graphicFrame>
-        <p:nvGraphicFramePr>
-          <p:cNvPr id="8" name="Inhaltsplatzhalter 7">
-            <a:extLst>
-              <a:ext uri="{FF2B5EF4-FFF2-40B4-BE49-F238E27FC236}">
-                <a16:creationId xmlns:a16="http://schemas.microsoft.com/office/drawing/2014/main" id="{84E533BB-96E0-4DCB-8F82-7C0280D3D297}"/>
-              </a:ext>
-            </a:extLst>
-          </p:cNvPr>
-          <p:cNvGraphicFramePr>
-            <a:graphicFrameLocks noGrp="1"/>
-          </p:cNvGraphicFramePr>
-          <p:nvPr>
-            <p:ph idx="1"/>
-            <p:extLst>
-              <p:ext uri="{D42A27DB-BD31-4B8C-83A1-F6EECF244321}">
-                <p14:modId xmlns:p14="http://schemas.microsoft.com/office/powerpoint/2010/main" val="2677163200"/>
-              </p:ext>
-            </p:extLst>
-          </p:nvPr>
-        </p:nvGraphicFramePr>
-        <p:xfrm>
-          <a:off x="209550" y="1693888"/>
-          <a:ext cx="6426200" cy="1093886"/>
-        </p:xfrm>
-        <a:graphic>
-          <a:graphicData uri="http://schemas.openxmlformats.org/drawingml/2006/diagram">
-            <dgm:relIds xmlns:dgm="http://schemas.openxmlformats.org/drawingml/2006/diagram" xmlns:r="http://schemas.openxmlformats.org/officeDocument/2006/relationships" r:dm="rId2" r:lo="rId3" r:qs="rId4" r:cs="rId5"/>
-          </a:graphicData>
-        </a:graphic>
-      </p:graphicFrame>
-      <p:sp>
-        <p:nvSpPr>
-          <p:cNvPr id="12" name="Textplatzhalter 11">
-            <a:extLst>
-              <a:ext uri="{FF2B5EF4-FFF2-40B4-BE49-F238E27FC236}">
-                <a16:creationId xmlns:a16="http://schemas.microsoft.com/office/drawing/2014/main" id="{B148AD95-DF13-4B22-83F2-74C482891D37}"/>
-              </a:ext>
-            </a:extLst>
-          </p:cNvPr>
-          <p:cNvSpPr>
-            <a:spLocks noGrp="1"/>
-          </p:cNvSpPr>
-          <p:nvPr>
-            <p:ph type="body" sz="quarter" idx="13"/>
-          </p:nvPr>
-        </p:nvSpPr>
-        <p:spPr/>
-        <p:txBody>
-          <a:bodyPr/>
-          <a:lstStyle/>
-          <a:p>
-            <a:r>
-              <a:rPr lang="de-DE" dirty="0"/>
-              <a:t>Architektur</a:t>
-            </a:r>
-          </a:p>
-        </p:txBody>
-      </p:sp>
-      <p:sp>
-        <p:nvSpPr>
-          <p:cNvPr id="6" name="Titel 5"/>
-          <p:cNvSpPr>
-            <a:spLocks noGrp="1"/>
-          </p:cNvSpPr>
-          <p:nvPr>
-            <p:ph type="title"/>
-          </p:nvPr>
-        </p:nvSpPr>
-        <p:spPr/>
-        <p:txBody>
-          <a:bodyPr/>
-          <a:lstStyle/>
-          <a:p>
-            <a:r>
-              <a:rPr lang="de-DE" dirty="0"/>
-              <a:t>Generator</a:t>
-            </a:r>
-          </a:p>
-        </p:txBody>
-      </p:sp>
-      <p:sp>
-        <p:nvSpPr>
-          <p:cNvPr id="9" name="Textfeld 8">
-            <a:extLst>
-              <a:ext uri="{FF2B5EF4-FFF2-40B4-BE49-F238E27FC236}">
-                <a16:creationId xmlns:a16="http://schemas.microsoft.com/office/drawing/2014/main" id="{A23FDE92-0052-4CF6-8EE0-D507639BFF9D}"/>
-              </a:ext>
-            </a:extLst>
-          </p:cNvPr>
-          <p:cNvSpPr txBox="1"/>
-          <p:nvPr/>
-        </p:nvSpPr>
-        <p:spPr>
-          <a:xfrm>
-            <a:off x="116632" y="2787774"/>
-            <a:ext cx="1908368" cy="938719"/>
-          </a:xfrm>
-          <a:prstGeom prst="rect">
-            <a:avLst/>
-          </a:prstGeom>
-          <a:noFill/>
-        </p:spPr>
-        <p:txBody>
-          <a:bodyPr wrap="square" rtlCol="0">
-            <a:spAutoFit/>
-          </a:bodyPr>
-          <a:lstStyle/>
-          <a:p>
-            <a:pPr marL="285750" indent="-285750">
-              <a:buFont typeface="Arial" panose="020B0604020202020204" pitchFamily="34" charset="0"/>
-              <a:buChar char="•"/>
-            </a:pPr>
-            <a:r>
-              <a:rPr lang="de-DE" sz="1100" dirty="0"/>
-              <a:t>Sammeln von Kontextdaten</a:t>
-            </a:r>
-          </a:p>
-          <a:p>
-            <a:pPr marL="285750" indent="-285750">
-              <a:buFont typeface="Arial" panose="020B0604020202020204" pitchFamily="34" charset="0"/>
-              <a:buChar char="•"/>
-            </a:pPr>
-            <a:r>
-              <a:rPr lang="de-DE" sz="1100" dirty="0"/>
-              <a:t>Starten der Untergeneratoren</a:t>
-            </a:r>
-          </a:p>
-          <a:p>
-            <a:endParaRPr lang="de-DE" sz="1100" dirty="0"/>
-          </a:p>
-        </p:txBody>
-      </p:sp>
-      <p:sp>
-        <p:nvSpPr>
-          <p:cNvPr id="10" name="Textfeld 9">
-            <a:extLst>
-              <a:ext uri="{FF2B5EF4-FFF2-40B4-BE49-F238E27FC236}">
-                <a16:creationId xmlns:a16="http://schemas.microsoft.com/office/drawing/2014/main" id="{BA2AE922-10C0-40A4-8FEB-47053CB23DC5}"/>
-              </a:ext>
-            </a:extLst>
-          </p:cNvPr>
-          <p:cNvSpPr txBox="1"/>
-          <p:nvPr/>
-        </p:nvSpPr>
-        <p:spPr>
-          <a:xfrm>
-            <a:off x="2304361" y="2787774"/>
-            <a:ext cx="1908368" cy="769441"/>
-          </a:xfrm>
-          <a:prstGeom prst="rect">
-            <a:avLst/>
-          </a:prstGeom>
-          <a:noFill/>
-        </p:spPr>
-        <p:txBody>
-          <a:bodyPr wrap="square" rtlCol="0">
-            <a:spAutoFit/>
-          </a:bodyPr>
-          <a:lstStyle/>
-          <a:p>
-            <a:pPr marL="285750" indent="-285750">
-              <a:buFont typeface="Arial" panose="020B0604020202020204" pitchFamily="34" charset="0"/>
-              <a:buChar char="•"/>
-            </a:pPr>
-            <a:r>
-              <a:rPr lang="de-DE" sz="1100" dirty="0"/>
-              <a:t>Sammeln der Daten</a:t>
-            </a:r>
-          </a:p>
-          <a:p>
-            <a:pPr marL="285750" indent="-285750">
-              <a:buFont typeface="Arial" panose="020B0604020202020204" pitchFamily="34" charset="0"/>
-              <a:buChar char="•"/>
-            </a:pPr>
-            <a:r>
-              <a:rPr lang="de-DE" sz="1100" dirty="0"/>
-              <a:t>Bestimmung der Variableninhalte</a:t>
-            </a:r>
-          </a:p>
-          <a:p>
-            <a:endParaRPr lang="de-DE" sz="1100" dirty="0"/>
-          </a:p>
-        </p:txBody>
-      </p:sp>
-      <p:sp>
-        <p:nvSpPr>
-          <p:cNvPr id="11" name="Textfeld 10">
-            <a:extLst>
-              <a:ext uri="{FF2B5EF4-FFF2-40B4-BE49-F238E27FC236}">
-                <a16:creationId xmlns:a16="http://schemas.microsoft.com/office/drawing/2014/main" id="{BDD010E7-239F-466F-BE5E-4FD87CB39CAC}"/>
-              </a:ext>
-            </a:extLst>
-          </p:cNvPr>
-          <p:cNvSpPr txBox="1"/>
-          <p:nvPr/>
-        </p:nvSpPr>
-        <p:spPr>
-          <a:xfrm>
-            <a:off x="4492090" y="2787774"/>
-            <a:ext cx="1908368" cy="600164"/>
-          </a:xfrm>
-          <a:prstGeom prst="rect">
-            <a:avLst/>
-          </a:prstGeom>
-          <a:noFill/>
-        </p:spPr>
-        <p:txBody>
-          <a:bodyPr wrap="square" rtlCol="0">
-            <a:spAutoFit/>
-          </a:bodyPr>
-          <a:lstStyle/>
-          <a:p>
-            <a:pPr marL="285750" indent="-285750">
-              <a:buFont typeface="Arial" panose="020B0604020202020204" pitchFamily="34" charset="0"/>
-              <a:buChar char="•"/>
-            </a:pPr>
-            <a:r>
-              <a:rPr lang="de-DE" sz="1100" dirty="0"/>
-              <a:t>Laden des Templates</a:t>
-            </a:r>
-          </a:p>
-          <a:p>
-            <a:pPr marL="285750" indent="-285750">
-              <a:buFont typeface="Arial" panose="020B0604020202020204" pitchFamily="34" charset="0"/>
-              <a:buChar char="•"/>
-            </a:pPr>
-            <a:r>
-              <a:rPr lang="de-DE" sz="1100" dirty="0"/>
-              <a:t>Befüllung mit Daten</a:t>
-            </a:r>
-          </a:p>
-          <a:p>
-            <a:endParaRPr lang="de-DE" sz="1100" dirty="0"/>
-          </a:p>
-        </p:txBody>
-      </p:sp>
-    </p:spTree>
-    <p:extLst>
-      <p:ext uri="{BB962C8B-B14F-4D97-AF65-F5344CB8AC3E}">
-        <p14:creationId xmlns:p14="http://schemas.microsoft.com/office/powerpoint/2010/main" val="166254318"/>
-      </p:ext>
-    </p:extLst>
-  </p:cSld>
-  <p:clrMapOvr>
-    <a:masterClrMapping/>
-  </p:clrMapOvr>
-</p:sld>
-</file>
-
-<file path=ppt/slides/slide5.xml><?xml version="1.0" encoding="utf-8"?>
-<p:sld xmlns:a="http://schemas.openxmlformats.org/drawingml/2006/main" xmlns:r="http://schemas.openxmlformats.org/officeDocument/2006/relationships" xmlns:p="http://schemas.openxmlformats.org/presentationml/2006/main">
-  <p:cSld>
-    <p:spTree>
-      <p:nvGrpSpPr>
-        <p:cNvPr id="1" name=""/>
-        <p:cNvGrpSpPr/>
-        <p:nvPr/>
-      </p:nvGrpSpPr>
-      <p:grpSpPr>
-        <a:xfrm>
-          <a:off x="0" y="0"/>
-          <a:ext cx="0" cy="0"/>
-          <a:chOff x="0" y="0"/>
-          <a:chExt cx="0" cy="0"/>
-        </a:xfrm>
-      </p:grpSpPr>
-      <p:sp>
-        <p:nvSpPr>
-          <p:cNvPr id="2" name="Datumsplatzhalter 1"/>
-          <p:cNvSpPr>
-            <a:spLocks noGrp="1"/>
-          </p:cNvSpPr>
-          <p:nvPr>
-            <p:ph type="dt" sz="half" idx="10"/>
-          </p:nvPr>
-        </p:nvSpPr>
-        <p:spPr/>
-        <p:txBody>
-          <a:bodyPr/>
-          <a:lstStyle/>
-          <a:p>
-            <a:r>
-              <a:rPr lang="de-DE" dirty="0"/>
-              <a:t>10.07.2016</a:t>
-            </a:r>
-          </a:p>
-        </p:txBody>
-      </p:sp>
-      <p:sp>
-        <p:nvSpPr>
-          <p:cNvPr id="3" name="Fußzeilenplatzhalter 2"/>
-          <p:cNvSpPr>
-            <a:spLocks noGrp="1"/>
-          </p:cNvSpPr>
-          <p:nvPr>
-            <p:ph type="ftr" sz="quarter" idx="11"/>
-          </p:nvPr>
-        </p:nvSpPr>
-        <p:spPr/>
-        <p:txBody>
-          <a:bodyPr/>
-          <a:lstStyle/>
-          <a:p>
-            <a:r>
-              <a:rPr lang="de-DE"/>
-              <a:t>Legosar SS 18</a:t>
-            </a:r>
-            <a:endParaRPr lang="de-DE" dirty="0"/>
-          </a:p>
-        </p:txBody>
-      </p:sp>
-      <p:sp>
-        <p:nvSpPr>
-          <p:cNvPr id="4" name="Foliennummernplatzhalter 3"/>
-          <p:cNvSpPr>
-            <a:spLocks noGrp="1"/>
-          </p:cNvSpPr>
-          <p:nvPr>
-            <p:ph type="sldNum" sz="quarter" idx="12"/>
-          </p:nvPr>
-        </p:nvSpPr>
-        <p:spPr/>
-        <p:txBody>
-          <a:bodyPr/>
-          <a:lstStyle/>
-          <a:p>
-            <a:r>
-              <a:rPr lang="de-DE"/>
-              <a:t>S. </a:t>
-            </a:r>
-            <a:fld id="{D7EFD9E5-FB44-4C01-A2C2-48348664E7CC}" type="slidenum">
-              <a:rPr lang="de-DE" smtClean="0"/>
-              <a:pPr/>
-              <a:t>5</a:t>
-            </a:fld>
-            <a:endParaRPr lang="de-DE" dirty="0"/>
-          </a:p>
-        </p:txBody>
-      </p:sp>
-      <p:sp>
-        <p:nvSpPr>
-          <p:cNvPr id="11" name="Inhaltsplatzhalter 10">
-            <a:extLst>
-              <a:ext uri="{FF2B5EF4-FFF2-40B4-BE49-F238E27FC236}">
-                <a16:creationId xmlns:a16="http://schemas.microsoft.com/office/drawing/2014/main" id="{5F07172A-F733-4451-AB19-B0A79C7A898A}"/>
-              </a:ext>
-            </a:extLst>
-          </p:cNvPr>
-          <p:cNvSpPr>
-            <a:spLocks noGrp="1"/>
-          </p:cNvSpPr>
-          <p:nvPr>
-            <p:ph idx="1"/>
-          </p:nvPr>
-        </p:nvSpPr>
-        <p:spPr/>
-        <p:txBody>
-          <a:bodyPr/>
-          <a:lstStyle/>
-          <a:p>
-            <a:endParaRPr lang="de-DE" dirty="0"/>
-          </a:p>
-        </p:txBody>
-      </p:sp>
-      <p:sp>
-        <p:nvSpPr>
-          <p:cNvPr id="12" name="Textplatzhalter 11">
-            <a:extLst>
-              <a:ext uri="{FF2B5EF4-FFF2-40B4-BE49-F238E27FC236}">
-                <a16:creationId xmlns:a16="http://schemas.microsoft.com/office/drawing/2014/main" id="{9846F0F7-DFCC-4B40-8B7A-B2A798915395}"/>
-              </a:ext>
-            </a:extLst>
-          </p:cNvPr>
-          <p:cNvSpPr>
-            <a:spLocks noGrp="1"/>
-          </p:cNvSpPr>
-          <p:nvPr>
-            <p:ph type="body" sz="quarter" idx="13"/>
-          </p:nvPr>
-        </p:nvSpPr>
-        <p:spPr/>
-        <p:txBody>
-          <a:bodyPr/>
-          <a:lstStyle/>
-          <a:p>
-            <a:r>
-              <a:rPr lang="de-DE" dirty="0"/>
-              <a:t>Templates</a:t>
-            </a:r>
-          </a:p>
-        </p:txBody>
-      </p:sp>
-      <p:sp>
-        <p:nvSpPr>
-          <p:cNvPr id="6" name="Titel 5"/>
-          <p:cNvSpPr>
-            <a:spLocks noGrp="1"/>
-          </p:cNvSpPr>
-          <p:nvPr>
-            <p:ph type="title"/>
-          </p:nvPr>
-        </p:nvSpPr>
-        <p:spPr/>
-        <p:txBody>
-          <a:bodyPr/>
-          <a:lstStyle/>
-          <a:p>
-            <a:r>
-              <a:rPr lang="de-DE" dirty="0"/>
-              <a:t>Generator</a:t>
-            </a:r>
-          </a:p>
-        </p:txBody>
-      </p:sp>
-      <p:pic>
-        <p:nvPicPr>
-          <p:cNvPr id="10" name="Grafik 9">
-            <a:extLst>
-              <a:ext uri="{FF2B5EF4-FFF2-40B4-BE49-F238E27FC236}">
-                <a16:creationId xmlns:a16="http://schemas.microsoft.com/office/drawing/2014/main" id="{CDF74D08-4D7A-4C20-9451-41B15C9C78A7}"/>
-              </a:ext>
-            </a:extLst>
-          </p:cNvPr>
-          <p:cNvPicPr>
-            <a:picLocks noChangeAspect="1"/>
-          </p:cNvPicPr>
-          <p:nvPr/>
-        </p:nvPicPr>
-        <p:blipFill>
-          <a:blip r:embed="rId2">
-            <a:extLst>
-              <a:ext uri="{28A0092B-C50C-407E-A947-70E740481C1C}">
-                <a14:useLocalDpi xmlns:a14="http://schemas.microsoft.com/office/drawing/2010/main" val="0"/>
-              </a:ext>
-            </a:extLst>
-          </a:blip>
-          <a:stretch>
-            <a:fillRect/>
-          </a:stretch>
-        </p:blipFill>
-        <p:spPr>
-          <a:xfrm>
-            <a:off x="404664" y="1419622"/>
-            <a:ext cx="6026712" cy="2426226"/>
-          </a:xfrm>
-          <a:prstGeom prst="rect">
-            <a:avLst/>
-          </a:prstGeom>
-        </p:spPr>
-      </p:pic>
-    </p:spTree>
-    <p:extLst>
-      <p:ext uri="{BB962C8B-B14F-4D97-AF65-F5344CB8AC3E}">
-        <p14:creationId xmlns:p14="http://schemas.microsoft.com/office/powerpoint/2010/main" val="1240405956"/>
-      </p:ext>
-    </p:extLst>
-  </p:cSld>
-  <p:clrMapOvr>
-    <a:masterClrMapping/>
-  </p:clrMapOvr>
-</p:sld>
-</file>
-
-<file path=ppt/slides/slide6.xml><?xml version="1.0" encoding="utf-8"?>
-<p:sld xmlns:a="http://schemas.openxmlformats.org/drawingml/2006/main" xmlns:r="http://schemas.openxmlformats.org/officeDocument/2006/relationships" xmlns:p="http://schemas.openxmlformats.org/presentationml/2006/main">
-  <p:cSld>
-    <p:spTree>
-      <p:nvGrpSpPr>
-        <p:cNvPr id="1" name=""/>
-        <p:cNvGrpSpPr/>
-        <p:nvPr/>
-      </p:nvGrpSpPr>
-      <p:grpSpPr>
-        <a:xfrm>
-          <a:off x="0" y="0"/>
-          <a:ext cx="0" cy="0"/>
-          <a:chOff x="0" y="0"/>
-          <a:chExt cx="0" cy="0"/>
-        </a:xfrm>
-      </p:grpSpPr>
-      <p:sp>
-        <p:nvSpPr>
-          <p:cNvPr id="2" name="Datumsplatzhalter 1"/>
-          <p:cNvSpPr>
-            <a:spLocks noGrp="1"/>
-          </p:cNvSpPr>
-          <p:nvPr>
-            <p:ph type="dt" sz="half" idx="10"/>
-          </p:nvPr>
-        </p:nvSpPr>
-        <p:spPr/>
-        <p:txBody>
-          <a:bodyPr/>
-          <a:lstStyle/>
-          <a:p>
-            <a:r>
-              <a:rPr lang="de-DE" dirty="0"/>
-              <a:t>10.07.2016</a:t>
-            </a:r>
-          </a:p>
-        </p:txBody>
-      </p:sp>
-      <p:sp>
-        <p:nvSpPr>
-          <p:cNvPr id="3" name="Fußzeilenplatzhalter 2"/>
-          <p:cNvSpPr>
-            <a:spLocks noGrp="1"/>
-          </p:cNvSpPr>
-          <p:nvPr>
-            <p:ph type="ftr" sz="quarter" idx="11"/>
-          </p:nvPr>
-        </p:nvSpPr>
-        <p:spPr/>
-        <p:txBody>
-          <a:bodyPr/>
-          <a:lstStyle/>
-          <a:p>
-            <a:r>
-              <a:rPr lang="de-DE"/>
-              <a:t>Legosar SS 18</a:t>
-            </a:r>
-            <a:endParaRPr lang="de-DE" dirty="0"/>
-          </a:p>
-        </p:txBody>
-      </p:sp>
-      <p:sp>
-        <p:nvSpPr>
-          <p:cNvPr id="4" name="Foliennummernplatzhalter 3"/>
-          <p:cNvSpPr>
-            <a:spLocks noGrp="1"/>
-          </p:cNvSpPr>
-          <p:nvPr>
-            <p:ph type="sldNum" sz="quarter" idx="12"/>
-          </p:nvPr>
-        </p:nvSpPr>
-        <p:spPr/>
-        <p:txBody>
-          <a:bodyPr/>
-          <a:lstStyle/>
-          <a:p>
-            <a:r>
-              <a:rPr lang="de-DE"/>
-              <a:t>S. </a:t>
-            </a:r>
-            <a:fld id="{D7EFD9E5-FB44-4C01-A2C2-48348664E7CC}" type="slidenum">
-              <a:rPr lang="de-DE" smtClean="0"/>
-              <a:pPr/>
-              <a:t>6</a:t>
-            </a:fld>
-            <a:endParaRPr lang="de-DE" dirty="0"/>
-          </a:p>
-        </p:txBody>
-      </p:sp>
-      <p:sp>
-        <p:nvSpPr>
-          <p:cNvPr id="8" name="Inhaltsplatzhalter 7">
-            <a:extLst>
-              <a:ext uri="{FF2B5EF4-FFF2-40B4-BE49-F238E27FC236}">
-                <a16:creationId xmlns:a16="http://schemas.microsoft.com/office/drawing/2014/main" id="{B4C2C888-D125-4B0A-AB36-40745AEC9296}"/>
-              </a:ext>
-            </a:extLst>
-          </p:cNvPr>
-          <p:cNvSpPr>
-            <a:spLocks noGrp="1"/>
-          </p:cNvSpPr>
-          <p:nvPr>
-            <p:ph idx="1"/>
-          </p:nvPr>
-        </p:nvSpPr>
-        <p:spPr/>
-        <p:txBody>
-          <a:bodyPr/>
-          <a:lstStyle/>
-          <a:p>
-            <a:endParaRPr lang="de-DE"/>
-          </a:p>
-        </p:txBody>
-      </p:sp>
-      <p:sp>
-        <p:nvSpPr>
-          <p:cNvPr id="9" name="Textplatzhalter 8">
-            <a:extLst>
-              <a:ext uri="{FF2B5EF4-FFF2-40B4-BE49-F238E27FC236}">
-                <a16:creationId xmlns:a16="http://schemas.microsoft.com/office/drawing/2014/main" id="{BEEF14ED-FFD8-4581-A3FC-DCD6F1373C9F}"/>
-              </a:ext>
-            </a:extLst>
-          </p:cNvPr>
-          <p:cNvSpPr>
-            <a:spLocks noGrp="1"/>
-          </p:cNvSpPr>
-          <p:nvPr>
-            <p:ph type="body" sz="quarter" idx="13"/>
-          </p:nvPr>
-        </p:nvSpPr>
-        <p:spPr/>
-        <p:txBody>
-          <a:bodyPr/>
-          <a:lstStyle/>
-          <a:p>
-            <a:r>
-              <a:rPr lang="de-DE" dirty="0"/>
-              <a:t>Templates</a:t>
-            </a:r>
-          </a:p>
-        </p:txBody>
-      </p:sp>
-      <p:sp>
-        <p:nvSpPr>
-          <p:cNvPr id="6" name="Titel 5"/>
-          <p:cNvSpPr>
-            <a:spLocks noGrp="1"/>
-          </p:cNvSpPr>
-          <p:nvPr>
-            <p:ph type="title"/>
-          </p:nvPr>
-        </p:nvSpPr>
-        <p:spPr/>
-        <p:txBody>
-          <a:bodyPr/>
-          <a:lstStyle/>
-          <a:p>
-            <a:r>
-              <a:rPr lang="de-DE" dirty="0"/>
-              <a:t>Generator</a:t>
-            </a:r>
-          </a:p>
-        </p:txBody>
-      </p:sp>
-      <p:pic>
-        <p:nvPicPr>
-          <p:cNvPr id="7" name="Grafik 6">
-            <a:extLst>
-              <a:ext uri="{FF2B5EF4-FFF2-40B4-BE49-F238E27FC236}">
-                <a16:creationId xmlns:a16="http://schemas.microsoft.com/office/drawing/2014/main" id="{D03B093E-D126-48C1-B966-B55E93091438}"/>
-              </a:ext>
-            </a:extLst>
-          </p:cNvPr>
-          <p:cNvPicPr>
-            <a:picLocks noChangeAspect="1"/>
-          </p:cNvPicPr>
-          <p:nvPr/>
-        </p:nvPicPr>
-        <p:blipFill>
-          <a:blip r:embed="rId2" cstate="print">
-            <a:extLst>
-              <a:ext uri="{28A0092B-C50C-407E-A947-70E740481C1C}">
-                <a14:useLocalDpi xmlns:a14="http://schemas.microsoft.com/office/drawing/2010/main" val="0"/>
-              </a:ext>
-            </a:extLst>
-          </a:blip>
-          <a:stretch>
-            <a:fillRect/>
-          </a:stretch>
-        </p:blipFill>
-        <p:spPr>
-          <a:xfrm>
-            <a:off x="766135" y="1995686"/>
-            <a:ext cx="5325730" cy="1152128"/>
-          </a:xfrm>
-          <a:prstGeom prst="rect">
-            <a:avLst/>
-          </a:prstGeom>
-        </p:spPr>
-      </p:pic>
-    </p:spTree>
-    <p:extLst>
-      <p:ext uri="{BB962C8B-B14F-4D97-AF65-F5344CB8AC3E}">
-        <p14:creationId xmlns:p14="http://schemas.microsoft.com/office/powerpoint/2010/main" val="777073559"/>
-      </p:ext>
-    </p:extLst>
-  </p:cSld>
-  <p:clrMapOvr>
-    <a:masterClrMapping/>
-  </p:clrMapOvr>
-</p:sld>
-</file>
-
-<file path=ppt/slides/slide7.xml><?xml version="1.0" encoding="utf-8"?>
-<p:sld xmlns:a="http://schemas.openxmlformats.org/drawingml/2006/main" xmlns:r="http://schemas.openxmlformats.org/officeDocument/2006/relationships" xmlns:p="http://schemas.openxmlformats.org/presentationml/2006/main">
-  <p:cSld>
-    <p:spTree>
-      <p:nvGrpSpPr>
-        <p:cNvPr id="1" name=""/>
-        <p:cNvGrpSpPr/>
-        <p:nvPr/>
-      </p:nvGrpSpPr>
-      <p:grpSpPr>
-        <a:xfrm>
-          <a:off x="0" y="0"/>
-          <a:ext cx="0" cy="0"/>
-          <a:chOff x="0" y="0"/>
-          <a:chExt cx="0" cy="0"/>
-        </a:xfrm>
-      </p:grpSpPr>
-      <p:sp>
-        <p:nvSpPr>
-          <p:cNvPr id="2" name="Datumsplatzhalter 1"/>
-          <p:cNvSpPr>
-            <a:spLocks noGrp="1"/>
-          </p:cNvSpPr>
-          <p:nvPr>
-            <p:ph type="dt" sz="half" idx="10"/>
-          </p:nvPr>
-        </p:nvSpPr>
-        <p:spPr/>
-        <p:txBody>
-          <a:bodyPr/>
-          <a:lstStyle/>
-          <a:p>
-            <a:r>
-              <a:rPr lang="de-DE" dirty="0"/>
-              <a:t>10.07.2016</a:t>
-            </a:r>
-          </a:p>
-        </p:txBody>
-      </p:sp>
-      <p:sp>
-        <p:nvSpPr>
-          <p:cNvPr id="3" name="Fußzeilenplatzhalter 2"/>
-          <p:cNvSpPr>
-            <a:spLocks noGrp="1"/>
-          </p:cNvSpPr>
-          <p:nvPr>
-            <p:ph type="ftr" sz="quarter" idx="11"/>
-          </p:nvPr>
-        </p:nvSpPr>
-        <p:spPr/>
-        <p:txBody>
-          <a:bodyPr/>
-          <a:lstStyle/>
-          <a:p>
-            <a:r>
-              <a:rPr lang="de-DE"/>
-              <a:t>Legosar SS 18</a:t>
-            </a:r>
-            <a:endParaRPr lang="de-DE" dirty="0"/>
-          </a:p>
-        </p:txBody>
-      </p:sp>
-      <p:sp>
-        <p:nvSpPr>
-          <p:cNvPr id="4" name="Foliennummernplatzhalter 3"/>
-          <p:cNvSpPr>
-            <a:spLocks noGrp="1"/>
-          </p:cNvSpPr>
-          <p:nvPr>
-            <p:ph type="sldNum" sz="quarter" idx="12"/>
-          </p:nvPr>
-        </p:nvSpPr>
-        <p:spPr/>
-        <p:txBody>
-          <a:bodyPr/>
-          <a:lstStyle/>
-          <a:p>
-            <a:r>
-              <a:rPr lang="de-DE"/>
-              <a:t>S. </a:t>
-            </a:r>
-            <a:fld id="{D7EFD9E5-FB44-4C01-A2C2-48348664E7CC}" type="slidenum">
-              <a:rPr lang="de-DE" smtClean="0"/>
-              <a:pPr/>
-              <a:t>7</a:t>
+              <a:t>10</a:t>
             </a:fld>
             <a:endParaRPr lang="de-DE" dirty="0"/>
           </a:p>
@@ -19294,7 +18177,7 @@
 </p:sld>
 </file>
 
-<file path=ppt/slides/slide8.xml><?xml version="1.0" encoding="utf-8"?>
+<file path=ppt/slides/slide11.xml><?xml version="1.0" encoding="utf-8"?>
 <p:sld xmlns:a="http://schemas.openxmlformats.org/drawingml/2006/main" xmlns:r="http://schemas.openxmlformats.org/officeDocument/2006/relationships" xmlns:p="http://schemas.openxmlformats.org/presentationml/2006/main">
   <p:cSld>
     <p:spTree>
@@ -19378,7 +18261,7 @@
             <a:fld id="{D7EFD9E5-FB44-4C01-A2C2-48348664E7CC}" type="slidenum">
               <a:rPr lang="de-DE" smtClean="0"/>
               <a:pPr/>
-              <a:t>8</a:t>
+              <a:t>11</a:t>
             </a:fld>
             <a:endParaRPr lang="de-DE" dirty="0"/>
           </a:p>
@@ -19510,6 +18393,1631 @@
     <p:extLst>
       <p:ext uri="{BB962C8B-B14F-4D97-AF65-F5344CB8AC3E}">
         <p14:creationId xmlns:p14="http://schemas.microsoft.com/office/powerpoint/2010/main" val="887042557"/>
+      </p:ext>
+    </p:extLst>
+  </p:cSld>
+  <p:clrMapOvr>
+    <a:masterClrMapping/>
+  </p:clrMapOvr>
+</p:sld>
+</file>
+
+<file path=ppt/slides/slide2.xml><?xml version="1.0" encoding="utf-8"?>
+<p:sld xmlns:a="http://schemas.openxmlformats.org/drawingml/2006/main" xmlns:r="http://schemas.openxmlformats.org/officeDocument/2006/relationships" xmlns:p="http://schemas.openxmlformats.org/presentationml/2006/main">
+  <p:cSld>
+    <p:spTree>
+      <p:nvGrpSpPr>
+        <p:cNvPr id="1" name=""/>
+        <p:cNvGrpSpPr/>
+        <p:nvPr/>
+      </p:nvGrpSpPr>
+      <p:grpSpPr>
+        <a:xfrm>
+          <a:off x="0" y="0"/>
+          <a:ext cx="0" cy="0"/>
+          <a:chOff x="0" y="0"/>
+          <a:chExt cx="0" cy="0"/>
+        </a:xfrm>
+      </p:grpSpPr>
+      <p:sp>
+        <p:nvSpPr>
+          <p:cNvPr id="2" name="Datumsplatzhalter 1"/>
+          <p:cNvSpPr>
+            <a:spLocks noGrp="1"/>
+          </p:cNvSpPr>
+          <p:nvPr>
+            <p:ph type="dt" sz="half" idx="10"/>
+          </p:nvPr>
+        </p:nvSpPr>
+        <p:spPr/>
+        <p:txBody>
+          <a:bodyPr/>
+          <a:lstStyle/>
+          <a:p>
+            <a:r>
+              <a:rPr lang="de-DE" dirty="0"/>
+              <a:t>10.07.2016</a:t>
+            </a:r>
+          </a:p>
+        </p:txBody>
+      </p:sp>
+      <p:sp>
+        <p:nvSpPr>
+          <p:cNvPr id="3" name="Fußzeilenplatzhalter 2"/>
+          <p:cNvSpPr>
+            <a:spLocks noGrp="1"/>
+          </p:cNvSpPr>
+          <p:nvPr>
+            <p:ph type="ftr" sz="quarter" idx="11"/>
+          </p:nvPr>
+        </p:nvSpPr>
+        <p:spPr/>
+        <p:txBody>
+          <a:bodyPr/>
+          <a:lstStyle/>
+          <a:p>
+            <a:r>
+              <a:rPr lang="de-DE" dirty="0" err="1"/>
+              <a:t>Legosar</a:t>
+            </a:r>
+            <a:r>
+              <a:rPr lang="de-DE" dirty="0"/>
+              <a:t> SS 18</a:t>
+            </a:r>
+          </a:p>
+        </p:txBody>
+      </p:sp>
+      <p:sp>
+        <p:nvSpPr>
+          <p:cNvPr id="4" name="Foliennummernplatzhalter 3"/>
+          <p:cNvSpPr>
+            <a:spLocks noGrp="1"/>
+          </p:cNvSpPr>
+          <p:nvPr>
+            <p:ph type="sldNum" sz="quarter" idx="12"/>
+          </p:nvPr>
+        </p:nvSpPr>
+        <p:spPr/>
+        <p:txBody>
+          <a:bodyPr/>
+          <a:lstStyle/>
+          <a:p>
+            <a:r>
+              <a:rPr lang="de-DE"/>
+              <a:t>S. </a:t>
+            </a:r>
+            <a:fld id="{D7EFD9E5-FB44-4C01-A2C2-48348664E7CC}" type="slidenum">
+              <a:rPr lang="de-DE" smtClean="0"/>
+              <a:pPr/>
+              <a:t>2</a:t>
+            </a:fld>
+            <a:endParaRPr lang="de-DE" dirty="0"/>
+          </a:p>
+        </p:txBody>
+      </p:sp>
+      <p:pic>
+        <p:nvPicPr>
+          <p:cNvPr id="6" name="Inhaltsplatzhalter 5">
+            <a:extLst>
+              <a:ext uri="{FF2B5EF4-FFF2-40B4-BE49-F238E27FC236}">
+                <a16:creationId xmlns:a16="http://schemas.microsoft.com/office/drawing/2014/main" id="{30B46192-AE97-43C9-8158-D7E59DCE5B93}"/>
+              </a:ext>
+            </a:extLst>
+          </p:cNvPr>
+          <p:cNvPicPr>
+            <a:picLocks noGrp="1" noChangeAspect="1"/>
+          </p:cNvPicPr>
+          <p:nvPr>
+            <p:ph idx="15"/>
+          </p:nvPr>
+        </p:nvPicPr>
+        <p:blipFill>
+          <a:blip r:embed="rId2">
+            <a:extLst>
+              <a:ext uri="{28A0092B-C50C-407E-A947-70E740481C1C}">
+                <a14:useLocalDpi xmlns:a14="http://schemas.microsoft.com/office/drawing/2010/main" val="0"/>
+              </a:ext>
+            </a:extLst>
+          </a:blip>
+          <a:stretch>
+            <a:fillRect/>
+          </a:stretch>
+        </p:blipFill>
+        <p:spPr>
+          <a:xfrm>
+            <a:off x="1863718" y="668338"/>
+            <a:ext cx="3119451" cy="3943350"/>
+          </a:xfrm>
+        </p:spPr>
+      </p:pic>
+      <p:sp>
+        <p:nvSpPr>
+          <p:cNvPr id="7" name="Titel 6"/>
+          <p:cNvSpPr>
+            <a:spLocks noGrp="1"/>
+          </p:cNvSpPr>
+          <p:nvPr>
+            <p:ph type="title"/>
+          </p:nvPr>
+        </p:nvSpPr>
+        <p:spPr/>
+        <p:txBody>
+          <a:bodyPr/>
+          <a:lstStyle/>
+          <a:p>
+            <a:r>
+              <a:rPr lang="de-DE" dirty="0"/>
+              <a:t>EMF</a:t>
+            </a:r>
+          </a:p>
+        </p:txBody>
+      </p:sp>
+    </p:spTree>
+    <p:extLst>
+      <p:ext uri="{BB962C8B-B14F-4D97-AF65-F5344CB8AC3E}">
+        <p14:creationId xmlns:p14="http://schemas.microsoft.com/office/powerpoint/2010/main" val="4029795081"/>
+      </p:ext>
+    </p:extLst>
+  </p:cSld>
+  <p:clrMapOvr>
+    <a:masterClrMapping/>
+  </p:clrMapOvr>
+</p:sld>
+</file>
+
+<file path=ppt/slides/slide3.xml><?xml version="1.0" encoding="utf-8"?>
+<p:sld xmlns:a="http://schemas.openxmlformats.org/drawingml/2006/main" xmlns:r="http://schemas.openxmlformats.org/officeDocument/2006/relationships" xmlns:p="http://schemas.openxmlformats.org/presentationml/2006/main">
+  <p:cSld>
+    <p:spTree>
+      <p:nvGrpSpPr>
+        <p:cNvPr id="1" name=""/>
+        <p:cNvGrpSpPr/>
+        <p:nvPr/>
+      </p:nvGrpSpPr>
+      <p:grpSpPr>
+        <a:xfrm>
+          <a:off x="0" y="0"/>
+          <a:ext cx="0" cy="0"/>
+          <a:chOff x="0" y="0"/>
+          <a:chExt cx="0" cy="0"/>
+        </a:xfrm>
+      </p:grpSpPr>
+      <p:sp>
+        <p:nvSpPr>
+          <p:cNvPr id="2" name="Datumsplatzhalter 1"/>
+          <p:cNvSpPr>
+            <a:spLocks noGrp="1"/>
+          </p:cNvSpPr>
+          <p:nvPr>
+            <p:ph type="dt" sz="half" idx="10"/>
+          </p:nvPr>
+        </p:nvSpPr>
+        <p:spPr/>
+        <p:txBody>
+          <a:bodyPr/>
+          <a:lstStyle/>
+          <a:p>
+            <a:r>
+              <a:rPr lang="de-DE" dirty="0"/>
+              <a:t>10.07.2016</a:t>
+            </a:r>
+          </a:p>
+        </p:txBody>
+      </p:sp>
+      <p:sp>
+        <p:nvSpPr>
+          <p:cNvPr id="3" name="Fußzeilenplatzhalter 2"/>
+          <p:cNvSpPr>
+            <a:spLocks noGrp="1"/>
+          </p:cNvSpPr>
+          <p:nvPr>
+            <p:ph type="ftr" sz="quarter" idx="11"/>
+          </p:nvPr>
+        </p:nvSpPr>
+        <p:spPr/>
+        <p:txBody>
+          <a:bodyPr/>
+          <a:lstStyle/>
+          <a:p>
+            <a:r>
+              <a:rPr lang="de-DE" dirty="0" err="1"/>
+              <a:t>Legosar</a:t>
+            </a:r>
+            <a:r>
+              <a:rPr lang="de-DE" dirty="0"/>
+              <a:t> SS 18</a:t>
+            </a:r>
+          </a:p>
+        </p:txBody>
+      </p:sp>
+      <p:sp>
+        <p:nvSpPr>
+          <p:cNvPr id="4" name="Foliennummernplatzhalter 3"/>
+          <p:cNvSpPr>
+            <a:spLocks noGrp="1"/>
+          </p:cNvSpPr>
+          <p:nvPr>
+            <p:ph type="sldNum" sz="quarter" idx="12"/>
+          </p:nvPr>
+        </p:nvSpPr>
+        <p:spPr/>
+        <p:txBody>
+          <a:bodyPr/>
+          <a:lstStyle/>
+          <a:p>
+            <a:r>
+              <a:rPr lang="de-DE"/>
+              <a:t>S. </a:t>
+            </a:r>
+            <a:fld id="{D7EFD9E5-FB44-4C01-A2C2-48348664E7CC}" type="slidenum">
+              <a:rPr lang="de-DE" smtClean="0"/>
+              <a:pPr/>
+              <a:t>3</a:t>
+            </a:fld>
+            <a:endParaRPr lang="de-DE" dirty="0"/>
+          </a:p>
+        </p:txBody>
+      </p:sp>
+      <p:pic>
+        <p:nvPicPr>
+          <p:cNvPr id="6" name="Inhaltsplatzhalter 5">
+            <a:extLst>
+              <a:ext uri="{FF2B5EF4-FFF2-40B4-BE49-F238E27FC236}">
+                <a16:creationId xmlns:a16="http://schemas.microsoft.com/office/drawing/2014/main" id="{09C9E8EF-1DC3-4A15-96E4-2547C3B6369D}"/>
+              </a:ext>
+            </a:extLst>
+          </p:cNvPr>
+          <p:cNvPicPr>
+            <a:picLocks noGrp="1" noChangeAspect="1"/>
+          </p:cNvPicPr>
+          <p:nvPr>
+            <p:ph idx="15"/>
+          </p:nvPr>
+        </p:nvPicPr>
+        <p:blipFill>
+          <a:blip r:embed="rId2">
+            <a:extLst>
+              <a:ext uri="{28A0092B-C50C-407E-A947-70E740481C1C}">
+                <a14:useLocalDpi xmlns:a14="http://schemas.microsoft.com/office/drawing/2010/main" val="0"/>
+              </a:ext>
+            </a:extLst>
+          </a:blip>
+          <a:stretch>
+            <a:fillRect/>
+          </a:stretch>
+        </p:blipFill>
+        <p:spPr>
+          <a:xfrm>
+            <a:off x="874535" y="668338"/>
+            <a:ext cx="5097817" cy="3943350"/>
+          </a:xfrm>
+        </p:spPr>
+      </p:pic>
+      <p:sp>
+        <p:nvSpPr>
+          <p:cNvPr id="7" name="Titel 6"/>
+          <p:cNvSpPr>
+            <a:spLocks noGrp="1"/>
+          </p:cNvSpPr>
+          <p:nvPr>
+            <p:ph type="title"/>
+          </p:nvPr>
+        </p:nvSpPr>
+        <p:spPr/>
+        <p:txBody>
+          <a:bodyPr/>
+          <a:lstStyle/>
+          <a:p>
+            <a:r>
+              <a:rPr lang="de-DE" dirty="0"/>
+              <a:t>EMF</a:t>
+            </a:r>
+          </a:p>
+        </p:txBody>
+      </p:sp>
+    </p:spTree>
+    <p:extLst>
+      <p:ext uri="{BB962C8B-B14F-4D97-AF65-F5344CB8AC3E}">
+        <p14:creationId xmlns:p14="http://schemas.microsoft.com/office/powerpoint/2010/main" val="2352567604"/>
+      </p:ext>
+    </p:extLst>
+  </p:cSld>
+  <p:clrMapOvr>
+    <a:masterClrMapping/>
+  </p:clrMapOvr>
+</p:sld>
+</file>
+
+<file path=ppt/slides/slide4.xml><?xml version="1.0" encoding="utf-8"?>
+<p:sld xmlns:a="http://schemas.openxmlformats.org/drawingml/2006/main" xmlns:r="http://schemas.openxmlformats.org/officeDocument/2006/relationships" xmlns:p="http://schemas.openxmlformats.org/presentationml/2006/main">
+  <p:cSld>
+    <p:spTree>
+      <p:nvGrpSpPr>
+        <p:cNvPr id="1" name=""/>
+        <p:cNvGrpSpPr/>
+        <p:nvPr/>
+      </p:nvGrpSpPr>
+      <p:grpSpPr>
+        <a:xfrm>
+          <a:off x="0" y="0"/>
+          <a:ext cx="0" cy="0"/>
+          <a:chOff x="0" y="0"/>
+          <a:chExt cx="0" cy="0"/>
+        </a:xfrm>
+      </p:grpSpPr>
+      <p:sp>
+        <p:nvSpPr>
+          <p:cNvPr id="2" name="Datumsplatzhalter 1"/>
+          <p:cNvSpPr>
+            <a:spLocks noGrp="1"/>
+          </p:cNvSpPr>
+          <p:nvPr>
+            <p:ph type="dt" sz="half" idx="10"/>
+          </p:nvPr>
+        </p:nvSpPr>
+        <p:spPr/>
+        <p:txBody>
+          <a:bodyPr/>
+          <a:lstStyle/>
+          <a:p>
+            <a:r>
+              <a:rPr lang="de-DE" dirty="0"/>
+              <a:t>10.07.2016</a:t>
+            </a:r>
+          </a:p>
+        </p:txBody>
+      </p:sp>
+      <p:sp>
+        <p:nvSpPr>
+          <p:cNvPr id="3" name="Fußzeilenplatzhalter 2"/>
+          <p:cNvSpPr>
+            <a:spLocks noGrp="1"/>
+          </p:cNvSpPr>
+          <p:nvPr>
+            <p:ph type="ftr" sz="quarter" idx="11"/>
+          </p:nvPr>
+        </p:nvSpPr>
+        <p:spPr/>
+        <p:txBody>
+          <a:bodyPr/>
+          <a:lstStyle/>
+          <a:p>
+            <a:r>
+              <a:rPr lang="de-DE" dirty="0" err="1"/>
+              <a:t>Legosar</a:t>
+            </a:r>
+            <a:r>
+              <a:rPr lang="de-DE" dirty="0"/>
+              <a:t> SS 18</a:t>
+            </a:r>
+          </a:p>
+        </p:txBody>
+      </p:sp>
+      <p:sp>
+        <p:nvSpPr>
+          <p:cNvPr id="4" name="Foliennummernplatzhalter 3"/>
+          <p:cNvSpPr>
+            <a:spLocks noGrp="1"/>
+          </p:cNvSpPr>
+          <p:nvPr>
+            <p:ph type="sldNum" sz="quarter" idx="12"/>
+          </p:nvPr>
+        </p:nvSpPr>
+        <p:spPr/>
+        <p:txBody>
+          <a:bodyPr/>
+          <a:lstStyle/>
+          <a:p>
+            <a:r>
+              <a:rPr lang="de-DE"/>
+              <a:t>S. </a:t>
+            </a:r>
+            <a:fld id="{D7EFD9E5-FB44-4C01-A2C2-48348664E7CC}" type="slidenum">
+              <a:rPr lang="de-DE" smtClean="0"/>
+              <a:pPr/>
+              <a:t>4</a:t>
+            </a:fld>
+            <a:endParaRPr lang="de-DE" dirty="0"/>
+          </a:p>
+        </p:txBody>
+      </p:sp>
+      <p:pic>
+        <p:nvPicPr>
+          <p:cNvPr id="6" name="Inhaltsplatzhalter 5">
+            <a:extLst>
+              <a:ext uri="{FF2B5EF4-FFF2-40B4-BE49-F238E27FC236}">
+                <a16:creationId xmlns:a16="http://schemas.microsoft.com/office/drawing/2014/main" id="{CEF1DF70-2A3F-4077-9CB8-72D089C35252}"/>
+              </a:ext>
+            </a:extLst>
+          </p:cNvPr>
+          <p:cNvPicPr>
+            <a:picLocks noGrp="1" noChangeAspect="1"/>
+          </p:cNvPicPr>
+          <p:nvPr>
+            <p:ph idx="15"/>
+          </p:nvPr>
+        </p:nvPicPr>
+        <p:blipFill>
+          <a:blip r:embed="rId2">
+            <a:extLst>
+              <a:ext uri="{28A0092B-C50C-407E-A947-70E740481C1C}">
+                <a14:useLocalDpi xmlns:a14="http://schemas.microsoft.com/office/drawing/2010/main" val="0"/>
+              </a:ext>
+            </a:extLst>
+          </a:blip>
+          <a:stretch>
+            <a:fillRect/>
+          </a:stretch>
+        </p:blipFill>
+        <p:spPr>
+          <a:xfrm>
+            <a:off x="1511517" y="668338"/>
+            <a:ext cx="3823854" cy="3943350"/>
+          </a:xfrm>
+        </p:spPr>
+      </p:pic>
+      <p:sp>
+        <p:nvSpPr>
+          <p:cNvPr id="7" name="Titel 6"/>
+          <p:cNvSpPr>
+            <a:spLocks noGrp="1"/>
+          </p:cNvSpPr>
+          <p:nvPr>
+            <p:ph type="title"/>
+          </p:nvPr>
+        </p:nvSpPr>
+        <p:spPr/>
+        <p:txBody>
+          <a:bodyPr/>
+          <a:lstStyle/>
+          <a:p>
+            <a:r>
+              <a:rPr lang="de-DE" dirty="0"/>
+              <a:t>EMF</a:t>
+            </a:r>
+          </a:p>
+        </p:txBody>
+      </p:sp>
+    </p:spTree>
+    <p:extLst>
+      <p:ext uri="{BB962C8B-B14F-4D97-AF65-F5344CB8AC3E}">
+        <p14:creationId xmlns:p14="http://schemas.microsoft.com/office/powerpoint/2010/main" val="1209708292"/>
+      </p:ext>
+    </p:extLst>
+  </p:cSld>
+  <p:clrMapOvr>
+    <a:masterClrMapping/>
+  </p:clrMapOvr>
+</p:sld>
+</file>
+
+<file path=ppt/slides/slide5.xml><?xml version="1.0" encoding="utf-8"?>
+<p:sld xmlns:a="http://schemas.openxmlformats.org/drawingml/2006/main" xmlns:r="http://schemas.openxmlformats.org/officeDocument/2006/relationships" xmlns:p="http://schemas.openxmlformats.org/presentationml/2006/main">
+  <p:cSld>
+    <p:spTree>
+      <p:nvGrpSpPr>
+        <p:cNvPr id="1" name=""/>
+        <p:cNvGrpSpPr/>
+        <p:nvPr/>
+      </p:nvGrpSpPr>
+      <p:grpSpPr>
+        <a:xfrm>
+          <a:off x="0" y="0"/>
+          <a:ext cx="0" cy="0"/>
+          <a:chOff x="0" y="0"/>
+          <a:chExt cx="0" cy="0"/>
+        </a:xfrm>
+      </p:grpSpPr>
+      <p:sp>
+        <p:nvSpPr>
+          <p:cNvPr id="2" name="Datumsplatzhalter 1"/>
+          <p:cNvSpPr>
+            <a:spLocks noGrp="1"/>
+          </p:cNvSpPr>
+          <p:nvPr>
+            <p:ph type="dt" sz="half" idx="10"/>
+          </p:nvPr>
+        </p:nvSpPr>
+        <p:spPr/>
+        <p:txBody>
+          <a:bodyPr/>
+          <a:lstStyle/>
+          <a:p>
+            <a:r>
+              <a:rPr lang="de-DE" dirty="0"/>
+              <a:t>10.07.2016</a:t>
+            </a:r>
+          </a:p>
+        </p:txBody>
+      </p:sp>
+      <p:sp>
+        <p:nvSpPr>
+          <p:cNvPr id="3" name="Fußzeilenplatzhalter 2"/>
+          <p:cNvSpPr>
+            <a:spLocks noGrp="1"/>
+          </p:cNvSpPr>
+          <p:nvPr>
+            <p:ph type="ftr" sz="quarter" idx="11"/>
+          </p:nvPr>
+        </p:nvSpPr>
+        <p:spPr/>
+        <p:txBody>
+          <a:bodyPr/>
+          <a:lstStyle/>
+          <a:p>
+            <a:r>
+              <a:rPr lang="de-DE"/>
+              <a:t>Legosar SS 18</a:t>
+            </a:r>
+            <a:endParaRPr lang="de-DE" dirty="0"/>
+          </a:p>
+        </p:txBody>
+      </p:sp>
+      <p:sp>
+        <p:nvSpPr>
+          <p:cNvPr id="4" name="Foliennummernplatzhalter 3"/>
+          <p:cNvSpPr>
+            <a:spLocks noGrp="1"/>
+          </p:cNvSpPr>
+          <p:nvPr>
+            <p:ph type="sldNum" sz="quarter" idx="12"/>
+          </p:nvPr>
+        </p:nvSpPr>
+        <p:spPr/>
+        <p:txBody>
+          <a:bodyPr/>
+          <a:lstStyle/>
+          <a:p>
+            <a:r>
+              <a:rPr lang="de-DE"/>
+              <a:t>S. </a:t>
+            </a:r>
+            <a:fld id="{D7EFD9E5-FB44-4C01-A2C2-48348664E7CC}" type="slidenum">
+              <a:rPr lang="de-DE" smtClean="0"/>
+              <a:pPr/>
+              <a:t>5</a:t>
+            </a:fld>
+            <a:endParaRPr lang="de-DE" dirty="0"/>
+          </a:p>
+        </p:txBody>
+      </p:sp>
+      <p:graphicFrame>
+        <p:nvGraphicFramePr>
+          <p:cNvPr id="7" name="Inhaltsplatzhalter 6">
+            <a:extLst>
+              <a:ext uri="{FF2B5EF4-FFF2-40B4-BE49-F238E27FC236}">
+                <a16:creationId xmlns:a16="http://schemas.microsoft.com/office/drawing/2014/main" id="{B45C35EE-B430-4319-8061-17BD8B2666A5}"/>
+              </a:ext>
+            </a:extLst>
+          </p:cNvPr>
+          <p:cNvGraphicFramePr>
+            <a:graphicFrameLocks noGrp="1"/>
+          </p:cNvGraphicFramePr>
+          <p:nvPr>
+            <p:ph idx="1"/>
+            <p:extLst>
+              <p:ext uri="{D42A27DB-BD31-4B8C-83A1-F6EECF244321}">
+                <p14:modId xmlns:p14="http://schemas.microsoft.com/office/powerpoint/2010/main" val="1866176530"/>
+              </p:ext>
+            </p:extLst>
+          </p:nvPr>
+        </p:nvGraphicFramePr>
+        <p:xfrm>
+          <a:off x="209550" y="1036638"/>
+          <a:ext cx="6426200" cy="3506787"/>
+        </p:xfrm>
+        <a:graphic>
+          <a:graphicData uri="http://schemas.openxmlformats.org/drawingml/2006/diagram">
+            <dgm:relIds xmlns:dgm="http://schemas.openxmlformats.org/drawingml/2006/diagram" xmlns:r="http://schemas.openxmlformats.org/officeDocument/2006/relationships" r:dm="rId2" r:lo="rId3" r:qs="rId4" r:cs="rId5"/>
+          </a:graphicData>
+        </a:graphic>
+      </p:graphicFrame>
+      <p:sp>
+        <p:nvSpPr>
+          <p:cNvPr id="8" name="Textplatzhalter 7">
+            <a:extLst>
+              <a:ext uri="{FF2B5EF4-FFF2-40B4-BE49-F238E27FC236}">
+                <a16:creationId xmlns:a16="http://schemas.microsoft.com/office/drawing/2014/main" id="{8C7EB124-DE3E-4F63-A0FD-33AB2EA86D18}"/>
+              </a:ext>
+            </a:extLst>
+          </p:cNvPr>
+          <p:cNvSpPr>
+            <a:spLocks noGrp="1"/>
+          </p:cNvSpPr>
+          <p:nvPr>
+            <p:ph type="body" sz="quarter" idx="13"/>
+          </p:nvPr>
+        </p:nvSpPr>
+        <p:spPr/>
+        <p:txBody>
+          <a:bodyPr/>
+          <a:lstStyle/>
+          <a:p>
+            <a:r>
+              <a:rPr lang="de-DE" dirty="0"/>
+              <a:t>Architektur</a:t>
+            </a:r>
+          </a:p>
+        </p:txBody>
+      </p:sp>
+      <p:sp>
+        <p:nvSpPr>
+          <p:cNvPr id="6" name="Titel 5"/>
+          <p:cNvSpPr>
+            <a:spLocks noGrp="1"/>
+          </p:cNvSpPr>
+          <p:nvPr>
+            <p:ph type="title"/>
+          </p:nvPr>
+        </p:nvSpPr>
+        <p:spPr/>
+        <p:txBody>
+          <a:bodyPr/>
+          <a:lstStyle/>
+          <a:p>
+            <a:r>
+              <a:rPr lang="de-DE" dirty="0"/>
+              <a:t>Generator</a:t>
+            </a:r>
+          </a:p>
+        </p:txBody>
+      </p:sp>
+    </p:spTree>
+    <p:extLst>
+      <p:ext uri="{BB962C8B-B14F-4D97-AF65-F5344CB8AC3E}">
+        <p14:creationId xmlns:p14="http://schemas.microsoft.com/office/powerpoint/2010/main" val="3261571547"/>
+      </p:ext>
+    </p:extLst>
+  </p:cSld>
+  <p:clrMapOvr>
+    <a:masterClrMapping/>
+  </p:clrMapOvr>
+</p:sld>
+</file>
+
+<file path=ppt/slides/slide6.xml><?xml version="1.0" encoding="utf-8"?>
+<p:sld xmlns:a="http://schemas.openxmlformats.org/drawingml/2006/main" xmlns:r="http://schemas.openxmlformats.org/officeDocument/2006/relationships" xmlns:p="http://schemas.openxmlformats.org/presentationml/2006/main">
+  <p:cSld>
+    <p:spTree>
+      <p:nvGrpSpPr>
+        <p:cNvPr id="1" name=""/>
+        <p:cNvGrpSpPr/>
+        <p:nvPr/>
+      </p:nvGrpSpPr>
+      <p:grpSpPr>
+        <a:xfrm>
+          <a:off x="0" y="0"/>
+          <a:ext cx="0" cy="0"/>
+          <a:chOff x="0" y="0"/>
+          <a:chExt cx="0" cy="0"/>
+        </a:xfrm>
+      </p:grpSpPr>
+      <p:sp>
+        <p:nvSpPr>
+          <p:cNvPr id="2" name="Datumsplatzhalter 1"/>
+          <p:cNvSpPr>
+            <a:spLocks noGrp="1"/>
+          </p:cNvSpPr>
+          <p:nvPr>
+            <p:ph type="dt" sz="half" idx="10"/>
+          </p:nvPr>
+        </p:nvSpPr>
+        <p:spPr/>
+        <p:txBody>
+          <a:bodyPr/>
+          <a:lstStyle/>
+          <a:p>
+            <a:r>
+              <a:rPr lang="de-DE" dirty="0"/>
+              <a:t>10.07.2016</a:t>
+            </a:r>
+          </a:p>
+        </p:txBody>
+      </p:sp>
+      <p:sp>
+        <p:nvSpPr>
+          <p:cNvPr id="3" name="Fußzeilenplatzhalter 2"/>
+          <p:cNvSpPr>
+            <a:spLocks noGrp="1"/>
+          </p:cNvSpPr>
+          <p:nvPr>
+            <p:ph type="ftr" sz="quarter" idx="11"/>
+          </p:nvPr>
+        </p:nvSpPr>
+        <p:spPr/>
+        <p:txBody>
+          <a:bodyPr/>
+          <a:lstStyle/>
+          <a:p>
+            <a:r>
+              <a:rPr lang="de-DE"/>
+              <a:t>Legosar SS 18</a:t>
+            </a:r>
+            <a:endParaRPr lang="de-DE" dirty="0"/>
+          </a:p>
+        </p:txBody>
+      </p:sp>
+      <p:sp>
+        <p:nvSpPr>
+          <p:cNvPr id="4" name="Foliennummernplatzhalter 3"/>
+          <p:cNvSpPr>
+            <a:spLocks noGrp="1"/>
+          </p:cNvSpPr>
+          <p:nvPr>
+            <p:ph type="sldNum" sz="quarter" idx="12"/>
+          </p:nvPr>
+        </p:nvSpPr>
+        <p:spPr/>
+        <p:txBody>
+          <a:bodyPr/>
+          <a:lstStyle/>
+          <a:p>
+            <a:r>
+              <a:rPr lang="de-DE"/>
+              <a:t>S. </a:t>
+            </a:r>
+            <a:fld id="{D7EFD9E5-FB44-4C01-A2C2-48348664E7CC}" type="slidenum">
+              <a:rPr lang="de-DE" smtClean="0"/>
+              <a:pPr/>
+              <a:t>6</a:t>
+            </a:fld>
+            <a:endParaRPr lang="de-DE" dirty="0"/>
+          </a:p>
+        </p:txBody>
+      </p:sp>
+      <p:sp>
+        <p:nvSpPr>
+          <p:cNvPr id="8" name="Textplatzhalter 7">
+            <a:extLst>
+              <a:ext uri="{FF2B5EF4-FFF2-40B4-BE49-F238E27FC236}">
+                <a16:creationId xmlns:a16="http://schemas.microsoft.com/office/drawing/2014/main" id="{8C7EB124-DE3E-4F63-A0FD-33AB2EA86D18}"/>
+              </a:ext>
+            </a:extLst>
+          </p:cNvPr>
+          <p:cNvSpPr>
+            <a:spLocks noGrp="1"/>
+          </p:cNvSpPr>
+          <p:nvPr>
+            <p:ph type="body" sz="quarter" idx="13"/>
+          </p:nvPr>
+        </p:nvSpPr>
+        <p:spPr/>
+        <p:txBody>
+          <a:bodyPr/>
+          <a:lstStyle/>
+          <a:p>
+            <a:r>
+              <a:rPr lang="de-DE" dirty="0"/>
+              <a:t>Architektur</a:t>
+            </a:r>
+          </a:p>
+        </p:txBody>
+      </p:sp>
+      <p:sp>
+        <p:nvSpPr>
+          <p:cNvPr id="6" name="Titel 5"/>
+          <p:cNvSpPr>
+            <a:spLocks noGrp="1"/>
+          </p:cNvSpPr>
+          <p:nvPr>
+            <p:ph type="title"/>
+          </p:nvPr>
+        </p:nvSpPr>
+        <p:spPr/>
+        <p:txBody>
+          <a:bodyPr/>
+          <a:lstStyle/>
+          <a:p>
+            <a:r>
+              <a:rPr lang="de-DE" dirty="0"/>
+              <a:t>Generator</a:t>
+            </a:r>
+          </a:p>
+        </p:txBody>
+      </p:sp>
+      <p:graphicFrame>
+        <p:nvGraphicFramePr>
+          <p:cNvPr id="9" name="Inhaltsplatzhalter 8">
+            <a:extLst>
+              <a:ext uri="{FF2B5EF4-FFF2-40B4-BE49-F238E27FC236}">
+                <a16:creationId xmlns:a16="http://schemas.microsoft.com/office/drawing/2014/main" id="{25745EE9-57D3-4785-8787-46C557280C9C}"/>
+              </a:ext>
+            </a:extLst>
+          </p:cNvPr>
+          <p:cNvGraphicFramePr>
+            <a:graphicFrameLocks noGrp="1"/>
+          </p:cNvGraphicFramePr>
+          <p:nvPr>
+            <p:ph idx="1"/>
+            <p:extLst>
+              <p:ext uri="{D42A27DB-BD31-4B8C-83A1-F6EECF244321}">
+                <p14:modId xmlns:p14="http://schemas.microsoft.com/office/powerpoint/2010/main" val="1427984240"/>
+              </p:ext>
+            </p:extLst>
+          </p:nvPr>
+        </p:nvGraphicFramePr>
+        <p:xfrm>
+          <a:off x="103932" y="1036638"/>
+          <a:ext cx="6637436" cy="3506787"/>
+        </p:xfrm>
+        <a:graphic>
+          <a:graphicData uri="http://schemas.openxmlformats.org/drawingml/2006/diagram">
+            <dgm:relIds xmlns:dgm="http://schemas.openxmlformats.org/drawingml/2006/diagram" xmlns:r="http://schemas.openxmlformats.org/officeDocument/2006/relationships" r:dm="rId2" r:lo="rId3" r:qs="rId4" r:cs="rId5"/>
+          </a:graphicData>
+        </a:graphic>
+      </p:graphicFrame>
+    </p:spTree>
+    <p:extLst>
+      <p:ext uri="{BB962C8B-B14F-4D97-AF65-F5344CB8AC3E}">
+        <p14:creationId xmlns:p14="http://schemas.microsoft.com/office/powerpoint/2010/main" val="2031411326"/>
+      </p:ext>
+    </p:extLst>
+  </p:cSld>
+  <p:clrMapOvr>
+    <a:masterClrMapping/>
+  </p:clrMapOvr>
+</p:sld>
+</file>
+
+<file path=ppt/slides/slide7.xml><?xml version="1.0" encoding="utf-8"?>
+<p:sld xmlns:a="http://schemas.openxmlformats.org/drawingml/2006/main" xmlns:r="http://schemas.openxmlformats.org/officeDocument/2006/relationships" xmlns:p="http://schemas.openxmlformats.org/presentationml/2006/main">
+  <p:cSld>
+    <p:spTree>
+      <p:nvGrpSpPr>
+        <p:cNvPr id="1" name=""/>
+        <p:cNvGrpSpPr/>
+        <p:nvPr/>
+      </p:nvGrpSpPr>
+      <p:grpSpPr>
+        <a:xfrm>
+          <a:off x="0" y="0"/>
+          <a:ext cx="0" cy="0"/>
+          <a:chOff x="0" y="0"/>
+          <a:chExt cx="0" cy="0"/>
+        </a:xfrm>
+      </p:grpSpPr>
+      <p:sp>
+        <p:nvSpPr>
+          <p:cNvPr id="2" name="Datumsplatzhalter 1"/>
+          <p:cNvSpPr>
+            <a:spLocks noGrp="1"/>
+          </p:cNvSpPr>
+          <p:nvPr>
+            <p:ph type="dt" sz="half" idx="10"/>
+          </p:nvPr>
+        </p:nvSpPr>
+        <p:spPr/>
+        <p:txBody>
+          <a:bodyPr/>
+          <a:lstStyle/>
+          <a:p>
+            <a:r>
+              <a:rPr lang="de-DE" dirty="0"/>
+              <a:t>10.07.2016</a:t>
+            </a:r>
+          </a:p>
+        </p:txBody>
+      </p:sp>
+      <p:sp>
+        <p:nvSpPr>
+          <p:cNvPr id="3" name="Fußzeilenplatzhalter 2"/>
+          <p:cNvSpPr>
+            <a:spLocks noGrp="1"/>
+          </p:cNvSpPr>
+          <p:nvPr>
+            <p:ph type="ftr" sz="quarter" idx="11"/>
+          </p:nvPr>
+        </p:nvSpPr>
+        <p:spPr/>
+        <p:txBody>
+          <a:bodyPr/>
+          <a:lstStyle/>
+          <a:p>
+            <a:r>
+              <a:rPr lang="de-DE"/>
+              <a:t>Legosar SS 18</a:t>
+            </a:r>
+            <a:endParaRPr lang="de-DE" dirty="0"/>
+          </a:p>
+        </p:txBody>
+      </p:sp>
+      <p:sp>
+        <p:nvSpPr>
+          <p:cNvPr id="4" name="Foliennummernplatzhalter 3"/>
+          <p:cNvSpPr>
+            <a:spLocks noGrp="1"/>
+          </p:cNvSpPr>
+          <p:nvPr>
+            <p:ph type="sldNum" sz="quarter" idx="12"/>
+          </p:nvPr>
+        </p:nvSpPr>
+        <p:spPr/>
+        <p:txBody>
+          <a:bodyPr/>
+          <a:lstStyle/>
+          <a:p>
+            <a:r>
+              <a:rPr lang="de-DE"/>
+              <a:t>S. </a:t>
+            </a:r>
+            <a:fld id="{D7EFD9E5-FB44-4C01-A2C2-48348664E7CC}" type="slidenum">
+              <a:rPr lang="de-DE" smtClean="0"/>
+              <a:pPr/>
+              <a:t>7</a:t>
+            </a:fld>
+            <a:endParaRPr lang="de-DE" dirty="0"/>
+          </a:p>
+        </p:txBody>
+      </p:sp>
+      <p:graphicFrame>
+        <p:nvGraphicFramePr>
+          <p:cNvPr id="8" name="Inhaltsplatzhalter 7">
+            <a:extLst>
+              <a:ext uri="{FF2B5EF4-FFF2-40B4-BE49-F238E27FC236}">
+                <a16:creationId xmlns:a16="http://schemas.microsoft.com/office/drawing/2014/main" id="{84E533BB-96E0-4DCB-8F82-7C0280D3D297}"/>
+              </a:ext>
+            </a:extLst>
+          </p:cNvPr>
+          <p:cNvGraphicFramePr>
+            <a:graphicFrameLocks noGrp="1"/>
+          </p:cNvGraphicFramePr>
+          <p:nvPr>
+            <p:ph idx="1"/>
+            <p:extLst>
+              <p:ext uri="{D42A27DB-BD31-4B8C-83A1-F6EECF244321}">
+                <p14:modId xmlns:p14="http://schemas.microsoft.com/office/powerpoint/2010/main" val="2677163200"/>
+              </p:ext>
+            </p:extLst>
+          </p:nvPr>
+        </p:nvGraphicFramePr>
+        <p:xfrm>
+          <a:off x="209550" y="1693888"/>
+          <a:ext cx="6426200" cy="1093886"/>
+        </p:xfrm>
+        <a:graphic>
+          <a:graphicData uri="http://schemas.openxmlformats.org/drawingml/2006/diagram">
+            <dgm:relIds xmlns:dgm="http://schemas.openxmlformats.org/drawingml/2006/diagram" xmlns:r="http://schemas.openxmlformats.org/officeDocument/2006/relationships" r:dm="rId2" r:lo="rId3" r:qs="rId4" r:cs="rId5"/>
+          </a:graphicData>
+        </a:graphic>
+      </p:graphicFrame>
+      <p:sp>
+        <p:nvSpPr>
+          <p:cNvPr id="12" name="Textplatzhalter 11">
+            <a:extLst>
+              <a:ext uri="{FF2B5EF4-FFF2-40B4-BE49-F238E27FC236}">
+                <a16:creationId xmlns:a16="http://schemas.microsoft.com/office/drawing/2014/main" id="{B148AD95-DF13-4B22-83F2-74C482891D37}"/>
+              </a:ext>
+            </a:extLst>
+          </p:cNvPr>
+          <p:cNvSpPr>
+            <a:spLocks noGrp="1"/>
+          </p:cNvSpPr>
+          <p:nvPr>
+            <p:ph type="body" sz="quarter" idx="13"/>
+          </p:nvPr>
+        </p:nvSpPr>
+        <p:spPr/>
+        <p:txBody>
+          <a:bodyPr/>
+          <a:lstStyle/>
+          <a:p>
+            <a:r>
+              <a:rPr lang="de-DE" dirty="0"/>
+              <a:t>Architektur</a:t>
+            </a:r>
+          </a:p>
+        </p:txBody>
+      </p:sp>
+      <p:sp>
+        <p:nvSpPr>
+          <p:cNvPr id="6" name="Titel 5"/>
+          <p:cNvSpPr>
+            <a:spLocks noGrp="1"/>
+          </p:cNvSpPr>
+          <p:nvPr>
+            <p:ph type="title"/>
+          </p:nvPr>
+        </p:nvSpPr>
+        <p:spPr/>
+        <p:txBody>
+          <a:bodyPr/>
+          <a:lstStyle/>
+          <a:p>
+            <a:r>
+              <a:rPr lang="de-DE" dirty="0"/>
+              <a:t>Generator</a:t>
+            </a:r>
+          </a:p>
+        </p:txBody>
+      </p:sp>
+      <p:sp>
+        <p:nvSpPr>
+          <p:cNvPr id="9" name="Textfeld 8">
+            <a:extLst>
+              <a:ext uri="{FF2B5EF4-FFF2-40B4-BE49-F238E27FC236}">
+                <a16:creationId xmlns:a16="http://schemas.microsoft.com/office/drawing/2014/main" id="{A23FDE92-0052-4CF6-8EE0-D507639BFF9D}"/>
+              </a:ext>
+            </a:extLst>
+          </p:cNvPr>
+          <p:cNvSpPr txBox="1"/>
+          <p:nvPr/>
+        </p:nvSpPr>
+        <p:spPr>
+          <a:xfrm>
+            <a:off x="116632" y="2787774"/>
+            <a:ext cx="1908368" cy="938719"/>
+          </a:xfrm>
+          <a:prstGeom prst="rect">
+            <a:avLst/>
+          </a:prstGeom>
+          <a:noFill/>
+        </p:spPr>
+        <p:txBody>
+          <a:bodyPr wrap="square" rtlCol="0">
+            <a:spAutoFit/>
+          </a:bodyPr>
+          <a:lstStyle/>
+          <a:p>
+            <a:pPr marL="285750" indent="-285750">
+              <a:buFont typeface="Arial" panose="020B0604020202020204" pitchFamily="34" charset="0"/>
+              <a:buChar char="•"/>
+            </a:pPr>
+            <a:r>
+              <a:rPr lang="de-DE" sz="1100" dirty="0"/>
+              <a:t>Sammeln von Kontextdaten</a:t>
+            </a:r>
+          </a:p>
+          <a:p>
+            <a:pPr marL="285750" indent="-285750">
+              <a:buFont typeface="Arial" panose="020B0604020202020204" pitchFamily="34" charset="0"/>
+              <a:buChar char="•"/>
+            </a:pPr>
+            <a:r>
+              <a:rPr lang="de-DE" sz="1100" dirty="0"/>
+              <a:t>Starten der Untergeneratoren</a:t>
+            </a:r>
+          </a:p>
+          <a:p>
+            <a:endParaRPr lang="de-DE" sz="1100" dirty="0"/>
+          </a:p>
+        </p:txBody>
+      </p:sp>
+      <p:sp>
+        <p:nvSpPr>
+          <p:cNvPr id="10" name="Textfeld 9">
+            <a:extLst>
+              <a:ext uri="{FF2B5EF4-FFF2-40B4-BE49-F238E27FC236}">
+                <a16:creationId xmlns:a16="http://schemas.microsoft.com/office/drawing/2014/main" id="{BA2AE922-10C0-40A4-8FEB-47053CB23DC5}"/>
+              </a:ext>
+            </a:extLst>
+          </p:cNvPr>
+          <p:cNvSpPr txBox="1"/>
+          <p:nvPr/>
+        </p:nvSpPr>
+        <p:spPr>
+          <a:xfrm>
+            <a:off x="2304361" y="2787774"/>
+            <a:ext cx="1908368" cy="769441"/>
+          </a:xfrm>
+          <a:prstGeom prst="rect">
+            <a:avLst/>
+          </a:prstGeom>
+          <a:noFill/>
+        </p:spPr>
+        <p:txBody>
+          <a:bodyPr wrap="square" rtlCol="0">
+            <a:spAutoFit/>
+          </a:bodyPr>
+          <a:lstStyle/>
+          <a:p>
+            <a:pPr marL="285750" indent="-285750">
+              <a:buFont typeface="Arial" panose="020B0604020202020204" pitchFamily="34" charset="0"/>
+              <a:buChar char="•"/>
+            </a:pPr>
+            <a:r>
+              <a:rPr lang="de-DE" sz="1100" dirty="0"/>
+              <a:t>Sammeln der Daten</a:t>
+            </a:r>
+          </a:p>
+          <a:p>
+            <a:pPr marL="285750" indent="-285750">
+              <a:buFont typeface="Arial" panose="020B0604020202020204" pitchFamily="34" charset="0"/>
+              <a:buChar char="•"/>
+            </a:pPr>
+            <a:r>
+              <a:rPr lang="de-DE" sz="1100" dirty="0"/>
+              <a:t>Bestimmung der Variableninhalte</a:t>
+            </a:r>
+          </a:p>
+          <a:p>
+            <a:endParaRPr lang="de-DE" sz="1100" dirty="0"/>
+          </a:p>
+        </p:txBody>
+      </p:sp>
+      <p:sp>
+        <p:nvSpPr>
+          <p:cNvPr id="11" name="Textfeld 10">
+            <a:extLst>
+              <a:ext uri="{FF2B5EF4-FFF2-40B4-BE49-F238E27FC236}">
+                <a16:creationId xmlns:a16="http://schemas.microsoft.com/office/drawing/2014/main" id="{BDD010E7-239F-466F-BE5E-4FD87CB39CAC}"/>
+              </a:ext>
+            </a:extLst>
+          </p:cNvPr>
+          <p:cNvSpPr txBox="1"/>
+          <p:nvPr/>
+        </p:nvSpPr>
+        <p:spPr>
+          <a:xfrm>
+            <a:off x="4492090" y="2787774"/>
+            <a:ext cx="1908368" cy="600164"/>
+          </a:xfrm>
+          <a:prstGeom prst="rect">
+            <a:avLst/>
+          </a:prstGeom>
+          <a:noFill/>
+        </p:spPr>
+        <p:txBody>
+          <a:bodyPr wrap="square" rtlCol="0">
+            <a:spAutoFit/>
+          </a:bodyPr>
+          <a:lstStyle/>
+          <a:p>
+            <a:pPr marL="285750" indent="-285750">
+              <a:buFont typeface="Arial" panose="020B0604020202020204" pitchFamily="34" charset="0"/>
+              <a:buChar char="•"/>
+            </a:pPr>
+            <a:r>
+              <a:rPr lang="de-DE" sz="1100" dirty="0"/>
+              <a:t>Laden des Templates</a:t>
+            </a:r>
+          </a:p>
+          <a:p>
+            <a:pPr marL="285750" indent="-285750">
+              <a:buFont typeface="Arial" panose="020B0604020202020204" pitchFamily="34" charset="0"/>
+              <a:buChar char="•"/>
+            </a:pPr>
+            <a:r>
+              <a:rPr lang="de-DE" sz="1100" dirty="0"/>
+              <a:t>Befüllung mit Daten</a:t>
+            </a:r>
+          </a:p>
+          <a:p>
+            <a:endParaRPr lang="de-DE" sz="1100" dirty="0"/>
+          </a:p>
+        </p:txBody>
+      </p:sp>
+    </p:spTree>
+    <p:extLst>
+      <p:ext uri="{BB962C8B-B14F-4D97-AF65-F5344CB8AC3E}">
+        <p14:creationId xmlns:p14="http://schemas.microsoft.com/office/powerpoint/2010/main" val="166254318"/>
+      </p:ext>
+    </p:extLst>
+  </p:cSld>
+  <p:clrMapOvr>
+    <a:masterClrMapping/>
+  </p:clrMapOvr>
+</p:sld>
+</file>
+
+<file path=ppt/slides/slide8.xml><?xml version="1.0" encoding="utf-8"?>
+<p:sld xmlns:a="http://schemas.openxmlformats.org/drawingml/2006/main" xmlns:r="http://schemas.openxmlformats.org/officeDocument/2006/relationships" xmlns:p="http://schemas.openxmlformats.org/presentationml/2006/main">
+  <p:cSld>
+    <p:spTree>
+      <p:nvGrpSpPr>
+        <p:cNvPr id="1" name=""/>
+        <p:cNvGrpSpPr/>
+        <p:nvPr/>
+      </p:nvGrpSpPr>
+      <p:grpSpPr>
+        <a:xfrm>
+          <a:off x="0" y="0"/>
+          <a:ext cx="0" cy="0"/>
+          <a:chOff x="0" y="0"/>
+          <a:chExt cx="0" cy="0"/>
+        </a:xfrm>
+      </p:grpSpPr>
+      <p:sp>
+        <p:nvSpPr>
+          <p:cNvPr id="2" name="Datumsplatzhalter 1"/>
+          <p:cNvSpPr>
+            <a:spLocks noGrp="1"/>
+          </p:cNvSpPr>
+          <p:nvPr>
+            <p:ph type="dt" sz="half" idx="10"/>
+          </p:nvPr>
+        </p:nvSpPr>
+        <p:spPr/>
+        <p:txBody>
+          <a:bodyPr/>
+          <a:lstStyle/>
+          <a:p>
+            <a:r>
+              <a:rPr lang="de-DE" dirty="0"/>
+              <a:t>10.07.2016</a:t>
+            </a:r>
+          </a:p>
+        </p:txBody>
+      </p:sp>
+      <p:sp>
+        <p:nvSpPr>
+          <p:cNvPr id="3" name="Fußzeilenplatzhalter 2"/>
+          <p:cNvSpPr>
+            <a:spLocks noGrp="1"/>
+          </p:cNvSpPr>
+          <p:nvPr>
+            <p:ph type="ftr" sz="quarter" idx="11"/>
+          </p:nvPr>
+        </p:nvSpPr>
+        <p:spPr/>
+        <p:txBody>
+          <a:bodyPr/>
+          <a:lstStyle/>
+          <a:p>
+            <a:r>
+              <a:rPr lang="de-DE"/>
+              <a:t>Legosar SS 18</a:t>
+            </a:r>
+            <a:endParaRPr lang="de-DE" dirty="0"/>
+          </a:p>
+        </p:txBody>
+      </p:sp>
+      <p:sp>
+        <p:nvSpPr>
+          <p:cNvPr id="4" name="Foliennummernplatzhalter 3"/>
+          <p:cNvSpPr>
+            <a:spLocks noGrp="1"/>
+          </p:cNvSpPr>
+          <p:nvPr>
+            <p:ph type="sldNum" sz="quarter" idx="12"/>
+          </p:nvPr>
+        </p:nvSpPr>
+        <p:spPr/>
+        <p:txBody>
+          <a:bodyPr/>
+          <a:lstStyle/>
+          <a:p>
+            <a:r>
+              <a:rPr lang="de-DE"/>
+              <a:t>S. </a:t>
+            </a:r>
+            <a:fld id="{D7EFD9E5-FB44-4C01-A2C2-48348664E7CC}" type="slidenum">
+              <a:rPr lang="de-DE" smtClean="0"/>
+              <a:pPr/>
+              <a:t>8</a:t>
+            </a:fld>
+            <a:endParaRPr lang="de-DE" dirty="0"/>
+          </a:p>
+        </p:txBody>
+      </p:sp>
+      <p:sp>
+        <p:nvSpPr>
+          <p:cNvPr id="11" name="Inhaltsplatzhalter 10">
+            <a:extLst>
+              <a:ext uri="{FF2B5EF4-FFF2-40B4-BE49-F238E27FC236}">
+                <a16:creationId xmlns:a16="http://schemas.microsoft.com/office/drawing/2014/main" id="{5F07172A-F733-4451-AB19-B0A79C7A898A}"/>
+              </a:ext>
+            </a:extLst>
+          </p:cNvPr>
+          <p:cNvSpPr>
+            <a:spLocks noGrp="1"/>
+          </p:cNvSpPr>
+          <p:nvPr>
+            <p:ph idx="1"/>
+          </p:nvPr>
+        </p:nvSpPr>
+        <p:spPr/>
+        <p:txBody>
+          <a:bodyPr/>
+          <a:lstStyle/>
+          <a:p>
+            <a:endParaRPr lang="de-DE" dirty="0"/>
+          </a:p>
+        </p:txBody>
+      </p:sp>
+      <p:sp>
+        <p:nvSpPr>
+          <p:cNvPr id="12" name="Textplatzhalter 11">
+            <a:extLst>
+              <a:ext uri="{FF2B5EF4-FFF2-40B4-BE49-F238E27FC236}">
+                <a16:creationId xmlns:a16="http://schemas.microsoft.com/office/drawing/2014/main" id="{9846F0F7-DFCC-4B40-8B7A-B2A798915395}"/>
+              </a:ext>
+            </a:extLst>
+          </p:cNvPr>
+          <p:cNvSpPr>
+            <a:spLocks noGrp="1"/>
+          </p:cNvSpPr>
+          <p:nvPr>
+            <p:ph type="body" sz="quarter" idx="13"/>
+          </p:nvPr>
+        </p:nvSpPr>
+        <p:spPr/>
+        <p:txBody>
+          <a:bodyPr/>
+          <a:lstStyle/>
+          <a:p>
+            <a:r>
+              <a:rPr lang="de-DE" dirty="0"/>
+              <a:t>Templates</a:t>
+            </a:r>
+          </a:p>
+        </p:txBody>
+      </p:sp>
+      <p:sp>
+        <p:nvSpPr>
+          <p:cNvPr id="6" name="Titel 5"/>
+          <p:cNvSpPr>
+            <a:spLocks noGrp="1"/>
+          </p:cNvSpPr>
+          <p:nvPr>
+            <p:ph type="title"/>
+          </p:nvPr>
+        </p:nvSpPr>
+        <p:spPr/>
+        <p:txBody>
+          <a:bodyPr/>
+          <a:lstStyle/>
+          <a:p>
+            <a:r>
+              <a:rPr lang="de-DE" dirty="0"/>
+              <a:t>Generator</a:t>
+            </a:r>
+          </a:p>
+        </p:txBody>
+      </p:sp>
+      <p:pic>
+        <p:nvPicPr>
+          <p:cNvPr id="10" name="Grafik 9">
+            <a:extLst>
+              <a:ext uri="{FF2B5EF4-FFF2-40B4-BE49-F238E27FC236}">
+                <a16:creationId xmlns:a16="http://schemas.microsoft.com/office/drawing/2014/main" id="{CDF74D08-4D7A-4C20-9451-41B15C9C78A7}"/>
+              </a:ext>
+            </a:extLst>
+          </p:cNvPr>
+          <p:cNvPicPr>
+            <a:picLocks noChangeAspect="1"/>
+          </p:cNvPicPr>
+          <p:nvPr/>
+        </p:nvPicPr>
+        <p:blipFill>
+          <a:blip r:embed="rId2">
+            <a:extLst>
+              <a:ext uri="{28A0092B-C50C-407E-A947-70E740481C1C}">
+                <a14:useLocalDpi xmlns:a14="http://schemas.microsoft.com/office/drawing/2010/main" val="0"/>
+              </a:ext>
+            </a:extLst>
+          </a:blip>
+          <a:stretch>
+            <a:fillRect/>
+          </a:stretch>
+        </p:blipFill>
+        <p:spPr>
+          <a:xfrm>
+            <a:off x="404664" y="1419622"/>
+            <a:ext cx="6026712" cy="2426226"/>
+          </a:xfrm>
+          <a:prstGeom prst="rect">
+            <a:avLst/>
+          </a:prstGeom>
+        </p:spPr>
+      </p:pic>
+    </p:spTree>
+    <p:extLst>
+      <p:ext uri="{BB962C8B-B14F-4D97-AF65-F5344CB8AC3E}">
+        <p14:creationId xmlns:p14="http://schemas.microsoft.com/office/powerpoint/2010/main" val="1240405956"/>
+      </p:ext>
+    </p:extLst>
+  </p:cSld>
+  <p:clrMapOvr>
+    <a:masterClrMapping/>
+  </p:clrMapOvr>
+</p:sld>
+</file>
+
+<file path=ppt/slides/slide9.xml><?xml version="1.0" encoding="utf-8"?>
+<p:sld xmlns:a="http://schemas.openxmlformats.org/drawingml/2006/main" xmlns:r="http://schemas.openxmlformats.org/officeDocument/2006/relationships" xmlns:p="http://schemas.openxmlformats.org/presentationml/2006/main">
+  <p:cSld>
+    <p:spTree>
+      <p:nvGrpSpPr>
+        <p:cNvPr id="1" name=""/>
+        <p:cNvGrpSpPr/>
+        <p:nvPr/>
+      </p:nvGrpSpPr>
+      <p:grpSpPr>
+        <a:xfrm>
+          <a:off x="0" y="0"/>
+          <a:ext cx="0" cy="0"/>
+          <a:chOff x="0" y="0"/>
+          <a:chExt cx="0" cy="0"/>
+        </a:xfrm>
+      </p:grpSpPr>
+      <p:sp>
+        <p:nvSpPr>
+          <p:cNvPr id="2" name="Datumsplatzhalter 1"/>
+          <p:cNvSpPr>
+            <a:spLocks noGrp="1"/>
+          </p:cNvSpPr>
+          <p:nvPr>
+            <p:ph type="dt" sz="half" idx="10"/>
+          </p:nvPr>
+        </p:nvSpPr>
+        <p:spPr/>
+        <p:txBody>
+          <a:bodyPr/>
+          <a:lstStyle/>
+          <a:p>
+            <a:r>
+              <a:rPr lang="de-DE" dirty="0"/>
+              <a:t>10.07.2016</a:t>
+            </a:r>
+          </a:p>
+        </p:txBody>
+      </p:sp>
+      <p:sp>
+        <p:nvSpPr>
+          <p:cNvPr id="3" name="Fußzeilenplatzhalter 2"/>
+          <p:cNvSpPr>
+            <a:spLocks noGrp="1"/>
+          </p:cNvSpPr>
+          <p:nvPr>
+            <p:ph type="ftr" sz="quarter" idx="11"/>
+          </p:nvPr>
+        </p:nvSpPr>
+        <p:spPr/>
+        <p:txBody>
+          <a:bodyPr/>
+          <a:lstStyle/>
+          <a:p>
+            <a:r>
+              <a:rPr lang="de-DE"/>
+              <a:t>Legosar SS 18</a:t>
+            </a:r>
+            <a:endParaRPr lang="de-DE" dirty="0"/>
+          </a:p>
+        </p:txBody>
+      </p:sp>
+      <p:sp>
+        <p:nvSpPr>
+          <p:cNvPr id="4" name="Foliennummernplatzhalter 3"/>
+          <p:cNvSpPr>
+            <a:spLocks noGrp="1"/>
+          </p:cNvSpPr>
+          <p:nvPr>
+            <p:ph type="sldNum" sz="quarter" idx="12"/>
+          </p:nvPr>
+        </p:nvSpPr>
+        <p:spPr/>
+        <p:txBody>
+          <a:bodyPr/>
+          <a:lstStyle/>
+          <a:p>
+            <a:r>
+              <a:rPr lang="de-DE"/>
+              <a:t>S. </a:t>
+            </a:r>
+            <a:fld id="{D7EFD9E5-FB44-4C01-A2C2-48348664E7CC}" type="slidenum">
+              <a:rPr lang="de-DE" smtClean="0"/>
+              <a:pPr/>
+              <a:t>9</a:t>
+            </a:fld>
+            <a:endParaRPr lang="de-DE" dirty="0"/>
+          </a:p>
+        </p:txBody>
+      </p:sp>
+      <p:sp>
+        <p:nvSpPr>
+          <p:cNvPr id="8" name="Inhaltsplatzhalter 7">
+            <a:extLst>
+              <a:ext uri="{FF2B5EF4-FFF2-40B4-BE49-F238E27FC236}">
+                <a16:creationId xmlns:a16="http://schemas.microsoft.com/office/drawing/2014/main" id="{B4C2C888-D125-4B0A-AB36-40745AEC9296}"/>
+              </a:ext>
+            </a:extLst>
+          </p:cNvPr>
+          <p:cNvSpPr>
+            <a:spLocks noGrp="1"/>
+          </p:cNvSpPr>
+          <p:nvPr>
+            <p:ph idx="1"/>
+          </p:nvPr>
+        </p:nvSpPr>
+        <p:spPr/>
+        <p:txBody>
+          <a:bodyPr/>
+          <a:lstStyle/>
+          <a:p>
+            <a:endParaRPr lang="de-DE"/>
+          </a:p>
+        </p:txBody>
+      </p:sp>
+      <p:sp>
+        <p:nvSpPr>
+          <p:cNvPr id="9" name="Textplatzhalter 8">
+            <a:extLst>
+              <a:ext uri="{FF2B5EF4-FFF2-40B4-BE49-F238E27FC236}">
+                <a16:creationId xmlns:a16="http://schemas.microsoft.com/office/drawing/2014/main" id="{BEEF14ED-FFD8-4581-A3FC-DCD6F1373C9F}"/>
+              </a:ext>
+            </a:extLst>
+          </p:cNvPr>
+          <p:cNvSpPr>
+            <a:spLocks noGrp="1"/>
+          </p:cNvSpPr>
+          <p:nvPr>
+            <p:ph type="body" sz="quarter" idx="13"/>
+          </p:nvPr>
+        </p:nvSpPr>
+        <p:spPr/>
+        <p:txBody>
+          <a:bodyPr/>
+          <a:lstStyle/>
+          <a:p>
+            <a:r>
+              <a:rPr lang="de-DE" dirty="0"/>
+              <a:t>Templates</a:t>
+            </a:r>
+          </a:p>
+        </p:txBody>
+      </p:sp>
+      <p:sp>
+        <p:nvSpPr>
+          <p:cNvPr id="6" name="Titel 5"/>
+          <p:cNvSpPr>
+            <a:spLocks noGrp="1"/>
+          </p:cNvSpPr>
+          <p:nvPr>
+            <p:ph type="title"/>
+          </p:nvPr>
+        </p:nvSpPr>
+        <p:spPr/>
+        <p:txBody>
+          <a:bodyPr/>
+          <a:lstStyle/>
+          <a:p>
+            <a:r>
+              <a:rPr lang="de-DE" dirty="0"/>
+              <a:t>Generator</a:t>
+            </a:r>
+          </a:p>
+        </p:txBody>
+      </p:sp>
+      <p:pic>
+        <p:nvPicPr>
+          <p:cNvPr id="7" name="Grafik 6">
+            <a:extLst>
+              <a:ext uri="{FF2B5EF4-FFF2-40B4-BE49-F238E27FC236}">
+                <a16:creationId xmlns:a16="http://schemas.microsoft.com/office/drawing/2014/main" id="{D03B093E-D126-48C1-B966-B55E93091438}"/>
+              </a:ext>
+            </a:extLst>
+          </p:cNvPr>
+          <p:cNvPicPr>
+            <a:picLocks noChangeAspect="1"/>
+          </p:cNvPicPr>
+          <p:nvPr/>
+        </p:nvPicPr>
+        <p:blipFill>
+          <a:blip r:embed="rId2" cstate="print">
+            <a:extLst>
+              <a:ext uri="{28A0092B-C50C-407E-A947-70E740481C1C}">
+                <a14:useLocalDpi xmlns:a14="http://schemas.microsoft.com/office/drawing/2010/main" val="0"/>
+              </a:ext>
+            </a:extLst>
+          </a:blip>
+          <a:stretch>
+            <a:fillRect/>
+          </a:stretch>
+        </p:blipFill>
+        <p:spPr>
+          <a:xfrm>
+            <a:off x="766135" y="1995686"/>
+            <a:ext cx="5325730" cy="1152128"/>
+          </a:xfrm>
+          <a:prstGeom prst="rect">
+            <a:avLst/>
+          </a:prstGeom>
+        </p:spPr>
+      </p:pic>
+    </p:spTree>
+    <p:extLst>
+      <p:ext uri="{BB962C8B-B14F-4D97-AF65-F5344CB8AC3E}">
+        <p14:creationId xmlns:p14="http://schemas.microsoft.com/office/powerpoint/2010/main" val="777073559"/>
       </p:ext>
     </p:extLst>
   </p:cSld>
@@ -20372,6 +20880,12 @@
 </file>
 
 <file path=customXml/item2.xml><?xml version="1.0" encoding="utf-8"?>
+<p:properties xmlns:p="http://schemas.microsoft.com/office/2006/metadata/properties" xmlns:xsi="http://www.w3.org/2001/XMLSchema-instance" xmlns:pc="http://schemas.microsoft.com/office/infopath/2007/PartnerControls">
+  <documentManagement/>
+</p:properties>
+</file>
+
+<file path=customXml/item3.xml><?xml version="1.0" encoding="utf-8"?>
 <ct:contentTypeSchema xmlns:ct="http://schemas.microsoft.com/office/2006/metadata/contentType" xmlns:ma="http://schemas.microsoft.com/office/2006/metadata/properties/metaAttributes" ct:_="" ma:_="" ma:contentTypeName="Dokument" ma:contentTypeID="0x0101003DC6390AE56B35438C65966F635EAD35" ma:contentTypeVersion="0" ma:contentTypeDescription="Ein neues Dokument erstellen." ma:contentTypeScope="" ma:versionID="4f3286d4674dd6d9e62b4ad622de0e43">
   <xsd:schema xmlns:xsd="http://www.w3.org/2001/XMLSchema" xmlns:xs="http://www.w3.org/2001/XMLSchema" xmlns:p="http://schemas.microsoft.com/office/2006/metadata/properties" targetNamespace="http://schemas.microsoft.com/office/2006/metadata/properties" ma:root="true" ma:fieldsID="b4f5dc90cf06628c3b90945c8266c24d">
     <xsd:element name="properties">
@@ -20485,12 +20999,6 @@
 </ct:contentTypeSchema>
 </file>
 
-<file path=customXml/item3.xml><?xml version="1.0" encoding="utf-8"?>
-<p:properties xmlns:p="http://schemas.microsoft.com/office/2006/metadata/properties" xmlns:xsi="http://www.w3.org/2001/XMLSchema-instance" xmlns:pc="http://schemas.microsoft.com/office/infopath/2007/PartnerControls">
-  <documentManagement/>
-</p:properties>
-</file>
-
 <file path=customXml/itemProps1.xml><?xml version="1.0" encoding="utf-8"?>
 <ds:datastoreItem xmlns:ds="http://schemas.openxmlformats.org/officeDocument/2006/customXml" ds:itemID="{FD22786F-CBCD-4FD4-A284-6C8FA96D8FE2}">
   <ds:schemaRefs>
@@ -20500,6 +21008,21 @@
 </file>
 
 <file path=customXml/itemProps2.xml><?xml version="1.0" encoding="utf-8"?>
+<ds:datastoreItem xmlns:ds="http://schemas.openxmlformats.org/officeDocument/2006/customXml" ds:itemID="{0A4ADDD2-5B29-4A1F-90E1-3FD9AC1E4F18}">
+  <ds:schemaRefs>
+    <ds:schemaRef ds:uri="http://purl.org/dc/dcmitype/"/>
+    <ds:schemaRef ds:uri="http://schemas.microsoft.com/office/infopath/2007/PartnerControls"/>
+    <ds:schemaRef ds:uri="http://purl.org/dc/elements/1.1/"/>
+    <ds:schemaRef ds:uri="http://schemas.microsoft.com/office/2006/metadata/properties"/>
+    <ds:schemaRef ds:uri="http://schemas.microsoft.com/office/2006/documentManagement/types"/>
+    <ds:schemaRef ds:uri="http://schemas.openxmlformats.org/package/2006/metadata/core-properties"/>
+    <ds:schemaRef ds:uri="http://www.w3.org/XML/1998/namespace"/>
+    <ds:schemaRef ds:uri="http://purl.org/dc/terms/"/>
+  </ds:schemaRefs>
+</ds:datastoreItem>
+</file>
+
+<file path=customXml/itemProps3.xml><?xml version="1.0" encoding="utf-8"?>
 <ds:datastoreItem xmlns:ds="http://schemas.openxmlformats.org/officeDocument/2006/customXml" ds:itemID="{35240994-86D6-4C55-8272-3C86349FB6F7}">
   <ds:schemaRefs>
     <ds:schemaRef ds:uri="http://schemas.microsoft.com/office/2006/metadata/contentType"/>
@@ -20513,19 +21036,4 @@
     <ds:schemaRef ds:uri="http://schemas.microsoft.com/office/infopath/2007/PartnerControls"/>
   </ds:schemaRefs>
 </ds:datastoreItem>
-</file>
-
-<file path=customXml/itemProps3.xml><?xml version="1.0" encoding="utf-8"?>
-<ds:datastoreItem xmlns:ds="http://schemas.openxmlformats.org/officeDocument/2006/customXml" ds:itemID="{0A4ADDD2-5B29-4A1F-90E1-3FD9AC1E4F18}">
-  <ds:schemaRefs>
-    <ds:schemaRef ds:uri="http://purl.org/dc/dcmitype/"/>
-    <ds:schemaRef ds:uri="http://schemas.microsoft.com/office/infopath/2007/PartnerControls"/>
-    <ds:schemaRef ds:uri="http://purl.org/dc/elements/1.1/"/>
-    <ds:schemaRef ds:uri="http://schemas.microsoft.com/office/2006/metadata/properties"/>
-    <ds:schemaRef ds:uri="http://schemas.microsoft.com/office/2006/documentManagement/types"/>
-    <ds:schemaRef ds:uri="http://schemas.openxmlformats.org/package/2006/metadata/core-properties"/>
-    <ds:schemaRef ds:uri="http://www.w3.org/XML/1998/namespace"/>
-    <ds:schemaRef ds:uri="http://purl.org/dc/terms/"/>
-  </ds:schemaRefs>
-</ds:datastoreItem>
 </file>